--- a/Documents/TextRPG_와이어프레임.pptx
+++ b/Documents/TextRPG_와이어프레임.pptx
@@ -7641,7 +7641,7 @@
         <p:spPr>
           <a:xfrm>
             <a:off x="801063" y="872703"/>
-            <a:ext cx="7510389" cy="5867697"/>
+            <a:ext cx="5751896" cy="4953279"/>
           </a:xfrm>
           <a:prstGeom prst="rect">
             <a:avLst/>
@@ -7776,19 +7776,11 @@
             </a:pPr>
             <a:r>
               <a:rPr lang="ko-KR" altLang="en-US" sz="1400" dirty="0"/>
-              <a:t>방어력 </a:t>
+              <a:t>현재 </a:t>
             </a:r>
             <a:r>
               <a:rPr lang="en-US" altLang="ko-KR" sz="1400" dirty="0"/>
-              <a:t>[</a:t>
-            </a:r>
-            <a:r>
-              <a:rPr lang="ko-KR" altLang="en-US" sz="1400" dirty="0"/>
-              <a:t>데미지를 방어력으로 나눈다</a:t>
-            </a:r>
-            <a:r>
-              <a:rPr lang="en-US" altLang="ko-KR" sz="1400" dirty="0"/>
-              <a:t>.]</a:t>
+              <a:t>BP</a:t>
             </a:r>
           </a:p>
           <a:p>
@@ -7800,28 +7792,16 @@
               <a:buChar char="•"/>
             </a:pPr>
             <a:r>
-              <a:rPr lang="ko-KR" altLang="en-US" sz="1400" dirty="0" err="1"/>
-              <a:t>스텟</a:t>
-            </a:r>
-            <a:r>
               <a:rPr lang="ko-KR" altLang="en-US" sz="1400" dirty="0"/>
-              <a:t> 랭크</a:t>
+              <a:t>최소 </a:t>
             </a:r>
             <a:r>
               <a:rPr lang="en-US" altLang="ko-KR" sz="1400" dirty="0"/>
-              <a:t>(Ref. </a:t>
-            </a:r>
-            <a:r>
-              <a:rPr lang="ko-KR" altLang="en-US" sz="1400" dirty="0"/>
-              <a:t>포켓몬스터</a:t>
-            </a:r>
-            <a:r>
-              <a:rPr lang="en-US" altLang="ko-KR" sz="1400" dirty="0"/>
-              <a:t>)</a:t>
-            </a:r>
-          </a:p>
-          <a:p>
-            <a:pPr marL="1257300" lvl="2" indent="-342900">
+              <a:t>BP</a:t>
+            </a:r>
+          </a:p>
+          <a:p>
+            <a:pPr marL="342900" indent="-342900">
               <a:lnSpc>
                 <a:spcPct val="150000"/>
               </a:lnSpc>
@@ -7830,31 +7810,23 @@
             </a:pPr>
             <a:r>
               <a:rPr lang="ko-KR" altLang="en-US" sz="1400" dirty="0"/>
-              <a:t>랭크 </a:t>
+              <a:t>방어력 </a:t>
             </a:r>
             <a:r>
               <a:rPr lang="en-US" altLang="ko-KR" sz="1400" dirty="0"/>
-              <a:t>+1 </a:t>
+              <a:t>[</a:t>
             </a:r>
             <a:r>
               <a:rPr lang="ko-KR" altLang="en-US" sz="1400" dirty="0"/>
-              <a:t>당 능력치의 효과가 </a:t>
+              <a:t>데미지를 방어력으로 나눈다</a:t>
             </a:r>
             <a:r>
               <a:rPr lang="en-US" altLang="ko-KR" sz="1400" dirty="0"/>
-              <a:t>25% </a:t>
-            </a:r>
-            <a:r>
-              <a:rPr lang="ko-KR" altLang="en-US" sz="1400" dirty="0"/>
-              <a:t>증가한다</a:t>
-            </a:r>
-            <a:r>
-              <a:rPr lang="en-US" altLang="ko-KR" sz="1400" dirty="0"/>
-              <a:t>.</a:t>
-            </a:r>
-          </a:p>
-          <a:p>
-            <a:pPr marL="1257300" lvl="2" indent="-342900">
+              <a:t>.]</a:t>
+            </a:r>
+          </a:p>
+          <a:p>
+            <a:pPr marL="342900" indent="-342900">
               <a:lnSpc>
                 <a:spcPct val="150000"/>
               </a:lnSpc>
@@ -7862,51 +7834,60 @@
               <a:buChar char="•"/>
             </a:pPr>
             <a:r>
+              <a:rPr lang="ko-KR" altLang="en-US" sz="1400" dirty="0" err="1"/>
+              <a:t>스텟</a:t>
+            </a:r>
+            <a:r>
               <a:rPr lang="ko-KR" altLang="en-US" sz="1400" dirty="0"/>
-              <a:t>랭크 </a:t>
-            </a:r>
-            <a:r>
-              <a:rPr lang="en-US" altLang="ko-KR" sz="1400" dirty="0"/>
-              <a:t>-1</a:t>
-            </a:r>
-            <a:r>
-              <a:rPr lang="ko-KR" altLang="en-US" sz="1400" dirty="0"/>
-              <a:t> 당 능력치의 효율이 </a:t>
-            </a:r>
-            <a:r>
-              <a:rPr lang="en-US" altLang="ko-KR" sz="1400" dirty="0"/>
-              <a:t>25% </a:t>
-            </a:r>
-            <a:r>
-              <a:rPr lang="ko-KR" altLang="en-US" sz="1400" dirty="0"/>
-              <a:t>감소한다</a:t>
-            </a:r>
-            <a:r>
-              <a:rPr lang="en-US" altLang="ko-KR" sz="1400" dirty="0"/>
-              <a:t>.</a:t>
-            </a:r>
-            <a:br>
-              <a:rPr lang="en-US" altLang="ko-KR" sz="1400" dirty="0"/>
-            </a:br>
+              <a:t> 랭크 </a:t>
+            </a:r>
             <a:r>
               <a:rPr lang="en-US" altLang="ko-KR" sz="1400" dirty="0"/>
               <a:t>[</a:t>
             </a:r>
             <a:r>
               <a:rPr lang="ko-KR" altLang="en-US" sz="1400" dirty="0"/>
-              <a:t>능력치 적용 시 </a:t>
+              <a:t>공격력 </a:t>
             </a:r>
             <a:r>
               <a:rPr lang="en-US" altLang="ko-KR" sz="1400" dirty="0"/>
-              <a:t>Max(1, 1 + 0.25 * Rank) / Max(1, 1 – 0.25 * Rank) </a:t>
+              <a:t>/ </a:t>
             </a:r>
             <a:r>
               <a:rPr lang="ko-KR" altLang="en-US" sz="1400" dirty="0"/>
-              <a:t>곱하기</a:t>
+              <a:t>방어력 </a:t>
             </a:r>
             <a:r>
               <a:rPr lang="en-US" altLang="ko-KR" sz="1400" dirty="0"/>
-              <a:t>.]</a:t>
+              <a:t>/ </a:t>
+            </a:r>
+            <a:r>
+              <a:rPr lang="ko-KR" altLang="en-US" sz="1400" dirty="0"/>
+              <a:t>명중률 </a:t>
+            </a:r>
+            <a:r>
+              <a:rPr lang="en-US" altLang="ko-KR" sz="1400" dirty="0"/>
+              <a:t>/ </a:t>
+            </a:r>
+            <a:r>
+              <a:rPr lang="ko-KR" altLang="en-US" sz="1400" dirty="0" err="1"/>
+              <a:t>회피율</a:t>
+            </a:r>
+            <a:r>
+              <a:rPr lang="ko-KR" altLang="en-US" sz="1400" dirty="0"/>
+              <a:t> </a:t>
+            </a:r>
+            <a:r>
+              <a:rPr lang="en-US" altLang="ko-KR" sz="1400" dirty="0"/>
+              <a:t>/ </a:t>
+            </a:r>
+            <a:r>
+              <a:rPr lang="ko-KR" altLang="en-US" sz="1400" dirty="0"/>
+              <a:t>치명타 확률</a:t>
+            </a:r>
+            <a:r>
+              <a:rPr lang="en-US" altLang="ko-KR" sz="1400" dirty="0"/>
+              <a:t>]</a:t>
             </a:r>
           </a:p>
           <a:p>
@@ -7914,70 +7895,110 @@
               <a:lnSpc>
                 <a:spcPct val="150000"/>
               </a:lnSpc>
-              <a:buFont typeface="Wingdings" panose="05000000000000000000" pitchFamily="2" charset="2"/>
-              <a:buChar char="§"/>
+              <a:buFont typeface="Arial" panose="020B0604020202020204" pitchFamily="34" charset="0"/>
+              <a:buChar char="•"/>
             </a:pPr>
             <a:r>
-              <a:rPr lang="ko-KR" altLang="en-US" sz="1400" dirty="0"/>
-              <a:t>공격력</a:t>
-            </a:r>
-            <a:endParaRPr lang="en-US" altLang="ko-KR" sz="1400" dirty="0"/>
+              <a:rPr lang="en-US" altLang="ko-KR" sz="1100" dirty="0"/>
+              <a:t>(Ref. </a:t>
+            </a:r>
+            <a:r>
+              <a:rPr lang="ko-KR" altLang="en-US" sz="1100" dirty="0"/>
+              <a:t>포켓몬스터</a:t>
+            </a:r>
+            <a:r>
+              <a:rPr lang="en-US" altLang="ko-KR" sz="1100" dirty="0"/>
+              <a:t>)</a:t>
+            </a:r>
           </a:p>
           <a:p>
             <a:pPr marL="800100" lvl="1" indent="-342900">
               <a:lnSpc>
                 <a:spcPct val="150000"/>
               </a:lnSpc>
-              <a:buFont typeface="Wingdings" panose="05000000000000000000" pitchFamily="2" charset="2"/>
-              <a:buChar char="§"/>
+              <a:buFont typeface="Arial" panose="020B0604020202020204" pitchFamily="34" charset="0"/>
+              <a:buChar char="•"/>
             </a:pPr>
             <a:r>
-              <a:rPr lang="ko-KR" altLang="en-US" sz="1400" dirty="0"/>
-              <a:t>방어력</a:t>
-            </a:r>
-            <a:endParaRPr lang="en-US" altLang="ko-KR" sz="1400" dirty="0"/>
+              <a:rPr lang="ko-KR" altLang="en-US" sz="1100" dirty="0"/>
+              <a:t>랭크 </a:t>
+            </a:r>
+            <a:r>
+              <a:rPr lang="en-US" altLang="ko-KR" sz="1100" dirty="0"/>
+              <a:t>+1 </a:t>
+            </a:r>
+            <a:r>
+              <a:rPr lang="ko-KR" altLang="en-US" sz="1100" dirty="0"/>
+              <a:t>당 능력치의 효과가 </a:t>
+            </a:r>
+            <a:r>
+              <a:rPr lang="en-US" altLang="ko-KR" sz="1100" dirty="0"/>
+              <a:t>25% </a:t>
+            </a:r>
+            <a:r>
+              <a:rPr lang="ko-KR" altLang="en-US" sz="1100" dirty="0"/>
+              <a:t>증가한다</a:t>
+            </a:r>
+            <a:r>
+              <a:rPr lang="en-US" altLang="ko-KR" sz="1100" dirty="0"/>
+              <a:t>.</a:t>
+            </a:r>
           </a:p>
           <a:p>
             <a:pPr marL="800100" lvl="1" indent="-342900">
               <a:lnSpc>
                 <a:spcPct val="150000"/>
               </a:lnSpc>
-              <a:buFont typeface="Wingdings" panose="05000000000000000000" pitchFamily="2" charset="2"/>
-              <a:buChar char="§"/>
+              <a:buFont typeface="Arial" panose="020B0604020202020204" pitchFamily="34" charset="0"/>
+              <a:buChar char="•"/>
             </a:pPr>
             <a:r>
-              <a:rPr lang="ko-KR" altLang="en-US" sz="1400" dirty="0"/>
-              <a:t>명중률</a:t>
-            </a:r>
-            <a:endParaRPr lang="en-US" altLang="ko-KR" sz="1400" dirty="0"/>
-          </a:p>
-          <a:p>
-            <a:pPr marL="800100" lvl="1" indent="-342900">
-              <a:lnSpc>
-                <a:spcPct val="150000"/>
-              </a:lnSpc>
-              <a:buFont typeface="Wingdings" panose="05000000000000000000" pitchFamily="2" charset="2"/>
-              <a:buChar char="§"/>
-            </a:pPr>
-            <a:r>
-              <a:rPr lang="ko-KR" altLang="en-US" sz="1400" dirty="0" err="1"/>
-              <a:t>회피율</a:t>
-            </a:r>
-            <a:endParaRPr lang="en-US" altLang="ko-KR" sz="1400" dirty="0"/>
-          </a:p>
-          <a:p>
-            <a:pPr marL="800100" lvl="1" indent="-342900">
-              <a:lnSpc>
-                <a:spcPct val="150000"/>
-              </a:lnSpc>
-              <a:buFont typeface="Wingdings" panose="05000000000000000000" pitchFamily="2" charset="2"/>
-              <a:buChar char="§"/>
-            </a:pPr>
-            <a:r>
-              <a:rPr lang="ko-KR" altLang="en-US" sz="1400" dirty="0"/>
-              <a:t>치명타 확률</a:t>
-            </a:r>
-            <a:endParaRPr lang="en-US" altLang="ko-KR" sz="1400" dirty="0"/>
+              <a:rPr lang="ko-KR" altLang="en-US" sz="1100" dirty="0"/>
+              <a:t>랭크 </a:t>
+            </a:r>
+            <a:r>
+              <a:rPr lang="en-US" altLang="ko-KR" sz="1100" dirty="0"/>
+              <a:t>-1</a:t>
+            </a:r>
+            <a:r>
+              <a:rPr lang="ko-KR" altLang="en-US" sz="1100" dirty="0"/>
+              <a:t> 당 능력치의 효율이 </a:t>
+            </a:r>
+            <a:r>
+              <a:rPr lang="en-US" altLang="ko-KR" sz="1100" dirty="0"/>
+              <a:t>25% </a:t>
+            </a:r>
+            <a:r>
+              <a:rPr lang="ko-KR" altLang="en-US" sz="1100" dirty="0"/>
+              <a:t>감소한다</a:t>
+            </a:r>
+            <a:r>
+              <a:rPr lang="en-US" altLang="ko-KR" sz="1100" dirty="0"/>
+              <a:t>.</a:t>
+            </a:r>
+            <a:br>
+              <a:rPr lang="en-US" altLang="ko-KR" sz="1100" dirty="0"/>
+            </a:br>
+            <a:r>
+              <a:rPr lang="en-US" altLang="ko-KR" sz="1100" dirty="0"/>
+              <a:t>[</a:t>
+            </a:r>
+            <a:r>
+              <a:rPr lang="ko-KR" altLang="en-US" sz="1100" dirty="0"/>
+              <a:t>능력치 적용 시 </a:t>
+            </a:r>
+            <a:r>
+              <a:rPr lang="en-US" altLang="ko-KR" sz="1100" dirty="0"/>
+              <a:t>Max(1, 1 + 0.25 * Rank) / Max(1, 1 – 0.25 * Rank) </a:t>
+            </a:r>
+            <a:r>
+              <a:rPr lang="ko-KR" altLang="en-US" sz="1100" dirty="0"/>
+              <a:t>곱하기</a:t>
+            </a:r>
+            <a:r>
+              <a:rPr lang="en-US" altLang="ko-KR" sz="1100" dirty="0"/>
+              <a:t>.]</a:t>
+            </a:r>
           </a:p>
         </p:txBody>
       </p:sp>
@@ -9980,8 +10001,8 @@
         </p:nvSpPr>
         <p:spPr>
           <a:xfrm>
-            <a:off x="3840355" y="1242492"/>
-            <a:ext cx="2755883" cy="2312877"/>
+            <a:off x="3564620" y="1242492"/>
+            <a:ext cx="2856872" cy="2636043"/>
           </a:xfrm>
           <a:prstGeom prst="rect">
             <a:avLst/>
@@ -10020,6 +10041,39 @@
             <a:r>
               <a:rPr lang="en-US" altLang="ko-KR" sz="1400" dirty="0"/>
               <a:t>ID</a:t>
+            </a:r>
+          </a:p>
+          <a:p>
+            <a:pPr marL="342900" indent="-342900">
+              <a:lnSpc>
+                <a:spcPct val="150000"/>
+              </a:lnSpc>
+              <a:buFont typeface="Arial" panose="020B0604020202020204" pitchFamily="34" charset="0"/>
+              <a:buChar char="•"/>
+            </a:pPr>
+            <a:r>
+              <a:rPr lang="ko-KR" altLang="en-US" sz="1400" dirty="0"/>
+              <a:t>퀘스트 타입 </a:t>
+            </a:r>
+            <a:r>
+              <a:rPr lang="en-US" altLang="ko-KR" sz="1400" dirty="0"/>
+              <a:t>(</a:t>
+            </a:r>
+            <a:r>
+              <a:rPr lang="ko-KR" altLang="en-US" sz="1400" dirty="0"/>
+              <a:t>몬스터 </a:t>
+            </a:r>
+            <a:r>
+              <a:rPr lang="en-US" altLang="ko-KR" sz="1400" dirty="0"/>
+              <a:t>or </a:t>
+            </a:r>
+            <a:r>
+              <a:rPr lang="ko-KR" altLang="en-US" sz="1400" dirty="0"/>
+              <a:t>던전</a:t>
+            </a:r>
+            <a:r>
+              <a:rPr lang="en-US" altLang="ko-KR" sz="1400" dirty="0"/>
+              <a:t>)</a:t>
             </a:r>
           </a:p>
           <a:p>

--- a/Documents/TextRPG_와이어프레임.pptx
+++ b/Documents/TextRPG_와이어프레임.pptx
@@ -5,24 +5,19 @@
     <p:sldMasterId id="2147483648" r:id="rId1"/>
   </p:sldMasterIdLst>
   <p:notesMasterIdLst>
-    <p:notesMasterId r:id="rId17"/>
+    <p:notesMasterId r:id="rId12"/>
   </p:notesMasterIdLst>
   <p:sldIdLst>
     <p:sldId id="261" r:id="rId2"/>
     <p:sldId id="260" r:id="rId3"/>
     <p:sldId id="259" r:id="rId4"/>
-    <p:sldId id="256" r:id="rId5"/>
+    <p:sldId id="272" r:id="rId5"/>
     <p:sldId id="269" r:id="rId6"/>
     <p:sldId id="270" r:id="rId7"/>
     <p:sldId id="262" r:id="rId8"/>
     <p:sldId id="258" r:id="rId9"/>
     <p:sldId id="263" r:id="rId10"/>
     <p:sldId id="264" r:id="rId11"/>
-    <p:sldId id="265" r:id="rId12"/>
-    <p:sldId id="266" r:id="rId13"/>
-    <p:sldId id="268" r:id="rId14"/>
-    <p:sldId id="267" r:id="rId15"/>
-    <p:sldId id="271" r:id="rId16"/>
   </p:sldIdLst>
   <p:sldSz cx="12192000" cy="6858000"/>
   <p:notesSz cx="6858000" cy="9144000"/>
@@ -211,7 +206,7 @@
           <a:p>
             <a:fld id="{102E072E-BCF3-4762-BBF4-FE8C5F0CA22F}" type="datetimeFigureOut">
               <a:rPr lang="ko-KR" altLang="en-US" smtClean="0"/>
-              <a:t>2024-09-27</a:t>
+              <a:t>2024-09-30</a:t>
             </a:fld>
             <a:endParaRPr lang="ko-KR" altLang="en-US"/>
           </a:p>
@@ -851,7 +846,7 @@
     </p:spTree>
     <p:extLst>
       <p:ext uri="{BB962C8B-B14F-4D97-AF65-F5344CB8AC3E}">
-        <p14:creationId xmlns:p14="http://schemas.microsoft.com/office/powerpoint/2010/main" val="994552304"/>
+        <p14:creationId xmlns:p14="http://schemas.microsoft.com/office/powerpoint/2010/main" val="1903024958"/>
       </p:ext>
     </p:extLst>
   </p:cSld>
@@ -1507,7 +1502,7 @@
           <a:p>
             <a:fld id="{F30C66EB-5EC5-42D4-833D-B3D8B52983C7}" type="datetimeFigureOut">
               <a:rPr lang="ko-KR" altLang="en-US" smtClean="0"/>
-              <a:t>2024-09-27</a:t>
+              <a:t>2024-09-30</a:t>
             </a:fld>
             <a:endParaRPr lang="ko-KR" altLang="en-US"/>
           </a:p>
@@ -1705,7 +1700,7 @@
           <a:p>
             <a:fld id="{F30C66EB-5EC5-42D4-833D-B3D8B52983C7}" type="datetimeFigureOut">
               <a:rPr lang="ko-KR" altLang="en-US" smtClean="0"/>
-              <a:t>2024-09-27</a:t>
+              <a:t>2024-09-30</a:t>
             </a:fld>
             <a:endParaRPr lang="ko-KR" altLang="en-US"/>
           </a:p>
@@ -1913,7 +1908,7 @@
           <a:p>
             <a:fld id="{F30C66EB-5EC5-42D4-833D-B3D8B52983C7}" type="datetimeFigureOut">
               <a:rPr lang="ko-KR" altLang="en-US" smtClean="0"/>
-              <a:t>2024-09-27</a:t>
+              <a:t>2024-09-30</a:t>
             </a:fld>
             <a:endParaRPr lang="ko-KR" altLang="en-US"/>
           </a:p>
@@ -2111,7 +2106,7 @@
           <a:p>
             <a:fld id="{F30C66EB-5EC5-42D4-833D-B3D8B52983C7}" type="datetimeFigureOut">
               <a:rPr lang="ko-KR" altLang="en-US" smtClean="0"/>
-              <a:t>2024-09-27</a:t>
+              <a:t>2024-09-30</a:t>
             </a:fld>
             <a:endParaRPr lang="ko-KR" altLang="en-US"/>
           </a:p>
@@ -2386,7 +2381,7 @@
           <a:p>
             <a:fld id="{F30C66EB-5EC5-42D4-833D-B3D8B52983C7}" type="datetimeFigureOut">
               <a:rPr lang="ko-KR" altLang="en-US" smtClean="0"/>
-              <a:t>2024-09-27</a:t>
+              <a:t>2024-09-30</a:t>
             </a:fld>
             <a:endParaRPr lang="ko-KR" altLang="en-US"/>
           </a:p>
@@ -2651,7 +2646,7 @@
           <a:p>
             <a:fld id="{F30C66EB-5EC5-42D4-833D-B3D8B52983C7}" type="datetimeFigureOut">
               <a:rPr lang="ko-KR" altLang="en-US" smtClean="0"/>
-              <a:t>2024-09-27</a:t>
+              <a:t>2024-09-30</a:t>
             </a:fld>
             <a:endParaRPr lang="ko-KR" altLang="en-US"/>
           </a:p>
@@ -3063,7 +3058,7 @@
           <a:p>
             <a:fld id="{F30C66EB-5EC5-42D4-833D-B3D8B52983C7}" type="datetimeFigureOut">
               <a:rPr lang="ko-KR" altLang="en-US" smtClean="0"/>
-              <a:t>2024-09-27</a:t>
+              <a:t>2024-09-30</a:t>
             </a:fld>
             <a:endParaRPr lang="ko-KR" altLang="en-US"/>
           </a:p>
@@ -3204,7 +3199,7 @@
           <a:p>
             <a:fld id="{F30C66EB-5EC5-42D4-833D-B3D8B52983C7}" type="datetimeFigureOut">
               <a:rPr lang="ko-KR" altLang="en-US" smtClean="0"/>
-              <a:t>2024-09-27</a:t>
+              <a:t>2024-09-30</a:t>
             </a:fld>
             <a:endParaRPr lang="ko-KR" altLang="en-US"/>
           </a:p>
@@ -3317,7 +3312,7 @@
           <a:p>
             <a:fld id="{F30C66EB-5EC5-42D4-833D-B3D8B52983C7}" type="datetimeFigureOut">
               <a:rPr lang="ko-KR" altLang="en-US" smtClean="0"/>
-              <a:t>2024-09-27</a:t>
+              <a:t>2024-09-30</a:t>
             </a:fld>
             <a:endParaRPr lang="ko-KR" altLang="en-US"/>
           </a:p>
@@ -3628,7 +3623,7 @@
           <a:p>
             <a:fld id="{F30C66EB-5EC5-42D4-833D-B3D8B52983C7}" type="datetimeFigureOut">
               <a:rPr lang="ko-KR" altLang="en-US" smtClean="0"/>
-              <a:t>2024-09-27</a:t>
+              <a:t>2024-09-30</a:t>
             </a:fld>
             <a:endParaRPr lang="ko-KR" altLang="en-US"/>
           </a:p>
@@ -3916,7 +3911,7 @@
           <a:p>
             <a:fld id="{F30C66EB-5EC5-42D4-833D-B3D8B52983C7}" type="datetimeFigureOut">
               <a:rPr lang="ko-KR" altLang="en-US" smtClean="0"/>
-              <a:t>2024-09-27</a:t>
+              <a:t>2024-09-30</a:t>
             </a:fld>
             <a:endParaRPr lang="ko-KR" altLang="en-US"/>
           </a:p>
@@ -4160,7 +4155,7 @@
           <a:p>
             <a:fld id="{F30C66EB-5EC5-42D4-833D-B3D8B52983C7}" type="datetimeFigureOut">
               <a:rPr lang="ko-KR" altLang="en-US" smtClean="0"/>
-              <a:t>2024-09-27</a:t>
+              <a:t>2024-09-30</a:t>
             </a:fld>
             <a:endParaRPr lang="ko-KR" altLang="en-US"/>
           </a:p>
@@ -7552,3729 +7547,6 @@
 </p:sld>
 </file>
 
-<file path=ppt/slides/slide11.xml><?xml version="1.0" encoding="utf-8"?>
-<p:sld xmlns:a="http://schemas.openxmlformats.org/drawingml/2006/main" xmlns:r="http://schemas.openxmlformats.org/officeDocument/2006/relationships" xmlns:p="http://schemas.openxmlformats.org/presentationml/2006/main">
-  <p:cSld>
-    <p:bg>
-      <p:bgPr>
-        <a:solidFill>
-          <a:schemeClr val="bg1"/>
-        </a:solidFill>
-        <a:effectLst/>
-      </p:bgPr>
-    </p:bg>
-    <p:spTree>
-      <p:nvGrpSpPr>
-        <p:cNvPr id="1" name=""/>
-        <p:cNvGrpSpPr/>
-        <p:nvPr/>
-      </p:nvGrpSpPr>
-      <p:grpSpPr>
-        <a:xfrm>
-          <a:off x="0" y="0"/>
-          <a:ext cx="0" cy="0"/>
-          <a:chOff x="0" y="0"/>
-          <a:chExt cx="0" cy="0"/>
-        </a:xfrm>
-      </p:grpSpPr>
-      <p:sp>
-        <p:nvSpPr>
-          <p:cNvPr id="2" name="TextBox 1">
-            <a:extLst>
-              <a:ext uri="{FF2B5EF4-FFF2-40B4-BE49-F238E27FC236}">
-                <a16:creationId xmlns:a16="http://schemas.microsoft.com/office/drawing/2014/main" id="{F9DE207E-56CB-76AE-2106-43FD4CD482AA}"/>
-              </a:ext>
-            </a:extLst>
-          </p:cNvPr>
-          <p:cNvSpPr txBox="1"/>
-          <p:nvPr/>
-        </p:nvSpPr>
-        <p:spPr>
-          <a:xfrm>
-            <a:off x="528918" y="418411"/>
-            <a:ext cx="3400290" cy="454292"/>
-          </a:xfrm>
-          <a:prstGeom prst="rect">
-            <a:avLst/>
-          </a:prstGeom>
-          <a:noFill/>
-        </p:spPr>
-        <p:txBody>
-          <a:bodyPr wrap="none" rtlCol="0">
-            <a:spAutoFit/>
-          </a:bodyPr>
-          <a:lstStyle/>
-          <a:p>
-            <a:pPr>
-              <a:lnSpc>
-                <a:spcPct val="150000"/>
-              </a:lnSpc>
-            </a:pPr>
-            <a:r>
-              <a:rPr lang="ko-KR" altLang="en-US" dirty="0"/>
-              <a:t>인터페이스 속성 정리 </a:t>
-            </a:r>
-            <a:r>
-              <a:rPr lang="en-US" altLang="ko-KR" dirty="0"/>
-              <a:t>– </a:t>
-            </a:r>
-            <a:r>
-              <a:rPr lang="ko-KR" altLang="en-US" dirty="0"/>
-              <a:t>캐릭터</a:t>
-            </a:r>
-            <a:endParaRPr lang="en-US" altLang="ko-KR" dirty="0"/>
-          </a:p>
-        </p:txBody>
-      </p:sp>
-      <p:sp>
-        <p:nvSpPr>
-          <p:cNvPr id="3" name="TextBox 2">
-            <a:extLst>
-              <a:ext uri="{FF2B5EF4-FFF2-40B4-BE49-F238E27FC236}">
-                <a16:creationId xmlns:a16="http://schemas.microsoft.com/office/drawing/2014/main" id="{43A479EE-4B72-730A-D4A4-0E1F8FF5B645}"/>
-              </a:ext>
-            </a:extLst>
-          </p:cNvPr>
-          <p:cNvSpPr txBox="1"/>
-          <p:nvPr/>
-        </p:nvSpPr>
-        <p:spPr>
-          <a:xfrm>
-            <a:off x="801063" y="872703"/>
-            <a:ext cx="5751896" cy="4953279"/>
-          </a:xfrm>
-          <a:prstGeom prst="rect">
-            <a:avLst/>
-          </a:prstGeom>
-          <a:noFill/>
-        </p:spPr>
-        <p:txBody>
-          <a:bodyPr wrap="none" rtlCol="0">
-            <a:spAutoFit/>
-          </a:bodyPr>
-          <a:lstStyle/>
-          <a:p>
-            <a:pPr>
-              <a:lnSpc>
-                <a:spcPct val="150000"/>
-              </a:lnSpc>
-            </a:pPr>
-            <a:r>
-              <a:rPr lang="ko-KR" altLang="en-US" sz="1400" b="1" dirty="0"/>
-              <a:t>캐릭터 인터페이스</a:t>
-            </a:r>
-            <a:endParaRPr lang="en-US" altLang="ko-KR" sz="1400" b="1" dirty="0"/>
-          </a:p>
-          <a:p>
-            <a:pPr marL="342900" indent="-342900">
-              <a:lnSpc>
-                <a:spcPct val="150000"/>
-              </a:lnSpc>
-              <a:buFont typeface="Arial" panose="020B0604020202020204" pitchFamily="34" charset="0"/>
-              <a:buChar char="•"/>
-            </a:pPr>
-            <a:r>
-              <a:rPr lang="ko-KR" altLang="en-US" sz="1400" dirty="0"/>
-              <a:t>이름</a:t>
-            </a:r>
-            <a:endParaRPr lang="en-US" altLang="ko-KR" sz="1400" dirty="0"/>
-          </a:p>
-          <a:p>
-            <a:pPr marL="342900" indent="-342900">
-              <a:lnSpc>
-                <a:spcPct val="150000"/>
-              </a:lnSpc>
-              <a:buFont typeface="Arial" panose="020B0604020202020204" pitchFamily="34" charset="0"/>
-              <a:buChar char="•"/>
-            </a:pPr>
-            <a:r>
-              <a:rPr lang="ko-KR" altLang="en-US" sz="1400" dirty="0"/>
-              <a:t>레벨</a:t>
-            </a:r>
-            <a:endParaRPr lang="en-US" altLang="ko-KR" sz="1400" dirty="0"/>
-          </a:p>
-          <a:p>
-            <a:pPr marL="342900" indent="-342900">
-              <a:lnSpc>
-                <a:spcPct val="150000"/>
-              </a:lnSpc>
-              <a:buFont typeface="Arial" panose="020B0604020202020204" pitchFamily="34" charset="0"/>
-              <a:buChar char="•"/>
-            </a:pPr>
-            <a:r>
-              <a:rPr lang="ko-KR" altLang="en-US" sz="1400" dirty="0"/>
-              <a:t>현재 체력</a:t>
-            </a:r>
-            <a:endParaRPr lang="en-US" altLang="ko-KR" sz="1400" dirty="0"/>
-          </a:p>
-          <a:p>
-            <a:pPr marL="342900" indent="-342900">
-              <a:lnSpc>
-                <a:spcPct val="150000"/>
-              </a:lnSpc>
-              <a:buFont typeface="Arial" panose="020B0604020202020204" pitchFamily="34" charset="0"/>
-              <a:buChar char="•"/>
-            </a:pPr>
-            <a:r>
-              <a:rPr lang="ko-KR" altLang="en-US" sz="1400" dirty="0"/>
-              <a:t>최대 체력</a:t>
-            </a:r>
-            <a:endParaRPr lang="en-US" altLang="ko-KR" sz="1400" dirty="0"/>
-          </a:p>
-          <a:p>
-            <a:pPr marL="342900" indent="-342900">
-              <a:lnSpc>
-                <a:spcPct val="150000"/>
-              </a:lnSpc>
-              <a:buFont typeface="Arial" panose="020B0604020202020204" pitchFamily="34" charset="0"/>
-              <a:buChar char="•"/>
-            </a:pPr>
-            <a:r>
-              <a:rPr lang="ko-KR" altLang="en-US" sz="1400" dirty="0"/>
-              <a:t>공격력</a:t>
-            </a:r>
-            <a:endParaRPr lang="en-US" altLang="ko-KR" sz="1400" dirty="0"/>
-          </a:p>
-          <a:p>
-            <a:pPr marL="342900" indent="-342900">
-              <a:lnSpc>
-                <a:spcPct val="150000"/>
-              </a:lnSpc>
-              <a:buFont typeface="Arial" panose="020B0604020202020204" pitchFamily="34" charset="0"/>
-              <a:buChar char="•"/>
-            </a:pPr>
-            <a:r>
-              <a:rPr lang="ko-KR" altLang="en-US" sz="1400" dirty="0" err="1"/>
-              <a:t>행동력</a:t>
-            </a:r>
-            <a:endParaRPr lang="en-US" altLang="ko-KR" sz="1400" dirty="0"/>
-          </a:p>
-          <a:p>
-            <a:pPr marL="342900" indent="-342900">
-              <a:lnSpc>
-                <a:spcPct val="150000"/>
-              </a:lnSpc>
-              <a:buFont typeface="Arial" panose="020B0604020202020204" pitchFamily="34" charset="0"/>
-              <a:buChar char="•"/>
-            </a:pPr>
-            <a:r>
-              <a:rPr lang="ko-KR" altLang="en-US" sz="1400" dirty="0"/>
-              <a:t>현재 </a:t>
-            </a:r>
-            <a:r>
-              <a:rPr lang="en-US" altLang="ko-KR" sz="1400" dirty="0"/>
-              <a:t>AP</a:t>
-            </a:r>
-          </a:p>
-          <a:p>
-            <a:pPr marL="342900" indent="-342900">
-              <a:lnSpc>
-                <a:spcPct val="150000"/>
-              </a:lnSpc>
-              <a:buFont typeface="Arial" panose="020B0604020202020204" pitchFamily="34" charset="0"/>
-              <a:buChar char="•"/>
-            </a:pPr>
-            <a:r>
-              <a:rPr lang="ko-KR" altLang="en-US" sz="1400" dirty="0"/>
-              <a:t>현재 </a:t>
-            </a:r>
-            <a:r>
-              <a:rPr lang="en-US" altLang="ko-KR" sz="1400" dirty="0"/>
-              <a:t>BP</a:t>
-            </a:r>
-          </a:p>
-          <a:p>
-            <a:pPr marL="342900" indent="-342900">
-              <a:lnSpc>
-                <a:spcPct val="150000"/>
-              </a:lnSpc>
-              <a:buFont typeface="Arial" panose="020B0604020202020204" pitchFamily="34" charset="0"/>
-              <a:buChar char="•"/>
-            </a:pPr>
-            <a:r>
-              <a:rPr lang="ko-KR" altLang="en-US" sz="1400" dirty="0"/>
-              <a:t>최소 </a:t>
-            </a:r>
-            <a:r>
-              <a:rPr lang="en-US" altLang="ko-KR" sz="1400" dirty="0"/>
-              <a:t>BP</a:t>
-            </a:r>
-          </a:p>
-          <a:p>
-            <a:pPr marL="342900" indent="-342900">
-              <a:lnSpc>
-                <a:spcPct val="150000"/>
-              </a:lnSpc>
-              <a:buFont typeface="Arial" panose="020B0604020202020204" pitchFamily="34" charset="0"/>
-              <a:buChar char="•"/>
-            </a:pPr>
-            <a:r>
-              <a:rPr lang="ko-KR" altLang="en-US" sz="1400" dirty="0"/>
-              <a:t>방어력 </a:t>
-            </a:r>
-            <a:r>
-              <a:rPr lang="en-US" altLang="ko-KR" sz="1400" dirty="0"/>
-              <a:t>[</a:t>
-            </a:r>
-            <a:r>
-              <a:rPr lang="ko-KR" altLang="en-US" sz="1400" dirty="0"/>
-              <a:t>데미지를 방어력으로 나눈다</a:t>
-            </a:r>
-            <a:r>
-              <a:rPr lang="en-US" altLang="ko-KR" sz="1400" dirty="0"/>
-              <a:t>.]</a:t>
-            </a:r>
-          </a:p>
-          <a:p>
-            <a:pPr marL="342900" indent="-342900">
-              <a:lnSpc>
-                <a:spcPct val="150000"/>
-              </a:lnSpc>
-              <a:buFont typeface="Arial" panose="020B0604020202020204" pitchFamily="34" charset="0"/>
-              <a:buChar char="•"/>
-            </a:pPr>
-            <a:r>
-              <a:rPr lang="ko-KR" altLang="en-US" sz="1400" dirty="0" err="1"/>
-              <a:t>스텟</a:t>
-            </a:r>
-            <a:r>
-              <a:rPr lang="ko-KR" altLang="en-US" sz="1400" dirty="0"/>
-              <a:t> 랭크 </a:t>
-            </a:r>
-            <a:r>
-              <a:rPr lang="en-US" altLang="ko-KR" sz="1400" dirty="0"/>
-              <a:t>[</a:t>
-            </a:r>
-            <a:r>
-              <a:rPr lang="ko-KR" altLang="en-US" sz="1400" dirty="0"/>
-              <a:t>공격력 </a:t>
-            </a:r>
-            <a:r>
-              <a:rPr lang="en-US" altLang="ko-KR" sz="1400" dirty="0"/>
-              <a:t>/ </a:t>
-            </a:r>
-            <a:r>
-              <a:rPr lang="ko-KR" altLang="en-US" sz="1400" dirty="0"/>
-              <a:t>방어력 </a:t>
-            </a:r>
-            <a:r>
-              <a:rPr lang="en-US" altLang="ko-KR" sz="1400" dirty="0"/>
-              <a:t>/ </a:t>
-            </a:r>
-            <a:r>
-              <a:rPr lang="ko-KR" altLang="en-US" sz="1400" dirty="0"/>
-              <a:t>명중률 </a:t>
-            </a:r>
-            <a:r>
-              <a:rPr lang="en-US" altLang="ko-KR" sz="1400" dirty="0"/>
-              <a:t>/ </a:t>
-            </a:r>
-            <a:r>
-              <a:rPr lang="ko-KR" altLang="en-US" sz="1400" dirty="0" err="1"/>
-              <a:t>회피율</a:t>
-            </a:r>
-            <a:r>
-              <a:rPr lang="ko-KR" altLang="en-US" sz="1400" dirty="0"/>
-              <a:t> </a:t>
-            </a:r>
-            <a:r>
-              <a:rPr lang="en-US" altLang="ko-KR" sz="1400" dirty="0"/>
-              <a:t>/ </a:t>
-            </a:r>
-            <a:r>
-              <a:rPr lang="ko-KR" altLang="en-US" sz="1400" dirty="0"/>
-              <a:t>치명타 확률</a:t>
-            </a:r>
-            <a:r>
-              <a:rPr lang="en-US" altLang="ko-KR" sz="1400" dirty="0"/>
-              <a:t>]</a:t>
-            </a:r>
-          </a:p>
-          <a:p>
-            <a:pPr marL="800100" lvl="1" indent="-342900">
-              <a:lnSpc>
-                <a:spcPct val="150000"/>
-              </a:lnSpc>
-              <a:buFont typeface="Arial" panose="020B0604020202020204" pitchFamily="34" charset="0"/>
-              <a:buChar char="•"/>
-            </a:pPr>
-            <a:r>
-              <a:rPr lang="en-US" altLang="ko-KR" sz="1100" dirty="0"/>
-              <a:t>(Ref. </a:t>
-            </a:r>
-            <a:r>
-              <a:rPr lang="ko-KR" altLang="en-US" sz="1100" dirty="0"/>
-              <a:t>포켓몬스터</a:t>
-            </a:r>
-            <a:r>
-              <a:rPr lang="en-US" altLang="ko-KR" sz="1100" dirty="0"/>
-              <a:t>)</a:t>
-            </a:r>
-          </a:p>
-          <a:p>
-            <a:pPr marL="800100" lvl="1" indent="-342900">
-              <a:lnSpc>
-                <a:spcPct val="150000"/>
-              </a:lnSpc>
-              <a:buFont typeface="Arial" panose="020B0604020202020204" pitchFamily="34" charset="0"/>
-              <a:buChar char="•"/>
-            </a:pPr>
-            <a:r>
-              <a:rPr lang="ko-KR" altLang="en-US" sz="1100" dirty="0"/>
-              <a:t>랭크 </a:t>
-            </a:r>
-            <a:r>
-              <a:rPr lang="en-US" altLang="ko-KR" sz="1100" dirty="0"/>
-              <a:t>+1 </a:t>
-            </a:r>
-            <a:r>
-              <a:rPr lang="ko-KR" altLang="en-US" sz="1100" dirty="0"/>
-              <a:t>당 능력치의 효과가 </a:t>
-            </a:r>
-            <a:r>
-              <a:rPr lang="en-US" altLang="ko-KR" sz="1100" dirty="0"/>
-              <a:t>25% </a:t>
-            </a:r>
-            <a:r>
-              <a:rPr lang="ko-KR" altLang="en-US" sz="1100" dirty="0"/>
-              <a:t>증가한다</a:t>
-            </a:r>
-            <a:r>
-              <a:rPr lang="en-US" altLang="ko-KR" sz="1100" dirty="0"/>
-              <a:t>.</a:t>
-            </a:r>
-          </a:p>
-          <a:p>
-            <a:pPr marL="800100" lvl="1" indent="-342900">
-              <a:lnSpc>
-                <a:spcPct val="150000"/>
-              </a:lnSpc>
-              <a:buFont typeface="Arial" panose="020B0604020202020204" pitchFamily="34" charset="0"/>
-              <a:buChar char="•"/>
-            </a:pPr>
-            <a:r>
-              <a:rPr lang="ko-KR" altLang="en-US" sz="1100" dirty="0"/>
-              <a:t>랭크 </a:t>
-            </a:r>
-            <a:r>
-              <a:rPr lang="en-US" altLang="ko-KR" sz="1100" dirty="0"/>
-              <a:t>-1</a:t>
-            </a:r>
-            <a:r>
-              <a:rPr lang="ko-KR" altLang="en-US" sz="1100" dirty="0"/>
-              <a:t> 당 능력치의 효율이 </a:t>
-            </a:r>
-            <a:r>
-              <a:rPr lang="en-US" altLang="ko-KR" sz="1100" dirty="0"/>
-              <a:t>25% </a:t>
-            </a:r>
-            <a:r>
-              <a:rPr lang="ko-KR" altLang="en-US" sz="1100" dirty="0"/>
-              <a:t>감소한다</a:t>
-            </a:r>
-            <a:r>
-              <a:rPr lang="en-US" altLang="ko-KR" sz="1100" dirty="0"/>
-              <a:t>.</a:t>
-            </a:r>
-            <a:br>
-              <a:rPr lang="en-US" altLang="ko-KR" sz="1100" dirty="0"/>
-            </a:br>
-            <a:r>
-              <a:rPr lang="en-US" altLang="ko-KR" sz="1100" dirty="0"/>
-              <a:t>[</a:t>
-            </a:r>
-            <a:r>
-              <a:rPr lang="ko-KR" altLang="en-US" sz="1100" dirty="0"/>
-              <a:t>능력치 적용 시 </a:t>
-            </a:r>
-            <a:r>
-              <a:rPr lang="en-US" altLang="ko-KR" sz="1100" dirty="0"/>
-              <a:t>Max(1, 1 + 0.25 * Rank) / Max(1, 1 – 0.25 * Rank) </a:t>
-            </a:r>
-            <a:r>
-              <a:rPr lang="ko-KR" altLang="en-US" sz="1100" dirty="0"/>
-              <a:t>곱하기</a:t>
-            </a:r>
-            <a:r>
-              <a:rPr lang="en-US" altLang="ko-KR" sz="1100" dirty="0"/>
-              <a:t>.]</a:t>
-            </a:r>
-          </a:p>
-        </p:txBody>
-      </p:sp>
-      <p:sp>
-        <p:nvSpPr>
-          <p:cNvPr id="4" name="TextBox 3">
-            <a:extLst>
-              <a:ext uri="{FF2B5EF4-FFF2-40B4-BE49-F238E27FC236}">
-                <a16:creationId xmlns:a16="http://schemas.microsoft.com/office/drawing/2014/main" id="{F874557E-6A12-FF18-E904-041B49AAF955}"/>
-              </a:ext>
-            </a:extLst>
-          </p:cNvPr>
-          <p:cNvSpPr txBox="1"/>
-          <p:nvPr/>
-        </p:nvSpPr>
-        <p:spPr>
-          <a:xfrm>
-            <a:off x="7027817" y="792957"/>
-            <a:ext cx="2092239" cy="2636043"/>
-          </a:xfrm>
-          <a:prstGeom prst="rect">
-            <a:avLst/>
-          </a:prstGeom>
-          <a:noFill/>
-        </p:spPr>
-        <p:txBody>
-          <a:bodyPr wrap="none" rtlCol="0">
-            <a:spAutoFit/>
-          </a:bodyPr>
-          <a:lstStyle/>
-          <a:p>
-            <a:pPr>
-              <a:lnSpc>
-                <a:spcPct val="150000"/>
-              </a:lnSpc>
-            </a:pPr>
-            <a:r>
-              <a:rPr lang="ko-KR" altLang="en-US" sz="1400" b="1" dirty="0"/>
-              <a:t>몬스터 인터페이스</a:t>
-            </a:r>
-            <a:endParaRPr lang="en-US" altLang="ko-KR" sz="1400" b="1" dirty="0"/>
-          </a:p>
-          <a:p>
-            <a:pPr marL="342900" indent="-342900">
-              <a:lnSpc>
-                <a:spcPct val="150000"/>
-              </a:lnSpc>
-              <a:buFont typeface="Arial" panose="020B0604020202020204" pitchFamily="34" charset="0"/>
-              <a:buChar char="•"/>
-            </a:pPr>
-            <a:r>
-              <a:rPr lang="ko-KR" altLang="en-US" sz="1400" dirty="0"/>
-              <a:t>몬스터 </a:t>
-            </a:r>
-            <a:r>
-              <a:rPr lang="en-US" altLang="ko-KR" sz="1400" dirty="0"/>
-              <a:t>ID</a:t>
-            </a:r>
-          </a:p>
-          <a:p>
-            <a:pPr marL="342900" indent="-342900">
-              <a:lnSpc>
-                <a:spcPct val="150000"/>
-              </a:lnSpc>
-              <a:buFont typeface="Arial" panose="020B0604020202020204" pitchFamily="34" charset="0"/>
-              <a:buChar char="•"/>
-            </a:pPr>
-            <a:r>
-              <a:rPr lang="ko-KR" altLang="en-US" sz="1400" dirty="0"/>
-              <a:t>드랍 확률</a:t>
-            </a:r>
-            <a:endParaRPr lang="en-US" altLang="ko-KR" sz="1400" dirty="0"/>
-          </a:p>
-          <a:p>
-            <a:pPr marL="342900" indent="-342900">
-              <a:lnSpc>
-                <a:spcPct val="150000"/>
-              </a:lnSpc>
-              <a:buFont typeface="Arial" panose="020B0604020202020204" pitchFamily="34" charset="0"/>
-              <a:buChar char="•"/>
-            </a:pPr>
-            <a:r>
-              <a:rPr lang="ko-KR" altLang="en-US" sz="1400" dirty="0"/>
-              <a:t>드랍 아이템 리스트</a:t>
-            </a:r>
-            <a:endParaRPr lang="en-US" altLang="ko-KR" sz="1400" dirty="0"/>
-          </a:p>
-          <a:p>
-            <a:pPr marL="800100" lvl="1" indent="-342900">
-              <a:lnSpc>
-                <a:spcPct val="150000"/>
-              </a:lnSpc>
-              <a:buFont typeface="Wingdings" panose="05000000000000000000" pitchFamily="2" charset="2"/>
-              <a:buChar char="§"/>
-            </a:pPr>
-            <a:r>
-              <a:rPr lang="ko-KR" altLang="en-US" sz="1400" dirty="0"/>
-              <a:t>아이템 </a:t>
-            </a:r>
-            <a:r>
-              <a:rPr lang="en-US" altLang="ko-KR" sz="1400" dirty="0"/>
-              <a:t>ID</a:t>
-            </a:r>
-          </a:p>
-          <a:p>
-            <a:pPr marL="342900" indent="-342900">
-              <a:lnSpc>
-                <a:spcPct val="150000"/>
-              </a:lnSpc>
-              <a:buFont typeface="Arial" panose="020B0604020202020204" pitchFamily="34" charset="0"/>
-              <a:buChar char="•"/>
-            </a:pPr>
-            <a:r>
-              <a:rPr lang="ko-KR" altLang="en-US" sz="1400" dirty="0"/>
-              <a:t>습득 경험치</a:t>
-            </a:r>
-            <a:endParaRPr lang="en-US" altLang="ko-KR" sz="1400" dirty="0"/>
-          </a:p>
-          <a:p>
-            <a:pPr marL="342900" indent="-342900">
-              <a:lnSpc>
-                <a:spcPct val="150000"/>
-              </a:lnSpc>
-              <a:buFont typeface="Arial" panose="020B0604020202020204" pitchFamily="34" charset="0"/>
-              <a:buChar char="•"/>
-            </a:pPr>
-            <a:r>
-              <a:rPr lang="ko-KR" altLang="en-US" sz="1400" dirty="0"/>
-              <a:t>습득 금액</a:t>
-            </a:r>
-            <a:endParaRPr lang="en-US" altLang="ko-KR" sz="1400" dirty="0"/>
-          </a:p>
-          <a:p>
-            <a:pPr marL="342900" indent="-342900">
-              <a:lnSpc>
-                <a:spcPct val="150000"/>
-              </a:lnSpc>
-              <a:buFont typeface="Arial" panose="020B0604020202020204" pitchFamily="34" charset="0"/>
-              <a:buChar char="•"/>
-            </a:pPr>
-            <a:r>
-              <a:rPr lang="ko-KR" altLang="en-US" sz="1400" dirty="0"/>
-              <a:t>스킬 리스트</a:t>
-            </a:r>
-            <a:endParaRPr lang="en-US" altLang="ko-KR" sz="1400" dirty="0"/>
-          </a:p>
-        </p:txBody>
-      </p:sp>
-      <p:sp>
-        <p:nvSpPr>
-          <p:cNvPr id="5" name="TextBox 4">
-            <a:extLst>
-              <a:ext uri="{FF2B5EF4-FFF2-40B4-BE49-F238E27FC236}">
-                <a16:creationId xmlns:a16="http://schemas.microsoft.com/office/drawing/2014/main" id="{B86F1A14-5A48-C791-0FF7-CD0D2ABE6A1D}"/>
-              </a:ext>
-            </a:extLst>
-          </p:cNvPr>
-          <p:cNvSpPr txBox="1"/>
-          <p:nvPr/>
-        </p:nvSpPr>
-        <p:spPr>
-          <a:xfrm>
-            <a:off x="9031092" y="4398836"/>
-            <a:ext cx="2154757" cy="1989712"/>
-          </a:xfrm>
-          <a:prstGeom prst="rect">
-            <a:avLst/>
-          </a:prstGeom>
-          <a:noFill/>
-        </p:spPr>
-        <p:txBody>
-          <a:bodyPr wrap="none" rtlCol="0">
-            <a:spAutoFit/>
-          </a:bodyPr>
-          <a:lstStyle/>
-          <a:p>
-            <a:pPr>
-              <a:lnSpc>
-                <a:spcPct val="150000"/>
-              </a:lnSpc>
-            </a:pPr>
-            <a:r>
-              <a:rPr lang="ko-KR" altLang="en-US" sz="1400" b="1" dirty="0"/>
-              <a:t>플레이어 인터페이스</a:t>
-            </a:r>
-            <a:endParaRPr lang="en-US" altLang="ko-KR" sz="1400" b="1" dirty="0"/>
-          </a:p>
-          <a:p>
-            <a:pPr marL="342900" indent="-342900">
-              <a:lnSpc>
-                <a:spcPct val="150000"/>
-              </a:lnSpc>
-              <a:buFont typeface="Arial" panose="020B0604020202020204" pitchFamily="34" charset="0"/>
-              <a:buChar char="•"/>
-            </a:pPr>
-            <a:r>
-              <a:rPr lang="ko-KR" altLang="en-US" sz="1400" dirty="0"/>
-              <a:t>종족 </a:t>
-            </a:r>
-            <a:r>
-              <a:rPr lang="en-US" altLang="ko-KR" sz="1400" dirty="0"/>
-              <a:t>(</a:t>
-            </a:r>
-            <a:r>
-              <a:rPr lang="ko-KR" altLang="en-US" sz="1400" dirty="0"/>
-              <a:t>직업 개념</a:t>
-            </a:r>
-            <a:r>
-              <a:rPr lang="en-US" altLang="ko-KR" sz="1400" dirty="0"/>
-              <a:t>.)</a:t>
-            </a:r>
-          </a:p>
-          <a:p>
-            <a:pPr marL="342900" indent="-342900">
-              <a:lnSpc>
-                <a:spcPct val="150000"/>
-              </a:lnSpc>
-              <a:buFont typeface="Arial" panose="020B0604020202020204" pitchFamily="34" charset="0"/>
-              <a:buChar char="•"/>
-            </a:pPr>
-            <a:r>
-              <a:rPr lang="ko-KR" altLang="en-US" sz="1400" dirty="0"/>
-              <a:t>현재 경험치</a:t>
-            </a:r>
-            <a:endParaRPr lang="en-US" altLang="ko-KR" sz="1400" dirty="0"/>
-          </a:p>
-          <a:p>
-            <a:pPr marL="342900" indent="-342900">
-              <a:lnSpc>
-                <a:spcPct val="150000"/>
-              </a:lnSpc>
-              <a:buFont typeface="Arial" panose="020B0604020202020204" pitchFamily="34" charset="0"/>
-              <a:buChar char="•"/>
-            </a:pPr>
-            <a:r>
-              <a:rPr lang="ko-KR" altLang="en-US" sz="1400" dirty="0"/>
-              <a:t>레벨 업 요구 경험치</a:t>
-            </a:r>
-            <a:endParaRPr lang="en-US" altLang="ko-KR" sz="1400" dirty="0"/>
-          </a:p>
-          <a:p>
-            <a:pPr marL="342900" indent="-342900">
-              <a:lnSpc>
-                <a:spcPct val="150000"/>
-              </a:lnSpc>
-              <a:buFont typeface="Arial" panose="020B0604020202020204" pitchFamily="34" charset="0"/>
-              <a:buChar char="•"/>
-            </a:pPr>
-            <a:r>
-              <a:rPr lang="ko-KR" altLang="en-US" sz="1400" dirty="0"/>
-              <a:t>무기</a:t>
-            </a:r>
-            <a:endParaRPr lang="en-US" altLang="ko-KR" sz="1400" dirty="0"/>
-          </a:p>
-          <a:p>
-            <a:pPr marL="342900" indent="-342900">
-              <a:lnSpc>
-                <a:spcPct val="150000"/>
-              </a:lnSpc>
-              <a:buFont typeface="Arial" panose="020B0604020202020204" pitchFamily="34" charset="0"/>
-              <a:buChar char="•"/>
-            </a:pPr>
-            <a:r>
-              <a:rPr lang="ko-KR" altLang="en-US" sz="1400" dirty="0" err="1"/>
-              <a:t>방어구</a:t>
-            </a:r>
-            <a:endParaRPr lang="en-US" altLang="ko-KR" sz="1400" dirty="0"/>
-          </a:p>
-        </p:txBody>
-      </p:sp>
-      <p:sp>
-        <p:nvSpPr>
-          <p:cNvPr id="6" name="TextBox 5">
-            <a:extLst>
-              <a:ext uri="{FF2B5EF4-FFF2-40B4-BE49-F238E27FC236}">
-                <a16:creationId xmlns:a16="http://schemas.microsoft.com/office/drawing/2014/main" id="{06BEB930-EBAF-64C2-5A76-0FCCD8A538F9}"/>
-              </a:ext>
-            </a:extLst>
-          </p:cNvPr>
-          <p:cNvSpPr txBox="1"/>
-          <p:nvPr/>
-        </p:nvSpPr>
-        <p:spPr>
-          <a:xfrm>
-            <a:off x="10108470" y="1395288"/>
-            <a:ext cx="1491114" cy="2636043"/>
-          </a:xfrm>
-          <a:prstGeom prst="rect">
-            <a:avLst/>
-          </a:prstGeom>
-          <a:noFill/>
-        </p:spPr>
-        <p:txBody>
-          <a:bodyPr wrap="none" rtlCol="0">
-            <a:spAutoFit/>
-          </a:bodyPr>
-          <a:lstStyle/>
-          <a:p>
-            <a:pPr>
-              <a:lnSpc>
-                <a:spcPct val="150000"/>
-              </a:lnSpc>
-            </a:pPr>
-            <a:r>
-              <a:rPr lang="ko-KR" altLang="en-US" sz="1400" b="1" dirty="0"/>
-              <a:t>종족 클래스</a:t>
-            </a:r>
-            <a:endParaRPr lang="en-US" altLang="ko-KR" sz="1400" b="1" dirty="0"/>
-          </a:p>
-          <a:p>
-            <a:pPr marL="342900" indent="-342900">
-              <a:lnSpc>
-                <a:spcPct val="150000"/>
-              </a:lnSpc>
-              <a:buFont typeface="Arial" panose="020B0604020202020204" pitchFamily="34" charset="0"/>
-              <a:buChar char="•"/>
-            </a:pPr>
-            <a:r>
-              <a:rPr lang="ko-KR" altLang="en-US" sz="1400" dirty="0"/>
-              <a:t>종족 </a:t>
-            </a:r>
-            <a:r>
-              <a:rPr lang="en-US" altLang="ko-KR" sz="1400" dirty="0"/>
-              <a:t>ID</a:t>
-            </a:r>
-          </a:p>
-          <a:p>
-            <a:pPr marL="342900" indent="-342900">
-              <a:lnSpc>
-                <a:spcPct val="150000"/>
-              </a:lnSpc>
-              <a:buFont typeface="Arial" panose="020B0604020202020204" pitchFamily="34" charset="0"/>
-              <a:buChar char="•"/>
-            </a:pPr>
-            <a:r>
-              <a:rPr lang="ko-KR" altLang="en-US" sz="1400" dirty="0"/>
-              <a:t>종족 이름</a:t>
-            </a:r>
-            <a:endParaRPr lang="en-US" altLang="ko-KR" sz="1400" dirty="0"/>
-          </a:p>
-          <a:p>
-            <a:pPr marL="342900" indent="-342900">
-              <a:lnSpc>
-                <a:spcPct val="150000"/>
-              </a:lnSpc>
-              <a:buFont typeface="Arial" panose="020B0604020202020204" pitchFamily="34" charset="0"/>
-              <a:buChar char="•"/>
-            </a:pPr>
-            <a:r>
-              <a:rPr lang="ko-KR" altLang="en-US" sz="1400" dirty="0"/>
-              <a:t>종족 설명</a:t>
-            </a:r>
-            <a:endParaRPr lang="en-US" altLang="ko-KR" sz="1400" dirty="0"/>
-          </a:p>
-          <a:p>
-            <a:pPr marL="342900" indent="-342900">
-              <a:lnSpc>
-                <a:spcPct val="150000"/>
-              </a:lnSpc>
-              <a:buFont typeface="Arial" panose="020B0604020202020204" pitchFamily="34" charset="0"/>
-              <a:buChar char="•"/>
-            </a:pPr>
-            <a:r>
-              <a:rPr lang="ko-KR" altLang="en-US" sz="1400" dirty="0"/>
-              <a:t>기본 체력</a:t>
-            </a:r>
-            <a:endParaRPr lang="en-US" altLang="ko-KR" sz="1400" dirty="0"/>
-          </a:p>
-          <a:p>
-            <a:pPr marL="342900" indent="-342900">
-              <a:lnSpc>
-                <a:spcPct val="150000"/>
-              </a:lnSpc>
-              <a:buFont typeface="Arial" panose="020B0604020202020204" pitchFamily="34" charset="0"/>
-              <a:buChar char="•"/>
-            </a:pPr>
-            <a:r>
-              <a:rPr lang="ko-KR" altLang="en-US" sz="1400" dirty="0"/>
-              <a:t>기본 공격력</a:t>
-            </a:r>
-            <a:endParaRPr lang="en-US" altLang="ko-KR" sz="1400" dirty="0"/>
-          </a:p>
-          <a:p>
-            <a:pPr marL="342900" indent="-342900">
-              <a:lnSpc>
-                <a:spcPct val="150000"/>
-              </a:lnSpc>
-              <a:buFont typeface="Arial" panose="020B0604020202020204" pitchFamily="34" charset="0"/>
-              <a:buChar char="•"/>
-            </a:pPr>
-            <a:r>
-              <a:rPr lang="ko-KR" altLang="en-US" sz="1400" dirty="0"/>
-              <a:t>기본 방어력</a:t>
-            </a:r>
-            <a:endParaRPr lang="en-US" altLang="ko-KR" sz="1400" dirty="0"/>
-          </a:p>
-          <a:p>
-            <a:pPr marL="342900" indent="-342900">
-              <a:lnSpc>
-                <a:spcPct val="150000"/>
-              </a:lnSpc>
-              <a:buFont typeface="Arial" panose="020B0604020202020204" pitchFamily="34" charset="0"/>
-              <a:buChar char="•"/>
-            </a:pPr>
-            <a:r>
-              <a:rPr lang="ko-KR" altLang="en-US" sz="1400" dirty="0"/>
-              <a:t>기본 </a:t>
-            </a:r>
-            <a:r>
-              <a:rPr lang="ko-KR" altLang="en-US" sz="1400" dirty="0" err="1"/>
-              <a:t>행동력</a:t>
-            </a:r>
-            <a:endParaRPr lang="en-US" altLang="ko-KR" sz="1400" dirty="0"/>
-          </a:p>
-        </p:txBody>
-      </p:sp>
-    </p:spTree>
-    <p:extLst>
-      <p:ext uri="{BB962C8B-B14F-4D97-AF65-F5344CB8AC3E}">
-        <p14:creationId xmlns:p14="http://schemas.microsoft.com/office/powerpoint/2010/main" val="2811757868"/>
-      </p:ext>
-    </p:extLst>
-  </p:cSld>
-  <p:clrMapOvr>
-    <a:masterClrMapping/>
-  </p:clrMapOvr>
-</p:sld>
-</file>
-
-<file path=ppt/slides/slide12.xml><?xml version="1.0" encoding="utf-8"?>
-<p:sld xmlns:a="http://schemas.openxmlformats.org/drawingml/2006/main" xmlns:r="http://schemas.openxmlformats.org/officeDocument/2006/relationships" xmlns:p="http://schemas.openxmlformats.org/presentationml/2006/main">
-  <p:cSld>
-    <p:bg>
-      <p:bgPr>
-        <a:solidFill>
-          <a:schemeClr val="bg1"/>
-        </a:solidFill>
-        <a:effectLst/>
-      </p:bgPr>
-    </p:bg>
-    <p:spTree>
-      <p:nvGrpSpPr>
-        <p:cNvPr id="1" name=""/>
-        <p:cNvGrpSpPr/>
-        <p:nvPr/>
-      </p:nvGrpSpPr>
-      <p:grpSpPr>
-        <a:xfrm>
-          <a:off x="0" y="0"/>
-          <a:ext cx="0" cy="0"/>
-          <a:chOff x="0" y="0"/>
-          <a:chExt cx="0" cy="0"/>
-        </a:xfrm>
-      </p:grpSpPr>
-      <p:sp>
-        <p:nvSpPr>
-          <p:cNvPr id="2" name="TextBox 1">
-            <a:extLst>
-              <a:ext uri="{FF2B5EF4-FFF2-40B4-BE49-F238E27FC236}">
-                <a16:creationId xmlns:a16="http://schemas.microsoft.com/office/drawing/2014/main" id="{F9DE207E-56CB-76AE-2106-43FD4CD482AA}"/>
-              </a:ext>
-            </a:extLst>
-          </p:cNvPr>
-          <p:cNvSpPr txBox="1"/>
-          <p:nvPr/>
-        </p:nvSpPr>
-        <p:spPr>
-          <a:xfrm>
-            <a:off x="528918" y="347976"/>
-            <a:ext cx="3533340" cy="369332"/>
-          </a:xfrm>
-          <a:prstGeom prst="rect">
-            <a:avLst/>
-          </a:prstGeom>
-          <a:noFill/>
-        </p:spPr>
-        <p:txBody>
-          <a:bodyPr wrap="none" rtlCol="0">
-            <a:spAutoFit/>
-          </a:bodyPr>
-          <a:lstStyle/>
-          <a:p>
-            <a:r>
-              <a:rPr lang="ko-KR" altLang="en-US" dirty="0"/>
-              <a:t>인터페이스 속성 정리 </a:t>
-            </a:r>
-            <a:r>
-              <a:rPr lang="en-US" altLang="ko-KR" dirty="0"/>
-              <a:t>– </a:t>
-            </a:r>
-            <a:r>
-              <a:rPr lang="ko-KR" altLang="en-US" dirty="0"/>
-              <a:t>아이템</a:t>
-            </a:r>
-          </a:p>
-        </p:txBody>
-      </p:sp>
-      <p:sp>
-        <p:nvSpPr>
-          <p:cNvPr id="3" name="TextBox 2">
-            <a:extLst>
-              <a:ext uri="{FF2B5EF4-FFF2-40B4-BE49-F238E27FC236}">
-                <a16:creationId xmlns:a16="http://schemas.microsoft.com/office/drawing/2014/main" id="{43A479EE-4B72-730A-D4A4-0E1F8FF5B645}"/>
-              </a:ext>
-            </a:extLst>
-          </p:cNvPr>
-          <p:cNvSpPr txBox="1"/>
-          <p:nvPr/>
-        </p:nvSpPr>
-        <p:spPr>
-          <a:xfrm>
-            <a:off x="814179" y="1525424"/>
-            <a:ext cx="3304110" cy="2636043"/>
-          </a:xfrm>
-          <a:prstGeom prst="rect">
-            <a:avLst/>
-          </a:prstGeom>
-          <a:noFill/>
-        </p:spPr>
-        <p:txBody>
-          <a:bodyPr wrap="none" rtlCol="0">
-            <a:spAutoFit/>
-          </a:bodyPr>
-          <a:lstStyle/>
-          <a:p>
-            <a:pPr>
-              <a:lnSpc>
-                <a:spcPct val="150000"/>
-              </a:lnSpc>
-            </a:pPr>
-            <a:r>
-              <a:rPr lang="ko-KR" altLang="en-US" sz="1400" b="1" dirty="0"/>
-              <a:t>아이템 인터페이스</a:t>
-            </a:r>
-            <a:endParaRPr lang="en-US" altLang="ko-KR" sz="1400" b="1" dirty="0"/>
-          </a:p>
-          <a:p>
-            <a:pPr marL="342900" indent="-342900">
-              <a:lnSpc>
-                <a:spcPct val="150000"/>
-              </a:lnSpc>
-              <a:buFont typeface="Arial" panose="020B0604020202020204" pitchFamily="34" charset="0"/>
-              <a:buChar char="•"/>
-            </a:pPr>
-            <a:r>
-              <a:rPr lang="ko-KR" altLang="en-US" sz="1400" dirty="0"/>
-              <a:t>아이템 </a:t>
-            </a:r>
-            <a:r>
-              <a:rPr lang="en-US" altLang="ko-KR" sz="1400" dirty="0"/>
-              <a:t>ID</a:t>
-            </a:r>
-          </a:p>
-          <a:p>
-            <a:pPr marL="342900" indent="-342900">
-              <a:lnSpc>
-                <a:spcPct val="150000"/>
-              </a:lnSpc>
-              <a:buFont typeface="Arial" panose="020B0604020202020204" pitchFamily="34" charset="0"/>
-              <a:buChar char="•"/>
-            </a:pPr>
-            <a:r>
-              <a:rPr lang="ko-KR" altLang="en-US" sz="1400" dirty="0"/>
-              <a:t>아이템 타입</a:t>
-            </a:r>
-            <a:r>
-              <a:rPr lang="en-US" altLang="ko-KR" sz="1400" dirty="0"/>
-              <a:t> (</a:t>
-            </a:r>
-            <a:r>
-              <a:rPr lang="ko-KR" altLang="en-US" sz="1400" dirty="0"/>
-              <a:t>무기</a:t>
-            </a:r>
-            <a:r>
-              <a:rPr lang="en-US" altLang="ko-KR" sz="1400" dirty="0"/>
-              <a:t>, </a:t>
-            </a:r>
-            <a:r>
-              <a:rPr lang="ko-KR" altLang="en-US" sz="1400" dirty="0" err="1"/>
-              <a:t>방어구</a:t>
-            </a:r>
-            <a:r>
-              <a:rPr lang="en-US" altLang="ko-KR" sz="1400" dirty="0"/>
-              <a:t>, </a:t>
-            </a:r>
-            <a:r>
-              <a:rPr lang="ko-KR" altLang="en-US" sz="1400" dirty="0"/>
-              <a:t>소모품</a:t>
-            </a:r>
-            <a:r>
-              <a:rPr lang="en-US" altLang="ko-KR" sz="1400" dirty="0"/>
-              <a:t>)</a:t>
-            </a:r>
-          </a:p>
-          <a:p>
-            <a:pPr marL="342900" indent="-342900">
-              <a:lnSpc>
-                <a:spcPct val="150000"/>
-              </a:lnSpc>
-              <a:buFont typeface="Arial" panose="020B0604020202020204" pitchFamily="34" charset="0"/>
-              <a:buChar char="•"/>
-            </a:pPr>
-            <a:r>
-              <a:rPr lang="ko-KR" altLang="en-US" sz="1400" dirty="0" err="1"/>
-              <a:t>습득처</a:t>
-            </a:r>
-            <a:r>
-              <a:rPr lang="ko-KR" altLang="en-US" sz="1400" dirty="0"/>
-              <a:t> 구분 </a:t>
-            </a:r>
-            <a:r>
-              <a:rPr lang="en-US" altLang="ko-KR" sz="1400" dirty="0"/>
-              <a:t>(</a:t>
-            </a:r>
-            <a:r>
-              <a:rPr lang="ko-KR" altLang="en-US" sz="1400" dirty="0"/>
-              <a:t>상점</a:t>
-            </a:r>
-            <a:r>
-              <a:rPr lang="en-US" altLang="ko-KR" sz="1400" dirty="0"/>
-              <a:t>, </a:t>
-            </a:r>
-            <a:r>
-              <a:rPr lang="ko-KR" altLang="en-US" sz="1400" dirty="0"/>
-              <a:t>드랍</a:t>
-            </a:r>
-            <a:r>
-              <a:rPr lang="en-US" altLang="ko-KR" sz="1400" dirty="0"/>
-              <a:t>)</a:t>
-            </a:r>
-          </a:p>
-          <a:p>
-            <a:pPr marL="342900" indent="-342900">
-              <a:lnSpc>
-                <a:spcPct val="150000"/>
-              </a:lnSpc>
-              <a:buFont typeface="Arial" panose="020B0604020202020204" pitchFamily="34" charset="0"/>
-              <a:buChar char="•"/>
-            </a:pPr>
-            <a:r>
-              <a:rPr lang="ko-KR" altLang="en-US" sz="1400" dirty="0"/>
-              <a:t>이름</a:t>
-            </a:r>
-            <a:endParaRPr lang="en-US" altLang="ko-KR" sz="1400" dirty="0"/>
-          </a:p>
-          <a:p>
-            <a:pPr marL="342900" indent="-342900">
-              <a:lnSpc>
-                <a:spcPct val="150000"/>
-              </a:lnSpc>
-              <a:buFont typeface="Arial" panose="020B0604020202020204" pitchFamily="34" charset="0"/>
-              <a:buChar char="•"/>
-            </a:pPr>
-            <a:r>
-              <a:rPr lang="ko-KR" altLang="en-US" sz="1400" dirty="0"/>
-              <a:t>설명</a:t>
-            </a:r>
-            <a:endParaRPr lang="en-US" altLang="ko-KR" sz="1400" dirty="0"/>
-          </a:p>
-          <a:p>
-            <a:pPr marL="342900" indent="-342900">
-              <a:lnSpc>
-                <a:spcPct val="150000"/>
-              </a:lnSpc>
-              <a:buFont typeface="Arial" panose="020B0604020202020204" pitchFamily="34" charset="0"/>
-              <a:buChar char="•"/>
-            </a:pPr>
-            <a:r>
-              <a:rPr lang="ko-KR" altLang="en-US" sz="1400" dirty="0"/>
-              <a:t>구매 가격</a:t>
-            </a:r>
-            <a:endParaRPr lang="en-US" altLang="ko-KR" sz="1400" dirty="0"/>
-          </a:p>
-          <a:p>
-            <a:pPr marL="342900" indent="-342900">
-              <a:lnSpc>
-                <a:spcPct val="150000"/>
-              </a:lnSpc>
-              <a:buFont typeface="Arial" panose="020B0604020202020204" pitchFamily="34" charset="0"/>
-              <a:buChar char="•"/>
-            </a:pPr>
-            <a:r>
-              <a:rPr lang="ko-KR" altLang="en-US" sz="1400" dirty="0"/>
-              <a:t>판매 가격</a:t>
-            </a:r>
-            <a:endParaRPr lang="en-US" altLang="ko-KR" sz="1400" dirty="0"/>
-          </a:p>
-        </p:txBody>
-      </p:sp>
-      <p:sp>
-        <p:nvSpPr>
-          <p:cNvPr id="4" name="TextBox 3">
-            <a:extLst>
-              <a:ext uri="{FF2B5EF4-FFF2-40B4-BE49-F238E27FC236}">
-                <a16:creationId xmlns:a16="http://schemas.microsoft.com/office/drawing/2014/main" id="{F874557E-6A12-FF18-E904-041B49AAF955}"/>
-              </a:ext>
-            </a:extLst>
-          </p:cNvPr>
-          <p:cNvSpPr txBox="1"/>
-          <p:nvPr/>
-        </p:nvSpPr>
-        <p:spPr>
-          <a:xfrm>
-            <a:off x="5947954" y="1093196"/>
-            <a:ext cx="3113353" cy="1989712"/>
-          </a:xfrm>
-          <a:prstGeom prst="rect">
-            <a:avLst/>
-          </a:prstGeom>
-          <a:noFill/>
-        </p:spPr>
-        <p:txBody>
-          <a:bodyPr wrap="none" rtlCol="0">
-            <a:spAutoFit/>
-          </a:bodyPr>
-          <a:lstStyle/>
-          <a:p>
-            <a:pPr>
-              <a:lnSpc>
-                <a:spcPct val="150000"/>
-              </a:lnSpc>
-            </a:pPr>
-            <a:r>
-              <a:rPr lang="ko-KR" altLang="en-US" sz="1400" b="1" dirty="0"/>
-              <a:t>무기 인터페이스</a:t>
-            </a:r>
-            <a:endParaRPr lang="en-US" altLang="ko-KR" sz="1400" b="1" dirty="0"/>
-          </a:p>
-          <a:p>
-            <a:pPr marL="342900" indent="-342900">
-              <a:lnSpc>
-                <a:spcPct val="150000"/>
-              </a:lnSpc>
-              <a:buFont typeface="Arial" panose="020B0604020202020204" pitchFamily="34" charset="0"/>
-              <a:buChar char="•"/>
-            </a:pPr>
-            <a:r>
-              <a:rPr lang="ko-KR" altLang="en-US" sz="1400" dirty="0"/>
-              <a:t>공격력</a:t>
-            </a:r>
-            <a:endParaRPr lang="en-US" altLang="ko-KR" sz="1400" dirty="0"/>
-          </a:p>
-          <a:p>
-            <a:pPr marL="342900" indent="-342900">
-              <a:lnSpc>
-                <a:spcPct val="150000"/>
-              </a:lnSpc>
-              <a:buFont typeface="Arial" panose="020B0604020202020204" pitchFamily="34" charset="0"/>
-              <a:buChar char="•"/>
-            </a:pPr>
-            <a:r>
-              <a:rPr lang="ko-KR" altLang="en-US" sz="1400" dirty="0"/>
-              <a:t>방어력</a:t>
-            </a:r>
-            <a:endParaRPr lang="en-US" altLang="ko-KR" sz="1400" dirty="0"/>
-          </a:p>
-          <a:p>
-            <a:pPr marL="342900" indent="-342900">
-              <a:lnSpc>
-                <a:spcPct val="150000"/>
-              </a:lnSpc>
-              <a:buFont typeface="Arial" panose="020B0604020202020204" pitchFamily="34" charset="0"/>
-              <a:buChar char="•"/>
-            </a:pPr>
-            <a:r>
-              <a:rPr lang="ko-KR" altLang="en-US" sz="1400" dirty="0" err="1"/>
-              <a:t>행동력</a:t>
-            </a:r>
-            <a:r>
-              <a:rPr lang="ko-KR" altLang="en-US" sz="1400" dirty="0"/>
-              <a:t> </a:t>
-            </a:r>
-            <a:r>
-              <a:rPr lang="en-US" altLang="ko-KR" sz="1400" dirty="0"/>
-              <a:t>(</a:t>
-            </a:r>
-            <a:r>
-              <a:rPr lang="ko-KR" altLang="en-US" sz="1400" dirty="0"/>
-              <a:t>기본적으로 </a:t>
-            </a:r>
-            <a:r>
-              <a:rPr lang="en-US" altLang="ko-KR" sz="1400" dirty="0"/>
-              <a:t>–</a:t>
-            </a:r>
-            <a:r>
-              <a:rPr lang="ko-KR" altLang="en-US" sz="1400" dirty="0"/>
-              <a:t>되는 구성</a:t>
-            </a:r>
-            <a:r>
-              <a:rPr lang="en-US" altLang="ko-KR" sz="1400" dirty="0"/>
-              <a:t>.)</a:t>
-            </a:r>
-          </a:p>
-          <a:p>
-            <a:pPr marL="342900" indent="-342900">
-              <a:lnSpc>
-                <a:spcPct val="150000"/>
-              </a:lnSpc>
-              <a:buFont typeface="Arial" panose="020B0604020202020204" pitchFamily="34" charset="0"/>
-              <a:buChar char="•"/>
-            </a:pPr>
-            <a:r>
-              <a:rPr lang="ko-KR" altLang="en-US" sz="1400" dirty="0"/>
-              <a:t>공격 행동</a:t>
-            </a:r>
-            <a:endParaRPr lang="en-US" altLang="ko-KR" sz="1400" dirty="0"/>
-          </a:p>
-          <a:p>
-            <a:pPr marL="342900" indent="-342900">
-              <a:lnSpc>
-                <a:spcPct val="150000"/>
-              </a:lnSpc>
-              <a:buFont typeface="Arial" panose="020B0604020202020204" pitchFamily="34" charset="0"/>
-              <a:buChar char="•"/>
-            </a:pPr>
-            <a:r>
-              <a:rPr lang="ko-KR" altLang="en-US" sz="1400" dirty="0"/>
-              <a:t>스킬 리스트</a:t>
-            </a:r>
-            <a:endParaRPr lang="en-US" altLang="ko-KR" sz="1400" dirty="0"/>
-          </a:p>
-        </p:txBody>
-      </p:sp>
-      <p:sp>
-        <p:nvSpPr>
-          <p:cNvPr id="5" name="TextBox 4">
-            <a:extLst>
-              <a:ext uri="{FF2B5EF4-FFF2-40B4-BE49-F238E27FC236}">
-                <a16:creationId xmlns:a16="http://schemas.microsoft.com/office/drawing/2014/main" id="{B86F1A14-5A48-C791-0FF7-CD0D2ABE6A1D}"/>
-              </a:ext>
-            </a:extLst>
-          </p:cNvPr>
-          <p:cNvSpPr txBox="1"/>
-          <p:nvPr/>
-        </p:nvSpPr>
-        <p:spPr>
-          <a:xfrm>
-            <a:off x="2881828" y="3135572"/>
-            <a:ext cx="3135795" cy="1343381"/>
-          </a:xfrm>
-          <a:prstGeom prst="rect">
-            <a:avLst/>
-          </a:prstGeom>
-          <a:noFill/>
-        </p:spPr>
-        <p:txBody>
-          <a:bodyPr wrap="none" rtlCol="0">
-            <a:spAutoFit/>
-          </a:bodyPr>
-          <a:lstStyle/>
-          <a:p>
-            <a:pPr>
-              <a:lnSpc>
-                <a:spcPct val="150000"/>
-              </a:lnSpc>
-            </a:pPr>
-            <a:r>
-              <a:rPr lang="ko-KR" altLang="en-US" sz="1400" b="1" dirty="0" err="1"/>
-              <a:t>방어구</a:t>
-            </a:r>
-            <a:r>
-              <a:rPr lang="ko-KR" altLang="en-US" sz="1400" b="1" dirty="0"/>
-              <a:t> 인터페이스</a:t>
-            </a:r>
-            <a:endParaRPr lang="en-US" altLang="ko-KR" sz="1400" b="1" dirty="0"/>
-          </a:p>
-          <a:p>
-            <a:pPr marL="342900" indent="-342900">
-              <a:lnSpc>
-                <a:spcPct val="150000"/>
-              </a:lnSpc>
-              <a:buFont typeface="Arial" panose="020B0604020202020204" pitchFamily="34" charset="0"/>
-              <a:buChar char="•"/>
-            </a:pPr>
-            <a:r>
-              <a:rPr lang="ko-KR" altLang="en-US" sz="1400" dirty="0"/>
-              <a:t>공격력</a:t>
-            </a:r>
-            <a:endParaRPr lang="en-US" altLang="ko-KR" sz="1400" dirty="0"/>
-          </a:p>
-          <a:p>
-            <a:pPr marL="342900" indent="-342900">
-              <a:lnSpc>
-                <a:spcPct val="150000"/>
-              </a:lnSpc>
-              <a:buFont typeface="Arial" panose="020B0604020202020204" pitchFamily="34" charset="0"/>
-              <a:buChar char="•"/>
-            </a:pPr>
-            <a:r>
-              <a:rPr lang="ko-KR" altLang="en-US" sz="1400" dirty="0"/>
-              <a:t>방어력</a:t>
-            </a:r>
-            <a:endParaRPr lang="en-US" altLang="ko-KR" sz="1400" dirty="0"/>
-          </a:p>
-          <a:p>
-            <a:pPr marL="342900" indent="-342900">
-              <a:lnSpc>
-                <a:spcPct val="150000"/>
-              </a:lnSpc>
-              <a:buFont typeface="Arial" panose="020B0604020202020204" pitchFamily="34" charset="0"/>
-              <a:buChar char="•"/>
-            </a:pPr>
-            <a:r>
-              <a:rPr lang="ko-KR" altLang="en-US" sz="1400" dirty="0" err="1"/>
-              <a:t>행동력</a:t>
-            </a:r>
-            <a:r>
-              <a:rPr lang="ko-KR" altLang="en-US" sz="1400" dirty="0"/>
-              <a:t> </a:t>
-            </a:r>
-            <a:r>
-              <a:rPr lang="en-US" altLang="ko-KR" sz="1400" dirty="0"/>
-              <a:t>(</a:t>
-            </a:r>
-            <a:r>
-              <a:rPr lang="ko-KR" altLang="en-US" sz="1400" dirty="0"/>
-              <a:t>기본적으로 </a:t>
-            </a:r>
-            <a:r>
-              <a:rPr lang="en-US" altLang="ko-KR" sz="1400" dirty="0"/>
-              <a:t>– </a:t>
-            </a:r>
-            <a:r>
-              <a:rPr lang="ko-KR" altLang="en-US" sz="1400" dirty="0"/>
-              <a:t>되는 구성</a:t>
-            </a:r>
-            <a:r>
-              <a:rPr lang="en-US" altLang="ko-KR" sz="1400" dirty="0"/>
-              <a:t>)</a:t>
-            </a:r>
-          </a:p>
-        </p:txBody>
-      </p:sp>
-      <p:sp>
-        <p:nvSpPr>
-          <p:cNvPr id="7" name="TextBox 6">
-            <a:extLst>
-              <a:ext uri="{FF2B5EF4-FFF2-40B4-BE49-F238E27FC236}">
-                <a16:creationId xmlns:a16="http://schemas.microsoft.com/office/drawing/2014/main" id="{A59881D7-3AA2-8A39-23BE-AF5A53DB284C}"/>
-              </a:ext>
-            </a:extLst>
-          </p:cNvPr>
-          <p:cNvSpPr txBox="1"/>
-          <p:nvPr/>
-        </p:nvSpPr>
-        <p:spPr>
-          <a:xfrm>
-            <a:off x="7504630" y="3199205"/>
-            <a:ext cx="1925527" cy="1020216"/>
-          </a:xfrm>
-          <a:prstGeom prst="rect">
-            <a:avLst/>
-          </a:prstGeom>
-          <a:noFill/>
-        </p:spPr>
-        <p:txBody>
-          <a:bodyPr wrap="none" rtlCol="0">
-            <a:spAutoFit/>
-          </a:bodyPr>
-          <a:lstStyle/>
-          <a:p>
-            <a:pPr>
-              <a:lnSpc>
-                <a:spcPct val="150000"/>
-              </a:lnSpc>
-            </a:pPr>
-            <a:r>
-              <a:rPr lang="ko-KR" altLang="en-US" sz="1400" b="1" dirty="0"/>
-              <a:t>축적 가능 인터페이스</a:t>
-            </a:r>
-            <a:endParaRPr lang="en-US" altLang="ko-KR" sz="1400" b="1" dirty="0"/>
-          </a:p>
-          <a:p>
-            <a:pPr marL="342900" indent="-342900">
-              <a:lnSpc>
-                <a:spcPct val="150000"/>
-              </a:lnSpc>
-              <a:buFont typeface="Arial" panose="020B0604020202020204" pitchFamily="34" charset="0"/>
-              <a:buChar char="•"/>
-            </a:pPr>
-            <a:r>
-              <a:rPr lang="ko-KR" altLang="en-US" sz="1400" dirty="0"/>
-              <a:t>현재 </a:t>
-            </a:r>
-            <a:r>
-              <a:rPr lang="ko-KR" altLang="en-US" sz="1400" dirty="0" err="1"/>
-              <a:t>소지량</a:t>
-            </a:r>
-            <a:endParaRPr lang="en-US" altLang="ko-KR" sz="1400" dirty="0"/>
-          </a:p>
-          <a:p>
-            <a:pPr marL="342900" indent="-342900">
-              <a:lnSpc>
-                <a:spcPct val="150000"/>
-              </a:lnSpc>
-              <a:buFont typeface="Arial" panose="020B0604020202020204" pitchFamily="34" charset="0"/>
-              <a:buChar char="•"/>
-            </a:pPr>
-            <a:r>
-              <a:rPr lang="ko-KR" altLang="en-US" sz="1400" dirty="0"/>
-              <a:t>최대 </a:t>
-            </a:r>
-            <a:r>
-              <a:rPr lang="ko-KR" altLang="en-US" sz="1400" dirty="0" err="1"/>
-              <a:t>소지량</a:t>
-            </a:r>
-            <a:endParaRPr lang="en-US" altLang="ko-KR" sz="1400" dirty="0"/>
-          </a:p>
-        </p:txBody>
-      </p:sp>
-      <p:sp>
-        <p:nvSpPr>
-          <p:cNvPr id="8" name="TextBox 7">
-            <a:extLst>
-              <a:ext uri="{FF2B5EF4-FFF2-40B4-BE49-F238E27FC236}">
-                <a16:creationId xmlns:a16="http://schemas.microsoft.com/office/drawing/2014/main" id="{C5705DA8-B90B-59A7-234D-41FEC0EDD5D4}"/>
-              </a:ext>
-            </a:extLst>
-          </p:cNvPr>
-          <p:cNvSpPr txBox="1"/>
-          <p:nvPr/>
-        </p:nvSpPr>
-        <p:spPr>
-          <a:xfrm>
-            <a:off x="7658289" y="4624304"/>
-            <a:ext cx="4065537" cy="1343381"/>
-          </a:xfrm>
-          <a:prstGeom prst="rect">
-            <a:avLst/>
-          </a:prstGeom>
-          <a:noFill/>
-        </p:spPr>
-        <p:txBody>
-          <a:bodyPr wrap="none" rtlCol="0">
-            <a:spAutoFit/>
-          </a:bodyPr>
-          <a:lstStyle/>
-          <a:p>
-            <a:pPr>
-              <a:lnSpc>
-                <a:spcPct val="150000"/>
-              </a:lnSpc>
-            </a:pPr>
-            <a:r>
-              <a:rPr lang="ko-KR" altLang="en-US" sz="1400" b="1" dirty="0"/>
-              <a:t>소모품은 다음 인터페이스의 조합으로 구성한다</a:t>
-            </a:r>
-            <a:r>
-              <a:rPr lang="en-US" altLang="ko-KR" sz="1400" b="1" dirty="0"/>
-              <a:t>.</a:t>
-            </a:r>
-          </a:p>
-          <a:p>
-            <a:pPr marL="342900" indent="-342900">
-              <a:lnSpc>
-                <a:spcPct val="150000"/>
-              </a:lnSpc>
-              <a:buFont typeface="Arial" panose="020B0604020202020204" pitchFamily="34" charset="0"/>
-              <a:buChar char="•"/>
-            </a:pPr>
-            <a:r>
-              <a:rPr lang="ko-KR" altLang="en-US" sz="1400" dirty="0"/>
-              <a:t>아이템 인터페이스</a:t>
-            </a:r>
-            <a:endParaRPr lang="en-US" altLang="ko-KR" sz="1400" dirty="0"/>
-          </a:p>
-          <a:p>
-            <a:pPr marL="342900" indent="-342900">
-              <a:lnSpc>
-                <a:spcPct val="150000"/>
-              </a:lnSpc>
-              <a:buFont typeface="Arial" panose="020B0604020202020204" pitchFamily="34" charset="0"/>
-              <a:buChar char="•"/>
-            </a:pPr>
-            <a:r>
-              <a:rPr lang="ko-KR" altLang="en-US" sz="1400" dirty="0"/>
-              <a:t>축적 가능 인터페이스</a:t>
-            </a:r>
-            <a:endParaRPr lang="en-US" altLang="ko-KR" sz="1400" dirty="0"/>
-          </a:p>
-          <a:p>
-            <a:pPr marL="342900" indent="-342900">
-              <a:lnSpc>
-                <a:spcPct val="150000"/>
-              </a:lnSpc>
-              <a:buFont typeface="Arial" panose="020B0604020202020204" pitchFamily="34" charset="0"/>
-              <a:buChar char="•"/>
-            </a:pPr>
-            <a:r>
-              <a:rPr lang="ko-KR" altLang="en-US" sz="1400" dirty="0"/>
-              <a:t>행동 인터페이스</a:t>
-            </a:r>
-            <a:endParaRPr lang="en-US" altLang="ko-KR" sz="1400" dirty="0"/>
-          </a:p>
-        </p:txBody>
-      </p:sp>
-    </p:spTree>
-    <p:extLst>
-      <p:ext uri="{BB962C8B-B14F-4D97-AF65-F5344CB8AC3E}">
-        <p14:creationId xmlns:p14="http://schemas.microsoft.com/office/powerpoint/2010/main" val="507639735"/>
-      </p:ext>
-    </p:extLst>
-  </p:cSld>
-  <p:clrMapOvr>
-    <a:masterClrMapping/>
-  </p:clrMapOvr>
-</p:sld>
-</file>
-
-<file path=ppt/slides/slide13.xml><?xml version="1.0" encoding="utf-8"?>
-<p:sld xmlns:a="http://schemas.openxmlformats.org/drawingml/2006/main" xmlns:r="http://schemas.openxmlformats.org/officeDocument/2006/relationships" xmlns:p="http://schemas.openxmlformats.org/presentationml/2006/main">
-  <p:cSld>
-    <p:bg>
-      <p:bgPr>
-        <a:solidFill>
-          <a:schemeClr val="bg1"/>
-        </a:solidFill>
-        <a:effectLst/>
-      </p:bgPr>
-    </p:bg>
-    <p:spTree>
-      <p:nvGrpSpPr>
-        <p:cNvPr id="1" name=""/>
-        <p:cNvGrpSpPr/>
-        <p:nvPr/>
-      </p:nvGrpSpPr>
-      <p:grpSpPr>
-        <a:xfrm>
-          <a:off x="0" y="0"/>
-          <a:ext cx="0" cy="0"/>
-          <a:chOff x="0" y="0"/>
-          <a:chExt cx="0" cy="0"/>
-        </a:xfrm>
-      </p:grpSpPr>
-      <p:sp>
-        <p:nvSpPr>
-          <p:cNvPr id="2" name="TextBox 1">
-            <a:extLst>
-              <a:ext uri="{FF2B5EF4-FFF2-40B4-BE49-F238E27FC236}">
-                <a16:creationId xmlns:a16="http://schemas.microsoft.com/office/drawing/2014/main" id="{F9DE207E-56CB-76AE-2106-43FD4CD482AA}"/>
-              </a:ext>
-            </a:extLst>
-          </p:cNvPr>
-          <p:cNvSpPr txBox="1"/>
-          <p:nvPr/>
-        </p:nvSpPr>
-        <p:spPr>
-          <a:xfrm>
-            <a:off x="528918" y="347976"/>
-            <a:ext cx="3251211" cy="369332"/>
-          </a:xfrm>
-          <a:prstGeom prst="rect">
-            <a:avLst/>
-          </a:prstGeom>
-          <a:noFill/>
-        </p:spPr>
-        <p:txBody>
-          <a:bodyPr wrap="none" rtlCol="0">
-            <a:spAutoFit/>
-          </a:bodyPr>
-          <a:lstStyle/>
-          <a:p>
-            <a:r>
-              <a:rPr lang="ko-KR" altLang="en-US" dirty="0"/>
-              <a:t>인터페이스 속성 정리 </a:t>
-            </a:r>
-            <a:r>
-              <a:rPr lang="en-US" altLang="ko-KR" dirty="0"/>
-              <a:t>– </a:t>
-            </a:r>
-            <a:r>
-              <a:rPr lang="ko-KR" altLang="en-US" dirty="0"/>
-              <a:t>스킬</a:t>
-            </a:r>
-          </a:p>
-        </p:txBody>
-      </p:sp>
-      <p:sp>
-        <p:nvSpPr>
-          <p:cNvPr id="9" name="TextBox 8">
-            <a:extLst>
-              <a:ext uri="{FF2B5EF4-FFF2-40B4-BE49-F238E27FC236}">
-                <a16:creationId xmlns:a16="http://schemas.microsoft.com/office/drawing/2014/main" id="{B80E9DA8-B5AF-4ADA-9368-BE9A7C7F1ED2}"/>
-              </a:ext>
-            </a:extLst>
-          </p:cNvPr>
-          <p:cNvSpPr txBox="1"/>
-          <p:nvPr/>
-        </p:nvSpPr>
-        <p:spPr>
-          <a:xfrm>
-            <a:off x="1523524" y="2919647"/>
-            <a:ext cx="2154757" cy="1989712"/>
-          </a:xfrm>
-          <a:prstGeom prst="rect">
-            <a:avLst/>
-          </a:prstGeom>
-          <a:noFill/>
-        </p:spPr>
-        <p:txBody>
-          <a:bodyPr wrap="none" rtlCol="0">
-            <a:spAutoFit/>
-          </a:bodyPr>
-          <a:lstStyle/>
-          <a:p>
-            <a:pPr>
-              <a:lnSpc>
-                <a:spcPct val="150000"/>
-              </a:lnSpc>
-            </a:pPr>
-            <a:r>
-              <a:rPr lang="ko-KR" altLang="en-US" sz="1400" b="1" dirty="0"/>
-              <a:t>행동 인터페이스</a:t>
-            </a:r>
-            <a:endParaRPr lang="en-US" altLang="ko-KR" sz="1400" b="1" dirty="0"/>
-          </a:p>
-          <a:p>
-            <a:pPr marL="342900" indent="-342900">
-              <a:lnSpc>
-                <a:spcPct val="150000"/>
-              </a:lnSpc>
-              <a:buFont typeface="Arial" panose="020B0604020202020204" pitchFamily="34" charset="0"/>
-              <a:buChar char="•"/>
-            </a:pPr>
-            <a:r>
-              <a:rPr lang="ko-KR" altLang="en-US" sz="1400" dirty="0"/>
-              <a:t>위력</a:t>
-            </a:r>
-            <a:endParaRPr lang="en-US" altLang="ko-KR" sz="1400" dirty="0"/>
-          </a:p>
-          <a:p>
-            <a:pPr marL="342900" indent="-342900">
-              <a:lnSpc>
-                <a:spcPct val="150000"/>
-              </a:lnSpc>
-              <a:buFont typeface="Arial" panose="020B0604020202020204" pitchFamily="34" charset="0"/>
-              <a:buChar char="•"/>
-            </a:pPr>
-            <a:r>
-              <a:rPr lang="ko-KR" altLang="en-US" sz="1400" dirty="0"/>
-              <a:t>대상 랭크 변동</a:t>
-            </a:r>
-            <a:endParaRPr lang="en-US" altLang="ko-KR" sz="1400" dirty="0"/>
-          </a:p>
-          <a:p>
-            <a:pPr marL="342900" indent="-342900">
-              <a:lnSpc>
-                <a:spcPct val="150000"/>
-              </a:lnSpc>
-              <a:buFont typeface="Arial" panose="020B0604020202020204" pitchFamily="34" charset="0"/>
-              <a:buChar char="•"/>
-            </a:pPr>
-            <a:r>
-              <a:rPr lang="ko-KR" altLang="en-US" sz="1400" dirty="0"/>
-              <a:t>자신 랭크 변동</a:t>
-            </a:r>
-            <a:endParaRPr lang="en-US" altLang="ko-KR" sz="1400" dirty="0"/>
-          </a:p>
-          <a:p>
-            <a:pPr marL="342900" indent="-342900">
-              <a:lnSpc>
-                <a:spcPct val="150000"/>
-              </a:lnSpc>
-              <a:buFont typeface="Arial" panose="020B0604020202020204" pitchFamily="34" charset="0"/>
-              <a:buChar char="•"/>
-            </a:pPr>
-            <a:r>
-              <a:rPr lang="ko-KR" altLang="en-US" sz="1400" dirty="0"/>
-              <a:t>행동 가능 여부 판정</a:t>
-            </a:r>
-            <a:endParaRPr lang="en-US" altLang="ko-KR" sz="1400" dirty="0"/>
-          </a:p>
-          <a:p>
-            <a:pPr marL="342900" indent="-342900">
-              <a:lnSpc>
-                <a:spcPct val="150000"/>
-              </a:lnSpc>
-              <a:buFont typeface="Arial" panose="020B0604020202020204" pitchFamily="34" charset="0"/>
-              <a:buChar char="•"/>
-            </a:pPr>
-            <a:r>
-              <a:rPr lang="ko-KR" altLang="en-US" sz="1400" dirty="0"/>
-              <a:t>행동 효과</a:t>
-            </a:r>
-            <a:endParaRPr lang="en-US" altLang="ko-KR" sz="1400" dirty="0"/>
-          </a:p>
-        </p:txBody>
-      </p:sp>
-      <p:sp>
-        <p:nvSpPr>
-          <p:cNvPr id="10" name="TextBox 9">
-            <a:extLst>
-              <a:ext uri="{FF2B5EF4-FFF2-40B4-BE49-F238E27FC236}">
-                <a16:creationId xmlns:a16="http://schemas.microsoft.com/office/drawing/2014/main" id="{B2172259-FFD2-F9A0-E764-8E4C583FC13E}"/>
-              </a:ext>
-            </a:extLst>
-          </p:cNvPr>
-          <p:cNvSpPr txBox="1"/>
-          <p:nvPr/>
-        </p:nvSpPr>
-        <p:spPr>
-          <a:xfrm>
-            <a:off x="1523524" y="1253101"/>
-            <a:ext cx="2443298" cy="1666546"/>
-          </a:xfrm>
-          <a:prstGeom prst="rect">
-            <a:avLst/>
-          </a:prstGeom>
-          <a:noFill/>
-        </p:spPr>
-        <p:txBody>
-          <a:bodyPr wrap="none" rtlCol="0">
-            <a:spAutoFit/>
-          </a:bodyPr>
-          <a:lstStyle/>
-          <a:p>
-            <a:pPr>
-              <a:lnSpc>
-                <a:spcPct val="150000"/>
-              </a:lnSpc>
-            </a:pPr>
-            <a:r>
-              <a:rPr lang="ko-KR" altLang="en-US" sz="1400" b="1" dirty="0"/>
-              <a:t>스킬 인터페이스</a:t>
-            </a:r>
-            <a:endParaRPr lang="en-US" altLang="ko-KR" sz="1400" b="1" dirty="0"/>
-          </a:p>
-          <a:p>
-            <a:pPr marL="342900" indent="-342900">
-              <a:lnSpc>
-                <a:spcPct val="150000"/>
-              </a:lnSpc>
-              <a:buFont typeface="Arial" panose="020B0604020202020204" pitchFamily="34" charset="0"/>
-              <a:buChar char="•"/>
-            </a:pPr>
-            <a:r>
-              <a:rPr lang="ko-KR" altLang="en-US" sz="1400" dirty="0"/>
-              <a:t>스킬 </a:t>
-            </a:r>
-            <a:r>
-              <a:rPr lang="en-US" altLang="ko-KR" sz="1400" dirty="0"/>
-              <a:t>ID</a:t>
-            </a:r>
-          </a:p>
-          <a:p>
-            <a:pPr marL="342900" indent="-342900">
-              <a:lnSpc>
-                <a:spcPct val="150000"/>
-              </a:lnSpc>
-              <a:buFont typeface="Arial" panose="020B0604020202020204" pitchFamily="34" charset="0"/>
-              <a:buChar char="•"/>
-            </a:pPr>
-            <a:r>
-              <a:rPr lang="ko-KR" altLang="en-US" sz="1400" dirty="0"/>
-              <a:t>스킬</a:t>
-            </a:r>
-            <a:r>
-              <a:rPr lang="en-US" altLang="ko-KR" sz="1400" dirty="0"/>
-              <a:t> </a:t>
-            </a:r>
-            <a:r>
-              <a:rPr lang="ko-KR" altLang="en-US" sz="1400" dirty="0"/>
-              <a:t>타입</a:t>
-            </a:r>
-            <a:r>
-              <a:rPr lang="en-US" altLang="ko-KR" sz="1400" dirty="0"/>
-              <a:t>(</a:t>
-            </a:r>
-            <a:r>
-              <a:rPr lang="ko-KR" altLang="en-US" sz="1400" dirty="0"/>
-              <a:t>용도 별 구성</a:t>
-            </a:r>
-            <a:r>
-              <a:rPr lang="en-US" altLang="ko-KR" sz="1400" dirty="0"/>
-              <a:t>)</a:t>
-            </a:r>
-          </a:p>
-          <a:p>
-            <a:pPr marL="342900" indent="-342900">
-              <a:lnSpc>
-                <a:spcPct val="150000"/>
-              </a:lnSpc>
-              <a:buFont typeface="Arial" panose="020B0604020202020204" pitchFamily="34" charset="0"/>
-              <a:buChar char="•"/>
-            </a:pPr>
-            <a:r>
-              <a:rPr lang="ko-KR" altLang="en-US" sz="1400" dirty="0"/>
-              <a:t>이름</a:t>
-            </a:r>
-            <a:endParaRPr lang="en-US" altLang="ko-KR" sz="1400" dirty="0"/>
-          </a:p>
-          <a:p>
-            <a:pPr marL="342900" indent="-342900">
-              <a:lnSpc>
-                <a:spcPct val="150000"/>
-              </a:lnSpc>
-              <a:buFont typeface="Arial" panose="020B0604020202020204" pitchFamily="34" charset="0"/>
-              <a:buChar char="•"/>
-            </a:pPr>
-            <a:r>
-              <a:rPr lang="ko-KR" altLang="en-US" sz="1400" dirty="0"/>
-              <a:t>설명</a:t>
-            </a:r>
-            <a:endParaRPr lang="en-US" altLang="ko-KR" sz="1400" dirty="0"/>
-          </a:p>
-        </p:txBody>
-      </p:sp>
-      <p:sp>
-        <p:nvSpPr>
-          <p:cNvPr id="12" name="TextBox 11">
-            <a:extLst>
-              <a:ext uri="{FF2B5EF4-FFF2-40B4-BE49-F238E27FC236}">
-                <a16:creationId xmlns:a16="http://schemas.microsoft.com/office/drawing/2014/main" id="{31D94046-42AD-7656-0E6E-BB101E46051D}"/>
-              </a:ext>
-            </a:extLst>
-          </p:cNvPr>
-          <p:cNvSpPr txBox="1"/>
-          <p:nvPr/>
-        </p:nvSpPr>
-        <p:spPr>
-          <a:xfrm>
-            <a:off x="6245151" y="4746376"/>
-            <a:ext cx="2666114" cy="1666546"/>
-          </a:xfrm>
-          <a:prstGeom prst="rect">
-            <a:avLst/>
-          </a:prstGeom>
-          <a:noFill/>
-        </p:spPr>
-        <p:txBody>
-          <a:bodyPr wrap="none" rtlCol="0">
-            <a:spAutoFit/>
-          </a:bodyPr>
-          <a:lstStyle/>
-          <a:p>
-            <a:pPr>
-              <a:lnSpc>
-                <a:spcPct val="150000"/>
-              </a:lnSpc>
-            </a:pPr>
-            <a:r>
-              <a:rPr lang="ko-KR" altLang="en-US" sz="1400" b="1" dirty="0">
-                <a:solidFill>
-                  <a:schemeClr val="bg2">
-                    <a:lumMod val="90000"/>
-                  </a:schemeClr>
-                </a:solidFill>
-              </a:rPr>
-              <a:t>상태이상 </a:t>
-            </a:r>
-            <a:r>
-              <a:rPr lang="en-US" altLang="ko-KR" sz="1400" b="1" dirty="0">
-                <a:solidFill>
-                  <a:schemeClr val="bg2">
-                    <a:lumMod val="90000"/>
-                  </a:schemeClr>
-                </a:solidFill>
-              </a:rPr>
-              <a:t>and </a:t>
-            </a:r>
-            <a:r>
-              <a:rPr lang="ko-KR" altLang="en-US" sz="1400" b="1" dirty="0">
-                <a:solidFill>
-                  <a:schemeClr val="bg2">
-                    <a:lumMod val="90000"/>
-                  </a:schemeClr>
-                </a:solidFill>
-              </a:rPr>
-              <a:t>버프 인터페이스</a:t>
-            </a:r>
-          </a:p>
-          <a:p>
-            <a:pPr marL="342900" indent="-342900">
-              <a:lnSpc>
-                <a:spcPct val="150000"/>
-              </a:lnSpc>
-              <a:buFont typeface="Arial" panose="020B0604020202020204" pitchFamily="34" charset="0"/>
-              <a:buChar char="•"/>
-            </a:pPr>
-            <a:r>
-              <a:rPr lang="ko-KR" altLang="en-US" sz="1400" dirty="0">
-                <a:solidFill>
-                  <a:schemeClr val="bg2">
-                    <a:lumMod val="90000"/>
-                  </a:schemeClr>
-                </a:solidFill>
-              </a:rPr>
-              <a:t>상태이상 </a:t>
-            </a:r>
-            <a:r>
-              <a:rPr lang="en-US" altLang="ko-KR" sz="1400" dirty="0">
-                <a:solidFill>
-                  <a:schemeClr val="bg2">
-                    <a:lumMod val="90000"/>
-                  </a:schemeClr>
-                </a:solidFill>
-              </a:rPr>
-              <a:t>ID</a:t>
-            </a:r>
-          </a:p>
-          <a:p>
-            <a:pPr marL="342900" indent="-342900">
-              <a:lnSpc>
-                <a:spcPct val="150000"/>
-              </a:lnSpc>
-              <a:buFont typeface="Arial" panose="020B0604020202020204" pitchFamily="34" charset="0"/>
-              <a:buChar char="•"/>
-            </a:pPr>
-            <a:r>
-              <a:rPr lang="ko-KR" altLang="en-US" sz="1400" dirty="0">
-                <a:solidFill>
-                  <a:schemeClr val="bg2">
-                    <a:lumMod val="90000"/>
-                  </a:schemeClr>
-                </a:solidFill>
-              </a:rPr>
-              <a:t>이름</a:t>
-            </a:r>
-            <a:endParaRPr lang="en-US" altLang="ko-KR" sz="1400" dirty="0">
-              <a:solidFill>
-                <a:schemeClr val="bg2">
-                  <a:lumMod val="90000"/>
-                </a:schemeClr>
-              </a:solidFill>
-            </a:endParaRPr>
-          </a:p>
-          <a:p>
-            <a:pPr marL="342900" indent="-342900">
-              <a:lnSpc>
-                <a:spcPct val="150000"/>
-              </a:lnSpc>
-              <a:buFont typeface="Arial" panose="020B0604020202020204" pitchFamily="34" charset="0"/>
-              <a:buChar char="•"/>
-            </a:pPr>
-            <a:r>
-              <a:rPr lang="ko-KR" altLang="en-US" sz="1400" dirty="0">
-                <a:solidFill>
-                  <a:schemeClr val="bg2">
-                    <a:lumMod val="90000"/>
-                  </a:schemeClr>
-                </a:solidFill>
-              </a:rPr>
-              <a:t>위력</a:t>
-            </a:r>
-            <a:endParaRPr lang="en-US" altLang="ko-KR" sz="1400" dirty="0">
-              <a:solidFill>
-                <a:schemeClr val="bg2">
-                  <a:lumMod val="90000"/>
-                </a:schemeClr>
-              </a:solidFill>
-            </a:endParaRPr>
-          </a:p>
-          <a:p>
-            <a:pPr marL="342900" indent="-342900">
-              <a:lnSpc>
-                <a:spcPct val="150000"/>
-              </a:lnSpc>
-              <a:buFont typeface="Arial" panose="020B0604020202020204" pitchFamily="34" charset="0"/>
-              <a:buChar char="•"/>
-            </a:pPr>
-            <a:r>
-              <a:rPr lang="ko-KR" altLang="en-US" sz="1400" dirty="0">
-                <a:solidFill>
-                  <a:schemeClr val="bg2">
-                    <a:lumMod val="90000"/>
-                  </a:schemeClr>
-                </a:solidFill>
-              </a:rPr>
-              <a:t>초기 턴</a:t>
-            </a:r>
-            <a:endParaRPr lang="en-US" altLang="ko-KR" sz="1400" dirty="0">
-              <a:solidFill>
-                <a:schemeClr val="bg2">
-                  <a:lumMod val="90000"/>
-                </a:schemeClr>
-              </a:solidFill>
-            </a:endParaRPr>
-          </a:p>
-        </p:txBody>
-      </p:sp>
-      <p:sp>
-        <p:nvSpPr>
-          <p:cNvPr id="11" name="TextBox 10">
-            <a:extLst>
-              <a:ext uri="{FF2B5EF4-FFF2-40B4-BE49-F238E27FC236}">
-                <a16:creationId xmlns:a16="http://schemas.microsoft.com/office/drawing/2014/main" id="{F83D4524-D1DC-349A-EDAA-C70FC246BEB4}"/>
-              </a:ext>
-            </a:extLst>
-          </p:cNvPr>
-          <p:cNvSpPr txBox="1"/>
-          <p:nvPr/>
-        </p:nvSpPr>
-        <p:spPr>
-          <a:xfrm>
-            <a:off x="9092963" y="5069541"/>
-            <a:ext cx="2517036" cy="1343381"/>
-          </a:xfrm>
-          <a:prstGeom prst="rect">
-            <a:avLst/>
-          </a:prstGeom>
-          <a:noFill/>
-        </p:spPr>
-        <p:txBody>
-          <a:bodyPr wrap="none" rtlCol="0">
-            <a:spAutoFit/>
-          </a:bodyPr>
-          <a:lstStyle/>
-          <a:p>
-            <a:pPr>
-              <a:lnSpc>
-                <a:spcPct val="150000"/>
-              </a:lnSpc>
-            </a:pPr>
-            <a:r>
-              <a:rPr lang="ko-KR" altLang="en-US" sz="1400" b="1" dirty="0">
-                <a:solidFill>
-                  <a:schemeClr val="bg2">
-                    <a:lumMod val="90000"/>
-                  </a:schemeClr>
-                </a:solidFill>
-              </a:rPr>
-              <a:t>상태이상 공격력 구조체</a:t>
-            </a:r>
-            <a:endParaRPr lang="en-US" altLang="ko-KR" sz="1400" b="1" dirty="0">
-              <a:solidFill>
-                <a:schemeClr val="bg2">
-                  <a:lumMod val="90000"/>
-                </a:schemeClr>
-              </a:solidFill>
-            </a:endParaRPr>
-          </a:p>
-          <a:p>
-            <a:pPr marL="342900" indent="-342900">
-              <a:lnSpc>
-                <a:spcPct val="150000"/>
-              </a:lnSpc>
-              <a:buFont typeface="Arial" panose="020B0604020202020204" pitchFamily="34" charset="0"/>
-              <a:buChar char="•"/>
-            </a:pPr>
-            <a:r>
-              <a:rPr lang="ko-KR" altLang="en-US" sz="1400" dirty="0">
-                <a:solidFill>
-                  <a:schemeClr val="bg2">
-                    <a:lumMod val="90000"/>
-                  </a:schemeClr>
-                </a:solidFill>
-              </a:rPr>
-              <a:t>상태이상</a:t>
-            </a:r>
-            <a:endParaRPr lang="en-US" altLang="ko-KR" sz="1400" dirty="0">
-              <a:solidFill>
-                <a:schemeClr val="bg2">
-                  <a:lumMod val="90000"/>
-                </a:schemeClr>
-              </a:solidFill>
-            </a:endParaRPr>
-          </a:p>
-          <a:p>
-            <a:pPr marL="800100" lvl="1" indent="-342900">
-              <a:lnSpc>
-                <a:spcPct val="150000"/>
-              </a:lnSpc>
-              <a:buFont typeface="Arial" panose="020B0604020202020204" pitchFamily="34" charset="0"/>
-              <a:buChar char="•"/>
-            </a:pPr>
-            <a:r>
-              <a:rPr lang="ko-KR" altLang="en-US" sz="1400" dirty="0">
-                <a:solidFill>
-                  <a:schemeClr val="bg2">
-                    <a:lumMod val="90000"/>
-                  </a:schemeClr>
-                </a:solidFill>
-              </a:rPr>
-              <a:t>인수</a:t>
-            </a:r>
-            <a:r>
-              <a:rPr lang="en-US" altLang="ko-KR" sz="1400" dirty="0">
-                <a:solidFill>
-                  <a:schemeClr val="bg2">
-                    <a:lumMod val="90000"/>
-                  </a:schemeClr>
-                </a:solidFill>
-              </a:rPr>
-              <a:t>: </a:t>
-            </a:r>
-            <a:r>
-              <a:rPr lang="ko-KR" altLang="en-US" sz="1400" dirty="0">
-                <a:solidFill>
-                  <a:schemeClr val="bg2">
-                    <a:lumMod val="90000"/>
-                  </a:schemeClr>
-                </a:solidFill>
-              </a:rPr>
-              <a:t>위력</a:t>
-            </a:r>
-            <a:r>
-              <a:rPr lang="en-US" altLang="ko-KR" sz="1400" dirty="0">
-                <a:solidFill>
-                  <a:schemeClr val="bg2">
-                    <a:lumMod val="90000"/>
-                  </a:schemeClr>
-                </a:solidFill>
-              </a:rPr>
-              <a:t>, </a:t>
-            </a:r>
-            <a:r>
-              <a:rPr lang="ko-KR" altLang="en-US" sz="1400" dirty="0">
-                <a:solidFill>
-                  <a:schemeClr val="bg2">
-                    <a:lumMod val="90000"/>
-                  </a:schemeClr>
-                </a:solidFill>
-              </a:rPr>
-              <a:t>초기 턴</a:t>
-            </a:r>
-            <a:endParaRPr lang="en-US" altLang="ko-KR" sz="1400" dirty="0">
-              <a:solidFill>
-                <a:schemeClr val="bg2">
-                  <a:lumMod val="90000"/>
-                </a:schemeClr>
-              </a:solidFill>
-            </a:endParaRPr>
-          </a:p>
-          <a:p>
-            <a:pPr marL="342900" indent="-342900">
-              <a:lnSpc>
-                <a:spcPct val="150000"/>
-              </a:lnSpc>
-              <a:buFont typeface="Arial" panose="020B0604020202020204" pitchFamily="34" charset="0"/>
-              <a:buChar char="•"/>
-            </a:pPr>
-            <a:r>
-              <a:rPr lang="ko-KR" altLang="en-US" sz="1400" dirty="0">
-                <a:solidFill>
-                  <a:schemeClr val="bg2">
-                    <a:lumMod val="90000"/>
-                  </a:schemeClr>
-                </a:solidFill>
-              </a:rPr>
-              <a:t>적용 확률</a:t>
-            </a:r>
-            <a:endParaRPr lang="en-US" altLang="ko-KR" sz="1400" dirty="0">
-              <a:solidFill>
-                <a:schemeClr val="bg2">
-                  <a:lumMod val="90000"/>
-                </a:schemeClr>
-              </a:solidFill>
-            </a:endParaRPr>
-          </a:p>
-        </p:txBody>
-      </p:sp>
-    </p:spTree>
-    <p:extLst>
-      <p:ext uri="{BB962C8B-B14F-4D97-AF65-F5344CB8AC3E}">
-        <p14:creationId xmlns:p14="http://schemas.microsoft.com/office/powerpoint/2010/main" val="3084690977"/>
-      </p:ext>
-    </p:extLst>
-  </p:cSld>
-  <p:clrMapOvr>
-    <a:masterClrMapping/>
-  </p:clrMapOvr>
-</p:sld>
-</file>
-
-<file path=ppt/slides/slide14.xml><?xml version="1.0" encoding="utf-8"?>
-<p:sld xmlns:a="http://schemas.openxmlformats.org/drawingml/2006/main" xmlns:r="http://schemas.openxmlformats.org/officeDocument/2006/relationships" xmlns:p="http://schemas.openxmlformats.org/presentationml/2006/main">
-  <p:cSld>
-    <p:bg>
-      <p:bgPr>
-        <a:solidFill>
-          <a:schemeClr val="bg1"/>
-        </a:solidFill>
-        <a:effectLst/>
-      </p:bgPr>
-    </p:bg>
-    <p:spTree>
-      <p:nvGrpSpPr>
-        <p:cNvPr id="1" name=""/>
-        <p:cNvGrpSpPr/>
-        <p:nvPr/>
-      </p:nvGrpSpPr>
-      <p:grpSpPr>
-        <a:xfrm>
-          <a:off x="0" y="0"/>
-          <a:ext cx="0" cy="0"/>
-          <a:chOff x="0" y="0"/>
-          <a:chExt cx="0" cy="0"/>
-        </a:xfrm>
-      </p:grpSpPr>
-      <p:sp>
-        <p:nvSpPr>
-          <p:cNvPr id="2" name="TextBox 1">
-            <a:extLst>
-              <a:ext uri="{FF2B5EF4-FFF2-40B4-BE49-F238E27FC236}">
-                <a16:creationId xmlns:a16="http://schemas.microsoft.com/office/drawing/2014/main" id="{F9DE207E-56CB-76AE-2106-43FD4CD482AA}"/>
-              </a:ext>
-            </a:extLst>
-          </p:cNvPr>
-          <p:cNvSpPr txBox="1"/>
-          <p:nvPr/>
-        </p:nvSpPr>
-        <p:spPr>
-          <a:xfrm>
-            <a:off x="528918" y="347976"/>
-            <a:ext cx="4256293" cy="369332"/>
-          </a:xfrm>
-          <a:prstGeom prst="rect">
-            <a:avLst/>
-          </a:prstGeom>
-          <a:noFill/>
-        </p:spPr>
-        <p:txBody>
-          <a:bodyPr wrap="none" rtlCol="0">
-            <a:spAutoFit/>
-          </a:bodyPr>
-          <a:lstStyle/>
-          <a:p>
-            <a:r>
-              <a:rPr lang="ko-KR" altLang="en-US" dirty="0"/>
-              <a:t>인터페이스 및 클래스 속성 정리 </a:t>
-            </a:r>
-            <a:r>
-              <a:rPr lang="en-US" altLang="ko-KR" dirty="0"/>
-              <a:t>– </a:t>
-            </a:r>
-            <a:r>
-              <a:rPr lang="ko-KR" altLang="en-US" dirty="0"/>
-              <a:t>기타</a:t>
-            </a:r>
-          </a:p>
-        </p:txBody>
-      </p:sp>
-      <p:sp>
-        <p:nvSpPr>
-          <p:cNvPr id="3" name="TextBox 2">
-            <a:extLst>
-              <a:ext uri="{FF2B5EF4-FFF2-40B4-BE49-F238E27FC236}">
-                <a16:creationId xmlns:a16="http://schemas.microsoft.com/office/drawing/2014/main" id="{43A479EE-4B72-730A-D4A4-0E1F8FF5B645}"/>
-              </a:ext>
-            </a:extLst>
-          </p:cNvPr>
-          <p:cNvSpPr txBox="1"/>
-          <p:nvPr/>
-        </p:nvSpPr>
-        <p:spPr>
-          <a:xfrm>
-            <a:off x="801063" y="1242492"/>
-            <a:ext cx="1912703" cy="2959208"/>
-          </a:xfrm>
-          <a:prstGeom prst="rect">
-            <a:avLst/>
-          </a:prstGeom>
-          <a:noFill/>
-        </p:spPr>
-        <p:txBody>
-          <a:bodyPr wrap="none" rtlCol="0">
-            <a:spAutoFit/>
-          </a:bodyPr>
-          <a:lstStyle/>
-          <a:p>
-            <a:pPr>
-              <a:lnSpc>
-                <a:spcPct val="150000"/>
-              </a:lnSpc>
-            </a:pPr>
-            <a:r>
-              <a:rPr lang="ko-KR" altLang="en-US" sz="1400" b="1" dirty="0"/>
-              <a:t>던전 클래스</a:t>
-            </a:r>
-            <a:endParaRPr lang="en-US" altLang="ko-KR" sz="1400" b="1" dirty="0"/>
-          </a:p>
-          <a:p>
-            <a:pPr marL="342900" indent="-342900">
-              <a:lnSpc>
-                <a:spcPct val="150000"/>
-              </a:lnSpc>
-              <a:buFont typeface="Arial" panose="020B0604020202020204" pitchFamily="34" charset="0"/>
-              <a:buChar char="•"/>
-            </a:pPr>
-            <a:r>
-              <a:rPr lang="ko-KR" altLang="en-US" sz="1400" dirty="0"/>
-              <a:t>맵 </a:t>
-            </a:r>
-            <a:r>
-              <a:rPr lang="en-US" altLang="ko-KR" sz="1400" dirty="0"/>
-              <a:t>ID</a:t>
-            </a:r>
-          </a:p>
-          <a:p>
-            <a:pPr marL="342900" indent="-342900">
-              <a:lnSpc>
-                <a:spcPct val="150000"/>
-              </a:lnSpc>
-              <a:buFont typeface="Arial" panose="020B0604020202020204" pitchFamily="34" charset="0"/>
-              <a:buChar char="•"/>
-            </a:pPr>
-            <a:r>
-              <a:rPr lang="ko-KR" altLang="en-US" sz="1400" dirty="0"/>
-              <a:t>이름</a:t>
-            </a:r>
-            <a:endParaRPr lang="en-US" altLang="ko-KR" sz="1400" dirty="0"/>
-          </a:p>
-          <a:p>
-            <a:pPr marL="342900" indent="-342900">
-              <a:lnSpc>
-                <a:spcPct val="150000"/>
-              </a:lnSpc>
-              <a:buFont typeface="Arial" panose="020B0604020202020204" pitchFamily="34" charset="0"/>
-              <a:buChar char="•"/>
-            </a:pPr>
-            <a:r>
-              <a:rPr lang="ko-KR" altLang="en-US" sz="1400" dirty="0"/>
-              <a:t>설명</a:t>
-            </a:r>
-            <a:endParaRPr lang="en-US" altLang="ko-KR" sz="1400" dirty="0"/>
-          </a:p>
-          <a:p>
-            <a:pPr marL="342900" indent="-342900">
-              <a:lnSpc>
-                <a:spcPct val="150000"/>
-              </a:lnSpc>
-              <a:buFont typeface="Arial" panose="020B0604020202020204" pitchFamily="34" charset="0"/>
-              <a:buChar char="•"/>
-            </a:pPr>
-            <a:r>
-              <a:rPr lang="ko-KR" altLang="en-US" sz="1400" dirty="0"/>
-              <a:t>레벨</a:t>
-            </a:r>
-            <a:endParaRPr lang="en-US" altLang="ko-KR" sz="1400" dirty="0"/>
-          </a:p>
-          <a:p>
-            <a:pPr marL="342900" indent="-342900">
-              <a:lnSpc>
-                <a:spcPct val="150000"/>
-              </a:lnSpc>
-              <a:buFont typeface="Arial" panose="020B0604020202020204" pitchFamily="34" charset="0"/>
-              <a:buChar char="•"/>
-            </a:pPr>
-            <a:r>
-              <a:rPr lang="ko-KR" altLang="en-US" sz="1400" dirty="0"/>
-              <a:t>등장 몬스터 목록</a:t>
-            </a:r>
-            <a:endParaRPr lang="en-US" altLang="ko-KR" sz="1400" dirty="0"/>
-          </a:p>
-          <a:p>
-            <a:pPr marL="342900" indent="-342900">
-              <a:lnSpc>
-                <a:spcPct val="150000"/>
-              </a:lnSpc>
-              <a:buFont typeface="Arial" panose="020B0604020202020204" pitchFamily="34" charset="0"/>
-              <a:buChar char="•"/>
-            </a:pPr>
-            <a:r>
-              <a:rPr lang="ko-KR" altLang="en-US" sz="1400" dirty="0"/>
-              <a:t>보스 목록</a:t>
-            </a:r>
-            <a:endParaRPr lang="en-US" altLang="ko-KR" sz="1400" dirty="0"/>
-          </a:p>
-          <a:p>
-            <a:pPr marL="342900" indent="-342900">
-              <a:lnSpc>
-                <a:spcPct val="150000"/>
-              </a:lnSpc>
-              <a:buFont typeface="Arial" panose="020B0604020202020204" pitchFamily="34" charset="0"/>
-              <a:buChar char="•"/>
-            </a:pPr>
-            <a:r>
-              <a:rPr lang="ko-KR" altLang="en-US" sz="1400" dirty="0"/>
-              <a:t>화톳불 발생 층</a:t>
-            </a:r>
-            <a:endParaRPr lang="en-US" altLang="ko-KR" sz="1400" dirty="0"/>
-          </a:p>
-          <a:p>
-            <a:pPr marL="342900" indent="-342900">
-              <a:lnSpc>
-                <a:spcPct val="150000"/>
-              </a:lnSpc>
-              <a:buFont typeface="Arial" panose="020B0604020202020204" pitchFamily="34" charset="0"/>
-              <a:buChar char="•"/>
-            </a:pPr>
-            <a:r>
-              <a:rPr lang="ko-KR" altLang="en-US" sz="1400" dirty="0"/>
-              <a:t>최대 층 수</a:t>
-            </a:r>
-            <a:endParaRPr lang="en-US" altLang="ko-KR" sz="1400" dirty="0"/>
-          </a:p>
-        </p:txBody>
-      </p:sp>
-      <p:sp>
-        <p:nvSpPr>
-          <p:cNvPr id="6" name="TextBox 5">
-            <a:extLst>
-              <a:ext uri="{FF2B5EF4-FFF2-40B4-BE49-F238E27FC236}">
-                <a16:creationId xmlns:a16="http://schemas.microsoft.com/office/drawing/2014/main" id="{4DF32B08-0A6E-B114-DF9A-A22D8D7E618B}"/>
-              </a:ext>
-            </a:extLst>
-          </p:cNvPr>
-          <p:cNvSpPr txBox="1"/>
-          <p:nvPr/>
-        </p:nvSpPr>
-        <p:spPr>
-          <a:xfrm>
-            <a:off x="3564620" y="1242492"/>
-            <a:ext cx="2856872" cy="2636043"/>
-          </a:xfrm>
-          <a:prstGeom prst="rect">
-            <a:avLst/>
-          </a:prstGeom>
-          <a:noFill/>
-        </p:spPr>
-        <p:txBody>
-          <a:bodyPr wrap="none" rtlCol="0">
-            <a:spAutoFit/>
-          </a:bodyPr>
-          <a:lstStyle/>
-          <a:p>
-            <a:pPr>
-              <a:lnSpc>
-                <a:spcPct val="150000"/>
-              </a:lnSpc>
-            </a:pPr>
-            <a:r>
-              <a:rPr lang="ko-KR" altLang="en-US" sz="1400" b="1" dirty="0"/>
-              <a:t>퀘스트 클래스</a:t>
-            </a:r>
-            <a:endParaRPr lang="en-US" altLang="ko-KR" sz="1400" b="1" dirty="0"/>
-          </a:p>
-          <a:p>
-            <a:pPr marL="342900" indent="-342900">
-              <a:lnSpc>
-                <a:spcPct val="150000"/>
-              </a:lnSpc>
-              <a:buFont typeface="Arial" panose="020B0604020202020204" pitchFamily="34" charset="0"/>
-              <a:buChar char="•"/>
-            </a:pPr>
-            <a:r>
-              <a:rPr lang="ko-KR" altLang="en-US" sz="1400" dirty="0"/>
-              <a:t>퀘스트 </a:t>
-            </a:r>
-            <a:r>
-              <a:rPr lang="en-US" altLang="ko-KR" sz="1400" dirty="0"/>
-              <a:t>ID</a:t>
-            </a:r>
-          </a:p>
-          <a:p>
-            <a:pPr marL="342900" indent="-342900">
-              <a:lnSpc>
-                <a:spcPct val="150000"/>
-              </a:lnSpc>
-              <a:buFont typeface="Arial" panose="020B0604020202020204" pitchFamily="34" charset="0"/>
-              <a:buChar char="•"/>
-            </a:pPr>
-            <a:r>
-              <a:rPr lang="ko-KR" altLang="en-US" sz="1400" dirty="0"/>
-              <a:t>퀘스트 타입 </a:t>
-            </a:r>
-            <a:r>
-              <a:rPr lang="en-US" altLang="ko-KR" sz="1400" dirty="0"/>
-              <a:t>(</a:t>
-            </a:r>
-            <a:r>
-              <a:rPr lang="ko-KR" altLang="en-US" sz="1400" dirty="0"/>
-              <a:t>몬스터 </a:t>
-            </a:r>
-            <a:r>
-              <a:rPr lang="en-US" altLang="ko-KR" sz="1400" dirty="0"/>
-              <a:t>or </a:t>
-            </a:r>
-            <a:r>
-              <a:rPr lang="ko-KR" altLang="en-US" sz="1400" dirty="0"/>
-              <a:t>던전</a:t>
-            </a:r>
-            <a:r>
-              <a:rPr lang="en-US" altLang="ko-KR" sz="1400" dirty="0"/>
-              <a:t>)</a:t>
-            </a:r>
-          </a:p>
-          <a:p>
-            <a:pPr marL="342900" indent="-342900">
-              <a:lnSpc>
-                <a:spcPct val="150000"/>
-              </a:lnSpc>
-              <a:buFont typeface="Arial" panose="020B0604020202020204" pitchFamily="34" charset="0"/>
-              <a:buChar char="•"/>
-            </a:pPr>
-            <a:r>
-              <a:rPr lang="ko-KR" altLang="en-US" sz="1400" dirty="0"/>
-              <a:t>이름</a:t>
-            </a:r>
-            <a:endParaRPr lang="en-US" altLang="ko-KR" sz="1400" dirty="0"/>
-          </a:p>
-          <a:p>
-            <a:pPr marL="342900" indent="-342900">
-              <a:lnSpc>
-                <a:spcPct val="150000"/>
-              </a:lnSpc>
-              <a:buFont typeface="Arial" panose="020B0604020202020204" pitchFamily="34" charset="0"/>
-              <a:buChar char="•"/>
-            </a:pPr>
-            <a:r>
-              <a:rPr lang="ko-KR" altLang="en-US" sz="1400" dirty="0"/>
-              <a:t>설명</a:t>
-            </a:r>
-            <a:endParaRPr lang="en-US" altLang="ko-KR" sz="1400" dirty="0"/>
-          </a:p>
-          <a:p>
-            <a:pPr marL="342900" indent="-342900">
-              <a:lnSpc>
-                <a:spcPct val="150000"/>
-              </a:lnSpc>
-              <a:buFont typeface="Arial" panose="020B0604020202020204" pitchFamily="34" charset="0"/>
-              <a:buChar char="•"/>
-            </a:pPr>
-            <a:r>
-              <a:rPr lang="ko-KR" altLang="en-US" sz="1400" dirty="0"/>
-              <a:t>조건 카운터</a:t>
-            </a:r>
-            <a:endParaRPr lang="en-US" altLang="ko-KR" sz="1400" dirty="0"/>
-          </a:p>
-          <a:p>
-            <a:pPr marL="342900" indent="-342900">
-              <a:lnSpc>
-                <a:spcPct val="150000"/>
-              </a:lnSpc>
-              <a:buFont typeface="Arial" panose="020B0604020202020204" pitchFamily="34" charset="0"/>
-              <a:buChar char="•"/>
-            </a:pPr>
-            <a:r>
-              <a:rPr lang="ko-KR" altLang="en-US" sz="1400" dirty="0"/>
-              <a:t>조건 만족 횟수</a:t>
-            </a:r>
-            <a:endParaRPr lang="en-US" altLang="ko-KR" sz="1400" dirty="0"/>
-          </a:p>
-          <a:p>
-            <a:pPr marL="342900" indent="-342900">
-              <a:lnSpc>
-                <a:spcPct val="150000"/>
-              </a:lnSpc>
-              <a:buFont typeface="Arial" panose="020B0604020202020204" pitchFamily="34" charset="0"/>
-              <a:buChar char="•"/>
-            </a:pPr>
-            <a:r>
-              <a:rPr lang="ko-KR" altLang="en-US" sz="1400" dirty="0"/>
-              <a:t>조건 카운터 증가 판정 함수</a:t>
-            </a:r>
-            <a:endParaRPr lang="en-US" altLang="ko-KR" sz="1400" dirty="0"/>
-          </a:p>
-        </p:txBody>
-      </p:sp>
-      <p:sp>
-        <p:nvSpPr>
-          <p:cNvPr id="4" name="TextBox 3">
-            <a:extLst>
-              <a:ext uri="{FF2B5EF4-FFF2-40B4-BE49-F238E27FC236}">
-                <a16:creationId xmlns:a16="http://schemas.microsoft.com/office/drawing/2014/main" id="{7AC20048-D7A9-D5A5-C2DD-C68DD8448FB7}"/>
-              </a:ext>
-            </a:extLst>
-          </p:cNvPr>
-          <p:cNvSpPr txBox="1"/>
-          <p:nvPr/>
-        </p:nvSpPr>
-        <p:spPr>
-          <a:xfrm>
-            <a:off x="6888355" y="1242492"/>
-            <a:ext cx="1491114" cy="1666546"/>
-          </a:xfrm>
-          <a:prstGeom prst="rect">
-            <a:avLst/>
-          </a:prstGeom>
-          <a:noFill/>
-        </p:spPr>
-        <p:txBody>
-          <a:bodyPr wrap="none" rtlCol="0">
-            <a:spAutoFit/>
-          </a:bodyPr>
-          <a:lstStyle/>
-          <a:p>
-            <a:pPr>
-              <a:lnSpc>
-                <a:spcPct val="150000"/>
-              </a:lnSpc>
-            </a:pPr>
-            <a:r>
-              <a:rPr lang="ko-KR" altLang="en-US" sz="1400" b="1" dirty="0"/>
-              <a:t>보관함 클래스</a:t>
-            </a:r>
-            <a:endParaRPr lang="en-US" altLang="ko-KR" sz="1400" b="1" dirty="0"/>
-          </a:p>
-          <a:p>
-            <a:pPr marL="342900" indent="-342900">
-              <a:lnSpc>
-                <a:spcPct val="150000"/>
-              </a:lnSpc>
-              <a:buFont typeface="Arial" panose="020B0604020202020204" pitchFamily="34" charset="0"/>
-              <a:buChar char="•"/>
-            </a:pPr>
-            <a:r>
-              <a:rPr lang="ko-KR" altLang="en-US" sz="1400" dirty="0"/>
-              <a:t>아이템 목록</a:t>
-            </a:r>
-            <a:endParaRPr lang="en-US" altLang="ko-KR" sz="1400" dirty="0"/>
-          </a:p>
-          <a:p>
-            <a:pPr marL="342900" indent="-342900">
-              <a:lnSpc>
-                <a:spcPct val="150000"/>
-              </a:lnSpc>
-              <a:buFont typeface="Arial" panose="020B0604020202020204" pitchFamily="34" charset="0"/>
-              <a:buChar char="•"/>
-            </a:pPr>
-            <a:r>
-              <a:rPr lang="ko-KR" altLang="en-US" sz="1400" dirty="0"/>
-              <a:t>습득 함수</a:t>
-            </a:r>
-            <a:endParaRPr lang="en-US" altLang="ko-KR" sz="1400" dirty="0"/>
-          </a:p>
-          <a:p>
-            <a:pPr marL="342900" indent="-342900">
-              <a:lnSpc>
-                <a:spcPct val="150000"/>
-              </a:lnSpc>
-              <a:buFont typeface="Arial" panose="020B0604020202020204" pitchFamily="34" charset="0"/>
-              <a:buChar char="•"/>
-            </a:pPr>
-            <a:r>
-              <a:rPr lang="ko-KR" altLang="en-US" sz="1400" dirty="0"/>
-              <a:t>손실 함수</a:t>
-            </a:r>
-            <a:endParaRPr lang="en-US" altLang="ko-KR" sz="1400" dirty="0"/>
-          </a:p>
-          <a:p>
-            <a:pPr marL="342900" indent="-342900">
-              <a:lnSpc>
-                <a:spcPct val="150000"/>
-              </a:lnSpc>
-              <a:buFont typeface="Arial" panose="020B0604020202020204" pitchFamily="34" charset="0"/>
-              <a:buChar char="•"/>
-            </a:pPr>
-            <a:r>
-              <a:rPr lang="ko-KR" altLang="en-US" sz="1400" dirty="0"/>
-              <a:t>초기화 함수</a:t>
-            </a:r>
-            <a:endParaRPr lang="en-US" altLang="ko-KR" sz="1400" dirty="0"/>
-          </a:p>
-        </p:txBody>
-      </p:sp>
-      <p:sp>
-        <p:nvSpPr>
-          <p:cNvPr id="5" name="TextBox 4">
-            <a:extLst>
-              <a:ext uri="{FF2B5EF4-FFF2-40B4-BE49-F238E27FC236}">
-                <a16:creationId xmlns:a16="http://schemas.microsoft.com/office/drawing/2014/main" id="{0FCE1630-2914-CB2F-9F1B-FC4745C6CFC4}"/>
-              </a:ext>
-            </a:extLst>
-          </p:cNvPr>
-          <p:cNvSpPr txBox="1"/>
-          <p:nvPr/>
-        </p:nvSpPr>
-        <p:spPr>
-          <a:xfrm>
-            <a:off x="6888355" y="3429000"/>
-            <a:ext cx="1733167" cy="1989712"/>
-          </a:xfrm>
-          <a:prstGeom prst="rect">
-            <a:avLst/>
-          </a:prstGeom>
-          <a:noFill/>
-        </p:spPr>
-        <p:txBody>
-          <a:bodyPr wrap="none" rtlCol="0">
-            <a:spAutoFit/>
-          </a:bodyPr>
-          <a:lstStyle/>
-          <a:p>
-            <a:pPr>
-              <a:lnSpc>
-                <a:spcPct val="150000"/>
-              </a:lnSpc>
-            </a:pPr>
-            <a:r>
-              <a:rPr lang="ko-KR" altLang="en-US" sz="1400" b="1" dirty="0"/>
-              <a:t>상점 클래스</a:t>
-            </a:r>
-            <a:endParaRPr lang="en-US" altLang="ko-KR" sz="1400" b="1" dirty="0"/>
-          </a:p>
-          <a:p>
-            <a:pPr marL="342900" indent="-342900">
-              <a:lnSpc>
-                <a:spcPct val="150000"/>
-              </a:lnSpc>
-              <a:buFont typeface="Arial" panose="020B0604020202020204" pitchFamily="34" charset="0"/>
-              <a:buChar char="•"/>
-            </a:pPr>
-            <a:r>
-              <a:rPr lang="ko-KR" altLang="en-US" sz="1400" dirty="0"/>
-              <a:t>상품 목록</a:t>
-            </a:r>
-            <a:endParaRPr lang="en-US" altLang="ko-KR" sz="1400" dirty="0"/>
-          </a:p>
-          <a:p>
-            <a:pPr marL="342900" indent="-342900">
-              <a:lnSpc>
-                <a:spcPct val="150000"/>
-              </a:lnSpc>
-              <a:buFont typeface="Arial" panose="020B0604020202020204" pitchFamily="34" charset="0"/>
-              <a:buChar char="•"/>
-            </a:pPr>
-            <a:r>
-              <a:rPr lang="ko-KR" altLang="en-US" sz="1400" dirty="0"/>
-              <a:t>구매 함수</a:t>
-            </a:r>
-            <a:endParaRPr lang="en-US" altLang="ko-KR" sz="1400" dirty="0"/>
-          </a:p>
-          <a:p>
-            <a:pPr marL="342900" indent="-342900">
-              <a:lnSpc>
-                <a:spcPct val="150000"/>
-              </a:lnSpc>
-              <a:buFont typeface="Arial" panose="020B0604020202020204" pitchFamily="34" charset="0"/>
-              <a:buChar char="•"/>
-            </a:pPr>
-            <a:r>
-              <a:rPr lang="ko-KR" altLang="en-US" sz="1400" dirty="0"/>
-              <a:t>판매 함수</a:t>
-            </a:r>
-            <a:endParaRPr lang="en-US" altLang="ko-KR" sz="1400" dirty="0"/>
-          </a:p>
-          <a:p>
-            <a:pPr marL="342900" indent="-342900">
-              <a:lnSpc>
-                <a:spcPct val="150000"/>
-              </a:lnSpc>
-              <a:buFont typeface="Arial" panose="020B0604020202020204" pitchFamily="34" charset="0"/>
-              <a:buChar char="•"/>
-            </a:pPr>
-            <a:r>
-              <a:rPr lang="ko-KR" altLang="en-US" sz="1400" dirty="0"/>
-              <a:t>초기화 함수</a:t>
-            </a:r>
-            <a:endParaRPr lang="en-US" altLang="ko-KR" sz="1400" dirty="0"/>
-          </a:p>
-          <a:p>
-            <a:pPr marL="342900" indent="-342900">
-              <a:lnSpc>
-                <a:spcPct val="150000"/>
-              </a:lnSpc>
-              <a:buFont typeface="Arial" panose="020B0604020202020204" pitchFamily="34" charset="0"/>
-              <a:buChar char="•"/>
-            </a:pPr>
-            <a:r>
-              <a:rPr lang="ko-KR" altLang="en-US" sz="1400" dirty="0"/>
-              <a:t>상품 추가 함수</a:t>
-            </a:r>
-            <a:endParaRPr lang="en-US" altLang="ko-KR" sz="1400" dirty="0"/>
-          </a:p>
-        </p:txBody>
-      </p:sp>
-      <p:sp>
-        <p:nvSpPr>
-          <p:cNvPr id="7" name="TextBox 6">
-            <a:extLst>
-              <a:ext uri="{FF2B5EF4-FFF2-40B4-BE49-F238E27FC236}">
-                <a16:creationId xmlns:a16="http://schemas.microsoft.com/office/drawing/2014/main" id="{172458EA-186E-8CC6-F035-5A929FC1E61A}"/>
-              </a:ext>
-            </a:extLst>
-          </p:cNvPr>
-          <p:cNvSpPr txBox="1"/>
-          <p:nvPr/>
-        </p:nvSpPr>
-        <p:spPr>
-          <a:xfrm>
-            <a:off x="8895222" y="1242492"/>
-            <a:ext cx="2735044" cy="1943545"/>
-          </a:xfrm>
-          <a:prstGeom prst="rect">
-            <a:avLst/>
-          </a:prstGeom>
-          <a:noFill/>
-        </p:spPr>
-        <p:txBody>
-          <a:bodyPr wrap="none" rtlCol="0">
-            <a:spAutoFit/>
-          </a:bodyPr>
-          <a:lstStyle/>
-          <a:p>
-            <a:pPr>
-              <a:lnSpc>
-                <a:spcPct val="150000"/>
-              </a:lnSpc>
-            </a:pPr>
-            <a:r>
-              <a:rPr lang="ko-KR" altLang="en-US" sz="1400" b="1" dirty="0"/>
-              <a:t>던전 매니저</a:t>
-            </a:r>
-            <a:endParaRPr lang="en-US" altLang="ko-KR" sz="1400" b="1" dirty="0"/>
-          </a:p>
-          <a:p>
-            <a:pPr>
-              <a:lnSpc>
-                <a:spcPct val="150000"/>
-              </a:lnSpc>
-            </a:pPr>
-            <a:r>
-              <a:rPr lang="en-US" altLang="ko-KR" sz="1200" dirty="0"/>
-              <a:t>※ </a:t>
-            </a:r>
-            <a:r>
-              <a:rPr lang="ko-KR" altLang="en-US" sz="1200" dirty="0"/>
-              <a:t>던전 나가거나 게임오버 시 초기화</a:t>
-            </a:r>
-            <a:endParaRPr lang="en-US" altLang="ko-KR" sz="1200" dirty="0"/>
-          </a:p>
-          <a:p>
-            <a:pPr marL="342900" indent="-342900">
-              <a:lnSpc>
-                <a:spcPct val="150000"/>
-              </a:lnSpc>
-              <a:buFont typeface="Arial" panose="020B0604020202020204" pitchFamily="34" charset="0"/>
-              <a:buChar char="•"/>
-            </a:pPr>
-            <a:r>
-              <a:rPr lang="ko-KR" altLang="en-US" sz="1400" dirty="0"/>
-              <a:t>현재 던전</a:t>
-            </a:r>
-            <a:endParaRPr lang="en-US" altLang="ko-KR" sz="1400" dirty="0"/>
-          </a:p>
-          <a:p>
-            <a:pPr marL="342900" indent="-342900">
-              <a:lnSpc>
-                <a:spcPct val="150000"/>
-              </a:lnSpc>
-              <a:buFont typeface="Arial" panose="020B0604020202020204" pitchFamily="34" charset="0"/>
-              <a:buChar char="•"/>
-            </a:pPr>
-            <a:r>
-              <a:rPr lang="ko-KR" altLang="en-US" sz="1400" dirty="0"/>
-              <a:t>현재 층</a:t>
-            </a:r>
-            <a:endParaRPr lang="en-US" altLang="ko-KR" sz="1400" dirty="0"/>
-          </a:p>
-          <a:p>
-            <a:pPr marL="342900" indent="-342900">
-              <a:lnSpc>
-                <a:spcPct val="150000"/>
-              </a:lnSpc>
-              <a:buFont typeface="Arial" panose="020B0604020202020204" pitchFamily="34" charset="0"/>
-              <a:buChar char="•"/>
-            </a:pPr>
-            <a:r>
-              <a:rPr lang="ko-KR" altLang="en-US" sz="1400" dirty="0"/>
-              <a:t>불 길들이기 횟수</a:t>
-            </a:r>
-            <a:endParaRPr lang="en-US" altLang="ko-KR" sz="1400" dirty="0"/>
-          </a:p>
-          <a:p>
-            <a:pPr marL="342900" indent="-342900">
-              <a:lnSpc>
-                <a:spcPct val="150000"/>
-              </a:lnSpc>
-              <a:buFont typeface="Arial" panose="020B0604020202020204" pitchFamily="34" charset="0"/>
-              <a:buChar char="•"/>
-            </a:pPr>
-            <a:r>
-              <a:rPr lang="ko-KR" altLang="en-US" sz="1400" dirty="0"/>
-              <a:t>현제 적 구성</a:t>
-            </a:r>
-            <a:endParaRPr lang="en-US" altLang="ko-KR" sz="1400" dirty="0"/>
-          </a:p>
-        </p:txBody>
-      </p:sp>
-      <p:sp>
-        <p:nvSpPr>
-          <p:cNvPr id="9" name="TextBox 8">
-            <a:extLst>
-              <a:ext uri="{FF2B5EF4-FFF2-40B4-BE49-F238E27FC236}">
-                <a16:creationId xmlns:a16="http://schemas.microsoft.com/office/drawing/2014/main" id="{D5C0D042-5F0E-A53E-9769-8A5C4D9CE0D4}"/>
-              </a:ext>
-            </a:extLst>
-          </p:cNvPr>
-          <p:cNvSpPr txBox="1"/>
-          <p:nvPr/>
-        </p:nvSpPr>
-        <p:spPr>
-          <a:xfrm>
-            <a:off x="9210213" y="3429000"/>
-            <a:ext cx="2105063" cy="1666546"/>
-          </a:xfrm>
-          <a:prstGeom prst="rect">
-            <a:avLst/>
-          </a:prstGeom>
-          <a:noFill/>
-        </p:spPr>
-        <p:txBody>
-          <a:bodyPr wrap="none" rtlCol="0">
-            <a:spAutoFit/>
-          </a:bodyPr>
-          <a:lstStyle/>
-          <a:p>
-            <a:pPr>
-              <a:lnSpc>
-                <a:spcPct val="150000"/>
-              </a:lnSpc>
-            </a:pPr>
-            <a:r>
-              <a:rPr lang="ko-KR" altLang="en-US" sz="1400" b="1" dirty="0"/>
-              <a:t>플레이어 데이터 매니저</a:t>
-            </a:r>
-            <a:endParaRPr lang="en-US" altLang="ko-KR" sz="1400" b="1" dirty="0"/>
-          </a:p>
-          <a:p>
-            <a:pPr marL="285750" indent="-285750">
-              <a:lnSpc>
-                <a:spcPct val="150000"/>
-              </a:lnSpc>
-              <a:buFont typeface="Arial" panose="020B0604020202020204" pitchFamily="34" charset="0"/>
-              <a:buChar char="•"/>
-            </a:pPr>
-            <a:r>
-              <a:rPr lang="ko-KR" altLang="en-US" sz="1400" dirty="0"/>
-              <a:t>플레이어 클래스</a:t>
-            </a:r>
-            <a:endParaRPr lang="en-US" altLang="ko-KR" sz="1400" dirty="0"/>
-          </a:p>
-          <a:p>
-            <a:pPr marL="285750" indent="-285750">
-              <a:lnSpc>
-                <a:spcPct val="150000"/>
-              </a:lnSpc>
-              <a:buFont typeface="Arial" panose="020B0604020202020204" pitchFamily="34" charset="0"/>
-              <a:buChar char="•"/>
-            </a:pPr>
-            <a:r>
-              <a:rPr lang="ko-KR" altLang="en-US" sz="1400" dirty="0" err="1"/>
-              <a:t>소지금</a:t>
-            </a:r>
-            <a:endParaRPr lang="en-US" altLang="ko-KR" sz="1400" dirty="0"/>
-          </a:p>
-          <a:p>
-            <a:pPr marL="285750" indent="-285750">
-              <a:lnSpc>
-                <a:spcPct val="150000"/>
-              </a:lnSpc>
-              <a:buFont typeface="Arial" panose="020B0604020202020204" pitchFamily="34" charset="0"/>
-              <a:buChar char="•"/>
-            </a:pPr>
-            <a:r>
-              <a:rPr lang="ko-KR" altLang="en-US" sz="1400" dirty="0"/>
-              <a:t>보관함 클래스</a:t>
-            </a:r>
-            <a:endParaRPr lang="en-US" altLang="ko-KR" sz="1400" dirty="0"/>
-          </a:p>
-          <a:p>
-            <a:pPr marL="285750" indent="-285750">
-              <a:lnSpc>
-                <a:spcPct val="150000"/>
-              </a:lnSpc>
-              <a:buFont typeface="Arial" panose="020B0604020202020204" pitchFamily="34" charset="0"/>
-              <a:buChar char="•"/>
-            </a:pPr>
-            <a:r>
-              <a:rPr lang="ko-KR" altLang="en-US" sz="1400" dirty="0"/>
-              <a:t>수주 퀘스트 목록</a:t>
-            </a:r>
-            <a:endParaRPr lang="en-US" altLang="ko-KR" sz="1400" dirty="0"/>
-          </a:p>
-        </p:txBody>
-      </p:sp>
-      <p:sp>
-        <p:nvSpPr>
-          <p:cNvPr id="8" name="TextBox 7">
-            <a:extLst>
-              <a:ext uri="{FF2B5EF4-FFF2-40B4-BE49-F238E27FC236}">
-                <a16:creationId xmlns:a16="http://schemas.microsoft.com/office/drawing/2014/main" id="{47CE83FD-CA99-8816-6F6A-00E1C910D4B9}"/>
-              </a:ext>
-            </a:extLst>
-          </p:cNvPr>
-          <p:cNvSpPr txBox="1"/>
-          <p:nvPr/>
-        </p:nvSpPr>
-        <p:spPr>
-          <a:xfrm>
-            <a:off x="3564620" y="4262273"/>
-            <a:ext cx="2451312" cy="1666546"/>
-          </a:xfrm>
-          <a:prstGeom prst="rect">
-            <a:avLst/>
-          </a:prstGeom>
-          <a:noFill/>
-        </p:spPr>
-        <p:txBody>
-          <a:bodyPr wrap="none" rtlCol="0">
-            <a:spAutoFit/>
-          </a:bodyPr>
-          <a:lstStyle/>
-          <a:p>
-            <a:pPr>
-              <a:lnSpc>
-                <a:spcPct val="150000"/>
-              </a:lnSpc>
-            </a:pPr>
-            <a:r>
-              <a:rPr lang="ko-KR" altLang="en-US" sz="1400" b="1" dirty="0"/>
-              <a:t>게임 매니저</a:t>
-            </a:r>
-            <a:endParaRPr lang="en-US" altLang="ko-KR" sz="1400" dirty="0"/>
-          </a:p>
-          <a:p>
-            <a:pPr marL="342900" indent="-342900">
-              <a:lnSpc>
-                <a:spcPct val="150000"/>
-              </a:lnSpc>
-              <a:buFont typeface="Arial" panose="020B0604020202020204" pitchFamily="34" charset="0"/>
-              <a:buChar char="•"/>
-            </a:pPr>
-            <a:r>
-              <a:rPr lang="ko-KR" altLang="en-US" sz="1400" dirty="0"/>
-              <a:t>현재 화면 종류</a:t>
-            </a:r>
-            <a:endParaRPr lang="en-US" altLang="ko-KR" sz="1400" dirty="0"/>
-          </a:p>
-          <a:p>
-            <a:pPr marL="342900" indent="-342900">
-              <a:lnSpc>
-                <a:spcPct val="150000"/>
-              </a:lnSpc>
-              <a:buFont typeface="Arial" panose="020B0604020202020204" pitchFamily="34" charset="0"/>
-              <a:buChar char="•"/>
-            </a:pPr>
-            <a:r>
-              <a:rPr lang="ko-KR" altLang="en-US" sz="1400" dirty="0"/>
-              <a:t>세이브 슬롯 정보</a:t>
-            </a:r>
-            <a:r>
-              <a:rPr lang="en-US" altLang="ko-KR" sz="1400" dirty="0"/>
-              <a:t>(int)</a:t>
-            </a:r>
-          </a:p>
-          <a:p>
-            <a:pPr marL="342900" indent="-342900">
-              <a:lnSpc>
-                <a:spcPct val="150000"/>
-              </a:lnSpc>
-              <a:buFont typeface="Arial" panose="020B0604020202020204" pitchFamily="34" charset="0"/>
-              <a:buChar char="•"/>
-            </a:pPr>
-            <a:r>
-              <a:rPr lang="ko-KR" altLang="en-US" sz="1400" dirty="0"/>
-              <a:t>던전 매니저</a:t>
-            </a:r>
-            <a:endParaRPr lang="en-US" altLang="ko-KR" sz="1400" dirty="0"/>
-          </a:p>
-          <a:p>
-            <a:pPr marL="342900" indent="-342900">
-              <a:lnSpc>
-                <a:spcPct val="150000"/>
-              </a:lnSpc>
-              <a:buFont typeface="Arial" panose="020B0604020202020204" pitchFamily="34" charset="0"/>
-              <a:buChar char="•"/>
-            </a:pPr>
-            <a:r>
-              <a:rPr lang="ko-KR" altLang="en-US" sz="1400" dirty="0" err="1"/>
-              <a:t>프레이어</a:t>
-            </a:r>
-            <a:r>
-              <a:rPr lang="ko-KR" altLang="en-US" sz="1400" dirty="0"/>
-              <a:t> 데이터 매니저</a:t>
-            </a:r>
-            <a:endParaRPr lang="en-US" altLang="ko-KR" sz="1400" dirty="0"/>
-          </a:p>
-        </p:txBody>
-      </p:sp>
-    </p:spTree>
-    <p:extLst>
-      <p:ext uri="{BB962C8B-B14F-4D97-AF65-F5344CB8AC3E}">
-        <p14:creationId xmlns:p14="http://schemas.microsoft.com/office/powerpoint/2010/main" val="3872056264"/>
-      </p:ext>
-    </p:extLst>
-  </p:cSld>
-  <p:clrMapOvr>
-    <a:masterClrMapping/>
-  </p:clrMapOvr>
-</p:sld>
-</file>
-
-<file path=ppt/slides/slide15.xml><?xml version="1.0" encoding="utf-8"?>
-<p:sld xmlns:a="http://schemas.openxmlformats.org/drawingml/2006/main" xmlns:r="http://schemas.openxmlformats.org/officeDocument/2006/relationships" xmlns:p="http://schemas.openxmlformats.org/presentationml/2006/main">
-  <p:cSld>
-    <p:spTree>
-      <p:nvGrpSpPr>
-        <p:cNvPr id="1" name=""/>
-        <p:cNvGrpSpPr/>
-        <p:nvPr/>
-      </p:nvGrpSpPr>
-      <p:grpSpPr>
-        <a:xfrm>
-          <a:off x="0" y="0"/>
-          <a:ext cx="0" cy="0"/>
-          <a:chOff x="0" y="0"/>
-          <a:chExt cx="0" cy="0"/>
-        </a:xfrm>
-      </p:grpSpPr>
-      <p:sp>
-        <p:nvSpPr>
-          <p:cNvPr id="2" name="TextBox 1">
-            <a:extLst>
-              <a:ext uri="{FF2B5EF4-FFF2-40B4-BE49-F238E27FC236}">
-                <a16:creationId xmlns:a16="http://schemas.microsoft.com/office/drawing/2014/main" id="{0A70AD4C-D837-F80E-E9F0-18F4ECB5C7F3}"/>
-              </a:ext>
-            </a:extLst>
-          </p:cNvPr>
-          <p:cNvSpPr txBox="1"/>
-          <p:nvPr/>
-        </p:nvSpPr>
-        <p:spPr>
-          <a:xfrm>
-            <a:off x="1622611" y="3765177"/>
-            <a:ext cx="9090950" cy="1700787"/>
-          </a:xfrm>
-          <a:prstGeom prst="rect">
-            <a:avLst/>
-          </a:prstGeom>
-          <a:noFill/>
-        </p:spPr>
-        <p:txBody>
-          <a:bodyPr wrap="none" rtlCol="0">
-            <a:spAutoFit/>
-          </a:bodyPr>
-          <a:lstStyle/>
-          <a:p>
-            <a:pPr>
-              <a:lnSpc>
-                <a:spcPct val="150000"/>
-              </a:lnSpc>
-            </a:pPr>
-            <a:r>
-              <a:rPr lang="en-US" altLang="ko-KR" dirty="0">
-                <a:solidFill>
-                  <a:schemeClr val="bg2">
-                    <a:lumMod val="90000"/>
-                  </a:schemeClr>
-                </a:solidFill>
-              </a:rPr>
-              <a:t>UI</a:t>
-            </a:r>
-            <a:r>
-              <a:rPr lang="ko-KR" altLang="en-US" dirty="0">
-                <a:solidFill>
-                  <a:schemeClr val="bg2">
-                    <a:lumMod val="90000"/>
-                  </a:schemeClr>
-                </a:solidFill>
-              </a:rPr>
-              <a:t>매니저</a:t>
-            </a:r>
-            <a:r>
-              <a:rPr lang="en-US" altLang="ko-KR" dirty="0">
-                <a:solidFill>
-                  <a:schemeClr val="bg2">
-                    <a:lumMod val="90000"/>
-                  </a:schemeClr>
-                </a:solidFill>
-              </a:rPr>
-              <a:t>: UI</a:t>
-            </a:r>
-            <a:r>
-              <a:rPr lang="ko-KR" altLang="en-US" dirty="0">
-                <a:solidFill>
-                  <a:schemeClr val="bg2">
-                    <a:lumMod val="90000"/>
-                  </a:schemeClr>
-                </a:solidFill>
-              </a:rPr>
-              <a:t>관련 큰 틀 제작</a:t>
-            </a:r>
-            <a:r>
-              <a:rPr lang="en-US" altLang="ko-KR" dirty="0">
-                <a:solidFill>
-                  <a:schemeClr val="bg2">
-                    <a:lumMod val="90000"/>
-                  </a:schemeClr>
-                </a:solidFill>
-              </a:rPr>
-              <a:t>(</a:t>
-            </a:r>
-            <a:r>
-              <a:rPr lang="ko-KR" altLang="en-US" dirty="0">
-                <a:solidFill>
-                  <a:schemeClr val="bg2">
-                    <a:lumMod val="90000"/>
-                  </a:schemeClr>
-                </a:solidFill>
-              </a:rPr>
-              <a:t>임시로 더미 값으로 제작</a:t>
-            </a:r>
-            <a:r>
-              <a:rPr lang="en-US" altLang="ko-KR" dirty="0">
-                <a:solidFill>
-                  <a:schemeClr val="bg2">
-                    <a:lumMod val="90000"/>
-                  </a:schemeClr>
-                </a:solidFill>
-              </a:rPr>
-              <a:t>)</a:t>
-            </a:r>
-          </a:p>
-          <a:p>
-            <a:pPr>
-              <a:lnSpc>
-                <a:spcPct val="150000"/>
-              </a:lnSpc>
-            </a:pPr>
-            <a:endParaRPr lang="en-US" altLang="ko-KR" dirty="0">
-              <a:solidFill>
-                <a:schemeClr val="bg2">
-                  <a:lumMod val="90000"/>
-                </a:schemeClr>
-              </a:solidFill>
-            </a:endParaRPr>
-          </a:p>
-          <a:p>
-            <a:pPr>
-              <a:lnSpc>
-                <a:spcPct val="150000"/>
-              </a:lnSpc>
-            </a:pPr>
-            <a:r>
-              <a:rPr lang="ko-KR" altLang="en-US" dirty="0">
-                <a:solidFill>
-                  <a:schemeClr val="bg2">
-                    <a:lumMod val="90000"/>
-                  </a:schemeClr>
-                </a:solidFill>
-              </a:rPr>
-              <a:t>파일 매니저</a:t>
-            </a:r>
-            <a:r>
-              <a:rPr lang="en-US" altLang="ko-KR" dirty="0">
-                <a:solidFill>
-                  <a:schemeClr val="bg2">
-                    <a:lumMod val="90000"/>
-                  </a:schemeClr>
-                </a:solidFill>
-              </a:rPr>
-              <a:t>: </a:t>
-            </a:r>
-            <a:r>
-              <a:rPr lang="ko-KR" altLang="en-US" dirty="0">
-                <a:solidFill>
-                  <a:schemeClr val="bg2">
-                    <a:lumMod val="90000"/>
-                  </a:schemeClr>
-                </a:solidFill>
-              </a:rPr>
-              <a:t>플레이어</a:t>
-            </a:r>
-            <a:r>
-              <a:rPr lang="en-US" altLang="ko-KR" dirty="0">
-                <a:solidFill>
-                  <a:schemeClr val="bg2">
-                    <a:lumMod val="90000"/>
-                  </a:schemeClr>
-                </a:solidFill>
-              </a:rPr>
-              <a:t>, </a:t>
-            </a:r>
-            <a:r>
-              <a:rPr lang="ko-KR" altLang="en-US" dirty="0">
-                <a:solidFill>
-                  <a:schemeClr val="bg2">
-                    <a:lumMod val="90000"/>
-                  </a:schemeClr>
-                </a:solidFill>
-              </a:rPr>
-              <a:t>아이템</a:t>
-            </a:r>
-            <a:r>
-              <a:rPr lang="en-US" altLang="ko-KR" dirty="0">
-                <a:solidFill>
-                  <a:schemeClr val="bg2">
-                    <a:lumMod val="90000"/>
-                  </a:schemeClr>
-                </a:solidFill>
-              </a:rPr>
-              <a:t>, </a:t>
-            </a:r>
-            <a:r>
-              <a:rPr lang="ko-KR" altLang="en-US" dirty="0">
-                <a:solidFill>
-                  <a:schemeClr val="bg2">
-                    <a:lumMod val="90000"/>
-                  </a:schemeClr>
-                </a:solidFill>
-              </a:rPr>
-              <a:t>몬스터</a:t>
-            </a:r>
-            <a:r>
-              <a:rPr lang="en-US" altLang="ko-KR" dirty="0">
-                <a:solidFill>
-                  <a:schemeClr val="bg2">
-                    <a:lumMod val="90000"/>
-                  </a:schemeClr>
-                </a:solidFill>
-              </a:rPr>
-              <a:t>, </a:t>
-            </a:r>
-            <a:r>
-              <a:rPr lang="ko-KR" altLang="en-US" dirty="0">
-                <a:solidFill>
-                  <a:schemeClr val="bg2">
-                    <a:lumMod val="90000"/>
-                  </a:schemeClr>
-                </a:solidFill>
-              </a:rPr>
-              <a:t>던전</a:t>
-            </a:r>
-            <a:r>
-              <a:rPr lang="en-US" altLang="ko-KR" dirty="0">
-                <a:solidFill>
-                  <a:schemeClr val="bg2">
-                    <a:lumMod val="90000"/>
-                  </a:schemeClr>
-                </a:solidFill>
-              </a:rPr>
-              <a:t>, </a:t>
-            </a:r>
-            <a:r>
-              <a:rPr lang="ko-KR" altLang="en-US" dirty="0">
-                <a:solidFill>
-                  <a:schemeClr val="bg2">
-                    <a:lumMod val="90000"/>
-                  </a:schemeClr>
-                </a:solidFill>
-              </a:rPr>
-              <a:t>스킬</a:t>
-            </a:r>
-            <a:r>
-              <a:rPr lang="en-US" altLang="ko-KR" dirty="0">
-                <a:solidFill>
-                  <a:schemeClr val="bg2">
-                    <a:lumMod val="90000"/>
-                  </a:schemeClr>
-                </a:solidFill>
-              </a:rPr>
-              <a:t>, </a:t>
-            </a:r>
-            <a:r>
-              <a:rPr lang="ko-KR" altLang="en-US" dirty="0">
-                <a:solidFill>
-                  <a:schemeClr val="bg2">
-                    <a:lumMod val="90000"/>
-                  </a:schemeClr>
-                </a:solidFill>
-              </a:rPr>
-              <a:t>퀘스트 정보 입출력 관련 기능 구현</a:t>
-            </a:r>
-            <a:endParaRPr lang="en-US" altLang="ko-KR" dirty="0">
-              <a:solidFill>
-                <a:schemeClr val="bg2">
-                  <a:lumMod val="90000"/>
-                </a:schemeClr>
-              </a:solidFill>
-            </a:endParaRPr>
-          </a:p>
-          <a:p>
-            <a:pPr>
-              <a:lnSpc>
-                <a:spcPct val="150000"/>
-              </a:lnSpc>
-            </a:pPr>
-            <a:r>
-              <a:rPr lang="ko-KR" altLang="en-US" dirty="0">
-                <a:solidFill>
-                  <a:schemeClr val="bg2">
-                    <a:lumMod val="90000"/>
-                  </a:schemeClr>
-                </a:solidFill>
-              </a:rPr>
-              <a:t>전투 방식 구현 </a:t>
-            </a:r>
-            <a:r>
-              <a:rPr lang="en-US" altLang="ko-KR" dirty="0">
-                <a:solidFill>
-                  <a:schemeClr val="bg2">
-                    <a:lumMod val="90000"/>
-                  </a:schemeClr>
-                </a:solidFill>
-              </a:rPr>
-              <a:t>/ </a:t>
-            </a:r>
-            <a:endParaRPr lang="ko-KR" altLang="en-US" dirty="0">
-              <a:solidFill>
-                <a:schemeClr val="bg2">
-                  <a:lumMod val="90000"/>
-                </a:schemeClr>
-              </a:solidFill>
-            </a:endParaRPr>
-          </a:p>
-        </p:txBody>
-      </p:sp>
-      <p:sp>
-        <p:nvSpPr>
-          <p:cNvPr id="3" name="TextBox 2">
-            <a:extLst>
-              <a:ext uri="{FF2B5EF4-FFF2-40B4-BE49-F238E27FC236}">
-                <a16:creationId xmlns:a16="http://schemas.microsoft.com/office/drawing/2014/main" id="{C46F7FD1-C8F8-ECA1-C9DD-3B3D49599EBB}"/>
-              </a:ext>
-            </a:extLst>
-          </p:cNvPr>
-          <p:cNvSpPr txBox="1"/>
-          <p:nvPr/>
-        </p:nvSpPr>
-        <p:spPr>
-          <a:xfrm>
-            <a:off x="510987" y="375645"/>
-            <a:ext cx="3033203" cy="369332"/>
-          </a:xfrm>
-          <a:prstGeom prst="rect">
-            <a:avLst/>
-          </a:prstGeom>
-          <a:noFill/>
-        </p:spPr>
-        <p:txBody>
-          <a:bodyPr wrap="none" rtlCol="0">
-            <a:spAutoFit/>
-          </a:bodyPr>
-          <a:lstStyle/>
-          <a:p>
-            <a:r>
-              <a:rPr lang="ko-KR" altLang="en-US" dirty="0">
-                <a:solidFill>
-                  <a:schemeClr val="bg2">
-                    <a:lumMod val="90000"/>
-                  </a:schemeClr>
-                </a:solidFill>
-              </a:rPr>
-              <a:t>이선욱</a:t>
-            </a:r>
-            <a:r>
-              <a:rPr lang="en-US" altLang="ko-KR" dirty="0">
-                <a:solidFill>
-                  <a:schemeClr val="bg2">
-                    <a:lumMod val="90000"/>
-                  </a:schemeClr>
-                </a:solidFill>
-              </a:rPr>
-              <a:t>: </a:t>
-            </a:r>
-            <a:r>
-              <a:rPr lang="ko-KR" altLang="en-US" dirty="0">
-                <a:solidFill>
-                  <a:schemeClr val="bg2">
-                    <a:lumMod val="90000"/>
-                  </a:schemeClr>
-                </a:solidFill>
-              </a:rPr>
-              <a:t>전투방식 </a:t>
-            </a:r>
-            <a:r>
-              <a:rPr lang="en-US" altLang="ko-KR" dirty="0">
-                <a:solidFill>
-                  <a:schemeClr val="bg2">
-                    <a:lumMod val="90000"/>
-                  </a:schemeClr>
-                </a:solidFill>
-              </a:rPr>
-              <a:t>+ </a:t>
-            </a:r>
-            <a:r>
-              <a:rPr lang="ko-KR" altLang="en-US" dirty="0">
-                <a:solidFill>
-                  <a:schemeClr val="bg2">
-                    <a:lumMod val="90000"/>
-                  </a:schemeClr>
-                </a:solidFill>
-              </a:rPr>
-              <a:t>퀘스트</a:t>
-            </a:r>
-          </a:p>
-        </p:txBody>
-      </p:sp>
-      <p:sp>
-        <p:nvSpPr>
-          <p:cNvPr id="4" name="TextBox 3">
-            <a:extLst>
-              <a:ext uri="{FF2B5EF4-FFF2-40B4-BE49-F238E27FC236}">
-                <a16:creationId xmlns:a16="http://schemas.microsoft.com/office/drawing/2014/main" id="{64C43779-D287-528B-274C-41560EE47866}"/>
-              </a:ext>
-            </a:extLst>
-          </p:cNvPr>
-          <p:cNvSpPr txBox="1"/>
-          <p:nvPr/>
-        </p:nvSpPr>
-        <p:spPr>
-          <a:xfrm>
-            <a:off x="510987" y="976281"/>
-            <a:ext cx="4256293" cy="369332"/>
-          </a:xfrm>
-          <a:prstGeom prst="rect">
-            <a:avLst/>
-          </a:prstGeom>
-          <a:noFill/>
-        </p:spPr>
-        <p:txBody>
-          <a:bodyPr wrap="none" rtlCol="0">
-            <a:spAutoFit/>
-          </a:bodyPr>
-          <a:lstStyle/>
-          <a:p>
-            <a:r>
-              <a:rPr lang="ko-KR" altLang="en-US" dirty="0">
-                <a:solidFill>
-                  <a:schemeClr val="bg2">
-                    <a:lumMod val="90000"/>
-                  </a:schemeClr>
-                </a:solidFill>
-              </a:rPr>
-              <a:t>이민석</a:t>
-            </a:r>
-            <a:r>
-              <a:rPr lang="en-US" altLang="ko-KR" dirty="0">
-                <a:solidFill>
-                  <a:schemeClr val="bg2">
-                    <a:lumMod val="90000"/>
-                  </a:schemeClr>
-                </a:solidFill>
-              </a:rPr>
-              <a:t>: </a:t>
-            </a:r>
-            <a:r>
-              <a:rPr lang="ko-KR" altLang="en-US" dirty="0">
-                <a:solidFill>
-                  <a:schemeClr val="bg2">
-                    <a:lumMod val="90000"/>
-                  </a:schemeClr>
-                </a:solidFill>
-              </a:rPr>
-              <a:t>전체적인 다이어그램 로직 설계</a:t>
-            </a:r>
-          </a:p>
-        </p:txBody>
-      </p:sp>
-      <p:sp>
-        <p:nvSpPr>
-          <p:cNvPr id="5" name="TextBox 4">
-            <a:extLst>
-              <a:ext uri="{FF2B5EF4-FFF2-40B4-BE49-F238E27FC236}">
-                <a16:creationId xmlns:a16="http://schemas.microsoft.com/office/drawing/2014/main" id="{66D2C4B4-EB57-2E14-E86C-64531A845FBE}"/>
-              </a:ext>
-            </a:extLst>
-          </p:cNvPr>
-          <p:cNvSpPr txBox="1"/>
-          <p:nvPr/>
-        </p:nvSpPr>
-        <p:spPr>
-          <a:xfrm>
-            <a:off x="510987" y="1577824"/>
-            <a:ext cx="3020379" cy="369332"/>
-          </a:xfrm>
-          <a:prstGeom prst="rect">
-            <a:avLst/>
-          </a:prstGeom>
-          <a:noFill/>
-        </p:spPr>
-        <p:txBody>
-          <a:bodyPr wrap="none" rtlCol="0">
-            <a:spAutoFit/>
-          </a:bodyPr>
-          <a:lstStyle/>
-          <a:p>
-            <a:r>
-              <a:rPr lang="ko-KR" altLang="en-US" dirty="0">
-                <a:solidFill>
-                  <a:schemeClr val="bg2">
-                    <a:lumMod val="90000"/>
-                  </a:schemeClr>
-                </a:solidFill>
-              </a:rPr>
-              <a:t>김나영</a:t>
-            </a:r>
-            <a:r>
-              <a:rPr lang="en-US" altLang="ko-KR" dirty="0">
-                <a:solidFill>
-                  <a:schemeClr val="bg2">
-                    <a:lumMod val="90000"/>
-                  </a:schemeClr>
-                </a:solidFill>
-              </a:rPr>
-              <a:t>: </a:t>
-            </a:r>
-            <a:r>
-              <a:rPr lang="ko-KR" altLang="en-US" dirty="0">
-                <a:solidFill>
-                  <a:schemeClr val="bg2">
-                    <a:lumMod val="90000"/>
-                  </a:schemeClr>
-                </a:solidFill>
-              </a:rPr>
-              <a:t>파일 입출력 매니저</a:t>
-            </a:r>
-          </a:p>
-        </p:txBody>
-      </p:sp>
-      <p:sp>
-        <p:nvSpPr>
-          <p:cNvPr id="6" name="TextBox 5">
-            <a:extLst>
-              <a:ext uri="{FF2B5EF4-FFF2-40B4-BE49-F238E27FC236}">
-                <a16:creationId xmlns:a16="http://schemas.microsoft.com/office/drawing/2014/main" id="{038B6462-2963-CDAB-784D-3D7EA6D4634D}"/>
-              </a:ext>
-            </a:extLst>
-          </p:cNvPr>
-          <p:cNvSpPr txBox="1"/>
-          <p:nvPr/>
-        </p:nvSpPr>
-        <p:spPr>
-          <a:xfrm>
-            <a:off x="510987" y="2179367"/>
-            <a:ext cx="2566728" cy="369332"/>
-          </a:xfrm>
-          <a:prstGeom prst="rect">
-            <a:avLst/>
-          </a:prstGeom>
-          <a:noFill/>
-        </p:spPr>
-        <p:txBody>
-          <a:bodyPr wrap="none" rtlCol="0">
-            <a:spAutoFit/>
-          </a:bodyPr>
-          <a:lstStyle/>
-          <a:p>
-            <a:r>
-              <a:rPr lang="ko-KR" altLang="en-US" dirty="0">
-                <a:solidFill>
-                  <a:schemeClr val="bg2">
-                    <a:lumMod val="90000"/>
-                  </a:schemeClr>
-                </a:solidFill>
-              </a:rPr>
-              <a:t>최   빈</a:t>
-            </a:r>
-            <a:r>
-              <a:rPr lang="en-US" altLang="ko-KR" dirty="0">
-                <a:solidFill>
-                  <a:schemeClr val="bg2">
-                    <a:lumMod val="90000"/>
-                  </a:schemeClr>
-                </a:solidFill>
-              </a:rPr>
-              <a:t>: UI </a:t>
-            </a:r>
-            <a:r>
-              <a:rPr lang="ko-KR" altLang="en-US" dirty="0">
-                <a:solidFill>
-                  <a:schemeClr val="bg2">
-                    <a:lumMod val="90000"/>
-                  </a:schemeClr>
-                </a:solidFill>
-              </a:rPr>
-              <a:t>매니저 작성</a:t>
-            </a:r>
-          </a:p>
-        </p:txBody>
-      </p:sp>
-    </p:spTree>
-    <p:extLst>
-      <p:ext uri="{BB962C8B-B14F-4D97-AF65-F5344CB8AC3E}">
-        <p14:creationId xmlns:p14="http://schemas.microsoft.com/office/powerpoint/2010/main" val="2744352438"/>
-      </p:ext>
-    </p:extLst>
-  </p:cSld>
-  <p:clrMapOvr>
-    <a:masterClrMapping/>
-  </p:clrMapOvr>
-</p:sld>
-</file>
-
 <file path=ppt/slides/slide2.xml><?xml version="1.0" encoding="utf-8"?>
 <p:sld xmlns:a="http://schemas.openxmlformats.org/drawingml/2006/main" xmlns:r="http://schemas.openxmlformats.org/officeDocument/2006/relationships" xmlns:p="http://schemas.openxmlformats.org/presentationml/2006/main">
   <p:cSld>
@@ -11393,8 +7665,8 @@
         </p:nvSpPr>
         <p:spPr>
           <a:xfrm>
-            <a:off x="182880" y="1227908"/>
-            <a:ext cx="8281851" cy="5390606"/>
+            <a:off x="182880" y="1165412"/>
+            <a:ext cx="8281851" cy="4930588"/>
           </a:xfrm>
           <a:prstGeom prst="rect">
             <a:avLst/>
@@ -11434,6 +7706,69 @@
               </a:rPr>
               <a:t>화면 목록</a:t>
             </a:r>
+          </a:p>
+        </p:txBody>
+      </p:sp>
+      <p:sp>
+        <p:nvSpPr>
+          <p:cNvPr id="2" name="직사각형 1">
+            <a:extLst>
+              <a:ext uri="{FF2B5EF4-FFF2-40B4-BE49-F238E27FC236}">
+                <a16:creationId xmlns:a16="http://schemas.microsoft.com/office/drawing/2014/main" id="{B7F7DE73-F9E6-D415-2AD1-E1C9F594F941}"/>
+              </a:ext>
+            </a:extLst>
+          </p:cNvPr>
+          <p:cNvSpPr/>
+          <p:nvPr/>
+        </p:nvSpPr>
+        <p:spPr>
+          <a:xfrm>
+            <a:off x="167255" y="6266328"/>
+            <a:ext cx="8297475" cy="417500"/>
+          </a:xfrm>
+          <a:prstGeom prst="rect">
+            <a:avLst/>
+          </a:prstGeom>
+          <a:solidFill>
+            <a:schemeClr val="bg1">
+              <a:lumMod val="85000"/>
+            </a:schemeClr>
+          </a:solidFill>
+        </p:spPr>
+        <p:style>
+          <a:lnRef idx="2">
+            <a:schemeClr val="accent1">
+              <a:shade val="15000"/>
+            </a:schemeClr>
+          </a:lnRef>
+          <a:fillRef idx="1">
+            <a:schemeClr val="accent1"/>
+          </a:fillRef>
+          <a:effectRef idx="0">
+            <a:schemeClr val="accent1"/>
+          </a:effectRef>
+          <a:fontRef idx="minor">
+            <a:schemeClr val="lt1"/>
+          </a:fontRef>
+        </p:style>
+        <p:txBody>
+          <a:bodyPr rtlCol="0" anchor="ctr"/>
+          <a:lstStyle/>
+          <a:p>
+            <a:pPr algn="ctr"/>
+            <a:r>
+              <a:rPr lang="ko-KR" altLang="en-US" b="1" dirty="0" err="1">
+                <a:solidFill>
+                  <a:schemeClr val="tx1"/>
+                </a:solidFill>
+              </a:rPr>
+              <a:t>입력창</a:t>
+            </a:r>
+            <a:endParaRPr lang="ko-KR" altLang="en-US" b="1" dirty="0">
+              <a:solidFill>
+                <a:schemeClr val="tx1"/>
+              </a:solidFill>
+            </a:endParaRPr>
           </a:p>
         </p:txBody>
       </p:sp>
@@ -15352,8 +11687,8 @@
         </p:nvSpPr>
         <p:spPr>
           <a:xfrm>
-            <a:off x="182880" y="1227908"/>
-            <a:ext cx="8281851" cy="5390606"/>
+            <a:off x="182880" y="1156447"/>
+            <a:ext cx="8281851" cy="4957482"/>
           </a:xfrm>
           <a:prstGeom prst="rect">
             <a:avLst/>
@@ -15411,7 +11746,7 @@
         <p:spPr>
           <a:xfrm>
             <a:off x="8647611" y="174171"/>
-            <a:ext cx="3361509" cy="6444343"/>
+            <a:ext cx="3361509" cy="5939757"/>
           </a:xfrm>
           <a:prstGeom prst="rect">
             <a:avLst/>
@@ -15454,10 +11789,73 @@
           </a:p>
         </p:txBody>
       </p:sp>
+      <p:sp>
+        <p:nvSpPr>
+          <p:cNvPr id="2" name="직사각형 1">
+            <a:extLst>
+              <a:ext uri="{FF2B5EF4-FFF2-40B4-BE49-F238E27FC236}">
+                <a16:creationId xmlns:a16="http://schemas.microsoft.com/office/drawing/2014/main" id="{CEA199C2-F2D0-4C91-8A30-E6754B428728}"/>
+              </a:ext>
+            </a:extLst>
+          </p:cNvPr>
+          <p:cNvSpPr/>
+          <p:nvPr/>
+        </p:nvSpPr>
+        <p:spPr>
+          <a:xfrm>
+            <a:off x="167255" y="6266328"/>
+            <a:ext cx="11841865" cy="417500"/>
+          </a:xfrm>
+          <a:prstGeom prst="rect">
+            <a:avLst/>
+          </a:prstGeom>
+          <a:solidFill>
+            <a:schemeClr val="bg1">
+              <a:lumMod val="85000"/>
+            </a:schemeClr>
+          </a:solidFill>
+        </p:spPr>
+        <p:style>
+          <a:lnRef idx="2">
+            <a:schemeClr val="accent1">
+              <a:shade val="15000"/>
+            </a:schemeClr>
+          </a:lnRef>
+          <a:fillRef idx="1">
+            <a:schemeClr val="accent1"/>
+          </a:fillRef>
+          <a:effectRef idx="0">
+            <a:schemeClr val="accent1"/>
+          </a:effectRef>
+          <a:fontRef idx="minor">
+            <a:schemeClr val="lt1"/>
+          </a:fontRef>
+        </p:style>
+        <p:txBody>
+          <a:bodyPr rtlCol="0" anchor="ctr"/>
+          <a:lstStyle/>
+          <a:p>
+            <a:pPr algn="ctr"/>
+            <a:r>
+              <a:rPr lang="ko-KR" altLang="en-US" b="1" dirty="0" err="1">
+                <a:solidFill>
+                  <a:schemeClr val="tx1"/>
+                </a:solidFill>
+              </a:rPr>
+              <a:t>입력창</a:t>
+            </a:r>
+            <a:endParaRPr lang="ko-KR" altLang="en-US" b="1" dirty="0">
+              <a:solidFill>
+                <a:schemeClr val="tx1"/>
+              </a:solidFill>
+            </a:endParaRPr>
+          </a:p>
+        </p:txBody>
+      </p:sp>
     </p:spTree>
     <p:extLst>
       <p:ext uri="{BB962C8B-B14F-4D97-AF65-F5344CB8AC3E}">
-        <p14:creationId xmlns:p14="http://schemas.microsoft.com/office/powerpoint/2010/main" val="512878242"/>
+        <p14:creationId xmlns:p14="http://schemas.microsoft.com/office/powerpoint/2010/main" val="2881252244"/>
       </p:ext>
     </p:extLst>
   </p:cSld>
@@ -15586,7 +11984,7 @@
         <p:spPr>
           <a:xfrm>
             <a:off x="182880" y="1227908"/>
-            <a:ext cx="2336202" cy="5390606"/>
+            <a:ext cx="2336202" cy="4796374"/>
           </a:xfrm>
           <a:prstGeom prst="rect">
             <a:avLst/>
@@ -15698,7 +12096,7 @@
         <p:spPr>
           <a:xfrm>
             <a:off x="8647611" y="174171"/>
-            <a:ext cx="3361509" cy="6444343"/>
+            <a:ext cx="3361509" cy="5850111"/>
           </a:xfrm>
           <a:prstGeom prst="rect">
             <a:avLst/>
@@ -15756,7 +12154,7 @@
         <p:spPr>
           <a:xfrm>
             <a:off x="2791609" y="1227908"/>
-            <a:ext cx="5673121" cy="5390606"/>
+            <a:ext cx="5673121" cy="4796374"/>
           </a:xfrm>
           <a:prstGeom prst="rect">
             <a:avLst/>
@@ -15850,6 +12248,69 @@
               </a:rPr>
               <a:t>던전 설명</a:t>
             </a:r>
+          </a:p>
+        </p:txBody>
+      </p:sp>
+      <p:sp>
+        <p:nvSpPr>
+          <p:cNvPr id="3" name="직사각형 2">
+            <a:extLst>
+              <a:ext uri="{FF2B5EF4-FFF2-40B4-BE49-F238E27FC236}">
+                <a16:creationId xmlns:a16="http://schemas.microsoft.com/office/drawing/2014/main" id="{9BDE211A-C906-C7B7-24A6-5C1596B5CEF3}"/>
+              </a:ext>
+            </a:extLst>
+          </p:cNvPr>
+          <p:cNvSpPr/>
+          <p:nvPr/>
+        </p:nvSpPr>
+        <p:spPr>
+          <a:xfrm>
+            <a:off x="167255" y="6266328"/>
+            <a:ext cx="11841865" cy="417500"/>
+          </a:xfrm>
+          <a:prstGeom prst="rect">
+            <a:avLst/>
+          </a:prstGeom>
+          <a:solidFill>
+            <a:schemeClr val="bg1">
+              <a:lumMod val="85000"/>
+            </a:schemeClr>
+          </a:solidFill>
+        </p:spPr>
+        <p:style>
+          <a:lnRef idx="2">
+            <a:schemeClr val="accent1">
+              <a:shade val="15000"/>
+            </a:schemeClr>
+          </a:lnRef>
+          <a:fillRef idx="1">
+            <a:schemeClr val="accent1"/>
+          </a:fillRef>
+          <a:effectRef idx="0">
+            <a:schemeClr val="accent1"/>
+          </a:effectRef>
+          <a:fontRef idx="minor">
+            <a:schemeClr val="lt1"/>
+          </a:fontRef>
+        </p:style>
+        <p:txBody>
+          <a:bodyPr rtlCol="0" anchor="ctr"/>
+          <a:lstStyle/>
+          <a:p>
+            <a:pPr algn="ctr"/>
+            <a:r>
+              <a:rPr lang="ko-KR" altLang="en-US" b="1" dirty="0" err="1">
+                <a:solidFill>
+                  <a:schemeClr val="tx1"/>
+                </a:solidFill>
+              </a:rPr>
+              <a:t>입력창</a:t>
+            </a:r>
+            <a:endParaRPr lang="ko-KR" altLang="en-US" b="1" dirty="0">
+              <a:solidFill>
+                <a:schemeClr val="tx1"/>
+              </a:solidFill>
+            </a:endParaRPr>
           </a:p>
         </p:txBody>
       </p:sp>
@@ -15985,7 +12446,7 @@
         <p:spPr>
           <a:xfrm>
             <a:off x="182880" y="2088776"/>
-            <a:ext cx="2336202" cy="4529738"/>
+            <a:ext cx="2336202" cy="4016189"/>
           </a:xfrm>
           <a:prstGeom prst="rect">
             <a:avLst/>
@@ -16058,8 +12519,8 @@
         </p:nvSpPr>
         <p:spPr>
           <a:xfrm>
-            <a:off x="8647611" y="174171"/>
-            <a:ext cx="3361509" cy="6444343"/>
+            <a:off x="8647611" y="174172"/>
+            <a:ext cx="3361509" cy="5930794"/>
           </a:xfrm>
           <a:prstGeom prst="rect">
             <a:avLst/>
@@ -16117,7 +12578,7 @@
         <p:spPr>
           <a:xfrm>
             <a:off x="2791609" y="2088776"/>
-            <a:ext cx="5673121" cy="4529738"/>
+            <a:ext cx="5673121" cy="4016189"/>
           </a:xfrm>
           <a:prstGeom prst="rect">
             <a:avLst/>
@@ -16220,6 +12681,69 @@
               </a:rPr>
               <a:t>아이템 카테고리 목록</a:t>
             </a:r>
+          </a:p>
+        </p:txBody>
+      </p:sp>
+      <p:sp>
+        <p:nvSpPr>
+          <p:cNvPr id="4" name="직사각형 3">
+            <a:extLst>
+              <a:ext uri="{FF2B5EF4-FFF2-40B4-BE49-F238E27FC236}">
+                <a16:creationId xmlns:a16="http://schemas.microsoft.com/office/drawing/2014/main" id="{E410864A-5D52-2F02-EEA6-A32377755149}"/>
+              </a:ext>
+            </a:extLst>
+          </p:cNvPr>
+          <p:cNvSpPr/>
+          <p:nvPr/>
+        </p:nvSpPr>
+        <p:spPr>
+          <a:xfrm>
+            <a:off x="167255" y="6266328"/>
+            <a:ext cx="11841865" cy="417500"/>
+          </a:xfrm>
+          <a:prstGeom prst="rect">
+            <a:avLst/>
+          </a:prstGeom>
+          <a:solidFill>
+            <a:schemeClr val="bg1">
+              <a:lumMod val="85000"/>
+            </a:schemeClr>
+          </a:solidFill>
+        </p:spPr>
+        <p:style>
+          <a:lnRef idx="2">
+            <a:schemeClr val="accent1">
+              <a:shade val="15000"/>
+            </a:schemeClr>
+          </a:lnRef>
+          <a:fillRef idx="1">
+            <a:schemeClr val="accent1"/>
+          </a:fillRef>
+          <a:effectRef idx="0">
+            <a:schemeClr val="accent1"/>
+          </a:effectRef>
+          <a:fontRef idx="minor">
+            <a:schemeClr val="lt1"/>
+          </a:fontRef>
+        </p:style>
+        <p:txBody>
+          <a:bodyPr rtlCol="0" anchor="ctr"/>
+          <a:lstStyle/>
+          <a:p>
+            <a:pPr algn="ctr"/>
+            <a:r>
+              <a:rPr lang="ko-KR" altLang="en-US" b="1" dirty="0" err="1">
+                <a:solidFill>
+                  <a:schemeClr val="tx1"/>
+                </a:solidFill>
+              </a:rPr>
+              <a:t>입력창</a:t>
+            </a:r>
+            <a:endParaRPr lang="ko-KR" altLang="en-US" b="1" dirty="0">
+              <a:solidFill>
+                <a:schemeClr val="tx1"/>
+              </a:solidFill>
+            </a:endParaRPr>
           </a:p>
         </p:txBody>
       </p:sp>
@@ -19307,7 +15831,7 @@
         </p:nvSpPr>
         <p:spPr>
           <a:xfrm>
-            <a:off x="7600407" y="248194"/>
+            <a:off x="6461286" y="131893"/>
             <a:ext cx="1854926" cy="783772"/>
           </a:xfrm>
           <a:prstGeom prst="rect">
@@ -19379,7 +15903,7 @@
         </p:nvSpPr>
         <p:spPr>
           <a:xfrm>
-            <a:off x="5168538" y="248194"/>
+            <a:off x="4365255" y="131893"/>
             <a:ext cx="1854926" cy="783772"/>
           </a:xfrm>
           <a:prstGeom prst="rect">
@@ -19466,8 +15990,8 @@
         </p:nvSpPr>
         <p:spPr>
           <a:xfrm>
-            <a:off x="10032273" y="5826034"/>
-            <a:ext cx="1854926" cy="783772"/>
+            <a:off x="167255" y="5297878"/>
+            <a:ext cx="11841865" cy="851911"/>
           </a:xfrm>
           <a:prstGeom prst="rect">
             <a:avLst/>
@@ -19499,76 +16023,61 @@
           <a:bodyPr rtlCol="0" anchor="ctr"/>
           <a:lstStyle/>
           <a:p>
-            <a:pPr algn="ctr">
-              <a:lnSpc>
-                <a:spcPct val="150000"/>
-              </a:lnSpc>
-            </a:pPr>
-            <a:r>
-              <a:rPr lang="ko-KR" altLang="en-US" sz="1000" b="1" dirty="0">
-                <a:solidFill>
-                  <a:schemeClr val="tx1"/>
-                </a:solidFill>
-              </a:rPr>
-              <a:t>캐릭터 이름   </a:t>
-            </a:r>
-            <a:r>
-              <a:rPr lang="en-US" altLang="ko-KR" sz="1000" b="1" dirty="0">
-                <a:solidFill>
-                  <a:schemeClr val="tx1"/>
-                </a:solidFill>
-              </a:rPr>
-              <a:t>[</a:t>
-            </a:r>
-            <a:r>
-              <a:rPr lang="ko-KR" altLang="en-US" sz="1000" b="1" dirty="0">
-                <a:solidFill>
-                  <a:schemeClr val="tx1"/>
-                </a:solidFill>
-              </a:rPr>
-              <a:t>레벨</a:t>
-            </a:r>
-            <a:r>
-              <a:rPr lang="en-US" altLang="ko-KR" sz="1000" b="1" dirty="0">
-                <a:solidFill>
-                  <a:schemeClr val="tx1"/>
-                </a:solidFill>
-              </a:rPr>
-              <a:t>][</a:t>
-            </a:r>
-            <a:r>
-              <a:rPr lang="ko-KR" altLang="en-US" sz="1000" b="1" dirty="0">
-                <a:solidFill>
-                  <a:schemeClr val="tx1"/>
-                </a:solidFill>
-              </a:rPr>
-              <a:t>경험치</a:t>
-            </a:r>
-            <a:r>
-              <a:rPr lang="en-US" altLang="ko-KR" sz="1000" b="1" dirty="0">
-                <a:solidFill>
-                  <a:schemeClr val="tx1"/>
-                </a:solidFill>
-              </a:rPr>
-              <a:t>]</a:t>
-            </a:r>
-          </a:p>
-          <a:p>
             <a:pPr>
               <a:lnSpc>
                 <a:spcPct val="150000"/>
               </a:lnSpc>
             </a:pPr>
             <a:r>
-              <a:rPr lang="en-US" altLang="ko-KR" sz="1000" b="1" dirty="0">
+              <a:rPr lang="ko-KR" altLang="en-US" sz="1600" b="1" dirty="0">
                 <a:solidFill>
                   <a:schemeClr val="tx1"/>
                 </a:solidFill>
               </a:rPr>
-              <a:t>HP</a:t>
-            </a:r>
-            <a:r>
-              <a:rPr lang="ko-KR" altLang="en-US" sz="1000" b="1" dirty="0">
+              <a:t>캐릭터 이름 </a:t>
+            </a:r>
+            <a:r>
+              <a:rPr lang="en-US" altLang="ko-KR" sz="1600" dirty="0">
+                <a:solidFill>
+                  <a:schemeClr val="tx1"/>
+                </a:solidFill>
+              </a:rPr>
+              <a:t>[</a:t>
+            </a:r>
+            <a:r>
+              <a:rPr lang="ko-KR" altLang="en-US" sz="1600" dirty="0">
+                <a:solidFill>
+                  <a:schemeClr val="tx1"/>
+                </a:solidFill>
+              </a:rPr>
+              <a:t>레벨</a:t>
+            </a:r>
+            <a:r>
+              <a:rPr lang="en-US" altLang="ko-KR" sz="1600" dirty="0">
+                <a:solidFill>
+                  <a:schemeClr val="tx1"/>
+                </a:solidFill>
+              </a:rPr>
+              <a:t>][</a:t>
+            </a:r>
+            <a:r>
+              <a:rPr lang="ko-KR" altLang="en-US" sz="1600" dirty="0">
+                <a:solidFill>
+                  <a:schemeClr val="tx1"/>
+                </a:solidFill>
+              </a:rPr>
+              <a:t>경험치</a:t>
+            </a:r>
+            <a:r>
+              <a:rPr lang="en-US" altLang="ko-KR" sz="1600" dirty="0">
+                <a:solidFill>
+                  <a:schemeClr val="tx1"/>
+                </a:solidFill>
+              </a:rPr>
+              <a:t>]  HP</a:t>
+            </a:r>
+            <a:r>
+              <a:rPr lang="ko-KR" altLang="en-US" sz="1600" dirty="0">
                 <a:solidFill>
                   <a:schemeClr val="tx1"/>
                 </a:solidFill>
@@ -19576,12 +16085,12 @@
               <a:t> </a:t>
             </a:r>
             <a:r>
-              <a:rPr lang="en-US" altLang="ko-KR" sz="1000" b="1" dirty="0">
+              <a:rPr lang="en-US" altLang="ko-KR" sz="1600" dirty="0">
                 <a:solidFill>
                   <a:schemeClr val="tx1"/>
                 </a:solidFill>
               </a:rPr>
-              <a:t>0000/0000</a:t>
+              <a:t>0000/0000 | AP 00 | BP: 00</a:t>
             </a:r>
           </a:p>
           <a:p>
@@ -19591,14 +16100,62 @@
               </a:lnSpc>
             </a:pPr>
             <a:r>
-              <a:rPr lang="en-US" altLang="ko-KR" sz="1000" b="1" dirty="0">
+              <a:rPr lang="en-US" altLang="ko-KR" sz="1600" dirty="0">
                 <a:solidFill>
                   <a:schemeClr val="tx1"/>
                 </a:solidFill>
               </a:rPr>
-              <a:t>AP 00   BP: 00</a:t>
-            </a:r>
-            <a:endParaRPr lang="ko-KR" altLang="en-US" sz="1000" b="1" dirty="0">
+              <a:t>[0] </a:t>
+            </a:r>
+            <a:r>
+              <a:rPr lang="ko-KR" altLang="en-US" sz="1600" dirty="0">
+                <a:solidFill>
+                  <a:schemeClr val="tx1"/>
+                </a:solidFill>
+              </a:rPr>
+              <a:t>액션 </a:t>
+            </a:r>
+            <a:r>
+              <a:rPr lang="en-US" altLang="ko-KR" sz="1600" dirty="0">
+                <a:solidFill>
+                  <a:schemeClr val="tx1"/>
+                </a:solidFill>
+              </a:rPr>
+              <a:t>1   | [1] </a:t>
+            </a:r>
+            <a:r>
+              <a:rPr lang="ko-KR" altLang="en-US" sz="1600" dirty="0">
+                <a:solidFill>
+                  <a:schemeClr val="tx1"/>
+                </a:solidFill>
+              </a:rPr>
+              <a:t>액션 </a:t>
+            </a:r>
+            <a:r>
+              <a:rPr lang="en-US" altLang="ko-KR" sz="1600" dirty="0">
+                <a:solidFill>
+                  <a:schemeClr val="tx1"/>
+                </a:solidFill>
+              </a:rPr>
+              <a:t>2   | [2] </a:t>
+            </a:r>
+            <a:r>
+              <a:rPr lang="ko-KR" altLang="en-US" sz="1600" dirty="0">
+                <a:solidFill>
+                  <a:schemeClr val="tx1"/>
+                </a:solidFill>
+              </a:rPr>
+              <a:t>액션 </a:t>
+            </a:r>
+            <a:r>
+              <a:rPr lang="en-US" altLang="ko-KR" sz="1600" dirty="0">
+                <a:solidFill>
+                  <a:schemeClr val="tx1"/>
+                </a:solidFill>
+              </a:rPr>
+              <a:t>3</a:t>
+            </a:r>
+            <a:endParaRPr lang="ko-KR" altLang="en-US" sz="1600" dirty="0">
               <a:solidFill>
                 <a:schemeClr val="tx1"/>
               </a:solidFill>
@@ -19620,8 +16177,8 @@
         </p:nvSpPr>
         <p:spPr>
           <a:xfrm>
-            <a:off x="304800" y="1458687"/>
-            <a:ext cx="6923313" cy="5151120"/>
+            <a:off x="167255" y="1137150"/>
+            <a:ext cx="11841865" cy="4071344"/>
           </a:xfrm>
           <a:prstGeom prst="rect">
             <a:avLst/>
@@ -19650,10 +16207,10 @@
           </a:fontRef>
         </p:style>
         <p:txBody>
-          <a:bodyPr rtlCol="0" anchor="ctr"/>
+          <a:bodyPr rtlCol="0" anchor="t"/>
           <a:lstStyle/>
           <a:p>
-            <a:pPr algn="ctr"/>
+            <a:pPr algn="r"/>
             <a:r>
               <a:rPr lang="ko-KR" altLang="en-US" b="1" dirty="0">
                 <a:solidFill>
@@ -19692,10 +16249,10 @@
       </p:sp>
       <p:sp>
         <p:nvSpPr>
-          <p:cNvPr id="17" name="직사각형 16">
-            <a:extLst>
-              <a:ext uri="{FF2B5EF4-FFF2-40B4-BE49-F238E27FC236}">
-                <a16:creationId xmlns:a16="http://schemas.microsoft.com/office/drawing/2014/main" id="{645C034C-5ABF-CE03-D2FC-9119522751E9}"/>
+          <p:cNvPr id="10" name="직사각형 9">
+            <a:extLst>
+              <a:ext uri="{FF2B5EF4-FFF2-40B4-BE49-F238E27FC236}">
+                <a16:creationId xmlns:a16="http://schemas.microsoft.com/office/drawing/2014/main" id="{50BFCBE2-A4E0-C843-A4A9-007F9FD85648}"/>
               </a:ext>
             </a:extLst>
           </p:cNvPr>
@@ -19704,14 +16261,14 @@
         </p:nvSpPr>
         <p:spPr>
           <a:xfrm>
-            <a:off x="7489370" y="1458687"/>
-            <a:ext cx="2309053" cy="5151120"/>
+            <a:off x="173193" y="154948"/>
+            <a:ext cx="1854926" cy="783772"/>
           </a:xfrm>
           <a:prstGeom prst="rect">
             <a:avLst/>
           </a:prstGeom>
           <a:solidFill>
-            <a:srgbClr val="FFFFA7"/>
+            <a:srgbClr val="F6C6AD"/>
           </a:solidFill>
         </p:spPr>
         <p:style>
@@ -19734,40 +16291,103 @@
           <a:bodyPr rtlCol="0" anchor="ctr"/>
           <a:lstStyle/>
           <a:p>
-            <a:pPr algn="ctr"/>
-            <a:r>
-              <a:rPr lang="ko-KR" altLang="en-US" b="1" dirty="0">
+            <a:pPr algn="ctr">
+              <a:lnSpc>
+                <a:spcPct val="150000"/>
+              </a:lnSpc>
+            </a:pPr>
+            <a:r>
+              <a:rPr lang="ko-KR" altLang="en-US" sz="1000" b="1" dirty="0">
                 <a:solidFill>
                   <a:schemeClr val="tx1"/>
                 </a:solidFill>
               </a:rPr>
-              <a:t>커맨드</a:t>
-            </a:r>
-            <a:endParaRPr lang="en-US" altLang="ko-KR" b="1" dirty="0">
+              <a:t>몬스터 이름              </a:t>
+            </a:r>
+            <a:r>
+              <a:rPr lang="en-US" altLang="ko-KR" sz="1000" b="1" dirty="0">
+                <a:solidFill>
+                  <a:schemeClr val="tx1"/>
+                </a:solidFill>
+              </a:rPr>
+              <a:t>[</a:t>
+            </a:r>
+            <a:r>
+              <a:rPr lang="ko-KR" altLang="en-US" sz="1000" b="1" dirty="0">
+                <a:solidFill>
+                  <a:schemeClr val="tx1"/>
+                </a:solidFill>
+              </a:rPr>
+              <a:t>레벨</a:t>
+            </a:r>
+            <a:r>
+              <a:rPr lang="en-US" altLang="ko-KR" sz="1000" b="1" dirty="0">
+                <a:solidFill>
+                  <a:schemeClr val="tx1"/>
+                </a:solidFill>
+              </a:rPr>
+              <a:t>]</a:t>
+            </a:r>
+          </a:p>
+          <a:p>
+            <a:pPr>
+              <a:lnSpc>
+                <a:spcPct val="150000"/>
+              </a:lnSpc>
+            </a:pPr>
+            <a:r>
+              <a:rPr lang="en-US" altLang="ko-KR" sz="1000" b="1" dirty="0">
+                <a:solidFill>
+                  <a:schemeClr val="tx1"/>
+                </a:solidFill>
+              </a:rPr>
+              <a:t>HP</a:t>
+            </a:r>
+            <a:r>
+              <a:rPr lang="ko-KR" altLang="en-US" sz="1000" b="1" dirty="0">
+                <a:solidFill>
+                  <a:schemeClr val="tx1"/>
+                </a:solidFill>
+              </a:rPr>
+              <a:t> </a:t>
+            </a:r>
+            <a:r>
+              <a:rPr lang="en-US" altLang="ko-KR" sz="1000" b="1" dirty="0">
+                <a:solidFill>
+                  <a:schemeClr val="tx1"/>
+                </a:solidFill>
+              </a:rPr>
+              <a:t>0000/0000</a:t>
+            </a:r>
+          </a:p>
+          <a:p>
+            <a:pPr>
+              <a:lnSpc>
+                <a:spcPct val="150000"/>
+              </a:lnSpc>
+            </a:pPr>
+            <a:r>
+              <a:rPr lang="en-US" altLang="ko-KR" sz="1000" b="1" dirty="0">
+                <a:solidFill>
+                  <a:schemeClr val="tx1"/>
+                </a:solidFill>
+              </a:rPr>
+              <a:t>AP 00   BP: 00</a:t>
+            </a:r>
+            <a:endParaRPr lang="ko-KR" altLang="en-US" sz="1000" b="1" dirty="0">
               <a:solidFill>
                 <a:schemeClr val="tx1"/>
               </a:solidFill>
             </a:endParaRPr>
           </a:p>
-          <a:p>
-            <a:pPr algn="ctr"/>
-            <a:r>
-              <a:rPr lang="ko-KR" altLang="en-US" b="1" dirty="0">
-                <a:solidFill>
-                  <a:schemeClr val="tx1"/>
-                </a:solidFill>
-              </a:rPr>
-              <a:t>목록</a:t>
-            </a:r>
-          </a:p>
-        </p:txBody>
-      </p:sp>
-      <p:sp>
-        <p:nvSpPr>
-          <p:cNvPr id="10" name="직사각형 9">
-            <a:extLst>
-              <a:ext uri="{FF2B5EF4-FFF2-40B4-BE49-F238E27FC236}">
-                <a16:creationId xmlns:a16="http://schemas.microsoft.com/office/drawing/2014/main" id="{50BFCBE2-A4E0-C843-A4A9-007F9FD85648}"/>
+        </p:txBody>
+      </p:sp>
+      <p:sp>
+        <p:nvSpPr>
+          <p:cNvPr id="16" name="직사각형 15">
+            <a:extLst>
+              <a:ext uri="{FF2B5EF4-FFF2-40B4-BE49-F238E27FC236}">
+                <a16:creationId xmlns:a16="http://schemas.microsoft.com/office/drawing/2014/main" id="{2AF0F537-65D9-79B3-60CE-75525D8EA8E6}"/>
               </a:ext>
             </a:extLst>
           </p:cNvPr>
@@ -19776,14 +16396,17 @@
         </p:nvSpPr>
         <p:spPr>
           <a:xfrm>
-            <a:off x="304800" y="248194"/>
+            <a:off x="2269224" y="135509"/>
             <a:ext cx="1854926" cy="783772"/>
           </a:xfrm>
           <a:prstGeom prst="rect">
             <a:avLst/>
           </a:prstGeom>
           <a:solidFill>
-            <a:srgbClr val="F6C6AD"/>
+            <a:schemeClr val="accent2">
+              <a:lumMod val="40000"/>
+              <a:lumOff val="60000"/>
+            </a:schemeClr>
           </a:solidFill>
         </p:spPr>
         <p:style>
@@ -19806,90 +16429,24 @@
           <a:bodyPr rtlCol="0" anchor="ctr"/>
           <a:lstStyle/>
           <a:p>
-            <a:pPr algn="ctr">
-              <a:lnSpc>
-                <a:spcPct val="150000"/>
-              </a:lnSpc>
-            </a:pPr>
-            <a:r>
-              <a:rPr lang="ko-KR" altLang="en-US" sz="1000" b="1" dirty="0">
+            <a:pPr algn="ctr"/>
+            <a:r>
+              <a:rPr lang="ko-KR" altLang="en-US" b="1" dirty="0">
                 <a:solidFill>
                   <a:schemeClr val="tx1"/>
                 </a:solidFill>
               </a:rPr>
-              <a:t>몬스터 이름              </a:t>
-            </a:r>
-            <a:r>
-              <a:rPr lang="en-US" altLang="ko-KR" sz="1000" b="1" dirty="0">
+              <a:t>적</a:t>
+            </a:r>
+            <a:r>
+              <a:rPr lang="en-US" altLang="ko-KR" b="1" dirty="0">
                 <a:solidFill>
                   <a:schemeClr val="tx1"/>
                 </a:solidFill>
               </a:rPr>
-              <a:t>[</a:t>
-            </a:r>
-            <a:r>
-              <a:rPr lang="ko-KR" altLang="en-US" sz="1000" b="1" dirty="0">
-                <a:solidFill>
-                  <a:schemeClr val="tx1"/>
-                </a:solidFill>
-              </a:rPr>
-              <a:t>레벨</a:t>
-            </a:r>
-            <a:r>
-              <a:rPr lang="en-US" altLang="ko-KR" sz="1000" b="1" dirty="0">
-                <a:solidFill>
-                  <a:schemeClr val="tx1"/>
-                </a:solidFill>
-              </a:rPr>
-              <a:t>]</a:t>
-            </a:r>
-          </a:p>
-          <a:p>
-            <a:pPr>
-              <a:lnSpc>
-                <a:spcPct val="150000"/>
-              </a:lnSpc>
-            </a:pPr>
-            <a:r>
-              <a:rPr lang="en-US" altLang="ko-KR" sz="1000" b="1" dirty="0">
-                <a:solidFill>
-                  <a:schemeClr val="tx1"/>
-                </a:solidFill>
-              </a:rPr>
-              <a:t>HP</a:t>
-            </a:r>
-            <a:r>
-              <a:rPr lang="ko-KR" altLang="en-US" sz="1000" b="1" dirty="0">
-                <a:solidFill>
-                  <a:schemeClr val="tx1"/>
-                </a:solidFill>
-              </a:rPr>
-              <a:t> </a:t>
-            </a:r>
-            <a:r>
-              <a:rPr lang="en-US" altLang="ko-KR" sz="1000" b="1" dirty="0">
-                <a:solidFill>
-                  <a:schemeClr val="tx1"/>
-                </a:solidFill>
-              </a:rPr>
-              <a:t>0000/0000</a:t>
-            </a:r>
-          </a:p>
-          <a:p>
-            <a:pPr>
-              <a:lnSpc>
-                <a:spcPct val="150000"/>
-              </a:lnSpc>
-            </a:pPr>
-            <a:r>
-              <a:rPr lang="en-US" altLang="ko-KR" sz="1000" b="1" dirty="0">
-                <a:solidFill>
-                  <a:schemeClr val="tx1"/>
-                </a:solidFill>
-              </a:rPr>
-              <a:t>AP 00   BP: 00</a:t>
-            </a:r>
-            <a:endParaRPr lang="ko-KR" altLang="en-US" sz="1000" b="1" dirty="0">
+              <a:t>2</a:t>
+            </a:r>
+            <a:endParaRPr lang="ko-KR" altLang="en-US" b="1" dirty="0">
               <a:solidFill>
                 <a:schemeClr val="tx1"/>
               </a:solidFill>
@@ -19899,266 +16456,27 @@
       </p:sp>
       <p:sp>
         <p:nvSpPr>
-          <p:cNvPr id="21" name="TextBox 20">
-            <a:extLst>
-              <a:ext uri="{FF2B5EF4-FFF2-40B4-BE49-F238E27FC236}">
-                <a16:creationId xmlns:a16="http://schemas.microsoft.com/office/drawing/2014/main" id="{2D40771F-67DA-9AAD-0C62-D601D4206760}"/>
-              </a:ext>
-            </a:extLst>
-          </p:cNvPr>
-          <p:cNvSpPr txBox="1"/>
+          <p:cNvPr id="18" name="직사각형 17">
+            <a:extLst>
+              <a:ext uri="{FF2B5EF4-FFF2-40B4-BE49-F238E27FC236}">
+                <a16:creationId xmlns:a16="http://schemas.microsoft.com/office/drawing/2014/main" id="{C8DC450A-E72A-93E3-5078-A263F3902418}"/>
+              </a:ext>
+            </a:extLst>
+          </p:cNvPr>
+          <p:cNvSpPr/>
           <p:nvPr/>
         </p:nvSpPr>
         <p:spPr>
           <a:xfrm>
-            <a:off x="7598356" y="4841965"/>
-            <a:ext cx="1508746" cy="1620380"/>
+            <a:off x="10154193" y="131893"/>
+            <a:ext cx="1854927" cy="783772"/>
           </a:xfrm>
           <a:prstGeom prst="rect">
             <a:avLst/>
           </a:prstGeom>
-          <a:noFill/>
-        </p:spPr>
-        <p:txBody>
-          <a:bodyPr wrap="none" rtlCol="0">
-            <a:spAutoFit/>
-          </a:bodyPr>
-          <a:lstStyle/>
-          <a:p>
-            <a:pPr>
-              <a:lnSpc>
-                <a:spcPct val="150000"/>
-              </a:lnSpc>
-            </a:pPr>
-            <a:r>
-              <a:rPr lang="ko-KR" altLang="en-US" dirty="0"/>
-              <a:t>액션 </a:t>
-            </a:r>
-            <a:r>
-              <a:rPr lang="en-US" altLang="ko-KR" dirty="0"/>
-              <a:t>1</a:t>
-            </a:r>
-          </a:p>
-          <a:p>
-            <a:pPr>
-              <a:lnSpc>
-                <a:spcPct val="150000"/>
-              </a:lnSpc>
-            </a:pPr>
-            <a:r>
-              <a:rPr lang="ko-KR" altLang="en-US" dirty="0"/>
-              <a:t>▶ 액션 </a:t>
-            </a:r>
-            <a:r>
-              <a:rPr lang="en-US" altLang="ko-KR" dirty="0"/>
-              <a:t>2</a:t>
-            </a:r>
-          </a:p>
-          <a:p>
-            <a:pPr>
-              <a:lnSpc>
-                <a:spcPct val="150000"/>
-              </a:lnSpc>
-            </a:pPr>
-            <a:r>
-              <a:rPr lang="ko-KR" altLang="en-US" dirty="0"/>
-              <a:t>액션 </a:t>
-            </a:r>
-            <a:r>
-              <a:rPr lang="en-US" altLang="ko-KR" dirty="0"/>
-              <a:t>3</a:t>
-            </a:r>
-          </a:p>
-          <a:p>
-            <a:pPr>
-              <a:lnSpc>
-                <a:spcPct val="150000"/>
-              </a:lnSpc>
-            </a:pPr>
-            <a:r>
-              <a:rPr lang="en-US" altLang="ko-KR" sz="1400" dirty="0"/>
-              <a:t>Z: OK  X: </a:t>
-            </a:r>
-            <a:r>
-              <a:rPr lang="en-US" altLang="ko-KR" sz="1400" dirty="0" err="1"/>
-              <a:t>Cancle</a:t>
-            </a:r>
-            <a:endParaRPr lang="en-US" altLang="ko-KR" sz="1400" dirty="0"/>
-          </a:p>
-        </p:txBody>
-      </p:sp>
-      <p:sp>
-        <p:nvSpPr>
-          <p:cNvPr id="2" name="TextBox 1">
-            <a:extLst>
-              <a:ext uri="{FF2B5EF4-FFF2-40B4-BE49-F238E27FC236}">
-                <a16:creationId xmlns:a16="http://schemas.microsoft.com/office/drawing/2014/main" id="{A291DA4C-19B6-DFA2-CCFA-81131F7A1A56}"/>
-              </a:ext>
-            </a:extLst>
-          </p:cNvPr>
-          <p:cNvSpPr txBox="1"/>
-          <p:nvPr/>
-        </p:nvSpPr>
-        <p:spPr>
-          <a:xfrm>
-            <a:off x="2736667" y="104503"/>
-            <a:ext cx="415498" cy="369332"/>
-          </a:xfrm>
-          <a:prstGeom prst="rect">
-            <a:avLst/>
-          </a:prstGeom>
-          <a:noFill/>
-        </p:spPr>
-        <p:txBody>
-          <a:bodyPr wrap="none" rtlCol="0">
-            <a:spAutoFit/>
-          </a:bodyPr>
-          <a:lstStyle/>
-          <a:p>
-            <a:r>
-              <a:rPr lang="ko-KR" altLang="en-US" dirty="0">
-                <a:solidFill>
-                  <a:schemeClr val="bg1"/>
-                </a:solidFill>
-              </a:rPr>
-              <a:t>←</a:t>
-            </a:r>
-          </a:p>
-        </p:txBody>
-      </p:sp>
-      <p:sp>
-        <p:nvSpPr>
-          <p:cNvPr id="3" name="TextBox 2">
-            <a:extLst>
-              <a:ext uri="{FF2B5EF4-FFF2-40B4-BE49-F238E27FC236}">
-                <a16:creationId xmlns:a16="http://schemas.microsoft.com/office/drawing/2014/main" id="{3BDF0678-9089-A017-3CC3-3C90AE3722E3}"/>
-              </a:ext>
-            </a:extLst>
-          </p:cNvPr>
-          <p:cNvSpPr txBox="1"/>
-          <p:nvPr/>
-        </p:nvSpPr>
-        <p:spPr>
-          <a:xfrm>
-            <a:off x="4176096" y="104503"/>
-            <a:ext cx="404278" cy="369332"/>
-          </a:xfrm>
-          <a:prstGeom prst="rect">
-            <a:avLst/>
-          </a:prstGeom>
-          <a:noFill/>
-        </p:spPr>
-        <p:txBody>
-          <a:bodyPr wrap="none" rtlCol="0">
-            <a:spAutoFit/>
-          </a:bodyPr>
-          <a:lstStyle/>
-          <a:p>
-            <a:r>
-              <a:rPr lang="ko-KR" altLang="en-US" dirty="0">
-                <a:solidFill>
-                  <a:schemeClr val="bg1"/>
-                </a:solidFill>
-              </a:rPr>
-              <a:t>→</a:t>
-            </a:r>
-          </a:p>
-        </p:txBody>
-      </p:sp>
-      <p:sp>
-        <p:nvSpPr>
-          <p:cNvPr id="13" name="TextBox 12">
-            <a:extLst>
-              <a:ext uri="{FF2B5EF4-FFF2-40B4-BE49-F238E27FC236}">
-                <a16:creationId xmlns:a16="http://schemas.microsoft.com/office/drawing/2014/main" id="{4B727E06-E935-66E5-17AD-12EC7E5C276A}"/>
-              </a:ext>
-            </a:extLst>
-          </p:cNvPr>
-          <p:cNvSpPr txBox="1"/>
-          <p:nvPr/>
-        </p:nvSpPr>
-        <p:spPr>
-          <a:xfrm>
-            <a:off x="8908063" y="4881044"/>
-            <a:ext cx="415498" cy="369332"/>
-          </a:xfrm>
-          <a:prstGeom prst="rect">
-            <a:avLst/>
-          </a:prstGeom>
-          <a:noFill/>
-        </p:spPr>
-        <p:txBody>
-          <a:bodyPr wrap="none" rtlCol="0">
-            <a:spAutoFit/>
-          </a:bodyPr>
-          <a:lstStyle/>
-          <a:p>
-            <a:r>
-              <a:rPr lang="ko-KR" altLang="en-US" dirty="0"/>
-              <a:t>↑</a:t>
-            </a:r>
-          </a:p>
-        </p:txBody>
-      </p:sp>
-      <p:sp>
-        <p:nvSpPr>
-          <p:cNvPr id="22" name="TextBox 21">
-            <a:extLst>
-              <a:ext uri="{FF2B5EF4-FFF2-40B4-BE49-F238E27FC236}">
-                <a16:creationId xmlns:a16="http://schemas.microsoft.com/office/drawing/2014/main" id="{6D358574-E9B8-A1A4-39AB-BB99C327845F}"/>
-              </a:ext>
-            </a:extLst>
-          </p:cNvPr>
-          <p:cNvSpPr txBox="1"/>
-          <p:nvPr/>
-        </p:nvSpPr>
-        <p:spPr>
-          <a:xfrm>
-            <a:off x="8899353" y="5745425"/>
-            <a:ext cx="415498" cy="369332"/>
-          </a:xfrm>
-          <a:prstGeom prst="rect">
-            <a:avLst/>
-          </a:prstGeom>
-          <a:noFill/>
-        </p:spPr>
-        <p:txBody>
-          <a:bodyPr wrap="none" rtlCol="0">
-            <a:spAutoFit/>
-          </a:bodyPr>
-          <a:lstStyle/>
-          <a:p>
-            <a:r>
-              <a:rPr lang="ko-KR" altLang="en-US" dirty="0"/>
-              <a:t>↓</a:t>
-            </a:r>
-          </a:p>
-        </p:txBody>
-      </p:sp>
-      <p:sp>
-        <p:nvSpPr>
-          <p:cNvPr id="16" name="직사각형 15">
-            <a:extLst>
-              <a:ext uri="{FF2B5EF4-FFF2-40B4-BE49-F238E27FC236}">
-                <a16:creationId xmlns:a16="http://schemas.microsoft.com/office/drawing/2014/main" id="{2AF0F537-65D9-79B3-60CE-75525D8EA8E6}"/>
-              </a:ext>
-            </a:extLst>
-          </p:cNvPr>
-          <p:cNvSpPr/>
-          <p:nvPr/>
-        </p:nvSpPr>
-        <p:spPr>
-          <a:xfrm>
-            <a:off x="2736669" y="473835"/>
-            <a:ext cx="1854926" cy="783772"/>
-          </a:xfrm>
-          <a:prstGeom prst="rect">
-            <a:avLst/>
-          </a:prstGeom>
           <a:solidFill>
-            <a:schemeClr val="accent2">
-              <a:lumMod val="40000"/>
-              <a:lumOff val="60000"/>
+            <a:schemeClr val="bg1">
+              <a:lumMod val="85000"/>
             </a:schemeClr>
           </a:solidFill>
         </p:spPr>
@@ -20184,35 +16502,750 @@
           <a:p>
             <a:pPr algn="ctr"/>
             <a:r>
-              <a:rPr lang="ko-KR" altLang="en-US" b="1" dirty="0">
+              <a:rPr lang="ko-KR" altLang="en-US" sz="2000" b="1" dirty="0">
                 <a:solidFill>
                   <a:schemeClr val="tx1"/>
                 </a:solidFill>
               </a:rPr>
-              <a:t>적</a:t>
-            </a:r>
-            <a:r>
-              <a:rPr lang="en-US" altLang="ko-KR" b="1" dirty="0">
-                <a:solidFill>
-                  <a:schemeClr val="tx1"/>
-                </a:solidFill>
-              </a:rPr>
-              <a:t>2</a:t>
-            </a:r>
-            <a:endParaRPr lang="ko-KR" altLang="en-US" b="1" dirty="0">
+              <a:t>던전 이름</a:t>
+            </a:r>
+            <a:endParaRPr lang="en-US" altLang="ko-KR" sz="2000" b="1" dirty="0">
               <a:solidFill>
                 <a:schemeClr val="tx1"/>
               </a:solidFill>
             </a:endParaRPr>
           </a:p>
-        </p:txBody>
-      </p:sp>
-      <p:sp>
-        <p:nvSpPr>
-          <p:cNvPr id="18" name="직사각형 17">
-            <a:extLst>
-              <a:ext uri="{FF2B5EF4-FFF2-40B4-BE49-F238E27FC236}">
-                <a16:creationId xmlns:a16="http://schemas.microsoft.com/office/drawing/2014/main" id="{C8DC450A-E72A-93E3-5078-A263F3902418}"/>
+          <a:p>
+            <a:pPr algn="ctr"/>
+            <a:endParaRPr lang="en-US" altLang="ko-KR" sz="1200" b="1" dirty="0">
+              <a:solidFill>
+                <a:schemeClr val="tx1"/>
+              </a:solidFill>
+            </a:endParaRPr>
+          </a:p>
+          <a:p>
+            <a:pPr algn="ctr"/>
+            <a:r>
+              <a:rPr lang="ko-KR" altLang="en-US" sz="1200" b="1" dirty="0">
+                <a:solidFill>
+                  <a:schemeClr val="tx1"/>
+                </a:solidFill>
+              </a:rPr>
+              <a:t>현재 행동 팀</a:t>
+            </a:r>
+          </a:p>
+        </p:txBody>
+      </p:sp>
+      <p:sp>
+        <p:nvSpPr>
+          <p:cNvPr id="12" name="TextBox 11">
+            <a:extLst>
+              <a:ext uri="{FF2B5EF4-FFF2-40B4-BE49-F238E27FC236}">
+                <a16:creationId xmlns:a16="http://schemas.microsoft.com/office/drawing/2014/main" id="{153BF52D-21A0-EE1A-ACD2-6E03BB8F3712}"/>
+              </a:ext>
+            </a:extLst>
+          </p:cNvPr>
+          <p:cNvSpPr txBox="1"/>
+          <p:nvPr/>
+        </p:nvSpPr>
+        <p:spPr>
+          <a:xfrm>
+            <a:off x="201961" y="1178233"/>
+            <a:ext cx="5564344" cy="923330"/>
+          </a:xfrm>
+          <a:prstGeom prst="rect">
+            <a:avLst/>
+          </a:prstGeom>
+          <a:noFill/>
+        </p:spPr>
+        <p:txBody>
+          <a:bodyPr wrap="none" rtlCol="0">
+            <a:spAutoFit/>
+          </a:bodyPr>
+          <a:lstStyle/>
+          <a:p>
+            <a:r>
+              <a:rPr lang="en-US" altLang="ko-KR" dirty="0"/>
+              <a:t>[</a:t>
+            </a:r>
+            <a:r>
+              <a:rPr lang="ko-KR" altLang="en-US" dirty="0"/>
+              <a:t>몬스터</a:t>
+            </a:r>
+            <a:r>
+              <a:rPr lang="en-US" altLang="ko-KR" dirty="0"/>
+              <a:t>1]</a:t>
+            </a:r>
+            <a:r>
+              <a:rPr lang="ko-KR" altLang="en-US" dirty="0"/>
+              <a:t>이</a:t>
+            </a:r>
+            <a:r>
+              <a:rPr lang="en-US" altLang="ko-KR" dirty="0"/>
+              <a:t>(</a:t>
+            </a:r>
+            <a:r>
+              <a:rPr lang="ko-KR" altLang="en-US" dirty="0"/>
+              <a:t>가</a:t>
+            </a:r>
+            <a:r>
+              <a:rPr lang="en-US" altLang="ko-KR" dirty="0"/>
+              <a:t>) [</a:t>
+            </a:r>
+            <a:r>
+              <a:rPr lang="ko-KR" altLang="en-US" dirty="0"/>
+              <a:t>사용 스킬</a:t>
+            </a:r>
+            <a:r>
+              <a:rPr lang="en-US" altLang="ko-KR" dirty="0"/>
+              <a:t>]</a:t>
+            </a:r>
+            <a:r>
+              <a:rPr lang="ko-KR" altLang="en-US" dirty="0"/>
+              <a:t>을</a:t>
+            </a:r>
+            <a:r>
+              <a:rPr lang="en-US" altLang="ko-KR" dirty="0"/>
+              <a:t>(</a:t>
+            </a:r>
+            <a:r>
+              <a:rPr lang="ko-KR" altLang="en-US" dirty="0"/>
+              <a:t>를</a:t>
+            </a:r>
+            <a:r>
+              <a:rPr lang="en-US" altLang="ko-KR" dirty="0"/>
+              <a:t>) </a:t>
+            </a:r>
+            <a:r>
+              <a:rPr lang="ko-KR" altLang="en-US" dirty="0"/>
+              <a:t>사용하였다</a:t>
+            </a:r>
+            <a:r>
+              <a:rPr lang="en-US" altLang="ko-KR" dirty="0"/>
+              <a:t>!</a:t>
+            </a:r>
+          </a:p>
+          <a:p>
+            <a:r>
+              <a:rPr lang="en-US" altLang="ko-KR" dirty="0"/>
+              <a:t>[</a:t>
+            </a:r>
+            <a:r>
+              <a:rPr lang="ko-KR" altLang="en-US" dirty="0"/>
+              <a:t>플레이어</a:t>
+            </a:r>
+            <a:r>
+              <a:rPr lang="en-US" altLang="ko-KR" dirty="0"/>
+              <a:t>]</a:t>
+            </a:r>
+            <a:r>
+              <a:rPr lang="ko-KR" altLang="en-US" dirty="0"/>
+              <a:t>에게 </a:t>
+            </a:r>
+            <a:r>
+              <a:rPr lang="en-US" altLang="ko-KR" dirty="0"/>
+              <a:t>[</a:t>
+            </a:r>
+            <a:r>
+              <a:rPr lang="ko-KR" altLang="en-US" dirty="0"/>
+              <a:t>데미지</a:t>
+            </a:r>
+            <a:r>
+              <a:rPr lang="en-US" altLang="ko-KR" dirty="0"/>
+              <a:t>]</a:t>
+            </a:r>
+            <a:r>
+              <a:rPr lang="ko-KR" altLang="en-US" dirty="0"/>
+              <a:t>의 피해를 입혔다</a:t>
+            </a:r>
+            <a:r>
+              <a:rPr lang="en-US" altLang="ko-KR" dirty="0"/>
+              <a:t>.</a:t>
+            </a:r>
+          </a:p>
+          <a:p>
+            <a:r>
+              <a:rPr lang="en-US" altLang="ko-KR" dirty="0"/>
+              <a:t>[</a:t>
+            </a:r>
+            <a:r>
+              <a:rPr lang="ko-KR" altLang="en-US" dirty="0"/>
+              <a:t>플레이어가</a:t>
+            </a:r>
+            <a:r>
+              <a:rPr lang="en-US" altLang="ko-KR" dirty="0"/>
+              <a:t>] [</a:t>
+            </a:r>
+            <a:r>
+              <a:rPr lang="ko-KR" altLang="en-US" dirty="0"/>
+              <a:t>효과</a:t>
+            </a:r>
+            <a:r>
+              <a:rPr lang="en-US" altLang="ko-KR" dirty="0"/>
+              <a:t>1], [</a:t>
+            </a:r>
+            <a:r>
+              <a:rPr lang="ko-KR" altLang="en-US" dirty="0"/>
+              <a:t>효과</a:t>
+            </a:r>
+            <a:r>
+              <a:rPr lang="en-US" altLang="ko-KR" dirty="0"/>
+              <a:t>2], [</a:t>
+            </a:r>
+            <a:r>
+              <a:rPr lang="ko-KR" altLang="en-US" dirty="0"/>
+              <a:t>효과</a:t>
+            </a:r>
+            <a:r>
+              <a:rPr lang="en-US" altLang="ko-KR" dirty="0"/>
+              <a:t>3]</a:t>
+            </a:r>
+            <a:r>
+              <a:rPr lang="ko-KR" altLang="en-US" dirty="0"/>
+              <a:t> 효과를 받았다</a:t>
+            </a:r>
+            <a:r>
+              <a:rPr lang="en-US" altLang="ko-KR" dirty="0"/>
+              <a:t>.</a:t>
+            </a:r>
+            <a:endParaRPr lang="ko-KR" altLang="en-US" dirty="0"/>
+          </a:p>
+        </p:txBody>
+      </p:sp>
+      <p:sp>
+        <p:nvSpPr>
+          <p:cNvPr id="19" name="TextBox 18">
+            <a:extLst>
+              <a:ext uri="{FF2B5EF4-FFF2-40B4-BE49-F238E27FC236}">
+                <a16:creationId xmlns:a16="http://schemas.microsoft.com/office/drawing/2014/main" id="{1FB1290A-5FE5-D16A-AFA7-C22608B2FEDC}"/>
+              </a:ext>
+            </a:extLst>
+          </p:cNvPr>
+          <p:cNvSpPr txBox="1"/>
+          <p:nvPr/>
+        </p:nvSpPr>
+        <p:spPr>
+          <a:xfrm>
+            <a:off x="201961" y="2181982"/>
+            <a:ext cx="5564344" cy="923330"/>
+          </a:xfrm>
+          <a:prstGeom prst="rect">
+            <a:avLst/>
+          </a:prstGeom>
+          <a:noFill/>
+        </p:spPr>
+        <p:txBody>
+          <a:bodyPr wrap="none" rtlCol="0">
+            <a:spAutoFit/>
+          </a:bodyPr>
+          <a:lstStyle/>
+          <a:p>
+            <a:r>
+              <a:rPr lang="en-US" altLang="ko-KR" dirty="0"/>
+              <a:t>[</a:t>
+            </a:r>
+            <a:r>
+              <a:rPr lang="ko-KR" altLang="en-US" dirty="0"/>
+              <a:t>몬스터</a:t>
+            </a:r>
+            <a:r>
+              <a:rPr lang="en-US" altLang="ko-KR" dirty="0"/>
+              <a:t>1]</a:t>
+            </a:r>
+            <a:r>
+              <a:rPr lang="ko-KR" altLang="en-US" dirty="0"/>
+              <a:t>이</a:t>
+            </a:r>
+            <a:r>
+              <a:rPr lang="en-US" altLang="ko-KR" dirty="0"/>
+              <a:t>(</a:t>
+            </a:r>
+            <a:r>
+              <a:rPr lang="ko-KR" altLang="en-US" dirty="0"/>
+              <a:t>가</a:t>
+            </a:r>
+            <a:r>
+              <a:rPr lang="en-US" altLang="ko-KR" dirty="0"/>
+              <a:t>) [</a:t>
+            </a:r>
+            <a:r>
+              <a:rPr lang="ko-KR" altLang="en-US" dirty="0"/>
+              <a:t>사용 스킬</a:t>
+            </a:r>
+            <a:r>
+              <a:rPr lang="en-US" altLang="ko-KR" dirty="0"/>
+              <a:t>]</a:t>
+            </a:r>
+            <a:r>
+              <a:rPr lang="ko-KR" altLang="en-US" dirty="0"/>
+              <a:t>을</a:t>
+            </a:r>
+            <a:r>
+              <a:rPr lang="en-US" altLang="ko-KR" dirty="0"/>
+              <a:t>(</a:t>
+            </a:r>
+            <a:r>
+              <a:rPr lang="ko-KR" altLang="en-US" dirty="0"/>
+              <a:t>를</a:t>
+            </a:r>
+            <a:r>
+              <a:rPr lang="en-US" altLang="ko-KR" dirty="0"/>
+              <a:t>) </a:t>
+            </a:r>
+            <a:r>
+              <a:rPr lang="ko-KR" altLang="en-US" dirty="0"/>
+              <a:t>사용하였다</a:t>
+            </a:r>
+            <a:r>
+              <a:rPr lang="en-US" altLang="ko-KR" dirty="0"/>
+              <a:t>!</a:t>
+            </a:r>
+          </a:p>
+          <a:p>
+            <a:r>
+              <a:rPr lang="en-US" altLang="ko-KR" dirty="0"/>
+              <a:t>[</a:t>
+            </a:r>
+            <a:r>
+              <a:rPr lang="ko-KR" altLang="en-US" dirty="0"/>
+              <a:t>플레이어</a:t>
+            </a:r>
+            <a:r>
+              <a:rPr lang="en-US" altLang="ko-KR" dirty="0"/>
+              <a:t>]</a:t>
+            </a:r>
+            <a:r>
+              <a:rPr lang="ko-KR" altLang="en-US" dirty="0"/>
+              <a:t>에게 </a:t>
+            </a:r>
+            <a:r>
+              <a:rPr lang="en-US" altLang="ko-KR" dirty="0"/>
+              <a:t>[</a:t>
+            </a:r>
+            <a:r>
+              <a:rPr lang="ko-KR" altLang="en-US" dirty="0"/>
+              <a:t>데미지</a:t>
+            </a:r>
+            <a:r>
+              <a:rPr lang="en-US" altLang="ko-KR" dirty="0"/>
+              <a:t>]</a:t>
+            </a:r>
+            <a:r>
+              <a:rPr lang="ko-KR" altLang="en-US" dirty="0"/>
+              <a:t>의 피해를 입혔다</a:t>
+            </a:r>
+            <a:r>
+              <a:rPr lang="en-US" altLang="ko-KR" dirty="0"/>
+              <a:t>.</a:t>
+            </a:r>
+          </a:p>
+          <a:p>
+            <a:r>
+              <a:rPr lang="en-US" altLang="ko-KR" dirty="0"/>
+              <a:t>[</a:t>
+            </a:r>
+            <a:r>
+              <a:rPr lang="ko-KR" altLang="en-US" dirty="0"/>
+              <a:t>플레이어가</a:t>
+            </a:r>
+            <a:r>
+              <a:rPr lang="en-US" altLang="ko-KR" dirty="0"/>
+              <a:t>] [</a:t>
+            </a:r>
+            <a:r>
+              <a:rPr lang="ko-KR" altLang="en-US" dirty="0"/>
+              <a:t>효과</a:t>
+            </a:r>
+            <a:r>
+              <a:rPr lang="en-US" altLang="ko-KR" dirty="0"/>
+              <a:t>1], [</a:t>
+            </a:r>
+            <a:r>
+              <a:rPr lang="ko-KR" altLang="en-US" dirty="0"/>
+              <a:t>효과</a:t>
+            </a:r>
+            <a:r>
+              <a:rPr lang="en-US" altLang="ko-KR" dirty="0"/>
+              <a:t>2], [</a:t>
+            </a:r>
+            <a:r>
+              <a:rPr lang="ko-KR" altLang="en-US" dirty="0"/>
+              <a:t>효과</a:t>
+            </a:r>
+            <a:r>
+              <a:rPr lang="en-US" altLang="ko-KR" dirty="0"/>
+              <a:t>3]</a:t>
+            </a:r>
+            <a:r>
+              <a:rPr lang="ko-KR" altLang="en-US" dirty="0"/>
+              <a:t> 효과를 받았다</a:t>
+            </a:r>
+            <a:r>
+              <a:rPr lang="en-US" altLang="ko-KR" dirty="0"/>
+              <a:t>.</a:t>
+            </a:r>
+            <a:endParaRPr lang="ko-KR" altLang="en-US" dirty="0"/>
+          </a:p>
+        </p:txBody>
+      </p:sp>
+      <p:sp>
+        <p:nvSpPr>
+          <p:cNvPr id="20" name="TextBox 19">
+            <a:extLst>
+              <a:ext uri="{FF2B5EF4-FFF2-40B4-BE49-F238E27FC236}">
+                <a16:creationId xmlns:a16="http://schemas.microsoft.com/office/drawing/2014/main" id="{8BF7B36C-6E23-B9A0-73F5-20B6DA284B93}"/>
+              </a:ext>
+            </a:extLst>
+          </p:cNvPr>
+          <p:cNvSpPr txBox="1"/>
+          <p:nvPr/>
+        </p:nvSpPr>
+        <p:spPr>
+          <a:xfrm>
+            <a:off x="201961" y="3185731"/>
+            <a:ext cx="5564344" cy="923330"/>
+          </a:xfrm>
+          <a:prstGeom prst="rect">
+            <a:avLst/>
+          </a:prstGeom>
+          <a:noFill/>
+        </p:spPr>
+        <p:txBody>
+          <a:bodyPr wrap="none" rtlCol="0">
+            <a:spAutoFit/>
+          </a:bodyPr>
+          <a:lstStyle/>
+          <a:p>
+            <a:r>
+              <a:rPr lang="en-US" altLang="ko-KR" dirty="0"/>
+              <a:t>[</a:t>
+            </a:r>
+            <a:r>
+              <a:rPr lang="ko-KR" altLang="en-US" dirty="0"/>
+              <a:t>몬스터</a:t>
+            </a:r>
+            <a:r>
+              <a:rPr lang="en-US" altLang="ko-KR" dirty="0"/>
+              <a:t>1]</a:t>
+            </a:r>
+            <a:r>
+              <a:rPr lang="ko-KR" altLang="en-US" dirty="0"/>
+              <a:t>이</a:t>
+            </a:r>
+            <a:r>
+              <a:rPr lang="en-US" altLang="ko-KR" dirty="0"/>
+              <a:t>(</a:t>
+            </a:r>
+            <a:r>
+              <a:rPr lang="ko-KR" altLang="en-US" dirty="0"/>
+              <a:t>가</a:t>
+            </a:r>
+            <a:r>
+              <a:rPr lang="en-US" altLang="ko-KR" dirty="0"/>
+              <a:t>) [</a:t>
+            </a:r>
+            <a:r>
+              <a:rPr lang="ko-KR" altLang="en-US" dirty="0"/>
+              <a:t>사용 스킬</a:t>
+            </a:r>
+            <a:r>
+              <a:rPr lang="en-US" altLang="ko-KR" dirty="0"/>
+              <a:t>]</a:t>
+            </a:r>
+            <a:r>
+              <a:rPr lang="ko-KR" altLang="en-US" dirty="0"/>
+              <a:t>을</a:t>
+            </a:r>
+            <a:r>
+              <a:rPr lang="en-US" altLang="ko-KR" dirty="0"/>
+              <a:t>(</a:t>
+            </a:r>
+            <a:r>
+              <a:rPr lang="ko-KR" altLang="en-US" dirty="0"/>
+              <a:t>를</a:t>
+            </a:r>
+            <a:r>
+              <a:rPr lang="en-US" altLang="ko-KR" dirty="0"/>
+              <a:t>) </a:t>
+            </a:r>
+            <a:r>
+              <a:rPr lang="ko-KR" altLang="en-US" dirty="0"/>
+              <a:t>사용하였다</a:t>
+            </a:r>
+            <a:r>
+              <a:rPr lang="en-US" altLang="ko-KR" dirty="0"/>
+              <a:t>!</a:t>
+            </a:r>
+          </a:p>
+          <a:p>
+            <a:r>
+              <a:rPr lang="en-US" altLang="ko-KR" dirty="0"/>
+              <a:t>[</a:t>
+            </a:r>
+            <a:r>
+              <a:rPr lang="ko-KR" altLang="en-US" dirty="0"/>
+              <a:t>플레이어</a:t>
+            </a:r>
+            <a:r>
+              <a:rPr lang="en-US" altLang="ko-KR" dirty="0"/>
+              <a:t>]</a:t>
+            </a:r>
+            <a:r>
+              <a:rPr lang="ko-KR" altLang="en-US" dirty="0"/>
+              <a:t>에게 </a:t>
+            </a:r>
+            <a:r>
+              <a:rPr lang="en-US" altLang="ko-KR" dirty="0"/>
+              <a:t>[</a:t>
+            </a:r>
+            <a:r>
+              <a:rPr lang="ko-KR" altLang="en-US" dirty="0"/>
+              <a:t>데미지</a:t>
+            </a:r>
+            <a:r>
+              <a:rPr lang="en-US" altLang="ko-KR" dirty="0"/>
+              <a:t>]</a:t>
+            </a:r>
+            <a:r>
+              <a:rPr lang="ko-KR" altLang="en-US" dirty="0"/>
+              <a:t>의 피해를 입혔다</a:t>
+            </a:r>
+            <a:r>
+              <a:rPr lang="en-US" altLang="ko-KR" dirty="0"/>
+              <a:t>.</a:t>
+            </a:r>
+          </a:p>
+          <a:p>
+            <a:r>
+              <a:rPr lang="en-US" altLang="ko-KR" dirty="0"/>
+              <a:t>[</a:t>
+            </a:r>
+            <a:r>
+              <a:rPr lang="ko-KR" altLang="en-US" dirty="0"/>
+              <a:t>플레이어가</a:t>
+            </a:r>
+            <a:r>
+              <a:rPr lang="en-US" altLang="ko-KR" dirty="0"/>
+              <a:t>] [</a:t>
+            </a:r>
+            <a:r>
+              <a:rPr lang="ko-KR" altLang="en-US" dirty="0"/>
+              <a:t>효과</a:t>
+            </a:r>
+            <a:r>
+              <a:rPr lang="en-US" altLang="ko-KR" dirty="0"/>
+              <a:t>1], [</a:t>
+            </a:r>
+            <a:r>
+              <a:rPr lang="ko-KR" altLang="en-US" dirty="0"/>
+              <a:t>효과</a:t>
+            </a:r>
+            <a:r>
+              <a:rPr lang="en-US" altLang="ko-KR" dirty="0"/>
+              <a:t>2], [</a:t>
+            </a:r>
+            <a:r>
+              <a:rPr lang="ko-KR" altLang="en-US" dirty="0"/>
+              <a:t>효과</a:t>
+            </a:r>
+            <a:r>
+              <a:rPr lang="en-US" altLang="ko-KR" dirty="0"/>
+              <a:t>3]</a:t>
+            </a:r>
+            <a:r>
+              <a:rPr lang="ko-KR" altLang="en-US" dirty="0"/>
+              <a:t> 효과를 받았다</a:t>
+            </a:r>
+            <a:r>
+              <a:rPr lang="en-US" altLang="ko-KR" dirty="0"/>
+              <a:t>.</a:t>
+            </a:r>
+            <a:endParaRPr lang="ko-KR" altLang="en-US" dirty="0"/>
+          </a:p>
+        </p:txBody>
+      </p:sp>
+      <p:sp>
+        <p:nvSpPr>
+          <p:cNvPr id="23" name="TextBox 22">
+            <a:extLst>
+              <a:ext uri="{FF2B5EF4-FFF2-40B4-BE49-F238E27FC236}">
+                <a16:creationId xmlns:a16="http://schemas.microsoft.com/office/drawing/2014/main" id="{B0A48901-C595-567D-AC1C-B00A776C5B17}"/>
+              </a:ext>
+            </a:extLst>
+          </p:cNvPr>
+          <p:cNvSpPr txBox="1"/>
+          <p:nvPr/>
+        </p:nvSpPr>
+        <p:spPr>
+          <a:xfrm>
+            <a:off x="201961" y="4189480"/>
+            <a:ext cx="5564344" cy="923330"/>
+          </a:xfrm>
+          <a:prstGeom prst="rect">
+            <a:avLst/>
+          </a:prstGeom>
+          <a:noFill/>
+        </p:spPr>
+        <p:txBody>
+          <a:bodyPr wrap="none" rtlCol="0">
+            <a:spAutoFit/>
+          </a:bodyPr>
+          <a:lstStyle/>
+          <a:p>
+            <a:r>
+              <a:rPr lang="en-US" altLang="ko-KR" dirty="0"/>
+              <a:t>[</a:t>
+            </a:r>
+            <a:r>
+              <a:rPr lang="ko-KR" altLang="en-US" dirty="0"/>
+              <a:t>몬스터</a:t>
+            </a:r>
+            <a:r>
+              <a:rPr lang="en-US" altLang="ko-KR" dirty="0"/>
+              <a:t>1]</a:t>
+            </a:r>
+            <a:r>
+              <a:rPr lang="ko-KR" altLang="en-US" dirty="0"/>
+              <a:t>이</a:t>
+            </a:r>
+            <a:r>
+              <a:rPr lang="en-US" altLang="ko-KR" dirty="0"/>
+              <a:t>(</a:t>
+            </a:r>
+            <a:r>
+              <a:rPr lang="ko-KR" altLang="en-US" dirty="0"/>
+              <a:t>가</a:t>
+            </a:r>
+            <a:r>
+              <a:rPr lang="en-US" altLang="ko-KR" dirty="0"/>
+              <a:t>) [</a:t>
+            </a:r>
+            <a:r>
+              <a:rPr lang="ko-KR" altLang="en-US" dirty="0"/>
+              <a:t>사용 스킬</a:t>
+            </a:r>
+            <a:r>
+              <a:rPr lang="en-US" altLang="ko-KR" dirty="0"/>
+              <a:t>]</a:t>
+            </a:r>
+            <a:r>
+              <a:rPr lang="ko-KR" altLang="en-US" dirty="0"/>
+              <a:t>을</a:t>
+            </a:r>
+            <a:r>
+              <a:rPr lang="en-US" altLang="ko-KR" dirty="0"/>
+              <a:t>(</a:t>
+            </a:r>
+            <a:r>
+              <a:rPr lang="ko-KR" altLang="en-US" dirty="0"/>
+              <a:t>를</a:t>
+            </a:r>
+            <a:r>
+              <a:rPr lang="en-US" altLang="ko-KR" dirty="0"/>
+              <a:t>) </a:t>
+            </a:r>
+            <a:r>
+              <a:rPr lang="ko-KR" altLang="en-US" dirty="0"/>
+              <a:t>사용하였다</a:t>
+            </a:r>
+            <a:r>
+              <a:rPr lang="en-US" altLang="ko-KR" dirty="0"/>
+              <a:t>!</a:t>
+            </a:r>
+          </a:p>
+          <a:p>
+            <a:r>
+              <a:rPr lang="en-US" altLang="ko-KR" dirty="0"/>
+              <a:t>[</a:t>
+            </a:r>
+            <a:r>
+              <a:rPr lang="ko-KR" altLang="en-US" dirty="0"/>
+              <a:t>플레이어</a:t>
+            </a:r>
+            <a:r>
+              <a:rPr lang="en-US" altLang="ko-KR" dirty="0"/>
+              <a:t>]</a:t>
+            </a:r>
+            <a:r>
+              <a:rPr lang="ko-KR" altLang="en-US" dirty="0"/>
+              <a:t>에게 </a:t>
+            </a:r>
+            <a:r>
+              <a:rPr lang="en-US" altLang="ko-KR" dirty="0"/>
+              <a:t>[</a:t>
+            </a:r>
+            <a:r>
+              <a:rPr lang="ko-KR" altLang="en-US" dirty="0"/>
+              <a:t>데미지</a:t>
+            </a:r>
+            <a:r>
+              <a:rPr lang="en-US" altLang="ko-KR" dirty="0"/>
+              <a:t>]</a:t>
+            </a:r>
+            <a:r>
+              <a:rPr lang="ko-KR" altLang="en-US" dirty="0"/>
+              <a:t>의 피해를 입혔다</a:t>
+            </a:r>
+            <a:r>
+              <a:rPr lang="en-US" altLang="ko-KR" dirty="0"/>
+              <a:t>.</a:t>
+            </a:r>
+          </a:p>
+          <a:p>
+            <a:r>
+              <a:rPr lang="en-US" altLang="ko-KR" dirty="0"/>
+              <a:t>[</a:t>
+            </a:r>
+            <a:r>
+              <a:rPr lang="ko-KR" altLang="en-US" dirty="0"/>
+              <a:t>플레이어가</a:t>
+            </a:r>
+            <a:r>
+              <a:rPr lang="en-US" altLang="ko-KR" dirty="0"/>
+              <a:t>] [</a:t>
+            </a:r>
+            <a:r>
+              <a:rPr lang="ko-KR" altLang="en-US" dirty="0"/>
+              <a:t>효과</a:t>
+            </a:r>
+            <a:r>
+              <a:rPr lang="en-US" altLang="ko-KR" dirty="0"/>
+              <a:t>1], [</a:t>
+            </a:r>
+            <a:r>
+              <a:rPr lang="ko-KR" altLang="en-US" dirty="0"/>
+              <a:t>효과</a:t>
+            </a:r>
+            <a:r>
+              <a:rPr lang="en-US" altLang="ko-KR" dirty="0"/>
+              <a:t>2], [</a:t>
+            </a:r>
+            <a:r>
+              <a:rPr lang="ko-KR" altLang="en-US" dirty="0"/>
+              <a:t>효과</a:t>
+            </a:r>
+            <a:r>
+              <a:rPr lang="en-US" altLang="ko-KR" dirty="0"/>
+              <a:t>3]</a:t>
+            </a:r>
+            <a:r>
+              <a:rPr lang="ko-KR" altLang="en-US" dirty="0"/>
+              <a:t> 효과를 받았다</a:t>
+            </a:r>
+            <a:r>
+              <a:rPr lang="en-US" altLang="ko-KR" dirty="0"/>
+              <a:t>.</a:t>
+            </a:r>
+            <a:endParaRPr lang="ko-KR" altLang="en-US" dirty="0"/>
+          </a:p>
+        </p:txBody>
+      </p:sp>
+      <p:sp>
+        <p:nvSpPr>
+          <p:cNvPr id="4" name="직사각형 3">
+            <a:extLst>
+              <a:ext uri="{FF2B5EF4-FFF2-40B4-BE49-F238E27FC236}">
+                <a16:creationId xmlns:a16="http://schemas.microsoft.com/office/drawing/2014/main" id="{DC107C84-1418-2722-A350-06D62CEC8639}"/>
               </a:ext>
             </a:extLst>
           </p:cNvPr>
@@ -20221,8 +17254,8 @@
         </p:nvSpPr>
         <p:spPr>
           <a:xfrm>
-            <a:off x="10032274" y="248194"/>
-            <a:ext cx="1854926" cy="1210492"/>
+            <a:off x="167255" y="6266328"/>
+            <a:ext cx="11841865" cy="417500"/>
           </a:xfrm>
           <a:prstGeom prst="rect">
             <a:avLst/>
@@ -20255,781 +17288,18 @@
           <a:p>
             <a:pPr algn="ctr"/>
             <a:r>
-              <a:rPr lang="ko-KR" altLang="en-US" b="1" dirty="0">
+              <a:rPr lang="ko-KR" altLang="en-US" b="1" dirty="0" err="1">
                 <a:solidFill>
                   <a:schemeClr val="tx1"/>
                 </a:solidFill>
               </a:rPr>
-              <a:t>던전 정보</a:t>
-            </a:r>
-            <a:endParaRPr lang="en-US" altLang="ko-KR" b="1" dirty="0">
+              <a:t>입력창</a:t>
+            </a:r>
+            <a:endParaRPr lang="ko-KR" altLang="en-US" b="1" dirty="0">
               <a:solidFill>
                 <a:schemeClr val="tx1"/>
               </a:solidFill>
             </a:endParaRPr>
-          </a:p>
-          <a:p>
-            <a:pPr algn="ctr"/>
-            <a:r>
-              <a:rPr lang="en-US" altLang="ko-KR" b="1" dirty="0">
-                <a:solidFill>
-                  <a:schemeClr val="tx1"/>
-                </a:solidFill>
-              </a:rPr>
-              <a:t>&amp;</a:t>
-            </a:r>
-          </a:p>
-          <a:p>
-            <a:pPr algn="ctr"/>
-            <a:r>
-              <a:rPr lang="ko-KR" altLang="en-US" b="1" dirty="0">
-                <a:solidFill>
-                  <a:schemeClr val="tx1"/>
-                </a:solidFill>
-              </a:rPr>
-              <a:t>전투 정보</a:t>
-            </a:r>
-            <a:endParaRPr lang="en-US" altLang="ko-KR" b="1" dirty="0">
-              <a:solidFill>
-                <a:schemeClr val="tx1"/>
-              </a:solidFill>
-            </a:endParaRPr>
-          </a:p>
-          <a:p>
-            <a:pPr algn="ctr"/>
-            <a:r>
-              <a:rPr lang="en-US" altLang="ko-KR" sz="1200" b="1" dirty="0">
-                <a:solidFill>
-                  <a:schemeClr val="tx1"/>
-                </a:solidFill>
-              </a:rPr>
-              <a:t>(ex.</a:t>
-            </a:r>
-            <a:r>
-              <a:rPr lang="ko-KR" altLang="en-US" sz="1200" b="1" dirty="0">
-                <a:solidFill>
-                  <a:schemeClr val="tx1"/>
-                </a:solidFill>
-              </a:rPr>
-              <a:t> 현재 턴</a:t>
-            </a:r>
-            <a:r>
-              <a:rPr lang="en-US" altLang="ko-KR" sz="1200" b="1" dirty="0">
-                <a:solidFill>
-                  <a:schemeClr val="tx1"/>
-                </a:solidFill>
-              </a:rPr>
-              <a:t>)</a:t>
-            </a:r>
-            <a:endParaRPr lang="ko-KR" altLang="en-US" sz="1200" b="1" dirty="0">
-              <a:solidFill>
-                <a:schemeClr val="tx1"/>
-              </a:solidFill>
-            </a:endParaRPr>
-          </a:p>
-        </p:txBody>
-      </p:sp>
-      <p:sp>
-        <p:nvSpPr>
-          <p:cNvPr id="12" name="TextBox 11">
-            <a:extLst>
-              <a:ext uri="{FF2B5EF4-FFF2-40B4-BE49-F238E27FC236}">
-                <a16:creationId xmlns:a16="http://schemas.microsoft.com/office/drawing/2014/main" id="{153BF52D-21A0-EE1A-ACD2-6E03BB8F3712}"/>
-              </a:ext>
-            </a:extLst>
-          </p:cNvPr>
-          <p:cNvSpPr txBox="1"/>
-          <p:nvPr/>
-        </p:nvSpPr>
-        <p:spPr>
-          <a:xfrm>
-            <a:off x="493058" y="1715864"/>
-            <a:ext cx="5564344" cy="923330"/>
-          </a:xfrm>
-          <a:prstGeom prst="rect">
-            <a:avLst/>
-          </a:prstGeom>
-          <a:noFill/>
-        </p:spPr>
-        <p:txBody>
-          <a:bodyPr wrap="none" rtlCol="0">
-            <a:spAutoFit/>
-          </a:bodyPr>
-          <a:lstStyle/>
-          <a:p>
-            <a:r>
-              <a:rPr lang="en-US" altLang="ko-KR" dirty="0"/>
-              <a:t>[</a:t>
-            </a:r>
-            <a:r>
-              <a:rPr lang="ko-KR" altLang="en-US" dirty="0"/>
-              <a:t>몬스터</a:t>
-            </a:r>
-            <a:r>
-              <a:rPr lang="en-US" altLang="ko-KR" dirty="0"/>
-              <a:t>1]</a:t>
-            </a:r>
-            <a:r>
-              <a:rPr lang="ko-KR" altLang="en-US" dirty="0"/>
-              <a:t>이</a:t>
-            </a:r>
-            <a:r>
-              <a:rPr lang="en-US" altLang="ko-KR" dirty="0"/>
-              <a:t>(</a:t>
-            </a:r>
-            <a:r>
-              <a:rPr lang="ko-KR" altLang="en-US" dirty="0"/>
-              <a:t>가</a:t>
-            </a:r>
-            <a:r>
-              <a:rPr lang="en-US" altLang="ko-KR" dirty="0"/>
-              <a:t>) [</a:t>
-            </a:r>
-            <a:r>
-              <a:rPr lang="ko-KR" altLang="en-US" dirty="0"/>
-              <a:t>사용 스킬</a:t>
-            </a:r>
-            <a:r>
-              <a:rPr lang="en-US" altLang="ko-KR" dirty="0"/>
-              <a:t>]</a:t>
-            </a:r>
-            <a:r>
-              <a:rPr lang="ko-KR" altLang="en-US" dirty="0"/>
-              <a:t>을</a:t>
-            </a:r>
-            <a:r>
-              <a:rPr lang="en-US" altLang="ko-KR" dirty="0"/>
-              <a:t>(</a:t>
-            </a:r>
-            <a:r>
-              <a:rPr lang="ko-KR" altLang="en-US" dirty="0"/>
-              <a:t>를</a:t>
-            </a:r>
-            <a:r>
-              <a:rPr lang="en-US" altLang="ko-KR" dirty="0"/>
-              <a:t>) </a:t>
-            </a:r>
-            <a:r>
-              <a:rPr lang="ko-KR" altLang="en-US" dirty="0"/>
-              <a:t>사용하였다</a:t>
-            </a:r>
-            <a:r>
-              <a:rPr lang="en-US" altLang="ko-KR" dirty="0"/>
-              <a:t>!</a:t>
-            </a:r>
-          </a:p>
-          <a:p>
-            <a:r>
-              <a:rPr lang="en-US" altLang="ko-KR" dirty="0"/>
-              <a:t>[</a:t>
-            </a:r>
-            <a:r>
-              <a:rPr lang="ko-KR" altLang="en-US" dirty="0"/>
-              <a:t>플레이어</a:t>
-            </a:r>
-            <a:r>
-              <a:rPr lang="en-US" altLang="ko-KR" dirty="0"/>
-              <a:t>]</a:t>
-            </a:r>
-            <a:r>
-              <a:rPr lang="ko-KR" altLang="en-US" dirty="0"/>
-              <a:t>에게 </a:t>
-            </a:r>
-            <a:r>
-              <a:rPr lang="en-US" altLang="ko-KR" dirty="0"/>
-              <a:t>[</a:t>
-            </a:r>
-            <a:r>
-              <a:rPr lang="ko-KR" altLang="en-US" dirty="0"/>
-              <a:t>데미지</a:t>
-            </a:r>
-            <a:r>
-              <a:rPr lang="en-US" altLang="ko-KR" dirty="0"/>
-              <a:t>]</a:t>
-            </a:r>
-            <a:r>
-              <a:rPr lang="ko-KR" altLang="en-US" dirty="0"/>
-              <a:t>의 피해를 입혔다</a:t>
-            </a:r>
-            <a:r>
-              <a:rPr lang="en-US" altLang="ko-KR" dirty="0"/>
-              <a:t>.</a:t>
-            </a:r>
-          </a:p>
-          <a:p>
-            <a:r>
-              <a:rPr lang="en-US" altLang="ko-KR" dirty="0"/>
-              <a:t>[</a:t>
-            </a:r>
-            <a:r>
-              <a:rPr lang="ko-KR" altLang="en-US" dirty="0"/>
-              <a:t>플레이어가</a:t>
-            </a:r>
-            <a:r>
-              <a:rPr lang="en-US" altLang="ko-KR" dirty="0"/>
-              <a:t>] [</a:t>
-            </a:r>
-            <a:r>
-              <a:rPr lang="ko-KR" altLang="en-US" dirty="0"/>
-              <a:t>효과</a:t>
-            </a:r>
-            <a:r>
-              <a:rPr lang="en-US" altLang="ko-KR" dirty="0"/>
-              <a:t>1], [</a:t>
-            </a:r>
-            <a:r>
-              <a:rPr lang="ko-KR" altLang="en-US" dirty="0"/>
-              <a:t>효과</a:t>
-            </a:r>
-            <a:r>
-              <a:rPr lang="en-US" altLang="ko-KR" dirty="0"/>
-              <a:t>2], [</a:t>
-            </a:r>
-            <a:r>
-              <a:rPr lang="ko-KR" altLang="en-US" dirty="0"/>
-              <a:t>효과</a:t>
-            </a:r>
-            <a:r>
-              <a:rPr lang="en-US" altLang="ko-KR" dirty="0"/>
-              <a:t>3]</a:t>
-            </a:r>
-            <a:r>
-              <a:rPr lang="ko-KR" altLang="en-US" dirty="0"/>
-              <a:t> 효과를 받았다</a:t>
-            </a:r>
-            <a:r>
-              <a:rPr lang="en-US" altLang="ko-KR" dirty="0"/>
-              <a:t>.</a:t>
-            </a:r>
-            <a:endParaRPr lang="ko-KR" altLang="en-US" dirty="0"/>
-          </a:p>
-        </p:txBody>
-      </p:sp>
-      <p:sp>
-        <p:nvSpPr>
-          <p:cNvPr id="19" name="TextBox 18">
-            <a:extLst>
-              <a:ext uri="{FF2B5EF4-FFF2-40B4-BE49-F238E27FC236}">
-                <a16:creationId xmlns:a16="http://schemas.microsoft.com/office/drawing/2014/main" id="{1FB1290A-5FE5-D16A-AFA7-C22608B2FEDC}"/>
-              </a:ext>
-            </a:extLst>
-          </p:cNvPr>
-          <p:cNvSpPr txBox="1"/>
-          <p:nvPr/>
-        </p:nvSpPr>
-        <p:spPr>
-          <a:xfrm>
-            <a:off x="493058" y="2967335"/>
-            <a:ext cx="5564344" cy="923330"/>
-          </a:xfrm>
-          <a:prstGeom prst="rect">
-            <a:avLst/>
-          </a:prstGeom>
-          <a:noFill/>
-        </p:spPr>
-        <p:txBody>
-          <a:bodyPr wrap="none" rtlCol="0">
-            <a:spAutoFit/>
-          </a:bodyPr>
-          <a:lstStyle/>
-          <a:p>
-            <a:r>
-              <a:rPr lang="en-US" altLang="ko-KR" dirty="0"/>
-              <a:t>[</a:t>
-            </a:r>
-            <a:r>
-              <a:rPr lang="ko-KR" altLang="en-US" dirty="0"/>
-              <a:t>몬스터</a:t>
-            </a:r>
-            <a:r>
-              <a:rPr lang="en-US" altLang="ko-KR" dirty="0"/>
-              <a:t>1]</a:t>
-            </a:r>
-            <a:r>
-              <a:rPr lang="ko-KR" altLang="en-US" dirty="0"/>
-              <a:t>이</a:t>
-            </a:r>
-            <a:r>
-              <a:rPr lang="en-US" altLang="ko-KR" dirty="0"/>
-              <a:t>(</a:t>
-            </a:r>
-            <a:r>
-              <a:rPr lang="ko-KR" altLang="en-US" dirty="0"/>
-              <a:t>가</a:t>
-            </a:r>
-            <a:r>
-              <a:rPr lang="en-US" altLang="ko-KR" dirty="0"/>
-              <a:t>) [</a:t>
-            </a:r>
-            <a:r>
-              <a:rPr lang="ko-KR" altLang="en-US" dirty="0"/>
-              <a:t>사용 스킬</a:t>
-            </a:r>
-            <a:r>
-              <a:rPr lang="en-US" altLang="ko-KR" dirty="0"/>
-              <a:t>]</a:t>
-            </a:r>
-            <a:r>
-              <a:rPr lang="ko-KR" altLang="en-US" dirty="0"/>
-              <a:t>을</a:t>
-            </a:r>
-            <a:r>
-              <a:rPr lang="en-US" altLang="ko-KR" dirty="0"/>
-              <a:t>(</a:t>
-            </a:r>
-            <a:r>
-              <a:rPr lang="ko-KR" altLang="en-US" dirty="0"/>
-              <a:t>를</a:t>
-            </a:r>
-            <a:r>
-              <a:rPr lang="en-US" altLang="ko-KR" dirty="0"/>
-              <a:t>) </a:t>
-            </a:r>
-            <a:r>
-              <a:rPr lang="ko-KR" altLang="en-US" dirty="0"/>
-              <a:t>사용하였다</a:t>
-            </a:r>
-            <a:r>
-              <a:rPr lang="en-US" altLang="ko-KR" dirty="0"/>
-              <a:t>!</a:t>
-            </a:r>
-          </a:p>
-          <a:p>
-            <a:r>
-              <a:rPr lang="en-US" altLang="ko-KR" dirty="0"/>
-              <a:t>[</a:t>
-            </a:r>
-            <a:r>
-              <a:rPr lang="ko-KR" altLang="en-US" dirty="0"/>
-              <a:t>플레이어</a:t>
-            </a:r>
-            <a:r>
-              <a:rPr lang="en-US" altLang="ko-KR" dirty="0"/>
-              <a:t>]</a:t>
-            </a:r>
-            <a:r>
-              <a:rPr lang="ko-KR" altLang="en-US" dirty="0"/>
-              <a:t>에게 </a:t>
-            </a:r>
-            <a:r>
-              <a:rPr lang="en-US" altLang="ko-KR" dirty="0"/>
-              <a:t>[</a:t>
-            </a:r>
-            <a:r>
-              <a:rPr lang="ko-KR" altLang="en-US" dirty="0"/>
-              <a:t>데미지</a:t>
-            </a:r>
-            <a:r>
-              <a:rPr lang="en-US" altLang="ko-KR" dirty="0"/>
-              <a:t>]</a:t>
-            </a:r>
-            <a:r>
-              <a:rPr lang="ko-KR" altLang="en-US" dirty="0"/>
-              <a:t>의 피해를 입혔다</a:t>
-            </a:r>
-            <a:r>
-              <a:rPr lang="en-US" altLang="ko-KR" dirty="0"/>
-              <a:t>.</a:t>
-            </a:r>
-          </a:p>
-          <a:p>
-            <a:r>
-              <a:rPr lang="en-US" altLang="ko-KR" dirty="0"/>
-              <a:t>[</a:t>
-            </a:r>
-            <a:r>
-              <a:rPr lang="ko-KR" altLang="en-US" dirty="0"/>
-              <a:t>플레이어가</a:t>
-            </a:r>
-            <a:r>
-              <a:rPr lang="en-US" altLang="ko-KR" dirty="0"/>
-              <a:t>] [</a:t>
-            </a:r>
-            <a:r>
-              <a:rPr lang="ko-KR" altLang="en-US" dirty="0"/>
-              <a:t>효과</a:t>
-            </a:r>
-            <a:r>
-              <a:rPr lang="en-US" altLang="ko-KR" dirty="0"/>
-              <a:t>1], [</a:t>
-            </a:r>
-            <a:r>
-              <a:rPr lang="ko-KR" altLang="en-US" dirty="0"/>
-              <a:t>효과</a:t>
-            </a:r>
-            <a:r>
-              <a:rPr lang="en-US" altLang="ko-KR" dirty="0"/>
-              <a:t>2], [</a:t>
-            </a:r>
-            <a:r>
-              <a:rPr lang="ko-KR" altLang="en-US" dirty="0"/>
-              <a:t>효과</a:t>
-            </a:r>
-            <a:r>
-              <a:rPr lang="en-US" altLang="ko-KR" dirty="0"/>
-              <a:t>3]</a:t>
-            </a:r>
-            <a:r>
-              <a:rPr lang="ko-KR" altLang="en-US" dirty="0"/>
-              <a:t> 효과를 받았다</a:t>
-            </a:r>
-            <a:r>
-              <a:rPr lang="en-US" altLang="ko-KR" dirty="0"/>
-              <a:t>.</a:t>
-            </a:r>
-            <a:endParaRPr lang="ko-KR" altLang="en-US" dirty="0"/>
-          </a:p>
-        </p:txBody>
-      </p:sp>
-      <p:sp>
-        <p:nvSpPr>
-          <p:cNvPr id="20" name="TextBox 19">
-            <a:extLst>
-              <a:ext uri="{FF2B5EF4-FFF2-40B4-BE49-F238E27FC236}">
-                <a16:creationId xmlns:a16="http://schemas.microsoft.com/office/drawing/2014/main" id="{8BF7B36C-6E23-B9A0-73F5-20B6DA284B93}"/>
-              </a:ext>
-            </a:extLst>
-          </p:cNvPr>
-          <p:cNvSpPr txBox="1"/>
-          <p:nvPr/>
-        </p:nvSpPr>
-        <p:spPr>
-          <a:xfrm>
-            <a:off x="493058" y="4240247"/>
-            <a:ext cx="5564344" cy="923330"/>
-          </a:xfrm>
-          <a:prstGeom prst="rect">
-            <a:avLst/>
-          </a:prstGeom>
-          <a:noFill/>
-        </p:spPr>
-        <p:txBody>
-          <a:bodyPr wrap="none" rtlCol="0">
-            <a:spAutoFit/>
-          </a:bodyPr>
-          <a:lstStyle/>
-          <a:p>
-            <a:r>
-              <a:rPr lang="en-US" altLang="ko-KR" dirty="0"/>
-              <a:t>[</a:t>
-            </a:r>
-            <a:r>
-              <a:rPr lang="ko-KR" altLang="en-US" dirty="0"/>
-              <a:t>몬스터</a:t>
-            </a:r>
-            <a:r>
-              <a:rPr lang="en-US" altLang="ko-KR" dirty="0"/>
-              <a:t>1]</a:t>
-            </a:r>
-            <a:r>
-              <a:rPr lang="ko-KR" altLang="en-US" dirty="0"/>
-              <a:t>이</a:t>
-            </a:r>
-            <a:r>
-              <a:rPr lang="en-US" altLang="ko-KR" dirty="0"/>
-              <a:t>(</a:t>
-            </a:r>
-            <a:r>
-              <a:rPr lang="ko-KR" altLang="en-US" dirty="0"/>
-              <a:t>가</a:t>
-            </a:r>
-            <a:r>
-              <a:rPr lang="en-US" altLang="ko-KR" dirty="0"/>
-              <a:t>) [</a:t>
-            </a:r>
-            <a:r>
-              <a:rPr lang="ko-KR" altLang="en-US" dirty="0"/>
-              <a:t>사용 스킬</a:t>
-            </a:r>
-            <a:r>
-              <a:rPr lang="en-US" altLang="ko-KR" dirty="0"/>
-              <a:t>]</a:t>
-            </a:r>
-            <a:r>
-              <a:rPr lang="ko-KR" altLang="en-US" dirty="0"/>
-              <a:t>을</a:t>
-            </a:r>
-            <a:r>
-              <a:rPr lang="en-US" altLang="ko-KR" dirty="0"/>
-              <a:t>(</a:t>
-            </a:r>
-            <a:r>
-              <a:rPr lang="ko-KR" altLang="en-US" dirty="0"/>
-              <a:t>를</a:t>
-            </a:r>
-            <a:r>
-              <a:rPr lang="en-US" altLang="ko-KR" dirty="0"/>
-              <a:t>) </a:t>
-            </a:r>
-            <a:r>
-              <a:rPr lang="ko-KR" altLang="en-US" dirty="0"/>
-              <a:t>사용하였다</a:t>
-            </a:r>
-            <a:r>
-              <a:rPr lang="en-US" altLang="ko-KR" dirty="0"/>
-              <a:t>!</a:t>
-            </a:r>
-          </a:p>
-          <a:p>
-            <a:r>
-              <a:rPr lang="en-US" altLang="ko-KR" dirty="0"/>
-              <a:t>[</a:t>
-            </a:r>
-            <a:r>
-              <a:rPr lang="ko-KR" altLang="en-US" dirty="0"/>
-              <a:t>플레이어</a:t>
-            </a:r>
-            <a:r>
-              <a:rPr lang="en-US" altLang="ko-KR" dirty="0"/>
-              <a:t>]</a:t>
-            </a:r>
-            <a:r>
-              <a:rPr lang="ko-KR" altLang="en-US" dirty="0"/>
-              <a:t>에게 </a:t>
-            </a:r>
-            <a:r>
-              <a:rPr lang="en-US" altLang="ko-KR" dirty="0"/>
-              <a:t>[</a:t>
-            </a:r>
-            <a:r>
-              <a:rPr lang="ko-KR" altLang="en-US" dirty="0"/>
-              <a:t>데미지</a:t>
-            </a:r>
-            <a:r>
-              <a:rPr lang="en-US" altLang="ko-KR" dirty="0"/>
-              <a:t>]</a:t>
-            </a:r>
-            <a:r>
-              <a:rPr lang="ko-KR" altLang="en-US" dirty="0"/>
-              <a:t>의 피해를 입혔다</a:t>
-            </a:r>
-            <a:r>
-              <a:rPr lang="en-US" altLang="ko-KR" dirty="0"/>
-              <a:t>.</a:t>
-            </a:r>
-          </a:p>
-          <a:p>
-            <a:r>
-              <a:rPr lang="en-US" altLang="ko-KR" dirty="0"/>
-              <a:t>[</a:t>
-            </a:r>
-            <a:r>
-              <a:rPr lang="ko-KR" altLang="en-US" dirty="0"/>
-              <a:t>플레이어가</a:t>
-            </a:r>
-            <a:r>
-              <a:rPr lang="en-US" altLang="ko-KR" dirty="0"/>
-              <a:t>] [</a:t>
-            </a:r>
-            <a:r>
-              <a:rPr lang="ko-KR" altLang="en-US" dirty="0"/>
-              <a:t>효과</a:t>
-            </a:r>
-            <a:r>
-              <a:rPr lang="en-US" altLang="ko-KR" dirty="0"/>
-              <a:t>1], [</a:t>
-            </a:r>
-            <a:r>
-              <a:rPr lang="ko-KR" altLang="en-US" dirty="0"/>
-              <a:t>효과</a:t>
-            </a:r>
-            <a:r>
-              <a:rPr lang="en-US" altLang="ko-KR" dirty="0"/>
-              <a:t>2], [</a:t>
-            </a:r>
-            <a:r>
-              <a:rPr lang="ko-KR" altLang="en-US" dirty="0"/>
-              <a:t>효과</a:t>
-            </a:r>
-            <a:r>
-              <a:rPr lang="en-US" altLang="ko-KR" dirty="0"/>
-              <a:t>3]</a:t>
-            </a:r>
-            <a:r>
-              <a:rPr lang="ko-KR" altLang="en-US" dirty="0"/>
-              <a:t> 효과를 받았다</a:t>
-            </a:r>
-            <a:r>
-              <a:rPr lang="en-US" altLang="ko-KR" dirty="0"/>
-              <a:t>.</a:t>
-            </a:r>
-            <a:endParaRPr lang="ko-KR" altLang="en-US" dirty="0"/>
-          </a:p>
-        </p:txBody>
-      </p:sp>
-      <p:sp>
-        <p:nvSpPr>
-          <p:cNvPr id="23" name="TextBox 22">
-            <a:extLst>
-              <a:ext uri="{FF2B5EF4-FFF2-40B4-BE49-F238E27FC236}">
-                <a16:creationId xmlns:a16="http://schemas.microsoft.com/office/drawing/2014/main" id="{B0A48901-C595-567D-AC1C-B00A776C5B17}"/>
-              </a:ext>
-            </a:extLst>
-          </p:cNvPr>
-          <p:cNvSpPr txBox="1"/>
-          <p:nvPr/>
-        </p:nvSpPr>
-        <p:spPr>
-          <a:xfrm>
-            <a:off x="493058" y="5468426"/>
-            <a:ext cx="5564344" cy="923330"/>
-          </a:xfrm>
-          <a:prstGeom prst="rect">
-            <a:avLst/>
-          </a:prstGeom>
-          <a:noFill/>
-        </p:spPr>
-        <p:txBody>
-          <a:bodyPr wrap="none" rtlCol="0">
-            <a:spAutoFit/>
-          </a:bodyPr>
-          <a:lstStyle/>
-          <a:p>
-            <a:r>
-              <a:rPr lang="en-US" altLang="ko-KR" dirty="0"/>
-              <a:t>[</a:t>
-            </a:r>
-            <a:r>
-              <a:rPr lang="ko-KR" altLang="en-US" dirty="0"/>
-              <a:t>몬스터</a:t>
-            </a:r>
-            <a:r>
-              <a:rPr lang="en-US" altLang="ko-KR" dirty="0"/>
-              <a:t>1]</a:t>
-            </a:r>
-            <a:r>
-              <a:rPr lang="ko-KR" altLang="en-US" dirty="0"/>
-              <a:t>이</a:t>
-            </a:r>
-            <a:r>
-              <a:rPr lang="en-US" altLang="ko-KR" dirty="0"/>
-              <a:t>(</a:t>
-            </a:r>
-            <a:r>
-              <a:rPr lang="ko-KR" altLang="en-US" dirty="0"/>
-              <a:t>가</a:t>
-            </a:r>
-            <a:r>
-              <a:rPr lang="en-US" altLang="ko-KR" dirty="0"/>
-              <a:t>) [</a:t>
-            </a:r>
-            <a:r>
-              <a:rPr lang="ko-KR" altLang="en-US" dirty="0"/>
-              <a:t>사용 스킬</a:t>
-            </a:r>
-            <a:r>
-              <a:rPr lang="en-US" altLang="ko-KR" dirty="0"/>
-              <a:t>]</a:t>
-            </a:r>
-            <a:r>
-              <a:rPr lang="ko-KR" altLang="en-US" dirty="0"/>
-              <a:t>을</a:t>
-            </a:r>
-            <a:r>
-              <a:rPr lang="en-US" altLang="ko-KR" dirty="0"/>
-              <a:t>(</a:t>
-            </a:r>
-            <a:r>
-              <a:rPr lang="ko-KR" altLang="en-US" dirty="0"/>
-              <a:t>를</a:t>
-            </a:r>
-            <a:r>
-              <a:rPr lang="en-US" altLang="ko-KR" dirty="0"/>
-              <a:t>) </a:t>
-            </a:r>
-            <a:r>
-              <a:rPr lang="ko-KR" altLang="en-US" dirty="0"/>
-              <a:t>사용하였다</a:t>
-            </a:r>
-            <a:r>
-              <a:rPr lang="en-US" altLang="ko-KR" dirty="0"/>
-              <a:t>!</a:t>
-            </a:r>
-          </a:p>
-          <a:p>
-            <a:r>
-              <a:rPr lang="en-US" altLang="ko-KR" dirty="0"/>
-              <a:t>[</a:t>
-            </a:r>
-            <a:r>
-              <a:rPr lang="ko-KR" altLang="en-US" dirty="0"/>
-              <a:t>플레이어</a:t>
-            </a:r>
-            <a:r>
-              <a:rPr lang="en-US" altLang="ko-KR" dirty="0"/>
-              <a:t>]</a:t>
-            </a:r>
-            <a:r>
-              <a:rPr lang="ko-KR" altLang="en-US" dirty="0"/>
-              <a:t>에게 </a:t>
-            </a:r>
-            <a:r>
-              <a:rPr lang="en-US" altLang="ko-KR" dirty="0"/>
-              <a:t>[</a:t>
-            </a:r>
-            <a:r>
-              <a:rPr lang="ko-KR" altLang="en-US" dirty="0"/>
-              <a:t>데미지</a:t>
-            </a:r>
-            <a:r>
-              <a:rPr lang="en-US" altLang="ko-KR" dirty="0"/>
-              <a:t>]</a:t>
-            </a:r>
-            <a:r>
-              <a:rPr lang="ko-KR" altLang="en-US" dirty="0"/>
-              <a:t>의 피해를 입혔다</a:t>
-            </a:r>
-            <a:r>
-              <a:rPr lang="en-US" altLang="ko-KR" dirty="0"/>
-              <a:t>.</a:t>
-            </a:r>
-          </a:p>
-          <a:p>
-            <a:r>
-              <a:rPr lang="en-US" altLang="ko-KR" dirty="0"/>
-              <a:t>[</a:t>
-            </a:r>
-            <a:r>
-              <a:rPr lang="ko-KR" altLang="en-US" dirty="0"/>
-              <a:t>플레이어가</a:t>
-            </a:r>
-            <a:r>
-              <a:rPr lang="en-US" altLang="ko-KR" dirty="0"/>
-              <a:t>] [</a:t>
-            </a:r>
-            <a:r>
-              <a:rPr lang="ko-KR" altLang="en-US" dirty="0"/>
-              <a:t>효과</a:t>
-            </a:r>
-            <a:r>
-              <a:rPr lang="en-US" altLang="ko-KR" dirty="0"/>
-              <a:t>1], [</a:t>
-            </a:r>
-            <a:r>
-              <a:rPr lang="ko-KR" altLang="en-US" dirty="0"/>
-              <a:t>효과</a:t>
-            </a:r>
-            <a:r>
-              <a:rPr lang="en-US" altLang="ko-KR" dirty="0"/>
-              <a:t>2], [</a:t>
-            </a:r>
-            <a:r>
-              <a:rPr lang="ko-KR" altLang="en-US" dirty="0"/>
-              <a:t>효과</a:t>
-            </a:r>
-            <a:r>
-              <a:rPr lang="en-US" altLang="ko-KR" dirty="0"/>
-              <a:t>3]</a:t>
-            </a:r>
-            <a:r>
-              <a:rPr lang="ko-KR" altLang="en-US" dirty="0"/>
-              <a:t> 효과를 받았다</a:t>
-            </a:r>
-            <a:r>
-              <a:rPr lang="en-US" altLang="ko-KR" dirty="0"/>
-              <a:t>.</a:t>
-            </a:r>
-            <a:endParaRPr lang="ko-KR" altLang="en-US" dirty="0"/>
           </a:p>
         </p:txBody>
       </p:sp>

--- a/Documents/TextRPG_와이어프레임.pptx
+++ b/Documents/TextRPG_와이어프레임.pptx
@@ -15819,10 +15819,10 @@
       </p:grpSpPr>
       <p:sp>
         <p:nvSpPr>
-          <p:cNvPr id="5" name="직사각형 4">
-            <a:extLst>
-              <a:ext uri="{FF2B5EF4-FFF2-40B4-BE49-F238E27FC236}">
-                <a16:creationId xmlns:a16="http://schemas.microsoft.com/office/drawing/2014/main" id="{33AEAC1B-C679-9157-088A-E442B4773A9D}"/>
+          <p:cNvPr id="7" name="직사각형 6">
+            <a:extLst>
+              <a:ext uri="{FF2B5EF4-FFF2-40B4-BE49-F238E27FC236}">
+                <a16:creationId xmlns:a16="http://schemas.microsoft.com/office/drawing/2014/main" id="{334E8FC5-7503-943A-D730-ED8EEDD6E8FE}"/>
               </a:ext>
             </a:extLst>
           </p:cNvPr>
@@ -15831,16 +15831,16 @@
         </p:nvSpPr>
         <p:spPr>
           <a:xfrm>
-            <a:off x="6461286" y="131893"/>
-            <a:ext cx="1854926" cy="783772"/>
+            <a:off x="2232212" y="5335277"/>
+            <a:ext cx="9776908" cy="783772"/>
           </a:xfrm>
           <a:prstGeom prst="rect">
             <a:avLst/>
           </a:prstGeom>
           <a:solidFill>
-            <a:schemeClr val="accent2">
-              <a:lumMod val="40000"/>
-              <a:lumOff val="60000"/>
+            <a:schemeClr val="tx2">
+              <a:lumMod val="25000"/>
+              <a:lumOff val="75000"/>
             </a:schemeClr>
           </a:solidFill>
         </p:spPr>
@@ -15864,37 +15864,139 @@
           <a:bodyPr rtlCol="0" anchor="ctr"/>
           <a:lstStyle/>
           <a:p>
-            <a:pPr algn="ctr"/>
-            <a:r>
-              <a:rPr lang="ko-KR" altLang="en-US" b="1" dirty="0">
+            <a:pPr>
+              <a:lnSpc>
+                <a:spcPct val="150000"/>
+              </a:lnSpc>
+            </a:pPr>
+            <a:r>
+              <a:rPr lang="ko-KR" altLang="en-US" sz="1600" dirty="0">
                 <a:solidFill>
                   <a:schemeClr val="tx1"/>
                 </a:solidFill>
               </a:rPr>
-              <a:t>적</a:t>
-            </a:r>
-            <a:r>
-              <a:rPr lang="en-US" altLang="ko-KR" b="1" dirty="0">
+              <a:t>플레이어 이름 직업 </a:t>
+            </a:r>
+            <a:r>
+              <a:rPr lang="en-US" altLang="ko-KR" sz="1600" dirty="0">
                 <a:solidFill>
                   <a:schemeClr val="tx1"/>
                 </a:solidFill>
               </a:rPr>
-              <a:t>4</a:t>
-            </a:r>
-            <a:endParaRPr lang="ko-KR" altLang="en-US" b="1" dirty="0">
-              <a:solidFill>
-                <a:schemeClr val="tx1"/>
-              </a:solidFill>
-            </a:endParaRPr>
-          </a:p>
-        </p:txBody>
-      </p:sp>
-      <p:sp>
-        <p:nvSpPr>
-          <p:cNvPr id="6" name="직사각형 5">
-            <a:extLst>
-              <a:ext uri="{FF2B5EF4-FFF2-40B4-BE49-F238E27FC236}">
-                <a16:creationId xmlns:a16="http://schemas.microsoft.com/office/drawing/2014/main" id="{D1AB44F9-E9E9-66BB-0D1F-7A80673BBB22}"/>
+              <a:t>Lv.[</a:t>
+            </a:r>
+            <a:r>
+              <a:rPr lang="ko-KR" altLang="en-US" sz="1600" dirty="0">
+                <a:solidFill>
+                  <a:schemeClr val="tx1"/>
+                </a:solidFill>
+              </a:rPr>
+              <a:t>레벨</a:t>
+            </a:r>
+            <a:r>
+              <a:rPr lang="en-US" altLang="ko-KR" sz="1600" dirty="0">
+                <a:solidFill>
+                  <a:schemeClr val="tx1"/>
+                </a:solidFill>
+              </a:rPr>
+              <a:t>] HP</a:t>
+            </a:r>
+            <a:r>
+              <a:rPr lang="ko-KR" altLang="en-US" sz="1600" dirty="0">
+                <a:solidFill>
+                  <a:schemeClr val="tx1"/>
+                </a:solidFill>
+              </a:rPr>
+              <a:t> </a:t>
+            </a:r>
+            <a:r>
+              <a:rPr lang="en-US" altLang="ko-KR" sz="1600" dirty="0">
+                <a:solidFill>
+                  <a:schemeClr val="tx1"/>
+                </a:solidFill>
+              </a:rPr>
+              <a:t>0000/0000  AP 00</a:t>
+            </a:r>
+          </a:p>
+          <a:p>
+            <a:pPr>
+              <a:lnSpc>
+                <a:spcPct val="150000"/>
+              </a:lnSpc>
+            </a:pPr>
+            <a:r>
+              <a:rPr lang="en-US" altLang="ko-KR" sz="1600" dirty="0">
+                <a:solidFill>
+                  <a:schemeClr val="tx1"/>
+                </a:solidFill>
+              </a:rPr>
+              <a:t>[0] </a:t>
+            </a:r>
+            <a:r>
+              <a:rPr lang="ko-KR" altLang="en-US" sz="1600" dirty="0">
+                <a:solidFill>
+                  <a:schemeClr val="tx1"/>
+                </a:solidFill>
+              </a:rPr>
+              <a:t>액션 </a:t>
+            </a:r>
+            <a:r>
+              <a:rPr lang="en-US" altLang="ko-KR" sz="1600" dirty="0">
+                <a:solidFill>
+                  <a:schemeClr val="tx1"/>
+                </a:solidFill>
+              </a:rPr>
+              <a:t>1   | [1] </a:t>
+            </a:r>
+            <a:r>
+              <a:rPr lang="ko-KR" altLang="en-US" sz="1600" dirty="0">
+                <a:solidFill>
+                  <a:schemeClr val="tx1"/>
+                </a:solidFill>
+              </a:rPr>
+              <a:t>액션 </a:t>
+            </a:r>
+            <a:r>
+              <a:rPr lang="en-US" altLang="ko-KR" sz="1600" dirty="0">
+                <a:solidFill>
+                  <a:schemeClr val="tx1"/>
+                </a:solidFill>
+              </a:rPr>
+              <a:t>2   | [2] </a:t>
+            </a:r>
+            <a:r>
+              <a:rPr lang="ko-KR" altLang="en-US" sz="1600" dirty="0">
+                <a:solidFill>
+                  <a:schemeClr val="tx1"/>
+                </a:solidFill>
+              </a:rPr>
+              <a:t>액션 </a:t>
+            </a:r>
+            <a:r>
+              <a:rPr lang="en-US" altLang="ko-KR" sz="1600" dirty="0">
+                <a:solidFill>
+                  <a:schemeClr val="tx1"/>
+                </a:solidFill>
+              </a:rPr>
+              <a:t>3 | [4] </a:t>
+            </a:r>
+            <a:r>
+              <a:rPr lang="ko-KR" altLang="en-US" sz="1600" dirty="0">
+                <a:solidFill>
+                  <a:schemeClr val="tx1"/>
+                </a:solidFill>
+              </a:rPr>
+              <a:t>아이템</a:t>
+            </a:r>
+          </a:p>
+        </p:txBody>
+      </p:sp>
+      <p:sp>
+        <p:nvSpPr>
+          <p:cNvPr id="11" name="직사각형 10">
+            <a:extLst>
+              <a:ext uri="{FF2B5EF4-FFF2-40B4-BE49-F238E27FC236}">
+                <a16:creationId xmlns:a16="http://schemas.microsoft.com/office/drawing/2014/main" id="{1CB47B35-F65C-B444-3D46-061DA2E803B1}"/>
               </a:ext>
             </a:extLst>
           </p:cNvPr>
@@ -15903,16 +16005,17 @@
         </p:nvSpPr>
         <p:spPr>
           <a:xfrm>
-            <a:off x="4365255" y="131893"/>
-            <a:ext cx="1854926" cy="783772"/>
+            <a:off x="167256" y="174172"/>
+            <a:ext cx="11841864" cy="4434987"/>
           </a:xfrm>
           <a:prstGeom prst="rect">
             <a:avLst/>
           </a:prstGeom>
           <a:solidFill>
-            <a:srgbClr val="F6C6AD">
-              <a:alpha val="40000"/>
-            </a:srgbClr>
+            <a:schemeClr val="accent6">
+              <a:lumMod val="20000"/>
+              <a:lumOff val="80000"/>
+            </a:schemeClr>
           </a:solidFill>
         </p:spPr>
         <p:style>
@@ -15932,56 +16035,52 @@
           </a:fontRef>
         </p:style>
         <p:txBody>
-          <a:bodyPr rtlCol="0" anchor="ctr"/>
+          <a:bodyPr rtlCol="0" anchor="t"/>
           <a:lstStyle/>
           <a:p>
-            <a:pPr algn="ctr"/>
+            <a:pPr algn="r"/>
             <a:r>
               <a:rPr lang="ko-KR" altLang="en-US" b="1" dirty="0">
                 <a:solidFill>
-                  <a:schemeClr val="tx1"/>
+                  <a:schemeClr val="tx1">
+                    <a:lumMod val="65000"/>
+                    <a:lumOff val="35000"/>
+                  </a:schemeClr>
                 </a:solidFill>
               </a:rPr>
-              <a:t>적</a:t>
+              <a:t>배틀 </a:t>
             </a:r>
             <a:r>
               <a:rPr lang="en-US" altLang="ko-KR" b="1" dirty="0">
                 <a:solidFill>
-                  <a:schemeClr val="tx1"/>
+                  <a:schemeClr val="tx1">
+                    <a:lumMod val="65000"/>
+                    <a:lumOff val="35000"/>
+                  </a:schemeClr>
                 </a:solidFill>
               </a:rPr>
-              <a:t>3 (</a:t>
+              <a:t>&amp;</a:t>
             </a:r>
             <a:r>
               <a:rPr lang="ko-KR" altLang="en-US" b="1" dirty="0">
                 <a:solidFill>
-                  <a:schemeClr val="tx1"/>
+                  <a:schemeClr val="tx1">
+                    <a:lumMod val="65000"/>
+                    <a:lumOff val="35000"/>
+                  </a:schemeClr>
                 </a:solidFill>
               </a:rPr>
-              <a:t>사망</a:t>
-            </a:r>
-            <a:r>
-              <a:rPr lang="en-US" altLang="ko-KR" b="1" dirty="0">
-                <a:solidFill>
-                  <a:schemeClr val="tx1"/>
-                </a:solidFill>
-              </a:rPr>
-              <a:t>)</a:t>
-            </a:r>
-            <a:endParaRPr lang="ko-KR" altLang="en-US" b="1" dirty="0">
-              <a:solidFill>
-                <a:schemeClr val="tx1"/>
-              </a:solidFill>
-            </a:endParaRPr>
-          </a:p>
-        </p:txBody>
-      </p:sp>
-      <p:sp>
-        <p:nvSpPr>
-          <p:cNvPr id="7" name="직사각형 6">
-            <a:extLst>
-              <a:ext uri="{FF2B5EF4-FFF2-40B4-BE49-F238E27FC236}">
-                <a16:creationId xmlns:a16="http://schemas.microsoft.com/office/drawing/2014/main" id="{334E8FC5-7503-943A-D730-ED8EEDD6E8FE}"/>
+              <a:t>이벤트 로그</a:t>
+            </a:r>
+          </a:p>
+        </p:txBody>
+      </p:sp>
+      <p:sp>
+        <p:nvSpPr>
+          <p:cNvPr id="18" name="직사각형 17">
+            <a:extLst>
+              <a:ext uri="{FF2B5EF4-FFF2-40B4-BE49-F238E27FC236}">
+                <a16:creationId xmlns:a16="http://schemas.microsoft.com/office/drawing/2014/main" id="{C8DC450A-E72A-93E3-5078-A263F3902418}"/>
               </a:ext>
             </a:extLst>
           </p:cNvPr>
@@ -15990,16 +16089,15 @@
         </p:nvSpPr>
         <p:spPr>
           <a:xfrm>
-            <a:off x="167255" y="5297878"/>
-            <a:ext cx="11841865" cy="851911"/>
+            <a:off x="167256" y="5335277"/>
+            <a:ext cx="1854927" cy="783772"/>
           </a:xfrm>
           <a:prstGeom prst="rect">
             <a:avLst/>
           </a:prstGeom>
           <a:solidFill>
-            <a:schemeClr val="tx2">
-              <a:lumMod val="25000"/>
-              <a:lumOff val="75000"/>
+            <a:schemeClr val="bg1">
+              <a:lumMod val="85000"/>
             </a:schemeClr>
           </a:solidFill>
         </p:spPr>
@@ -16023,152 +16121,177 @@
           <a:bodyPr rtlCol="0" anchor="ctr"/>
           <a:lstStyle/>
           <a:p>
-            <a:pPr>
-              <a:lnSpc>
-                <a:spcPct val="150000"/>
-              </a:lnSpc>
-            </a:pPr>
-            <a:r>
-              <a:rPr lang="ko-KR" altLang="en-US" sz="1600" b="1" dirty="0">
+            <a:pPr algn="ctr"/>
+            <a:r>
+              <a:rPr lang="ko-KR" altLang="en-US" sz="2000" b="1" dirty="0">
                 <a:solidFill>
                   <a:schemeClr val="tx1"/>
                 </a:solidFill>
               </a:rPr>
-              <a:t>캐릭터 이름 </a:t>
-            </a:r>
-            <a:r>
-              <a:rPr lang="en-US" altLang="ko-KR" sz="1600" dirty="0">
-                <a:solidFill>
-                  <a:schemeClr val="tx1"/>
-                </a:solidFill>
-              </a:rPr>
-              <a:t>[</a:t>
-            </a:r>
-            <a:r>
-              <a:rPr lang="ko-KR" altLang="en-US" sz="1600" dirty="0">
-                <a:solidFill>
-                  <a:schemeClr val="tx1"/>
-                </a:solidFill>
-              </a:rPr>
-              <a:t>레벨</a:t>
-            </a:r>
-            <a:r>
-              <a:rPr lang="en-US" altLang="ko-KR" sz="1600" dirty="0">
-                <a:solidFill>
-                  <a:schemeClr val="tx1"/>
-                </a:solidFill>
-              </a:rPr>
-              <a:t>][</a:t>
-            </a:r>
-            <a:r>
-              <a:rPr lang="ko-KR" altLang="en-US" sz="1600" dirty="0">
-                <a:solidFill>
-                  <a:schemeClr val="tx1"/>
-                </a:solidFill>
-              </a:rPr>
-              <a:t>경험치</a:t>
-            </a:r>
-            <a:r>
-              <a:rPr lang="en-US" altLang="ko-KR" sz="1600" dirty="0">
-                <a:solidFill>
-                  <a:schemeClr val="tx1"/>
-                </a:solidFill>
-              </a:rPr>
-              <a:t>]  HP</a:t>
-            </a:r>
-            <a:r>
-              <a:rPr lang="ko-KR" altLang="en-US" sz="1600" dirty="0">
-                <a:solidFill>
-                  <a:schemeClr val="tx1"/>
-                </a:solidFill>
-              </a:rPr>
-              <a:t> </a:t>
-            </a:r>
-            <a:r>
-              <a:rPr lang="en-US" altLang="ko-KR" sz="1600" dirty="0">
-                <a:solidFill>
-                  <a:schemeClr val="tx1"/>
-                </a:solidFill>
-              </a:rPr>
-              <a:t>0000/0000 | AP 00 | BP: 00</a:t>
-            </a:r>
-          </a:p>
-          <a:p>
-            <a:pPr>
-              <a:lnSpc>
-                <a:spcPct val="150000"/>
-              </a:lnSpc>
-            </a:pPr>
-            <a:r>
-              <a:rPr lang="en-US" altLang="ko-KR" sz="1600" dirty="0">
-                <a:solidFill>
-                  <a:schemeClr val="tx1"/>
-                </a:solidFill>
-              </a:rPr>
-              <a:t>[0] </a:t>
-            </a:r>
-            <a:r>
-              <a:rPr lang="ko-KR" altLang="en-US" sz="1600" dirty="0">
-                <a:solidFill>
-                  <a:schemeClr val="tx1"/>
-                </a:solidFill>
-              </a:rPr>
-              <a:t>액션 </a:t>
-            </a:r>
-            <a:r>
-              <a:rPr lang="en-US" altLang="ko-KR" sz="1600" dirty="0">
-                <a:solidFill>
-                  <a:schemeClr val="tx1"/>
-                </a:solidFill>
-              </a:rPr>
-              <a:t>1   | [1] </a:t>
-            </a:r>
-            <a:r>
-              <a:rPr lang="ko-KR" altLang="en-US" sz="1600" dirty="0">
-                <a:solidFill>
-                  <a:schemeClr val="tx1"/>
-                </a:solidFill>
-              </a:rPr>
-              <a:t>액션 </a:t>
-            </a:r>
-            <a:r>
-              <a:rPr lang="en-US" altLang="ko-KR" sz="1600" dirty="0">
-                <a:solidFill>
-                  <a:schemeClr val="tx1"/>
-                </a:solidFill>
-              </a:rPr>
-              <a:t>2   | [2] </a:t>
-            </a:r>
-            <a:r>
-              <a:rPr lang="ko-KR" altLang="en-US" sz="1600" dirty="0">
-                <a:solidFill>
-                  <a:schemeClr val="tx1"/>
-                </a:solidFill>
-              </a:rPr>
-              <a:t>액션 </a:t>
-            </a:r>
-            <a:r>
-              <a:rPr lang="en-US" altLang="ko-KR" sz="1600" dirty="0">
-                <a:solidFill>
-                  <a:schemeClr val="tx1"/>
-                </a:solidFill>
-              </a:rPr>
-              <a:t>3</a:t>
-            </a:r>
-            <a:endParaRPr lang="ko-KR" altLang="en-US" sz="1600" dirty="0">
+              <a:t>던전 이름</a:t>
+            </a:r>
+            <a:endParaRPr lang="en-US" altLang="ko-KR" sz="2000" b="1" dirty="0">
               <a:solidFill>
                 <a:schemeClr val="tx1"/>
               </a:solidFill>
             </a:endParaRPr>
           </a:p>
-        </p:txBody>
-      </p:sp>
-      <p:sp>
-        <p:nvSpPr>
-          <p:cNvPr id="11" name="직사각형 10">
-            <a:extLst>
-              <a:ext uri="{FF2B5EF4-FFF2-40B4-BE49-F238E27FC236}">
-                <a16:creationId xmlns:a16="http://schemas.microsoft.com/office/drawing/2014/main" id="{1CB47B35-F65C-B444-3D46-061DA2E803B1}"/>
+          <a:p>
+            <a:pPr algn="ctr"/>
+            <a:endParaRPr lang="en-US" altLang="ko-KR" sz="1200" b="1" dirty="0">
+              <a:solidFill>
+                <a:schemeClr val="tx1"/>
+              </a:solidFill>
+            </a:endParaRPr>
+          </a:p>
+          <a:p>
+            <a:pPr algn="ctr"/>
+            <a:r>
+              <a:rPr lang="ko-KR" altLang="en-US" sz="1200" b="1" dirty="0">
+                <a:solidFill>
+                  <a:schemeClr val="tx1"/>
+                </a:solidFill>
+              </a:rPr>
+              <a:t>현재 행동 팀</a:t>
+            </a:r>
+          </a:p>
+        </p:txBody>
+      </p:sp>
+      <p:sp>
+        <p:nvSpPr>
+          <p:cNvPr id="12" name="TextBox 11">
+            <a:extLst>
+              <a:ext uri="{FF2B5EF4-FFF2-40B4-BE49-F238E27FC236}">
+                <a16:creationId xmlns:a16="http://schemas.microsoft.com/office/drawing/2014/main" id="{153BF52D-21A0-EE1A-ACD2-6E03BB8F3712}"/>
+              </a:ext>
+            </a:extLst>
+          </p:cNvPr>
+          <p:cNvSpPr txBox="1"/>
+          <p:nvPr/>
+        </p:nvSpPr>
+        <p:spPr>
+          <a:xfrm>
+            <a:off x="201961" y="928507"/>
+            <a:ext cx="5564344" cy="646331"/>
+          </a:xfrm>
+          <a:prstGeom prst="rect">
+            <a:avLst/>
+          </a:prstGeom>
+          <a:noFill/>
+        </p:spPr>
+        <p:txBody>
+          <a:bodyPr wrap="square" rtlCol="0">
+            <a:spAutoFit/>
+          </a:bodyPr>
+          <a:lstStyle/>
+          <a:p>
+            <a:r>
+              <a:rPr lang="en-US" altLang="ko-KR" dirty="0"/>
+              <a:t>[</a:t>
+            </a:r>
+            <a:r>
+              <a:rPr lang="ko-KR" altLang="en-US" dirty="0"/>
+              <a:t>플레이어</a:t>
+            </a:r>
+            <a:r>
+              <a:rPr lang="en-US" altLang="ko-KR" dirty="0"/>
+              <a:t>] </a:t>
+            </a:r>
+            <a:r>
+              <a:rPr lang="ko-KR" altLang="en-US" dirty="0"/>
+              <a:t>이</a:t>
+            </a:r>
+            <a:r>
+              <a:rPr lang="en-US" altLang="ko-KR" dirty="0"/>
+              <a:t>(</a:t>
+            </a:r>
+            <a:r>
+              <a:rPr lang="ko-KR" altLang="en-US" dirty="0"/>
+              <a:t>가</a:t>
+            </a:r>
+            <a:r>
+              <a:rPr lang="en-US" altLang="ko-KR" dirty="0"/>
+              <a:t>) [</a:t>
+            </a:r>
+            <a:r>
+              <a:rPr lang="ko-KR" altLang="en-US" dirty="0"/>
+              <a:t>사용 스킬</a:t>
+            </a:r>
+            <a:r>
+              <a:rPr lang="en-US" altLang="ko-KR" dirty="0"/>
+              <a:t>]</a:t>
+            </a:r>
+            <a:r>
+              <a:rPr lang="ko-KR" altLang="en-US" dirty="0"/>
+              <a:t>을</a:t>
+            </a:r>
+            <a:r>
+              <a:rPr lang="en-US" altLang="ko-KR" dirty="0"/>
+              <a:t>(</a:t>
+            </a:r>
+            <a:r>
+              <a:rPr lang="ko-KR" altLang="en-US" dirty="0"/>
+              <a:t>를</a:t>
+            </a:r>
+            <a:r>
+              <a:rPr lang="en-US" altLang="ko-KR" dirty="0"/>
+              <a:t>) </a:t>
+            </a:r>
+            <a:r>
+              <a:rPr lang="ko-KR" altLang="en-US" dirty="0"/>
+              <a:t>사용하였다</a:t>
+            </a:r>
+            <a:r>
+              <a:rPr lang="en-US" altLang="ko-KR" dirty="0"/>
+              <a:t>!</a:t>
+            </a:r>
+          </a:p>
+          <a:p>
+            <a:r>
+              <a:rPr lang="en-US" altLang="ko-KR" dirty="0"/>
+              <a:t>[</a:t>
+            </a:r>
+            <a:r>
+              <a:rPr lang="ko-KR" altLang="en-US" dirty="0"/>
+              <a:t>몬스터</a:t>
+            </a:r>
+            <a:r>
+              <a:rPr lang="en-US" altLang="ko-KR" dirty="0"/>
+              <a:t>1]</a:t>
+            </a:r>
+            <a:r>
+              <a:rPr lang="ko-KR" altLang="en-US" dirty="0"/>
+              <a:t>에게 </a:t>
+            </a:r>
+            <a:r>
+              <a:rPr lang="en-US" altLang="ko-KR" dirty="0"/>
+              <a:t>[</a:t>
+            </a:r>
+            <a:r>
+              <a:rPr lang="ko-KR" altLang="en-US" dirty="0"/>
+              <a:t>데미지</a:t>
+            </a:r>
+            <a:r>
+              <a:rPr lang="en-US" altLang="ko-KR" dirty="0"/>
+              <a:t>]</a:t>
+            </a:r>
+            <a:r>
+              <a:rPr lang="ko-KR" altLang="en-US" dirty="0"/>
+              <a:t>의 피해를 입혔다</a:t>
+            </a:r>
+            <a:r>
+              <a:rPr lang="en-US" altLang="ko-KR" dirty="0"/>
+              <a:t>.</a:t>
+            </a:r>
+          </a:p>
+        </p:txBody>
+      </p:sp>
+      <p:sp>
+        <p:nvSpPr>
+          <p:cNvPr id="4" name="직사각형 3">
+            <a:extLst>
+              <a:ext uri="{FF2B5EF4-FFF2-40B4-BE49-F238E27FC236}">
+                <a16:creationId xmlns:a16="http://schemas.microsoft.com/office/drawing/2014/main" id="{DC107C84-1418-2722-A350-06D62CEC8639}"/>
               </a:ext>
             </a:extLst>
           </p:cNvPr>
@@ -16177,16 +16300,15 @@
         </p:nvSpPr>
         <p:spPr>
           <a:xfrm>
-            <a:off x="167255" y="1137150"/>
-            <a:ext cx="11841865" cy="4071344"/>
+            <a:off x="167256" y="6266328"/>
+            <a:ext cx="11841864" cy="417500"/>
           </a:xfrm>
           <a:prstGeom prst="rect">
             <a:avLst/>
           </a:prstGeom>
           <a:solidFill>
-            <a:schemeClr val="accent6">
-              <a:lumMod val="20000"/>
-              <a:lumOff val="80000"/>
+            <a:schemeClr val="bg1">
+              <a:lumMod val="85000"/>
             </a:schemeClr>
           </a:solidFill>
         </p:spPr>
@@ -16207,52 +16329,161 @@
           </a:fontRef>
         </p:style>
         <p:txBody>
-          <a:bodyPr rtlCol="0" anchor="t"/>
+          <a:bodyPr rtlCol="0" anchor="ctr"/>
           <a:lstStyle/>
           <a:p>
-            <a:pPr algn="r"/>
-            <a:r>
-              <a:rPr lang="ko-KR" altLang="en-US" b="1" dirty="0">
-                <a:solidFill>
-                  <a:schemeClr val="tx1">
-                    <a:lumMod val="65000"/>
-                    <a:lumOff val="35000"/>
-                  </a:schemeClr>
+            <a:pPr algn="ctr"/>
+            <a:r>
+              <a:rPr lang="ko-KR" altLang="en-US" b="1" dirty="0" err="1">
+                <a:solidFill>
+                  <a:schemeClr val="tx1"/>
                 </a:solidFill>
               </a:rPr>
-              <a:t>배틀 </a:t>
-            </a:r>
-            <a:r>
-              <a:rPr lang="en-US" altLang="ko-KR" b="1" dirty="0">
-                <a:solidFill>
-                  <a:schemeClr val="tx1">
-                    <a:lumMod val="65000"/>
-                    <a:lumOff val="35000"/>
-                  </a:schemeClr>
-                </a:solidFill>
-              </a:rPr>
-              <a:t>&amp;</a:t>
-            </a:r>
-            <a:r>
-              <a:rPr lang="ko-KR" altLang="en-US" b="1" dirty="0">
-                <a:solidFill>
-                  <a:schemeClr val="tx1">
-                    <a:lumMod val="65000"/>
-                    <a:lumOff val="35000"/>
-                  </a:schemeClr>
-                </a:solidFill>
-              </a:rPr>
-              <a:t>이벤트 로그</a:t>
-            </a:r>
-          </a:p>
-        </p:txBody>
-      </p:sp>
-      <p:sp>
-        <p:nvSpPr>
-          <p:cNvPr id="10" name="직사각형 9">
-            <a:extLst>
-              <a:ext uri="{FF2B5EF4-FFF2-40B4-BE49-F238E27FC236}">
-                <a16:creationId xmlns:a16="http://schemas.microsoft.com/office/drawing/2014/main" id="{50BFCBE2-A4E0-C843-A4A9-007F9FD85648}"/>
+              <a:t>입력창</a:t>
+            </a:r>
+            <a:endParaRPr lang="ko-KR" altLang="en-US" b="1" dirty="0">
+              <a:solidFill>
+                <a:schemeClr val="tx1"/>
+              </a:solidFill>
+            </a:endParaRPr>
+          </a:p>
+        </p:txBody>
+      </p:sp>
+      <p:sp>
+        <p:nvSpPr>
+          <p:cNvPr id="2" name="TextBox 1">
+            <a:extLst>
+              <a:ext uri="{FF2B5EF4-FFF2-40B4-BE49-F238E27FC236}">
+                <a16:creationId xmlns:a16="http://schemas.microsoft.com/office/drawing/2014/main" id="{57E52FA0-3612-07F9-B049-DDF7FAC1583C}"/>
+              </a:ext>
+            </a:extLst>
+          </p:cNvPr>
+          <p:cNvSpPr txBox="1"/>
+          <p:nvPr/>
+        </p:nvSpPr>
+        <p:spPr>
+          <a:xfrm>
+            <a:off x="201961" y="196634"/>
+            <a:ext cx="5564344" cy="646331"/>
+          </a:xfrm>
+          <a:prstGeom prst="rect">
+            <a:avLst/>
+          </a:prstGeom>
+          <a:noFill/>
+        </p:spPr>
+        <p:txBody>
+          <a:bodyPr wrap="square" rtlCol="0">
+            <a:spAutoFit/>
+          </a:bodyPr>
+          <a:lstStyle/>
+          <a:p>
+            <a:r>
+              <a:rPr lang="en-US" altLang="ko-KR" dirty="0"/>
+              <a:t>[</a:t>
+            </a:r>
+            <a:r>
+              <a:rPr lang="ko-KR" altLang="en-US" dirty="0"/>
+              <a:t>몬스터</a:t>
+            </a:r>
+            <a:r>
+              <a:rPr lang="en-US" altLang="ko-KR" dirty="0"/>
+              <a:t>1]</a:t>
+            </a:r>
+            <a:r>
+              <a:rPr lang="ko-KR" altLang="en-US" dirty="0"/>
+              <a:t>이</a:t>
+            </a:r>
+            <a:r>
+              <a:rPr lang="en-US" altLang="ko-KR" dirty="0"/>
+              <a:t>(</a:t>
+            </a:r>
+            <a:r>
+              <a:rPr lang="ko-KR" altLang="en-US" dirty="0"/>
+              <a:t>가</a:t>
+            </a:r>
+            <a:r>
+              <a:rPr lang="en-US" altLang="ko-KR" dirty="0"/>
+              <a:t>) [</a:t>
+            </a:r>
+            <a:r>
+              <a:rPr lang="ko-KR" altLang="en-US" dirty="0"/>
+              <a:t>사용 스킬</a:t>
+            </a:r>
+            <a:r>
+              <a:rPr lang="en-US" altLang="ko-KR" dirty="0"/>
+              <a:t>]</a:t>
+            </a:r>
+            <a:r>
+              <a:rPr lang="ko-KR" altLang="en-US" dirty="0"/>
+              <a:t>을</a:t>
+            </a:r>
+            <a:r>
+              <a:rPr lang="en-US" altLang="ko-KR" dirty="0"/>
+              <a:t>(</a:t>
+            </a:r>
+            <a:r>
+              <a:rPr lang="ko-KR" altLang="en-US" dirty="0"/>
+              <a:t>를</a:t>
+            </a:r>
+            <a:r>
+              <a:rPr lang="en-US" altLang="ko-KR" dirty="0"/>
+              <a:t>) </a:t>
+            </a:r>
+            <a:r>
+              <a:rPr lang="ko-KR" altLang="en-US" dirty="0"/>
+              <a:t>사용하였다</a:t>
+            </a:r>
+            <a:r>
+              <a:rPr lang="en-US" altLang="ko-KR" dirty="0"/>
+              <a:t>!</a:t>
+            </a:r>
+          </a:p>
+          <a:p>
+            <a:r>
+              <a:rPr lang="en-US" altLang="ko-KR" dirty="0"/>
+              <a:t>[</a:t>
+            </a:r>
+            <a:r>
+              <a:rPr lang="ko-KR" altLang="en-US" dirty="0"/>
+              <a:t>플레이어</a:t>
+            </a:r>
+            <a:r>
+              <a:rPr lang="en-US" altLang="ko-KR" dirty="0"/>
+              <a:t>]</a:t>
+            </a:r>
+            <a:r>
+              <a:rPr lang="ko-KR" altLang="en-US" dirty="0"/>
+              <a:t>에게 </a:t>
+            </a:r>
+            <a:r>
+              <a:rPr lang="en-US" altLang="ko-KR" dirty="0"/>
+              <a:t>[</a:t>
+            </a:r>
+            <a:r>
+              <a:rPr lang="ko-KR" altLang="en-US" dirty="0"/>
+              <a:t>데미지</a:t>
+            </a:r>
+            <a:r>
+              <a:rPr lang="en-US" altLang="ko-KR" dirty="0"/>
+              <a:t>]</a:t>
+            </a:r>
+            <a:r>
+              <a:rPr lang="ko-KR" altLang="en-US" dirty="0"/>
+              <a:t>의 피해를 입혔다</a:t>
+            </a:r>
+            <a:r>
+              <a:rPr lang="en-US" altLang="ko-KR" dirty="0"/>
+              <a:t>.</a:t>
+            </a:r>
+          </a:p>
+        </p:txBody>
+      </p:sp>
+      <p:sp>
+        <p:nvSpPr>
+          <p:cNvPr id="8" name="직사각형 7">
+            <a:extLst>
+              <a:ext uri="{FF2B5EF4-FFF2-40B4-BE49-F238E27FC236}">
+                <a16:creationId xmlns:a16="http://schemas.microsoft.com/office/drawing/2014/main" id="{C20338C5-8486-E4DC-1DB0-EBA5A291AD72}"/>
               </a:ext>
             </a:extLst>
           </p:cNvPr>
@@ -16261,14 +16492,17 @@
         </p:nvSpPr>
         <p:spPr>
           <a:xfrm>
-            <a:off x="173193" y="154948"/>
-            <a:ext cx="1854926" cy="783772"/>
+            <a:off x="167256" y="4756438"/>
+            <a:ext cx="11841864" cy="462300"/>
           </a:xfrm>
           <a:prstGeom prst="rect">
             <a:avLst/>
           </a:prstGeom>
           <a:solidFill>
-            <a:srgbClr val="F6C6AD"/>
+            <a:schemeClr val="accent2">
+              <a:lumMod val="60000"/>
+              <a:lumOff val="40000"/>
+            </a:schemeClr>
           </a:solidFill>
         </p:spPr>
         <p:style>
@@ -16291,60 +16525,45 @@
           <a:bodyPr rtlCol="0" anchor="ctr"/>
           <a:lstStyle/>
           <a:p>
-            <a:pPr algn="ctr">
-              <a:lnSpc>
-                <a:spcPct val="150000"/>
-              </a:lnSpc>
-            </a:pPr>
-            <a:r>
-              <a:rPr lang="ko-KR" altLang="en-US" sz="1000" b="1" dirty="0">
-                <a:solidFill>
-                  <a:schemeClr val="tx1"/>
-                </a:solidFill>
-              </a:rPr>
-              <a:t>몬스터 이름              </a:t>
-            </a:r>
-            <a:r>
-              <a:rPr lang="en-US" altLang="ko-KR" sz="1000" b="1" dirty="0">
-                <a:solidFill>
-                  <a:schemeClr val="tx1"/>
-                </a:solidFill>
-              </a:rPr>
-              <a:t>[</a:t>
-            </a:r>
-            <a:r>
-              <a:rPr lang="ko-KR" altLang="en-US" sz="1000" b="1" dirty="0">
-                <a:solidFill>
-                  <a:schemeClr val="tx1"/>
-                </a:solidFill>
-              </a:rPr>
-              <a:t>레벨</a:t>
-            </a:r>
-            <a:r>
-              <a:rPr lang="en-US" altLang="ko-KR" sz="1000" b="1" dirty="0">
-                <a:solidFill>
-                  <a:schemeClr val="tx1"/>
-                </a:solidFill>
-              </a:rPr>
-              <a:t>]</a:t>
-            </a:r>
-          </a:p>
-          <a:p>
             <a:pPr>
               <a:lnSpc>
                 <a:spcPct val="150000"/>
               </a:lnSpc>
             </a:pPr>
             <a:r>
-              <a:rPr lang="en-US" altLang="ko-KR" sz="1000" b="1" dirty="0">
+              <a:rPr lang="ko-KR" altLang="en-US" sz="1600" b="1" dirty="0">
                 <a:solidFill>
                   <a:schemeClr val="tx1"/>
                 </a:solidFill>
               </a:rPr>
-              <a:t>HP</a:t>
-            </a:r>
-            <a:r>
-              <a:rPr lang="ko-KR" altLang="en-US" sz="1000" b="1" dirty="0">
+              <a:t>몬스터 이름 </a:t>
+            </a:r>
+            <a:r>
+              <a:rPr lang="en-US" altLang="ko-KR" sz="1600" dirty="0">
+                <a:solidFill>
+                  <a:schemeClr val="tx1"/>
+                </a:solidFill>
+              </a:rPr>
+              <a:t>[</a:t>
+            </a:r>
+            <a:r>
+              <a:rPr lang="ko-KR" altLang="en-US" sz="1600" dirty="0">
+                <a:solidFill>
+                  <a:schemeClr val="tx1"/>
+                </a:solidFill>
+              </a:rPr>
+              <a:t>레벨</a:t>
+            </a:r>
+            <a:r>
+              <a:rPr lang="en-US" altLang="ko-KR" sz="1600" dirty="0">
+                <a:solidFill>
+                  <a:schemeClr val="tx1"/>
+                </a:solidFill>
+              </a:rPr>
+              <a:t>]  HP</a:t>
+            </a:r>
+            <a:r>
+              <a:rPr lang="ko-KR" altLang="en-US" sz="1600" dirty="0">
                 <a:solidFill>
                   <a:schemeClr val="tx1"/>
                 </a:solidFill>
@@ -16352,7 +16571,7 @@
               <a:t> </a:t>
             </a:r>
             <a:r>
-              <a:rPr lang="en-US" altLang="ko-KR" sz="1000" b="1" dirty="0">
+              <a:rPr lang="en-US" altLang="ko-KR" sz="1600" dirty="0">
                 <a:solidFill>
                   <a:schemeClr val="tx1"/>
                 </a:solidFill>
@@ -16360,206 +16579,32 @@
               <a:t>0000/0000</a:t>
             </a:r>
           </a:p>
-          <a:p>
-            <a:pPr>
-              <a:lnSpc>
-                <a:spcPct val="150000"/>
-              </a:lnSpc>
-            </a:pPr>
-            <a:r>
-              <a:rPr lang="en-US" altLang="ko-KR" sz="1000" b="1" dirty="0">
-                <a:solidFill>
-                  <a:schemeClr val="tx1"/>
-                </a:solidFill>
-              </a:rPr>
-              <a:t>AP 00   BP: 00</a:t>
-            </a:r>
-            <a:endParaRPr lang="ko-KR" altLang="en-US" sz="1000" b="1" dirty="0">
-              <a:solidFill>
-                <a:schemeClr val="tx1"/>
-              </a:solidFill>
-            </a:endParaRPr>
-          </a:p>
-        </p:txBody>
-      </p:sp>
-      <p:sp>
-        <p:nvSpPr>
-          <p:cNvPr id="16" name="직사각형 15">
-            <a:extLst>
-              <a:ext uri="{FF2B5EF4-FFF2-40B4-BE49-F238E27FC236}">
-                <a16:creationId xmlns:a16="http://schemas.microsoft.com/office/drawing/2014/main" id="{2AF0F537-65D9-79B3-60CE-75525D8EA8E6}"/>
-              </a:ext>
-            </a:extLst>
-          </p:cNvPr>
-          <p:cNvSpPr/>
+        </p:txBody>
+      </p:sp>
+      <p:sp>
+        <p:nvSpPr>
+          <p:cNvPr id="13" name="TextBox 12">
+            <a:extLst>
+              <a:ext uri="{FF2B5EF4-FFF2-40B4-BE49-F238E27FC236}">
+                <a16:creationId xmlns:a16="http://schemas.microsoft.com/office/drawing/2014/main" id="{2AE75F84-3B88-3A66-8553-399BAD4FFE4C}"/>
+              </a:ext>
+            </a:extLst>
+          </p:cNvPr>
+          <p:cNvSpPr txBox="1"/>
           <p:nvPr/>
         </p:nvSpPr>
         <p:spPr>
           <a:xfrm>
-            <a:off x="2269224" y="135509"/>
-            <a:ext cx="1854926" cy="783772"/>
+            <a:off x="201961" y="2392253"/>
+            <a:ext cx="5564344" cy="646331"/>
           </a:xfrm>
           <a:prstGeom prst="rect">
             <a:avLst/>
           </a:prstGeom>
-          <a:solidFill>
-            <a:schemeClr val="accent2">
-              <a:lumMod val="40000"/>
-              <a:lumOff val="60000"/>
-            </a:schemeClr>
-          </a:solidFill>
-        </p:spPr>
-        <p:style>
-          <a:lnRef idx="2">
-            <a:schemeClr val="accent1">
-              <a:shade val="15000"/>
-            </a:schemeClr>
-          </a:lnRef>
-          <a:fillRef idx="1">
-            <a:schemeClr val="accent1"/>
-          </a:fillRef>
-          <a:effectRef idx="0">
-            <a:schemeClr val="accent1"/>
-          </a:effectRef>
-          <a:fontRef idx="minor">
-            <a:schemeClr val="lt1"/>
-          </a:fontRef>
-        </p:style>
-        <p:txBody>
-          <a:bodyPr rtlCol="0" anchor="ctr"/>
-          <a:lstStyle/>
-          <a:p>
-            <a:pPr algn="ctr"/>
-            <a:r>
-              <a:rPr lang="ko-KR" altLang="en-US" b="1" dirty="0">
-                <a:solidFill>
-                  <a:schemeClr val="tx1"/>
-                </a:solidFill>
-              </a:rPr>
-              <a:t>적</a:t>
-            </a:r>
-            <a:r>
-              <a:rPr lang="en-US" altLang="ko-KR" b="1" dirty="0">
-                <a:solidFill>
-                  <a:schemeClr val="tx1"/>
-                </a:solidFill>
-              </a:rPr>
-              <a:t>2</a:t>
-            </a:r>
-            <a:endParaRPr lang="ko-KR" altLang="en-US" b="1" dirty="0">
-              <a:solidFill>
-                <a:schemeClr val="tx1"/>
-              </a:solidFill>
-            </a:endParaRPr>
-          </a:p>
-        </p:txBody>
-      </p:sp>
-      <p:sp>
-        <p:nvSpPr>
-          <p:cNvPr id="18" name="직사각형 17">
-            <a:extLst>
-              <a:ext uri="{FF2B5EF4-FFF2-40B4-BE49-F238E27FC236}">
-                <a16:creationId xmlns:a16="http://schemas.microsoft.com/office/drawing/2014/main" id="{C8DC450A-E72A-93E3-5078-A263F3902418}"/>
-              </a:ext>
-            </a:extLst>
-          </p:cNvPr>
-          <p:cNvSpPr/>
-          <p:nvPr/>
-        </p:nvSpPr>
-        <p:spPr>
-          <a:xfrm>
-            <a:off x="10154193" y="131893"/>
-            <a:ext cx="1854927" cy="783772"/>
-          </a:xfrm>
-          <a:prstGeom prst="rect">
-            <a:avLst/>
-          </a:prstGeom>
-          <a:solidFill>
-            <a:schemeClr val="bg1">
-              <a:lumMod val="85000"/>
-            </a:schemeClr>
-          </a:solidFill>
-        </p:spPr>
-        <p:style>
-          <a:lnRef idx="2">
-            <a:schemeClr val="accent1">
-              <a:shade val="15000"/>
-            </a:schemeClr>
-          </a:lnRef>
-          <a:fillRef idx="1">
-            <a:schemeClr val="accent1"/>
-          </a:fillRef>
-          <a:effectRef idx="0">
-            <a:schemeClr val="accent1"/>
-          </a:effectRef>
-          <a:fontRef idx="minor">
-            <a:schemeClr val="lt1"/>
-          </a:fontRef>
-        </p:style>
-        <p:txBody>
-          <a:bodyPr rtlCol="0" anchor="ctr"/>
-          <a:lstStyle/>
-          <a:p>
-            <a:pPr algn="ctr"/>
-            <a:r>
-              <a:rPr lang="ko-KR" altLang="en-US" sz="2000" b="1" dirty="0">
-                <a:solidFill>
-                  <a:schemeClr val="tx1"/>
-                </a:solidFill>
-              </a:rPr>
-              <a:t>던전 이름</a:t>
-            </a:r>
-            <a:endParaRPr lang="en-US" altLang="ko-KR" sz="2000" b="1" dirty="0">
-              <a:solidFill>
-                <a:schemeClr val="tx1"/>
-              </a:solidFill>
-            </a:endParaRPr>
-          </a:p>
-          <a:p>
-            <a:pPr algn="ctr"/>
-            <a:endParaRPr lang="en-US" altLang="ko-KR" sz="1200" b="1" dirty="0">
-              <a:solidFill>
-                <a:schemeClr val="tx1"/>
-              </a:solidFill>
-            </a:endParaRPr>
-          </a:p>
-          <a:p>
-            <a:pPr algn="ctr"/>
-            <a:r>
-              <a:rPr lang="ko-KR" altLang="en-US" sz="1200" b="1" dirty="0">
-                <a:solidFill>
-                  <a:schemeClr val="tx1"/>
-                </a:solidFill>
-              </a:rPr>
-              <a:t>현재 행동 팀</a:t>
-            </a:r>
-          </a:p>
-        </p:txBody>
-      </p:sp>
-      <p:sp>
-        <p:nvSpPr>
-          <p:cNvPr id="12" name="TextBox 11">
-            <a:extLst>
-              <a:ext uri="{FF2B5EF4-FFF2-40B4-BE49-F238E27FC236}">
-                <a16:creationId xmlns:a16="http://schemas.microsoft.com/office/drawing/2014/main" id="{153BF52D-21A0-EE1A-ACD2-6E03BB8F3712}"/>
-              </a:ext>
-            </a:extLst>
-          </p:cNvPr>
-          <p:cNvSpPr txBox="1"/>
-          <p:nvPr/>
-        </p:nvSpPr>
-        <p:spPr>
-          <a:xfrm>
-            <a:off x="201961" y="1178233"/>
-            <a:ext cx="5564344" cy="923330"/>
-          </a:xfrm>
-          <a:prstGeom prst="rect">
-            <a:avLst/>
-          </a:prstGeom>
           <a:noFill/>
         </p:spPr>
         <p:txBody>
-          <a:bodyPr wrap="none" rtlCol="0">
+          <a:bodyPr wrap="square" rtlCol="0">
             <a:spAutoFit/>
           </a:bodyPr>
           <a:lstStyle/>
@@ -16570,6 +16615,68 @@
             </a:r>
             <a:r>
               <a:rPr lang="ko-KR" altLang="en-US" dirty="0"/>
+              <a:t>플레이어</a:t>
+            </a:r>
+            <a:r>
+              <a:rPr lang="en-US" altLang="ko-KR" dirty="0"/>
+              <a:t>] </a:t>
+            </a:r>
+            <a:r>
+              <a:rPr lang="ko-KR" altLang="en-US" dirty="0"/>
+              <a:t>이</a:t>
+            </a:r>
+            <a:r>
+              <a:rPr lang="en-US" altLang="ko-KR" dirty="0"/>
+              <a:t>(</a:t>
+            </a:r>
+            <a:r>
+              <a:rPr lang="ko-KR" altLang="en-US" dirty="0"/>
+              <a:t>가</a:t>
+            </a:r>
+            <a:r>
+              <a:rPr lang="en-US" altLang="ko-KR" dirty="0"/>
+              <a:t>) [</a:t>
+            </a:r>
+            <a:r>
+              <a:rPr lang="ko-KR" altLang="en-US" dirty="0"/>
+              <a:t>사용 스킬</a:t>
+            </a:r>
+            <a:r>
+              <a:rPr lang="en-US" altLang="ko-KR" dirty="0"/>
+              <a:t>]</a:t>
+            </a:r>
+            <a:r>
+              <a:rPr lang="ko-KR" altLang="en-US" dirty="0"/>
+              <a:t>을</a:t>
+            </a:r>
+            <a:r>
+              <a:rPr lang="en-US" altLang="ko-KR" dirty="0"/>
+              <a:t>(</a:t>
+            </a:r>
+            <a:r>
+              <a:rPr lang="ko-KR" altLang="en-US" dirty="0"/>
+              <a:t>를</a:t>
+            </a:r>
+            <a:r>
+              <a:rPr lang="en-US" altLang="ko-KR" dirty="0"/>
+              <a:t>) </a:t>
+            </a:r>
+            <a:r>
+              <a:rPr lang="ko-KR" altLang="en-US" dirty="0"/>
+              <a:t>사용하였다</a:t>
+            </a:r>
+            <a:r>
+              <a:rPr lang="en-US" altLang="ko-KR" dirty="0"/>
+              <a:t>!</a:t>
+            </a:r>
+          </a:p>
+          <a:p>
+            <a:r>
+              <a:rPr lang="en-US" altLang="ko-KR" dirty="0"/>
+              <a:t>[</a:t>
+            </a:r>
+            <a:r>
+              <a:rPr lang="ko-KR" altLang="en-US" dirty="0"/>
               <a:t>몬스터</a:t>
             </a:r>
             <a:r>
@@ -16578,23 +16685,15 @@
             </a:r>
             <a:r>
               <a:rPr lang="ko-KR" altLang="en-US" dirty="0"/>
-              <a:t>이</a:t>
+              <a:t>에게 </a:t>
             </a:r>
             <a:r>
               <a:rPr lang="en-US" altLang="ko-KR" dirty="0"/>
-              <a:t>(</a:t>
+              <a:t>[</a:t>
             </a:r>
             <a:r>
               <a:rPr lang="ko-KR" altLang="en-US" dirty="0"/>
-              <a:t>가</a:t>
-            </a:r>
-            <a:r>
-              <a:rPr lang="en-US" altLang="ko-KR" dirty="0"/>
-              <a:t>) [</a:t>
-            </a:r>
-            <a:r>
-              <a:rPr lang="ko-KR" altLang="en-US" dirty="0"/>
-              <a:t>사용 스킬</a:t>
+              <a:t>데미지</a:t>
             </a:r>
             <a:r>
               <a:rPr lang="en-US" altLang="ko-KR" dirty="0"/>
@@ -16602,60 +16701,6 @@
             </a:r>
             <a:r>
               <a:rPr lang="ko-KR" altLang="en-US" dirty="0"/>
-              <a:t>을</a:t>
-            </a:r>
-            <a:r>
-              <a:rPr lang="en-US" altLang="ko-KR" dirty="0"/>
-              <a:t>(</a:t>
-            </a:r>
-            <a:r>
-              <a:rPr lang="ko-KR" altLang="en-US" dirty="0"/>
-              <a:t>를</a:t>
-            </a:r>
-            <a:r>
-              <a:rPr lang="en-US" altLang="ko-KR" dirty="0"/>
-              <a:t>) </a:t>
-            </a:r>
-            <a:r>
-              <a:rPr lang="ko-KR" altLang="en-US" dirty="0"/>
-              <a:t>사용하였다</a:t>
-            </a:r>
-            <a:r>
-              <a:rPr lang="en-US" altLang="ko-KR" dirty="0"/>
-              <a:t>!</a:t>
-            </a:r>
-          </a:p>
-          <a:p>
-            <a:r>
-              <a:rPr lang="en-US" altLang="ko-KR" dirty="0"/>
-              <a:t>[</a:t>
-            </a:r>
-            <a:r>
-              <a:rPr lang="ko-KR" altLang="en-US" dirty="0"/>
-              <a:t>플레이어</a:t>
-            </a:r>
-            <a:r>
-              <a:rPr lang="en-US" altLang="ko-KR" dirty="0"/>
-              <a:t>]</a:t>
-            </a:r>
-            <a:r>
-              <a:rPr lang="ko-KR" altLang="en-US" dirty="0"/>
-              <a:t>에게 </a:t>
-            </a:r>
-            <a:r>
-              <a:rPr lang="en-US" altLang="ko-KR" dirty="0"/>
-              <a:t>[</a:t>
-            </a:r>
-            <a:r>
-              <a:rPr lang="ko-KR" altLang="en-US" dirty="0"/>
-              <a:t>데미지</a:t>
-            </a:r>
-            <a:r>
-              <a:rPr lang="en-US" altLang="ko-KR" dirty="0"/>
-              <a:t>]</a:t>
-            </a:r>
-            <a:r>
-              <a:rPr lang="ko-KR" altLang="en-US" dirty="0"/>
               <a:t>의 피해를 입혔다</a:t>
             </a:r>
             <a:r>
@@ -16663,61 +16708,14 @@
               <a:t>.</a:t>
             </a:r>
           </a:p>
-          <a:p>
-            <a:r>
-              <a:rPr lang="en-US" altLang="ko-KR" dirty="0"/>
-              <a:t>[</a:t>
-            </a:r>
-            <a:r>
-              <a:rPr lang="ko-KR" altLang="en-US" dirty="0"/>
-              <a:t>플레이어가</a:t>
-            </a:r>
-            <a:r>
-              <a:rPr lang="en-US" altLang="ko-KR" dirty="0"/>
-              <a:t>] [</a:t>
-            </a:r>
-            <a:r>
-              <a:rPr lang="ko-KR" altLang="en-US" dirty="0"/>
-              <a:t>효과</a:t>
-            </a:r>
-            <a:r>
-              <a:rPr lang="en-US" altLang="ko-KR" dirty="0"/>
-              <a:t>1], [</a:t>
-            </a:r>
-            <a:r>
-              <a:rPr lang="ko-KR" altLang="en-US" dirty="0"/>
-              <a:t>효과</a:t>
-            </a:r>
-            <a:r>
-              <a:rPr lang="en-US" altLang="ko-KR" dirty="0"/>
-              <a:t>2], [</a:t>
-            </a:r>
-            <a:r>
-              <a:rPr lang="ko-KR" altLang="en-US" dirty="0"/>
-              <a:t>효과</a:t>
-            </a:r>
-            <a:r>
-              <a:rPr lang="en-US" altLang="ko-KR" dirty="0"/>
-              <a:t>3]</a:t>
-            </a:r>
-            <a:r>
-              <a:rPr lang="ko-KR" altLang="en-US" dirty="0"/>
-              <a:t> 효과를 받았다</a:t>
-            </a:r>
-            <a:r>
-              <a:rPr lang="en-US" altLang="ko-KR" dirty="0"/>
-              <a:t>.</a:t>
-            </a:r>
-            <a:endParaRPr lang="ko-KR" altLang="en-US" dirty="0"/>
-          </a:p>
-        </p:txBody>
-      </p:sp>
-      <p:sp>
-        <p:nvSpPr>
-          <p:cNvPr id="19" name="TextBox 18">
-            <a:extLst>
-              <a:ext uri="{FF2B5EF4-FFF2-40B4-BE49-F238E27FC236}">
-                <a16:creationId xmlns:a16="http://schemas.microsoft.com/office/drawing/2014/main" id="{1FB1290A-5FE5-D16A-AFA7-C22608B2FEDC}"/>
+        </p:txBody>
+      </p:sp>
+      <p:sp>
+        <p:nvSpPr>
+          <p:cNvPr id="14" name="TextBox 13">
+            <a:extLst>
+              <a:ext uri="{FF2B5EF4-FFF2-40B4-BE49-F238E27FC236}">
+                <a16:creationId xmlns:a16="http://schemas.microsoft.com/office/drawing/2014/main" id="{17BE744F-2698-7F07-3EF8-071636830D20}"/>
               </a:ext>
             </a:extLst>
           </p:cNvPr>
@@ -16726,8 +16724,8 @@
         </p:nvSpPr>
         <p:spPr>
           <a:xfrm>
-            <a:off x="201961" y="2181982"/>
-            <a:ext cx="5564344" cy="923330"/>
+            <a:off x="201961" y="1660380"/>
+            <a:ext cx="5564344" cy="646331"/>
           </a:xfrm>
           <a:prstGeom prst="rect">
             <a:avLst/>
@@ -16735,7 +16733,7 @@
           <a:noFill/>
         </p:spPr>
         <p:txBody>
-          <a:bodyPr wrap="none" rtlCol="0">
+          <a:bodyPr wrap="square" rtlCol="0">
             <a:spAutoFit/>
           </a:bodyPr>
           <a:lstStyle/>
@@ -16839,61 +16837,14 @@
               <a:t>.</a:t>
             </a:r>
           </a:p>
-          <a:p>
-            <a:r>
-              <a:rPr lang="en-US" altLang="ko-KR" dirty="0"/>
-              <a:t>[</a:t>
-            </a:r>
-            <a:r>
-              <a:rPr lang="ko-KR" altLang="en-US" dirty="0"/>
-              <a:t>플레이어가</a:t>
-            </a:r>
-            <a:r>
-              <a:rPr lang="en-US" altLang="ko-KR" dirty="0"/>
-              <a:t>] [</a:t>
-            </a:r>
-            <a:r>
-              <a:rPr lang="ko-KR" altLang="en-US" dirty="0"/>
-              <a:t>효과</a:t>
-            </a:r>
-            <a:r>
-              <a:rPr lang="en-US" altLang="ko-KR" dirty="0"/>
-              <a:t>1], [</a:t>
-            </a:r>
-            <a:r>
-              <a:rPr lang="ko-KR" altLang="en-US" dirty="0"/>
-              <a:t>효과</a:t>
-            </a:r>
-            <a:r>
-              <a:rPr lang="en-US" altLang="ko-KR" dirty="0"/>
-              <a:t>2], [</a:t>
-            </a:r>
-            <a:r>
-              <a:rPr lang="ko-KR" altLang="en-US" dirty="0"/>
-              <a:t>효과</a:t>
-            </a:r>
-            <a:r>
-              <a:rPr lang="en-US" altLang="ko-KR" dirty="0"/>
-              <a:t>3]</a:t>
-            </a:r>
-            <a:r>
-              <a:rPr lang="ko-KR" altLang="en-US" dirty="0"/>
-              <a:t> 효과를 받았다</a:t>
-            </a:r>
-            <a:r>
-              <a:rPr lang="en-US" altLang="ko-KR" dirty="0"/>
-              <a:t>.</a:t>
-            </a:r>
-            <a:endParaRPr lang="ko-KR" altLang="en-US" dirty="0"/>
-          </a:p>
-        </p:txBody>
-      </p:sp>
-      <p:sp>
-        <p:nvSpPr>
-          <p:cNvPr id="20" name="TextBox 19">
-            <a:extLst>
-              <a:ext uri="{FF2B5EF4-FFF2-40B4-BE49-F238E27FC236}">
-                <a16:creationId xmlns:a16="http://schemas.microsoft.com/office/drawing/2014/main" id="{8BF7B36C-6E23-B9A0-73F5-20B6DA284B93}"/>
+        </p:txBody>
+      </p:sp>
+      <p:sp>
+        <p:nvSpPr>
+          <p:cNvPr id="17" name="TextBox 16">
+            <a:extLst>
+              <a:ext uri="{FF2B5EF4-FFF2-40B4-BE49-F238E27FC236}">
+                <a16:creationId xmlns:a16="http://schemas.microsoft.com/office/drawing/2014/main" id="{83DB08CA-F0E3-DFDB-C41B-7BF84D334A87}"/>
               </a:ext>
             </a:extLst>
           </p:cNvPr>
@@ -16902,8 +16853,8 @@
         </p:nvSpPr>
         <p:spPr>
           <a:xfrm>
-            <a:off x="201961" y="3185731"/>
-            <a:ext cx="5564344" cy="923330"/>
+            <a:off x="201961" y="3855999"/>
+            <a:ext cx="5564344" cy="646331"/>
           </a:xfrm>
           <a:prstGeom prst="rect">
             <a:avLst/>
@@ -16911,7 +16862,7 @@
           <a:noFill/>
         </p:spPr>
         <p:txBody>
-          <a:bodyPr wrap="none" rtlCol="0">
+          <a:bodyPr wrap="square" rtlCol="0">
             <a:spAutoFit/>
           </a:bodyPr>
           <a:lstStyle/>
@@ -16922,6 +16873,68 @@
             </a:r>
             <a:r>
               <a:rPr lang="ko-KR" altLang="en-US" dirty="0"/>
+              <a:t>플레이어</a:t>
+            </a:r>
+            <a:r>
+              <a:rPr lang="en-US" altLang="ko-KR" dirty="0"/>
+              <a:t>] </a:t>
+            </a:r>
+            <a:r>
+              <a:rPr lang="ko-KR" altLang="en-US" dirty="0"/>
+              <a:t>이</a:t>
+            </a:r>
+            <a:r>
+              <a:rPr lang="en-US" altLang="ko-KR" dirty="0"/>
+              <a:t>(</a:t>
+            </a:r>
+            <a:r>
+              <a:rPr lang="ko-KR" altLang="en-US" dirty="0"/>
+              <a:t>가</a:t>
+            </a:r>
+            <a:r>
+              <a:rPr lang="en-US" altLang="ko-KR" dirty="0"/>
+              <a:t>) [</a:t>
+            </a:r>
+            <a:r>
+              <a:rPr lang="ko-KR" altLang="en-US" dirty="0"/>
+              <a:t>사용 스킬</a:t>
+            </a:r>
+            <a:r>
+              <a:rPr lang="en-US" altLang="ko-KR" dirty="0"/>
+              <a:t>]</a:t>
+            </a:r>
+            <a:r>
+              <a:rPr lang="ko-KR" altLang="en-US" dirty="0"/>
+              <a:t>을</a:t>
+            </a:r>
+            <a:r>
+              <a:rPr lang="en-US" altLang="ko-KR" dirty="0"/>
+              <a:t>(</a:t>
+            </a:r>
+            <a:r>
+              <a:rPr lang="ko-KR" altLang="en-US" dirty="0"/>
+              <a:t>를</a:t>
+            </a:r>
+            <a:r>
+              <a:rPr lang="en-US" altLang="ko-KR" dirty="0"/>
+              <a:t>) </a:t>
+            </a:r>
+            <a:r>
+              <a:rPr lang="ko-KR" altLang="en-US" dirty="0"/>
+              <a:t>사용하였다</a:t>
+            </a:r>
+            <a:r>
+              <a:rPr lang="en-US" altLang="ko-KR" dirty="0"/>
+              <a:t>!</a:t>
+            </a:r>
+          </a:p>
+          <a:p>
+            <a:r>
+              <a:rPr lang="en-US" altLang="ko-KR" dirty="0"/>
+              <a:t>[</a:t>
+            </a:r>
+            <a:r>
+              <a:rPr lang="ko-KR" altLang="en-US" dirty="0"/>
               <a:t>몬스터</a:t>
             </a:r>
             <a:r>
@@ -16930,23 +16943,15 @@
             </a:r>
             <a:r>
               <a:rPr lang="ko-KR" altLang="en-US" dirty="0"/>
-              <a:t>이</a:t>
+              <a:t>에게 </a:t>
             </a:r>
             <a:r>
               <a:rPr lang="en-US" altLang="ko-KR" dirty="0"/>
-              <a:t>(</a:t>
+              <a:t>[</a:t>
             </a:r>
             <a:r>
               <a:rPr lang="ko-KR" altLang="en-US" dirty="0"/>
-              <a:t>가</a:t>
-            </a:r>
-            <a:r>
-              <a:rPr lang="en-US" altLang="ko-KR" dirty="0"/>
-              <a:t>) [</a:t>
-            </a:r>
-            <a:r>
-              <a:rPr lang="ko-KR" altLang="en-US" dirty="0"/>
-              <a:t>사용 스킬</a:t>
+              <a:t>데미지</a:t>
             </a:r>
             <a:r>
               <a:rPr lang="en-US" altLang="ko-KR" dirty="0"/>
@@ -16954,60 +16959,6 @@
             </a:r>
             <a:r>
               <a:rPr lang="ko-KR" altLang="en-US" dirty="0"/>
-              <a:t>을</a:t>
-            </a:r>
-            <a:r>
-              <a:rPr lang="en-US" altLang="ko-KR" dirty="0"/>
-              <a:t>(</a:t>
-            </a:r>
-            <a:r>
-              <a:rPr lang="ko-KR" altLang="en-US" dirty="0"/>
-              <a:t>를</a:t>
-            </a:r>
-            <a:r>
-              <a:rPr lang="en-US" altLang="ko-KR" dirty="0"/>
-              <a:t>) </a:t>
-            </a:r>
-            <a:r>
-              <a:rPr lang="ko-KR" altLang="en-US" dirty="0"/>
-              <a:t>사용하였다</a:t>
-            </a:r>
-            <a:r>
-              <a:rPr lang="en-US" altLang="ko-KR" dirty="0"/>
-              <a:t>!</a:t>
-            </a:r>
-          </a:p>
-          <a:p>
-            <a:r>
-              <a:rPr lang="en-US" altLang="ko-KR" dirty="0"/>
-              <a:t>[</a:t>
-            </a:r>
-            <a:r>
-              <a:rPr lang="ko-KR" altLang="en-US" dirty="0"/>
-              <a:t>플레이어</a:t>
-            </a:r>
-            <a:r>
-              <a:rPr lang="en-US" altLang="ko-KR" dirty="0"/>
-              <a:t>]</a:t>
-            </a:r>
-            <a:r>
-              <a:rPr lang="ko-KR" altLang="en-US" dirty="0"/>
-              <a:t>에게 </a:t>
-            </a:r>
-            <a:r>
-              <a:rPr lang="en-US" altLang="ko-KR" dirty="0"/>
-              <a:t>[</a:t>
-            </a:r>
-            <a:r>
-              <a:rPr lang="ko-KR" altLang="en-US" dirty="0"/>
-              <a:t>데미지</a:t>
-            </a:r>
-            <a:r>
-              <a:rPr lang="en-US" altLang="ko-KR" dirty="0"/>
-              <a:t>]</a:t>
-            </a:r>
-            <a:r>
-              <a:rPr lang="ko-KR" altLang="en-US" dirty="0"/>
               <a:t>의 피해를 입혔다</a:t>
             </a:r>
             <a:r>
@@ -17015,61 +16966,14 @@
               <a:t>.</a:t>
             </a:r>
           </a:p>
-          <a:p>
-            <a:r>
-              <a:rPr lang="en-US" altLang="ko-KR" dirty="0"/>
-              <a:t>[</a:t>
-            </a:r>
-            <a:r>
-              <a:rPr lang="ko-KR" altLang="en-US" dirty="0"/>
-              <a:t>플레이어가</a:t>
-            </a:r>
-            <a:r>
-              <a:rPr lang="en-US" altLang="ko-KR" dirty="0"/>
-              <a:t>] [</a:t>
-            </a:r>
-            <a:r>
-              <a:rPr lang="ko-KR" altLang="en-US" dirty="0"/>
-              <a:t>효과</a:t>
-            </a:r>
-            <a:r>
-              <a:rPr lang="en-US" altLang="ko-KR" dirty="0"/>
-              <a:t>1], [</a:t>
-            </a:r>
-            <a:r>
-              <a:rPr lang="ko-KR" altLang="en-US" dirty="0"/>
-              <a:t>효과</a:t>
-            </a:r>
-            <a:r>
-              <a:rPr lang="en-US" altLang="ko-KR" dirty="0"/>
-              <a:t>2], [</a:t>
-            </a:r>
-            <a:r>
-              <a:rPr lang="ko-KR" altLang="en-US" dirty="0"/>
-              <a:t>효과</a:t>
-            </a:r>
-            <a:r>
-              <a:rPr lang="en-US" altLang="ko-KR" dirty="0"/>
-              <a:t>3]</a:t>
-            </a:r>
-            <a:r>
-              <a:rPr lang="ko-KR" altLang="en-US" dirty="0"/>
-              <a:t> 효과를 받았다</a:t>
-            </a:r>
-            <a:r>
-              <a:rPr lang="en-US" altLang="ko-KR" dirty="0"/>
-              <a:t>.</a:t>
-            </a:r>
-            <a:endParaRPr lang="ko-KR" altLang="en-US" dirty="0"/>
-          </a:p>
-        </p:txBody>
-      </p:sp>
-      <p:sp>
-        <p:nvSpPr>
-          <p:cNvPr id="23" name="TextBox 22">
-            <a:extLst>
-              <a:ext uri="{FF2B5EF4-FFF2-40B4-BE49-F238E27FC236}">
-                <a16:creationId xmlns:a16="http://schemas.microsoft.com/office/drawing/2014/main" id="{B0A48901-C595-567D-AC1C-B00A776C5B17}"/>
+        </p:txBody>
+      </p:sp>
+      <p:sp>
+        <p:nvSpPr>
+          <p:cNvPr id="21" name="TextBox 20">
+            <a:extLst>
+              <a:ext uri="{FF2B5EF4-FFF2-40B4-BE49-F238E27FC236}">
+                <a16:creationId xmlns:a16="http://schemas.microsoft.com/office/drawing/2014/main" id="{78487728-FAE5-A9A0-0963-9B4EA02D6733}"/>
               </a:ext>
             </a:extLst>
           </p:cNvPr>
@@ -17078,8 +16982,8 @@
         </p:nvSpPr>
         <p:spPr>
           <a:xfrm>
-            <a:off x="201961" y="4189480"/>
-            <a:ext cx="5564344" cy="923330"/>
+            <a:off x="201961" y="3124126"/>
+            <a:ext cx="5564344" cy="646331"/>
           </a:xfrm>
           <a:prstGeom prst="rect">
             <a:avLst/>
@@ -17087,7 +16991,7 @@
           <a:noFill/>
         </p:spPr>
         <p:txBody>
-          <a:bodyPr wrap="none" rtlCol="0">
+          <a:bodyPr wrap="square" rtlCol="0">
             <a:spAutoFit/>
           </a:bodyPr>
           <a:lstStyle/>
@@ -17190,116 +17094,6 @@
               <a:rPr lang="en-US" altLang="ko-KR" dirty="0"/>
               <a:t>.</a:t>
             </a:r>
-          </a:p>
-          <a:p>
-            <a:r>
-              <a:rPr lang="en-US" altLang="ko-KR" dirty="0"/>
-              <a:t>[</a:t>
-            </a:r>
-            <a:r>
-              <a:rPr lang="ko-KR" altLang="en-US" dirty="0"/>
-              <a:t>플레이어가</a:t>
-            </a:r>
-            <a:r>
-              <a:rPr lang="en-US" altLang="ko-KR" dirty="0"/>
-              <a:t>] [</a:t>
-            </a:r>
-            <a:r>
-              <a:rPr lang="ko-KR" altLang="en-US" dirty="0"/>
-              <a:t>효과</a:t>
-            </a:r>
-            <a:r>
-              <a:rPr lang="en-US" altLang="ko-KR" dirty="0"/>
-              <a:t>1], [</a:t>
-            </a:r>
-            <a:r>
-              <a:rPr lang="ko-KR" altLang="en-US" dirty="0"/>
-              <a:t>효과</a:t>
-            </a:r>
-            <a:r>
-              <a:rPr lang="en-US" altLang="ko-KR" dirty="0"/>
-              <a:t>2], [</a:t>
-            </a:r>
-            <a:r>
-              <a:rPr lang="ko-KR" altLang="en-US" dirty="0"/>
-              <a:t>효과</a:t>
-            </a:r>
-            <a:r>
-              <a:rPr lang="en-US" altLang="ko-KR" dirty="0"/>
-              <a:t>3]</a:t>
-            </a:r>
-            <a:r>
-              <a:rPr lang="ko-KR" altLang="en-US" dirty="0"/>
-              <a:t> 효과를 받았다</a:t>
-            </a:r>
-            <a:r>
-              <a:rPr lang="en-US" altLang="ko-KR" dirty="0"/>
-              <a:t>.</a:t>
-            </a:r>
-            <a:endParaRPr lang="ko-KR" altLang="en-US" dirty="0"/>
-          </a:p>
-        </p:txBody>
-      </p:sp>
-      <p:sp>
-        <p:nvSpPr>
-          <p:cNvPr id="4" name="직사각형 3">
-            <a:extLst>
-              <a:ext uri="{FF2B5EF4-FFF2-40B4-BE49-F238E27FC236}">
-                <a16:creationId xmlns:a16="http://schemas.microsoft.com/office/drawing/2014/main" id="{DC107C84-1418-2722-A350-06D62CEC8639}"/>
-              </a:ext>
-            </a:extLst>
-          </p:cNvPr>
-          <p:cNvSpPr/>
-          <p:nvPr/>
-        </p:nvSpPr>
-        <p:spPr>
-          <a:xfrm>
-            <a:off x="167255" y="6266328"/>
-            <a:ext cx="11841865" cy="417500"/>
-          </a:xfrm>
-          <a:prstGeom prst="rect">
-            <a:avLst/>
-          </a:prstGeom>
-          <a:solidFill>
-            <a:schemeClr val="bg1">
-              <a:lumMod val="85000"/>
-            </a:schemeClr>
-          </a:solidFill>
-        </p:spPr>
-        <p:style>
-          <a:lnRef idx="2">
-            <a:schemeClr val="accent1">
-              <a:shade val="15000"/>
-            </a:schemeClr>
-          </a:lnRef>
-          <a:fillRef idx="1">
-            <a:schemeClr val="accent1"/>
-          </a:fillRef>
-          <a:effectRef idx="0">
-            <a:schemeClr val="accent1"/>
-          </a:effectRef>
-          <a:fontRef idx="minor">
-            <a:schemeClr val="lt1"/>
-          </a:fontRef>
-        </p:style>
-        <p:txBody>
-          <a:bodyPr rtlCol="0" anchor="ctr"/>
-          <a:lstStyle/>
-          <a:p>
-            <a:pPr algn="ctr"/>
-            <a:r>
-              <a:rPr lang="ko-KR" altLang="en-US" b="1" dirty="0" err="1">
-                <a:solidFill>
-                  <a:schemeClr val="tx1"/>
-                </a:solidFill>
-              </a:rPr>
-              <a:t>입력창</a:t>
-            </a:r>
-            <a:endParaRPr lang="ko-KR" altLang="en-US" b="1" dirty="0">
-              <a:solidFill>
-                <a:schemeClr val="tx1"/>
-              </a:solidFill>
-            </a:endParaRPr>
           </a:p>
         </p:txBody>
       </p:sp>

--- a/Documents/TextRPG_와이어프레임.pptx
+++ b/Documents/TextRPG_와이어프레임.pptx
@@ -5,24 +5,19 @@
     <p:sldMasterId id="2147483648" r:id="rId1"/>
   </p:sldMasterIdLst>
   <p:notesMasterIdLst>
-    <p:notesMasterId r:id="rId17"/>
+    <p:notesMasterId r:id="rId12"/>
   </p:notesMasterIdLst>
   <p:sldIdLst>
     <p:sldId id="261" r:id="rId2"/>
     <p:sldId id="260" r:id="rId3"/>
     <p:sldId id="259" r:id="rId4"/>
-    <p:sldId id="256" r:id="rId5"/>
+    <p:sldId id="272" r:id="rId5"/>
     <p:sldId id="269" r:id="rId6"/>
     <p:sldId id="270" r:id="rId7"/>
     <p:sldId id="262" r:id="rId8"/>
     <p:sldId id="258" r:id="rId9"/>
     <p:sldId id="263" r:id="rId10"/>
     <p:sldId id="264" r:id="rId11"/>
-    <p:sldId id="265" r:id="rId12"/>
-    <p:sldId id="266" r:id="rId13"/>
-    <p:sldId id="268" r:id="rId14"/>
-    <p:sldId id="267" r:id="rId15"/>
-    <p:sldId id="271" r:id="rId16"/>
   </p:sldIdLst>
   <p:sldSz cx="12192000" cy="6858000"/>
   <p:notesSz cx="6858000" cy="9144000"/>
@@ -211,7 +206,7 @@
           <a:p>
             <a:fld id="{102E072E-BCF3-4762-BBF4-FE8C5F0CA22F}" type="datetimeFigureOut">
               <a:rPr lang="ko-KR" altLang="en-US" smtClean="0"/>
-              <a:t>2024-09-27</a:t>
+              <a:t>2024-10-01</a:t>
             </a:fld>
             <a:endParaRPr lang="ko-KR" altLang="en-US"/>
           </a:p>
@@ -851,7 +846,7 @@
     </p:spTree>
     <p:extLst>
       <p:ext uri="{BB962C8B-B14F-4D97-AF65-F5344CB8AC3E}">
-        <p14:creationId xmlns:p14="http://schemas.microsoft.com/office/powerpoint/2010/main" val="994552304"/>
+        <p14:creationId xmlns:p14="http://schemas.microsoft.com/office/powerpoint/2010/main" val="1903024958"/>
       </p:ext>
     </p:extLst>
   </p:cSld>
@@ -1507,7 +1502,7 @@
           <a:p>
             <a:fld id="{F30C66EB-5EC5-42D4-833D-B3D8B52983C7}" type="datetimeFigureOut">
               <a:rPr lang="ko-KR" altLang="en-US" smtClean="0"/>
-              <a:t>2024-09-27</a:t>
+              <a:t>2024-10-01</a:t>
             </a:fld>
             <a:endParaRPr lang="ko-KR" altLang="en-US"/>
           </a:p>
@@ -1705,7 +1700,7 @@
           <a:p>
             <a:fld id="{F30C66EB-5EC5-42D4-833D-B3D8B52983C7}" type="datetimeFigureOut">
               <a:rPr lang="ko-KR" altLang="en-US" smtClean="0"/>
-              <a:t>2024-09-27</a:t>
+              <a:t>2024-10-01</a:t>
             </a:fld>
             <a:endParaRPr lang="ko-KR" altLang="en-US"/>
           </a:p>
@@ -1913,7 +1908,7 @@
           <a:p>
             <a:fld id="{F30C66EB-5EC5-42D4-833D-B3D8B52983C7}" type="datetimeFigureOut">
               <a:rPr lang="ko-KR" altLang="en-US" smtClean="0"/>
-              <a:t>2024-09-27</a:t>
+              <a:t>2024-10-01</a:t>
             </a:fld>
             <a:endParaRPr lang="ko-KR" altLang="en-US"/>
           </a:p>
@@ -2111,7 +2106,7 @@
           <a:p>
             <a:fld id="{F30C66EB-5EC5-42D4-833D-B3D8B52983C7}" type="datetimeFigureOut">
               <a:rPr lang="ko-KR" altLang="en-US" smtClean="0"/>
-              <a:t>2024-09-27</a:t>
+              <a:t>2024-10-01</a:t>
             </a:fld>
             <a:endParaRPr lang="ko-KR" altLang="en-US"/>
           </a:p>
@@ -2386,7 +2381,7 @@
           <a:p>
             <a:fld id="{F30C66EB-5EC5-42D4-833D-B3D8B52983C7}" type="datetimeFigureOut">
               <a:rPr lang="ko-KR" altLang="en-US" smtClean="0"/>
-              <a:t>2024-09-27</a:t>
+              <a:t>2024-10-01</a:t>
             </a:fld>
             <a:endParaRPr lang="ko-KR" altLang="en-US"/>
           </a:p>
@@ -2651,7 +2646,7 @@
           <a:p>
             <a:fld id="{F30C66EB-5EC5-42D4-833D-B3D8B52983C7}" type="datetimeFigureOut">
               <a:rPr lang="ko-KR" altLang="en-US" smtClean="0"/>
-              <a:t>2024-09-27</a:t>
+              <a:t>2024-10-01</a:t>
             </a:fld>
             <a:endParaRPr lang="ko-KR" altLang="en-US"/>
           </a:p>
@@ -3063,7 +3058,7 @@
           <a:p>
             <a:fld id="{F30C66EB-5EC5-42D4-833D-B3D8B52983C7}" type="datetimeFigureOut">
               <a:rPr lang="ko-KR" altLang="en-US" smtClean="0"/>
-              <a:t>2024-09-27</a:t>
+              <a:t>2024-10-01</a:t>
             </a:fld>
             <a:endParaRPr lang="ko-KR" altLang="en-US"/>
           </a:p>
@@ -3204,7 +3199,7 @@
           <a:p>
             <a:fld id="{F30C66EB-5EC5-42D4-833D-B3D8B52983C7}" type="datetimeFigureOut">
               <a:rPr lang="ko-KR" altLang="en-US" smtClean="0"/>
-              <a:t>2024-09-27</a:t>
+              <a:t>2024-10-01</a:t>
             </a:fld>
             <a:endParaRPr lang="ko-KR" altLang="en-US"/>
           </a:p>
@@ -3317,7 +3312,7 @@
           <a:p>
             <a:fld id="{F30C66EB-5EC5-42D4-833D-B3D8B52983C7}" type="datetimeFigureOut">
               <a:rPr lang="ko-KR" altLang="en-US" smtClean="0"/>
-              <a:t>2024-09-27</a:t>
+              <a:t>2024-10-01</a:t>
             </a:fld>
             <a:endParaRPr lang="ko-KR" altLang="en-US"/>
           </a:p>
@@ -3628,7 +3623,7 @@
           <a:p>
             <a:fld id="{F30C66EB-5EC5-42D4-833D-B3D8B52983C7}" type="datetimeFigureOut">
               <a:rPr lang="ko-KR" altLang="en-US" smtClean="0"/>
-              <a:t>2024-09-27</a:t>
+              <a:t>2024-10-01</a:t>
             </a:fld>
             <a:endParaRPr lang="ko-KR" altLang="en-US"/>
           </a:p>
@@ -3916,7 +3911,7 @@
           <a:p>
             <a:fld id="{F30C66EB-5EC5-42D4-833D-B3D8B52983C7}" type="datetimeFigureOut">
               <a:rPr lang="ko-KR" altLang="en-US" smtClean="0"/>
-              <a:t>2024-09-27</a:t>
+              <a:t>2024-10-01</a:t>
             </a:fld>
             <a:endParaRPr lang="ko-KR" altLang="en-US"/>
           </a:p>
@@ -4160,7 +4155,7 @@
           <a:p>
             <a:fld id="{F30C66EB-5EC5-42D4-833D-B3D8B52983C7}" type="datetimeFigureOut">
               <a:rPr lang="ko-KR" altLang="en-US" smtClean="0"/>
-              <a:t>2024-09-27</a:t>
+              <a:t>2024-10-01</a:t>
             </a:fld>
             <a:endParaRPr lang="ko-KR" altLang="en-US"/>
           </a:p>
@@ -7552,3729 +7547,6 @@
 </p:sld>
 </file>
 
-<file path=ppt/slides/slide11.xml><?xml version="1.0" encoding="utf-8"?>
-<p:sld xmlns:a="http://schemas.openxmlformats.org/drawingml/2006/main" xmlns:r="http://schemas.openxmlformats.org/officeDocument/2006/relationships" xmlns:p="http://schemas.openxmlformats.org/presentationml/2006/main">
-  <p:cSld>
-    <p:bg>
-      <p:bgPr>
-        <a:solidFill>
-          <a:schemeClr val="bg1"/>
-        </a:solidFill>
-        <a:effectLst/>
-      </p:bgPr>
-    </p:bg>
-    <p:spTree>
-      <p:nvGrpSpPr>
-        <p:cNvPr id="1" name=""/>
-        <p:cNvGrpSpPr/>
-        <p:nvPr/>
-      </p:nvGrpSpPr>
-      <p:grpSpPr>
-        <a:xfrm>
-          <a:off x="0" y="0"/>
-          <a:ext cx="0" cy="0"/>
-          <a:chOff x="0" y="0"/>
-          <a:chExt cx="0" cy="0"/>
-        </a:xfrm>
-      </p:grpSpPr>
-      <p:sp>
-        <p:nvSpPr>
-          <p:cNvPr id="2" name="TextBox 1">
-            <a:extLst>
-              <a:ext uri="{FF2B5EF4-FFF2-40B4-BE49-F238E27FC236}">
-                <a16:creationId xmlns:a16="http://schemas.microsoft.com/office/drawing/2014/main" id="{F9DE207E-56CB-76AE-2106-43FD4CD482AA}"/>
-              </a:ext>
-            </a:extLst>
-          </p:cNvPr>
-          <p:cNvSpPr txBox="1"/>
-          <p:nvPr/>
-        </p:nvSpPr>
-        <p:spPr>
-          <a:xfrm>
-            <a:off x="528918" y="418411"/>
-            <a:ext cx="3400290" cy="454292"/>
-          </a:xfrm>
-          <a:prstGeom prst="rect">
-            <a:avLst/>
-          </a:prstGeom>
-          <a:noFill/>
-        </p:spPr>
-        <p:txBody>
-          <a:bodyPr wrap="none" rtlCol="0">
-            <a:spAutoFit/>
-          </a:bodyPr>
-          <a:lstStyle/>
-          <a:p>
-            <a:pPr>
-              <a:lnSpc>
-                <a:spcPct val="150000"/>
-              </a:lnSpc>
-            </a:pPr>
-            <a:r>
-              <a:rPr lang="ko-KR" altLang="en-US" dirty="0"/>
-              <a:t>인터페이스 속성 정리 </a:t>
-            </a:r>
-            <a:r>
-              <a:rPr lang="en-US" altLang="ko-KR" dirty="0"/>
-              <a:t>– </a:t>
-            </a:r>
-            <a:r>
-              <a:rPr lang="ko-KR" altLang="en-US" dirty="0"/>
-              <a:t>캐릭터</a:t>
-            </a:r>
-            <a:endParaRPr lang="en-US" altLang="ko-KR" dirty="0"/>
-          </a:p>
-        </p:txBody>
-      </p:sp>
-      <p:sp>
-        <p:nvSpPr>
-          <p:cNvPr id="3" name="TextBox 2">
-            <a:extLst>
-              <a:ext uri="{FF2B5EF4-FFF2-40B4-BE49-F238E27FC236}">
-                <a16:creationId xmlns:a16="http://schemas.microsoft.com/office/drawing/2014/main" id="{43A479EE-4B72-730A-D4A4-0E1F8FF5B645}"/>
-              </a:ext>
-            </a:extLst>
-          </p:cNvPr>
-          <p:cNvSpPr txBox="1"/>
-          <p:nvPr/>
-        </p:nvSpPr>
-        <p:spPr>
-          <a:xfrm>
-            <a:off x="801063" y="872703"/>
-            <a:ext cx="5751896" cy="4953279"/>
-          </a:xfrm>
-          <a:prstGeom prst="rect">
-            <a:avLst/>
-          </a:prstGeom>
-          <a:noFill/>
-        </p:spPr>
-        <p:txBody>
-          <a:bodyPr wrap="none" rtlCol="0">
-            <a:spAutoFit/>
-          </a:bodyPr>
-          <a:lstStyle/>
-          <a:p>
-            <a:pPr>
-              <a:lnSpc>
-                <a:spcPct val="150000"/>
-              </a:lnSpc>
-            </a:pPr>
-            <a:r>
-              <a:rPr lang="ko-KR" altLang="en-US" sz="1400" b="1" dirty="0"/>
-              <a:t>캐릭터 인터페이스</a:t>
-            </a:r>
-            <a:endParaRPr lang="en-US" altLang="ko-KR" sz="1400" b="1" dirty="0"/>
-          </a:p>
-          <a:p>
-            <a:pPr marL="342900" indent="-342900">
-              <a:lnSpc>
-                <a:spcPct val="150000"/>
-              </a:lnSpc>
-              <a:buFont typeface="Arial" panose="020B0604020202020204" pitchFamily="34" charset="0"/>
-              <a:buChar char="•"/>
-            </a:pPr>
-            <a:r>
-              <a:rPr lang="ko-KR" altLang="en-US" sz="1400" dirty="0"/>
-              <a:t>이름</a:t>
-            </a:r>
-            <a:endParaRPr lang="en-US" altLang="ko-KR" sz="1400" dirty="0"/>
-          </a:p>
-          <a:p>
-            <a:pPr marL="342900" indent="-342900">
-              <a:lnSpc>
-                <a:spcPct val="150000"/>
-              </a:lnSpc>
-              <a:buFont typeface="Arial" panose="020B0604020202020204" pitchFamily="34" charset="0"/>
-              <a:buChar char="•"/>
-            </a:pPr>
-            <a:r>
-              <a:rPr lang="ko-KR" altLang="en-US" sz="1400" dirty="0"/>
-              <a:t>레벨</a:t>
-            </a:r>
-            <a:endParaRPr lang="en-US" altLang="ko-KR" sz="1400" dirty="0"/>
-          </a:p>
-          <a:p>
-            <a:pPr marL="342900" indent="-342900">
-              <a:lnSpc>
-                <a:spcPct val="150000"/>
-              </a:lnSpc>
-              <a:buFont typeface="Arial" panose="020B0604020202020204" pitchFamily="34" charset="0"/>
-              <a:buChar char="•"/>
-            </a:pPr>
-            <a:r>
-              <a:rPr lang="ko-KR" altLang="en-US" sz="1400" dirty="0"/>
-              <a:t>현재 체력</a:t>
-            </a:r>
-            <a:endParaRPr lang="en-US" altLang="ko-KR" sz="1400" dirty="0"/>
-          </a:p>
-          <a:p>
-            <a:pPr marL="342900" indent="-342900">
-              <a:lnSpc>
-                <a:spcPct val="150000"/>
-              </a:lnSpc>
-              <a:buFont typeface="Arial" panose="020B0604020202020204" pitchFamily="34" charset="0"/>
-              <a:buChar char="•"/>
-            </a:pPr>
-            <a:r>
-              <a:rPr lang="ko-KR" altLang="en-US" sz="1400" dirty="0"/>
-              <a:t>최대 체력</a:t>
-            </a:r>
-            <a:endParaRPr lang="en-US" altLang="ko-KR" sz="1400" dirty="0"/>
-          </a:p>
-          <a:p>
-            <a:pPr marL="342900" indent="-342900">
-              <a:lnSpc>
-                <a:spcPct val="150000"/>
-              </a:lnSpc>
-              <a:buFont typeface="Arial" panose="020B0604020202020204" pitchFamily="34" charset="0"/>
-              <a:buChar char="•"/>
-            </a:pPr>
-            <a:r>
-              <a:rPr lang="ko-KR" altLang="en-US" sz="1400" dirty="0"/>
-              <a:t>공격력</a:t>
-            </a:r>
-            <a:endParaRPr lang="en-US" altLang="ko-KR" sz="1400" dirty="0"/>
-          </a:p>
-          <a:p>
-            <a:pPr marL="342900" indent="-342900">
-              <a:lnSpc>
-                <a:spcPct val="150000"/>
-              </a:lnSpc>
-              <a:buFont typeface="Arial" panose="020B0604020202020204" pitchFamily="34" charset="0"/>
-              <a:buChar char="•"/>
-            </a:pPr>
-            <a:r>
-              <a:rPr lang="ko-KR" altLang="en-US" sz="1400" dirty="0" err="1"/>
-              <a:t>행동력</a:t>
-            </a:r>
-            <a:endParaRPr lang="en-US" altLang="ko-KR" sz="1400" dirty="0"/>
-          </a:p>
-          <a:p>
-            <a:pPr marL="342900" indent="-342900">
-              <a:lnSpc>
-                <a:spcPct val="150000"/>
-              </a:lnSpc>
-              <a:buFont typeface="Arial" panose="020B0604020202020204" pitchFamily="34" charset="0"/>
-              <a:buChar char="•"/>
-            </a:pPr>
-            <a:r>
-              <a:rPr lang="ko-KR" altLang="en-US" sz="1400" dirty="0"/>
-              <a:t>현재 </a:t>
-            </a:r>
-            <a:r>
-              <a:rPr lang="en-US" altLang="ko-KR" sz="1400" dirty="0"/>
-              <a:t>AP</a:t>
-            </a:r>
-          </a:p>
-          <a:p>
-            <a:pPr marL="342900" indent="-342900">
-              <a:lnSpc>
-                <a:spcPct val="150000"/>
-              </a:lnSpc>
-              <a:buFont typeface="Arial" panose="020B0604020202020204" pitchFamily="34" charset="0"/>
-              <a:buChar char="•"/>
-            </a:pPr>
-            <a:r>
-              <a:rPr lang="ko-KR" altLang="en-US" sz="1400" dirty="0"/>
-              <a:t>현재 </a:t>
-            </a:r>
-            <a:r>
-              <a:rPr lang="en-US" altLang="ko-KR" sz="1400" dirty="0"/>
-              <a:t>BP</a:t>
-            </a:r>
-          </a:p>
-          <a:p>
-            <a:pPr marL="342900" indent="-342900">
-              <a:lnSpc>
-                <a:spcPct val="150000"/>
-              </a:lnSpc>
-              <a:buFont typeface="Arial" panose="020B0604020202020204" pitchFamily="34" charset="0"/>
-              <a:buChar char="•"/>
-            </a:pPr>
-            <a:r>
-              <a:rPr lang="ko-KR" altLang="en-US" sz="1400" dirty="0"/>
-              <a:t>최소 </a:t>
-            </a:r>
-            <a:r>
-              <a:rPr lang="en-US" altLang="ko-KR" sz="1400" dirty="0"/>
-              <a:t>BP</a:t>
-            </a:r>
-          </a:p>
-          <a:p>
-            <a:pPr marL="342900" indent="-342900">
-              <a:lnSpc>
-                <a:spcPct val="150000"/>
-              </a:lnSpc>
-              <a:buFont typeface="Arial" panose="020B0604020202020204" pitchFamily="34" charset="0"/>
-              <a:buChar char="•"/>
-            </a:pPr>
-            <a:r>
-              <a:rPr lang="ko-KR" altLang="en-US" sz="1400" dirty="0"/>
-              <a:t>방어력 </a:t>
-            </a:r>
-            <a:r>
-              <a:rPr lang="en-US" altLang="ko-KR" sz="1400" dirty="0"/>
-              <a:t>[</a:t>
-            </a:r>
-            <a:r>
-              <a:rPr lang="ko-KR" altLang="en-US" sz="1400" dirty="0"/>
-              <a:t>데미지를 방어력으로 나눈다</a:t>
-            </a:r>
-            <a:r>
-              <a:rPr lang="en-US" altLang="ko-KR" sz="1400" dirty="0"/>
-              <a:t>.]</a:t>
-            </a:r>
-          </a:p>
-          <a:p>
-            <a:pPr marL="342900" indent="-342900">
-              <a:lnSpc>
-                <a:spcPct val="150000"/>
-              </a:lnSpc>
-              <a:buFont typeface="Arial" panose="020B0604020202020204" pitchFamily="34" charset="0"/>
-              <a:buChar char="•"/>
-            </a:pPr>
-            <a:r>
-              <a:rPr lang="ko-KR" altLang="en-US" sz="1400" dirty="0" err="1"/>
-              <a:t>스텟</a:t>
-            </a:r>
-            <a:r>
-              <a:rPr lang="ko-KR" altLang="en-US" sz="1400" dirty="0"/>
-              <a:t> 랭크 </a:t>
-            </a:r>
-            <a:r>
-              <a:rPr lang="en-US" altLang="ko-KR" sz="1400" dirty="0"/>
-              <a:t>[</a:t>
-            </a:r>
-            <a:r>
-              <a:rPr lang="ko-KR" altLang="en-US" sz="1400" dirty="0"/>
-              <a:t>공격력 </a:t>
-            </a:r>
-            <a:r>
-              <a:rPr lang="en-US" altLang="ko-KR" sz="1400" dirty="0"/>
-              <a:t>/ </a:t>
-            </a:r>
-            <a:r>
-              <a:rPr lang="ko-KR" altLang="en-US" sz="1400" dirty="0"/>
-              <a:t>방어력 </a:t>
-            </a:r>
-            <a:r>
-              <a:rPr lang="en-US" altLang="ko-KR" sz="1400" dirty="0"/>
-              <a:t>/ </a:t>
-            </a:r>
-            <a:r>
-              <a:rPr lang="ko-KR" altLang="en-US" sz="1400" dirty="0"/>
-              <a:t>명중률 </a:t>
-            </a:r>
-            <a:r>
-              <a:rPr lang="en-US" altLang="ko-KR" sz="1400" dirty="0"/>
-              <a:t>/ </a:t>
-            </a:r>
-            <a:r>
-              <a:rPr lang="ko-KR" altLang="en-US" sz="1400" dirty="0" err="1"/>
-              <a:t>회피율</a:t>
-            </a:r>
-            <a:r>
-              <a:rPr lang="ko-KR" altLang="en-US" sz="1400" dirty="0"/>
-              <a:t> </a:t>
-            </a:r>
-            <a:r>
-              <a:rPr lang="en-US" altLang="ko-KR" sz="1400" dirty="0"/>
-              <a:t>/ </a:t>
-            </a:r>
-            <a:r>
-              <a:rPr lang="ko-KR" altLang="en-US" sz="1400" dirty="0"/>
-              <a:t>치명타 확률</a:t>
-            </a:r>
-            <a:r>
-              <a:rPr lang="en-US" altLang="ko-KR" sz="1400" dirty="0"/>
-              <a:t>]</a:t>
-            </a:r>
-          </a:p>
-          <a:p>
-            <a:pPr marL="800100" lvl="1" indent="-342900">
-              <a:lnSpc>
-                <a:spcPct val="150000"/>
-              </a:lnSpc>
-              <a:buFont typeface="Arial" panose="020B0604020202020204" pitchFamily="34" charset="0"/>
-              <a:buChar char="•"/>
-            </a:pPr>
-            <a:r>
-              <a:rPr lang="en-US" altLang="ko-KR" sz="1100" dirty="0"/>
-              <a:t>(Ref. </a:t>
-            </a:r>
-            <a:r>
-              <a:rPr lang="ko-KR" altLang="en-US" sz="1100" dirty="0"/>
-              <a:t>포켓몬스터</a:t>
-            </a:r>
-            <a:r>
-              <a:rPr lang="en-US" altLang="ko-KR" sz="1100" dirty="0"/>
-              <a:t>)</a:t>
-            </a:r>
-          </a:p>
-          <a:p>
-            <a:pPr marL="800100" lvl="1" indent="-342900">
-              <a:lnSpc>
-                <a:spcPct val="150000"/>
-              </a:lnSpc>
-              <a:buFont typeface="Arial" panose="020B0604020202020204" pitchFamily="34" charset="0"/>
-              <a:buChar char="•"/>
-            </a:pPr>
-            <a:r>
-              <a:rPr lang="ko-KR" altLang="en-US" sz="1100" dirty="0"/>
-              <a:t>랭크 </a:t>
-            </a:r>
-            <a:r>
-              <a:rPr lang="en-US" altLang="ko-KR" sz="1100" dirty="0"/>
-              <a:t>+1 </a:t>
-            </a:r>
-            <a:r>
-              <a:rPr lang="ko-KR" altLang="en-US" sz="1100" dirty="0"/>
-              <a:t>당 능력치의 효과가 </a:t>
-            </a:r>
-            <a:r>
-              <a:rPr lang="en-US" altLang="ko-KR" sz="1100" dirty="0"/>
-              <a:t>25% </a:t>
-            </a:r>
-            <a:r>
-              <a:rPr lang="ko-KR" altLang="en-US" sz="1100" dirty="0"/>
-              <a:t>증가한다</a:t>
-            </a:r>
-            <a:r>
-              <a:rPr lang="en-US" altLang="ko-KR" sz="1100" dirty="0"/>
-              <a:t>.</a:t>
-            </a:r>
-          </a:p>
-          <a:p>
-            <a:pPr marL="800100" lvl="1" indent="-342900">
-              <a:lnSpc>
-                <a:spcPct val="150000"/>
-              </a:lnSpc>
-              <a:buFont typeface="Arial" panose="020B0604020202020204" pitchFamily="34" charset="0"/>
-              <a:buChar char="•"/>
-            </a:pPr>
-            <a:r>
-              <a:rPr lang="ko-KR" altLang="en-US" sz="1100" dirty="0"/>
-              <a:t>랭크 </a:t>
-            </a:r>
-            <a:r>
-              <a:rPr lang="en-US" altLang="ko-KR" sz="1100" dirty="0"/>
-              <a:t>-1</a:t>
-            </a:r>
-            <a:r>
-              <a:rPr lang="ko-KR" altLang="en-US" sz="1100" dirty="0"/>
-              <a:t> 당 능력치의 효율이 </a:t>
-            </a:r>
-            <a:r>
-              <a:rPr lang="en-US" altLang="ko-KR" sz="1100" dirty="0"/>
-              <a:t>25% </a:t>
-            </a:r>
-            <a:r>
-              <a:rPr lang="ko-KR" altLang="en-US" sz="1100" dirty="0"/>
-              <a:t>감소한다</a:t>
-            </a:r>
-            <a:r>
-              <a:rPr lang="en-US" altLang="ko-KR" sz="1100" dirty="0"/>
-              <a:t>.</a:t>
-            </a:r>
-            <a:br>
-              <a:rPr lang="en-US" altLang="ko-KR" sz="1100" dirty="0"/>
-            </a:br>
-            <a:r>
-              <a:rPr lang="en-US" altLang="ko-KR" sz="1100" dirty="0"/>
-              <a:t>[</a:t>
-            </a:r>
-            <a:r>
-              <a:rPr lang="ko-KR" altLang="en-US" sz="1100" dirty="0"/>
-              <a:t>능력치 적용 시 </a:t>
-            </a:r>
-            <a:r>
-              <a:rPr lang="en-US" altLang="ko-KR" sz="1100" dirty="0"/>
-              <a:t>Max(1, 1 + 0.25 * Rank) / Max(1, 1 – 0.25 * Rank) </a:t>
-            </a:r>
-            <a:r>
-              <a:rPr lang="ko-KR" altLang="en-US" sz="1100" dirty="0"/>
-              <a:t>곱하기</a:t>
-            </a:r>
-            <a:r>
-              <a:rPr lang="en-US" altLang="ko-KR" sz="1100" dirty="0"/>
-              <a:t>.]</a:t>
-            </a:r>
-          </a:p>
-        </p:txBody>
-      </p:sp>
-      <p:sp>
-        <p:nvSpPr>
-          <p:cNvPr id="4" name="TextBox 3">
-            <a:extLst>
-              <a:ext uri="{FF2B5EF4-FFF2-40B4-BE49-F238E27FC236}">
-                <a16:creationId xmlns:a16="http://schemas.microsoft.com/office/drawing/2014/main" id="{F874557E-6A12-FF18-E904-041B49AAF955}"/>
-              </a:ext>
-            </a:extLst>
-          </p:cNvPr>
-          <p:cNvSpPr txBox="1"/>
-          <p:nvPr/>
-        </p:nvSpPr>
-        <p:spPr>
-          <a:xfrm>
-            <a:off x="7027817" y="792957"/>
-            <a:ext cx="2092239" cy="2636043"/>
-          </a:xfrm>
-          <a:prstGeom prst="rect">
-            <a:avLst/>
-          </a:prstGeom>
-          <a:noFill/>
-        </p:spPr>
-        <p:txBody>
-          <a:bodyPr wrap="none" rtlCol="0">
-            <a:spAutoFit/>
-          </a:bodyPr>
-          <a:lstStyle/>
-          <a:p>
-            <a:pPr>
-              <a:lnSpc>
-                <a:spcPct val="150000"/>
-              </a:lnSpc>
-            </a:pPr>
-            <a:r>
-              <a:rPr lang="ko-KR" altLang="en-US" sz="1400" b="1" dirty="0"/>
-              <a:t>몬스터 인터페이스</a:t>
-            </a:r>
-            <a:endParaRPr lang="en-US" altLang="ko-KR" sz="1400" b="1" dirty="0"/>
-          </a:p>
-          <a:p>
-            <a:pPr marL="342900" indent="-342900">
-              <a:lnSpc>
-                <a:spcPct val="150000"/>
-              </a:lnSpc>
-              <a:buFont typeface="Arial" panose="020B0604020202020204" pitchFamily="34" charset="0"/>
-              <a:buChar char="•"/>
-            </a:pPr>
-            <a:r>
-              <a:rPr lang="ko-KR" altLang="en-US" sz="1400" dirty="0"/>
-              <a:t>몬스터 </a:t>
-            </a:r>
-            <a:r>
-              <a:rPr lang="en-US" altLang="ko-KR" sz="1400" dirty="0"/>
-              <a:t>ID</a:t>
-            </a:r>
-          </a:p>
-          <a:p>
-            <a:pPr marL="342900" indent="-342900">
-              <a:lnSpc>
-                <a:spcPct val="150000"/>
-              </a:lnSpc>
-              <a:buFont typeface="Arial" panose="020B0604020202020204" pitchFamily="34" charset="0"/>
-              <a:buChar char="•"/>
-            </a:pPr>
-            <a:r>
-              <a:rPr lang="ko-KR" altLang="en-US" sz="1400" dirty="0"/>
-              <a:t>드랍 확률</a:t>
-            </a:r>
-            <a:endParaRPr lang="en-US" altLang="ko-KR" sz="1400" dirty="0"/>
-          </a:p>
-          <a:p>
-            <a:pPr marL="342900" indent="-342900">
-              <a:lnSpc>
-                <a:spcPct val="150000"/>
-              </a:lnSpc>
-              <a:buFont typeface="Arial" panose="020B0604020202020204" pitchFamily="34" charset="0"/>
-              <a:buChar char="•"/>
-            </a:pPr>
-            <a:r>
-              <a:rPr lang="ko-KR" altLang="en-US" sz="1400" dirty="0"/>
-              <a:t>드랍 아이템 리스트</a:t>
-            </a:r>
-            <a:endParaRPr lang="en-US" altLang="ko-KR" sz="1400" dirty="0"/>
-          </a:p>
-          <a:p>
-            <a:pPr marL="800100" lvl="1" indent="-342900">
-              <a:lnSpc>
-                <a:spcPct val="150000"/>
-              </a:lnSpc>
-              <a:buFont typeface="Wingdings" panose="05000000000000000000" pitchFamily="2" charset="2"/>
-              <a:buChar char="§"/>
-            </a:pPr>
-            <a:r>
-              <a:rPr lang="ko-KR" altLang="en-US" sz="1400" dirty="0"/>
-              <a:t>아이템 </a:t>
-            </a:r>
-            <a:r>
-              <a:rPr lang="en-US" altLang="ko-KR" sz="1400" dirty="0"/>
-              <a:t>ID</a:t>
-            </a:r>
-          </a:p>
-          <a:p>
-            <a:pPr marL="342900" indent="-342900">
-              <a:lnSpc>
-                <a:spcPct val="150000"/>
-              </a:lnSpc>
-              <a:buFont typeface="Arial" panose="020B0604020202020204" pitchFamily="34" charset="0"/>
-              <a:buChar char="•"/>
-            </a:pPr>
-            <a:r>
-              <a:rPr lang="ko-KR" altLang="en-US" sz="1400" dirty="0"/>
-              <a:t>습득 경험치</a:t>
-            </a:r>
-            <a:endParaRPr lang="en-US" altLang="ko-KR" sz="1400" dirty="0"/>
-          </a:p>
-          <a:p>
-            <a:pPr marL="342900" indent="-342900">
-              <a:lnSpc>
-                <a:spcPct val="150000"/>
-              </a:lnSpc>
-              <a:buFont typeface="Arial" panose="020B0604020202020204" pitchFamily="34" charset="0"/>
-              <a:buChar char="•"/>
-            </a:pPr>
-            <a:r>
-              <a:rPr lang="ko-KR" altLang="en-US" sz="1400" dirty="0"/>
-              <a:t>습득 금액</a:t>
-            </a:r>
-            <a:endParaRPr lang="en-US" altLang="ko-KR" sz="1400" dirty="0"/>
-          </a:p>
-          <a:p>
-            <a:pPr marL="342900" indent="-342900">
-              <a:lnSpc>
-                <a:spcPct val="150000"/>
-              </a:lnSpc>
-              <a:buFont typeface="Arial" panose="020B0604020202020204" pitchFamily="34" charset="0"/>
-              <a:buChar char="•"/>
-            </a:pPr>
-            <a:r>
-              <a:rPr lang="ko-KR" altLang="en-US" sz="1400" dirty="0"/>
-              <a:t>스킬 리스트</a:t>
-            </a:r>
-            <a:endParaRPr lang="en-US" altLang="ko-KR" sz="1400" dirty="0"/>
-          </a:p>
-        </p:txBody>
-      </p:sp>
-      <p:sp>
-        <p:nvSpPr>
-          <p:cNvPr id="5" name="TextBox 4">
-            <a:extLst>
-              <a:ext uri="{FF2B5EF4-FFF2-40B4-BE49-F238E27FC236}">
-                <a16:creationId xmlns:a16="http://schemas.microsoft.com/office/drawing/2014/main" id="{B86F1A14-5A48-C791-0FF7-CD0D2ABE6A1D}"/>
-              </a:ext>
-            </a:extLst>
-          </p:cNvPr>
-          <p:cNvSpPr txBox="1"/>
-          <p:nvPr/>
-        </p:nvSpPr>
-        <p:spPr>
-          <a:xfrm>
-            <a:off x="9031092" y="4398836"/>
-            <a:ext cx="2154757" cy="1989712"/>
-          </a:xfrm>
-          <a:prstGeom prst="rect">
-            <a:avLst/>
-          </a:prstGeom>
-          <a:noFill/>
-        </p:spPr>
-        <p:txBody>
-          <a:bodyPr wrap="none" rtlCol="0">
-            <a:spAutoFit/>
-          </a:bodyPr>
-          <a:lstStyle/>
-          <a:p>
-            <a:pPr>
-              <a:lnSpc>
-                <a:spcPct val="150000"/>
-              </a:lnSpc>
-            </a:pPr>
-            <a:r>
-              <a:rPr lang="ko-KR" altLang="en-US" sz="1400" b="1" dirty="0"/>
-              <a:t>플레이어 인터페이스</a:t>
-            </a:r>
-            <a:endParaRPr lang="en-US" altLang="ko-KR" sz="1400" b="1" dirty="0"/>
-          </a:p>
-          <a:p>
-            <a:pPr marL="342900" indent="-342900">
-              <a:lnSpc>
-                <a:spcPct val="150000"/>
-              </a:lnSpc>
-              <a:buFont typeface="Arial" panose="020B0604020202020204" pitchFamily="34" charset="0"/>
-              <a:buChar char="•"/>
-            </a:pPr>
-            <a:r>
-              <a:rPr lang="ko-KR" altLang="en-US" sz="1400" dirty="0"/>
-              <a:t>종족 </a:t>
-            </a:r>
-            <a:r>
-              <a:rPr lang="en-US" altLang="ko-KR" sz="1400" dirty="0"/>
-              <a:t>(</a:t>
-            </a:r>
-            <a:r>
-              <a:rPr lang="ko-KR" altLang="en-US" sz="1400" dirty="0"/>
-              <a:t>직업 개념</a:t>
-            </a:r>
-            <a:r>
-              <a:rPr lang="en-US" altLang="ko-KR" sz="1400" dirty="0"/>
-              <a:t>.)</a:t>
-            </a:r>
-          </a:p>
-          <a:p>
-            <a:pPr marL="342900" indent="-342900">
-              <a:lnSpc>
-                <a:spcPct val="150000"/>
-              </a:lnSpc>
-              <a:buFont typeface="Arial" panose="020B0604020202020204" pitchFamily="34" charset="0"/>
-              <a:buChar char="•"/>
-            </a:pPr>
-            <a:r>
-              <a:rPr lang="ko-KR" altLang="en-US" sz="1400" dirty="0"/>
-              <a:t>현재 경험치</a:t>
-            </a:r>
-            <a:endParaRPr lang="en-US" altLang="ko-KR" sz="1400" dirty="0"/>
-          </a:p>
-          <a:p>
-            <a:pPr marL="342900" indent="-342900">
-              <a:lnSpc>
-                <a:spcPct val="150000"/>
-              </a:lnSpc>
-              <a:buFont typeface="Arial" panose="020B0604020202020204" pitchFamily="34" charset="0"/>
-              <a:buChar char="•"/>
-            </a:pPr>
-            <a:r>
-              <a:rPr lang="ko-KR" altLang="en-US" sz="1400" dirty="0"/>
-              <a:t>레벨 업 요구 경험치</a:t>
-            </a:r>
-            <a:endParaRPr lang="en-US" altLang="ko-KR" sz="1400" dirty="0"/>
-          </a:p>
-          <a:p>
-            <a:pPr marL="342900" indent="-342900">
-              <a:lnSpc>
-                <a:spcPct val="150000"/>
-              </a:lnSpc>
-              <a:buFont typeface="Arial" panose="020B0604020202020204" pitchFamily="34" charset="0"/>
-              <a:buChar char="•"/>
-            </a:pPr>
-            <a:r>
-              <a:rPr lang="ko-KR" altLang="en-US" sz="1400" dirty="0"/>
-              <a:t>무기</a:t>
-            </a:r>
-            <a:endParaRPr lang="en-US" altLang="ko-KR" sz="1400" dirty="0"/>
-          </a:p>
-          <a:p>
-            <a:pPr marL="342900" indent="-342900">
-              <a:lnSpc>
-                <a:spcPct val="150000"/>
-              </a:lnSpc>
-              <a:buFont typeface="Arial" panose="020B0604020202020204" pitchFamily="34" charset="0"/>
-              <a:buChar char="•"/>
-            </a:pPr>
-            <a:r>
-              <a:rPr lang="ko-KR" altLang="en-US" sz="1400" dirty="0" err="1"/>
-              <a:t>방어구</a:t>
-            </a:r>
-            <a:endParaRPr lang="en-US" altLang="ko-KR" sz="1400" dirty="0"/>
-          </a:p>
-        </p:txBody>
-      </p:sp>
-      <p:sp>
-        <p:nvSpPr>
-          <p:cNvPr id="6" name="TextBox 5">
-            <a:extLst>
-              <a:ext uri="{FF2B5EF4-FFF2-40B4-BE49-F238E27FC236}">
-                <a16:creationId xmlns:a16="http://schemas.microsoft.com/office/drawing/2014/main" id="{06BEB930-EBAF-64C2-5A76-0FCCD8A538F9}"/>
-              </a:ext>
-            </a:extLst>
-          </p:cNvPr>
-          <p:cNvSpPr txBox="1"/>
-          <p:nvPr/>
-        </p:nvSpPr>
-        <p:spPr>
-          <a:xfrm>
-            <a:off x="10108470" y="1395288"/>
-            <a:ext cx="1491114" cy="2636043"/>
-          </a:xfrm>
-          <a:prstGeom prst="rect">
-            <a:avLst/>
-          </a:prstGeom>
-          <a:noFill/>
-        </p:spPr>
-        <p:txBody>
-          <a:bodyPr wrap="none" rtlCol="0">
-            <a:spAutoFit/>
-          </a:bodyPr>
-          <a:lstStyle/>
-          <a:p>
-            <a:pPr>
-              <a:lnSpc>
-                <a:spcPct val="150000"/>
-              </a:lnSpc>
-            </a:pPr>
-            <a:r>
-              <a:rPr lang="ko-KR" altLang="en-US" sz="1400" b="1" dirty="0"/>
-              <a:t>종족 클래스</a:t>
-            </a:r>
-            <a:endParaRPr lang="en-US" altLang="ko-KR" sz="1400" b="1" dirty="0"/>
-          </a:p>
-          <a:p>
-            <a:pPr marL="342900" indent="-342900">
-              <a:lnSpc>
-                <a:spcPct val="150000"/>
-              </a:lnSpc>
-              <a:buFont typeface="Arial" panose="020B0604020202020204" pitchFamily="34" charset="0"/>
-              <a:buChar char="•"/>
-            </a:pPr>
-            <a:r>
-              <a:rPr lang="ko-KR" altLang="en-US" sz="1400" dirty="0"/>
-              <a:t>종족 </a:t>
-            </a:r>
-            <a:r>
-              <a:rPr lang="en-US" altLang="ko-KR" sz="1400" dirty="0"/>
-              <a:t>ID</a:t>
-            </a:r>
-          </a:p>
-          <a:p>
-            <a:pPr marL="342900" indent="-342900">
-              <a:lnSpc>
-                <a:spcPct val="150000"/>
-              </a:lnSpc>
-              <a:buFont typeface="Arial" panose="020B0604020202020204" pitchFamily="34" charset="0"/>
-              <a:buChar char="•"/>
-            </a:pPr>
-            <a:r>
-              <a:rPr lang="ko-KR" altLang="en-US" sz="1400" dirty="0"/>
-              <a:t>종족 이름</a:t>
-            </a:r>
-            <a:endParaRPr lang="en-US" altLang="ko-KR" sz="1400" dirty="0"/>
-          </a:p>
-          <a:p>
-            <a:pPr marL="342900" indent="-342900">
-              <a:lnSpc>
-                <a:spcPct val="150000"/>
-              </a:lnSpc>
-              <a:buFont typeface="Arial" panose="020B0604020202020204" pitchFamily="34" charset="0"/>
-              <a:buChar char="•"/>
-            </a:pPr>
-            <a:r>
-              <a:rPr lang="ko-KR" altLang="en-US" sz="1400" dirty="0"/>
-              <a:t>종족 설명</a:t>
-            </a:r>
-            <a:endParaRPr lang="en-US" altLang="ko-KR" sz="1400" dirty="0"/>
-          </a:p>
-          <a:p>
-            <a:pPr marL="342900" indent="-342900">
-              <a:lnSpc>
-                <a:spcPct val="150000"/>
-              </a:lnSpc>
-              <a:buFont typeface="Arial" panose="020B0604020202020204" pitchFamily="34" charset="0"/>
-              <a:buChar char="•"/>
-            </a:pPr>
-            <a:r>
-              <a:rPr lang="ko-KR" altLang="en-US" sz="1400" dirty="0"/>
-              <a:t>기본 체력</a:t>
-            </a:r>
-            <a:endParaRPr lang="en-US" altLang="ko-KR" sz="1400" dirty="0"/>
-          </a:p>
-          <a:p>
-            <a:pPr marL="342900" indent="-342900">
-              <a:lnSpc>
-                <a:spcPct val="150000"/>
-              </a:lnSpc>
-              <a:buFont typeface="Arial" panose="020B0604020202020204" pitchFamily="34" charset="0"/>
-              <a:buChar char="•"/>
-            </a:pPr>
-            <a:r>
-              <a:rPr lang="ko-KR" altLang="en-US" sz="1400" dirty="0"/>
-              <a:t>기본 공격력</a:t>
-            </a:r>
-            <a:endParaRPr lang="en-US" altLang="ko-KR" sz="1400" dirty="0"/>
-          </a:p>
-          <a:p>
-            <a:pPr marL="342900" indent="-342900">
-              <a:lnSpc>
-                <a:spcPct val="150000"/>
-              </a:lnSpc>
-              <a:buFont typeface="Arial" panose="020B0604020202020204" pitchFamily="34" charset="0"/>
-              <a:buChar char="•"/>
-            </a:pPr>
-            <a:r>
-              <a:rPr lang="ko-KR" altLang="en-US" sz="1400" dirty="0"/>
-              <a:t>기본 방어력</a:t>
-            </a:r>
-            <a:endParaRPr lang="en-US" altLang="ko-KR" sz="1400" dirty="0"/>
-          </a:p>
-          <a:p>
-            <a:pPr marL="342900" indent="-342900">
-              <a:lnSpc>
-                <a:spcPct val="150000"/>
-              </a:lnSpc>
-              <a:buFont typeface="Arial" panose="020B0604020202020204" pitchFamily="34" charset="0"/>
-              <a:buChar char="•"/>
-            </a:pPr>
-            <a:r>
-              <a:rPr lang="ko-KR" altLang="en-US" sz="1400" dirty="0"/>
-              <a:t>기본 </a:t>
-            </a:r>
-            <a:r>
-              <a:rPr lang="ko-KR" altLang="en-US" sz="1400" dirty="0" err="1"/>
-              <a:t>행동력</a:t>
-            </a:r>
-            <a:endParaRPr lang="en-US" altLang="ko-KR" sz="1400" dirty="0"/>
-          </a:p>
-        </p:txBody>
-      </p:sp>
-    </p:spTree>
-    <p:extLst>
-      <p:ext uri="{BB962C8B-B14F-4D97-AF65-F5344CB8AC3E}">
-        <p14:creationId xmlns:p14="http://schemas.microsoft.com/office/powerpoint/2010/main" val="2811757868"/>
-      </p:ext>
-    </p:extLst>
-  </p:cSld>
-  <p:clrMapOvr>
-    <a:masterClrMapping/>
-  </p:clrMapOvr>
-</p:sld>
-</file>
-
-<file path=ppt/slides/slide12.xml><?xml version="1.0" encoding="utf-8"?>
-<p:sld xmlns:a="http://schemas.openxmlformats.org/drawingml/2006/main" xmlns:r="http://schemas.openxmlformats.org/officeDocument/2006/relationships" xmlns:p="http://schemas.openxmlformats.org/presentationml/2006/main">
-  <p:cSld>
-    <p:bg>
-      <p:bgPr>
-        <a:solidFill>
-          <a:schemeClr val="bg1"/>
-        </a:solidFill>
-        <a:effectLst/>
-      </p:bgPr>
-    </p:bg>
-    <p:spTree>
-      <p:nvGrpSpPr>
-        <p:cNvPr id="1" name=""/>
-        <p:cNvGrpSpPr/>
-        <p:nvPr/>
-      </p:nvGrpSpPr>
-      <p:grpSpPr>
-        <a:xfrm>
-          <a:off x="0" y="0"/>
-          <a:ext cx="0" cy="0"/>
-          <a:chOff x="0" y="0"/>
-          <a:chExt cx="0" cy="0"/>
-        </a:xfrm>
-      </p:grpSpPr>
-      <p:sp>
-        <p:nvSpPr>
-          <p:cNvPr id="2" name="TextBox 1">
-            <a:extLst>
-              <a:ext uri="{FF2B5EF4-FFF2-40B4-BE49-F238E27FC236}">
-                <a16:creationId xmlns:a16="http://schemas.microsoft.com/office/drawing/2014/main" id="{F9DE207E-56CB-76AE-2106-43FD4CD482AA}"/>
-              </a:ext>
-            </a:extLst>
-          </p:cNvPr>
-          <p:cNvSpPr txBox="1"/>
-          <p:nvPr/>
-        </p:nvSpPr>
-        <p:spPr>
-          <a:xfrm>
-            <a:off x="528918" y="347976"/>
-            <a:ext cx="3533340" cy="369332"/>
-          </a:xfrm>
-          <a:prstGeom prst="rect">
-            <a:avLst/>
-          </a:prstGeom>
-          <a:noFill/>
-        </p:spPr>
-        <p:txBody>
-          <a:bodyPr wrap="none" rtlCol="0">
-            <a:spAutoFit/>
-          </a:bodyPr>
-          <a:lstStyle/>
-          <a:p>
-            <a:r>
-              <a:rPr lang="ko-KR" altLang="en-US" dirty="0"/>
-              <a:t>인터페이스 속성 정리 </a:t>
-            </a:r>
-            <a:r>
-              <a:rPr lang="en-US" altLang="ko-KR" dirty="0"/>
-              <a:t>– </a:t>
-            </a:r>
-            <a:r>
-              <a:rPr lang="ko-KR" altLang="en-US" dirty="0"/>
-              <a:t>아이템</a:t>
-            </a:r>
-          </a:p>
-        </p:txBody>
-      </p:sp>
-      <p:sp>
-        <p:nvSpPr>
-          <p:cNvPr id="3" name="TextBox 2">
-            <a:extLst>
-              <a:ext uri="{FF2B5EF4-FFF2-40B4-BE49-F238E27FC236}">
-                <a16:creationId xmlns:a16="http://schemas.microsoft.com/office/drawing/2014/main" id="{43A479EE-4B72-730A-D4A4-0E1F8FF5B645}"/>
-              </a:ext>
-            </a:extLst>
-          </p:cNvPr>
-          <p:cNvSpPr txBox="1"/>
-          <p:nvPr/>
-        </p:nvSpPr>
-        <p:spPr>
-          <a:xfrm>
-            <a:off x="814179" y="1525424"/>
-            <a:ext cx="3304110" cy="2636043"/>
-          </a:xfrm>
-          <a:prstGeom prst="rect">
-            <a:avLst/>
-          </a:prstGeom>
-          <a:noFill/>
-        </p:spPr>
-        <p:txBody>
-          <a:bodyPr wrap="none" rtlCol="0">
-            <a:spAutoFit/>
-          </a:bodyPr>
-          <a:lstStyle/>
-          <a:p>
-            <a:pPr>
-              <a:lnSpc>
-                <a:spcPct val="150000"/>
-              </a:lnSpc>
-            </a:pPr>
-            <a:r>
-              <a:rPr lang="ko-KR" altLang="en-US" sz="1400" b="1" dirty="0"/>
-              <a:t>아이템 인터페이스</a:t>
-            </a:r>
-            <a:endParaRPr lang="en-US" altLang="ko-KR" sz="1400" b="1" dirty="0"/>
-          </a:p>
-          <a:p>
-            <a:pPr marL="342900" indent="-342900">
-              <a:lnSpc>
-                <a:spcPct val="150000"/>
-              </a:lnSpc>
-              <a:buFont typeface="Arial" panose="020B0604020202020204" pitchFamily="34" charset="0"/>
-              <a:buChar char="•"/>
-            </a:pPr>
-            <a:r>
-              <a:rPr lang="ko-KR" altLang="en-US" sz="1400" dirty="0"/>
-              <a:t>아이템 </a:t>
-            </a:r>
-            <a:r>
-              <a:rPr lang="en-US" altLang="ko-KR" sz="1400" dirty="0"/>
-              <a:t>ID</a:t>
-            </a:r>
-          </a:p>
-          <a:p>
-            <a:pPr marL="342900" indent="-342900">
-              <a:lnSpc>
-                <a:spcPct val="150000"/>
-              </a:lnSpc>
-              <a:buFont typeface="Arial" panose="020B0604020202020204" pitchFamily="34" charset="0"/>
-              <a:buChar char="•"/>
-            </a:pPr>
-            <a:r>
-              <a:rPr lang="ko-KR" altLang="en-US" sz="1400" dirty="0"/>
-              <a:t>아이템 타입</a:t>
-            </a:r>
-            <a:r>
-              <a:rPr lang="en-US" altLang="ko-KR" sz="1400" dirty="0"/>
-              <a:t> (</a:t>
-            </a:r>
-            <a:r>
-              <a:rPr lang="ko-KR" altLang="en-US" sz="1400" dirty="0"/>
-              <a:t>무기</a:t>
-            </a:r>
-            <a:r>
-              <a:rPr lang="en-US" altLang="ko-KR" sz="1400" dirty="0"/>
-              <a:t>, </a:t>
-            </a:r>
-            <a:r>
-              <a:rPr lang="ko-KR" altLang="en-US" sz="1400" dirty="0" err="1"/>
-              <a:t>방어구</a:t>
-            </a:r>
-            <a:r>
-              <a:rPr lang="en-US" altLang="ko-KR" sz="1400" dirty="0"/>
-              <a:t>, </a:t>
-            </a:r>
-            <a:r>
-              <a:rPr lang="ko-KR" altLang="en-US" sz="1400" dirty="0"/>
-              <a:t>소모품</a:t>
-            </a:r>
-            <a:r>
-              <a:rPr lang="en-US" altLang="ko-KR" sz="1400" dirty="0"/>
-              <a:t>)</a:t>
-            </a:r>
-          </a:p>
-          <a:p>
-            <a:pPr marL="342900" indent="-342900">
-              <a:lnSpc>
-                <a:spcPct val="150000"/>
-              </a:lnSpc>
-              <a:buFont typeface="Arial" panose="020B0604020202020204" pitchFamily="34" charset="0"/>
-              <a:buChar char="•"/>
-            </a:pPr>
-            <a:r>
-              <a:rPr lang="ko-KR" altLang="en-US" sz="1400" dirty="0" err="1"/>
-              <a:t>습득처</a:t>
-            </a:r>
-            <a:r>
-              <a:rPr lang="ko-KR" altLang="en-US" sz="1400" dirty="0"/>
-              <a:t> 구분 </a:t>
-            </a:r>
-            <a:r>
-              <a:rPr lang="en-US" altLang="ko-KR" sz="1400" dirty="0"/>
-              <a:t>(</a:t>
-            </a:r>
-            <a:r>
-              <a:rPr lang="ko-KR" altLang="en-US" sz="1400" dirty="0"/>
-              <a:t>상점</a:t>
-            </a:r>
-            <a:r>
-              <a:rPr lang="en-US" altLang="ko-KR" sz="1400" dirty="0"/>
-              <a:t>, </a:t>
-            </a:r>
-            <a:r>
-              <a:rPr lang="ko-KR" altLang="en-US" sz="1400" dirty="0"/>
-              <a:t>드랍</a:t>
-            </a:r>
-            <a:r>
-              <a:rPr lang="en-US" altLang="ko-KR" sz="1400" dirty="0"/>
-              <a:t>)</a:t>
-            </a:r>
-          </a:p>
-          <a:p>
-            <a:pPr marL="342900" indent="-342900">
-              <a:lnSpc>
-                <a:spcPct val="150000"/>
-              </a:lnSpc>
-              <a:buFont typeface="Arial" panose="020B0604020202020204" pitchFamily="34" charset="0"/>
-              <a:buChar char="•"/>
-            </a:pPr>
-            <a:r>
-              <a:rPr lang="ko-KR" altLang="en-US" sz="1400" dirty="0"/>
-              <a:t>이름</a:t>
-            </a:r>
-            <a:endParaRPr lang="en-US" altLang="ko-KR" sz="1400" dirty="0"/>
-          </a:p>
-          <a:p>
-            <a:pPr marL="342900" indent="-342900">
-              <a:lnSpc>
-                <a:spcPct val="150000"/>
-              </a:lnSpc>
-              <a:buFont typeface="Arial" panose="020B0604020202020204" pitchFamily="34" charset="0"/>
-              <a:buChar char="•"/>
-            </a:pPr>
-            <a:r>
-              <a:rPr lang="ko-KR" altLang="en-US" sz="1400" dirty="0"/>
-              <a:t>설명</a:t>
-            </a:r>
-            <a:endParaRPr lang="en-US" altLang="ko-KR" sz="1400" dirty="0"/>
-          </a:p>
-          <a:p>
-            <a:pPr marL="342900" indent="-342900">
-              <a:lnSpc>
-                <a:spcPct val="150000"/>
-              </a:lnSpc>
-              <a:buFont typeface="Arial" panose="020B0604020202020204" pitchFamily="34" charset="0"/>
-              <a:buChar char="•"/>
-            </a:pPr>
-            <a:r>
-              <a:rPr lang="ko-KR" altLang="en-US" sz="1400" dirty="0"/>
-              <a:t>구매 가격</a:t>
-            </a:r>
-            <a:endParaRPr lang="en-US" altLang="ko-KR" sz="1400" dirty="0"/>
-          </a:p>
-          <a:p>
-            <a:pPr marL="342900" indent="-342900">
-              <a:lnSpc>
-                <a:spcPct val="150000"/>
-              </a:lnSpc>
-              <a:buFont typeface="Arial" panose="020B0604020202020204" pitchFamily="34" charset="0"/>
-              <a:buChar char="•"/>
-            </a:pPr>
-            <a:r>
-              <a:rPr lang="ko-KR" altLang="en-US" sz="1400" dirty="0"/>
-              <a:t>판매 가격</a:t>
-            </a:r>
-            <a:endParaRPr lang="en-US" altLang="ko-KR" sz="1400" dirty="0"/>
-          </a:p>
-        </p:txBody>
-      </p:sp>
-      <p:sp>
-        <p:nvSpPr>
-          <p:cNvPr id="4" name="TextBox 3">
-            <a:extLst>
-              <a:ext uri="{FF2B5EF4-FFF2-40B4-BE49-F238E27FC236}">
-                <a16:creationId xmlns:a16="http://schemas.microsoft.com/office/drawing/2014/main" id="{F874557E-6A12-FF18-E904-041B49AAF955}"/>
-              </a:ext>
-            </a:extLst>
-          </p:cNvPr>
-          <p:cNvSpPr txBox="1"/>
-          <p:nvPr/>
-        </p:nvSpPr>
-        <p:spPr>
-          <a:xfrm>
-            <a:off x="5947954" y="1093196"/>
-            <a:ext cx="3113353" cy="1989712"/>
-          </a:xfrm>
-          <a:prstGeom prst="rect">
-            <a:avLst/>
-          </a:prstGeom>
-          <a:noFill/>
-        </p:spPr>
-        <p:txBody>
-          <a:bodyPr wrap="none" rtlCol="0">
-            <a:spAutoFit/>
-          </a:bodyPr>
-          <a:lstStyle/>
-          <a:p>
-            <a:pPr>
-              <a:lnSpc>
-                <a:spcPct val="150000"/>
-              </a:lnSpc>
-            </a:pPr>
-            <a:r>
-              <a:rPr lang="ko-KR" altLang="en-US" sz="1400" b="1" dirty="0"/>
-              <a:t>무기 인터페이스</a:t>
-            </a:r>
-            <a:endParaRPr lang="en-US" altLang="ko-KR" sz="1400" b="1" dirty="0"/>
-          </a:p>
-          <a:p>
-            <a:pPr marL="342900" indent="-342900">
-              <a:lnSpc>
-                <a:spcPct val="150000"/>
-              </a:lnSpc>
-              <a:buFont typeface="Arial" panose="020B0604020202020204" pitchFamily="34" charset="0"/>
-              <a:buChar char="•"/>
-            </a:pPr>
-            <a:r>
-              <a:rPr lang="ko-KR" altLang="en-US" sz="1400" dirty="0"/>
-              <a:t>공격력</a:t>
-            </a:r>
-            <a:endParaRPr lang="en-US" altLang="ko-KR" sz="1400" dirty="0"/>
-          </a:p>
-          <a:p>
-            <a:pPr marL="342900" indent="-342900">
-              <a:lnSpc>
-                <a:spcPct val="150000"/>
-              </a:lnSpc>
-              <a:buFont typeface="Arial" panose="020B0604020202020204" pitchFamily="34" charset="0"/>
-              <a:buChar char="•"/>
-            </a:pPr>
-            <a:r>
-              <a:rPr lang="ko-KR" altLang="en-US" sz="1400" dirty="0"/>
-              <a:t>방어력</a:t>
-            </a:r>
-            <a:endParaRPr lang="en-US" altLang="ko-KR" sz="1400" dirty="0"/>
-          </a:p>
-          <a:p>
-            <a:pPr marL="342900" indent="-342900">
-              <a:lnSpc>
-                <a:spcPct val="150000"/>
-              </a:lnSpc>
-              <a:buFont typeface="Arial" panose="020B0604020202020204" pitchFamily="34" charset="0"/>
-              <a:buChar char="•"/>
-            </a:pPr>
-            <a:r>
-              <a:rPr lang="ko-KR" altLang="en-US" sz="1400" dirty="0" err="1"/>
-              <a:t>행동력</a:t>
-            </a:r>
-            <a:r>
-              <a:rPr lang="ko-KR" altLang="en-US" sz="1400" dirty="0"/>
-              <a:t> </a:t>
-            </a:r>
-            <a:r>
-              <a:rPr lang="en-US" altLang="ko-KR" sz="1400" dirty="0"/>
-              <a:t>(</a:t>
-            </a:r>
-            <a:r>
-              <a:rPr lang="ko-KR" altLang="en-US" sz="1400" dirty="0"/>
-              <a:t>기본적으로 </a:t>
-            </a:r>
-            <a:r>
-              <a:rPr lang="en-US" altLang="ko-KR" sz="1400" dirty="0"/>
-              <a:t>–</a:t>
-            </a:r>
-            <a:r>
-              <a:rPr lang="ko-KR" altLang="en-US" sz="1400" dirty="0"/>
-              <a:t>되는 구성</a:t>
-            </a:r>
-            <a:r>
-              <a:rPr lang="en-US" altLang="ko-KR" sz="1400" dirty="0"/>
-              <a:t>.)</a:t>
-            </a:r>
-          </a:p>
-          <a:p>
-            <a:pPr marL="342900" indent="-342900">
-              <a:lnSpc>
-                <a:spcPct val="150000"/>
-              </a:lnSpc>
-              <a:buFont typeface="Arial" panose="020B0604020202020204" pitchFamily="34" charset="0"/>
-              <a:buChar char="•"/>
-            </a:pPr>
-            <a:r>
-              <a:rPr lang="ko-KR" altLang="en-US" sz="1400" dirty="0"/>
-              <a:t>공격 행동</a:t>
-            </a:r>
-            <a:endParaRPr lang="en-US" altLang="ko-KR" sz="1400" dirty="0"/>
-          </a:p>
-          <a:p>
-            <a:pPr marL="342900" indent="-342900">
-              <a:lnSpc>
-                <a:spcPct val="150000"/>
-              </a:lnSpc>
-              <a:buFont typeface="Arial" panose="020B0604020202020204" pitchFamily="34" charset="0"/>
-              <a:buChar char="•"/>
-            </a:pPr>
-            <a:r>
-              <a:rPr lang="ko-KR" altLang="en-US" sz="1400" dirty="0"/>
-              <a:t>스킬 리스트</a:t>
-            </a:r>
-            <a:endParaRPr lang="en-US" altLang="ko-KR" sz="1400" dirty="0"/>
-          </a:p>
-        </p:txBody>
-      </p:sp>
-      <p:sp>
-        <p:nvSpPr>
-          <p:cNvPr id="5" name="TextBox 4">
-            <a:extLst>
-              <a:ext uri="{FF2B5EF4-FFF2-40B4-BE49-F238E27FC236}">
-                <a16:creationId xmlns:a16="http://schemas.microsoft.com/office/drawing/2014/main" id="{B86F1A14-5A48-C791-0FF7-CD0D2ABE6A1D}"/>
-              </a:ext>
-            </a:extLst>
-          </p:cNvPr>
-          <p:cNvSpPr txBox="1"/>
-          <p:nvPr/>
-        </p:nvSpPr>
-        <p:spPr>
-          <a:xfrm>
-            <a:off x="2881828" y="3135572"/>
-            <a:ext cx="3135795" cy="1343381"/>
-          </a:xfrm>
-          <a:prstGeom prst="rect">
-            <a:avLst/>
-          </a:prstGeom>
-          <a:noFill/>
-        </p:spPr>
-        <p:txBody>
-          <a:bodyPr wrap="none" rtlCol="0">
-            <a:spAutoFit/>
-          </a:bodyPr>
-          <a:lstStyle/>
-          <a:p>
-            <a:pPr>
-              <a:lnSpc>
-                <a:spcPct val="150000"/>
-              </a:lnSpc>
-            </a:pPr>
-            <a:r>
-              <a:rPr lang="ko-KR" altLang="en-US" sz="1400" b="1" dirty="0" err="1"/>
-              <a:t>방어구</a:t>
-            </a:r>
-            <a:r>
-              <a:rPr lang="ko-KR" altLang="en-US" sz="1400" b="1" dirty="0"/>
-              <a:t> 인터페이스</a:t>
-            </a:r>
-            <a:endParaRPr lang="en-US" altLang="ko-KR" sz="1400" b="1" dirty="0"/>
-          </a:p>
-          <a:p>
-            <a:pPr marL="342900" indent="-342900">
-              <a:lnSpc>
-                <a:spcPct val="150000"/>
-              </a:lnSpc>
-              <a:buFont typeface="Arial" panose="020B0604020202020204" pitchFamily="34" charset="0"/>
-              <a:buChar char="•"/>
-            </a:pPr>
-            <a:r>
-              <a:rPr lang="ko-KR" altLang="en-US" sz="1400" dirty="0"/>
-              <a:t>공격력</a:t>
-            </a:r>
-            <a:endParaRPr lang="en-US" altLang="ko-KR" sz="1400" dirty="0"/>
-          </a:p>
-          <a:p>
-            <a:pPr marL="342900" indent="-342900">
-              <a:lnSpc>
-                <a:spcPct val="150000"/>
-              </a:lnSpc>
-              <a:buFont typeface="Arial" panose="020B0604020202020204" pitchFamily="34" charset="0"/>
-              <a:buChar char="•"/>
-            </a:pPr>
-            <a:r>
-              <a:rPr lang="ko-KR" altLang="en-US" sz="1400" dirty="0"/>
-              <a:t>방어력</a:t>
-            </a:r>
-            <a:endParaRPr lang="en-US" altLang="ko-KR" sz="1400" dirty="0"/>
-          </a:p>
-          <a:p>
-            <a:pPr marL="342900" indent="-342900">
-              <a:lnSpc>
-                <a:spcPct val="150000"/>
-              </a:lnSpc>
-              <a:buFont typeface="Arial" panose="020B0604020202020204" pitchFamily="34" charset="0"/>
-              <a:buChar char="•"/>
-            </a:pPr>
-            <a:r>
-              <a:rPr lang="ko-KR" altLang="en-US" sz="1400" dirty="0" err="1"/>
-              <a:t>행동력</a:t>
-            </a:r>
-            <a:r>
-              <a:rPr lang="ko-KR" altLang="en-US" sz="1400" dirty="0"/>
-              <a:t> </a:t>
-            </a:r>
-            <a:r>
-              <a:rPr lang="en-US" altLang="ko-KR" sz="1400" dirty="0"/>
-              <a:t>(</a:t>
-            </a:r>
-            <a:r>
-              <a:rPr lang="ko-KR" altLang="en-US" sz="1400" dirty="0"/>
-              <a:t>기본적으로 </a:t>
-            </a:r>
-            <a:r>
-              <a:rPr lang="en-US" altLang="ko-KR" sz="1400" dirty="0"/>
-              <a:t>– </a:t>
-            </a:r>
-            <a:r>
-              <a:rPr lang="ko-KR" altLang="en-US" sz="1400" dirty="0"/>
-              <a:t>되는 구성</a:t>
-            </a:r>
-            <a:r>
-              <a:rPr lang="en-US" altLang="ko-KR" sz="1400" dirty="0"/>
-              <a:t>)</a:t>
-            </a:r>
-          </a:p>
-        </p:txBody>
-      </p:sp>
-      <p:sp>
-        <p:nvSpPr>
-          <p:cNvPr id="7" name="TextBox 6">
-            <a:extLst>
-              <a:ext uri="{FF2B5EF4-FFF2-40B4-BE49-F238E27FC236}">
-                <a16:creationId xmlns:a16="http://schemas.microsoft.com/office/drawing/2014/main" id="{A59881D7-3AA2-8A39-23BE-AF5A53DB284C}"/>
-              </a:ext>
-            </a:extLst>
-          </p:cNvPr>
-          <p:cNvSpPr txBox="1"/>
-          <p:nvPr/>
-        </p:nvSpPr>
-        <p:spPr>
-          <a:xfrm>
-            <a:off x="7504630" y="3199205"/>
-            <a:ext cx="1925527" cy="1020216"/>
-          </a:xfrm>
-          <a:prstGeom prst="rect">
-            <a:avLst/>
-          </a:prstGeom>
-          <a:noFill/>
-        </p:spPr>
-        <p:txBody>
-          <a:bodyPr wrap="none" rtlCol="0">
-            <a:spAutoFit/>
-          </a:bodyPr>
-          <a:lstStyle/>
-          <a:p>
-            <a:pPr>
-              <a:lnSpc>
-                <a:spcPct val="150000"/>
-              </a:lnSpc>
-            </a:pPr>
-            <a:r>
-              <a:rPr lang="ko-KR" altLang="en-US" sz="1400" b="1" dirty="0"/>
-              <a:t>축적 가능 인터페이스</a:t>
-            </a:r>
-            <a:endParaRPr lang="en-US" altLang="ko-KR" sz="1400" b="1" dirty="0"/>
-          </a:p>
-          <a:p>
-            <a:pPr marL="342900" indent="-342900">
-              <a:lnSpc>
-                <a:spcPct val="150000"/>
-              </a:lnSpc>
-              <a:buFont typeface="Arial" panose="020B0604020202020204" pitchFamily="34" charset="0"/>
-              <a:buChar char="•"/>
-            </a:pPr>
-            <a:r>
-              <a:rPr lang="ko-KR" altLang="en-US" sz="1400" dirty="0"/>
-              <a:t>현재 </a:t>
-            </a:r>
-            <a:r>
-              <a:rPr lang="ko-KR" altLang="en-US" sz="1400" dirty="0" err="1"/>
-              <a:t>소지량</a:t>
-            </a:r>
-            <a:endParaRPr lang="en-US" altLang="ko-KR" sz="1400" dirty="0"/>
-          </a:p>
-          <a:p>
-            <a:pPr marL="342900" indent="-342900">
-              <a:lnSpc>
-                <a:spcPct val="150000"/>
-              </a:lnSpc>
-              <a:buFont typeface="Arial" panose="020B0604020202020204" pitchFamily="34" charset="0"/>
-              <a:buChar char="•"/>
-            </a:pPr>
-            <a:r>
-              <a:rPr lang="ko-KR" altLang="en-US" sz="1400" dirty="0"/>
-              <a:t>최대 </a:t>
-            </a:r>
-            <a:r>
-              <a:rPr lang="ko-KR" altLang="en-US" sz="1400" dirty="0" err="1"/>
-              <a:t>소지량</a:t>
-            </a:r>
-            <a:endParaRPr lang="en-US" altLang="ko-KR" sz="1400" dirty="0"/>
-          </a:p>
-        </p:txBody>
-      </p:sp>
-      <p:sp>
-        <p:nvSpPr>
-          <p:cNvPr id="8" name="TextBox 7">
-            <a:extLst>
-              <a:ext uri="{FF2B5EF4-FFF2-40B4-BE49-F238E27FC236}">
-                <a16:creationId xmlns:a16="http://schemas.microsoft.com/office/drawing/2014/main" id="{C5705DA8-B90B-59A7-234D-41FEC0EDD5D4}"/>
-              </a:ext>
-            </a:extLst>
-          </p:cNvPr>
-          <p:cNvSpPr txBox="1"/>
-          <p:nvPr/>
-        </p:nvSpPr>
-        <p:spPr>
-          <a:xfrm>
-            <a:off x="7658289" y="4624304"/>
-            <a:ext cx="4065537" cy="1343381"/>
-          </a:xfrm>
-          <a:prstGeom prst="rect">
-            <a:avLst/>
-          </a:prstGeom>
-          <a:noFill/>
-        </p:spPr>
-        <p:txBody>
-          <a:bodyPr wrap="none" rtlCol="0">
-            <a:spAutoFit/>
-          </a:bodyPr>
-          <a:lstStyle/>
-          <a:p>
-            <a:pPr>
-              <a:lnSpc>
-                <a:spcPct val="150000"/>
-              </a:lnSpc>
-            </a:pPr>
-            <a:r>
-              <a:rPr lang="ko-KR" altLang="en-US" sz="1400" b="1" dirty="0"/>
-              <a:t>소모품은 다음 인터페이스의 조합으로 구성한다</a:t>
-            </a:r>
-            <a:r>
-              <a:rPr lang="en-US" altLang="ko-KR" sz="1400" b="1" dirty="0"/>
-              <a:t>.</a:t>
-            </a:r>
-          </a:p>
-          <a:p>
-            <a:pPr marL="342900" indent="-342900">
-              <a:lnSpc>
-                <a:spcPct val="150000"/>
-              </a:lnSpc>
-              <a:buFont typeface="Arial" panose="020B0604020202020204" pitchFamily="34" charset="0"/>
-              <a:buChar char="•"/>
-            </a:pPr>
-            <a:r>
-              <a:rPr lang="ko-KR" altLang="en-US" sz="1400" dirty="0"/>
-              <a:t>아이템 인터페이스</a:t>
-            </a:r>
-            <a:endParaRPr lang="en-US" altLang="ko-KR" sz="1400" dirty="0"/>
-          </a:p>
-          <a:p>
-            <a:pPr marL="342900" indent="-342900">
-              <a:lnSpc>
-                <a:spcPct val="150000"/>
-              </a:lnSpc>
-              <a:buFont typeface="Arial" panose="020B0604020202020204" pitchFamily="34" charset="0"/>
-              <a:buChar char="•"/>
-            </a:pPr>
-            <a:r>
-              <a:rPr lang="ko-KR" altLang="en-US" sz="1400" dirty="0"/>
-              <a:t>축적 가능 인터페이스</a:t>
-            </a:r>
-            <a:endParaRPr lang="en-US" altLang="ko-KR" sz="1400" dirty="0"/>
-          </a:p>
-          <a:p>
-            <a:pPr marL="342900" indent="-342900">
-              <a:lnSpc>
-                <a:spcPct val="150000"/>
-              </a:lnSpc>
-              <a:buFont typeface="Arial" panose="020B0604020202020204" pitchFamily="34" charset="0"/>
-              <a:buChar char="•"/>
-            </a:pPr>
-            <a:r>
-              <a:rPr lang="ko-KR" altLang="en-US" sz="1400" dirty="0"/>
-              <a:t>행동 인터페이스</a:t>
-            </a:r>
-            <a:endParaRPr lang="en-US" altLang="ko-KR" sz="1400" dirty="0"/>
-          </a:p>
-        </p:txBody>
-      </p:sp>
-    </p:spTree>
-    <p:extLst>
-      <p:ext uri="{BB962C8B-B14F-4D97-AF65-F5344CB8AC3E}">
-        <p14:creationId xmlns:p14="http://schemas.microsoft.com/office/powerpoint/2010/main" val="507639735"/>
-      </p:ext>
-    </p:extLst>
-  </p:cSld>
-  <p:clrMapOvr>
-    <a:masterClrMapping/>
-  </p:clrMapOvr>
-</p:sld>
-</file>
-
-<file path=ppt/slides/slide13.xml><?xml version="1.0" encoding="utf-8"?>
-<p:sld xmlns:a="http://schemas.openxmlformats.org/drawingml/2006/main" xmlns:r="http://schemas.openxmlformats.org/officeDocument/2006/relationships" xmlns:p="http://schemas.openxmlformats.org/presentationml/2006/main">
-  <p:cSld>
-    <p:bg>
-      <p:bgPr>
-        <a:solidFill>
-          <a:schemeClr val="bg1"/>
-        </a:solidFill>
-        <a:effectLst/>
-      </p:bgPr>
-    </p:bg>
-    <p:spTree>
-      <p:nvGrpSpPr>
-        <p:cNvPr id="1" name=""/>
-        <p:cNvGrpSpPr/>
-        <p:nvPr/>
-      </p:nvGrpSpPr>
-      <p:grpSpPr>
-        <a:xfrm>
-          <a:off x="0" y="0"/>
-          <a:ext cx="0" cy="0"/>
-          <a:chOff x="0" y="0"/>
-          <a:chExt cx="0" cy="0"/>
-        </a:xfrm>
-      </p:grpSpPr>
-      <p:sp>
-        <p:nvSpPr>
-          <p:cNvPr id="2" name="TextBox 1">
-            <a:extLst>
-              <a:ext uri="{FF2B5EF4-FFF2-40B4-BE49-F238E27FC236}">
-                <a16:creationId xmlns:a16="http://schemas.microsoft.com/office/drawing/2014/main" id="{F9DE207E-56CB-76AE-2106-43FD4CD482AA}"/>
-              </a:ext>
-            </a:extLst>
-          </p:cNvPr>
-          <p:cNvSpPr txBox="1"/>
-          <p:nvPr/>
-        </p:nvSpPr>
-        <p:spPr>
-          <a:xfrm>
-            <a:off x="528918" y="347976"/>
-            <a:ext cx="3251211" cy="369332"/>
-          </a:xfrm>
-          <a:prstGeom prst="rect">
-            <a:avLst/>
-          </a:prstGeom>
-          <a:noFill/>
-        </p:spPr>
-        <p:txBody>
-          <a:bodyPr wrap="none" rtlCol="0">
-            <a:spAutoFit/>
-          </a:bodyPr>
-          <a:lstStyle/>
-          <a:p>
-            <a:r>
-              <a:rPr lang="ko-KR" altLang="en-US" dirty="0"/>
-              <a:t>인터페이스 속성 정리 </a:t>
-            </a:r>
-            <a:r>
-              <a:rPr lang="en-US" altLang="ko-KR" dirty="0"/>
-              <a:t>– </a:t>
-            </a:r>
-            <a:r>
-              <a:rPr lang="ko-KR" altLang="en-US" dirty="0"/>
-              <a:t>스킬</a:t>
-            </a:r>
-          </a:p>
-        </p:txBody>
-      </p:sp>
-      <p:sp>
-        <p:nvSpPr>
-          <p:cNvPr id="9" name="TextBox 8">
-            <a:extLst>
-              <a:ext uri="{FF2B5EF4-FFF2-40B4-BE49-F238E27FC236}">
-                <a16:creationId xmlns:a16="http://schemas.microsoft.com/office/drawing/2014/main" id="{B80E9DA8-B5AF-4ADA-9368-BE9A7C7F1ED2}"/>
-              </a:ext>
-            </a:extLst>
-          </p:cNvPr>
-          <p:cNvSpPr txBox="1"/>
-          <p:nvPr/>
-        </p:nvSpPr>
-        <p:spPr>
-          <a:xfrm>
-            <a:off x="1523524" y="2919647"/>
-            <a:ext cx="2154757" cy="1989712"/>
-          </a:xfrm>
-          <a:prstGeom prst="rect">
-            <a:avLst/>
-          </a:prstGeom>
-          <a:noFill/>
-        </p:spPr>
-        <p:txBody>
-          <a:bodyPr wrap="none" rtlCol="0">
-            <a:spAutoFit/>
-          </a:bodyPr>
-          <a:lstStyle/>
-          <a:p>
-            <a:pPr>
-              <a:lnSpc>
-                <a:spcPct val="150000"/>
-              </a:lnSpc>
-            </a:pPr>
-            <a:r>
-              <a:rPr lang="ko-KR" altLang="en-US" sz="1400" b="1" dirty="0"/>
-              <a:t>행동 인터페이스</a:t>
-            </a:r>
-            <a:endParaRPr lang="en-US" altLang="ko-KR" sz="1400" b="1" dirty="0"/>
-          </a:p>
-          <a:p>
-            <a:pPr marL="342900" indent="-342900">
-              <a:lnSpc>
-                <a:spcPct val="150000"/>
-              </a:lnSpc>
-              <a:buFont typeface="Arial" panose="020B0604020202020204" pitchFamily="34" charset="0"/>
-              <a:buChar char="•"/>
-            </a:pPr>
-            <a:r>
-              <a:rPr lang="ko-KR" altLang="en-US" sz="1400" dirty="0"/>
-              <a:t>위력</a:t>
-            </a:r>
-            <a:endParaRPr lang="en-US" altLang="ko-KR" sz="1400" dirty="0"/>
-          </a:p>
-          <a:p>
-            <a:pPr marL="342900" indent="-342900">
-              <a:lnSpc>
-                <a:spcPct val="150000"/>
-              </a:lnSpc>
-              <a:buFont typeface="Arial" panose="020B0604020202020204" pitchFamily="34" charset="0"/>
-              <a:buChar char="•"/>
-            </a:pPr>
-            <a:r>
-              <a:rPr lang="ko-KR" altLang="en-US" sz="1400" dirty="0"/>
-              <a:t>대상 랭크 변동</a:t>
-            </a:r>
-            <a:endParaRPr lang="en-US" altLang="ko-KR" sz="1400" dirty="0"/>
-          </a:p>
-          <a:p>
-            <a:pPr marL="342900" indent="-342900">
-              <a:lnSpc>
-                <a:spcPct val="150000"/>
-              </a:lnSpc>
-              <a:buFont typeface="Arial" panose="020B0604020202020204" pitchFamily="34" charset="0"/>
-              <a:buChar char="•"/>
-            </a:pPr>
-            <a:r>
-              <a:rPr lang="ko-KR" altLang="en-US" sz="1400" dirty="0"/>
-              <a:t>자신 랭크 변동</a:t>
-            </a:r>
-            <a:endParaRPr lang="en-US" altLang="ko-KR" sz="1400" dirty="0"/>
-          </a:p>
-          <a:p>
-            <a:pPr marL="342900" indent="-342900">
-              <a:lnSpc>
-                <a:spcPct val="150000"/>
-              </a:lnSpc>
-              <a:buFont typeface="Arial" panose="020B0604020202020204" pitchFamily="34" charset="0"/>
-              <a:buChar char="•"/>
-            </a:pPr>
-            <a:r>
-              <a:rPr lang="ko-KR" altLang="en-US" sz="1400" dirty="0"/>
-              <a:t>행동 가능 여부 판정</a:t>
-            </a:r>
-            <a:endParaRPr lang="en-US" altLang="ko-KR" sz="1400" dirty="0"/>
-          </a:p>
-          <a:p>
-            <a:pPr marL="342900" indent="-342900">
-              <a:lnSpc>
-                <a:spcPct val="150000"/>
-              </a:lnSpc>
-              <a:buFont typeface="Arial" panose="020B0604020202020204" pitchFamily="34" charset="0"/>
-              <a:buChar char="•"/>
-            </a:pPr>
-            <a:r>
-              <a:rPr lang="ko-KR" altLang="en-US" sz="1400" dirty="0"/>
-              <a:t>행동 효과</a:t>
-            </a:r>
-            <a:endParaRPr lang="en-US" altLang="ko-KR" sz="1400" dirty="0"/>
-          </a:p>
-        </p:txBody>
-      </p:sp>
-      <p:sp>
-        <p:nvSpPr>
-          <p:cNvPr id="10" name="TextBox 9">
-            <a:extLst>
-              <a:ext uri="{FF2B5EF4-FFF2-40B4-BE49-F238E27FC236}">
-                <a16:creationId xmlns:a16="http://schemas.microsoft.com/office/drawing/2014/main" id="{B2172259-FFD2-F9A0-E764-8E4C583FC13E}"/>
-              </a:ext>
-            </a:extLst>
-          </p:cNvPr>
-          <p:cNvSpPr txBox="1"/>
-          <p:nvPr/>
-        </p:nvSpPr>
-        <p:spPr>
-          <a:xfrm>
-            <a:off x="1523524" y="1253101"/>
-            <a:ext cx="2443298" cy="1666546"/>
-          </a:xfrm>
-          <a:prstGeom prst="rect">
-            <a:avLst/>
-          </a:prstGeom>
-          <a:noFill/>
-        </p:spPr>
-        <p:txBody>
-          <a:bodyPr wrap="none" rtlCol="0">
-            <a:spAutoFit/>
-          </a:bodyPr>
-          <a:lstStyle/>
-          <a:p>
-            <a:pPr>
-              <a:lnSpc>
-                <a:spcPct val="150000"/>
-              </a:lnSpc>
-            </a:pPr>
-            <a:r>
-              <a:rPr lang="ko-KR" altLang="en-US" sz="1400" b="1" dirty="0"/>
-              <a:t>스킬 인터페이스</a:t>
-            </a:r>
-            <a:endParaRPr lang="en-US" altLang="ko-KR" sz="1400" b="1" dirty="0"/>
-          </a:p>
-          <a:p>
-            <a:pPr marL="342900" indent="-342900">
-              <a:lnSpc>
-                <a:spcPct val="150000"/>
-              </a:lnSpc>
-              <a:buFont typeface="Arial" panose="020B0604020202020204" pitchFamily="34" charset="0"/>
-              <a:buChar char="•"/>
-            </a:pPr>
-            <a:r>
-              <a:rPr lang="ko-KR" altLang="en-US" sz="1400" dirty="0"/>
-              <a:t>스킬 </a:t>
-            </a:r>
-            <a:r>
-              <a:rPr lang="en-US" altLang="ko-KR" sz="1400" dirty="0"/>
-              <a:t>ID</a:t>
-            </a:r>
-          </a:p>
-          <a:p>
-            <a:pPr marL="342900" indent="-342900">
-              <a:lnSpc>
-                <a:spcPct val="150000"/>
-              </a:lnSpc>
-              <a:buFont typeface="Arial" panose="020B0604020202020204" pitchFamily="34" charset="0"/>
-              <a:buChar char="•"/>
-            </a:pPr>
-            <a:r>
-              <a:rPr lang="ko-KR" altLang="en-US" sz="1400" dirty="0"/>
-              <a:t>스킬</a:t>
-            </a:r>
-            <a:r>
-              <a:rPr lang="en-US" altLang="ko-KR" sz="1400" dirty="0"/>
-              <a:t> </a:t>
-            </a:r>
-            <a:r>
-              <a:rPr lang="ko-KR" altLang="en-US" sz="1400" dirty="0"/>
-              <a:t>타입</a:t>
-            </a:r>
-            <a:r>
-              <a:rPr lang="en-US" altLang="ko-KR" sz="1400" dirty="0"/>
-              <a:t>(</a:t>
-            </a:r>
-            <a:r>
-              <a:rPr lang="ko-KR" altLang="en-US" sz="1400" dirty="0"/>
-              <a:t>용도 별 구성</a:t>
-            </a:r>
-            <a:r>
-              <a:rPr lang="en-US" altLang="ko-KR" sz="1400" dirty="0"/>
-              <a:t>)</a:t>
-            </a:r>
-          </a:p>
-          <a:p>
-            <a:pPr marL="342900" indent="-342900">
-              <a:lnSpc>
-                <a:spcPct val="150000"/>
-              </a:lnSpc>
-              <a:buFont typeface="Arial" panose="020B0604020202020204" pitchFamily="34" charset="0"/>
-              <a:buChar char="•"/>
-            </a:pPr>
-            <a:r>
-              <a:rPr lang="ko-KR" altLang="en-US" sz="1400" dirty="0"/>
-              <a:t>이름</a:t>
-            </a:r>
-            <a:endParaRPr lang="en-US" altLang="ko-KR" sz="1400" dirty="0"/>
-          </a:p>
-          <a:p>
-            <a:pPr marL="342900" indent="-342900">
-              <a:lnSpc>
-                <a:spcPct val="150000"/>
-              </a:lnSpc>
-              <a:buFont typeface="Arial" panose="020B0604020202020204" pitchFamily="34" charset="0"/>
-              <a:buChar char="•"/>
-            </a:pPr>
-            <a:r>
-              <a:rPr lang="ko-KR" altLang="en-US" sz="1400" dirty="0"/>
-              <a:t>설명</a:t>
-            </a:r>
-            <a:endParaRPr lang="en-US" altLang="ko-KR" sz="1400" dirty="0"/>
-          </a:p>
-        </p:txBody>
-      </p:sp>
-      <p:sp>
-        <p:nvSpPr>
-          <p:cNvPr id="12" name="TextBox 11">
-            <a:extLst>
-              <a:ext uri="{FF2B5EF4-FFF2-40B4-BE49-F238E27FC236}">
-                <a16:creationId xmlns:a16="http://schemas.microsoft.com/office/drawing/2014/main" id="{31D94046-42AD-7656-0E6E-BB101E46051D}"/>
-              </a:ext>
-            </a:extLst>
-          </p:cNvPr>
-          <p:cNvSpPr txBox="1"/>
-          <p:nvPr/>
-        </p:nvSpPr>
-        <p:spPr>
-          <a:xfrm>
-            <a:off x="6245151" y="4746376"/>
-            <a:ext cx="2666114" cy="1666546"/>
-          </a:xfrm>
-          <a:prstGeom prst="rect">
-            <a:avLst/>
-          </a:prstGeom>
-          <a:noFill/>
-        </p:spPr>
-        <p:txBody>
-          <a:bodyPr wrap="none" rtlCol="0">
-            <a:spAutoFit/>
-          </a:bodyPr>
-          <a:lstStyle/>
-          <a:p>
-            <a:pPr>
-              <a:lnSpc>
-                <a:spcPct val="150000"/>
-              </a:lnSpc>
-            </a:pPr>
-            <a:r>
-              <a:rPr lang="ko-KR" altLang="en-US" sz="1400" b="1" dirty="0">
-                <a:solidFill>
-                  <a:schemeClr val="bg2">
-                    <a:lumMod val="90000"/>
-                  </a:schemeClr>
-                </a:solidFill>
-              </a:rPr>
-              <a:t>상태이상 </a:t>
-            </a:r>
-            <a:r>
-              <a:rPr lang="en-US" altLang="ko-KR" sz="1400" b="1" dirty="0">
-                <a:solidFill>
-                  <a:schemeClr val="bg2">
-                    <a:lumMod val="90000"/>
-                  </a:schemeClr>
-                </a:solidFill>
-              </a:rPr>
-              <a:t>and </a:t>
-            </a:r>
-            <a:r>
-              <a:rPr lang="ko-KR" altLang="en-US" sz="1400" b="1" dirty="0">
-                <a:solidFill>
-                  <a:schemeClr val="bg2">
-                    <a:lumMod val="90000"/>
-                  </a:schemeClr>
-                </a:solidFill>
-              </a:rPr>
-              <a:t>버프 인터페이스</a:t>
-            </a:r>
-          </a:p>
-          <a:p>
-            <a:pPr marL="342900" indent="-342900">
-              <a:lnSpc>
-                <a:spcPct val="150000"/>
-              </a:lnSpc>
-              <a:buFont typeface="Arial" panose="020B0604020202020204" pitchFamily="34" charset="0"/>
-              <a:buChar char="•"/>
-            </a:pPr>
-            <a:r>
-              <a:rPr lang="ko-KR" altLang="en-US" sz="1400" dirty="0">
-                <a:solidFill>
-                  <a:schemeClr val="bg2">
-                    <a:lumMod val="90000"/>
-                  </a:schemeClr>
-                </a:solidFill>
-              </a:rPr>
-              <a:t>상태이상 </a:t>
-            </a:r>
-            <a:r>
-              <a:rPr lang="en-US" altLang="ko-KR" sz="1400" dirty="0">
-                <a:solidFill>
-                  <a:schemeClr val="bg2">
-                    <a:lumMod val="90000"/>
-                  </a:schemeClr>
-                </a:solidFill>
-              </a:rPr>
-              <a:t>ID</a:t>
-            </a:r>
-          </a:p>
-          <a:p>
-            <a:pPr marL="342900" indent="-342900">
-              <a:lnSpc>
-                <a:spcPct val="150000"/>
-              </a:lnSpc>
-              <a:buFont typeface="Arial" panose="020B0604020202020204" pitchFamily="34" charset="0"/>
-              <a:buChar char="•"/>
-            </a:pPr>
-            <a:r>
-              <a:rPr lang="ko-KR" altLang="en-US" sz="1400" dirty="0">
-                <a:solidFill>
-                  <a:schemeClr val="bg2">
-                    <a:lumMod val="90000"/>
-                  </a:schemeClr>
-                </a:solidFill>
-              </a:rPr>
-              <a:t>이름</a:t>
-            </a:r>
-            <a:endParaRPr lang="en-US" altLang="ko-KR" sz="1400" dirty="0">
-              <a:solidFill>
-                <a:schemeClr val="bg2">
-                  <a:lumMod val="90000"/>
-                </a:schemeClr>
-              </a:solidFill>
-            </a:endParaRPr>
-          </a:p>
-          <a:p>
-            <a:pPr marL="342900" indent="-342900">
-              <a:lnSpc>
-                <a:spcPct val="150000"/>
-              </a:lnSpc>
-              <a:buFont typeface="Arial" panose="020B0604020202020204" pitchFamily="34" charset="0"/>
-              <a:buChar char="•"/>
-            </a:pPr>
-            <a:r>
-              <a:rPr lang="ko-KR" altLang="en-US" sz="1400" dirty="0">
-                <a:solidFill>
-                  <a:schemeClr val="bg2">
-                    <a:lumMod val="90000"/>
-                  </a:schemeClr>
-                </a:solidFill>
-              </a:rPr>
-              <a:t>위력</a:t>
-            </a:r>
-            <a:endParaRPr lang="en-US" altLang="ko-KR" sz="1400" dirty="0">
-              <a:solidFill>
-                <a:schemeClr val="bg2">
-                  <a:lumMod val="90000"/>
-                </a:schemeClr>
-              </a:solidFill>
-            </a:endParaRPr>
-          </a:p>
-          <a:p>
-            <a:pPr marL="342900" indent="-342900">
-              <a:lnSpc>
-                <a:spcPct val="150000"/>
-              </a:lnSpc>
-              <a:buFont typeface="Arial" panose="020B0604020202020204" pitchFamily="34" charset="0"/>
-              <a:buChar char="•"/>
-            </a:pPr>
-            <a:r>
-              <a:rPr lang="ko-KR" altLang="en-US" sz="1400" dirty="0">
-                <a:solidFill>
-                  <a:schemeClr val="bg2">
-                    <a:lumMod val="90000"/>
-                  </a:schemeClr>
-                </a:solidFill>
-              </a:rPr>
-              <a:t>초기 턴</a:t>
-            </a:r>
-            <a:endParaRPr lang="en-US" altLang="ko-KR" sz="1400" dirty="0">
-              <a:solidFill>
-                <a:schemeClr val="bg2">
-                  <a:lumMod val="90000"/>
-                </a:schemeClr>
-              </a:solidFill>
-            </a:endParaRPr>
-          </a:p>
-        </p:txBody>
-      </p:sp>
-      <p:sp>
-        <p:nvSpPr>
-          <p:cNvPr id="11" name="TextBox 10">
-            <a:extLst>
-              <a:ext uri="{FF2B5EF4-FFF2-40B4-BE49-F238E27FC236}">
-                <a16:creationId xmlns:a16="http://schemas.microsoft.com/office/drawing/2014/main" id="{F83D4524-D1DC-349A-EDAA-C70FC246BEB4}"/>
-              </a:ext>
-            </a:extLst>
-          </p:cNvPr>
-          <p:cNvSpPr txBox="1"/>
-          <p:nvPr/>
-        </p:nvSpPr>
-        <p:spPr>
-          <a:xfrm>
-            <a:off x="9092963" y="5069541"/>
-            <a:ext cx="2517036" cy="1343381"/>
-          </a:xfrm>
-          <a:prstGeom prst="rect">
-            <a:avLst/>
-          </a:prstGeom>
-          <a:noFill/>
-        </p:spPr>
-        <p:txBody>
-          <a:bodyPr wrap="none" rtlCol="0">
-            <a:spAutoFit/>
-          </a:bodyPr>
-          <a:lstStyle/>
-          <a:p>
-            <a:pPr>
-              <a:lnSpc>
-                <a:spcPct val="150000"/>
-              </a:lnSpc>
-            </a:pPr>
-            <a:r>
-              <a:rPr lang="ko-KR" altLang="en-US" sz="1400" b="1" dirty="0">
-                <a:solidFill>
-                  <a:schemeClr val="bg2">
-                    <a:lumMod val="90000"/>
-                  </a:schemeClr>
-                </a:solidFill>
-              </a:rPr>
-              <a:t>상태이상 공격력 구조체</a:t>
-            </a:r>
-            <a:endParaRPr lang="en-US" altLang="ko-KR" sz="1400" b="1" dirty="0">
-              <a:solidFill>
-                <a:schemeClr val="bg2">
-                  <a:lumMod val="90000"/>
-                </a:schemeClr>
-              </a:solidFill>
-            </a:endParaRPr>
-          </a:p>
-          <a:p>
-            <a:pPr marL="342900" indent="-342900">
-              <a:lnSpc>
-                <a:spcPct val="150000"/>
-              </a:lnSpc>
-              <a:buFont typeface="Arial" panose="020B0604020202020204" pitchFamily="34" charset="0"/>
-              <a:buChar char="•"/>
-            </a:pPr>
-            <a:r>
-              <a:rPr lang="ko-KR" altLang="en-US" sz="1400" dirty="0">
-                <a:solidFill>
-                  <a:schemeClr val="bg2">
-                    <a:lumMod val="90000"/>
-                  </a:schemeClr>
-                </a:solidFill>
-              </a:rPr>
-              <a:t>상태이상</a:t>
-            </a:r>
-            <a:endParaRPr lang="en-US" altLang="ko-KR" sz="1400" dirty="0">
-              <a:solidFill>
-                <a:schemeClr val="bg2">
-                  <a:lumMod val="90000"/>
-                </a:schemeClr>
-              </a:solidFill>
-            </a:endParaRPr>
-          </a:p>
-          <a:p>
-            <a:pPr marL="800100" lvl="1" indent="-342900">
-              <a:lnSpc>
-                <a:spcPct val="150000"/>
-              </a:lnSpc>
-              <a:buFont typeface="Arial" panose="020B0604020202020204" pitchFamily="34" charset="0"/>
-              <a:buChar char="•"/>
-            </a:pPr>
-            <a:r>
-              <a:rPr lang="ko-KR" altLang="en-US" sz="1400" dirty="0">
-                <a:solidFill>
-                  <a:schemeClr val="bg2">
-                    <a:lumMod val="90000"/>
-                  </a:schemeClr>
-                </a:solidFill>
-              </a:rPr>
-              <a:t>인수</a:t>
-            </a:r>
-            <a:r>
-              <a:rPr lang="en-US" altLang="ko-KR" sz="1400" dirty="0">
-                <a:solidFill>
-                  <a:schemeClr val="bg2">
-                    <a:lumMod val="90000"/>
-                  </a:schemeClr>
-                </a:solidFill>
-              </a:rPr>
-              <a:t>: </a:t>
-            </a:r>
-            <a:r>
-              <a:rPr lang="ko-KR" altLang="en-US" sz="1400" dirty="0">
-                <a:solidFill>
-                  <a:schemeClr val="bg2">
-                    <a:lumMod val="90000"/>
-                  </a:schemeClr>
-                </a:solidFill>
-              </a:rPr>
-              <a:t>위력</a:t>
-            </a:r>
-            <a:r>
-              <a:rPr lang="en-US" altLang="ko-KR" sz="1400" dirty="0">
-                <a:solidFill>
-                  <a:schemeClr val="bg2">
-                    <a:lumMod val="90000"/>
-                  </a:schemeClr>
-                </a:solidFill>
-              </a:rPr>
-              <a:t>, </a:t>
-            </a:r>
-            <a:r>
-              <a:rPr lang="ko-KR" altLang="en-US" sz="1400" dirty="0">
-                <a:solidFill>
-                  <a:schemeClr val="bg2">
-                    <a:lumMod val="90000"/>
-                  </a:schemeClr>
-                </a:solidFill>
-              </a:rPr>
-              <a:t>초기 턴</a:t>
-            </a:r>
-            <a:endParaRPr lang="en-US" altLang="ko-KR" sz="1400" dirty="0">
-              <a:solidFill>
-                <a:schemeClr val="bg2">
-                  <a:lumMod val="90000"/>
-                </a:schemeClr>
-              </a:solidFill>
-            </a:endParaRPr>
-          </a:p>
-          <a:p>
-            <a:pPr marL="342900" indent="-342900">
-              <a:lnSpc>
-                <a:spcPct val="150000"/>
-              </a:lnSpc>
-              <a:buFont typeface="Arial" panose="020B0604020202020204" pitchFamily="34" charset="0"/>
-              <a:buChar char="•"/>
-            </a:pPr>
-            <a:r>
-              <a:rPr lang="ko-KR" altLang="en-US" sz="1400" dirty="0">
-                <a:solidFill>
-                  <a:schemeClr val="bg2">
-                    <a:lumMod val="90000"/>
-                  </a:schemeClr>
-                </a:solidFill>
-              </a:rPr>
-              <a:t>적용 확률</a:t>
-            </a:r>
-            <a:endParaRPr lang="en-US" altLang="ko-KR" sz="1400" dirty="0">
-              <a:solidFill>
-                <a:schemeClr val="bg2">
-                  <a:lumMod val="90000"/>
-                </a:schemeClr>
-              </a:solidFill>
-            </a:endParaRPr>
-          </a:p>
-        </p:txBody>
-      </p:sp>
-    </p:spTree>
-    <p:extLst>
-      <p:ext uri="{BB962C8B-B14F-4D97-AF65-F5344CB8AC3E}">
-        <p14:creationId xmlns:p14="http://schemas.microsoft.com/office/powerpoint/2010/main" val="3084690977"/>
-      </p:ext>
-    </p:extLst>
-  </p:cSld>
-  <p:clrMapOvr>
-    <a:masterClrMapping/>
-  </p:clrMapOvr>
-</p:sld>
-</file>
-
-<file path=ppt/slides/slide14.xml><?xml version="1.0" encoding="utf-8"?>
-<p:sld xmlns:a="http://schemas.openxmlformats.org/drawingml/2006/main" xmlns:r="http://schemas.openxmlformats.org/officeDocument/2006/relationships" xmlns:p="http://schemas.openxmlformats.org/presentationml/2006/main">
-  <p:cSld>
-    <p:bg>
-      <p:bgPr>
-        <a:solidFill>
-          <a:schemeClr val="bg1"/>
-        </a:solidFill>
-        <a:effectLst/>
-      </p:bgPr>
-    </p:bg>
-    <p:spTree>
-      <p:nvGrpSpPr>
-        <p:cNvPr id="1" name=""/>
-        <p:cNvGrpSpPr/>
-        <p:nvPr/>
-      </p:nvGrpSpPr>
-      <p:grpSpPr>
-        <a:xfrm>
-          <a:off x="0" y="0"/>
-          <a:ext cx="0" cy="0"/>
-          <a:chOff x="0" y="0"/>
-          <a:chExt cx="0" cy="0"/>
-        </a:xfrm>
-      </p:grpSpPr>
-      <p:sp>
-        <p:nvSpPr>
-          <p:cNvPr id="2" name="TextBox 1">
-            <a:extLst>
-              <a:ext uri="{FF2B5EF4-FFF2-40B4-BE49-F238E27FC236}">
-                <a16:creationId xmlns:a16="http://schemas.microsoft.com/office/drawing/2014/main" id="{F9DE207E-56CB-76AE-2106-43FD4CD482AA}"/>
-              </a:ext>
-            </a:extLst>
-          </p:cNvPr>
-          <p:cNvSpPr txBox="1"/>
-          <p:nvPr/>
-        </p:nvSpPr>
-        <p:spPr>
-          <a:xfrm>
-            <a:off x="528918" y="347976"/>
-            <a:ext cx="4256293" cy="369332"/>
-          </a:xfrm>
-          <a:prstGeom prst="rect">
-            <a:avLst/>
-          </a:prstGeom>
-          <a:noFill/>
-        </p:spPr>
-        <p:txBody>
-          <a:bodyPr wrap="none" rtlCol="0">
-            <a:spAutoFit/>
-          </a:bodyPr>
-          <a:lstStyle/>
-          <a:p>
-            <a:r>
-              <a:rPr lang="ko-KR" altLang="en-US" dirty="0"/>
-              <a:t>인터페이스 및 클래스 속성 정리 </a:t>
-            </a:r>
-            <a:r>
-              <a:rPr lang="en-US" altLang="ko-KR" dirty="0"/>
-              <a:t>– </a:t>
-            </a:r>
-            <a:r>
-              <a:rPr lang="ko-KR" altLang="en-US" dirty="0"/>
-              <a:t>기타</a:t>
-            </a:r>
-          </a:p>
-        </p:txBody>
-      </p:sp>
-      <p:sp>
-        <p:nvSpPr>
-          <p:cNvPr id="3" name="TextBox 2">
-            <a:extLst>
-              <a:ext uri="{FF2B5EF4-FFF2-40B4-BE49-F238E27FC236}">
-                <a16:creationId xmlns:a16="http://schemas.microsoft.com/office/drawing/2014/main" id="{43A479EE-4B72-730A-D4A4-0E1F8FF5B645}"/>
-              </a:ext>
-            </a:extLst>
-          </p:cNvPr>
-          <p:cNvSpPr txBox="1"/>
-          <p:nvPr/>
-        </p:nvSpPr>
-        <p:spPr>
-          <a:xfrm>
-            <a:off x="801063" y="1242492"/>
-            <a:ext cx="1912703" cy="2959208"/>
-          </a:xfrm>
-          <a:prstGeom prst="rect">
-            <a:avLst/>
-          </a:prstGeom>
-          <a:noFill/>
-        </p:spPr>
-        <p:txBody>
-          <a:bodyPr wrap="none" rtlCol="0">
-            <a:spAutoFit/>
-          </a:bodyPr>
-          <a:lstStyle/>
-          <a:p>
-            <a:pPr>
-              <a:lnSpc>
-                <a:spcPct val="150000"/>
-              </a:lnSpc>
-            </a:pPr>
-            <a:r>
-              <a:rPr lang="ko-KR" altLang="en-US" sz="1400" b="1" dirty="0"/>
-              <a:t>던전 클래스</a:t>
-            </a:r>
-            <a:endParaRPr lang="en-US" altLang="ko-KR" sz="1400" b="1" dirty="0"/>
-          </a:p>
-          <a:p>
-            <a:pPr marL="342900" indent="-342900">
-              <a:lnSpc>
-                <a:spcPct val="150000"/>
-              </a:lnSpc>
-              <a:buFont typeface="Arial" panose="020B0604020202020204" pitchFamily="34" charset="0"/>
-              <a:buChar char="•"/>
-            </a:pPr>
-            <a:r>
-              <a:rPr lang="ko-KR" altLang="en-US" sz="1400" dirty="0"/>
-              <a:t>맵 </a:t>
-            </a:r>
-            <a:r>
-              <a:rPr lang="en-US" altLang="ko-KR" sz="1400" dirty="0"/>
-              <a:t>ID</a:t>
-            </a:r>
-          </a:p>
-          <a:p>
-            <a:pPr marL="342900" indent="-342900">
-              <a:lnSpc>
-                <a:spcPct val="150000"/>
-              </a:lnSpc>
-              <a:buFont typeface="Arial" panose="020B0604020202020204" pitchFamily="34" charset="0"/>
-              <a:buChar char="•"/>
-            </a:pPr>
-            <a:r>
-              <a:rPr lang="ko-KR" altLang="en-US" sz="1400" dirty="0"/>
-              <a:t>이름</a:t>
-            </a:r>
-            <a:endParaRPr lang="en-US" altLang="ko-KR" sz="1400" dirty="0"/>
-          </a:p>
-          <a:p>
-            <a:pPr marL="342900" indent="-342900">
-              <a:lnSpc>
-                <a:spcPct val="150000"/>
-              </a:lnSpc>
-              <a:buFont typeface="Arial" panose="020B0604020202020204" pitchFamily="34" charset="0"/>
-              <a:buChar char="•"/>
-            </a:pPr>
-            <a:r>
-              <a:rPr lang="ko-KR" altLang="en-US" sz="1400" dirty="0"/>
-              <a:t>설명</a:t>
-            </a:r>
-            <a:endParaRPr lang="en-US" altLang="ko-KR" sz="1400" dirty="0"/>
-          </a:p>
-          <a:p>
-            <a:pPr marL="342900" indent="-342900">
-              <a:lnSpc>
-                <a:spcPct val="150000"/>
-              </a:lnSpc>
-              <a:buFont typeface="Arial" panose="020B0604020202020204" pitchFamily="34" charset="0"/>
-              <a:buChar char="•"/>
-            </a:pPr>
-            <a:r>
-              <a:rPr lang="ko-KR" altLang="en-US" sz="1400" dirty="0"/>
-              <a:t>레벨</a:t>
-            </a:r>
-            <a:endParaRPr lang="en-US" altLang="ko-KR" sz="1400" dirty="0"/>
-          </a:p>
-          <a:p>
-            <a:pPr marL="342900" indent="-342900">
-              <a:lnSpc>
-                <a:spcPct val="150000"/>
-              </a:lnSpc>
-              <a:buFont typeface="Arial" panose="020B0604020202020204" pitchFamily="34" charset="0"/>
-              <a:buChar char="•"/>
-            </a:pPr>
-            <a:r>
-              <a:rPr lang="ko-KR" altLang="en-US" sz="1400" dirty="0"/>
-              <a:t>등장 몬스터 목록</a:t>
-            </a:r>
-            <a:endParaRPr lang="en-US" altLang="ko-KR" sz="1400" dirty="0"/>
-          </a:p>
-          <a:p>
-            <a:pPr marL="342900" indent="-342900">
-              <a:lnSpc>
-                <a:spcPct val="150000"/>
-              </a:lnSpc>
-              <a:buFont typeface="Arial" panose="020B0604020202020204" pitchFamily="34" charset="0"/>
-              <a:buChar char="•"/>
-            </a:pPr>
-            <a:r>
-              <a:rPr lang="ko-KR" altLang="en-US" sz="1400" dirty="0"/>
-              <a:t>보스 목록</a:t>
-            </a:r>
-            <a:endParaRPr lang="en-US" altLang="ko-KR" sz="1400" dirty="0"/>
-          </a:p>
-          <a:p>
-            <a:pPr marL="342900" indent="-342900">
-              <a:lnSpc>
-                <a:spcPct val="150000"/>
-              </a:lnSpc>
-              <a:buFont typeface="Arial" panose="020B0604020202020204" pitchFamily="34" charset="0"/>
-              <a:buChar char="•"/>
-            </a:pPr>
-            <a:r>
-              <a:rPr lang="ko-KR" altLang="en-US" sz="1400" dirty="0"/>
-              <a:t>화톳불 발생 층</a:t>
-            </a:r>
-            <a:endParaRPr lang="en-US" altLang="ko-KR" sz="1400" dirty="0"/>
-          </a:p>
-          <a:p>
-            <a:pPr marL="342900" indent="-342900">
-              <a:lnSpc>
-                <a:spcPct val="150000"/>
-              </a:lnSpc>
-              <a:buFont typeface="Arial" panose="020B0604020202020204" pitchFamily="34" charset="0"/>
-              <a:buChar char="•"/>
-            </a:pPr>
-            <a:r>
-              <a:rPr lang="ko-KR" altLang="en-US" sz="1400" dirty="0"/>
-              <a:t>최대 층 수</a:t>
-            </a:r>
-            <a:endParaRPr lang="en-US" altLang="ko-KR" sz="1400" dirty="0"/>
-          </a:p>
-        </p:txBody>
-      </p:sp>
-      <p:sp>
-        <p:nvSpPr>
-          <p:cNvPr id="6" name="TextBox 5">
-            <a:extLst>
-              <a:ext uri="{FF2B5EF4-FFF2-40B4-BE49-F238E27FC236}">
-                <a16:creationId xmlns:a16="http://schemas.microsoft.com/office/drawing/2014/main" id="{4DF32B08-0A6E-B114-DF9A-A22D8D7E618B}"/>
-              </a:ext>
-            </a:extLst>
-          </p:cNvPr>
-          <p:cNvSpPr txBox="1"/>
-          <p:nvPr/>
-        </p:nvSpPr>
-        <p:spPr>
-          <a:xfrm>
-            <a:off x="3564620" y="1242492"/>
-            <a:ext cx="2856872" cy="2636043"/>
-          </a:xfrm>
-          <a:prstGeom prst="rect">
-            <a:avLst/>
-          </a:prstGeom>
-          <a:noFill/>
-        </p:spPr>
-        <p:txBody>
-          <a:bodyPr wrap="none" rtlCol="0">
-            <a:spAutoFit/>
-          </a:bodyPr>
-          <a:lstStyle/>
-          <a:p>
-            <a:pPr>
-              <a:lnSpc>
-                <a:spcPct val="150000"/>
-              </a:lnSpc>
-            </a:pPr>
-            <a:r>
-              <a:rPr lang="ko-KR" altLang="en-US" sz="1400" b="1" dirty="0"/>
-              <a:t>퀘스트 클래스</a:t>
-            </a:r>
-            <a:endParaRPr lang="en-US" altLang="ko-KR" sz="1400" b="1" dirty="0"/>
-          </a:p>
-          <a:p>
-            <a:pPr marL="342900" indent="-342900">
-              <a:lnSpc>
-                <a:spcPct val="150000"/>
-              </a:lnSpc>
-              <a:buFont typeface="Arial" panose="020B0604020202020204" pitchFamily="34" charset="0"/>
-              <a:buChar char="•"/>
-            </a:pPr>
-            <a:r>
-              <a:rPr lang="ko-KR" altLang="en-US" sz="1400" dirty="0"/>
-              <a:t>퀘스트 </a:t>
-            </a:r>
-            <a:r>
-              <a:rPr lang="en-US" altLang="ko-KR" sz="1400" dirty="0"/>
-              <a:t>ID</a:t>
-            </a:r>
-          </a:p>
-          <a:p>
-            <a:pPr marL="342900" indent="-342900">
-              <a:lnSpc>
-                <a:spcPct val="150000"/>
-              </a:lnSpc>
-              <a:buFont typeface="Arial" panose="020B0604020202020204" pitchFamily="34" charset="0"/>
-              <a:buChar char="•"/>
-            </a:pPr>
-            <a:r>
-              <a:rPr lang="ko-KR" altLang="en-US" sz="1400" dirty="0"/>
-              <a:t>퀘스트 타입 </a:t>
-            </a:r>
-            <a:r>
-              <a:rPr lang="en-US" altLang="ko-KR" sz="1400" dirty="0"/>
-              <a:t>(</a:t>
-            </a:r>
-            <a:r>
-              <a:rPr lang="ko-KR" altLang="en-US" sz="1400" dirty="0"/>
-              <a:t>몬스터 </a:t>
-            </a:r>
-            <a:r>
-              <a:rPr lang="en-US" altLang="ko-KR" sz="1400" dirty="0"/>
-              <a:t>or </a:t>
-            </a:r>
-            <a:r>
-              <a:rPr lang="ko-KR" altLang="en-US" sz="1400" dirty="0"/>
-              <a:t>던전</a:t>
-            </a:r>
-            <a:r>
-              <a:rPr lang="en-US" altLang="ko-KR" sz="1400" dirty="0"/>
-              <a:t>)</a:t>
-            </a:r>
-          </a:p>
-          <a:p>
-            <a:pPr marL="342900" indent="-342900">
-              <a:lnSpc>
-                <a:spcPct val="150000"/>
-              </a:lnSpc>
-              <a:buFont typeface="Arial" panose="020B0604020202020204" pitchFamily="34" charset="0"/>
-              <a:buChar char="•"/>
-            </a:pPr>
-            <a:r>
-              <a:rPr lang="ko-KR" altLang="en-US" sz="1400" dirty="0"/>
-              <a:t>이름</a:t>
-            </a:r>
-            <a:endParaRPr lang="en-US" altLang="ko-KR" sz="1400" dirty="0"/>
-          </a:p>
-          <a:p>
-            <a:pPr marL="342900" indent="-342900">
-              <a:lnSpc>
-                <a:spcPct val="150000"/>
-              </a:lnSpc>
-              <a:buFont typeface="Arial" panose="020B0604020202020204" pitchFamily="34" charset="0"/>
-              <a:buChar char="•"/>
-            </a:pPr>
-            <a:r>
-              <a:rPr lang="ko-KR" altLang="en-US" sz="1400" dirty="0"/>
-              <a:t>설명</a:t>
-            </a:r>
-            <a:endParaRPr lang="en-US" altLang="ko-KR" sz="1400" dirty="0"/>
-          </a:p>
-          <a:p>
-            <a:pPr marL="342900" indent="-342900">
-              <a:lnSpc>
-                <a:spcPct val="150000"/>
-              </a:lnSpc>
-              <a:buFont typeface="Arial" panose="020B0604020202020204" pitchFamily="34" charset="0"/>
-              <a:buChar char="•"/>
-            </a:pPr>
-            <a:r>
-              <a:rPr lang="ko-KR" altLang="en-US" sz="1400" dirty="0"/>
-              <a:t>조건 카운터</a:t>
-            </a:r>
-            <a:endParaRPr lang="en-US" altLang="ko-KR" sz="1400" dirty="0"/>
-          </a:p>
-          <a:p>
-            <a:pPr marL="342900" indent="-342900">
-              <a:lnSpc>
-                <a:spcPct val="150000"/>
-              </a:lnSpc>
-              <a:buFont typeface="Arial" panose="020B0604020202020204" pitchFamily="34" charset="0"/>
-              <a:buChar char="•"/>
-            </a:pPr>
-            <a:r>
-              <a:rPr lang="ko-KR" altLang="en-US" sz="1400" dirty="0"/>
-              <a:t>조건 만족 횟수</a:t>
-            </a:r>
-            <a:endParaRPr lang="en-US" altLang="ko-KR" sz="1400" dirty="0"/>
-          </a:p>
-          <a:p>
-            <a:pPr marL="342900" indent="-342900">
-              <a:lnSpc>
-                <a:spcPct val="150000"/>
-              </a:lnSpc>
-              <a:buFont typeface="Arial" panose="020B0604020202020204" pitchFamily="34" charset="0"/>
-              <a:buChar char="•"/>
-            </a:pPr>
-            <a:r>
-              <a:rPr lang="ko-KR" altLang="en-US" sz="1400" dirty="0"/>
-              <a:t>조건 카운터 증가 판정 함수</a:t>
-            </a:r>
-            <a:endParaRPr lang="en-US" altLang="ko-KR" sz="1400" dirty="0"/>
-          </a:p>
-        </p:txBody>
-      </p:sp>
-      <p:sp>
-        <p:nvSpPr>
-          <p:cNvPr id="4" name="TextBox 3">
-            <a:extLst>
-              <a:ext uri="{FF2B5EF4-FFF2-40B4-BE49-F238E27FC236}">
-                <a16:creationId xmlns:a16="http://schemas.microsoft.com/office/drawing/2014/main" id="{7AC20048-D7A9-D5A5-C2DD-C68DD8448FB7}"/>
-              </a:ext>
-            </a:extLst>
-          </p:cNvPr>
-          <p:cNvSpPr txBox="1"/>
-          <p:nvPr/>
-        </p:nvSpPr>
-        <p:spPr>
-          <a:xfrm>
-            <a:off x="6888355" y="1242492"/>
-            <a:ext cx="1491114" cy="1666546"/>
-          </a:xfrm>
-          <a:prstGeom prst="rect">
-            <a:avLst/>
-          </a:prstGeom>
-          <a:noFill/>
-        </p:spPr>
-        <p:txBody>
-          <a:bodyPr wrap="none" rtlCol="0">
-            <a:spAutoFit/>
-          </a:bodyPr>
-          <a:lstStyle/>
-          <a:p>
-            <a:pPr>
-              <a:lnSpc>
-                <a:spcPct val="150000"/>
-              </a:lnSpc>
-            </a:pPr>
-            <a:r>
-              <a:rPr lang="ko-KR" altLang="en-US" sz="1400" b="1" dirty="0"/>
-              <a:t>보관함 클래스</a:t>
-            </a:r>
-            <a:endParaRPr lang="en-US" altLang="ko-KR" sz="1400" b="1" dirty="0"/>
-          </a:p>
-          <a:p>
-            <a:pPr marL="342900" indent="-342900">
-              <a:lnSpc>
-                <a:spcPct val="150000"/>
-              </a:lnSpc>
-              <a:buFont typeface="Arial" panose="020B0604020202020204" pitchFamily="34" charset="0"/>
-              <a:buChar char="•"/>
-            </a:pPr>
-            <a:r>
-              <a:rPr lang="ko-KR" altLang="en-US" sz="1400" dirty="0"/>
-              <a:t>아이템 목록</a:t>
-            </a:r>
-            <a:endParaRPr lang="en-US" altLang="ko-KR" sz="1400" dirty="0"/>
-          </a:p>
-          <a:p>
-            <a:pPr marL="342900" indent="-342900">
-              <a:lnSpc>
-                <a:spcPct val="150000"/>
-              </a:lnSpc>
-              <a:buFont typeface="Arial" panose="020B0604020202020204" pitchFamily="34" charset="0"/>
-              <a:buChar char="•"/>
-            </a:pPr>
-            <a:r>
-              <a:rPr lang="ko-KR" altLang="en-US" sz="1400" dirty="0"/>
-              <a:t>습득 함수</a:t>
-            </a:r>
-            <a:endParaRPr lang="en-US" altLang="ko-KR" sz="1400" dirty="0"/>
-          </a:p>
-          <a:p>
-            <a:pPr marL="342900" indent="-342900">
-              <a:lnSpc>
-                <a:spcPct val="150000"/>
-              </a:lnSpc>
-              <a:buFont typeface="Arial" panose="020B0604020202020204" pitchFamily="34" charset="0"/>
-              <a:buChar char="•"/>
-            </a:pPr>
-            <a:r>
-              <a:rPr lang="ko-KR" altLang="en-US" sz="1400" dirty="0"/>
-              <a:t>손실 함수</a:t>
-            </a:r>
-            <a:endParaRPr lang="en-US" altLang="ko-KR" sz="1400" dirty="0"/>
-          </a:p>
-          <a:p>
-            <a:pPr marL="342900" indent="-342900">
-              <a:lnSpc>
-                <a:spcPct val="150000"/>
-              </a:lnSpc>
-              <a:buFont typeface="Arial" panose="020B0604020202020204" pitchFamily="34" charset="0"/>
-              <a:buChar char="•"/>
-            </a:pPr>
-            <a:r>
-              <a:rPr lang="ko-KR" altLang="en-US" sz="1400" dirty="0"/>
-              <a:t>초기화 함수</a:t>
-            </a:r>
-            <a:endParaRPr lang="en-US" altLang="ko-KR" sz="1400" dirty="0"/>
-          </a:p>
-        </p:txBody>
-      </p:sp>
-      <p:sp>
-        <p:nvSpPr>
-          <p:cNvPr id="5" name="TextBox 4">
-            <a:extLst>
-              <a:ext uri="{FF2B5EF4-FFF2-40B4-BE49-F238E27FC236}">
-                <a16:creationId xmlns:a16="http://schemas.microsoft.com/office/drawing/2014/main" id="{0FCE1630-2914-CB2F-9F1B-FC4745C6CFC4}"/>
-              </a:ext>
-            </a:extLst>
-          </p:cNvPr>
-          <p:cNvSpPr txBox="1"/>
-          <p:nvPr/>
-        </p:nvSpPr>
-        <p:spPr>
-          <a:xfrm>
-            <a:off x="6888355" y="3429000"/>
-            <a:ext cx="1733167" cy="1989712"/>
-          </a:xfrm>
-          <a:prstGeom prst="rect">
-            <a:avLst/>
-          </a:prstGeom>
-          <a:noFill/>
-        </p:spPr>
-        <p:txBody>
-          <a:bodyPr wrap="none" rtlCol="0">
-            <a:spAutoFit/>
-          </a:bodyPr>
-          <a:lstStyle/>
-          <a:p>
-            <a:pPr>
-              <a:lnSpc>
-                <a:spcPct val="150000"/>
-              </a:lnSpc>
-            </a:pPr>
-            <a:r>
-              <a:rPr lang="ko-KR" altLang="en-US" sz="1400" b="1" dirty="0"/>
-              <a:t>상점 클래스</a:t>
-            </a:r>
-            <a:endParaRPr lang="en-US" altLang="ko-KR" sz="1400" b="1" dirty="0"/>
-          </a:p>
-          <a:p>
-            <a:pPr marL="342900" indent="-342900">
-              <a:lnSpc>
-                <a:spcPct val="150000"/>
-              </a:lnSpc>
-              <a:buFont typeface="Arial" panose="020B0604020202020204" pitchFamily="34" charset="0"/>
-              <a:buChar char="•"/>
-            </a:pPr>
-            <a:r>
-              <a:rPr lang="ko-KR" altLang="en-US" sz="1400" dirty="0"/>
-              <a:t>상품 목록</a:t>
-            </a:r>
-            <a:endParaRPr lang="en-US" altLang="ko-KR" sz="1400" dirty="0"/>
-          </a:p>
-          <a:p>
-            <a:pPr marL="342900" indent="-342900">
-              <a:lnSpc>
-                <a:spcPct val="150000"/>
-              </a:lnSpc>
-              <a:buFont typeface="Arial" panose="020B0604020202020204" pitchFamily="34" charset="0"/>
-              <a:buChar char="•"/>
-            </a:pPr>
-            <a:r>
-              <a:rPr lang="ko-KR" altLang="en-US" sz="1400" dirty="0"/>
-              <a:t>구매 함수</a:t>
-            </a:r>
-            <a:endParaRPr lang="en-US" altLang="ko-KR" sz="1400" dirty="0"/>
-          </a:p>
-          <a:p>
-            <a:pPr marL="342900" indent="-342900">
-              <a:lnSpc>
-                <a:spcPct val="150000"/>
-              </a:lnSpc>
-              <a:buFont typeface="Arial" panose="020B0604020202020204" pitchFamily="34" charset="0"/>
-              <a:buChar char="•"/>
-            </a:pPr>
-            <a:r>
-              <a:rPr lang="ko-KR" altLang="en-US" sz="1400" dirty="0"/>
-              <a:t>판매 함수</a:t>
-            </a:r>
-            <a:endParaRPr lang="en-US" altLang="ko-KR" sz="1400" dirty="0"/>
-          </a:p>
-          <a:p>
-            <a:pPr marL="342900" indent="-342900">
-              <a:lnSpc>
-                <a:spcPct val="150000"/>
-              </a:lnSpc>
-              <a:buFont typeface="Arial" panose="020B0604020202020204" pitchFamily="34" charset="0"/>
-              <a:buChar char="•"/>
-            </a:pPr>
-            <a:r>
-              <a:rPr lang="ko-KR" altLang="en-US" sz="1400" dirty="0"/>
-              <a:t>초기화 함수</a:t>
-            </a:r>
-            <a:endParaRPr lang="en-US" altLang="ko-KR" sz="1400" dirty="0"/>
-          </a:p>
-          <a:p>
-            <a:pPr marL="342900" indent="-342900">
-              <a:lnSpc>
-                <a:spcPct val="150000"/>
-              </a:lnSpc>
-              <a:buFont typeface="Arial" panose="020B0604020202020204" pitchFamily="34" charset="0"/>
-              <a:buChar char="•"/>
-            </a:pPr>
-            <a:r>
-              <a:rPr lang="ko-KR" altLang="en-US" sz="1400" dirty="0"/>
-              <a:t>상품 추가 함수</a:t>
-            </a:r>
-            <a:endParaRPr lang="en-US" altLang="ko-KR" sz="1400" dirty="0"/>
-          </a:p>
-        </p:txBody>
-      </p:sp>
-      <p:sp>
-        <p:nvSpPr>
-          <p:cNvPr id="7" name="TextBox 6">
-            <a:extLst>
-              <a:ext uri="{FF2B5EF4-FFF2-40B4-BE49-F238E27FC236}">
-                <a16:creationId xmlns:a16="http://schemas.microsoft.com/office/drawing/2014/main" id="{172458EA-186E-8CC6-F035-5A929FC1E61A}"/>
-              </a:ext>
-            </a:extLst>
-          </p:cNvPr>
-          <p:cNvSpPr txBox="1"/>
-          <p:nvPr/>
-        </p:nvSpPr>
-        <p:spPr>
-          <a:xfrm>
-            <a:off x="8895222" y="1242492"/>
-            <a:ext cx="2735044" cy="1943545"/>
-          </a:xfrm>
-          <a:prstGeom prst="rect">
-            <a:avLst/>
-          </a:prstGeom>
-          <a:noFill/>
-        </p:spPr>
-        <p:txBody>
-          <a:bodyPr wrap="none" rtlCol="0">
-            <a:spAutoFit/>
-          </a:bodyPr>
-          <a:lstStyle/>
-          <a:p>
-            <a:pPr>
-              <a:lnSpc>
-                <a:spcPct val="150000"/>
-              </a:lnSpc>
-            </a:pPr>
-            <a:r>
-              <a:rPr lang="ko-KR" altLang="en-US" sz="1400" b="1" dirty="0"/>
-              <a:t>던전 매니저</a:t>
-            </a:r>
-            <a:endParaRPr lang="en-US" altLang="ko-KR" sz="1400" b="1" dirty="0"/>
-          </a:p>
-          <a:p>
-            <a:pPr>
-              <a:lnSpc>
-                <a:spcPct val="150000"/>
-              </a:lnSpc>
-            </a:pPr>
-            <a:r>
-              <a:rPr lang="en-US" altLang="ko-KR" sz="1200" dirty="0"/>
-              <a:t>※ </a:t>
-            </a:r>
-            <a:r>
-              <a:rPr lang="ko-KR" altLang="en-US" sz="1200" dirty="0"/>
-              <a:t>던전 나가거나 게임오버 시 초기화</a:t>
-            </a:r>
-            <a:endParaRPr lang="en-US" altLang="ko-KR" sz="1200" dirty="0"/>
-          </a:p>
-          <a:p>
-            <a:pPr marL="342900" indent="-342900">
-              <a:lnSpc>
-                <a:spcPct val="150000"/>
-              </a:lnSpc>
-              <a:buFont typeface="Arial" panose="020B0604020202020204" pitchFamily="34" charset="0"/>
-              <a:buChar char="•"/>
-            </a:pPr>
-            <a:r>
-              <a:rPr lang="ko-KR" altLang="en-US" sz="1400" dirty="0"/>
-              <a:t>현재 던전</a:t>
-            </a:r>
-            <a:endParaRPr lang="en-US" altLang="ko-KR" sz="1400" dirty="0"/>
-          </a:p>
-          <a:p>
-            <a:pPr marL="342900" indent="-342900">
-              <a:lnSpc>
-                <a:spcPct val="150000"/>
-              </a:lnSpc>
-              <a:buFont typeface="Arial" panose="020B0604020202020204" pitchFamily="34" charset="0"/>
-              <a:buChar char="•"/>
-            </a:pPr>
-            <a:r>
-              <a:rPr lang="ko-KR" altLang="en-US" sz="1400" dirty="0"/>
-              <a:t>현재 층</a:t>
-            </a:r>
-            <a:endParaRPr lang="en-US" altLang="ko-KR" sz="1400" dirty="0"/>
-          </a:p>
-          <a:p>
-            <a:pPr marL="342900" indent="-342900">
-              <a:lnSpc>
-                <a:spcPct val="150000"/>
-              </a:lnSpc>
-              <a:buFont typeface="Arial" panose="020B0604020202020204" pitchFamily="34" charset="0"/>
-              <a:buChar char="•"/>
-            </a:pPr>
-            <a:r>
-              <a:rPr lang="ko-KR" altLang="en-US" sz="1400" dirty="0"/>
-              <a:t>불 길들이기 횟수</a:t>
-            </a:r>
-            <a:endParaRPr lang="en-US" altLang="ko-KR" sz="1400" dirty="0"/>
-          </a:p>
-          <a:p>
-            <a:pPr marL="342900" indent="-342900">
-              <a:lnSpc>
-                <a:spcPct val="150000"/>
-              </a:lnSpc>
-              <a:buFont typeface="Arial" panose="020B0604020202020204" pitchFamily="34" charset="0"/>
-              <a:buChar char="•"/>
-            </a:pPr>
-            <a:r>
-              <a:rPr lang="ko-KR" altLang="en-US" sz="1400" dirty="0"/>
-              <a:t>현제 적 구성</a:t>
-            </a:r>
-            <a:endParaRPr lang="en-US" altLang="ko-KR" sz="1400" dirty="0"/>
-          </a:p>
-        </p:txBody>
-      </p:sp>
-      <p:sp>
-        <p:nvSpPr>
-          <p:cNvPr id="9" name="TextBox 8">
-            <a:extLst>
-              <a:ext uri="{FF2B5EF4-FFF2-40B4-BE49-F238E27FC236}">
-                <a16:creationId xmlns:a16="http://schemas.microsoft.com/office/drawing/2014/main" id="{D5C0D042-5F0E-A53E-9769-8A5C4D9CE0D4}"/>
-              </a:ext>
-            </a:extLst>
-          </p:cNvPr>
-          <p:cNvSpPr txBox="1"/>
-          <p:nvPr/>
-        </p:nvSpPr>
-        <p:spPr>
-          <a:xfrm>
-            <a:off x="9210213" y="3429000"/>
-            <a:ext cx="2105063" cy="1666546"/>
-          </a:xfrm>
-          <a:prstGeom prst="rect">
-            <a:avLst/>
-          </a:prstGeom>
-          <a:noFill/>
-        </p:spPr>
-        <p:txBody>
-          <a:bodyPr wrap="none" rtlCol="0">
-            <a:spAutoFit/>
-          </a:bodyPr>
-          <a:lstStyle/>
-          <a:p>
-            <a:pPr>
-              <a:lnSpc>
-                <a:spcPct val="150000"/>
-              </a:lnSpc>
-            </a:pPr>
-            <a:r>
-              <a:rPr lang="ko-KR" altLang="en-US" sz="1400" b="1" dirty="0"/>
-              <a:t>플레이어 데이터 매니저</a:t>
-            </a:r>
-            <a:endParaRPr lang="en-US" altLang="ko-KR" sz="1400" b="1" dirty="0"/>
-          </a:p>
-          <a:p>
-            <a:pPr marL="285750" indent="-285750">
-              <a:lnSpc>
-                <a:spcPct val="150000"/>
-              </a:lnSpc>
-              <a:buFont typeface="Arial" panose="020B0604020202020204" pitchFamily="34" charset="0"/>
-              <a:buChar char="•"/>
-            </a:pPr>
-            <a:r>
-              <a:rPr lang="ko-KR" altLang="en-US" sz="1400" dirty="0"/>
-              <a:t>플레이어 클래스</a:t>
-            </a:r>
-            <a:endParaRPr lang="en-US" altLang="ko-KR" sz="1400" dirty="0"/>
-          </a:p>
-          <a:p>
-            <a:pPr marL="285750" indent="-285750">
-              <a:lnSpc>
-                <a:spcPct val="150000"/>
-              </a:lnSpc>
-              <a:buFont typeface="Arial" panose="020B0604020202020204" pitchFamily="34" charset="0"/>
-              <a:buChar char="•"/>
-            </a:pPr>
-            <a:r>
-              <a:rPr lang="ko-KR" altLang="en-US" sz="1400" dirty="0" err="1"/>
-              <a:t>소지금</a:t>
-            </a:r>
-            <a:endParaRPr lang="en-US" altLang="ko-KR" sz="1400" dirty="0"/>
-          </a:p>
-          <a:p>
-            <a:pPr marL="285750" indent="-285750">
-              <a:lnSpc>
-                <a:spcPct val="150000"/>
-              </a:lnSpc>
-              <a:buFont typeface="Arial" panose="020B0604020202020204" pitchFamily="34" charset="0"/>
-              <a:buChar char="•"/>
-            </a:pPr>
-            <a:r>
-              <a:rPr lang="ko-KR" altLang="en-US" sz="1400" dirty="0"/>
-              <a:t>보관함 클래스</a:t>
-            </a:r>
-            <a:endParaRPr lang="en-US" altLang="ko-KR" sz="1400" dirty="0"/>
-          </a:p>
-          <a:p>
-            <a:pPr marL="285750" indent="-285750">
-              <a:lnSpc>
-                <a:spcPct val="150000"/>
-              </a:lnSpc>
-              <a:buFont typeface="Arial" panose="020B0604020202020204" pitchFamily="34" charset="0"/>
-              <a:buChar char="•"/>
-            </a:pPr>
-            <a:r>
-              <a:rPr lang="ko-KR" altLang="en-US" sz="1400" dirty="0"/>
-              <a:t>수주 퀘스트 목록</a:t>
-            </a:r>
-            <a:endParaRPr lang="en-US" altLang="ko-KR" sz="1400" dirty="0"/>
-          </a:p>
-        </p:txBody>
-      </p:sp>
-      <p:sp>
-        <p:nvSpPr>
-          <p:cNvPr id="8" name="TextBox 7">
-            <a:extLst>
-              <a:ext uri="{FF2B5EF4-FFF2-40B4-BE49-F238E27FC236}">
-                <a16:creationId xmlns:a16="http://schemas.microsoft.com/office/drawing/2014/main" id="{47CE83FD-CA99-8816-6F6A-00E1C910D4B9}"/>
-              </a:ext>
-            </a:extLst>
-          </p:cNvPr>
-          <p:cNvSpPr txBox="1"/>
-          <p:nvPr/>
-        </p:nvSpPr>
-        <p:spPr>
-          <a:xfrm>
-            <a:off x="3564620" y="4262273"/>
-            <a:ext cx="2451312" cy="1666546"/>
-          </a:xfrm>
-          <a:prstGeom prst="rect">
-            <a:avLst/>
-          </a:prstGeom>
-          <a:noFill/>
-        </p:spPr>
-        <p:txBody>
-          <a:bodyPr wrap="none" rtlCol="0">
-            <a:spAutoFit/>
-          </a:bodyPr>
-          <a:lstStyle/>
-          <a:p>
-            <a:pPr>
-              <a:lnSpc>
-                <a:spcPct val="150000"/>
-              </a:lnSpc>
-            </a:pPr>
-            <a:r>
-              <a:rPr lang="ko-KR" altLang="en-US" sz="1400" b="1" dirty="0"/>
-              <a:t>게임 매니저</a:t>
-            </a:r>
-            <a:endParaRPr lang="en-US" altLang="ko-KR" sz="1400" dirty="0"/>
-          </a:p>
-          <a:p>
-            <a:pPr marL="342900" indent="-342900">
-              <a:lnSpc>
-                <a:spcPct val="150000"/>
-              </a:lnSpc>
-              <a:buFont typeface="Arial" panose="020B0604020202020204" pitchFamily="34" charset="0"/>
-              <a:buChar char="•"/>
-            </a:pPr>
-            <a:r>
-              <a:rPr lang="ko-KR" altLang="en-US" sz="1400" dirty="0"/>
-              <a:t>현재 화면 종류</a:t>
-            </a:r>
-            <a:endParaRPr lang="en-US" altLang="ko-KR" sz="1400" dirty="0"/>
-          </a:p>
-          <a:p>
-            <a:pPr marL="342900" indent="-342900">
-              <a:lnSpc>
-                <a:spcPct val="150000"/>
-              </a:lnSpc>
-              <a:buFont typeface="Arial" panose="020B0604020202020204" pitchFamily="34" charset="0"/>
-              <a:buChar char="•"/>
-            </a:pPr>
-            <a:r>
-              <a:rPr lang="ko-KR" altLang="en-US" sz="1400" dirty="0"/>
-              <a:t>세이브 슬롯 정보</a:t>
-            </a:r>
-            <a:r>
-              <a:rPr lang="en-US" altLang="ko-KR" sz="1400" dirty="0"/>
-              <a:t>(int)</a:t>
-            </a:r>
-          </a:p>
-          <a:p>
-            <a:pPr marL="342900" indent="-342900">
-              <a:lnSpc>
-                <a:spcPct val="150000"/>
-              </a:lnSpc>
-              <a:buFont typeface="Arial" panose="020B0604020202020204" pitchFamily="34" charset="0"/>
-              <a:buChar char="•"/>
-            </a:pPr>
-            <a:r>
-              <a:rPr lang="ko-KR" altLang="en-US" sz="1400" dirty="0"/>
-              <a:t>던전 매니저</a:t>
-            </a:r>
-            <a:endParaRPr lang="en-US" altLang="ko-KR" sz="1400" dirty="0"/>
-          </a:p>
-          <a:p>
-            <a:pPr marL="342900" indent="-342900">
-              <a:lnSpc>
-                <a:spcPct val="150000"/>
-              </a:lnSpc>
-              <a:buFont typeface="Arial" panose="020B0604020202020204" pitchFamily="34" charset="0"/>
-              <a:buChar char="•"/>
-            </a:pPr>
-            <a:r>
-              <a:rPr lang="ko-KR" altLang="en-US" sz="1400" dirty="0" err="1"/>
-              <a:t>프레이어</a:t>
-            </a:r>
-            <a:r>
-              <a:rPr lang="ko-KR" altLang="en-US" sz="1400" dirty="0"/>
-              <a:t> 데이터 매니저</a:t>
-            </a:r>
-            <a:endParaRPr lang="en-US" altLang="ko-KR" sz="1400" dirty="0"/>
-          </a:p>
-        </p:txBody>
-      </p:sp>
-    </p:spTree>
-    <p:extLst>
-      <p:ext uri="{BB962C8B-B14F-4D97-AF65-F5344CB8AC3E}">
-        <p14:creationId xmlns:p14="http://schemas.microsoft.com/office/powerpoint/2010/main" val="3872056264"/>
-      </p:ext>
-    </p:extLst>
-  </p:cSld>
-  <p:clrMapOvr>
-    <a:masterClrMapping/>
-  </p:clrMapOvr>
-</p:sld>
-</file>
-
-<file path=ppt/slides/slide15.xml><?xml version="1.0" encoding="utf-8"?>
-<p:sld xmlns:a="http://schemas.openxmlformats.org/drawingml/2006/main" xmlns:r="http://schemas.openxmlformats.org/officeDocument/2006/relationships" xmlns:p="http://schemas.openxmlformats.org/presentationml/2006/main">
-  <p:cSld>
-    <p:spTree>
-      <p:nvGrpSpPr>
-        <p:cNvPr id="1" name=""/>
-        <p:cNvGrpSpPr/>
-        <p:nvPr/>
-      </p:nvGrpSpPr>
-      <p:grpSpPr>
-        <a:xfrm>
-          <a:off x="0" y="0"/>
-          <a:ext cx="0" cy="0"/>
-          <a:chOff x="0" y="0"/>
-          <a:chExt cx="0" cy="0"/>
-        </a:xfrm>
-      </p:grpSpPr>
-      <p:sp>
-        <p:nvSpPr>
-          <p:cNvPr id="2" name="TextBox 1">
-            <a:extLst>
-              <a:ext uri="{FF2B5EF4-FFF2-40B4-BE49-F238E27FC236}">
-                <a16:creationId xmlns:a16="http://schemas.microsoft.com/office/drawing/2014/main" id="{0A70AD4C-D837-F80E-E9F0-18F4ECB5C7F3}"/>
-              </a:ext>
-            </a:extLst>
-          </p:cNvPr>
-          <p:cNvSpPr txBox="1"/>
-          <p:nvPr/>
-        </p:nvSpPr>
-        <p:spPr>
-          <a:xfrm>
-            <a:off x="1622611" y="3765177"/>
-            <a:ext cx="9090950" cy="1700787"/>
-          </a:xfrm>
-          <a:prstGeom prst="rect">
-            <a:avLst/>
-          </a:prstGeom>
-          <a:noFill/>
-        </p:spPr>
-        <p:txBody>
-          <a:bodyPr wrap="none" rtlCol="0">
-            <a:spAutoFit/>
-          </a:bodyPr>
-          <a:lstStyle/>
-          <a:p>
-            <a:pPr>
-              <a:lnSpc>
-                <a:spcPct val="150000"/>
-              </a:lnSpc>
-            </a:pPr>
-            <a:r>
-              <a:rPr lang="en-US" altLang="ko-KR" dirty="0">
-                <a:solidFill>
-                  <a:schemeClr val="bg2">
-                    <a:lumMod val="90000"/>
-                  </a:schemeClr>
-                </a:solidFill>
-              </a:rPr>
-              <a:t>UI</a:t>
-            </a:r>
-            <a:r>
-              <a:rPr lang="ko-KR" altLang="en-US" dirty="0">
-                <a:solidFill>
-                  <a:schemeClr val="bg2">
-                    <a:lumMod val="90000"/>
-                  </a:schemeClr>
-                </a:solidFill>
-              </a:rPr>
-              <a:t>매니저</a:t>
-            </a:r>
-            <a:r>
-              <a:rPr lang="en-US" altLang="ko-KR" dirty="0">
-                <a:solidFill>
-                  <a:schemeClr val="bg2">
-                    <a:lumMod val="90000"/>
-                  </a:schemeClr>
-                </a:solidFill>
-              </a:rPr>
-              <a:t>: UI</a:t>
-            </a:r>
-            <a:r>
-              <a:rPr lang="ko-KR" altLang="en-US" dirty="0">
-                <a:solidFill>
-                  <a:schemeClr val="bg2">
-                    <a:lumMod val="90000"/>
-                  </a:schemeClr>
-                </a:solidFill>
-              </a:rPr>
-              <a:t>관련 큰 틀 제작</a:t>
-            </a:r>
-            <a:r>
-              <a:rPr lang="en-US" altLang="ko-KR" dirty="0">
-                <a:solidFill>
-                  <a:schemeClr val="bg2">
-                    <a:lumMod val="90000"/>
-                  </a:schemeClr>
-                </a:solidFill>
-              </a:rPr>
-              <a:t>(</a:t>
-            </a:r>
-            <a:r>
-              <a:rPr lang="ko-KR" altLang="en-US" dirty="0">
-                <a:solidFill>
-                  <a:schemeClr val="bg2">
-                    <a:lumMod val="90000"/>
-                  </a:schemeClr>
-                </a:solidFill>
-              </a:rPr>
-              <a:t>임시로 더미 값으로 제작</a:t>
-            </a:r>
-            <a:r>
-              <a:rPr lang="en-US" altLang="ko-KR" dirty="0">
-                <a:solidFill>
-                  <a:schemeClr val="bg2">
-                    <a:lumMod val="90000"/>
-                  </a:schemeClr>
-                </a:solidFill>
-              </a:rPr>
-              <a:t>)</a:t>
-            </a:r>
-          </a:p>
-          <a:p>
-            <a:pPr>
-              <a:lnSpc>
-                <a:spcPct val="150000"/>
-              </a:lnSpc>
-            </a:pPr>
-            <a:endParaRPr lang="en-US" altLang="ko-KR" dirty="0">
-              <a:solidFill>
-                <a:schemeClr val="bg2">
-                  <a:lumMod val="90000"/>
-                </a:schemeClr>
-              </a:solidFill>
-            </a:endParaRPr>
-          </a:p>
-          <a:p>
-            <a:pPr>
-              <a:lnSpc>
-                <a:spcPct val="150000"/>
-              </a:lnSpc>
-            </a:pPr>
-            <a:r>
-              <a:rPr lang="ko-KR" altLang="en-US" dirty="0">
-                <a:solidFill>
-                  <a:schemeClr val="bg2">
-                    <a:lumMod val="90000"/>
-                  </a:schemeClr>
-                </a:solidFill>
-              </a:rPr>
-              <a:t>파일 매니저</a:t>
-            </a:r>
-            <a:r>
-              <a:rPr lang="en-US" altLang="ko-KR" dirty="0">
-                <a:solidFill>
-                  <a:schemeClr val="bg2">
-                    <a:lumMod val="90000"/>
-                  </a:schemeClr>
-                </a:solidFill>
-              </a:rPr>
-              <a:t>: </a:t>
-            </a:r>
-            <a:r>
-              <a:rPr lang="ko-KR" altLang="en-US" dirty="0">
-                <a:solidFill>
-                  <a:schemeClr val="bg2">
-                    <a:lumMod val="90000"/>
-                  </a:schemeClr>
-                </a:solidFill>
-              </a:rPr>
-              <a:t>플레이어</a:t>
-            </a:r>
-            <a:r>
-              <a:rPr lang="en-US" altLang="ko-KR" dirty="0">
-                <a:solidFill>
-                  <a:schemeClr val="bg2">
-                    <a:lumMod val="90000"/>
-                  </a:schemeClr>
-                </a:solidFill>
-              </a:rPr>
-              <a:t>, </a:t>
-            </a:r>
-            <a:r>
-              <a:rPr lang="ko-KR" altLang="en-US" dirty="0">
-                <a:solidFill>
-                  <a:schemeClr val="bg2">
-                    <a:lumMod val="90000"/>
-                  </a:schemeClr>
-                </a:solidFill>
-              </a:rPr>
-              <a:t>아이템</a:t>
-            </a:r>
-            <a:r>
-              <a:rPr lang="en-US" altLang="ko-KR" dirty="0">
-                <a:solidFill>
-                  <a:schemeClr val="bg2">
-                    <a:lumMod val="90000"/>
-                  </a:schemeClr>
-                </a:solidFill>
-              </a:rPr>
-              <a:t>, </a:t>
-            </a:r>
-            <a:r>
-              <a:rPr lang="ko-KR" altLang="en-US" dirty="0">
-                <a:solidFill>
-                  <a:schemeClr val="bg2">
-                    <a:lumMod val="90000"/>
-                  </a:schemeClr>
-                </a:solidFill>
-              </a:rPr>
-              <a:t>몬스터</a:t>
-            </a:r>
-            <a:r>
-              <a:rPr lang="en-US" altLang="ko-KR" dirty="0">
-                <a:solidFill>
-                  <a:schemeClr val="bg2">
-                    <a:lumMod val="90000"/>
-                  </a:schemeClr>
-                </a:solidFill>
-              </a:rPr>
-              <a:t>, </a:t>
-            </a:r>
-            <a:r>
-              <a:rPr lang="ko-KR" altLang="en-US" dirty="0">
-                <a:solidFill>
-                  <a:schemeClr val="bg2">
-                    <a:lumMod val="90000"/>
-                  </a:schemeClr>
-                </a:solidFill>
-              </a:rPr>
-              <a:t>던전</a:t>
-            </a:r>
-            <a:r>
-              <a:rPr lang="en-US" altLang="ko-KR" dirty="0">
-                <a:solidFill>
-                  <a:schemeClr val="bg2">
-                    <a:lumMod val="90000"/>
-                  </a:schemeClr>
-                </a:solidFill>
-              </a:rPr>
-              <a:t>, </a:t>
-            </a:r>
-            <a:r>
-              <a:rPr lang="ko-KR" altLang="en-US" dirty="0">
-                <a:solidFill>
-                  <a:schemeClr val="bg2">
-                    <a:lumMod val="90000"/>
-                  </a:schemeClr>
-                </a:solidFill>
-              </a:rPr>
-              <a:t>스킬</a:t>
-            </a:r>
-            <a:r>
-              <a:rPr lang="en-US" altLang="ko-KR" dirty="0">
-                <a:solidFill>
-                  <a:schemeClr val="bg2">
-                    <a:lumMod val="90000"/>
-                  </a:schemeClr>
-                </a:solidFill>
-              </a:rPr>
-              <a:t>, </a:t>
-            </a:r>
-            <a:r>
-              <a:rPr lang="ko-KR" altLang="en-US" dirty="0">
-                <a:solidFill>
-                  <a:schemeClr val="bg2">
-                    <a:lumMod val="90000"/>
-                  </a:schemeClr>
-                </a:solidFill>
-              </a:rPr>
-              <a:t>퀘스트 정보 입출력 관련 기능 구현</a:t>
-            </a:r>
-            <a:endParaRPr lang="en-US" altLang="ko-KR" dirty="0">
-              <a:solidFill>
-                <a:schemeClr val="bg2">
-                  <a:lumMod val="90000"/>
-                </a:schemeClr>
-              </a:solidFill>
-            </a:endParaRPr>
-          </a:p>
-          <a:p>
-            <a:pPr>
-              <a:lnSpc>
-                <a:spcPct val="150000"/>
-              </a:lnSpc>
-            </a:pPr>
-            <a:r>
-              <a:rPr lang="ko-KR" altLang="en-US" dirty="0">
-                <a:solidFill>
-                  <a:schemeClr val="bg2">
-                    <a:lumMod val="90000"/>
-                  </a:schemeClr>
-                </a:solidFill>
-              </a:rPr>
-              <a:t>전투 방식 구현 </a:t>
-            </a:r>
-            <a:r>
-              <a:rPr lang="en-US" altLang="ko-KR" dirty="0">
-                <a:solidFill>
-                  <a:schemeClr val="bg2">
-                    <a:lumMod val="90000"/>
-                  </a:schemeClr>
-                </a:solidFill>
-              </a:rPr>
-              <a:t>/ </a:t>
-            </a:r>
-            <a:endParaRPr lang="ko-KR" altLang="en-US" dirty="0">
-              <a:solidFill>
-                <a:schemeClr val="bg2">
-                  <a:lumMod val="90000"/>
-                </a:schemeClr>
-              </a:solidFill>
-            </a:endParaRPr>
-          </a:p>
-        </p:txBody>
-      </p:sp>
-      <p:sp>
-        <p:nvSpPr>
-          <p:cNvPr id="3" name="TextBox 2">
-            <a:extLst>
-              <a:ext uri="{FF2B5EF4-FFF2-40B4-BE49-F238E27FC236}">
-                <a16:creationId xmlns:a16="http://schemas.microsoft.com/office/drawing/2014/main" id="{C46F7FD1-C8F8-ECA1-C9DD-3B3D49599EBB}"/>
-              </a:ext>
-            </a:extLst>
-          </p:cNvPr>
-          <p:cNvSpPr txBox="1"/>
-          <p:nvPr/>
-        </p:nvSpPr>
-        <p:spPr>
-          <a:xfrm>
-            <a:off x="510987" y="375645"/>
-            <a:ext cx="3033203" cy="369332"/>
-          </a:xfrm>
-          <a:prstGeom prst="rect">
-            <a:avLst/>
-          </a:prstGeom>
-          <a:noFill/>
-        </p:spPr>
-        <p:txBody>
-          <a:bodyPr wrap="none" rtlCol="0">
-            <a:spAutoFit/>
-          </a:bodyPr>
-          <a:lstStyle/>
-          <a:p>
-            <a:r>
-              <a:rPr lang="ko-KR" altLang="en-US" dirty="0">
-                <a:solidFill>
-                  <a:schemeClr val="bg2">
-                    <a:lumMod val="90000"/>
-                  </a:schemeClr>
-                </a:solidFill>
-              </a:rPr>
-              <a:t>이선욱</a:t>
-            </a:r>
-            <a:r>
-              <a:rPr lang="en-US" altLang="ko-KR" dirty="0">
-                <a:solidFill>
-                  <a:schemeClr val="bg2">
-                    <a:lumMod val="90000"/>
-                  </a:schemeClr>
-                </a:solidFill>
-              </a:rPr>
-              <a:t>: </a:t>
-            </a:r>
-            <a:r>
-              <a:rPr lang="ko-KR" altLang="en-US" dirty="0">
-                <a:solidFill>
-                  <a:schemeClr val="bg2">
-                    <a:lumMod val="90000"/>
-                  </a:schemeClr>
-                </a:solidFill>
-              </a:rPr>
-              <a:t>전투방식 </a:t>
-            </a:r>
-            <a:r>
-              <a:rPr lang="en-US" altLang="ko-KR" dirty="0">
-                <a:solidFill>
-                  <a:schemeClr val="bg2">
-                    <a:lumMod val="90000"/>
-                  </a:schemeClr>
-                </a:solidFill>
-              </a:rPr>
-              <a:t>+ </a:t>
-            </a:r>
-            <a:r>
-              <a:rPr lang="ko-KR" altLang="en-US" dirty="0">
-                <a:solidFill>
-                  <a:schemeClr val="bg2">
-                    <a:lumMod val="90000"/>
-                  </a:schemeClr>
-                </a:solidFill>
-              </a:rPr>
-              <a:t>퀘스트</a:t>
-            </a:r>
-          </a:p>
-        </p:txBody>
-      </p:sp>
-      <p:sp>
-        <p:nvSpPr>
-          <p:cNvPr id="4" name="TextBox 3">
-            <a:extLst>
-              <a:ext uri="{FF2B5EF4-FFF2-40B4-BE49-F238E27FC236}">
-                <a16:creationId xmlns:a16="http://schemas.microsoft.com/office/drawing/2014/main" id="{64C43779-D287-528B-274C-41560EE47866}"/>
-              </a:ext>
-            </a:extLst>
-          </p:cNvPr>
-          <p:cNvSpPr txBox="1"/>
-          <p:nvPr/>
-        </p:nvSpPr>
-        <p:spPr>
-          <a:xfrm>
-            <a:off x="510987" y="976281"/>
-            <a:ext cx="4256293" cy="369332"/>
-          </a:xfrm>
-          <a:prstGeom prst="rect">
-            <a:avLst/>
-          </a:prstGeom>
-          <a:noFill/>
-        </p:spPr>
-        <p:txBody>
-          <a:bodyPr wrap="none" rtlCol="0">
-            <a:spAutoFit/>
-          </a:bodyPr>
-          <a:lstStyle/>
-          <a:p>
-            <a:r>
-              <a:rPr lang="ko-KR" altLang="en-US" dirty="0">
-                <a:solidFill>
-                  <a:schemeClr val="bg2">
-                    <a:lumMod val="90000"/>
-                  </a:schemeClr>
-                </a:solidFill>
-              </a:rPr>
-              <a:t>이민석</a:t>
-            </a:r>
-            <a:r>
-              <a:rPr lang="en-US" altLang="ko-KR" dirty="0">
-                <a:solidFill>
-                  <a:schemeClr val="bg2">
-                    <a:lumMod val="90000"/>
-                  </a:schemeClr>
-                </a:solidFill>
-              </a:rPr>
-              <a:t>: </a:t>
-            </a:r>
-            <a:r>
-              <a:rPr lang="ko-KR" altLang="en-US" dirty="0">
-                <a:solidFill>
-                  <a:schemeClr val="bg2">
-                    <a:lumMod val="90000"/>
-                  </a:schemeClr>
-                </a:solidFill>
-              </a:rPr>
-              <a:t>전체적인 다이어그램 로직 설계</a:t>
-            </a:r>
-          </a:p>
-        </p:txBody>
-      </p:sp>
-      <p:sp>
-        <p:nvSpPr>
-          <p:cNvPr id="5" name="TextBox 4">
-            <a:extLst>
-              <a:ext uri="{FF2B5EF4-FFF2-40B4-BE49-F238E27FC236}">
-                <a16:creationId xmlns:a16="http://schemas.microsoft.com/office/drawing/2014/main" id="{66D2C4B4-EB57-2E14-E86C-64531A845FBE}"/>
-              </a:ext>
-            </a:extLst>
-          </p:cNvPr>
-          <p:cNvSpPr txBox="1"/>
-          <p:nvPr/>
-        </p:nvSpPr>
-        <p:spPr>
-          <a:xfrm>
-            <a:off x="510987" y="1577824"/>
-            <a:ext cx="3020379" cy="369332"/>
-          </a:xfrm>
-          <a:prstGeom prst="rect">
-            <a:avLst/>
-          </a:prstGeom>
-          <a:noFill/>
-        </p:spPr>
-        <p:txBody>
-          <a:bodyPr wrap="none" rtlCol="0">
-            <a:spAutoFit/>
-          </a:bodyPr>
-          <a:lstStyle/>
-          <a:p>
-            <a:r>
-              <a:rPr lang="ko-KR" altLang="en-US" dirty="0">
-                <a:solidFill>
-                  <a:schemeClr val="bg2">
-                    <a:lumMod val="90000"/>
-                  </a:schemeClr>
-                </a:solidFill>
-              </a:rPr>
-              <a:t>김나영</a:t>
-            </a:r>
-            <a:r>
-              <a:rPr lang="en-US" altLang="ko-KR" dirty="0">
-                <a:solidFill>
-                  <a:schemeClr val="bg2">
-                    <a:lumMod val="90000"/>
-                  </a:schemeClr>
-                </a:solidFill>
-              </a:rPr>
-              <a:t>: </a:t>
-            </a:r>
-            <a:r>
-              <a:rPr lang="ko-KR" altLang="en-US" dirty="0">
-                <a:solidFill>
-                  <a:schemeClr val="bg2">
-                    <a:lumMod val="90000"/>
-                  </a:schemeClr>
-                </a:solidFill>
-              </a:rPr>
-              <a:t>파일 입출력 매니저</a:t>
-            </a:r>
-          </a:p>
-        </p:txBody>
-      </p:sp>
-      <p:sp>
-        <p:nvSpPr>
-          <p:cNvPr id="6" name="TextBox 5">
-            <a:extLst>
-              <a:ext uri="{FF2B5EF4-FFF2-40B4-BE49-F238E27FC236}">
-                <a16:creationId xmlns:a16="http://schemas.microsoft.com/office/drawing/2014/main" id="{038B6462-2963-CDAB-784D-3D7EA6D4634D}"/>
-              </a:ext>
-            </a:extLst>
-          </p:cNvPr>
-          <p:cNvSpPr txBox="1"/>
-          <p:nvPr/>
-        </p:nvSpPr>
-        <p:spPr>
-          <a:xfrm>
-            <a:off x="510987" y="2179367"/>
-            <a:ext cx="2566728" cy="369332"/>
-          </a:xfrm>
-          <a:prstGeom prst="rect">
-            <a:avLst/>
-          </a:prstGeom>
-          <a:noFill/>
-        </p:spPr>
-        <p:txBody>
-          <a:bodyPr wrap="none" rtlCol="0">
-            <a:spAutoFit/>
-          </a:bodyPr>
-          <a:lstStyle/>
-          <a:p>
-            <a:r>
-              <a:rPr lang="ko-KR" altLang="en-US" dirty="0">
-                <a:solidFill>
-                  <a:schemeClr val="bg2">
-                    <a:lumMod val="90000"/>
-                  </a:schemeClr>
-                </a:solidFill>
-              </a:rPr>
-              <a:t>최   빈</a:t>
-            </a:r>
-            <a:r>
-              <a:rPr lang="en-US" altLang="ko-KR" dirty="0">
-                <a:solidFill>
-                  <a:schemeClr val="bg2">
-                    <a:lumMod val="90000"/>
-                  </a:schemeClr>
-                </a:solidFill>
-              </a:rPr>
-              <a:t>: UI </a:t>
-            </a:r>
-            <a:r>
-              <a:rPr lang="ko-KR" altLang="en-US" dirty="0">
-                <a:solidFill>
-                  <a:schemeClr val="bg2">
-                    <a:lumMod val="90000"/>
-                  </a:schemeClr>
-                </a:solidFill>
-              </a:rPr>
-              <a:t>매니저 작성</a:t>
-            </a:r>
-          </a:p>
-        </p:txBody>
-      </p:sp>
-    </p:spTree>
-    <p:extLst>
-      <p:ext uri="{BB962C8B-B14F-4D97-AF65-F5344CB8AC3E}">
-        <p14:creationId xmlns:p14="http://schemas.microsoft.com/office/powerpoint/2010/main" val="2744352438"/>
-      </p:ext>
-    </p:extLst>
-  </p:cSld>
-  <p:clrMapOvr>
-    <a:masterClrMapping/>
-  </p:clrMapOvr>
-</p:sld>
-</file>
-
 <file path=ppt/slides/slide2.xml><?xml version="1.0" encoding="utf-8"?>
 <p:sld xmlns:a="http://schemas.openxmlformats.org/drawingml/2006/main" xmlns:r="http://schemas.openxmlformats.org/officeDocument/2006/relationships" xmlns:p="http://schemas.openxmlformats.org/presentationml/2006/main">
   <p:cSld>
@@ -11393,8 +7665,8 @@
         </p:nvSpPr>
         <p:spPr>
           <a:xfrm>
-            <a:off x="182880" y="1227908"/>
-            <a:ext cx="8281851" cy="5390606"/>
+            <a:off x="182880" y="1165412"/>
+            <a:ext cx="8281851" cy="4930588"/>
           </a:xfrm>
           <a:prstGeom prst="rect">
             <a:avLst/>
@@ -11434,6 +7706,69 @@
               </a:rPr>
               <a:t>화면 목록</a:t>
             </a:r>
+          </a:p>
+        </p:txBody>
+      </p:sp>
+      <p:sp>
+        <p:nvSpPr>
+          <p:cNvPr id="2" name="직사각형 1">
+            <a:extLst>
+              <a:ext uri="{FF2B5EF4-FFF2-40B4-BE49-F238E27FC236}">
+                <a16:creationId xmlns:a16="http://schemas.microsoft.com/office/drawing/2014/main" id="{B7F7DE73-F9E6-D415-2AD1-E1C9F594F941}"/>
+              </a:ext>
+            </a:extLst>
+          </p:cNvPr>
+          <p:cNvSpPr/>
+          <p:nvPr/>
+        </p:nvSpPr>
+        <p:spPr>
+          <a:xfrm>
+            <a:off x="167255" y="6266328"/>
+            <a:ext cx="8297475" cy="417500"/>
+          </a:xfrm>
+          <a:prstGeom prst="rect">
+            <a:avLst/>
+          </a:prstGeom>
+          <a:solidFill>
+            <a:schemeClr val="bg1">
+              <a:lumMod val="85000"/>
+            </a:schemeClr>
+          </a:solidFill>
+        </p:spPr>
+        <p:style>
+          <a:lnRef idx="2">
+            <a:schemeClr val="accent1">
+              <a:shade val="15000"/>
+            </a:schemeClr>
+          </a:lnRef>
+          <a:fillRef idx="1">
+            <a:schemeClr val="accent1"/>
+          </a:fillRef>
+          <a:effectRef idx="0">
+            <a:schemeClr val="accent1"/>
+          </a:effectRef>
+          <a:fontRef idx="minor">
+            <a:schemeClr val="lt1"/>
+          </a:fontRef>
+        </p:style>
+        <p:txBody>
+          <a:bodyPr rtlCol="0" anchor="ctr"/>
+          <a:lstStyle/>
+          <a:p>
+            <a:pPr algn="ctr"/>
+            <a:r>
+              <a:rPr lang="ko-KR" altLang="en-US" b="1" dirty="0" err="1">
+                <a:solidFill>
+                  <a:schemeClr val="tx1"/>
+                </a:solidFill>
+              </a:rPr>
+              <a:t>입력창</a:t>
+            </a:r>
+            <a:endParaRPr lang="ko-KR" altLang="en-US" b="1" dirty="0">
+              <a:solidFill>
+                <a:schemeClr val="tx1"/>
+              </a:solidFill>
+            </a:endParaRPr>
           </a:p>
         </p:txBody>
       </p:sp>
@@ -15352,8 +11687,8 @@
         </p:nvSpPr>
         <p:spPr>
           <a:xfrm>
-            <a:off x="182880" y="1227908"/>
-            <a:ext cx="8281851" cy="5390606"/>
+            <a:off x="182880" y="1156447"/>
+            <a:ext cx="8281851" cy="4957482"/>
           </a:xfrm>
           <a:prstGeom prst="rect">
             <a:avLst/>
@@ -15411,7 +11746,7 @@
         <p:spPr>
           <a:xfrm>
             <a:off x="8647611" y="174171"/>
-            <a:ext cx="3361509" cy="6444343"/>
+            <a:ext cx="3361509" cy="5939757"/>
           </a:xfrm>
           <a:prstGeom prst="rect">
             <a:avLst/>
@@ -15454,10 +11789,73 @@
           </a:p>
         </p:txBody>
       </p:sp>
+      <p:sp>
+        <p:nvSpPr>
+          <p:cNvPr id="2" name="직사각형 1">
+            <a:extLst>
+              <a:ext uri="{FF2B5EF4-FFF2-40B4-BE49-F238E27FC236}">
+                <a16:creationId xmlns:a16="http://schemas.microsoft.com/office/drawing/2014/main" id="{CEA199C2-F2D0-4C91-8A30-E6754B428728}"/>
+              </a:ext>
+            </a:extLst>
+          </p:cNvPr>
+          <p:cNvSpPr/>
+          <p:nvPr/>
+        </p:nvSpPr>
+        <p:spPr>
+          <a:xfrm>
+            <a:off x="167255" y="6266328"/>
+            <a:ext cx="11841865" cy="417500"/>
+          </a:xfrm>
+          <a:prstGeom prst="rect">
+            <a:avLst/>
+          </a:prstGeom>
+          <a:solidFill>
+            <a:schemeClr val="bg1">
+              <a:lumMod val="85000"/>
+            </a:schemeClr>
+          </a:solidFill>
+        </p:spPr>
+        <p:style>
+          <a:lnRef idx="2">
+            <a:schemeClr val="accent1">
+              <a:shade val="15000"/>
+            </a:schemeClr>
+          </a:lnRef>
+          <a:fillRef idx="1">
+            <a:schemeClr val="accent1"/>
+          </a:fillRef>
+          <a:effectRef idx="0">
+            <a:schemeClr val="accent1"/>
+          </a:effectRef>
+          <a:fontRef idx="minor">
+            <a:schemeClr val="lt1"/>
+          </a:fontRef>
+        </p:style>
+        <p:txBody>
+          <a:bodyPr rtlCol="0" anchor="ctr"/>
+          <a:lstStyle/>
+          <a:p>
+            <a:pPr algn="ctr"/>
+            <a:r>
+              <a:rPr lang="ko-KR" altLang="en-US" b="1" dirty="0" err="1">
+                <a:solidFill>
+                  <a:schemeClr val="tx1"/>
+                </a:solidFill>
+              </a:rPr>
+              <a:t>입력창</a:t>
+            </a:r>
+            <a:endParaRPr lang="ko-KR" altLang="en-US" b="1" dirty="0">
+              <a:solidFill>
+                <a:schemeClr val="tx1"/>
+              </a:solidFill>
+            </a:endParaRPr>
+          </a:p>
+        </p:txBody>
+      </p:sp>
     </p:spTree>
     <p:extLst>
       <p:ext uri="{BB962C8B-B14F-4D97-AF65-F5344CB8AC3E}">
-        <p14:creationId xmlns:p14="http://schemas.microsoft.com/office/powerpoint/2010/main" val="512878242"/>
+        <p14:creationId xmlns:p14="http://schemas.microsoft.com/office/powerpoint/2010/main" val="2881252244"/>
       </p:ext>
     </p:extLst>
   </p:cSld>
@@ -15586,7 +11984,7 @@
         <p:spPr>
           <a:xfrm>
             <a:off x="182880" y="1227908"/>
-            <a:ext cx="2336202" cy="5390606"/>
+            <a:ext cx="2336202" cy="4796374"/>
           </a:xfrm>
           <a:prstGeom prst="rect">
             <a:avLst/>
@@ -15698,7 +12096,7 @@
         <p:spPr>
           <a:xfrm>
             <a:off x="8647611" y="174171"/>
-            <a:ext cx="3361509" cy="6444343"/>
+            <a:ext cx="3361509" cy="5850111"/>
           </a:xfrm>
           <a:prstGeom prst="rect">
             <a:avLst/>
@@ -15756,7 +12154,7 @@
         <p:spPr>
           <a:xfrm>
             <a:off x="2791609" y="1227908"/>
-            <a:ext cx="5673121" cy="5390606"/>
+            <a:ext cx="5673121" cy="4796374"/>
           </a:xfrm>
           <a:prstGeom prst="rect">
             <a:avLst/>
@@ -15850,6 +12248,69 @@
               </a:rPr>
               <a:t>던전 설명</a:t>
             </a:r>
+          </a:p>
+        </p:txBody>
+      </p:sp>
+      <p:sp>
+        <p:nvSpPr>
+          <p:cNvPr id="3" name="직사각형 2">
+            <a:extLst>
+              <a:ext uri="{FF2B5EF4-FFF2-40B4-BE49-F238E27FC236}">
+                <a16:creationId xmlns:a16="http://schemas.microsoft.com/office/drawing/2014/main" id="{9BDE211A-C906-C7B7-24A6-5C1596B5CEF3}"/>
+              </a:ext>
+            </a:extLst>
+          </p:cNvPr>
+          <p:cNvSpPr/>
+          <p:nvPr/>
+        </p:nvSpPr>
+        <p:spPr>
+          <a:xfrm>
+            <a:off x="167255" y="6266328"/>
+            <a:ext cx="11841865" cy="417500"/>
+          </a:xfrm>
+          <a:prstGeom prst="rect">
+            <a:avLst/>
+          </a:prstGeom>
+          <a:solidFill>
+            <a:schemeClr val="bg1">
+              <a:lumMod val="85000"/>
+            </a:schemeClr>
+          </a:solidFill>
+        </p:spPr>
+        <p:style>
+          <a:lnRef idx="2">
+            <a:schemeClr val="accent1">
+              <a:shade val="15000"/>
+            </a:schemeClr>
+          </a:lnRef>
+          <a:fillRef idx="1">
+            <a:schemeClr val="accent1"/>
+          </a:fillRef>
+          <a:effectRef idx="0">
+            <a:schemeClr val="accent1"/>
+          </a:effectRef>
+          <a:fontRef idx="minor">
+            <a:schemeClr val="lt1"/>
+          </a:fontRef>
+        </p:style>
+        <p:txBody>
+          <a:bodyPr rtlCol="0" anchor="ctr"/>
+          <a:lstStyle/>
+          <a:p>
+            <a:pPr algn="ctr"/>
+            <a:r>
+              <a:rPr lang="ko-KR" altLang="en-US" b="1" dirty="0" err="1">
+                <a:solidFill>
+                  <a:schemeClr val="tx1"/>
+                </a:solidFill>
+              </a:rPr>
+              <a:t>입력창</a:t>
+            </a:r>
+            <a:endParaRPr lang="ko-KR" altLang="en-US" b="1" dirty="0">
+              <a:solidFill>
+                <a:schemeClr val="tx1"/>
+              </a:solidFill>
+            </a:endParaRPr>
           </a:p>
         </p:txBody>
       </p:sp>
@@ -15985,7 +12446,7 @@
         <p:spPr>
           <a:xfrm>
             <a:off x="182880" y="2088776"/>
-            <a:ext cx="2336202" cy="4529738"/>
+            <a:ext cx="2336202" cy="4016189"/>
           </a:xfrm>
           <a:prstGeom prst="rect">
             <a:avLst/>
@@ -16058,8 +12519,8 @@
         </p:nvSpPr>
         <p:spPr>
           <a:xfrm>
-            <a:off x="8647611" y="174171"/>
-            <a:ext cx="3361509" cy="6444343"/>
+            <a:off x="8647611" y="174172"/>
+            <a:ext cx="3361509" cy="5930794"/>
           </a:xfrm>
           <a:prstGeom prst="rect">
             <a:avLst/>
@@ -16117,7 +12578,7 @@
         <p:spPr>
           <a:xfrm>
             <a:off x="2791609" y="2088776"/>
-            <a:ext cx="5673121" cy="4529738"/>
+            <a:ext cx="5673121" cy="4016189"/>
           </a:xfrm>
           <a:prstGeom prst="rect">
             <a:avLst/>
@@ -16220,6 +12681,69 @@
               </a:rPr>
               <a:t>아이템 카테고리 목록</a:t>
             </a:r>
+          </a:p>
+        </p:txBody>
+      </p:sp>
+      <p:sp>
+        <p:nvSpPr>
+          <p:cNvPr id="4" name="직사각형 3">
+            <a:extLst>
+              <a:ext uri="{FF2B5EF4-FFF2-40B4-BE49-F238E27FC236}">
+                <a16:creationId xmlns:a16="http://schemas.microsoft.com/office/drawing/2014/main" id="{E410864A-5D52-2F02-EEA6-A32377755149}"/>
+              </a:ext>
+            </a:extLst>
+          </p:cNvPr>
+          <p:cNvSpPr/>
+          <p:nvPr/>
+        </p:nvSpPr>
+        <p:spPr>
+          <a:xfrm>
+            <a:off x="167255" y="6266328"/>
+            <a:ext cx="11841865" cy="417500"/>
+          </a:xfrm>
+          <a:prstGeom prst="rect">
+            <a:avLst/>
+          </a:prstGeom>
+          <a:solidFill>
+            <a:schemeClr val="bg1">
+              <a:lumMod val="85000"/>
+            </a:schemeClr>
+          </a:solidFill>
+        </p:spPr>
+        <p:style>
+          <a:lnRef idx="2">
+            <a:schemeClr val="accent1">
+              <a:shade val="15000"/>
+            </a:schemeClr>
+          </a:lnRef>
+          <a:fillRef idx="1">
+            <a:schemeClr val="accent1"/>
+          </a:fillRef>
+          <a:effectRef idx="0">
+            <a:schemeClr val="accent1"/>
+          </a:effectRef>
+          <a:fontRef idx="minor">
+            <a:schemeClr val="lt1"/>
+          </a:fontRef>
+        </p:style>
+        <p:txBody>
+          <a:bodyPr rtlCol="0" anchor="ctr"/>
+          <a:lstStyle/>
+          <a:p>
+            <a:pPr algn="ctr"/>
+            <a:r>
+              <a:rPr lang="ko-KR" altLang="en-US" b="1" dirty="0" err="1">
+                <a:solidFill>
+                  <a:schemeClr val="tx1"/>
+                </a:solidFill>
+              </a:rPr>
+              <a:t>입력창</a:t>
+            </a:r>
+            <a:endParaRPr lang="ko-KR" altLang="en-US" b="1" dirty="0">
+              <a:solidFill>
+                <a:schemeClr val="tx1"/>
+              </a:solidFill>
+            </a:endParaRPr>
           </a:p>
         </p:txBody>
       </p:sp>
@@ -19295,10 +15819,10 @@
       </p:grpSpPr>
       <p:sp>
         <p:nvSpPr>
-          <p:cNvPr id="5" name="직사각형 4">
-            <a:extLst>
-              <a:ext uri="{FF2B5EF4-FFF2-40B4-BE49-F238E27FC236}">
-                <a16:creationId xmlns:a16="http://schemas.microsoft.com/office/drawing/2014/main" id="{33AEAC1B-C679-9157-088A-E442B4773A9D}"/>
+          <p:cNvPr id="3" name="직사각형 2">
+            <a:extLst>
+              <a:ext uri="{FF2B5EF4-FFF2-40B4-BE49-F238E27FC236}">
+                <a16:creationId xmlns:a16="http://schemas.microsoft.com/office/drawing/2014/main" id="{A2AEF92E-0FBE-5A6E-B998-97A8248FAA9B}"/>
               </a:ext>
             </a:extLst>
           </p:cNvPr>
@@ -19307,16 +15831,16 @@
         </p:nvSpPr>
         <p:spPr>
           <a:xfrm>
-            <a:off x="7600407" y="248194"/>
-            <a:ext cx="1854926" cy="783772"/>
+            <a:off x="182880" y="2402103"/>
+            <a:ext cx="8252908" cy="783772"/>
           </a:xfrm>
           <a:prstGeom prst="rect">
             <a:avLst/>
           </a:prstGeom>
           <a:solidFill>
-            <a:schemeClr val="accent2">
-              <a:lumMod val="40000"/>
-              <a:lumOff val="60000"/>
+            <a:schemeClr val="tx2">
+              <a:lumMod val="25000"/>
+              <a:lumOff val="75000"/>
             </a:schemeClr>
           </a:solidFill>
         </p:spPr>
@@ -19340,24 +15864,139 @@
           <a:bodyPr rtlCol="0" anchor="ctr"/>
           <a:lstStyle/>
           <a:p>
-            <a:pPr algn="ctr"/>
-            <a:r>
-              <a:rPr lang="ko-KR" altLang="en-US" b="1" dirty="0">
+            <a:pPr>
+              <a:lnSpc>
+                <a:spcPct val="150000"/>
+              </a:lnSpc>
+            </a:pPr>
+            <a:r>
+              <a:rPr lang="ko-KR" altLang="en-US" sz="1600" b="1" dirty="0">
                 <a:solidFill>
                   <a:schemeClr val="tx1"/>
                 </a:solidFill>
               </a:rPr>
-              <a:t>적</a:t>
-            </a:r>
-            <a:r>
-              <a:rPr lang="en-US" altLang="ko-KR" b="1" dirty="0">
+              <a:t>캐릭터 이름 </a:t>
+            </a:r>
+            <a:r>
+              <a:rPr lang="en-US" altLang="ko-KR" sz="1600" dirty="0">
                 <a:solidFill>
                   <a:schemeClr val="tx1"/>
                 </a:solidFill>
               </a:rPr>
-              <a:t>4</a:t>
-            </a:r>
-            <a:endParaRPr lang="ko-KR" altLang="en-US" b="1" dirty="0">
+              <a:t>[</a:t>
+            </a:r>
+            <a:r>
+              <a:rPr lang="ko-KR" altLang="en-US" sz="1600" dirty="0">
+                <a:solidFill>
+                  <a:schemeClr val="tx1"/>
+                </a:solidFill>
+              </a:rPr>
+              <a:t>레벨</a:t>
+            </a:r>
+            <a:r>
+              <a:rPr lang="en-US" altLang="ko-KR" sz="1600" dirty="0">
+                <a:solidFill>
+                  <a:schemeClr val="tx1"/>
+                </a:solidFill>
+              </a:rPr>
+              <a:t>][</a:t>
+            </a:r>
+            <a:r>
+              <a:rPr lang="ko-KR" altLang="en-US" sz="1600" dirty="0">
+                <a:solidFill>
+                  <a:schemeClr val="tx1"/>
+                </a:solidFill>
+              </a:rPr>
+              <a:t>경험치</a:t>
+            </a:r>
+            <a:r>
+              <a:rPr lang="en-US" altLang="ko-KR" sz="1600" dirty="0">
+                <a:solidFill>
+                  <a:schemeClr val="tx1"/>
+                </a:solidFill>
+              </a:rPr>
+              <a:t>]  HP</a:t>
+            </a:r>
+            <a:r>
+              <a:rPr lang="ko-KR" altLang="en-US" sz="1600" dirty="0">
+                <a:solidFill>
+                  <a:schemeClr val="tx1"/>
+                </a:solidFill>
+              </a:rPr>
+              <a:t> </a:t>
+            </a:r>
+            <a:r>
+              <a:rPr lang="en-US" altLang="ko-KR" sz="1600" dirty="0">
+                <a:solidFill>
+                  <a:schemeClr val="tx1"/>
+                </a:solidFill>
+              </a:rPr>
+              <a:t>0000/0000 | AP 00 | BP: 00</a:t>
+            </a:r>
+          </a:p>
+          <a:p>
+            <a:pPr>
+              <a:lnSpc>
+                <a:spcPct val="150000"/>
+              </a:lnSpc>
+            </a:pPr>
+            <a:r>
+              <a:rPr lang="en-US" altLang="ko-KR" sz="1600" dirty="0">
+                <a:solidFill>
+                  <a:schemeClr val="tx1"/>
+                </a:solidFill>
+              </a:rPr>
+              <a:t>[0] </a:t>
+            </a:r>
+            <a:r>
+              <a:rPr lang="ko-KR" altLang="en-US" sz="1600" dirty="0">
+                <a:solidFill>
+                  <a:schemeClr val="tx1"/>
+                </a:solidFill>
+              </a:rPr>
+              <a:t>액션 </a:t>
+            </a:r>
+            <a:r>
+              <a:rPr lang="en-US" altLang="ko-KR" sz="1600" dirty="0">
+                <a:solidFill>
+                  <a:schemeClr val="tx1"/>
+                </a:solidFill>
+              </a:rPr>
+              <a:t>1   | [1] </a:t>
+            </a:r>
+            <a:r>
+              <a:rPr lang="ko-KR" altLang="en-US" sz="1600" dirty="0">
+                <a:solidFill>
+                  <a:schemeClr val="tx1"/>
+                </a:solidFill>
+              </a:rPr>
+              <a:t>액션 </a:t>
+            </a:r>
+            <a:r>
+              <a:rPr lang="en-US" altLang="ko-KR" sz="1600" dirty="0">
+                <a:solidFill>
+                  <a:schemeClr val="tx1"/>
+                </a:solidFill>
+              </a:rPr>
+              <a:t>2   | [2] </a:t>
+            </a:r>
+            <a:r>
+              <a:rPr lang="ko-KR" altLang="en-US" sz="1600" dirty="0">
+                <a:solidFill>
+                  <a:schemeClr val="tx1"/>
+                </a:solidFill>
+              </a:rPr>
+              <a:t>액션 </a:t>
+            </a:r>
+            <a:r>
+              <a:rPr lang="en-US" altLang="ko-KR" sz="1600" dirty="0">
+                <a:solidFill>
+                  <a:schemeClr val="tx1"/>
+                </a:solidFill>
+              </a:rPr>
+              <a:t>3</a:t>
+            </a:r>
+            <a:endParaRPr lang="ko-KR" altLang="en-US" sz="1600" dirty="0">
               <a:solidFill>
                 <a:schemeClr val="tx1"/>
               </a:solidFill>
@@ -19367,10 +16006,10 @@
       </p:sp>
       <p:sp>
         <p:nvSpPr>
-          <p:cNvPr id="6" name="직사각형 5">
-            <a:extLst>
-              <a:ext uri="{FF2B5EF4-FFF2-40B4-BE49-F238E27FC236}">
-                <a16:creationId xmlns:a16="http://schemas.microsoft.com/office/drawing/2014/main" id="{D1AB44F9-E9E9-66BB-0D1F-7A80673BBB22}"/>
+          <p:cNvPr id="7" name="직사각형 6">
+            <a:extLst>
+              <a:ext uri="{FF2B5EF4-FFF2-40B4-BE49-F238E27FC236}">
+                <a16:creationId xmlns:a16="http://schemas.microsoft.com/office/drawing/2014/main" id="{334E8FC5-7503-943A-D730-ED8EEDD6E8FE}"/>
               </a:ext>
             </a:extLst>
           </p:cNvPr>
@@ -19379,16 +16018,17 @@
         </p:nvSpPr>
         <p:spPr>
           <a:xfrm>
-            <a:off x="5168538" y="248194"/>
-            <a:ext cx="1854926" cy="783772"/>
+            <a:off x="9197788" y="2572871"/>
+            <a:ext cx="2811332" cy="3475732"/>
           </a:xfrm>
           <a:prstGeom prst="rect">
             <a:avLst/>
           </a:prstGeom>
           <a:solidFill>
-            <a:srgbClr val="F6C6AD">
-              <a:alpha val="40000"/>
-            </a:srgbClr>
+            <a:schemeClr val="tx2">
+              <a:lumMod val="25000"/>
+              <a:lumOff val="75000"/>
+            </a:schemeClr>
           </a:solidFill>
         </p:spPr>
         <p:style>
@@ -19408,56 +16048,229 @@
           </a:fontRef>
         </p:style>
         <p:txBody>
-          <a:bodyPr rtlCol="0" anchor="ctr"/>
+          <a:bodyPr rtlCol="0" anchor="t"/>
           <a:lstStyle/>
           <a:p>
-            <a:pPr algn="ctr"/>
-            <a:r>
-              <a:rPr lang="ko-KR" altLang="en-US" b="1" dirty="0">
+            <a:pPr>
+              <a:lnSpc>
+                <a:spcPct val="150000"/>
+              </a:lnSpc>
+            </a:pPr>
+            <a:r>
+              <a:rPr lang="ko-KR" altLang="en-US" sz="1600" b="1" dirty="0">
                 <a:solidFill>
                   <a:schemeClr val="tx1"/>
                 </a:solidFill>
               </a:rPr>
-              <a:t>적</a:t>
-            </a:r>
-            <a:r>
-              <a:rPr lang="en-US" altLang="ko-KR" b="1" dirty="0">
+              <a:t>캐릭터 이름 </a:t>
+            </a:r>
+            <a:r>
+              <a:rPr lang="en-US" altLang="ko-KR" sz="1600" dirty="0">
                 <a:solidFill>
                   <a:schemeClr val="tx1"/>
                 </a:solidFill>
               </a:rPr>
-              <a:t>3 (</a:t>
-            </a:r>
-            <a:r>
-              <a:rPr lang="ko-KR" altLang="en-US" b="1" dirty="0">
+              <a:t>[</a:t>
+            </a:r>
+            <a:r>
+              <a:rPr lang="ko-KR" altLang="en-US" sz="1600" dirty="0">
                 <a:solidFill>
                   <a:schemeClr val="tx1"/>
                 </a:solidFill>
               </a:rPr>
-              <a:t>사망</a:t>
-            </a:r>
-            <a:r>
-              <a:rPr lang="en-US" altLang="ko-KR" b="1" dirty="0">
+              <a:t>레벨</a:t>
+            </a:r>
+            <a:r>
+              <a:rPr lang="en-US" altLang="ko-KR" sz="1600" dirty="0">
                 <a:solidFill>
                   <a:schemeClr val="tx1"/>
                 </a:solidFill>
               </a:rPr>
-              <a:t>)</a:t>
-            </a:r>
-            <a:endParaRPr lang="ko-KR" altLang="en-US" b="1" dirty="0">
+              <a:t>][</a:t>
+            </a:r>
+            <a:r>
+              <a:rPr lang="ko-KR" altLang="en-US" sz="1600" dirty="0">
+                <a:solidFill>
+                  <a:schemeClr val="tx1"/>
+                </a:solidFill>
+              </a:rPr>
+              <a:t>경험치</a:t>
+            </a:r>
+            <a:r>
+              <a:rPr lang="en-US" altLang="ko-KR" sz="1600" dirty="0">
+                <a:solidFill>
+                  <a:schemeClr val="tx1"/>
+                </a:solidFill>
+              </a:rPr>
+              <a:t>]</a:t>
+            </a:r>
+          </a:p>
+          <a:p>
+            <a:pPr>
+              <a:lnSpc>
+                <a:spcPct val="150000"/>
+              </a:lnSpc>
+            </a:pPr>
+            <a:r>
+              <a:rPr lang="en-US" altLang="ko-KR" sz="1600" dirty="0">
+                <a:solidFill>
+                  <a:schemeClr val="tx1"/>
+                </a:solidFill>
+              </a:rPr>
+              <a:t>HP</a:t>
+            </a:r>
+            <a:r>
+              <a:rPr lang="ko-KR" altLang="en-US" sz="1600" dirty="0">
+                <a:solidFill>
+                  <a:schemeClr val="tx1"/>
+                </a:solidFill>
+              </a:rPr>
+              <a:t> </a:t>
+            </a:r>
+            <a:r>
+              <a:rPr lang="en-US" altLang="ko-KR" sz="1600" dirty="0">
+                <a:solidFill>
+                  <a:schemeClr val="tx1"/>
+                </a:solidFill>
+              </a:rPr>
+              <a:t>0000/0000  AP 00</a:t>
+            </a:r>
+          </a:p>
+          <a:p>
+            <a:pPr>
+              <a:lnSpc>
+                <a:spcPct val="150000"/>
+              </a:lnSpc>
+            </a:pPr>
+            <a:r>
+              <a:rPr lang="ko-KR" altLang="en-US" sz="1600" dirty="0">
+                <a:solidFill>
+                  <a:schemeClr val="tx1"/>
+                </a:solidFill>
+              </a:rPr>
+              <a:t>공격력</a:t>
+            </a:r>
+            <a:endParaRPr lang="en-US" altLang="ko-KR" sz="1600" dirty="0">
               <a:solidFill>
                 <a:schemeClr val="tx1"/>
               </a:solidFill>
             </a:endParaRPr>
           </a:p>
-        </p:txBody>
-      </p:sp>
-      <p:sp>
-        <p:nvSpPr>
-          <p:cNvPr id="7" name="직사각형 6">
-            <a:extLst>
-              <a:ext uri="{FF2B5EF4-FFF2-40B4-BE49-F238E27FC236}">
-                <a16:creationId xmlns:a16="http://schemas.microsoft.com/office/drawing/2014/main" id="{334E8FC5-7503-943A-D730-ED8EEDD6E8FE}"/>
+          <a:p>
+            <a:pPr>
+              <a:lnSpc>
+                <a:spcPct val="150000"/>
+              </a:lnSpc>
+            </a:pPr>
+            <a:r>
+              <a:rPr lang="ko-KR" altLang="en-US" sz="1600" dirty="0">
+                <a:solidFill>
+                  <a:schemeClr val="tx1"/>
+                </a:solidFill>
+              </a:rPr>
+              <a:t>방어력</a:t>
+            </a:r>
+            <a:endParaRPr lang="en-US" altLang="ko-KR" sz="1600" dirty="0">
+              <a:solidFill>
+                <a:schemeClr val="tx1"/>
+              </a:solidFill>
+            </a:endParaRPr>
+          </a:p>
+          <a:p>
+            <a:pPr>
+              <a:lnSpc>
+                <a:spcPct val="150000"/>
+              </a:lnSpc>
+            </a:pPr>
+            <a:r>
+              <a:rPr lang="ko-KR" altLang="en-US" sz="1600" dirty="0" err="1">
+                <a:solidFill>
+                  <a:schemeClr val="tx1"/>
+                </a:solidFill>
+              </a:rPr>
+              <a:t>행동력</a:t>
+            </a:r>
+            <a:endParaRPr lang="en-US" altLang="ko-KR" sz="1600" dirty="0">
+              <a:solidFill>
+                <a:schemeClr val="tx1"/>
+              </a:solidFill>
+            </a:endParaRPr>
+          </a:p>
+          <a:p>
+            <a:pPr>
+              <a:lnSpc>
+                <a:spcPct val="150000"/>
+              </a:lnSpc>
+            </a:pPr>
+            <a:r>
+              <a:rPr lang="en-US" altLang="ko-KR" sz="1600" dirty="0">
+                <a:solidFill>
+                  <a:schemeClr val="tx1"/>
+                </a:solidFill>
+              </a:rPr>
+              <a:t>Rank</a:t>
+            </a:r>
+          </a:p>
+          <a:p>
+            <a:pPr>
+              <a:lnSpc>
+                <a:spcPct val="150000"/>
+              </a:lnSpc>
+            </a:pPr>
+            <a:endParaRPr lang="en-US" altLang="ko-KR" sz="1600" dirty="0">
+              <a:solidFill>
+                <a:schemeClr val="tx1"/>
+              </a:solidFill>
+            </a:endParaRPr>
+          </a:p>
+          <a:p>
+            <a:pPr>
+              <a:lnSpc>
+                <a:spcPct val="150000"/>
+              </a:lnSpc>
+            </a:pPr>
+            <a:r>
+              <a:rPr lang="ko-KR" altLang="en-US" sz="1600" dirty="0">
+                <a:solidFill>
+                  <a:schemeClr val="tx1"/>
+                </a:solidFill>
+              </a:rPr>
+              <a:t>무기</a:t>
+            </a:r>
+            <a:endParaRPr lang="en-US" altLang="ko-KR" sz="1600" dirty="0">
+              <a:solidFill>
+                <a:schemeClr val="tx1"/>
+              </a:solidFill>
+            </a:endParaRPr>
+          </a:p>
+          <a:p>
+            <a:pPr>
+              <a:lnSpc>
+                <a:spcPct val="150000"/>
+              </a:lnSpc>
+            </a:pPr>
+            <a:r>
+              <a:rPr lang="ko-KR" altLang="en-US" sz="1600" dirty="0" err="1">
+                <a:solidFill>
+                  <a:schemeClr val="tx1"/>
+                </a:solidFill>
+              </a:rPr>
+              <a:t>방어구</a:t>
+            </a:r>
+            <a:endParaRPr lang="en-US" altLang="ko-KR" sz="1600" dirty="0">
+              <a:solidFill>
+                <a:schemeClr val="tx1"/>
+              </a:solidFill>
+            </a:endParaRPr>
+          </a:p>
+        </p:txBody>
+      </p:sp>
+      <p:sp>
+        <p:nvSpPr>
+          <p:cNvPr id="11" name="직사각형 10">
+            <a:extLst>
+              <a:ext uri="{FF2B5EF4-FFF2-40B4-BE49-F238E27FC236}">
+                <a16:creationId xmlns:a16="http://schemas.microsoft.com/office/drawing/2014/main" id="{1CB47B35-F65C-B444-3D46-061DA2E803B1}"/>
               </a:ext>
             </a:extLst>
           </p:cNvPr>
@@ -19466,16 +16279,16 @@
         </p:nvSpPr>
         <p:spPr>
           <a:xfrm>
-            <a:off x="10032273" y="5826034"/>
-            <a:ext cx="1854926" cy="783772"/>
+            <a:off x="167256" y="174172"/>
+            <a:ext cx="8913992" cy="5874431"/>
           </a:xfrm>
           <a:prstGeom prst="rect">
             <a:avLst/>
           </a:prstGeom>
           <a:solidFill>
-            <a:schemeClr val="tx2">
-              <a:lumMod val="25000"/>
-              <a:lumOff val="75000"/>
+            <a:schemeClr val="accent6">
+              <a:lumMod val="20000"/>
+              <a:lumOff val="80000"/>
             </a:schemeClr>
           </a:solidFill>
         </p:spPr>
@@ -19496,122 +16309,52 @@
           </a:fontRef>
         </p:style>
         <p:txBody>
-          <a:bodyPr rtlCol="0" anchor="ctr"/>
+          <a:bodyPr rtlCol="0" anchor="t"/>
           <a:lstStyle/>
           <a:p>
-            <a:pPr algn="ctr">
-              <a:lnSpc>
-                <a:spcPct val="150000"/>
-              </a:lnSpc>
-            </a:pPr>
-            <a:r>
-              <a:rPr lang="ko-KR" altLang="en-US" sz="1000" b="1" dirty="0">
-                <a:solidFill>
-                  <a:schemeClr val="tx1"/>
+            <a:pPr algn="r"/>
+            <a:r>
+              <a:rPr lang="ko-KR" altLang="en-US" b="1" dirty="0">
+                <a:solidFill>
+                  <a:schemeClr val="tx1">
+                    <a:lumMod val="65000"/>
+                    <a:lumOff val="35000"/>
+                  </a:schemeClr>
                 </a:solidFill>
               </a:rPr>
-              <a:t>캐릭터 이름   </a:t>
-            </a:r>
-            <a:r>
-              <a:rPr lang="en-US" altLang="ko-KR" sz="1000" b="1" dirty="0">
-                <a:solidFill>
-                  <a:schemeClr val="tx1"/>
+              <a:t>배틀 </a:t>
+            </a:r>
+            <a:r>
+              <a:rPr lang="en-US" altLang="ko-KR" b="1" dirty="0">
+                <a:solidFill>
+                  <a:schemeClr val="tx1">
+                    <a:lumMod val="65000"/>
+                    <a:lumOff val="35000"/>
+                  </a:schemeClr>
                 </a:solidFill>
               </a:rPr>
-              <a:t>[</a:t>
-            </a:r>
-            <a:r>
-              <a:rPr lang="ko-KR" altLang="en-US" sz="1000" b="1" dirty="0">
-                <a:solidFill>
-                  <a:schemeClr val="tx1"/>
+              <a:t>&amp;</a:t>
+            </a:r>
+            <a:r>
+              <a:rPr lang="ko-KR" altLang="en-US" b="1" dirty="0">
+                <a:solidFill>
+                  <a:schemeClr val="tx1">
+                    <a:lumMod val="65000"/>
+                    <a:lumOff val="35000"/>
+                  </a:schemeClr>
                 </a:solidFill>
               </a:rPr>
-              <a:t>레벨</a:t>
-            </a:r>
-            <a:r>
-              <a:rPr lang="en-US" altLang="ko-KR" sz="1000" b="1" dirty="0">
-                <a:solidFill>
-                  <a:schemeClr val="tx1"/>
-                </a:solidFill>
-              </a:rPr>
-              <a:t>][</a:t>
-            </a:r>
-            <a:r>
-              <a:rPr lang="ko-KR" altLang="en-US" sz="1000" b="1" dirty="0">
-                <a:solidFill>
-                  <a:schemeClr val="tx1"/>
-                </a:solidFill>
-              </a:rPr>
-              <a:t>경험치</a:t>
-            </a:r>
-            <a:r>
-              <a:rPr lang="en-US" altLang="ko-KR" sz="1000" b="1" dirty="0">
-                <a:solidFill>
-                  <a:schemeClr val="tx1"/>
-                </a:solidFill>
-              </a:rPr>
-              <a:t>]</a:t>
-            </a:r>
-          </a:p>
-          <a:p>
-            <a:pPr>
-              <a:lnSpc>
-                <a:spcPct val="150000"/>
-              </a:lnSpc>
-            </a:pPr>
-            <a:r>
-              <a:rPr lang="en-US" altLang="ko-KR" sz="1000" b="1" dirty="0">
-                <a:solidFill>
-                  <a:schemeClr val="tx1"/>
-                </a:solidFill>
-              </a:rPr>
-              <a:t>HP</a:t>
-            </a:r>
-            <a:r>
-              <a:rPr lang="ko-KR" altLang="en-US" sz="1000" b="1" dirty="0">
-                <a:solidFill>
-                  <a:schemeClr val="tx1"/>
-                </a:solidFill>
-              </a:rPr>
-              <a:t> </a:t>
-            </a:r>
-            <a:r>
-              <a:rPr lang="en-US" altLang="ko-KR" sz="1000" b="1" dirty="0">
-                <a:solidFill>
-                  <a:schemeClr val="tx1"/>
-                </a:solidFill>
-              </a:rPr>
-              <a:t>0000/0000</a:t>
-            </a:r>
-          </a:p>
-          <a:p>
-            <a:pPr>
-              <a:lnSpc>
-                <a:spcPct val="150000"/>
-              </a:lnSpc>
-            </a:pPr>
-            <a:r>
-              <a:rPr lang="en-US" altLang="ko-KR" sz="1000" b="1" dirty="0">
-                <a:solidFill>
-                  <a:schemeClr val="tx1"/>
-                </a:solidFill>
-              </a:rPr>
-              <a:t>AP 00   BP: 00</a:t>
-            </a:r>
-            <a:endParaRPr lang="ko-KR" altLang="en-US" sz="1000" b="1" dirty="0">
-              <a:solidFill>
-                <a:schemeClr val="tx1"/>
-              </a:solidFill>
-            </a:endParaRPr>
-          </a:p>
-        </p:txBody>
-      </p:sp>
-      <p:sp>
-        <p:nvSpPr>
-          <p:cNvPr id="11" name="직사각형 10">
-            <a:extLst>
-              <a:ext uri="{FF2B5EF4-FFF2-40B4-BE49-F238E27FC236}">
-                <a16:creationId xmlns:a16="http://schemas.microsoft.com/office/drawing/2014/main" id="{1CB47B35-F65C-B444-3D46-061DA2E803B1}"/>
+              <a:t>이벤트 로그</a:t>
+            </a:r>
+          </a:p>
+        </p:txBody>
+      </p:sp>
+      <p:sp>
+        <p:nvSpPr>
+          <p:cNvPr id="10" name="직사각형 9">
+            <a:extLst>
+              <a:ext uri="{FF2B5EF4-FFF2-40B4-BE49-F238E27FC236}">
+                <a16:creationId xmlns:a16="http://schemas.microsoft.com/office/drawing/2014/main" id="{50BFCBE2-A4E0-C843-A4A9-007F9FD85648}"/>
               </a:ext>
             </a:extLst>
           </p:cNvPr>
@@ -19620,17 +16363,14 @@
         </p:nvSpPr>
         <p:spPr>
           <a:xfrm>
-            <a:off x="304800" y="1458687"/>
-            <a:ext cx="6923313" cy="5151120"/>
+            <a:off x="9197788" y="896026"/>
+            <a:ext cx="2811332" cy="783772"/>
           </a:xfrm>
           <a:prstGeom prst="rect">
             <a:avLst/>
           </a:prstGeom>
           <a:solidFill>
-            <a:schemeClr val="accent6">
-              <a:lumMod val="20000"/>
-              <a:lumOff val="80000"/>
-            </a:schemeClr>
+            <a:srgbClr val="F6C6AD"/>
           </a:solidFill>
         </p:spPr>
         <p:style>
@@ -19653,49 +16393,88 @@
           <a:bodyPr rtlCol="0" anchor="ctr"/>
           <a:lstStyle/>
           <a:p>
-            <a:pPr algn="ctr"/>
-            <a:r>
-              <a:rPr lang="ko-KR" altLang="en-US" b="1" dirty="0">
-                <a:solidFill>
-                  <a:schemeClr val="tx1">
-                    <a:lumMod val="65000"/>
-                    <a:lumOff val="35000"/>
-                  </a:schemeClr>
+            <a:pPr>
+              <a:lnSpc>
+                <a:spcPct val="150000"/>
+              </a:lnSpc>
+            </a:pPr>
+            <a:r>
+              <a:rPr lang="ko-KR" altLang="en-US" sz="1400" b="1" dirty="0">
+                <a:solidFill>
+                  <a:schemeClr val="tx1"/>
                 </a:solidFill>
               </a:rPr>
-              <a:t>배틀 </a:t>
-            </a:r>
-            <a:r>
-              <a:rPr lang="en-US" altLang="ko-KR" b="1" dirty="0">
-                <a:solidFill>
-                  <a:schemeClr val="tx1">
-                    <a:lumMod val="65000"/>
-                    <a:lumOff val="35000"/>
-                  </a:schemeClr>
+              <a:t>몬스터 이름 </a:t>
+            </a:r>
+            <a:r>
+              <a:rPr lang="en-US" altLang="ko-KR" sz="1400" b="1" dirty="0">
+                <a:solidFill>
+                  <a:schemeClr val="tx1"/>
                 </a:solidFill>
               </a:rPr>
-              <a:t>&amp;</a:t>
-            </a:r>
-            <a:r>
-              <a:rPr lang="ko-KR" altLang="en-US" b="1" dirty="0">
-                <a:solidFill>
-                  <a:schemeClr val="tx1">
-                    <a:lumMod val="65000"/>
-                    <a:lumOff val="35000"/>
-                  </a:schemeClr>
+              <a:t>[</a:t>
+            </a:r>
+            <a:r>
+              <a:rPr lang="ko-KR" altLang="en-US" sz="1400" b="1" dirty="0">
+                <a:solidFill>
+                  <a:schemeClr val="tx1"/>
                 </a:solidFill>
               </a:rPr>
-              <a:t>이벤트 로그</a:t>
-            </a:r>
-          </a:p>
-        </p:txBody>
-      </p:sp>
-      <p:sp>
-        <p:nvSpPr>
-          <p:cNvPr id="17" name="직사각형 16">
-            <a:extLst>
-              <a:ext uri="{FF2B5EF4-FFF2-40B4-BE49-F238E27FC236}">
-                <a16:creationId xmlns:a16="http://schemas.microsoft.com/office/drawing/2014/main" id="{645C034C-5ABF-CE03-D2FC-9119522751E9}"/>
+              <a:t>레벨</a:t>
+            </a:r>
+            <a:r>
+              <a:rPr lang="en-US" altLang="ko-KR" sz="1400" b="1" dirty="0">
+                <a:solidFill>
+                  <a:schemeClr val="tx1"/>
+                </a:solidFill>
+              </a:rPr>
+              <a:t>]</a:t>
+            </a:r>
+          </a:p>
+          <a:p>
+            <a:pPr>
+              <a:lnSpc>
+                <a:spcPct val="150000"/>
+              </a:lnSpc>
+            </a:pPr>
+            <a:r>
+              <a:rPr lang="en-US" altLang="ko-KR" sz="1400" b="1" dirty="0">
+                <a:solidFill>
+                  <a:schemeClr val="tx1"/>
+                </a:solidFill>
+              </a:rPr>
+              <a:t>HP</a:t>
+            </a:r>
+            <a:r>
+              <a:rPr lang="ko-KR" altLang="en-US" sz="1400" b="1" dirty="0">
+                <a:solidFill>
+                  <a:schemeClr val="tx1"/>
+                </a:solidFill>
+              </a:rPr>
+              <a:t> </a:t>
+            </a:r>
+            <a:r>
+              <a:rPr lang="en-US" altLang="ko-KR" sz="1400" b="1" dirty="0">
+                <a:solidFill>
+                  <a:schemeClr val="tx1"/>
+                </a:solidFill>
+              </a:rPr>
+              <a:t>0000/0000</a:t>
+            </a:r>
+            <a:endParaRPr lang="ko-KR" altLang="en-US" sz="1400" b="1" dirty="0">
+              <a:solidFill>
+                <a:schemeClr val="tx1"/>
+              </a:solidFill>
+            </a:endParaRPr>
+          </a:p>
+        </p:txBody>
+      </p:sp>
+      <p:sp>
+        <p:nvSpPr>
+          <p:cNvPr id="18" name="직사각형 17">
+            <a:extLst>
+              <a:ext uri="{FF2B5EF4-FFF2-40B4-BE49-F238E27FC236}">
+                <a16:creationId xmlns:a16="http://schemas.microsoft.com/office/drawing/2014/main" id="{C8DC450A-E72A-93E3-5078-A263F3902418}"/>
               </a:ext>
             </a:extLst>
           </p:cNvPr>
@@ -19704,14 +16483,16 @@
         </p:nvSpPr>
         <p:spPr>
           <a:xfrm>
-            <a:off x="7489370" y="1458687"/>
-            <a:ext cx="2309053" cy="5151120"/>
+            <a:off x="9817505" y="1912451"/>
+            <a:ext cx="1571898" cy="391886"/>
           </a:xfrm>
           <a:prstGeom prst="rect">
             <a:avLst/>
           </a:prstGeom>
           <a:solidFill>
-            <a:srgbClr val="FFFFA7"/>
+            <a:schemeClr val="bg1">
+              <a:lumMod val="85000"/>
+            </a:schemeClr>
           </a:solidFill>
         </p:spPr>
         <p:style>
@@ -19736,38 +16517,280 @@
           <a:p>
             <a:pPr algn="ctr"/>
             <a:r>
-              <a:rPr lang="ko-KR" altLang="en-US" b="1" dirty="0">
+              <a:rPr lang="ko-KR" altLang="en-US" sz="1200" b="1" dirty="0">
                 <a:solidFill>
                   <a:schemeClr val="tx1"/>
                 </a:solidFill>
               </a:rPr>
-              <a:t>커맨드</a:t>
-            </a:r>
-            <a:endParaRPr lang="en-US" altLang="ko-KR" b="1" dirty="0">
-              <a:solidFill>
-                <a:schemeClr val="tx1"/>
-              </a:solidFill>
-            </a:endParaRPr>
-          </a:p>
-          <a:p>
-            <a:pPr algn="ctr"/>
-            <a:r>
-              <a:rPr lang="ko-KR" altLang="en-US" b="1" dirty="0">
-                <a:solidFill>
-                  <a:schemeClr val="tx1"/>
-                </a:solidFill>
-              </a:rPr>
-              <a:t>목록</a:t>
-            </a:r>
-          </a:p>
-        </p:txBody>
-      </p:sp>
-      <p:sp>
-        <p:nvSpPr>
-          <p:cNvPr id="10" name="직사각형 9">
-            <a:extLst>
-              <a:ext uri="{FF2B5EF4-FFF2-40B4-BE49-F238E27FC236}">
-                <a16:creationId xmlns:a16="http://schemas.microsoft.com/office/drawing/2014/main" id="{50BFCBE2-A4E0-C843-A4A9-007F9FD85648}"/>
+              <a:t>현재 행동 팀</a:t>
+            </a:r>
+          </a:p>
+        </p:txBody>
+      </p:sp>
+      <p:sp>
+        <p:nvSpPr>
+          <p:cNvPr id="12" name="TextBox 11">
+            <a:extLst>
+              <a:ext uri="{FF2B5EF4-FFF2-40B4-BE49-F238E27FC236}">
+                <a16:creationId xmlns:a16="http://schemas.microsoft.com/office/drawing/2014/main" id="{153BF52D-21A0-EE1A-ACD2-6E03BB8F3712}"/>
+              </a:ext>
+            </a:extLst>
+          </p:cNvPr>
+          <p:cNvSpPr txBox="1"/>
+          <p:nvPr/>
+        </p:nvSpPr>
+        <p:spPr>
+          <a:xfrm>
+            <a:off x="201961" y="267240"/>
+            <a:ext cx="4881465" cy="646331"/>
+          </a:xfrm>
+          <a:prstGeom prst="rect">
+            <a:avLst/>
+          </a:prstGeom>
+          <a:noFill/>
+        </p:spPr>
+        <p:txBody>
+          <a:bodyPr wrap="none" rtlCol="0">
+            <a:spAutoFit/>
+          </a:bodyPr>
+          <a:lstStyle/>
+          <a:p>
+            <a:r>
+              <a:rPr lang="en-US" altLang="ko-KR" dirty="0"/>
+              <a:t>[</a:t>
+            </a:r>
+            <a:r>
+              <a:rPr lang="ko-KR" altLang="en-US" dirty="0"/>
+              <a:t>몬스터</a:t>
+            </a:r>
+            <a:r>
+              <a:rPr lang="en-US" altLang="ko-KR" dirty="0"/>
+              <a:t>1]</a:t>
+            </a:r>
+            <a:r>
+              <a:rPr lang="ko-KR" altLang="en-US" dirty="0"/>
+              <a:t>이</a:t>
+            </a:r>
+            <a:r>
+              <a:rPr lang="en-US" altLang="ko-KR" dirty="0"/>
+              <a:t>(</a:t>
+            </a:r>
+            <a:r>
+              <a:rPr lang="ko-KR" altLang="en-US" dirty="0"/>
+              <a:t>가</a:t>
+            </a:r>
+            <a:r>
+              <a:rPr lang="en-US" altLang="ko-KR" dirty="0"/>
+              <a:t>) [</a:t>
+            </a:r>
+            <a:r>
+              <a:rPr lang="ko-KR" altLang="en-US" dirty="0"/>
+              <a:t>사용 스킬</a:t>
+            </a:r>
+            <a:r>
+              <a:rPr lang="en-US" altLang="ko-KR" dirty="0"/>
+              <a:t>]</a:t>
+            </a:r>
+            <a:r>
+              <a:rPr lang="ko-KR" altLang="en-US" dirty="0"/>
+              <a:t>을</a:t>
+            </a:r>
+            <a:r>
+              <a:rPr lang="en-US" altLang="ko-KR" dirty="0"/>
+              <a:t>(</a:t>
+            </a:r>
+            <a:r>
+              <a:rPr lang="ko-KR" altLang="en-US" dirty="0"/>
+              <a:t>를</a:t>
+            </a:r>
+            <a:r>
+              <a:rPr lang="en-US" altLang="ko-KR" dirty="0"/>
+              <a:t>) </a:t>
+            </a:r>
+            <a:r>
+              <a:rPr lang="ko-KR" altLang="en-US" dirty="0"/>
+              <a:t>사용하였다</a:t>
+            </a:r>
+            <a:r>
+              <a:rPr lang="en-US" altLang="ko-KR" dirty="0"/>
+              <a:t>!</a:t>
+            </a:r>
+          </a:p>
+          <a:p>
+            <a:r>
+              <a:rPr lang="en-US" altLang="ko-KR" dirty="0"/>
+              <a:t>[</a:t>
+            </a:r>
+            <a:r>
+              <a:rPr lang="ko-KR" altLang="en-US" dirty="0"/>
+              <a:t>플레이어</a:t>
+            </a:r>
+            <a:r>
+              <a:rPr lang="en-US" altLang="ko-KR" dirty="0"/>
+              <a:t>]</a:t>
+            </a:r>
+            <a:r>
+              <a:rPr lang="ko-KR" altLang="en-US" dirty="0"/>
+              <a:t>에게 </a:t>
+            </a:r>
+            <a:r>
+              <a:rPr lang="en-US" altLang="ko-KR" dirty="0"/>
+              <a:t>[</a:t>
+            </a:r>
+            <a:r>
+              <a:rPr lang="ko-KR" altLang="en-US" dirty="0"/>
+              <a:t>데미지</a:t>
+            </a:r>
+            <a:r>
+              <a:rPr lang="en-US" altLang="ko-KR" dirty="0"/>
+              <a:t>]</a:t>
+            </a:r>
+            <a:r>
+              <a:rPr lang="ko-KR" altLang="en-US" dirty="0"/>
+              <a:t>의 피해를 입혔다</a:t>
+            </a:r>
+            <a:r>
+              <a:rPr lang="en-US" altLang="ko-KR" dirty="0"/>
+              <a:t>.</a:t>
+            </a:r>
+          </a:p>
+        </p:txBody>
+      </p:sp>
+      <p:sp>
+        <p:nvSpPr>
+          <p:cNvPr id="19" name="TextBox 18">
+            <a:extLst>
+              <a:ext uri="{FF2B5EF4-FFF2-40B4-BE49-F238E27FC236}">
+                <a16:creationId xmlns:a16="http://schemas.microsoft.com/office/drawing/2014/main" id="{1FB1290A-5FE5-D16A-AFA7-C22608B2FEDC}"/>
+              </a:ext>
+            </a:extLst>
+          </p:cNvPr>
+          <p:cNvSpPr txBox="1"/>
+          <p:nvPr/>
+        </p:nvSpPr>
+        <p:spPr>
+          <a:xfrm>
+            <a:off x="201961" y="980538"/>
+            <a:ext cx="4985660" cy="646331"/>
+          </a:xfrm>
+          <a:prstGeom prst="rect">
+            <a:avLst/>
+          </a:prstGeom>
+          <a:noFill/>
+        </p:spPr>
+        <p:txBody>
+          <a:bodyPr wrap="none" rtlCol="0">
+            <a:spAutoFit/>
+          </a:bodyPr>
+          <a:lstStyle/>
+          <a:p>
+            <a:r>
+              <a:rPr lang="en-US" altLang="ko-KR" dirty="0"/>
+              <a:t>[</a:t>
+            </a:r>
+            <a:r>
+              <a:rPr lang="ko-KR" altLang="en-US" dirty="0"/>
+              <a:t>플레이어</a:t>
+            </a:r>
+            <a:r>
+              <a:rPr lang="en-US" altLang="ko-KR" dirty="0"/>
+              <a:t>]</a:t>
+            </a:r>
+            <a:r>
+              <a:rPr lang="ko-KR" altLang="en-US" dirty="0"/>
+              <a:t>이</a:t>
+            </a:r>
+            <a:r>
+              <a:rPr lang="en-US" altLang="ko-KR" dirty="0"/>
+              <a:t>(</a:t>
+            </a:r>
+            <a:r>
+              <a:rPr lang="ko-KR" altLang="en-US" dirty="0"/>
+              <a:t>가</a:t>
+            </a:r>
+            <a:r>
+              <a:rPr lang="en-US" altLang="ko-KR" dirty="0"/>
+              <a:t>) [</a:t>
+            </a:r>
+            <a:r>
+              <a:rPr lang="ko-KR" altLang="en-US" dirty="0"/>
+              <a:t>사용 스킬</a:t>
+            </a:r>
+            <a:r>
+              <a:rPr lang="en-US" altLang="ko-KR" dirty="0"/>
+              <a:t>]</a:t>
+            </a:r>
+            <a:r>
+              <a:rPr lang="ko-KR" altLang="en-US" dirty="0"/>
+              <a:t>을</a:t>
+            </a:r>
+            <a:r>
+              <a:rPr lang="en-US" altLang="ko-KR" dirty="0"/>
+              <a:t>(</a:t>
+            </a:r>
+            <a:r>
+              <a:rPr lang="ko-KR" altLang="en-US" dirty="0"/>
+              <a:t>를</a:t>
+            </a:r>
+            <a:r>
+              <a:rPr lang="en-US" altLang="ko-KR" dirty="0"/>
+              <a:t>) </a:t>
+            </a:r>
+            <a:r>
+              <a:rPr lang="ko-KR" altLang="en-US" dirty="0"/>
+              <a:t>사용하였다</a:t>
+            </a:r>
+            <a:r>
+              <a:rPr lang="en-US" altLang="ko-KR" dirty="0"/>
+              <a:t>!</a:t>
+            </a:r>
+          </a:p>
+          <a:p>
+            <a:r>
+              <a:rPr lang="en-US" altLang="ko-KR" dirty="0"/>
+              <a:t>[</a:t>
+            </a:r>
+            <a:r>
+              <a:rPr lang="ko-KR" altLang="en-US" dirty="0"/>
+              <a:t>몬스터</a:t>
+            </a:r>
+            <a:r>
+              <a:rPr lang="en-US" altLang="ko-KR" dirty="0"/>
+              <a:t>1]</a:t>
+            </a:r>
+            <a:r>
+              <a:rPr lang="ko-KR" altLang="en-US" dirty="0"/>
+              <a:t>에게 </a:t>
+            </a:r>
+            <a:r>
+              <a:rPr lang="en-US" altLang="ko-KR" dirty="0"/>
+              <a:t>[</a:t>
+            </a:r>
+            <a:r>
+              <a:rPr lang="ko-KR" altLang="en-US" dirty="0"/>
+              <a:t>데미지</a:t>
+            </a:r>
+            <a:r>
+              <a:rPr lang="en-US" altLang="ko-KR" dirty="0"/>
+              <a:t>]</a:t>
+            </a:r>
+            <a:r>
+              <a:rPr lang="ko-KR" altLang="en-US" dirty="0"/>
+              <a:t>의 피해를 입혔다</a:t>
+            </a:r>
+            <a:r>
+              <a:rPr lang="en-US" altLang="ko-KR" dirty="0"/>
+              <a:t>.</a:t>
+            </a:r>
+          </a:p>
+        </p:txBody>
+      </p:sp>
+      <p:sp>
+        <p:nvSpPr>
+          <p:cNvPr id="4" name="직사각형 3">
+            <a:extLst>
+              <a:ext uri="{FF2B5EF4-FFF2-40B4-BE49-F238E27FC236}">
+                <a16:creationId xmlns:a16="http://schemas.microsoft.com/office/drawing/2014/main" id="{DC107C84-1418-2722-A350-06D62CEC8639}"/>
               </a:ext>
             </a:extLst>
           </p:cNvPr>
@@ -19776,14 +16799,16 @@
         </p:nvSpPr>
         <p:spPr>
           <a:xfrm>
-            <a:off x="304800" y="248194"/>
-            <a:ext cx="1854926" cy="783772"/>
+            <a:off x="167255" y="6266328"/>
+            <a:ext cx="11841865" cy="417500"/>
           </a:xfrm>
           <a:prstGeom prst="rect">
             <a:avLst/>
           </a:prstGeom>
           <a:solidFill>
-            <a:srgbClr val="F6C6AD"/>
+            <a:schemeClr val="bg1">
+              <a:lumMod val="85000"/>
+            </a:schemeClr>
           </a:solidFill>
         </p:spPr>
         <p:style>
@@ -19806,90 +16831,16 @@
           <a:bodyPr rtlCol="0" anchor="ctr"/>
           <a:lstStyle/>
           <a:p>
-            <a:pPr algn="ctr">
-              <a:lnSpc>
-                <a:spcPct val="150000"/>
-              </a:lnSpc>
-            </a:pPr>
-            <a:r>
-              <a:rPr lang="ko-KR" altLang="en-US" sz="1000" b="1" dirty="0">
+            <a:pPr algn="ctr"/>
+            <a:r>
+              <a:rPr lang="ko-KR" altLang="en-US" b="1" dirty="0" err="1">
                 <a:solidFill>
                   <a:schemeClr val="tx1"/>
                 </a:solidFill>
               </a:rPr>
-              <a:t>몬스터 이름              </a:t>
-            </a:r>
-            <a:r>
-              <a:rPr lang="en-US" altLang="ko-KR" sz="1000" b="1" dirty="0">
-                <a:solidFill>
-                  <a:schemeClr val="tx1"/>
-                </a:solidFill>
-              </a:rPr>
-              <a:t>[</a:t>
-            </a:r>
-            <a:r>
-              <a:rPr lang="ko-KR" altLang="en-US" sz="1000" b="1" dirty="0">
-                <a:solidFill>
-                  <a:schemeClr val="tx1"/>
-                </a:solidFill>
-              </a:rPr>
-              <a:t>레벨</a:t>
-            </a:r>
-            <a:r>
-              <a:rPr lang="en-US" altLang="ko-KR" sz="1000" b="1" dirty="0">
-                <a:solidFill>
-                  <a:schemeClr val="tx1"/>
-                </a:solidFill>
-              </a:rPr>
-              <a:t>]</a:t>
-            </a:r>
-          </a:p>
-          <a:p>
-            <a:pPr>
-              <a:lnSpc>
-                <a:spcPct val="150000"/>
-              </a:lnSpc>
-            </a:pPr>
-            <a:r>
-              <a:rPr lang="en-US" altLang="ko-KR" sz="1000" b="1" dirty="0">
-                <a:solidFill>
-                  <a:schemeClr val="tx1"/>
-                </a:solidFill>
-              </a:rPr>
-              <a:t>HP</a:t>
-            </a:r>
-            <a:r>
-              <a:rPr lang="ko-KR" altLang="en-US" sz="1000" b="1" dirty="0">
-                <a:solidFill>
-                  <a:schemeClr val="tx1"/>
-                </a:solidFill>
-              </a:rPr>
-              <a:t> </a:t>
-            </a:r>
-            <a:r>
-              <a:rPr lang="en-US" altLang="ko-KR" sz="1000" b="1" dirty="0">
-                <a:solidFill>
-                  <a:schemeClr val="tx1"/>
-                </a:solidFill>
-              </a:rPr>
-              <a:t>0000/0000</a:t>
-            </a:r>
-          </a:p>
-          <a:p>
-            <a:pPr>
-              <a:lnSpc>
-                <a:spcPct val="150000"/>
-              </a:lnSpc>
-            </a:pPr>
-            <a:r>
-              <a:rPr lang="en-US" altLang="ko-KR" sz="1000" b="1" dirty="0">
-                <a:solidFill>
-                  <a:schemeClr val="tx1"/>
-                </a:solidFill>
-              </a:rPr>
-              <a:t>AP 00   BP: 00</a:t>
-            </a:r>
-            <a:endParaRPr lang="ko-KR" altLang="en-US" sz="1000" b="1" dirty="0">
+              <a:t>입력창</a:t>
+            </a:r>
+            <a:endParaRPr lang="ko-KR" altLang="en-US" b="1" dirty="0">
               <a:solidFill>
                 <a:schemeClr val="tx1"/>
               </a:solidFill>
@@ -19899,266 +16850,27 @@
       </p:sp>
       <p:sp>
         <p:nvSpPr>
-          <p:cNvPr id="21" name="TextBox 20">
-            <a:extLst>
-              <a:ext uri="{FF2B5EF4-FFF2-40B4-BE49-F238E27FC236}">
-                <a16:creationId xmlns:a16="http://schemas.microsoft.com/office/drawing/2014/main" id="{2D40771F-67DA-9AAD-0C62-D601D4206760}"/>
-              </a:ext>
-            </a:extLst>
-          </p:cNvPr>
-          <p:cNvSpPr txBox="1"/>
+          <p:cNvPr id="8" name="직사각형 7">
+            <a:extLst>
+              <a:ext uri="{FF2B5EF4-FFF2-40B4-BE49-F238E27FC236}">
+                <a16:creationId xmlns:a16="http://schemas.microsoft.com/office/drawing/2014/main" id="{2C1E280A-2BF5-7436-FD7A-E44DF2A1C26B}"/>
+              </a:ext>
+            </a:extLst>
+          </p:cNvPr>
+          <p:cNvSpPr/>
           <p:nvPr/>
         </p:nvSpPr>
         <p:spPr>
           <a:xfrm>
-            <a:off x="7598356" y="4841965"/>
-            <a:ext cx="1508746" cy="1620380"/>
+            <a:off x="9197787" y="147233"/>
+            <a:ext cx="2792251" cy="543049"/>
           </a:xfrm>
           <a:prstGeom prst="rect">
             <a:avLst/>
           </a:prstGeom>
-          <a:noFill/>
-        </p:spPr>
-        <p:txBody>
-          <a:bodyPr wrap="none" rtlCol="0">
-            <a:spAutoFit/>
-          </a:bodyPr>
-          <a:lstStyle/>
-          <a:p>
-            <a:pPr>
-              <a:lnSpc>
-                <a:spcPct val="150000"/>
-              </a:lnSpc>
-            </a:pPr>
-            <a:r>
-              <a:rPr lang="ko-KR" altLang="en-US" dirty="0"/>
-              <a:t>액션 </a:t>
-            </a:r>
-            <a:r>
-              <a:rPr lang="en-US" altLang="ko-KR" dirty="0"/>
-              <a:t>1</a:t>
-            </a:r>
-          </a:p>
-          <a:p>
-            <a:pPr>
-              <a:lnSpc>
-                <a:spcPct val="150000"/>
-              </a:lnSpc>
-            </a:pPr>
-            <a:r>
-              <a:rPr lang="ko-KR" altLang="en-US" dirty="0"/>
-              <a:t>▶ 액션 </a:t>
-            </a:r>
-            <a:r>
-              <a:rPr lang="en-US" altLang="ko-KR" dirty="0"/>
-              <a:t>2</a:t>
-            </a:r>
-          </a:p>
-          <a:p>
-            <a:pPr>
-              <a:lnSpc>
-                <a:spcPct val="150000"/>
-              </a:lnSpc>
-            </a:pPr>
-            <a:r>
-              <a:rPr lang="ko-KR" altLang="en-US" dirty="0"/>
-              <a:t>액션 </a:t>
-            </a:r>
-            <a:r>
-              <a:rPr lang="en-US" altLang="ko-KR" dirty="0"/>
-              <a:t>3</a:t>
-            </a:r>
-          </a:p>
-          <a:p>
-            <a:pPr>
-              <a:lnSpc>
-                <a:spcPct val="150000"/>
-              </a:lnSpc>
-            </a:pPr>
-            <a:r>
-              <a:rPr lang="en-US" altLang="ko-KR" sz="1400" dirty="0"/>
-              <a:t>Z: OK  X: </a:t>
-            </a:r>
-            <a:r>
-              <a:rPr lang="en-US" altLang="ko-KR" sz="1400" dirty="0" err="1"/>
-              <a:t>Cancle</a:t>
-            </a:r>
-            <a:endParaRPr lang="en-US" altLang="ko-KR" sz="1400" dirty="0"/>
-          </a:p>
-        </p:txBody>
-      </p:sp>
-      <p:sp>
-        <p:nvSpPr>
-          <p:cNvPr id="2" name="TextBox 1">
-            <a:extLst>
-              <a:ext uri="{FF2B5EF4-FFF2-40B4-BE49-F238E27FC236}">
-                <a16:creationId xmlns:a16="http://schemas.microsoft.com/office/drawing/2014/main" id="{A291DA4C-19B6-DFA2-CCFA-81131F7A1A56}"/>
-              </a:ext>
-            </a:extLst>
-          </p:cNvPr>
-          <p:cNvSpPr txBox="1"/>
-          <p:nvPr/>
-        </p:nvSpPr>
-        <p:spPr>
-          <a:xfrm>
-            <a:off x="2736667" y="104503"/>
-            <a:ext cx="415498" cy="369332"/>
-          </a:xfrm>
-          <a:prstGeom prst="rect">
-            <a:avLst/>
-          </a:prstGeom>
-          <a:noFill/>
-        </p:spPr>
-        <p:txBody>
-          <a:bodyPr wrap="none" rtlCol="0">
-            <a:spAutoFit/>
-          </a:bodyPr>
-          <a:lstStyle/>
-          <a:p>
-            <a:r>
-              <a:rPr lang="ko-KR" altLang="en-US" dirty="0">
-                <a:solidFill>
-                  <a:schemeClr val="bg1"/>
-                </a:solidFill>
-              </a:rPr>
-              <a:t>←</a:t>
-            </a:r>
-          </a:p>
-        </p:txBody>
-      </p:sp>
-      <p:sp>
-        <p:nvSpPr>
-          <p:cNvPr id="3" name="TextBox 2">
-            <a:extLst>
-              <a:ext uri="{FF2B5EF4-FFF2-40B4-BE49-F238E27FC236}">
-                <a16:creationId xmlns:a16="http://schemas.microsoft.com/office/drawing/2014/main" id="{3BDF0678-9089-A017-3CC3-3C90AE3722E3}"/>
-              </a:ext>
-            </a:extLst>
-          </p:cNvPr>
-          <p:cNvSpPr txBox="1"/>
-          <p:nvPr/>
-        </p:nvSpPr>
-        <p:spPr>
-          <a:xfrm>
-            <a:off x="4176096" y="104503"/>
-            <a:ext cx="404278" cy="369332"/>
-          </a:xfrm>
-          <a:prstGeom prst="rect">
-            <a:avLst/>
-          </a:prstGeom>
-          <a:noFill/>
-        </p:spPr>
-        <p:txBody>
-          <a:bodyPr wrap="none" rtlCol="0">
-            <a:spAutoFit/>
-          </a:bodyPr>
-          <a:lstStyle/>
-          <a:p>
-            <a:r>
-              <a:rPr lang="ko-KR" altLang="en-US" dirty="0">
-                <a:solidFill>
-                  <a:schemeClr val="bg1"/>
-                </a:solidFill>
-              </a:rPr>
-              <a:t>→</a:t>
-            </a:r>
-          </a:p>
-        </p:txBody>
-      </p:sp>
-      <p:sp>
-        <p:nvSpPr>
-          <p:cNvPr id="13" name="TextBox 12">
-            <a:extLst>
-              <a:ext uri="{FF2B5EF4-FFF2-40B4-BE49-F238E27FC236}">
-                <a16:creationId xmlns:a16="http://schemas.microsoft.com/office/drawing/2014/main" id="{4B727E06-E935-66E5-17AD-12EC7E5C276A}"/>
-              </a:ext>
-            </a:extLst>
-          </p:cNvPr>
-          <p:cNvSpPr txBox="1"/>
-          <p:nvPr/>
-        </p:nvSpPr>
-        <p:spPr>
-          <a:xfrm>
-            <a:off x="8908063" y="4881044"/>
-            <a:ext cx="415498" cy="369332"/>
-          </a:xfrm>
-          <a:prstGeom prst="rect">
-            <a:avLst/>
-          </a:prstGeom>
-          <a:noFill/>
-        </p:spPr>
-        <p:txBody>
-          <a:bodyPr wrap="none" rtlCol="0">
-            <a:spAutoFit/>
-          </a:bodyPr>
-          <a:lstStyle/>
-          <a:p>
-            <a:r>
-              <a:rPr lang="ko-KR" altLang="en-US" dirty="0"/>
-              <a:t>↑</a:t>
-            </a:r>
-          </a:p>
-        </p:txBody>
-      </p:sp>
-      <p:sp>
-        <p:nvSpPr>
-          <p:cNvPr id="22" name="TextBox 21">
-            <a:extLst>
-              <a:ext uri="{FF2B5EF4-FFF2-40B4-BE49-F238E27FC236}">
-                <a16:creationId xmlns:a16="http://schemas.microsoft.com/office/drawing/2014/main" id="{6D358574-E9B8-A1A4-39AB-BB99C327845F}"/>
-              </a:ext>
-            </a:extLst>
-          </p:cNvPr>
-          <p:cNvSpPr txBox="1"/>
-          <p:nvPr/>
-        </p:nvSpPr>
-        <p:spPr>
-          <a:xfrm>
-            <a:off x="8899353" y="5745425"/>
-            <a:ext cx="415498" cy="369332"/>
-          </a:xfrm>
-          <a:prstGeom prst="rect">
-            <a:avLst/>
-          </a:prstGeom>
-          <a:noFill/>
-        </p:spPr>
-        <p:txBody>
-          <a:bodyPr wrap="none" rtlCol="0">
-            <a:spAutoFit/>
-          </a:bodyPr>
-          <a:lstStyle/>
-          <a:p>
-            <a:r>
-              <a:rPr lang="ko-KR" altLang="en-US" dirty="0"/>
-              <a:t>↓</a:t>
-            </a:r>
-          </a:p>
-        </p:txBody>
-      </p:sp>
-      <p:sp>
-        <p:nvSpPr>
-          <p:cNvPr id="16" name="직사각형 15">
-            <a:extLst>
-              <a:ext uri="{FF2B5EF4-FFF2-40B4-BE49-F238E27FC236}">
-                <a16:creationId xmlns:a16="http://schemas.microsoft.com/office/drawing/2014/main" id="{2AF0F537-65D9-79B3-60CE-75525D8EA8E6}"/>
-              </a:ext>
-            </a:extLst>
-          </p:cNvPr>
-          <p:cNvSpPr/>
-          <p:nvPr/>
-        </p:nvSpPr>
-        <p:spPr>
-          <a:xfrm>
-            <a:off x="2736669" y="473835"/>
-            <a:ext cx="1854926" cy="783772"/>
-          </a:xfrm>
-          <a:prstGeom prst="rect">
-            <a:avLst/>
-          </a:prstGeom>
           <a:solidFill>
-            <a:schemeClr val="accent2">
-              <a:lumMod val="40000"/>
-              <a:lumOff val="60000"/>
+            <a:schemeClr val="bg1">
+              <a:lumMod val="85000"/>
             </a:schemeClr>
           </a:solidFill>
         </p:spPr>
@@ -20182,24 +16894,16 @@
           <a:bodyPr rtlCol="0" anchor="ctr"/>
           <a:lstStyle/>
           <a:p>
-            <a:pPr algn="ctr"/>
-            <a:r>
-              <a:rPr lang="ko-KR" altLang="en-US" b="1" dirty="0">
+            <a:pPr algn="r"/>
+            <a:r>
+              <a:rPr lang="ko-KR" altLang="en-US" sz="2000" b="1" dirty="0">
                 <a:solidFill>
                   <a:schemeClr val="tx1"/>
                 </a:solidFill>
               </a:rPr>
-              <a:t>적</a:t>
-            </a:r>
-            <a:r>
-              <a:rPr lang="en-US" altLang="ko-KR" b="1" dirty="0">
-                <a:solidFill>
-                  <a:schemeClr val="tx1"/>
-                </a:solidFill>
-              </a:rPr>
-              <a:t>2</a:t>
-            </a:r>
-            <a:endParaRPr lang="ko-KR" altLang="en-US" b="1" dirty="0">
+              <a:t>던전 이름</a:t>
+            </a:r>
+            <a:endParaRPr lang="en-US" altLang="ko-KR" sz="2000" b="1" dirty="0">
               <a:solidFill>
                 <a:schemeClr val="tx1"/>
               </a:solidFill>
@@ -20209,132 +16913,10 @@
       </p:sp>
       <p:sp>
         <p:nvSpPr>
-          <p:cNvPr id="18" name="직사각형 17">
-            <a:extLst>
-              <a:ext uri="{FF2B5EF4-FFF2-40B4-BE49-F238E27FC236}">
-                <a16:creationId xmlns:a16="http://schemas.microsoft.com/office/drawing/2014/main" id="{C8DC450A-E72A-93E3-5078-A263F3902418}"/>
-              </a:ext>
-            </a:extLst>
-          </p:cNvPr>
-          <p:cNvSpPr/>
-          <p:nvPr/>
-        </p:nvSpPr>
-        <p:spPr>
-          <a:xfrm>
-            <a:off x="10032274" y="248194"/>
-            <a:ext cx="1854926" cy="1210492"/>
-          </a:xfrm>
-          <a:prstGeom prst="rect">
-            <a:avLst/>
-          </a:prstGeom>
-          <a:solidFill>
-            <a:schemeClr val="bg1">
-              <a:lumMod val="85000"/>
-            </a:schemeClr>
-          </a:solidFill>
-        </p:spPr>
-        <p:style>
-          <a:lnRef idx="2">
-            <a:schemeClr val="accent1">
-              <a:shade val="15000"/>
-            </a:schemeClr>
-          </a:lnRef>
-          <a:fillRef idx="1">
-            <a:schemeClr val="accent1"/>
-          </a:fillRef>
-          <a:effectRef idx="0">
-            <a:schemeClr val="accent1"/>
-          </a:effectRef>
-          <a:fontRef idx="minor">
-            <a:schemeClr val="lt1"/>
-          </a:fontRef>
-        </p:style>
-        <p:txBody>
-          <a:bodyPr rtlCol="0" anchor="ctr"/>
-          <a:lstStyle/>
-          <a:p>
-            <a:pPr algn="ctr"/>
-            <a:r>
-              <a:rPr lang="ko-KR" altLang="en-US" b="1" dirty="0">
-                <a:solidFill>
-                  <a:schemeClr val="tx1"/>
-                </a:solidFill>
-              </a:rPr>
-              <a:t>던전 정보</a:t>
-            </a:r>
-            <a:endParaRPr lang="en-US" altLang="ko-KR" b="1" dirty="0">
-              <a:solidFill>
-                <a:schemeClr val="tx1"/>
-              </a:solidFill>
-            </a:endParaRPr>
-          </a:p>
-          <a:p>
-            <a:pPr algn="ctr"/>
-            <a:r>
-              <a:rPr lang="en-US" altLang="ko-KR" b="1" dirty="0">
-                <a:solidFill>
-                  <a:schemeClr val="tx1"/>
-                </a:solidFill>
-              </a:rPr>
-              <a:t>&amp;</a:t>
-            </a:r>
-          </a:p>
-          <a:p>
-            <a:pPr algn="ctr"/>
-            <a:r>
-              <a:rPr lang="ko-KR" altLang="en-US" b="1" dirty="0">
-                <a:solidFill>
-                  <a:schemeClr val="tx1"/>
-                </a:solidFill>
-              </a:rPr>
-              <a:t>전투 정보</a:t>
-            </a:r>
-            <a:endParaRPr lang="en-US" altLang="ko-KR" b="1" dirty="0">
-              <a:solidFill>
-                <a:schemeClr val="tx1"/>
-              </a:solidFill>
-            </a:endParaRPr>
-          </a:p>
-          <a:p>
-            <a:pPr algn="ctr"/>
-            <a:r>
-              <a:rPr lang="en-US" altLang="ko-KR" sz="1200" b="1" dirty="0">
-                <a:solidFill>
-                  <a:schemeClr val="tx1"/>
-                </a:solidFill>
-              </a:rPr>
-              <a:t>(ex.</a:t>
-            </a:r>
-            <a:r>
-              <a:rPr lang="ko-KR" altLang="en-US" sz="1200" b="1" dirty="0">
-                <a:solidFill>
-                  <a:schemeClr val="tx1"/>
-                </a:solidFill>
-              </a:rPr>
-              <a:t> 현재 턴</a:t>
-            </a:r>
-            <a:r>
-              <a:rPr lang="en-US" altLang="ko-KR" sz="1200" b="1" dirty="0">
-                <a:solidFill>
-                  <a:schemeClr val="tx1"/>
-                </a:solidFill>
-              </a:rPr>
-              <a:t>)</a:t>
-            </a:r>
-            <a:endParaRPr lang="ko-KR" altLang="en-US" sz="1200" b="1" dirty="0">
-              <a:solidFill>
-                <a:schemeClr val="tx1"/>
-              </a:solidFill>
-            </a:endParaRPr>
-          </a:p>
-        </p:txBody>
-      </p:sp>
-      <p:sp>
-        <p:nvSpPr>
-          <p:cNvPr id="12" name="TextBox 11">
-            <a:extLst>
-              <a:ext uri="{FF2B5EF4-FFF2-40B4-BE49-F238E27FC236}">
-                <a16:creationId xmlns:a16="http://schemas.microsoft.com/office/drawing/2014/main" id="{153BF52D-21A0-EE1A-ACD2-6E03BB8F3712}"/>
+          <p:cNvPr id="9" name="TextBox 8">
+            <a:extLst>
+              <a:ext uri="{FF2B5EF4-FFF2-40B4-BE49-F238E27FC236}">
+                <a16:creationId xmlns:a16="http://schemas.microsoft.com/office/drawing/2014/main" id="{DEEA0C37-18DF-9BAB-6C67-300F8D5BBD66}"/>
               </a:ext>
             </a:extLst>
           </p:cNvPr>
@@ -20343,8 +16925,8 @@
         </p:nvSpPr>
         <p:spPr>
           <a:xfrm>
-            <a:off x="493058" y="1715864"/>
-            <a:ext cx="5564344" cy="923330"/>
+            <a:off x="201961" y="1688805"/>
+            <a:ext cx="4881465" cy="646331"/>
           </a:xfrm>
           <a:prstGeom prst="rect">
             <a:avLst/>
@@ -20456,61 +17038,14 @@
               <a:t>.</a:t>
             </a:r>
           </a:p>
-          <a:p>
-            <a:r>
-              <a:rPr lang="en-US" altLang="ko-KR" dirty="0"/>
-              <a:t>[</a:t>
-            </a:r>
-            <a:r>
-              <a:rPr lang="ko-KR" altLang="en-US" dirty="0"/>
-              <a:t>플레이어가</a:t>
-            </a:r>
-            <a:r>
-              <a:rPr lang="en-US" altLang="ko-KR" dirty="0"/>
-              <a:t>] [</a:t>
-            </a:r>
-            <a:r>
-              <a:rPr lang="ko-KR" altLang="en-US" dirty="0"/>
-              <a:t>효과</a:t>
-            </a:r>
-            <a:r>
-              <a:rPr lang="en-US" altLang="ko-KR" dirty="0"/>
-              <a:t>1], [</a:t>
-            </a:r>
-            <a:r>
-              <a:rPr lang="ko-KR" altLang="en-US" dirty="0"/>
-              <a:t>효과</a:t>
-            </a:r>
-            <a:r>
-              <a:rPr lang="en-US" altLang="ko-KR" dirty="0"/>
-              <a:t>2], [</a:t>
-            </a:r>
-            <a:r>
-              <a:rPr lang="ko-KR" altLang="en-US" dirty="0"/>
-              <a:t>효과</a:t>
-            </a:r>
-            <a:r>
-              <a:rPr lang="en-US" altLang="ko-KR" dirty="0"/>
-              <a:t>3]</a:t>
-            </a:r>
-            <a:r>
-              <a:rPr lang="ko-KR" altLang="en-US" dirty="0"/>
-              <a:t> 효과를 받았다</a:t>
-            </a:r>
-            <a:r>
-              <a:rPr lang="en-US" altLang="ko-KR" dirty="0"/>
-              <a:t>.</a:t>
-            </a:r>
-            <a:endParaRPr lang="ko-KR" altLang="en-US" dirty="0"/>
-          </a:p>
-        </p:txBody>
-      </p:sp>
-      <p:sp>
-        <p:nvSpPr>
-          <p:cNvPr id="19" name="TextBox 18">
-            <a:extLst>
-              <a:ext uri="{FF2B5EF4-FFF2-40B4-BE49-F238E27FC236}">
-                <a16:creationId xmlns:a16="http://schemas.microsoft.com/office/drawing/2014/main" id="{1FB1290A-5FE5-D16A-AFA7-C22608B2FEDC}"/>
+        </p:txBody>
+      </p:sp>
+      <p:sp>
+        <p:nvSpPr>
+          <p:cNvPr id="13" name="TextBox 12">
+            <a:extLst>
+              <a:ext uri="{FF2B5EF4-FFF2-40B4-BE49-F238E27FC236}">
+                <a16:creationId xmlns:a16="http://schemas.microsoft.com/office/drawing/2014/main" id="{CB8517CB-7E51-C640-CD35-327B9DEC7BA5}"/>
               </a:ext>
             </a:extLst>
           </p:cNvPr>
@@ -20519,8 +17054,8 @@
         </p:nvSpPr>
         <p:spPr>
           <a:xfrm>
-            <a:off x="493058" y="2967335"/>
-            <a:ext cx="5564344" cy="923330"/>
+            <a:off x="201961" y="2402103"/>
+            <a:ext cx="4985660" cy="646331"/>
           </a:xfrm>
           <a:prstGeom prst="rect">
             <a:avLst/>
@@ -20539,6 +17074,68 @@
             </a:r>
             <a:r>
               <a:rPr lang="ko-KR" altLang="en-US" dirty="0"/>
+              <a:t>플레이어</a:t>
+            </a:r>
+            <a:r>
+              <a:rPr lang="en-US" altLang="ko-KR" dirty="0"/>
+              <a:t>]</a:t>
+            </a:r>
+            <a:r>
+              <a:rPr lang="ko-KR" altLang="en-US" dirty="0"/>
+              <a:t>이</a:t>
+            </a:r>
+            <a:r>
+              <a:rPr lang="en-US" altLang="ko-KR" dirty="0"/>
+              <a:t>(</a:t>
+            </a:r>
+            <a:r>
+              <a:rPr lang="ko-KR" altLang="en-US" dirty="0"/>
+              <a:t>가</a:t>
+            </a:r>
+            <a:r>
+              <a:rPr lang="en-US" altLang="ko-KR" dirty="0"/>
+              <a:t>) [</a:t>
+            </a:r>
+            <a:r>
+              <a:rPr lang="ko-KR" altLang="en-US" dirty="0"/>
+              <a:t>사용 스킬</a:t>
+            </a:r>
+            <a:r>
+              <a:rPr lang="en-US" altLang="ko-KR" dirty="0"/>
+              <a:t>]</a:t>
+            </a:r>
+            <a:r>
+              <a:rPr lang="ko-KR" altLang="en-US" dirty="0"/>
+              <a:t>을</a:t>
+            </a:r>
+            <a:r>
+              <a:rPr lang="en-US" altLang="ko-KR" dirty="0"/>
+              <a:t>(</a:t>
+            </a:r>
+            <a:r>
+              <a:rPr lang="ko-KR" altLang="en-US" dirty="0"/>
+              <a:t>를</a:t>
+            </a:r>
+            <a:r>
+              <a:rPr lang="en-US" altLang="ko-KR" dirty="0"/>
+              <a:t>) </a:t>
+            </a:r>
+            <a:r>
+              <a:rPr lang="ko-KR" altLang="en-US" dirty="0"/>
+              <a:t>사용하였다</a:t>
+            </a:r>
+            <a:r>
+              <a:rPr lang="en-US" altLang="ko-KR" dirty="0"/>
+              <a:t>!</a:t>
+            </a:r>
+          </a:p>
+          <a:p>
+            <a:r>
+              <a:rPr lang="en-US" altLang="ko-KR" dirty="0"/>
+              <a:t>[</a:t>
+            </a:r>
+            <a:r>
+              <a:rPr lang="ko-KR" altLang="en-US" dirty="0"/>
               <a:t>몬스터</a:t>
             </a:r>
             <a:r>
@@ -20547,23 +17144,15 @@
             </a:r>
             <a:r>
               <a:rPr lang="ko-KR" altLang="en-US" dirty="0"/>
-              <a:t>이</a:t>
+              <a:t>에게 </a:t>
             </a:r>
             <a:r>
               <a:rPr lang="en-US" altLang="ko-KR" dirty="0"/>
-              <a:t>(</a:t>
+              <a:t>[</a:t>
             </a:r>
             <a:r>
               <a:rPr lang="ko-KR" altLang="en-US" dirty="0"/>
-              <a:t>가</a:t>
-            </a:r>
-            <a:r>
-              <a:rPr lang="en-US" altLang="ko-KR" dirty="0"/>
-              <a:t>) [</a:t>
-            </a:r>
-            <a:r>
-              <a:rPr lang="ko-KR" altLang="en-US" dirty="0"/>
-              <a:t>사용 스킬</a:t>
+              <a:t>데미지</a:t>
             </a:r>
             <a:r>
               <a:rPr lang="en-US" altLang="ko-KR" dirty="0"/>
@@ -20571,60 +17160,6 @@
             </a:r>
             <a:r>
               <a:rPr lang="ko-KR" altLang="en-US" dirty="0"/>
-              <a:t>을</a:t>
-            </a:r>
-            <a:r>
-              <a:rPr lang="en-US" altLang="ko-KR" dirty="0"/>
-              <a:t>(</a:t>
-            </a:r>
-            <a:r>
-              <a:rPr lang="ko-KR" altLang="en-US" dirty="0"/>
-              <a:t>를</a:t>
-            </a:r>
-            <a:r>
-              <a:rPr lang="en-US" altLang="ko-KR" dirty="0"/>
-              <a:t>) </a:t>
-            </a:r>
-            <a:r>
-              <a:rPr lang="ko-KR" altLang="en-US" dirty="0"/>
-              <a:t>사용하였다</a:t>
-            </a:r>
-            <a:r>
-              <a:rPr lang="en-US" altLang="ko-KR" dirty="0"/>
-              <a:t>!</a:t>
-            </a:r>
-          </a:p>
-          <a:p>
-            <a:r>
-              <a:rPr lang="en-US" altLang="ko-KR" dirty="0"/>
-              <a:t>[</a:t>
-            </a:r>
-            <a:r>
-              <a:rPr lang="ko-KR" altLang="en-US" dirty="0"/>
-              <a:t>플레이어</a:t>
-            </a:r>
-            <a:r>
-              <a:rPr lang="en-US" altLang="ko-KR" dirty="0"/>
-              <a:t>]</a:t>
-            </a:r>
-            <a:r>
-              <a:rPr lang="ko-KR" altLang="en-US" dirty="0"/>
-              <a:t>에게 </a:t>
-            </a:r>
-            <a:r>
-              <a:rPr lang="en-US" altLang="ko-KR" dirty="0"/>
-              <a:t>[</a:t>
-            </a:r>
-            <a:r>
-              <a:rPr lang="ko-KR" altLang="en-US" dirty="0"/>
-              <a:t>데미지</a:t>
-            </a:r>
-            <a:r>
-              <a:rPr lang="en-US" altLang="ko-KR" dirty="0"/>
-              <a:t>]</a:t>
-            </a:r>
-            <a:r>
-              <a:rPr lang="ko-KR" altLang="en-US" dirty="0"/>
               <a:t>의 피해를 입혔다</a:t>
             </a:r>
             <a:r>
@@ -20632,61 +17167,14 @@
               <a:t>.</a:t>
             </a:r>
           </a:p>
-          <a:p>
-            <a:r>
-              <a:rPr lang="en-US" altLang="ko-KR" dirty="0"/>
-              <a:t>[</a:t>
-            </a:r>
-            <a:r>
-              <a:rPr lang="ko-KR" altLang="en-US" dirty="0"/>
-              <a:t>플레이어가</a:t>
-            </a:r>
-            <a:r>
-              <a:rPr lang="en-US" altLang="ko-KR" dirty="0"/>
-              <a:t>] [</a:t>
-            </a:r>
-            <a:r>
-              <a:rPr lang="ko-KR" altLang="en-US" dirty="0"/>
-              <a:t>효과</a:t>
-            </a:r>
-            <a:r>
-              <a:rPr lang="en-US" altLang="ko-KR" dirty="0"/>
-              <a:t>1], [</a:t>
-            </a:r>
-            <a:r>
-              <a:rPr lang="ko-KR" altLang="en-US" dirty="0"/>
-              <a:t>효과</a:t>
-            </a:r>
-            <a:r>
-              <a:rPr lang="en-US" altLang="ko-KR" dirty="0"/>
-              <a:t>2], [</a:t>
-            </a:r>
-            <a:r>
-              <a:rPr lang="ko-KR" altLang="en-US" dirty="0"/>
-              <a:t>효과</a:t>
-            </a:r>
-            <a:r>
-              <a:rPr lang="en-US" altLang="ko-KR" dirty="0"/>
-              <a:t>3]</a:t>
-            </a:r>
-            <a:r>
-              <a:rPr lang="ko-KR" altLang="en-US" dirty="0"/>
-              <a:t> 효과를 받았다</a:t>
-            </a:r>
-            <a:r>
-              <a:rPr lang="en-US" altLang="ko-KR" dirty="0"/>
-              <a:t>.</a:t>
-            </a:r>
-            <a:endParaRPr lang="ko-KR" altLang="en-US" dirty="0"/>
-          </a:p>
-        </p:txBody>
-      </p:sp>
-      <p:sp>
-        <p:nvSpPr>
-          <p:cNvPr id="20" name="TextBox 19">
-            <a:extLst>
-              <a:ext uri="{FF2B5EF4-FFF2-40B4-BE49-F238E27FC236}">
-                <a16:creationId xmlns:a16="http://schemas.microsoft.com/office/drawing/2014/main" id="{8BF7B36C-6E23-B9A0-73F5-20B6DA284B93}"/>
+        </p:txBody>
+      </p:sp>
+      <p:sp>
+        <p:nvSpPr>
+          <p:cNvPr id="14" name="TextBox 13">
+            <a:extLst>
+              <a:ext uri="{FF2B5EF4-FFF2-40B4-BE49-F238E27FC236}">
+                <a16:creationId xmlns:a16="http://schemas.microsoft.com/office/drawing/2014/main" id="{ED663130-9225-C0B7-12A4-5E55AFD361C0}"/>
               </a:ext>
             </a:extLst>
           </p:cNvPr>
@@ -20695,8 +17183,8 @@
         </p:nvSpPr>
         <p:spPr>
           <a:xfrm>
-            <a:off x="493058" y="4240247"/>
-            <a:ext cx="5564344" cy="923330"/>
+            <a:off x="201961" y="3110370"/>
+            <a:ext cx="4881465" cy="646331"/>
           </a:xfrm>
           <a:prstGeom prst="rect">
             <a:avLst/>
@@ -20808,61 +17296,14 @@
               <a:t>.</a:t>
             </a:r>
           </a:p>
-          <a:p>
-            <a:r>
-              <a:rPr lang="en-US" altLang="ko-KR" dirty="0"/>
-              <a:t>[</a:t>
-            </a:r>
-            <a:r>
-              <a:rPr lang="ko-KR" altLang="en-US" dirty="0"/>
-              <a:t>플레이어가</a:t>
-            </a:r>
-            <a:r>
-              <a:rPr lang="en-US" altLang="ko-KR" dirty="0"/>
-              <a:t>] [</a:t>
-            </a:r>
-            <a:r>
-              <a:rPr lang="ko-KR" altLang="en-US" dirty="0"/>
-              <a:t>효과</a:t>
-            </a:r>
-            <a:r>
-              <a:rPr lang="en-US" altLang="ko-KR" dirty="0"/>
-              <a:t>1], [</a:t>
-            </a:r>
-            <a:r>
-              <a:rPr lang="ko-KR" altLang="en-US" dirty="0"/>
-              <a:t>효과</a:t>
-            </a:r>
-            <a:r>
-              <a:rPr lang="en-US" altLang="ko-KR" dirty="0"/>
-              <a:t>2], [</a:t>
-            </a:r>
-            <a:r>
-              <a:rPr lang="ko-KR" altLang="en-US" dirty="0"/>
-              <a:t>효과</a:t>
-            </a:r>
-            <a:r>
-              <a:rPr lang="en-US" altLang="ko-KR" dirty="0"/>
-              <a:t>3]</a:t>
-            </a:r>
-            <a:r>
-              <a:rPr lang="ko-KR" altLang="en-US" dirty="0"/>
-              <a:t> 효과를 받았다</a:t>
-            </a:r>
-            <a:r>
-              <a:rPr lang="en-US" altLang="ko-KR" dirty="0"/>
-              <a:t>.</a:t>
-            </a:r>
-            <a:endParaRPr lang="ko-KR" altLang="en-US" dirty="0"/>
-          </a:p>
-        </p:txBody>
-      </p:sp>
-      <p:sp>
-        <p:nvSpPr>
-          <p:cNvPr id="23" name="TextBox 22">
-            <a:extLst>
-              <a:ext uri="{FF2B5EF4-FFF2-40B4-BE49-F238E27FC236}">
-                <a16:creationId xmlns:a16="http://schemas.microsoft.com/office/drawing/2014/main" id="{B0A48901-C595-567D-AC1C-B00A776C5B17}"/>
+        </p:txBody>
+      </p:sp>
+      <p:sp>
+        <p:nvSpPr>
+          <p:cNvPr id="15" name="TextBox 14">
+            <a:extLst>
+              <a:ext uri="{FF2B5EF4-FFF2-40B4-BE49-F238E27FC236}">
+                <a16:creationId xmlns:a16="http://schemas.microsoft.com/office/drawing/2014/main" id="{A5CABBA1-2361-DABF-51C4-07766D456046}"/>
               </a:ext>
             </a:extLst>
           </p:cNvPr>
@@ -20871,8 +17312,8 @@
         </p:nvSpPr>
         <p:spPr>
           <a:xfrm>
-            <a:off x="493058" y="5468426"/>
-            <a:ext cx="5564344" cy="923330"/>
+            <a:off x="201961" y="3823668"/>
+            <a:ext cx="4985660" cy="646331"/>
           </a:xfrm>
           <a:prstGeom prst="rect">
             <a:avLst/>
@@ -20891,6 +17332,68 @@
             </a:r>
             <a:r>
               <a:rPr lang="ko-KR" altLang="en-US" dirty="0"/>
+              <a:t>플레이어</a:t>
+            </a:r>
+            <a:r>
+              <a:rPr lang="en-US" altLang="ko-KR" dirty="0"/>
+              <a:t>]</a:t>
+            </a:r>
+            <a:r>
+              <a:rPr lang="ko-KR" altLang="en-US" dirty="0"/>
+              <a:t>이</a:t>
+            </a:r>
+            <a:r>
+              <a:rPr lang="en-US" altLang="ko-KR" dirty="0"/>
+              <a:t>(</a:t>
+            </a:r>
+            <a:r>
+              <a:rPr lang="ko-KR" altLang="en-US" dirty="0"/>
+              <a:t>가</a:t>
+            </a:r>
+            <a:r>
+              <a:rPr lang="en-US" altLang="ko-KR" dirty="0"/>
+              <a:t>) [</a:t>
+            </a:r>
+            <a:r>
+              <a:rPr lang="ko-KR" altLang="en-US" dirty="0"/>
+              <a:t>사용 스킬</a:t>
+            </a:r>
+            <a:r>
+              <a:rPr lang="en-US" altLang="ko-KR" dirty="0"/>
+              <a:t>]</a:t>
+            </a:r>
+            <a:r>
+              <a:rPr lang="ko-KR" altLang="en-US" dirty="0"/>
+              <a:t>을</a:t>
+            </a:r>
+            <a:r>
+              <a:rPr lang="en-US" altLang="ko-KR" dirty="0"/>
+              <a:t>(</a:t>
+            </a:r>
+            <a:r>
+              <a:rPr lang="ko-KR" altLang="en-US" dirty="0"/>
+              <a:t>를</a:t>
+            </a:r>
+            <a:r>
+              <a:rPr lang="en-US" altLang="ko-KR" dirty="0"/>
+              <a:t>) </a:t>
+            </a:r>
+            <a:r>
+              <a:rPr lang="ko-KR" altLang="en-US" dirty="0"/>
+              <a:t>사용하였다</a:t>
+            </a:r>
+            <a:r>
+              <a:rPr lang="en-US" altLang="ko-KR" dirty="0"/>
+              <a:t>!</a:t>
+            </a:r>
+          </a:p>
+          <a:p>
+            <a:r>
+              <a:rPr lang="en-US" altLang="ko-KR" dirty="0"/>
+              <a:t>[</a:t>
+            </a:r>
+            <a:r>
+              <a:rPr lang="ko-KR" altLang="en-US" dirty="0"/>
               <a:t>몬스터</a:t>
             </a:r>
             <a:r>
@@ -20899,6 +17402,73 @@
             </a:r>
             <a:r>
               <a:rPr lang="ko-KR" altLang="en-US" dirty="0"/>
+              <a:t>에게 </a:t>
+            </a:r>
+            <a:r>
+              <a:rPr lang="en-US" altLang="ko-KR" dirty="0"/>
+              <a:t>[</a:t>
+            </a:r>
+            <a:r>
+              <a:rPr lang="ko-KR" altLang="en-US" dirty="0"/>
+              <a:t>데미지</a:t>
+            </a:r>
+            <a:r>
+              <a:rPr lang="en-US" altLang="ko-KR" dirty="0"/>
+              <a:t>]</a:t>
+            </a:r>
+            <a:r>
+              <a:rPr lang="ko-KR" altLang="en-US" dirty="0"/>
+              <a:t>의 피해를 입혔다</a:t>
+            </a:r>
+            <a:r>
+              <a:rPr lang="en-US" altLang="ko-KR" dirty="0"/>
+              <a:t>.</a:t>
+            </a:r>
+          </a:p>
+        </p:txBody>
+      </p:sp>
+      <p:sp>
+        <p:nvSpPr>
+          <p:cNvPr id="17" name="TextBox 16">
+            <a:extLst>
+              <a:ext uri="{FF2B5EF4-FFF2-40B4-BE49-F238E27FC236}">
+                <a16:creationId xmlns:a16="http://schemas.microsoft.com/office/drawing/2014/main" id="{6CC93728-86BA-852A-C99B-18C2ADDB9F06}"/>
+              </a:ext>
+            </a:extLst>
+          </p:cNvPr>
+          <p:cNvSpPr txBox="1"/>
+          <p:nvPr/>
+        </p:nvSpPr>
+        <p:spPr>
+          <a:xfrm>
+            <a:off x="201961" y="4535650"/>
+            <a:ext cx="4881465" cy="646331"/>
+          </a:xfrm>
+          <a:prstGeom prst="rect">
+            <a:avLst/>
+          </a:prstGeom>
+          <a:noFill/>
+        </p:spPr>
+        <p:txBody>
+          <a:bodyPr wrap="none" rtlCol="0">
+            <a:spAutoFit/>
+          </a:bodyPr>
+          <a:lstStyle/>
+          <a:p>
+            <a:r>
+              <a:rPr lang="en-US" altLang="ko-KR" dirty="0"/>
+              <a:t>[</a:t>
+            </a:r>
+            <a:r>
+              <a:rPr lang="ko-KR" altLang="en-US" dirty="0"/>
+              <a:t>몬스터</a:t>
+            </a:r>
+            <a:r>
+              <a:rPr lang="en-US" altLang="ko-KR" dirty="0"/>
+              <a:t>1]</a:t>
+            </a:r>
+            <a:r>
+              <a:rPr lang="ko-KR" altLang="en-US" dirty="0"/>
               <a:t>이</a:t>
             </a:r>
             <a:r>
@@ -20984,6 +17554,35 @@
               <a:t>.</a:t>
             </a:r>
           </a:p>
+        </p:txBody>
+      </p:sp>
+      <p:sp>
+        <p:nvSpPr>
+          <p:cNvPr id="21" name="TextBox 20">
+            <a:extLst>
+              <a:ext uri="{FF2B5EF4-FFF2-40B4-BE49-F238E27FC236}">
+                <a16:creationId xmlns:a16="http://schemas.microsoft.com/office/drawing/2014/main" id="{1B0E0735-B165-4B18-2BD5-6268DF5265F8}"/>
+              </a:ext>
+            </a:extLst>
+          </p:cNvPr>
+          <p:cNvSpPr txBox="1"/>
+          <p:nvPr/>
+        </p:nvSpPr>
+        <p:spPr>
+          <a:xfrm>
+            <a:off x="201961" y="5248948"/>
+            <a:ext cx="4985660" cy="646331"/>
+          </a:xfrm>
+          <a:prstGeom prst="rect">
+            <a:avLst/>
+          </a:prstGeom>
+          <a:noFill/>
+        </p:spPr>
+        <p:txBody>
+          <a:bodyPr wrap="none" rtlCol="0">
+            <a:spAutoFit/>
+          </a:bodyPr>
+          <a:lstStyle/>
           <a:p>
             <a:r>
               <a:rPr lang="en-US" altLang="ko-KR" dirty="0"/>
@@ -20991,45 +17590,98 @@
             </a:r>
             <a:r>
               <a:rPr lang="ko-KR" altLang="en-US" dirty="0"/>
-              <a:t>플레이어가</a:t>
+              <a:t>플레이어</a:t>
             </a:r>
             <a:r>
               <a:rPr lang="en-US" altLang="ko-KR" dirty="0"/>
-              <a:t>] [</a:t>
+              <a:t>]</a:t>
             </a:r>
             <a:r>
               <a:rPr lang="ko-KR" altLang="en-US" dirty="0"/>
-              <a:t>효과</a:t>
+              <a:t>이</a:t>
             </a:r>
             <a:r>
               <a:rPr lang="en-US" altLang="ko-KR" dirty="0"/>
-              <a:t>1], [</a:t>
+              <a:t>(</a:t>
             </a:r>
             <a:r>
               <a:rPr lang="ko-KR" altLang="en-US" dirty="0"/>
-              <a:t>효과</a:t>
+              <a:t>가</a:t>
             </a:r>
             <a:r>
               <a:rPr lang="en-US" altLang="ko-KR" dirty="0"/>
-              <a:t>2], [</a:t>
+              <a:t>) [</a:t>
             </a:r>
             <a:r>
               <a:rPr lang="ko-KR" altLang="en-US" dirty="0"/>
-              <a:t>효과</a:t>
+              <a:t>사용 스킬</a:t>
             </a:r>
             <a:r>
               <a:rPr lang="en-US" altLang="ko-KR" dirty="0"/>
-              <a:t>3]</a:t>
+              <a:t>]</a:t>
             </a:r>
             <a:r>
               <a:rPr lang="ko-KR" altLang="en-US" dirty="0"/>
-              <a:t> 효과를 받았다</a:t>
+              <a:t>을</a:t>
+            </a:r>
+            <a:r>
+              <a:rPr lang="en-US" altLang="ko-KR" dirty="0"/>
+              <a:t>(</a:t>
+            </a:r>
+            <a:r>
+              <a:rPr lang="ko-KR" altLang="en-US" dirty="0"/>
+              <a:t>를</a:t>
+            </a:r>
+            <a:r>
+              <a:rPr lang="en-US" altLang="ko-KR" dirty="0"/>
+              <a:t>) </a:t>
+            </a:r>
+            <a:r>
+              <a:rPr lang="ko-KR" altLang="en-US" dirty="0"/>
+              <a:t>사용하였다</a:t>
+            </a:r>
+            <a:r>
+              <a:rPr lang="en-US" altLang="ko-KR" dirty="0"/>
+              <a:t>!</a:t>
+            </a:r>
+          </a:p>
+          <a:p>
+            <a:r>
+              <a:rPr lang="en-US" altLang="ko-KR" dirty="0"/>
+              <a:t>[</a:t>
+            </a:r>
+            <a:r>
+              <a:rPr lang="ko-KR" altLang="en-US" dirty="0"/>
+              <a:t>몬스터</a:t>
+            </a:r>
+            <a:r>
+              <a:rPr lang="en-US" altLang="ko-KR" dirty="0"/>
+              <a:t>1]</a:t>
+            </a:r>
+            <a:r>
+              <a:rPr lang="ko-KR" altLang="en-US" dirty="0"/>
+              <a:t>에게 </a:t>
+            </a:r>
+            <a:r>
+              <a:rPr lang="en-US" altLang="ko-KR" dirty="0"/>
+              <a:t>[</a:t>
+            </a:r>
+            <a:r>
+              <a:rPr lang="ko-KR" altLang="en-US" dirty="0"/>
+              <a:t>데미지</a:t>
+            </a:r>
+            <a:r>
+              <a:rPr lang="en-US" altLang="ko-KR" dirty="0"/>
+              <a:t>]</a:t>
+            </a:r>
+            <a:r>
+              <a:rPr lang="ko-KR" altLang="en-US" dirty="0"/>
+              <a:t>의 피해를 입혔다</a:t>
             </a:r>
             <a:r>
               <a:rPr lang="en-US" altLang="ko-KR" dirty="0"/>
               <a:t>.</a:t>
             </a:r>
-            <a:endParaRPr lang="ko-KR" altLang="en-US" dirty="0"/>
           </a:p>
         </p:txBody>
       </p:sp>

--- a/Documents/TextRPG_와이어프레임.pptx
+++ b/Documents/TextRPG_와이어프레임.pptx
@@ -5,19 +5,17 @@
     <p:sldMasterId id="2147483648" r:id="rId1"/>
   </p:sldMasterIdLst>
   <p:notesMasterIdLst>
-    <p:notesMasterId r:id="rId12"/>
+    <p:notesMasterId r:id="rId10"/>
   </p:notesMasterIdLst>
   <p:sldIdLst>
     <p:sldId id="261" r:id="rId2"/>
     <p:sldId id="260" r:id="rId3"/>
     <p:sldId id="259" r:id="rId4"/>
     <p:sldId id="272" r:id="rId5"/>
-    <p:sldId id="269" r:id="rId6"/>
-    <p:sldId id="270" r:id="rId7"/>
-    <p:sldId id="262" r:id="rId8"/>
-    <p:sldId id="258" r:id="rId9"/>
-    <p:sldId id="263" r:id="rId10"/>
-    <p:sldId id="264" r:id="rId11"/>
+    <p:sldId id="262" r:id="rId6"/>
+    <p:sldId id="258" r:id="rId7"/>
+    <p:sldId id="263" r:id="rId8"/>
+    <p:sldId id="264" r:id="rId9"/>
   </p:sldIdLst>
   <p:sldSz cx="12192000" cy="6858000"/>
   <p:notesSz cx="6858000" cy="9144000"/>
@@ -206,7 +204,7 @@
           <a:p>
             <a:fld id="{102E072E-BCF3-4762-BBF4-FE8C5F0CA22F}" type="datetimeFigureOut">
               <a:rPr lang="ko-KR" altLang="en-US" smtClean="0"/>
-              <a:t>2024-10-01</a:t>
+              <a:t>2024-10-02</a:t>
             </a:fld>
             <a:endParaRPr lang="ko-KR" altLang="en-US"/>
           </a:p>
@@ -900,34 +898,7 @@
           <a:bodyPr/>
           <a:lstStyle/>
           <a:p>
-            <a:r>
-              <a:rPr lang="ko-KR" altLang="en-US" dirty="0"/>
-              <a:t>상점</a:t>
-            </a:r>
-            <a:r>
-              <a:rPr lang="en-US" altLang="ko-KR" dirty="0"/>
-              <a:t>, </a:t>
-            </a:r>
-            <a:r>
-              <a:rPr lang="ko-KR" altLang="en-US" dirty="0"/>
-              <a:t>퀘스트 목록</a:t>
-            </a:r>
-            <a:r>
-              <a:rPr lang="en-US" altLang="ko-KR" dirty="0"/>
-              <a:t>, </a:t>
-            </a:r>
-            <a:r>
-              <a:rPr lang="ko-KR" altLang="en-US" dirty="0"/>
-              <a:t>던전의 </a:t>
-            </a:r>
-            <a:r>
-              <a:rPr lang="en-US" altLang="ko-KR" dirty="0"/>
-              <a:t>UI </a:t>
-            </a:r>
-            <a:r>
-              <a:rPr lang="ko-KR" altLang="en-US" dirty="0"/>
-              <a:t>와이어프레임</a:t>
-            </a:r>
+            <a:endParaRPr lang="ko-KR" altLang="en-US" dirty="0"/>
           </a:p>
         </p:txBody>
       </p:sp>
@@ -957,7 +928,7 @@
     </p:spTree>
     <p:extLst>
       <p:ext uri="{BB962C8B-B14F-4D97-AF65-F5344CB8AC3E}">
-        <p14:creationId xmlns:p14="http://schemas.microsoft.com/office/powerpoint/2010/main" val="1753471341"/>
+        <p14:creationId xmlns:p14="http://schemas.microsoft.com/office/powerpoint/2010/main" val="2761882669"/>
       </p:ext>
     </p:extLst>
   </p:cSld>
@@ -1011,9 +982,26 @@
           <a:bodyPr/>
           <a:lstStyle/>
           <a:p>
+            <a:pPr marL="0" marR="0" lvl="0" indent="0" algn="l" defTabSz="914400" rtl="0" eaLnBrk="1" fontAlgn="auto" latinLnBrk="1" hangingPunct="1">
+              <a:lnSpc>
+                <a:spcPct val="100000"/>
+              </a:lnSpc>
+              <a:spcBef>
+                <a:spcPts val="0"/>
+              </a:spcBef>
+              <a:spcAft>
+                <a:spcPts val="0"/>
+              </a:spcAft>
+              <a:buClrTx/>
+              <a:buSzTx/>
+              <a:buFontTx/>
+              <a:buNone/>
+              <a:tabLst/>
+              <a:defRPr/>
+            </a:pPr>
             <a:r>
               <a:rPr lang="ko-KR" altLang="en-US" dirty="0"/>
-              <a:t>보관함의 </a:t>
+              <a:t>전투 시의 </a:t>
             </a:r>
             <a:r>
               <a:rPr lang="en-US" altLang="ko-KR" dirty="0"/>
@@ -1021,8 +1009,21 @@
             </a:r>
             <a:r>
               <a:rPr lang="ko-KR" altLang="en-US" dirty="0"/>
-              <a:t>와이어프레임</a:t>
-            </a:r>
+              <a:t>와이어프레임 </a:t>
+            </a:r>
+            <a:r>
+              <a:rPr lang="en-US" altLang="ko-KR" dirty="0"/>
+              <a:t>[</a:t>
+            </a:r>
+            <a:r>
+              <a:rPr lang="ko-KR" altLang="en-US" dirty="0"/>
+              <a:t>아군 턴 행동 선택</a:t>
+            </a:r>
+            <a:r>
+              <a:rPr lang="en-US" altLang="ko-KR" dirty="0"/>
+              <a:t>]</a:t>
+            </a:r>
+            <a:endParaRPr lang="ko-KR" altLang="en-US" dirty="0"/>
           </a:p>
         </p:txBody>
       </p:sp>
@@ -1052,7 +1053,7 @@
     </p:spTree>
     <p:extLst>
       <p:ext uri="{BB962C8B-B14F-4D97-AF65-F5344CB8AC3E}">
-        <p14:creationId xmlns:p14="http://schemas.microsoft.com/office/powerpoint/2010/main" val="3852109997"/>
+        <p14:creationId xmlns:p14="http://schemas.microsoft.com/office/powerpoint/2010/main" val="2410484789"/>
       </p:ext>
     </p:extLst>
   </p:cSld>
@@ -1128,215 +1129,6 @@
             <a:fld id="{EE06C544-47EB-43C3-AE20-88893B510AE0}" type="slidenum">
               <a:rPr lang="ko-KR" altLang="en-US" smtClean="0"/>
               <a:t>7</a:t>
-            </a:fld>
-            <a:endParaRPr lang="ko-KR" altLang="en-US"/>
-          </a:p>
-        </p:txBody>
-      </p:sp>
-    </p:spTree>
-    <p:extLst>
-      <p:ext uri="{BB962C8B-B14F-4D97-AF65-F5344CB8AC3E}">
-        <p14:creationId xmlns:p14="http://schemas.microsoft.com/office/powerpoint/2010/main" val="2761882669"/>
-      </p:ext>
-    </p:extLst>
-  </p:cSld>
-  <p:clrMapOvr>
-    <a:masterClrMapping/>
-  </p:clrMapOvr>
-</p:notes>
-</file>
-
-<file path=ppt/notesSlides/notesSlide8.xml><?xml version="1.0" encoding="utf-8"?>
-<p:notes xmlns:a="http://schemas.openxmlformats.org/drawingml/2006/main" xmlns:r="http://schemas.openxmlformats.org/officeDocument/2006/relationships" xmlns:p="http://schemas.openxmlformats.org/presentationml/2006/main">
-  <p:cSld>
-    <p:spTree>
-      <p:nvGrpSpPr>
-        <p:cNvPr id="1" name=""/>
-        <p:cNvGrpSpPr/>
-        <p:nvPr/>
-      </p:nvGrpSpPr>
-      <p:grpSpPr>
-        <a:xfrm>
-          <a:off x="0" y="0"/>
-          <a:ext cx="0" cy="0"/>
-          <a:chOff x="0" y="0"/>
-          <a:chExt cx="0" cy="0"/>
-        </a:xfrm>
-      </p:grpSpPr>
-      <p:sp>
-        <p:nvSpPr>
-          <p:cNvPr id="2" name="슬라이드 이미지 개체 틀 1"/>
-          <p:cNvSpPr>
-            <a:spLocks noGrp="1" noRot="1" noChangeAspect="1"/>
-          </p:cNvSpPr>
-          <p:nvPr>
-            <p:ph type="sldImg"/>
-          </p:nvPr>
-        </p:nvSpPr>
-        <p:spPr/>
-      </p:sp>
-      <p:sp>
-        <p:nvSpPr>
-          <p:cNvPr id="3" name="슬라이드 노트 개체 틀 2"/>
-          <p:cNvSpPr>
-            <a:spLocks noGrp="1"/>
-          </p:cNvSpPr>
-          <p:nvPr>
-            <p:ph type="body" idx="1"/>
-          </p:nvPr>
-        </p:nvSpPr>
-        <p:spPr/>
-        <p:txBody>
-          <a:bodyPr/>
-          <a:lstStyle/>
-          <a:p>
-            <a:pPr marL="0" marR="0" lvl="0" indent="0" algn="l" defTabSz="914400" rtl="0" eaLnBrk="1" fontAlgn="auto" latinLnBrk="1" hangingPunct="1">
-              <a:lnSpc>
-                <a:spcPct val="100000"/>
-              </a:lnSpc>
-              <a:spcBef>
-                <a:spcPts val="0"/>
-              </a:spcBef>
-              <a:spcAft>
-                <a:spcPts val="0"/>
-              </a:spcAft>
-              <a:buClrTx/>
-              <a:buSzTx/>
-              <a:buFontTx/>
-              <a:buNone/>
-              <a:tabLst/>
-              <a:defRPr/>
-            </a:pPr>
-            <a:r>
-              <a:rPr lang="ko-KR" altLang="en-US" dirty="0"/>
-              <a:t>전투 시의 </a:t>
-            </a:r>
-            <a:r>
-              <a:rPr lang="en-US" altLang="ko-KR" dirty="0"/>
-              <a:t>UI </a:t>
-            </a:r>
-            <a:r>
-              <a:rPr lang="ko-KR" altLang="en-US" dirty="0"/>
-              <a:t>와이어프레임 </a:t>
-            </a:r>
-            <a:r>
-              <a:rPr lang="en-US" altLang="ko-KR" dirty="0"/>
-              <a:t>[</a:t>
-            </a:r>
-            <a:r>
-              <a:rPr lang="ko-KR" altLang="en-US" dirty="0"/>
-              <a:t>아군 턴 행동 선택</a:t>
-            </a:r>
-            <a:r>
-              <a:rPr lang="en-US" altLang="ko-KR" dirty="0"/>
-              <a:t>]</a:t>
-            </a:r>
-            <a:endParaRPr lang="ko-KR" altLang="en-US" dirty="0"/>
-          </a:p>
-        </p:txBody>
-      </p:sp>
-      <p:sp>
-        <p:nvSpPr>
-          <p:cNvPr id="4" name="슬라이드 번호 개체 틀 3"/>
-          <p:cNvSpPr>
-            <a:spLocks noGrp="1"/>
-          </p:cNvSpPr>
-          <p:nvPr>
-            <p:ph type="sldNum" sz="quarter" idx="5"/>
-          </p:nvPr>
-        </p:nvSpPr>
-        <p:spPr/>
-        <p:txBody>
-          <a:bodyPr/>
-          <a:lstStyle/>
-          <a:p>
-            <a:fld id="{EE06C544-47EB-43C3-AE20-88893B510AE0}" type="slidenum">
-              <a:rPr lang="ko-KR" altLang="en-US" smtClean="0"/>
-              <a:t>8</a:t>
-            </a:fld>
-            <a:endParaRPr lang="ko-KR" altLang="en-US"/>
-          </a:p>
-        </p:txBody>
-      </p:sp>
-    </p:spTree>
-    <p:extLst>
-      <p:ext uri="{BB962C8B-B14F-4D97-AF65-F5344CB8AC3E}">
-        <p14:creationId xmlns:p14="http://schemas.microsoft.com/office/powerpoint/2010/main" val="2410484789"/>
-      </p:ext>
-    </p:extLst>
-  </p:cSld>
-  <p:clrMapOvr>
-    <a:masterClrMapping/>
-  </p:clrMapOvr>
-</p:notes>
-</file>
-
-<file path=ppt/notesSlides/notesSlide9.xml><?xml version="1.0" encoding="utf-8"?>
-<p:notes xmlns:a="http://schemas.openxmlformats.org/drawingml/2006/main" xmlns:r="http://schemas.openxmlformats.org/officeDocument/2006/relationships" xmlns:p="http://schemas.openxmlformats.org/presentationml/2006/main">
-  <p:cSld>
-    <p:spTree>
-      <p:nvGrpSpPr>
-        <p:cNvPr id="1" name=""/>
-        <p:cNvGrpSpPr/>
-        <p:nvPr/>
-      </p:nvGrpSpPr>
-      <p:grpSpPr>
-        <a:xfrm>
-          <a:off x="0" y="0"/>
-          <a:ext cx="0" cy="0"/>
-          <a:chOff x="0" y="0"/>
-          <a:chExt cx="0" cy="0"/>
-        </a:xfrm>
-      </p:grpSpPr>
-      <p:sp>
-        <p:nvSpPr>
-          <p:cNvPr id="2" name="슬라이드 이미지 개체 틀 1"/>
-          <p:cNvSpPr>
-            <a:spLocks noGrp="1" noRot="1" noChangeAspect="1"/>
-          </p:cNvSpPr>
-          <p:nvPr>
-            <p:ph type="sldImg"/>
-          </p:nvPr>
-        </p:nvSpPr>
-        <p:spPr/>
-      </p:sp>
-      <p:sp>
-        <p:nvSpPr>
-          <p:cNvPr id="3" name="슬라이드 노트 개체 틀 2"/>
-          <p:cNvSpPr>
-            <a:spLocks noGrp="1"/>
-          </p:cNvSpPr>
-          <p:nvPr>
-            <p:ph type="body" idx="1"/>
-          </p:nvPr>
-        </p:nvSpPr>
-        <p:spPr/>
-        <p:txBody>
-          <a:bodyPr/>
-          <a:lstStyle/>
-          <a:p>
-            <a:endParaRPr lang="ko-KR" altLang="en-US" dirty="0"/>
-          </a:p>
-        </p:txBody>
-      </p:sp>
-      <p:sp>
-        <p:nvSpPr>
-          <p:cNvPr id="4" name="슬라이드 번호 개체 틀 3"/>
-          <p:cNvSpPr>
-            <a:spLocks noGrp="1"/>
-          </p:cNvSpPr>
-          <p:nvPr>
-            <p:ph type="sldNum" sz="quarter" idx="5"/>
-          </p:nvPr>
-        </p:nvSpPr>
-        <p:spPr/>
-        <p:txBody>
-          <a:bodyPr/>
-          <a:lstStyle/>
-          <a:p>
-            <a:fld id="{EE06C544-47EB-43C3-AE20-88893B510AE0}" type="slidenum">
-              <a:rPr lang="ko-KR" altLang="en-US" smtClean="0"/>
-              <a:t>9</a:t>
             </a:fld>
             <a:endParaRPr lang="ko-KR" altLang="en-US"/>
           </a:p>
@@ -1502,7 +1294,7 @@
           <a:p>
             <a:fld id="{F30C66EB-5EC5-42D4-833D-B3D8B52983C7}" type="datetimeFigureOut">
               <a:rPr lang="ko-KR" altLang="en-US" smtClean="0"/>
-              <a:t>2024-10-01</a:t>
+              <a:t>2024-10-02</a:t>
             </a:fld>
             <a:endParaRPr lang="ko-KR" altLang="en-US"/>
           </a:p>
@@ -1700,7 +1492,7 @@
           <a:p>
             <a:fld id="{F30C66EB-5EC5-42D4-833D-B3D8B52983C7}" type="datetimeFigureOut">
               <a:rPr lang="ko-KR" altLang="en-US" smtClean="0"/>
-              <a:t>2024-10-01</a:t>
+              <a:t>2024-10-02</a:t>
             </a:fld>
             <a:endParaRPr lang="ko-KR" altLang="en-US"/>
           </a:p>
@@ -1908,7 +1700,7 @@
           <a:p>
             <a:fld id="{F30C66EB-5EC5-42D4-833D-B3D8B52983C7}" type="datetimeFigureOut">
               <a:rPr lang="ko-KR" altLang="en-US" smtClean="0"/>
-              <a:t>2024-10-01</a:t>
+              <a:t>2024-10-02</a:t>
             </a:fld>
             <a:endParaRPr lang="ko-KR" altLang="en-US"/>
           </a:p>
@@ -2106,7 +1898,7 @@
           <a:p>
             <a:fld id="{F30C66EB-5EC5-42D4-833D-B3D8B52983C7}" type="datetimeFigureOut">
               <a:rPr lang="ko-KR" altLang="en-US" smtClean="0"/>
-              <a:t>2024-10-01</a:t>
+              <a:t>2024-10-02</a:t>
             </a:fld>
             <a:endParaRPr lang="ko-KR" altLang="en-US"/>
           </a:p>
@@ -2381,7 +2173,7 @@
           <a:p>
             <a:fld id="{F30C66EB-5EC5-42D4-833D-B3D8B52983C7}" type="datetimeFigureOut">
               <a:rPr lang="ko-KR" altLang="en-US" smtClean="0"/>
-              <a:t>2024-10-01</a:t>
+              <a:t>2024-10-02</a:t>
             </a:fld>
             <a:endParaRPr lang="ko-KR" altLang="en-US"/>
           </a:p>
@@ -2646,7 +2438,7 @@
           <a:p>
             <a:fld id="{F30C66EB-5EC5-42D4-833D-B3D8B52983C7}" type="datetimeFigureOut">
               <a:rPr lang="ko-KR" altLang="en-US" smtClean="0"/>
-              <a:t>2024-10-01</a:t>
+              <a:t>2024-10-02</a:t>
             </a:fld>
             <a:endParaRPr lang="ko-KR" altLang="en-US"/>
           </a:p>
@@ -3058,7 +2850,7 @@
           <a:p>
             <a:fld id="{F30C66EB-5EC5-42D4-833D-B3D8B52983C7}" type="datetimeFigureOut">
               <a:rPr lang="ko-KR" altLang="en-US" smtClean="0"/>
-              <a:t>2024-10-01</a:t>
+              <a:t>2024-10-02</a:t>
             </a:fld>
             <a:endParaRPr lang="ko-KR" altLang="en-US"/>
           </a:p>
@@ -3199,7 +2991,7 @@
           <a:p>
             <a:fld id="{F30C66EB-5EC5-42D4-833D-B3D8B52983C7}" type="datetimeFigureOut">
               <a:rPr lang="ko-KR" altLang="en-US" smtClean="0"/>
-              <a:t>2024-10-01</a:t>
+              <a:t>2024-10-02</a:t>
             </a:fld>
             <a:endParaRPr lang="ko-KR" altLang="en-US"/>
           </a:p>
@@ -3312,7 +3104,7 @@
           <a:p>
             <a:fld id="{F30C66EB-5EC5-42D4-833D-B3D8B52983C7}" type="datetimeFigureOut">
               <a:rPr lang="ko-KR" altLang="en-US" smtClean="0"/>
-              <a:t>2024-10-01</a:t>
+              <a:t>2024-10-02</a:t>
             </a:fld>
             <a:endParaRPr lang="ko-KR" altLang="en-US"/>
           </a:p>
@@ -3623,7 +3415,7 @@
           <a:p>
             <a:fld id="{F30C66EB-5EC5-42D4-833D-B3D8B52983C7}" type="datetimeFigureOut">
               <a:rPr lang="ko-KR" altLang="en-US" smtClean="0"/>
-              <a:t>2024-10-01</a:t>
+              <a:t>2024-10-02</a:t>
             </a:fld>
             <a:endParaRPr lang="ko-KR" altLang="en-US"/>
           </a:p>
@@ -3911,7 +3703,7 @@
           <a:p>
             <a:fld id="{F30C66EB-5EC5-42D4-833D-B3D8B52983C7}" type="datetimeFigureOut">
               <a:rPr lang="ko-KR" altLang="en-US" smtClean="0"/>
-              <a:t>2024-10-01</a:t>
+              <a:t>2024-10-02</a:t>
             </a:fld>
             <a:endParaRPr lang="ko-KR" altLang="en-US"/>
           </a:p>
@@ -4155,7 +3947,7 @@
           <a:p>
             <a:fld id="{F30C66EB-5EC5-42D4-833D-B3D8B52983C7}" type="datetimeFigureOut">
               <a:rPr lang="ko-KR" altLang="en-US" smtClean="0"/>
-              <a:t>2024-10-01</a:t>
+              <a:t>2024-10-02</a:t>
             </a:fld>
             <a:endParaRPr lang="ko-KR" altLang="en-US"/>
           </a:p>
@@ -4582,24 +4374,24 @@
       </p:grpSpPr>
       <p:cxnSp>
         <p:nvCxnSpPr>
-          <p:cNvPr id="21" name="직선 화살표 연결선 20">
-            <a:extLst>
-              <a:ext uri="{FF2B5EF4-FFF2-40B4-BE49-F238E27FC236}">
-                <a16:creationId xmlns:a16="http://schemas.microsoft.com/office/drawing/2014/main" id="{60D61D32-4935-A678-27AA-880C78918A54}"/>
+          <p:cNvPr id="26" name="직선 화살표 연결선 25">
+            <a:extLst>
+              <a:ext uri="{FF2B5EF4-FFF2-40B4-BE49-F238E27FC236}">
+                <a16:creationId xmlns:a16="http://schemas.microsoft.com/office/drawing/2014/main" id="{8419D3D6-276D-79A5-91DD-18F9E72740F8}"/>
               </a:ext>
             </a:extLst>
           </p:cNvPr>
           <p:cNvCxnSpPr>
             <a:cxnSpLocks/>
             <a:stCxn id="4" idx="2"/>
-            <a:endCxn id="8" idx="0"/>
+            <a:endCxn id="25" idx="0"/>
           </p:cNvCxnSpPr>
           <p:nvPr/>
         </p:nvCxnSpPr>
         <p:spPr>
           <a:xfrm>
-            <a:off x="7394658" y="1809176"/>
-            <a:ext cx="0" cy="360121"/>
+            <a:off x="7394658" y="2861264"/>
+            <a:ext cx="0" cy="378294"/>
           </a:xfrm>
           <a:prstGeom prst="straightConnector1">
             <a:avLst/>
@@ -4631,55 +4423,6 @@
       </p:cxnSp>
       <p:cxnSp>
         <p:nvCxnSpPr>
-          <p:cNvPr id="26" name="직선 화살표 연결선 25">
-            <a:extLst>
-              <a:ext uri="{FF2B5EF4-FFF2-40B4-BE49-F238E27FC236}">
-                <a16:creationId xmlns:a16="http://schemas.microsoft.com/office/drawing/2014/main" id="{8419D3D6-276D-79A5-91DD-18F9E72740F8}"/>
-              </a:ext>
-            </a:extLst>
-          </p:cNvPr>
-          <p:cNvCxnSpPr>
-            <a:cxnSpLocks/>
-            <a:stCxn id="8" idx="2"/>
-            <a:endCxn id="25" idx="0"/>
-          </p:cNvCxnSpPr>
-          <p:nvPr/>
-        </p:nvCxnSpPr>
-        <p:spPr>
-          <a:xfrm>
-            <a:off x="7394658" y="2778897"/>
-            <a:ext cx="0" cy="460661"/>
-          </a:xfrm>
-          <a:prstGeom prst="straightConnector1">
-            <a:avLst/>
-          </a:prstGeom>
-          <a:ln w="38100">
-            <a:solidFill>
-              <a:schemeClr val="accent4">
-                <a:lumMod val="60000"/>
-                <a:lumOff val="40000"/>
-              </a:schemeClr>
-            </a:solidFill>
-            <a:tailEnd type="triangle"/>
-          </a:ln>
-        </p:spPr>
-        <p:style>
-          <a:lnRef idx="2">
-            <a:schemeClr val="accent1"/>
-          </a:lnRef>
-          <a:fillRef idx="0">
-            <a:schemeClr val="accent1"/>
-          </a:fillRef>
-          <a:effectRef idx="1">
-            <a:schemeClr val="accent1"/>
-          </a:effectRef>
-          <a:fontRef idx="minor">
-            <a:schemeClr val="tx1"/>
-          </a:fontRef>
-        </p:style>
-      </p:cxnSp>
-      <p:cxnSp>
-        <p:nvCxnSpPr>
           <p:cNvPr id="48" name="연결선: 꺾임 47">
             <a:extLst>
               <a:ext uri="{FF2B5EF4-FFF2-40B4-BE49-F238E27FC236}">
@@ -4696,12 +4439,12 @@
         </p:nvCxnSpPr>
         <p:spPr>
           <a:xfrm rot="16200000" flipH="1">
-            <a:off x="4179491" y="-2015592"/>
+            <a:off x="4179491" y="-963504"/>
             <a:ext cx="346317" cy="6084017"/>
           </a:xfrm>
           <a:prstGeom prst="bentConnector3">
             <a:avLst>
-              <a:gd name="adj1" fmla="val 34543"/>
+              <a:gd name="adj1" fmla="val 50000"/>
             </a:avLst>
           </a:prstGeom>
           <a:ln w="38100">
@@ -4746,12 +4489,12 @@
         </p:nvCxnSpPr>
         <p:spPr>
           <a:xfrm rot="16200000" flipH="1">
-            <a:off x="6018636" y="-3854737"/>
+            <a:off x="6018636" y="-2802649"/>
             <a:ext cx="346317" cy="9762307"/>
           </a:xfrm>
           <a:prstGeom prst="bentConnector3">
             <a:avLst>
-              <a:gd name="adj1" fmla="val 34469"/>
+              <a:gd name="adj1" fmla="val 50000"/>
             </a:avLst>
           </a:prstGeom>
           <a:ln w="38100">
@@ -4780,24 +4523,24 @@
       </p:cxnSp>
       <p:cxnSp>
         <p:nvCxnSpPr>
-          <p:cNvPr id="64" name="직선 화살표 연결선 63">
-            <a:extLst>
-              <a:ext uri="{FF2B5EF4-FFF2-40B4-BE49-F238E27FC236}">
-                <a16:creationId xmlns:a16="http://schemas.microsoft.com/office/drawing/2014/main" id="{E121D889-D7CD-2E7C-E0EB-FAB565F5BD3D}"/>
+          <p:cNvPr id="65" name="직선 화살표 연결선 64">
+            <a:extLst>
+              <a:ext uri="{FF2B5EF4-FFF2-40B4-BE49-F238E27FC236}">
+                <a16:creationId xmlns:a16="http://schemas.microsoft.com/office/drawing/2014/main" id="{69E6A09C-B0FC-AB03-446F-E7647AF9562B}"/>
               </a:ext>
             </a:extLst>
           </p:cNvPr>
           <p:cNvCxnSpPr>
             <a:cxnSpLocks/>
-            <a:stCxn id="3" idx="2"/>
-            <a:endCxn id="7" idx="0"/>
+            <a:stCxn id="43" idx="2"/>
+            <a:endCxn id="46" idx="0"/>
           </p:cNvCxnSpPr>
           <p:nvPr/>
         </p:nvCxnSpPr>
         <p:spPr>
           <a:xfrm>
-            <a:off x="1310641" y="1809176"/>
-            <a:ext cx="0" cy="360121"/>
+            <a:off x="5399843" y="3849159"/>
+            <a:ext cx="0" cy="1608394"/>
           </a:xfrm>
           <a:prstGeom prst="straightConnector1">
             <a:avLst/>
@@ -4827,55 +4570,6 @@
           </a:fontRef>
         </p:style>
       </p:cxnSp>
-      <p:cxnSp>
-        <p:nvCxnSpPr>
-          <p:cNvPr id="65" name="직선 화살표 연결선 64">
-            <a:extLst>
-              <a:ext uri="{FF2B5EF4-FFF2-40B4-BE49-F238E27FC236}">
-                <a16:creationId xmlns:a16="http://schemas.microsoft.com/office/drawing/2014/main" id="{69E6A09C-B0FC-AB03-446F-E7647AF9562B}"/>
-              </a:ext>
-            </a:extLst>
-          </p:cNvPr>
-          <p:cNvCxnSpPr>
-            <a:cxnSpLocks/>
-            <a:stCxn id="43" idx="2"/>
-            <a:endCxn id="46" idx="0"/>
-          </p:cNvCxnSpPr>
-          <p:nvPr/>
-        </p:nvCxnSpPr>
-        <p:spPr>
-          <a:xfrm>
-            <a:off x="5399843" y="3849159"/>
-            <a:ext cx="0" cy="1608394"/>
-          </a:xfrm>
-          <a:prstGeom prst="straightConnector1">
-            <a:avLst/>
-          </a:prstGeom>
-          <a:ln w="38100">
-            <a:solidFill>
-              <a:schemeClr val="accent5">
-                <a:lumMod val="40000"/>
-                <a:lumOff val="60000"/>
-              </a:schemeClr>
-            </a:solidFill>
-            <a:tailEnd type="triangle"/>
-          </a:ln>
-        </p:spPr>
-        <p:style>
-          <a:lnRef idx="2">
-            <a:schemeClr val="accent1"/>
-          </a:lnRef>
-          <a:fillRef idx="0">
-            <a:schemeClr val="accent1"/>
-          </a:fillRef>
-          <a:effectRef idx="1">
-            <a:schemeClr val="accent1"/>
-          </a:effectRef>
-          <a:fontRef idx="minor">
-            <a:schemeClr val="tx1"/>
-          </a:fontRef>
-        </p:style>
-      </p:cxnSp>
       <p:sp>
         <p:nvSpPr>
           <p:cNvPr id="2" name="직사각형 1">
@@ -4890,7 +4584,7 @@
         </p:nvSpPr>
         <p:spPr>
           <a:xfrm>
-            <a:off x="548641" y="243659"/>
+            <a:off x="548641" y="1295747"/>
             <a:ext cx="1524000" cy="609600"/>
           </a:xfrm>
           <a:prstGeom prst="rect">
@@ -4948,7 +4642,7 @@
         </p:nvSpPr>
         <p:spPr>
           <a:xfrm>
-            <a:off x="548641" y="1199576"/>
+            <a:off x="548641" y="2251664"/>
             <a:ext cx="1524000" cy="609600"/>
           </a:xfrm>
           <a:prstGeom prst="rect">
@@ -5006,7 +4700,7 @@
         </p:nvSpPr>
         <p:spPr>
           <a:xfrm>
-            <a:off x="6632658" y="1199576"/>
+            <a:off x="6632658" y="2251664"/>
             <a:ext cx="1524000" cy="609600"/>
           </a:xfrm>
           <a:prstGeom prst="rect">
@@ -5064,7 +4758,7 @@
         </p:nvSpPr>
         <p:spPr>
           <a:xfrm>
-            <a:off x="10310948" y="1199576"/>
+            <a:off x="10310948" y="2251664"/>
             <a:ext cx="1524000" cy="609600"/>
           </a:xfrm>
           <a:prstGeom prst="rect">
@@ -5104,124 +4798,6 @@
                 </a:solidFill>
               </a:rPr>
               <a:t>종  료</a:t>
-            </a:r>
-          </a:p>
-        </p:txBody>
-      </p:sp>
-      <p:sp>
-        <p:nvSpPr>
-          <p:cNvPr id="7" name="직사각형 6">
-            <a:extLst>
-              <a:ext uri="{FF2B5EF4-FFF2-40B4-BE49-F238E27FC236}">
-                <a16:creationId xmlns:a16="http://schemas.microsoft.com/office/drawing/2014/main" id="{6EFD9CFE-9B73-AFAD-FDCA-900CD4EE5F20}"/>
-              </a:ext>
-            </a:extLst>
-          </p:cNvPr>
-          <p:cNvSpPr/>
-          <p:nvPr/>
-        </p:nvSpPr>
-        <p:spPr>
-          <a:xfrm>
-            <a:off x="548641" y="2169297"/>
-            <a:ext cx="1524000" cy="609600"/>
-          </a:xfrm>
-          <a:prstGeom prst="rect">
-            <a:avLst/>
-          </a:prstGeom>
-          <a:solidFill>
-            <a:schemeClr val="accent1">
-              <a:lumMod val="20000"/>
-              <a:lumOff val="80000"/>
-            </a:schemeClr>
-          </a:solidFill>
-        </p:spPr>
-        <p:style>
-          <a:lnRef idx="2">
-            <a:schemeClr val="accent1">
-              <a:shade val="15000"/>
-            </a:schemeClr>
-          </a:lnRef>
-          <a:fillRef idx="1">
-            <a:schemeClr val="accent1"/>
-          </a:fillRef>
-          <a:effectRef idx="0">
-            <a:schemeClr val="accent1"/>
-          </a:effectRef>
-          <a:fontRef idx="minor">
-            <a:schemeClr val="lt1"/>
-          </a:fontRef>
-        </p:style>
-        <p:txBody>
-          <a:bodyPr rtlCol="0" anchor="ctr"/>
-          <a:lstStyle/>
-          <a:p>
-            <a:pPr algn="ctr"/>
-            <a:r>
-              <a:rPr lang="ko-KR" altLang="en-US" dirty="0">
-                <a:solidFill>
-                  <a:schemeClr val="tx1"/>
-                </a:solidFill>
-              </a:rPr>
-              <a:t>세이브 슬롯 선택</a:t>
-            </a:r>
-          </a:p>
-        </p:txBody>
-      </p:sp>
-      <p:sp>
-        <p:nvSpPr>
-          <p:cNvPr id="8" name="직사각형 7">
-            <a:extLst>
-              <a:ext uri="{FF2B5EF4-FFF2-40B4-BE49-F238E27FC236}">
-                <a16:creationId xmlns:a16="http://schemas.microsoft.com/office/drawing/2014/main" id="{0FA15C28-43D1-BAE3-2691-5973E91788E6}"/>
-              </a:ext>
-            </a:extLst>
-          </p:cNvPr>
-          <p:cNvSpPr/>
-          <p:nvPr/>
-        </p:nvSpPr>
-        <p:spPr>
-          <a:xfrm>
-            <a:off x="6632658" y="2169297"/>
-            <a:ext cx="1524000" cy="609600"/>
-          </a:xfrm>
-          <a:prstGeom prst="rect">
-            <a:avLst/>
-          </a:prstGeom>
-          <a:solidFill>
-            <a:schemeClr val="accent1">
-              <a:lumMod val="20000"/>
-              <a:lumOff val="80000"/>
-            </a:schemeClr>
-          </a:solidFill>
-        </p:spPr>
-        <p:style>
-          <a:lnRef idx="2">
-            <a:schemeClr val="accent1">
-              <a:shade val="15000"/>
-            </a:schemeClr>
-          </a:lnRef>
-          <a:fillRef idx="1">
-            <a:schemeClr val="accent1"/>
-          </a:fillRef>
-          <a:effectRef idx="0">
-            <a:schemeClr val="accent1"/>
-          </a:effectRef>
-          <a:fontRef idx="minor">
-            <a:schemeClr val="lt1"/>
-          </a:fontRef>
-        </p:style>
-        <p:txBody>
-          <a:bodyPr rtlCol="0" anchor="ctr"/>
-          <a:lstStyle/>
-          <a:p>
-            <a:pPr algn="ctr"/>
-            <a:r>
-              <a:rPr lang="ko-KR" altLang="en-US" dirty="0">
-                <a:solidFill>
-                  <a:schemeClr val="tx1"/>
-                </a:solidFill>
-              </a:rPr>
-              <a:t>세이브 선택</a:t>
             </a:r>
           </a:p>
         </p:txBody>
@@ -5299,7 +4875,7 @@
         </p:nvSpPr>
         <p:spPr>
           <a:xfrm>
-            <a:off x="10310948" y="2206981"/>
+            <a:off x="10310948" y="3259069"/>
             <a:ext cx="1524000" cy="609600"/>
           </a:xfrm>
           <a:prstGeom prst="rect">
@@ -5596,15 +5172,15 @@
           </p:cNvPr>
           <p:cNvCxnSpPr>
             <a:cxnSpLocks/>
-            <a:stCxn id="7" idx="2"/>
+            <a:stCxn id="3" idx="2"/>
             <a:endCxn id="43" idx="0"/>
           </p:cNvCxnSpPr>
           <p:nvPr/>
         </p:nvCxnSpPr>
         <p:spPr>
           <a:xfrm rot="16200000" flipH="1">
-            <a:off x="3124911" y="964627"/>
-            <a:ext cx="460662" cy="4089202"/>
+            <a:off x="3166095" y="1005810"/>
+            <a:ext cx="378295" cy="4089202"/>
           </a:xfrm>
           <a:prstGeom prst="bentConnector3">
             <a:avLst>
@@ -5698,15 +5274,15 @@
           </p:cNvPr>
           <p:cNvCxnSpPr>
             <a:cxnSpLocks/>
-            <a:stCxn id="7" idx="2"/>
+            <a:stCxn id="3" idx="2"/>
             <a:endCxn id="34" idx="0"/>
           </p:cNvCxnSpPr>
           <p:nvPr/>
         </p:nvCxnSpPr>
         <p:spPr>
           <a:xfrm>
-            <a:off x="1310641" y="2778897"/>
-            <a:ext cx="0" cy="460662"/>
+            <a:off x="1310641" y="2861264"/>
+            <a:ext cx="0" cy="378295"/>
           </a:xfrm>
           <a:prstGeom prst="straightConnector1">
             <a:avLst/>
@@ -5747,15 +5323,15 @@
           </p:cNvPr>
           <p:cNvCxnSpPr>
             <a:cxnSpLocks/>
-            <a:stCxn id="8" idx="2"/>
+            <a:stCxn id="4" idx="2"/>
             <a:endCxn id="9" idx="0"/>
           </p:cNvCxnSpPr>
           <p:nvPr/>
         </p:nvCxnSpPr>
         <p:spPr>
           <a:xfrm rot="16200000" flipH="1">
-            <a:off x="8028553" y="2145002"/>
-            <a:ext cx="460662" cy="1728452"/>
+            <a:off x="8069737" y="2186185"/>
+            <a:ext cx="378295" cy="1728452"/>
           </a:xfrm>
           <a:prstGeom prst="bentConnector3">
             <a:avLst>
@@ -5796,20 +5372,19 @@
           <p:cNvCxnSpPr>
             <a:cxnSpLocks/>
             <a:stCxn id="9" idx="2"/>
-            <a:endCxn id="8" idx="0"/>
+            <a:endCxn id="2" idx="3"/>
           </p:cNvCxnSpPr>
           <p:nvPr/>
         </p:nvCxnSpPr>
         <p:spPr>
           <a:xfrm rot="5400000" flipH="1">
-            <a:off x="7418953" y="2145002"/>
-            <a:ext cx="1679862" cy="1728452"/>
-          </a:xfrm>
-          <a:prstGeom prst="bentConnector5">
+            <a:off x="4473570" y="-800381"/>
+            <a:ext cx="2248612" cy="7050469"/>
+          </a:xfrm>
+          <a:prstGeom prst="bentConnector4">
             <a:avLst>
-              <a:gd name="adj1" fmla="val -13608"/>
-              <a:gd name="adj2" fmla="val -61511"/>
-              <a:gd name="adj3" fmla="val 113608"/>
+              <a:gd name="adj1" fmla="val -23334"/>
+              <a:gd name="adj2" fmla="val -41681"/>
             </a:avLst>
           </a:prstGeom>
           <a:ln w="38100">
@@ -6490,7 +6065,7 @@
         </p:nvCxnSpPr>
         <p:spPr>
           <a:xfrm>
-            <a:off x="1310641" y="853259"/>
+            <a:off x="1310641" y="1905347"/>
             <a:ext cx="0" cy="346317"/>
           </a:xfrm>
           <a:prstGeom prst="straightConnector1">
@@ -6713,20 +6288,19 @@
           <p:cNvCxnSpPr>
             <a:cxnSpLocks/>
             <a:stCxn id="27" idx="2"/>
-            <a:endCxn id="7" idx="0"/>
+            <a:endCxn id="2" idx="1"/>
           </p:cNvCxnSpPr>
           <p:nvPr/>
         </p:nvCxnSpPr>
         <p:spPr>
           <a:xfrm rot="5400000" flipH="1">
-            <a:off x="-113852" y="3593790"/>
-            <a:ext cx="2848985" cy="12700"/>
-          </a:xfrm>
-          <a:prstGeom prst="bentConnector5">
+            <a:off x="-779227" y="2928415"/>
+            <a:ext cx="3417735" cy="762000"/>
+          </a:xfrm>
+          <a:prstGeom prst="bentConnector4">
             <a:avLst>
-              <a:gd name="adj1" fmla="val -8024"/>
-              <a:gd name="adj2" fmla="val 7800000"/>
-              <a:gd name="adj3" fmla="val 108024"/>
+              <a:gd name="adj1" fmla="val -6689"/>
+              <a:gd name="adj2" fmla="val 130000"/>
             </a:avLst>
           </a:prstGeom>
           <a:ln w="38100">
@@ -6772,7 +6346,7 @@
         </p:nvCxnSpPr>
         <p:spPr>
           <a:xfrm>
-            <a:off x="11072948" y="1809176"/>
+            <a:off x="11072948" y="2861264"/>
             <a:ext cx="0" cy="397805"/>
           </a:xfrm>
           <a:prstGeom prst="straightConnector1">
@@ -7286,258 +6860,6 @@
     <p:extLst>
       <p:ext uri="{BB962C8B-B14F-4D97-AF65-F5344CB8AC3E}">
         <p14:creationId xmlns:p14="http://schemas.microsoft.com/office/powerpoint/2010/main" val="1559355072"/>
-      </p:ext>
-    </p:extLst>
-  </p:cSld>
-  <p:clrMapOvr>
-    <a:masterClrMapping/>
-  </p:clrMapOvr>
-</p:sld>
-</file>
-
-<file path=ppt/slides/slide10.xml><?xml version="1.0" encoding="utf-8"?>
-<p:sld xmlns:a="http://schemas.openxmlformats.org/drawingml/2006/main" xmlns:r="http://schemas.openxmlformats.org/officeDocument/2006/relationships" xmlns:p="http://schemas.openxmlformats.org/presentationml/2006/main">
-  <p:cSld>
-    <p:bg>
-      <p:bgPr>
-        <a:solidFill>
-          <a:schemeClr val="bg1"/>
-        </a:solidFill>
-        <a:effectLst/>
-      </p:bgPr>
-    </p:bg>
-    <p:spTree>
-      <p:nvGrpSpPr>
-        <p:cNvPr id="1" name=""/>
-        <p:cNvGrpSpPr/>
-        <p:nvPr/>
-      </p:nvGrpSpPr>
-      <p:grpSpPr>
-        <a:xfrm>
-          <a:off x="0" y="0"/>
-          <a:ext cx="0" cy="0"/>
-          <a:chOff x="0" y="0"/>
-          <a:chExt cx="0" cy="0"/>
-        </a:xfrm>
-      </p:grpSpPr>
-      <p:sp>
-        <p:nvSpPr>
-          <p:cNvPr id="2" name="TextBox 1">
-            <a:extLst>
-              <a:ext uri="{FF2B5EF4-FFF2-40B4-BE49-F238E27FC236}">
-                <a16:creationId xmlns:a16="http://schemas.microsoft.com/office/drawing/2014/main" id="{3D8234D3-76BA-40E8-B674-7CA9A597111B}"/>
-              </a:ext>
-            </a:extLst>
-          </p:cNvPr>
-          <p:cNvSpPr txBox="1"/>
-          <p:nvPr/>
-        </p:nvSpPr>
-        <p:spPr>
-          <a:xfrm>
-            <a:off x="528918" y="528918"/>
-            <a:ext cx="1189749" cy="369332"/>
-          </a:xfrm>
-          <a:prstGeom prst="rect">
-            <a:avLst/>
-          </a:prstGeom>
-          <a:noFill/>
-        </p:spPr>
-        <p:txBody>
-          <a:bodyPr wrap="none" rtlCol="0">
-            <a:spAutoFit/>
-          </a:bodyPr>
-          <a:lstStyle/>
-          <a:p>
-            <a:r>
-              <a:rPr lang="ko-KR" altLang="en-US" dirty="0"/>
-              <a:t>게임 컨셉</a:t>
-            </a:r>
-          </a:p>
-        </p:txBody>
-      </p:sp>
-      <p:sp>
-        <p:nvSpPr>
-          <p:cNvPr id="3" name="TextBox 2">
-            <a:extLst>
-              <a:ext uri="{FF2B5EF4-FFF2-40B4-BE49-F238E27FC236}">
-                <a16:creationId xmlns:a16="http://schemas.microsoft.com/office/drawing/2014/main" id="{9B6989C5-A48C-D71D-0A85-E8852031CAFA}"/>
-              </a:ext>
-            </a:extLst>
-          </p:cNvPr>
-          <p:cNvSpPr txBox="1"/>
-          <p:nvPr/>
-        </p:nvSpPr>
-        <p:spPr>
-          <a:xfrm>
-            <a:off x="1195509" y="1747545"/>
-            <a:ext cx="8593949" cy="1682961"/>
-          </a:xfrm>
-          <a:prstGeom prst="rect">
-            <a:avLst/>
-          </a:prstGeom>
-          <a:noFill/>
-        </p:spPr>
-        <p:txBody>
-          <a:bodyPr wrap="square" rtlCol="0">
-            <a:spAutoFit/>
-          </a:bodyPr>
-          <a:lstStyle/>
-          <a:p>
-            <a:pPr marL="342900" indent="-342900">
-              <a:lnSpc>
-                <a:spcPct val="150000"/>
-              </a:lnSpc>
-              <a:buFont typeface="Arial" panose="020B0604020202020204" pitchFamily="34" charset="0"/>
-              <a:buChar char="•"/>
-            </a:pPr>
-            <a:r>
-              <a:rPr lang="ko-KR" altLang="en-US" sz="2400" dirty="0"/>
-              <a:t>밝고 가벼운 판타지 모험담</a:t>
-            </a:r>
-            <a:endParaRPr lang="en-US" altLang="ko-KR" sz="2400" dirty="0"/>
-          </a:p>
-          <a:p>
-            <a:pPr marL="342900" indent="-342900">
-              <a:lnSpc>
-                <a:spcPct val="150000"/>
-              </a:lnSpc>
-              <a:buFont typeface="Arial" panose="020B0604020202020204" pitchFamily="34" charset="0"/>
-              <a:buChar char="•"/>
-            </a:pPr>
-            <a:r>
-              <a:rPr lang="ko-KR" altLang="en-US" sz="2400" dirty="0"/>
-              <a:t>다종다양하고 커스텀 폭이 넓은 장비</a:t>
-            </a:r>
-            <a:endParaRPr lang="en-US" altLang="ko-KR" sz="2400" dirty="0"/>
-          </a:p>
-          <a:p>
-            <a:pPr marL="342900" indent="-342900">
-              <a:lnSpc>
-                <a:spcPct val="150000"/>
-              </a:lnSpc>
-              <a:buFont typeface="Arial" panose="020B0604020202020204" pitchFamily="34" charset="0"/>
-              <a:buChar char="•"/>
-            </a:pPr>
-            <a:r>
-              <a:rPr lang="ko-KR" altLang="en-US" sz="2400" dirty="0"/>
-              <a:t>장비 만큼이나 다양한 몬스터</a:t>
-            </a:r>
-          </a:p>
-        </p:txBody>
-      </p:sp>
-      <p:sp>
-        <p:nvSpPr>
-          <p:cNvPr id="4" name="TextBox 3">
-            <a:extLst>
-              <a:ext uri="{FF2B5EF4-FFF2-40B4-BE49-F238E27FC236}">
-                <a16:creationId xmlns:a16="http://schemas.microsoft.com/office/drawing/2014/main" id="{2D349F98-495D-F7A1-2DD1-7F29924E01A3}"/>
-              </a:ext>
-            </a:extLst>
-          </p:cNvPr>
-          <p:cNvSpPr txBox="1"/>
-          <p:nvPr/>
-        </p:nvSpPr>
-        <p:spPr>
-          <a:xfrm>
-            <a:off x="3777345" y="3896045"/>
-            <a:ext cx="7604967" cy="1666546"/>
-          </a:xfrm>
-          <a:prstGeom prst="rect">
-            <a:avLst/>
-          </a:prstGeom>
-          <a:noFill/>
-        </p:spPr>
-        <p:txBody>
-          <a:bodyPr wrap="none" rtlCol="0">
-            <a:spAutoFit/>
-          </a:bodyPr>
-          <a:lstStyle/>
-          <a:p>
-            <a:pPr>
-              <a:lnSpc>
-                <a:spcPct val="150000"/>
-              </a:lnSpc>
-            </a:pPr>
-            <a:r>
-              <a:rPr lang="ko-KR" altLang="en-US" sz="1400" dirty="0"/>
-              <a:t>기타 컨셉</a:t>
-            </a:r>
-            <a:endParaRPr lang="en-US" altLang="ko-KR" sz="1400" dirty="0"/>
-          </a:p>
-          <a:p>
-            <a:pPr marL="342900" indent="-342900">
-              <a:lnSpc>
-                <a:spcPct val="150000"/>
-              </a:lnSpc>
-              <a:buAutoNum type="arabicPeriod"/>
-            </a:pPr>
-            <a:r>
-              <a:rPr lang="en-US" altLang="ko-KR" sz="1400" dirty="0"/>
-              <a:t>NPC</a:t>
-            </a:r>
-            <a:r>
-              <a:rPr lang="ko-KR" altLang="en-US" sz="1400" dirty="0"/>
-              <a:t>와의 대화가 재미있는 게임</a:t>
-            </a:r>
-            <a:r>
-              <a:rPr lang="en-US" altLang="ko-KR" sz="1400" dirty="0"/>
-              <a:t>.</a:t>
-            </a:r>
-          </a:p>
-          <a:p>
-            <a:pPr marL="342900" indent="-342900">
-              <a:lnSpc>
-                <a:spcPct val="150000"/>
-              </a:lnSpc>
-              <a:buAutoNum type="arabicPeriod"/>
-            </a:pPr>
-            <a:r>
-              <a:rPr lang="ko-KR" altLang="en-US" sz="1400" dirty="0"/>
-              <a:t>베이스 아이템에 스킬과 특성을 부여하는 특유의 장비 시스템</a:t>
-            </a:r>
-            <a:r>
-              <a:rPr lang="en-US" altLang="ko-KR" sz="1400" dirty="0"/>
-              <a:t>.</a:t>
-            </a:r>
-          </a:p>
-          <a:p>
-            <a:pPr marL="342900" indent="-342900">
-              <a:lnSpc>
-                <a:spcPct val="150000"/>
-              </a:lnSpc>
-              <a:buAutoNum type="arabicPeriod"/>
-            </a:pPr>
-            <a:r>
-              <a:rPr lang="ko-KR" altLang="en-US" sz="1400" dirty="0"/>
-              <a:t>특성 뿐만이 아니라 스킬도 랜덤하게 붙어서 같은 적도 다른 느낌이 드는 특유의 시스템</a:t>
-            </a:r>
-            <a:r>
-              <a:rPr lang="en-US" altLang="ko-KR" sz="1400" dirty="0"/>
-              <a:t>.</a:t>
-            </a:r>
-          </a:p>
-          <a:p>
-            <a:pPr marL="342900" indent="-342900">
-              <a:lnSpc>
-                <a:spcPct val="150000"/>
-              </a:lnSpc>
-              <a:buAutoNum type="arabicPeriod"/>
-            </a:pPr>
-            <a:r>
-              <a:rPr lang="ko-KR" altLang="en-US" sz="1400" dirty="0"/>
-              <a:t>간단하고 직관적인 구성</a:t>
-            </a:r>
-            <a:r>
-              <a:rPr lang="en-US" altLang="ko-KR" sz="1400" dirty="0"/>
-              <a:t>.</a:t>
-            </a:r>
-          </a:p>
-        </p:txBody>
-      </p:sp>
-    </p:spTree>
-    <p:extLst>
-      <p:ext uri="{BB962C8B-B14F-4D97-AF65-F5344CB8AC3E}">
-        <p14:creationId xmlns:p14="http://schemas.microsoft.com/office/powerpoint/2010/main" val="2304444735"/>
       </p:ext>
     </p:extLst>
   </p:cSld>
@@ -7828,7 +7150,7 @@
         </p:nvCxnSpPr>
         <p:spPr>
           <a:xfrm>
-            <a:off x="9252857" y="2281646"/>
+            <a:off x="9932118" y="2281646"/>
             <a:ext cx="0" cy="435431"/>
           </a:xfrm>
           <a:prstGeom prst="straightConnector1">
@@ -7877,7 +7199,7 @@
         </p:nvCxnSpPr>
         <p:spPr>
           <a:xfrm>
-            <a:off x="7615648" y="2281646"/>
+            <a:off x="6963685" y="2281646"/>
             <a:ext cx="0" cy="426718"/>
           </a:xfrm>
           <a:prstGeom prst="straightConnector1">
@@ -7926,7 +7248,7 @@
         </p:nvCxnSpPr>
         <p:spPr>
           <a:xfrm>
-            <a:off x="7615648" y="4245433"/>
+            <a:off x="6963685" y="4245433"/>
             <a:ext cx="0" cy="330922"/>
           </a:xfrm>
           <a:prstGeom prst="straightConnector1">
@@ -7975,8 +7297,8 @@
         </p:nvCxnSpPr>
         <p:spPr>
           <a:xfrm rot="16200000" flipH="1">
-            <a:off x="4097384" y="-1846218"/>
-            <a:ext cx="548640" cy="6487888"/>
+            <a:off x="3700140" y="-1591499"/>
+            <a:ext cx="548640" cy="5978450"/>
           </a:xfrm>
           <a:prstGeom prst="bentConnector3">
             <a:avLst/>
@@ -8023,8 +7345,8 @@
         </p:nvCxnSpPr>
         <p:spPr>
           <a:xfrm rot="16200000" flipH="1">
-            <a:off x="4915988" y="-2664823"/>
-            <a:ext cx="548640" cy="8125097"/>
+            <a:off x="5184356" y="-3075716"/>
+            <a:ext cx="548640" cy="8946883"/>
           </a:xfrm>
           <a:prstGeom prst="bentConnector3">
             <a:avLst>
@@ -8073,8 +7395,8 @@
         </p:nvCxnSpPr>
         <p:spPr>
           <a:xfrm rot="16200000" flipH="1">
-            <a:off x="5734593" y="-3483428"/>
-            <a:ext cx="548640" cy="9762307"/>
+            <a:off x="5920235" y="-3811594"/>
+            <a:ext cx="548640" cy="10418640"/>
           </a:xfrm>
           <a:prstGeom prst="bentConnector3">
             <a:avLst>
@@ -8123,7 +7445,7 @@
         </p:nvCxnSpPr>
         <p:spPr>
           <a:xfrm rot="16200000" flipH="1">
-            <a:off x="1608906" y="1800500"/>
+            <a:off x="1466381" y="1800500"/>
             <a:ext cx="435431" cy="1397722"/>
           </a:xfrm>
           <a:prstGeom prst="bentConnector3">
@@ -8174,7 +7496,7 @@
         </p:nvCxnSpPr>
         <p:spPr>
           <a:xfrm>
-            <a:off x="1127760" y="4245433"/>
+            <a:off x="985235" y="4245433"/>
             <a:ext cx="0" cy="330922"/>
           </a:xfrm>
           <a:prstGeom prst="straightConnector1">
@@ -8223,7 +7545,7 @@
         </p:nvCxnSpPr>
         <p:spPr>
           <a:xfrm>
-            <a:off x="1127760" y="2281646"/>
+            <a:off x="985235" y="2281646"/>
             <a:ext cx="0" cy="435431"/>
           </a:xfrm>
           <a:prstGeom prst="straightConnector1">
@@ -8272,7 +7594,7 @@
         </p:nvCxnSpPr>
         <p:spPr>
           <a:xfrm>
-            <a:off x="2525482" y="4245433"/>
+            <a:off x="2382957" y="4245433"/>
             <a:ext cx="0" cy="330922"/>
           </a:xfrm>
           <a:prstGeom prst="straightConnector1">
@@ -8317,7 +7639,7 @@
         </p:nvSpPr>
         <p:spPr>
           <a:xfrm>
-            <a:off x="548641" y="513806"/>
+            <a:off x="406116" y="513806"/>
             <a:ext cx="1158237" cy="609600"/>
           </a:xfrm>
           <a:prstGeom prst="rect">
@@ -8391,7 +7713,7 @@
         </p:nvSpPr>
         <p:spPr>
           <a:xfrm>
-            <a:off x="548641" y="1672046"/>
+            <a:off x="406116" y="1672046"/>
             <a:ext cx="1158237" cy="609600"/>
           </a:xfrm>
           <a:prstGeom prst="rect">
@@ -8449,7 +7771,7 @@
         </p:nvSpPr>
         <p:spPr>
           <a:xfrm>
-            <a:off x="7036529" y="1672046"/>
+            <a:off x="6384566" y="1672046"/>
             <a:ext cx="1158237" cy="609600"/>
           </a:xfrm>
           <a:prstGeom prst="rect">
@@ -8507,7 +7829,7 @@
         </p:nvSpPr>
         <p:spPr>
           <a:xfrm>
-            <a:off x="8673738" y="1672046"/>
+            <a:off x="9352999" y="1672046"/>
             <a:ext cx="1158237" cy="609600"/>
           </a:xfrm>
           <a:prstGeom prst="rect">
@@ -8565,7 +7887,7 @@
         </p:nvSpPr>
         <p:spPr>
           <a:xfrm>
-            <a:off x="10310948" y="1672046"/>
+            <a:off x="10824756" y="1672046"/>
             <a:ext cx="1158237" cy="609600"/>
           </a:xfrm>
           <a:prstGeom prst="rect">
@@ -8623,7 +7945,7 @@
         </p:nvSpPr>
         <p:spPr>
           <a:xfrm>
-            <a:off x="548641" y="2717077"/>
+            <a:off x="406116" y="2717077"/>
             <a:ext cx="1158237" cy="609600"/>
           </a:xfrm>
           <a:prstGeom prst="rect">
@@ -8681,7 +8003,218 @@
         </p:nvSpPr>
         <p:spPr>
           <a:xfrm>
-            <a:off x="7036529" y="3635833"/>
+            <a:off x="6384566" y="3635833"/>
+            <a:ext cx="1158237" cy="609600"/>
+          </a:xfrm>
+          <a:prstGeom prst="rect">
+            <a:avLst/>
+          </a:prstGeom>
+          <a:solidFill>
+            <a:srgbClr val="C2F1C8"/>
+          </a:solidFill>
+        </p:spPr>
+        <p:style>
+          <a:lnRef idx="2">
+            <a:schemeClr val="accent1">
+              <a:shade val="15000"/>
+            </a:schemeClr>
+          </a:lnRef>
+          <a:fillRef idx="1">
+            <a:schemeClr val="accent1"/>
+          </a:fillRef>
+          <a:effectRef idx="0">
+            <a:schemeClr val="accent1"/>
+          </a:effectRef>
+          <a:fontRef idx="minor">
+            <a:schemeClr val="lt1"/>
+          </a:fontRef>
+        </p:style>
+        <p:txBody>
+          <a:bodyPr rtlCol="0" anchor="ctr"/>
+          <a:lstStyle/>
+          <a:p>
+            <a:pPr algn="ctr"/>
+            <a:r>
+              <a:rPr lang="ko-KR" altLang="en-US" dirty="0" err="1">
+                <a:solidFill>
+                  <a:schemeClr val="tx1"/>
+                </a:solidFill>
+              </a:rPr>
+              <a:t>방어구</a:t>
+            </a:r>
+            <a:endParaRPr lang="ko-KR" altLang="en-US" dirty="0">
+              <a:solidFill>
+                <a:schemeClr val="tx1"/>
+              </a:solidFill>
+            </a:endParaRPr>
+          </a:p>
+        </p:txBody>
+      </p:sp>
+      <p:sp>
+        <p:nvSpPr>
+          <p:cNvPr id="9" name="직사각형 8">
+            <a:extLst>
+              <a:ext uri="{FF2B5EF4-FFF2-40B4-BE49-F238E27FC236}">
+                <a16:creationId xmlns:a16="http://schemas.microsoft.com/office/drawing/2014/main" id="{88E26028-E594-E1C7-19FE-5D4D42B72691}"/>
+              </a:ext>
+            </a:extLst>
+          </p:cNvPr>
+          <p:cNvSpPr/>
+          <p:nvPr/>
+        </p:nvSpPr>
+        <p:spPr>
+          <a:xfrm>
+            <a:off x="9352999" y="3635833"/>
+            <a:ext cx="1158237" cy="609600"/>
+          </a:xfrm>
+          <a:prstGeom prst="rect">
+            <a:avLst/>
+          </a:prstGeom>
+          <a:solidFill>
+            <a:schemeClr val="tx1">
+              <a:lumMod val="65000"/>
+              <a:lumOff val="35000"/>
+            </a:schemeClr>
+          </a:solidFill>
+        </p:spPr>
+        <p:style>
+          <a:lnRef idx="2">
+            <a:schemeClr val="accent1">
+              <a:shade val="15000"/>
+            </a:schemeClr>
+          </a:lnRef>
+          <a:fillRef idx="1">
+            <a:schemeClr val="accent1"/>
+          </a:fillRef>
+          <a:effectRef idx="0">
+            <a:schemeClr val="accent1"/>
+          </a:effectRef>
+          <a:fontRef idx="minor">
+            <a:schemeClr val="lt1"/>
+          </a:fontRef>
+        </p:style>
+        <p:txBody>
+          <a:bodyPr rtlCol="0" anchor="ctr"/>
+          <a:lstStyle/>
+          <a:p>
+            <a:pPr algn="ctr"/>
+            <a:r>
+              <a:rPr lang="ko-KR" altLang="en-US" dirty="0">
+                <a:solidFill>
+                  <a:schemeClr val="bg1"/>
+                </a:solidFill>
+              </a:rPr>
+              <a:t>던전</a:t>
+            </a:r>
+            <a:endParaRPr lang="en-US" altLang="ko-KR" dirty="0">
+              <a:solidFill>
+                <a:schemeClr val="bg1"/>
+              </a:solidFill>
+            </a:endParaRPr>
+          </a:p>
+          <a:p>
+            <a:pPr algn="ctr"/>
+            <a:r>
+              <a:rPr lang="ko-KR" altLang="en-US" dirty="0">
+                <a:solidFill>
+                  <a:schemeClr val="bg1"/>
+                </a:solidFill>
+              </a:rPr>
+              <a:t>진입</a:t>
+            </a:r>
+          </a:p>
+        </p:txBody>
+      </p:sp>
+      <p:sp>
+        <p:nvSpPr>
+          <p:cNvPr id="10" name="직사각형 9">
+            <a:extLst>
+              <a:ext uri="{FF2B5EF4-FFF2-40B4-BE49-F238E27FC236}">
+                <a16:creationId xmlns:a16="http://schemas.microsoft.com/office/drawing/2014/main" id="{0AE87EC9-882E-215D-0739-C98B9E93143C}"/>
+              </a:ext>
+            </a:extLst>
+          </p:cNvPr>
+          <p:cNvSpPr/>
+          <p:nvPr/>
+        </p:nvSpPr>
+        <p:spPr>
+          <a:xfrm>
+            <a:off x="10824756" y="2717077"/>
+            <a:ext cx="1158237" cy="609600"/>
+          </a:xfrm>
+          <a:prstGeom prst="rect">
+            <a:avLst/>
+          </a:prstGeom>
+          <a:solidFill>
+            <a:schemeClr val="tx1">
+              <a:lumMod val="65000"/>
+              <a:lumOff val="35000"/>
+            </a:schemeClr>
+          </a:solidFill>
+        </p:spPr>
+        <p:style>
+          <a:lnRef idx="2">
+            <a:schemeClr val="accent1">
+              <a:shade val="15000"/>
+            </a:schemeClr>
+          </a:lnRef>
+          <a:fillRef idx="1">
+            <a:schemeClr val="accent1"/>
+          </a:fillRef>
+          <a:effectRef idx="0">
+            <a:schemeClr val="accent1"/>
+          </a:effectRef>
+          <a:fontRef idx="minor">
+            <a:schemeClr val="lt1"/>
+          </a:fontRef>
+        </p:style>
+        <p:txBody>
+          <a:bodyPr rtlCol="0" anchor="ctr"/>
+          <a:lstStyle/>
+          <a:p>
+            <a:pPr algn="ctr"/>
+            <a:r>
+              <a:rPr lang="ko-KR" altLang="en-US" dirty="0">
+                <a:solidFill>
+                  <a:schemeClr val="bg1"/>
+                </a:solidFill>
+              </a:rPr>
+              <a:t>게임</a:t>
+            </a:r>
+            <a:endParaRPr lang="en-US" altLang="ko-KR" dirty="0">
+              <a:solidFill>
+                <a:schemeClr val="bg1"/>
+              </a:solidFill>
+            </a:endParaRPr>
+          </a:p>
+          <a:p>
+            <a:pPr algn="ctr"/>
+            <a:r>
+              <a:rPr lang="ko-KR" altLang="en-US" dirty="0">
+                <a:solidFill>
+                  <a:schemeClr val="bg1"/>
+                </a:solidFill>
+              </a:rPr>
+              <a:t>종료</a:t>
+            </a:r>
+          </a:p>
+        </p:txBody>
+      </p:sp>
+      <p:sp>
+        <p:nvSpPr>
+          <p:cNvPr id="11" name="직사각형 10">
+            <a:extLst>
+              <a:ext uri="{FF2B5EF4-FFF2-40B4-BE49-F238E27FC236}">
+                <a16:creationId xmlns:a16="http://schemas.microsoft.com/office/drawing/2014/main" id="{ACB696EA-C5EF-0F32-CFFD-87CD3DCA46E6}"/>
+              </a:ext>
+            </a:extLst>
+          </p:cNvPr>
+          <p:cNvSpPr/>
+          <p:nvPr/>
+        </p:nvSpPr>
+        <p:spPr>
+          <a:xfrm>
+            <a:off x="9352999" y="2717077"/>
             <a:ext cx="1158237" cy="609600"/>
           </a:xfrm>
           <a:prstGeom prst="rect">
@@ -8721,7 +8254,7 @@
                   <a:schemeClr val="tx1"/>
                 </a:solidFill>
               </a:rPr>
-              <a:t>슬롯</a:t>
+              <a:t>던전</a:t>
             </a:r>
             <a:endParaRPr lang="en-US" altLang="ko-KR" dirty="0">
               <a:solidFill>
@@ -8744,10 +8277,10 @@
       </p:sp>
       <p:sp>
         <p:nvSpPr>
-          <p:cNvPr id="9" name="직사각형 8">
-            <a:extLst>
-              <a:ext uri="{FF2B5EF4-FFF2-40B4-BE49-F238E27FC236}">
-                <a16:creationId xmlns:a16="http://schemas.microsoft.com/office/drawing/2014/main" id="{88E26028-E594-E1C7-19FE-5D4D42B72691}"/>
+          <p:cNvPr id="25" name="직사각형 24">
+            <a:extLst>
+              <a:ext uri="{FF2B5EF4-FFF2-40B4-BE49-F238E27FC236}">
+                <a16:creationId xmlns:a16="http://schemas.microsoft.com/office/drawing/2014/main" id="{F7F9F8EB-ABE2-5B23-8724-369604F227EB}"/>
               </a:ext>
             </a:extLst>
           </p:cNvPr>
@@ -8756,16 +8289,16 @@
         </p:nvSpPr>
         <p:spPr>
           <a:xfrm>
-            <a:off x="8673738" y="3635833"/>
+            <a:off x="6384566" y="4576355"/>
             <a:ext cx="1158237" cy="609600"/>
           </a:xfrm>
           <a:prstGeom prst="rect">
             <a:avLst/>
           </a:prstGeom>
           <a:solidFill>
-            <a:schemeClr val="tx1">
-              <a:lumMod val="65000"/>
-              <a:lumOff val="35000"/>
+            <a:schemeClr val="accent2">
+              <a:lumMod val="40000"/>
+              <a:lumOff val="60000"/>
             </a:schemeClr>
           </a:solidFill>
         </p:spPr>
@@ -8791,38 +8324,38 @@
           <a:p>
             <a:pPr algn="ctr"/>
             <a:r>
+              <a:rPr lang="ko-KR" altLang="en-US" dirty="0" err="1">
+                <a:solidFill>
+                  <a:schemeClr val="tx1"/>
+                </a:solidFill>
+              </a:rPr>
+              <a:t>방어구</a:t>
+            </a:r>
+            <a:endParaRPr lang="en-US" altLang="ko-KR" dirty="0">
+              <a:solidFill>
+                <a:schemeClr val="tx1"/>
+              </a:solidFill>
+            </a:endParaRPr>
+          </a:p>
+          <a:p>
+            <a:pPr algn="ctr"/>
+            <a:r>
               <a:rPr lang="ko-KR" altLang="en-US" dirty="0">
                 <a:solidFill>
-                  <a:schemeClr val="bg1"/>
+                  <a:schemeClr val="tx1"/>
                 </a:solidFill>
               </a:rPr>
-              <a:t>던전</a:t>
-            </a:r>
-            <a:endParaRPr lang="en-US" altLang="ko-KR" dirty="0">
-              <a:solidFill>
-                <a:schemeClr val="bg1"/>
-              </a:solidFill>
-            </a:endParaRPr>
-          </a:p>
-          <a:p>
-            <a:pPr algn="ctr"/>
-            <a:r>
-              <a:rPr lang="ko-KR" altLang="en-US" dirty="0">
-                <a:solidFill>
-                  <a:schemeClr val="bg1"/>
-                </a:solidFill>
-              </a:rPr>
-              <a:t>진입</a:t>
-            </a:r>
-          </a:p>
-        </p:txBody>
-      </p:sp>
-      <p:sp>
-        <p:nvSpPr>
-          <p:cNvPr id="10" name="직사각형 9">
-            <a:extLst>
-              <a:ext uri="{FF2B5EF4-FFF2-40B4-BE49-F238E27FC236}">
-                <a16:creationId xmlns:a16="http://schemas.microsoft.com/office/drawing/2014/main" id="{0AE87EC9-882E-215D-0739-C98B9E93143C}"/>
+              <a:t>장착</a:t>
+            </a:r>
+          </a:p>
+        </p:txBody>
+      </p:sp>
+      <p:sp>
+        <p:nvSpPr>
+          <p:cNvPr id="34" name="직사각형 33">
+            <a:extLst>
+              <a:ext uri="{FF2B5EF4-FFF2-40B4-BE49-F238E27FC236}">
+                <a16:creationId xmlns:a16="http://schemas.microsoft.com/office/drawing/2014/main" id="{14EADC52-3F55-2CD4-60A3-5B0DBEF14038}"/>
               </a:ext>
             </a:extLst>
           </p:cNvPr>
@@ -8831,82 +8364,7 @@
         </p:nvSpPr>
         <p:spPr>
           <a:xfrm>
-            <a:off x="10310948" y="2717077"/>
-            <a:ext cx="1158237" cy="609600"/>
-          </a:xfrm>
-          <a:prstGeom prst="rect">
-            <a:avLst/>
-          </a:prstGeom>
-          <a:solidFill>
-            <a:schemeClr val="tx1">
-              <a:lumMod val="65000"/>
-              <a:lumOff val="35000"/>
-            </a:schemeClr>
-          </a:solidFill>
-        </p:spPr>
-        <p:style>
-          <a:lnRef idx="2">
-            <a:schemeClr val="accent1">
-              <a:shade val="15000"/>
-            </a:schemeClr>
-          </a:lnRef>
-          <a:fillRef idx="1">
-            <a:schemeClr val="accent1"/>
-          </a:fillRef>
-          <a:effectRef idx="0">
-            <a:schemeClr val="accent1"/>
-          </a:effectRef>
-          <a:fontRef idx="minor">
-            <a:schemeClr val="lt1"/>
-          </a:fontRef>
-        </p:style>
-        <p:txBody>
-          <a:bodyPr rtlCol="0" anchor="ctr"/>
-          <a:lstStyle/>
-          <a:p>
-            <a:pPr algn="ctr"/>
-            <a:r>
-              <a:rPr lang="ko-KR" altLang="en-US" dirty="0">
-                <a:solidFill>
-                  <a:schemeClr val="bg1"/>
-                </a:solidFill>
-              </a:rPr>
-              <a:t>게임</a:t>
-            </a:r>
-            <a:endParaRPr lang="en-US" altLang="ko-KR" dirty="0">
-              <a:solidFill>
-                <a:schemeClr val="bg1"/>
-              </a:solidFill>
-            </a:endParaRPr>
-          </a:p>
-          <a:p>
-            <a:pPr algn="ctr"/>
-            <a:r>
-              <a:rPr lang="ko-KR" altLang="en-US" dirty="0">
-                <a:solidFill>
-                  <a:schemeClr val="bg1"/>
-                </a:solidFill>
-              </a:rPr>
-              <a:t>종료</a:t>
-            </a:r>
-          </a:p>
-        </p:txBody>
-      </p:sp>
-      <p:sp>
-        <p:nvSpPr>
-          <p:cNvPr id="11" name="직사각형 10">
-            <a:extLst>
-              <a:ext uri="{FF2B5EF4-FFF2-40B4-BE49-F238E27FC236}">
-                <a16:creationId xmlns:a16="http://schemas.microsoft.com/office/drawing/2014/main" id="{ACB696EA-C5EF-0F32-CFFD-87CD3DCA46E6}"/>
-              </a:ext>
-            </a:extLst>
-          </p:cNvPr>
-          <p:cNvSpPr/>
-          <p:nvPr/>
-        </p:nvSpPr>
-        <p:spPr>
-          <a:xfrm>
-            <a:off x="8673738" y="2717077"/>
+            <a:off x="406116" y="3635833"/>
             <a:ext cx="1158237" cy="609600"/>
           </a:xfrm>
           <a:prstGeom prst="rect">
@@ -8946,7 +8404,7 @@
                   <a:schemeClr val="tx1"/>
                 </a:solidFill>
               </a:rPr>
-              <a:t>던전</a:t>
+              <a:t>품목</a:t>
             </a:r>
             <a:endParaRPr lang="en-US" altLang="ko-KR" dirty="0">
               <a:solidFill>
@@ -8969,10 +8427,10 @@
       </p:sp>
       <p:sp>
         <p:nvSpPr>
-          <p:cNvPr id="25" name="직사각형 24">
-            <a:extLst>
-              <a:ext uri="{FF2B5EF4-FFF2-40B4-BE49-F238E27FC236}">
-                <a16:creationId xmlns:a16="http://schemas.microsoft.com/office/drawing/2014/main" id="{F7F9F8EB-ABE2-5B23-8724-369604F227EB}"/>
+          <p:cNvPr id="35" name="직사각형 34">
+            <a:extLst>
+              <a:ext uri="{FF2B5EF4-FFF2-40B4-BE49-F238E27FC236}">
+                <a16:creationId xmlns:a16="http://schemas.microsoft.com/office/drawing/2014/main" id="{87AEB080-1EA1-CBF3-D59B-01F88F04046E}"/>
               </a:ext>
             </a:extLst>
           </p:cNvPr>
@@ -8981,7 +8439,7 @@
         </p:nvSpPr>
         <p:spPr>
           <a:xfrm>
-            <a:off x="7036529" y="4576355"/>
+            <a:off x="406116" y="4576355"/>
             <a:ext cx="1158237" cy="609600"/>
           </a:xfrm>
           <a:prstGeom prst="rect">
@@ -9021,7 +8479,7 @@
                   <a:schemeClr val="tx1"/>
                 </a:solidFill>
               </a:rPr>
-              <a:t>장비</a:t>
+              <a:t>품목</a:t>
             </a:r>
             <a:endParaRPr lang="en-US" altLang="ko-KR" dirty="0">
               <a:solidFill>
@@ -9037,17 +8495,17 @@
                   <a:schemeClr val="tx1"/>
                 </a:solidFill>
               </a:rPr>
-              <a:t>장착</a:t>
-            </a:r>
-          </a:p>
-        </p:txBody>
-      </p:sp>
-      <p:sp>
-        <p:nvSpPr>
-          <p:cNvPr id="34" name="직사각형 33">
-            <a:extLst>
-              <a:ext uri="{FF2B5EF4-FFF2-40B4-BE49-F238E27FC236}">
-                <a16:creationId xmlns:a16="http://schemas.microsoft.com/office/drawing/2014/main" id="{14EADC52-3F55-2CD4-60A3-5B0DBEF14038}"/>
+              <a:t>구매</a:t>
+            </a:r>
+          </a:p>
+        </p:txBody>
+      </p:sp>
+      <p:sp>
+        <p:nvSpPr>
+          <p:cNvPr id="43" name="직사각형 42">
+            <a:extLst>
+              <a:ext uri="{FF2B5EF4-FFF2-40B4-BE49-F238E27FC236}">
+                <a16:creationId xmlns:a16="http://schemas.microsoft.com/office/drawing/2014/main" id="{CB895804-62A4-47DB-9E07-373C1F648264}"/>
               </a:ext>
             </a:extLst>
           </p:cNvPr>
@@ -9056,7 +8514,7 @@
         </p:nvSpPr>
         <p:spPr>
           <a:xfrm>
-            <a:off x="548641" y="3635833"/>
+            <a:off x="1803838" y="3635833"/>
             <a:ext cx="1158237" cy="609600"/>
           </a:xfrm>
           <a:prstGeom prst="rect">
@@ -9119,10 +8577,10 @@
       </p:sp>
       <p:sp>
         <p:nvSpPr>
-          <p:cNvPr id="35" name="직사각형 34">
-            <a:extLst>
-              <a:ext uri="{FF2B5EF4-FFF2-40B4-BE49-F238E27FC236}">
-                <a16:creationId xmlns:a16="http://schemas.microsoft.com/office/drawing/2014/main" id="{87AEB080-1EA1-CBF3-D59B-01F88F04046E}"/>
+          <p:cNvPr id="46" name="직사각형 45">
+            <a:extLst>
+              <a:ext uri="{FF2B5EF4-FFF2-40B4-BE49-F238E27FC236}">
+                <a16:creationId xmlns:a16="http://schemas.microsoft.com/office/drawing/2014/main" id="{EEF8C370-B9B5-6A66-B0A6-A7D93AFAB289}"/>
               </a:ext>
             </a:extLst>
           </p:cNvPr>
@@ -9131,7 +8589,7 @@
         </p:nvSpPr>
         <p:spPr>
           <a:xfrm>
-            <a:off x="548641" y="4576355"/>
+            <a:off x="1803838" y="4576355"/>
             <a:ext cx="1158237" cy="609600"/>
           </a:xfrm>
           <a:prstGeom prst="rect">
@@ -9187,210 +8645,11 @@
                   <a:schemeClr val="tx1"/>
                 </a:solidFill>
               </a:rPr>
-              <a:t>구매</a:t>
-            </a:r>
-          </a:p>
-        </p:txBody>
-      </p:sp>
-      <p:sp>
-        <p:nvSpPr>
-          <p:cNvPr id="43" name="직사각형 42">
-            <a:extLst>
-              <a:ext uri="{FF2B5EF4-FFF2-40B4-BE49-F238E27FC236}">
-                <a16:creationId xmlns:a16="http://schemas.microsoft.com/office/drawing/2014/main" id="{CB895804-62A4-47DB-9E07-373C1F648264}"/>
-              </a:ext>
-            </a:extLst>
-          </p:cNvPr>
-          <p:cNvSpPr/>
-          <p:nvPr/>
-        </p:nvSpPr>
-        <p:spPr>
-          <a:xfrm>
-            <a:off x="1946363" y="3635833"/>
-            <a:ext cx="1158237" cy="609600"/>
-          </a:xfrm>
-          <a:prstGeom prst="rect">
-            <a:avLst/>
-          </a:prstGeom>
-          <a:solidFill>
-            <a:schemeClr val="accent1">
-              <a:lumMod val="20000"/>
-              <a:lumOff val="80000"/>
-            </a:schemeClr>
-          </a:solidFill>
-        </p:spPr>
-        <p:style>
-          <a:lnRef idx="2">
-            <a:schemeClr val="accent1">
-              <a:shade val="15000"/>
-            </a:schemeClr>
-          </a:lnRef>
-          <a:fillRef idx="1">
-            <a:schemeClr val="accent1"/>
-          </a:fillRef>
-          <a:effectRef idx="0">
-            <a:schemeClr val="accent1"/>
-          </a:effectRef>
-          <a:fontRef idx="minor">
-            <a:schemeClr val="lt1"/>
-          </a:fontRef>
-        </p:style>
-        <p:txBody>
-          <a:bodyPr rtlCol="0" anchor="ctr"/>
-          <a:lstStyle/>
-          <a:p>
-            <a:pPr algn="ctr"/>
-            <a:r>
-              <a:rPr lang="ko-KR" altLang="en-US" dirty="0">
-                <a:solidFill>
-                  <a:schemeClr val="tx1"/>
-                </a:solidFill>
-              </a:rPr>
-              <a:t>품목</a:t>
-            </a:r>
-            <a:endParaRPr lang="en-US" altLang="ko-KR" dirty="0">
-              <a:solidFill>
-                <a:schemeClr val="tx1"/>
-              </a:solidFill>
-            </a:endParaRPr>
-          </a:p>
-          <a:p>
-            <a:pPr algn="ctr"/>
-            <a:r>
-              <a:rPr lang="ko-KR" altLang="en-US" dirty="0">
-                <a:solidFill>
-                  <a:schemeClr val="tx1"/>
-                </a:solidFill>
-              </a:rPr>
-              <a:t>선택</a:t>
-            </a:r>
-          </a:p>
-        </p:txBody>
-      </p:sp>
-      <p:sp>
-        <p:nvSpPr>
-          <p:cNvPr id="46" name="직사각형 45">
-            <a:extLst>
-              <a:ext uri="{FF2B5EF4-FFF2-40B4-BE49-F238E27FC236}">
-                <a16:creationId xmlns:a16="http://schemas.microsoft.com/office/drawing/2014/main" id="{EEF8C370-B9B5-6A66-B0A6-A7D93AFAB289}"/>
-              </a:ext>
-            </a:extLst>
-          </p:cNvPr>
-          <p:cNvSpPr/>
-          <p:nvPr/>
-        </p:nvSpPr>
-        <p:spPr>
-          <a:xfrm>
-            <a:off x="1946363" y="4576355"/>
-            <a:ext cx="1158237" cy="609600"/>
-          </a:xfrm>
-          <a:prstGeom prst="rect">
-            <a:avLst/>
-          </a:prstGeom>
-          <a:solidFill>
-            <a:schemeClr val="accent2">
-              <a:lumMod val="40000"/>
-              <a:lumOff val="60000"/>
-            </a:schemeClr>
-          </a:solidFill>
-        </p:spPr>
-        <p:style>
-          <a:lnRef idx="2">
-            <a:schemeClr val="accent1">
-              <a:shade val="15000"/>
-            </a:schemeClr>
-          </a:lnRef>
-          <a:fillRef idx="1">
-            <a:schemeClr val="accent1"/>
-          </a:fillRef>
-          <a:effectRef idx="0">
-            <a:schemeClr val="accent1"/>
-          </a:effectRef>
-          <a:fontRef idx="minor">
-            <a:schemeClr val="lt1"/>
-          </a:fontRef>
-        </p:style>
-        <p:txBody>
-          <a:bodyPr rtlCol="0" anchor="ctr"/>
-          <a:lstStyle/>
-          <a:p>
-            <a:pPr algn="ctr"/>
-            <a:r>
-              <a:rPr lang="ko-KR" altLang="en-US" dirty="0">
-                <a:solidFill>
-                  <a:schemeClr val="tx1"/>
-                </a:solidFill>
-              </a:rPr>
-              <a:t>품목</a:t>
-            </a:r>
-            <a:endParaRPr lang="en-US" altLang="ko-KR" dirty="0">
-              <a:solidFill>
-                <a:schemeClr val="tx1"/>
-              </a:solidFill>
-            </a:endParaRPr>
-          </a:p>
-          <a:p>
-            <a:pPr algn="ctr"/>
-            <a:r>
-              <a:rPr lang="ko-KR" altLang="en-US" dirty="0">
-                <a:solidFill>
-                  <a:schemeClr val="tx1"/>
-                </a:solidFill>
-              </a:rPr>
               <a:t>판매</a:t>
             </a:r>
           </a:p>
         </p:txBody>
       </p:sp>
-      <p:cxnSp>
-        <p:nvCxnSpPr>
-          <p:cNvPr id="73" name="연결선: 꺾임 72">
-            <a:extLst>
-              <a:ext uri="{FF2B5EF4-FFF2-40B4-BE49-F238E27FC236}">
-                <a16:creationId xmlns:a16="http://schemas.microsoft.com/office/drawing/2014/main" id="{71A45D37-A77E-08D8-6B08-C17136903189}"/>
-              </a:ext>
-            </a:extLst>
-          </p:cNvPr>
-          <p:cNvCxnSpPr>
-            <a:cxnSpLocks/>
-            <a:stCxn id="25" idx="2"/>
-            <a:endCxn id="4" idx="1"/>
-          </p:cNvCxnSpPr>
-          <p:nvPr/>
-        </p:nvCxnSpPr>
-        <p:spPr>
-          <a:xfrm rot="5400000" flipH="1">
-            <a:off x="5721534" y="3291842"/>
-            <a:ext cx="3209109" cy="579119"/>
-          </a:xfrm>
-          <a:prstGeom prst="bentConnector4">
-            <a:avLst>
-              <a:gd name="adj1" fmla="val -7123"/>
-              <a:gd name="adj2" fmla="val 139474"/>
-            </a:avLst>
-          </a:prstGeom>
-          <a:ln w="38100">
-            <a:solidFill>
-              <a:srgbClr val="61CBF4"/>
-            </a:solidFill>
-            <a:tailEnd type="triangle"/>
-          </a:ln>
-        </p:spPr>
-        <p:style>
-          <a:lnRef idx="2">
-            <a:schemeClr val="accent1"/>
-          </a:lnRef>
-          <a:fillRef idx="0">
-            <a:schemeClr val="accent1"/>
-          </a:fillRef>
-          <a:effectRef idx="1">
-            <a:schemeClr val="accent1"/>
-          </a:effectRef>
-          <a:fontRef idx="minor">
-            <a:schemeClr val="tx1"/>
-          </a:fontRef>
-        </p:style>
-      </p:cxnSp>
       <p:cxnSp>
         <p:nvCxnSpPr>
           <p:cNvPr id="82" name="연결선: 꺾임 81">
@@ -9409,7 +8668,7 @@
         </p:nvCxnSpPr>
         <p:spPr>
           <a:xfrm rot="5400000" flipH="1" flipV="1">
-            <a:off x="1733002" y="3814357"/>
+            <a:off x="1590477" y="3814357"/>
             <a:ext cx="2164078" cy="579118"/>
           </a:xfrm>
           <a:prstGeom prst="bentConnector4">
@@ -9461,7 +8720,7 @@
         </p:nvCxnSpPr>
         <p:spPr>
           <a:xfrm rot="5400000" flipH="1">
-            <a:off x="-243838" y="3814357"/>
+            <a:off x="-386363" y="3814357"/>
             <a:ext cx="2164078" cy="579119"/>
           </a:xfrm>
           <a:prstGeom prst="bentConnector4">
@@ -9509,7 +8768,7 @@
         </p:nvSpPr>
         <p:spPr>
           <a:xfrm>
-            <a:off x="1946363" y="2717077"/>
+            <a:off x="1803838" y="2717077"/>
             <a:ext cx="1158237" cy="609600"/>
           </a:xfrm>
           <a:prstGeom prst="rect">
@@ -9571,7 +8830,7 @@
         </p:nvCxnSpPr>
         <p:spPr>
           <a:xfrm>
-            <a:off x="1127760" y="3326677"/>
+            <a:off x="985235" y="3326677"/>
             <a:ext cx="0" cy="309156"/>
           </a:xfrm>
           <a:prstGeom prst="straightConnector1">
@@ -9620,7 +8879,7 @@
         </p:nvCxnSpPr>
         <p:spPr>
           <a:xfrm>
-            <a:off x="2525482" y="3326677"/>
+            <a:off x="2382957" y="3326677"/>
             <a:ext cx="0" cy="309156"/>
           </a:xfrm>
           <a:prstGeom prst="straightConnector1">
@@ -9665,7 +8924,7 @@
         </p:nvSpPr>
         <p:spPr>
           <a:xfrm>
-            <a:off x="7036529" y="2708364"/>
+            <a:off x="6384566" y="2708364"/>
             <a:ext cx="1158237" cy="609600"/>
           </a:xfrm>
           <a:prstGeom prst="rect">
@@ -9728,7 +8987,7 @@
         </p:nvCxnSpPr>
         <p:spPr>
           <a:xfrm>
-            <a:off x="1127760" y="1123406"/>
+            <a:off x="985235" y="1123406"/>
             <a:ext cx="0" cy="548640"/>
           </a:xfrm>
           <a:prstGeom prst="straightConnector1">
@@ -9774,7 +9033,7 @@
         </p:nvCxnSpPr>
         <p:spPr>
           <a:xfrm>
-            <a:off x="7615648" y="3317964"/>
+            <a:off x="6963685" y="3317964"/>
             <a:ext cx="0" cy="317869"/>
           </a:xfrm>
           <a:prstGeom prst="straightConnector1">
@@ -9823,7 +9082,7 @@
         </p:nvCxnSpPr>
         <p:spPr>
           <a:xfrm>
-            <a:off x="10890067" y="2281646"/>
+            <a:off x="11403875" y="2281646"/>
             <a:ext cx="0" cy="435431"/>
           </a:xfrm>
           <a:prstGeom prst="straightConnector1">
@@ -9868,7 +9127,7 @@
         </p:nvSpPr>
         <p:spPr>
           <a:xfrm>
-            <a:off x="3997235" y="1672046"/>
+            <a:off x="3614034" y="1672046"/>
             <a:ext cx="1158237" cy="609600"/>
           </a:xfrm>
           <a:prstGeom prst="rect">
@@ -9931,7 +9190,7 @@
         </p:nvSpPr>
         <p:spPr>
           <a:xfrm>
-            <a:off x="3997235" y="3635833"/>
+            <a:off x="3614034" y="3635833"/>
             <a:ext cx="1158237" cy="609600"/>
           </a:xfrm>
           <a:prstGeom prst="rect">
@@ -9987,7 +9246,7 @@
                   <a:schemeClr val="tx1"/>
                 </a:solidFill>
               </a:rPr>
-              <a:t>선택</a:t>
+              <a:t>보고</a:t>
             </a:r>
           </a:p>
         </p:txBody>
@@ -10010,7 +9269,7 @@
         </p:nvCxnSpPr>
         <p:spPr>
           <a:xfrm>
-            <a:off x="9252857" y="3326677"/>
+            <a:off x="9932118" y="3326677"/>
             <a:ext cx="0" cy="309156"/>
           </a:xfrm>
           <a:prstGeom prst="straightConnector1">
@@ -10041,86 +9300,6 @@
           </a:fontRef>
         </p:style>
       </p:cxnSp>
-      <p:sp>
-        <p:nvSpPr>
-          <p:cNvPr id="191" name="직사각형 190">
-            <a:extLst>
-              <a:ext uri="{FF2B5EF4-FFF2-40B4-BE49-F238E27FC236}">
-                <a16:creationId xmlns:a16="http://schemas.microsoft.com/office/drawing/2014/main" id="{D24B2678-9CA4-3CCC-6CFE-15F5DA1A2B2F}"/>
-              </a:ext>
-            </a:extLst>
-          </p:cNvPr>
-          <p:cNvSpPr/>
-          <p:nvPr/>
-        </p:nvSpPr>
-        <p:spPr>
-          <a:xfrm>
-            <a:off x="5429793" y="4572004"/>
-            <a:ext cx="1158237" cy="609600"/>
-          </a:xfrm>
-          <a:prstGeom prst="rect">
-            <a:avLst/>
-          </a:prstGeom>
-          <a:solidFill>
-            <a:schemeClr val="accent6">
-              <a:lumMod val="20000"/>
-              <a:lumOff val="80000"/>
-            </a:schemeClr>
-          </a:solidFill>
-        </p:spPr>
-        <p:style>
-          <a:lnRef idx="2">
-            <a:schemeClr val="accent1">
-              <a:shade val="15000"/>
-            </a:schemeClr>
-          </a:lnRef>
-          <a:fillRef idx="1">
-            <a:schemeClr val="accent1"/>
-          </a:fillRef>
-          <a:effectRef idx="0">
-            <a:schemeClr val="accent1"/>
-          </a:effectRef>
-          <a:fontRef idx="minor">
-            <a:schemeClr val="lt1"/>
-          </a:fontRef>
-        </p:style>
-        <p:txBody>
-          <a:bodyPr rtlCol="0" anchor="ctr"/>
-          <a:lstStyle/>
-          <a:p>
-            <a:pPr algn="ctr"/>
-            <a:r>
-              <a:rPr lang="ko-KR" altLang="en-US" dirty="0">
-                <a:solidFill>
-                  <a:schemeClr val="tx1"/>
-                </a:solidFill>
-              </a:rPr>
-              <a:t>수행된</a:t>
-            </a:r>
-            <a:endParaRPr lang="en-US" altLang="ko-KR" dirty="0">
-              <a:solidFill>
-                <a:schemeClr val="tx1"/>
-              </a:solidFill>
-            </a:endParaRPr>
-          </a:p>
-          <a:p>
-            <a:pPr algn="ctr"/>
-            <a:r>
-              <a:rPr lang="ko-KR" altLang="en-US" dirty="0">
-                <a:solidFill>
-                  <a:schemeClr val="tx1"/>
-                </a:solidFill>
-              </a:rPr>
-              <a:t>퀘스트</a:t>
-            </a:r>
-            <a:endParaRPr lang="en-US" altLang="ko-KR" dirty="0">
-              <a:solidFill>
-                <a:schemeClr val="tx1"/>
-              </a:solidFill>
-            </a:endParaRPr>
-          </a:p>
-        </p:txBody>
-      </p:sp>
       <p:cxnSp>
         <p:nvCxnSpPr>
           <p:cNvPr id="209" name="직선 화살표 연결선 208">
@@ -10139,7 +9318,7 @@
         </p:nvCxnSpPr>
         <p:spPr>
           <a:xfrm>
-            <a:off x="4576354" y="2281646"/>
+            <a:off x="4193153" y="2281646"/>
             <a:ext cx="0" cy="426718"/>
           </a:xfrm>
           <a:prstGeom prst="straightConnector1">
@@ -10172,57 +9351,6 @@
       </p:cxnSp>
       <p:cxnSp>
         <p:nvCxnSpPr>
-          <p:cNvPr id="213" name="연결선: 꺾임 212">
-            <a:extLst>
-              <a:ext uri="{FF2B5EF4-FFF2-40B4-BE49-F238E27FC236}">
-                <a16:creationId xmlns:a16="http://schemas.microsoft.com/office/drawing/2014/main" id="{9F11D415-4A8A-C906-28C8-AA54C866FFA9}"/>
-              </a:ext>
-            </a:extLst>
-          </p:cNvPr>
-          <p:cNvCxnSpPr>
-            <a:cxnSpLocks/>
-            <a:stCxn id="104" idx="2"/>
-            <a:endCxn id="227" idx="0"/>
-          </p:cNvCxnSpPr>
-          <p:nvPr/>
-        </p:nvCxnSpPr>
-        <p:spPr>
-          <a:xfrm rot="16200000" flipH="1">
-            <a:off x="5079274" y="1778725"/>
-            <a:ext cx="426718" cy="1432559"/>
-          </a:xfrm>
-          <a:prstGeom prst="bentConnector3">
-            <a:avLst>
-              <a:gd name="adj1" fmla="val 50000"/>
-            </a:avLst>
-          </a:prstGeom>
-          <a:ln w="38100">
-            <a:solidFill>
-              <a:schemeClr val="accent3">
-                <a:lumMod val="40000"/>
-                <a:lumOff val="60000"/>
-              </a:schemeClr>
-            </a:solidFill>
-            <a:tailEnd type="triangle"/>
-          </a:ln>
-        </p:spPr>
-        <p:style>
-          <a:lnRef idx="2">
-            <a:schemeClr val="accent1"/>
-          </a:lnRef>
-          <a:fillRef idx="0">
-            <a:schemeClr val="accent1"/>
-          </a:fillRef>
-          <a:effectRef idx="1">
-            <a:schemeClr val="accent1"/>
-          </a:effectRef>
-          <a:fontRef idx="minor">
-            <a:schemeClr val="tx1"/>
-          </a:fontRef>
-        </p:style>
-      </p:cxnSp>
-      <p:cxnSp>
-        <p:nvCxnSpPr>
           <p:cNvPr id="216" name="직선 화살표 연결선 215">
             <a:extLst>
               <a:ext uri="{FF2B5EF4-FFF2-40B4-BE49-F238E27FC236}">
@@ -10239,7 +9367,7 @@
         </p:nvCxnSpPr>
         <p:spPr>
           <a:xfrm>
-            <a:off x="4576354" y="3317964"/>
+            <a:off x="4193153" y="3317964"/>
             <a:ext cx="0" cy="317869"/>
           </a:xfrm>
           <a:prstGeom prst="straightConnector1">
@@ -10272,10 +9400,10 @@
       </p:cxnSp>
       <p:sp>
         <p:nvSpPr>
-          <p:cNvPr id="219" name="직사각형 218">
-            <a:extLst>
-              <a:ext uri="{FF2B5EF4-FFF2-40B4-BE49-F238E27FC236}">
-                <a16:creationId xmlns:a16="http://schemas.microsoft.com/office/drawing/2014/main" id="{A97B0BD3-E226-09DE-9080-31A0F4C7F7A6}"/>
+          <p:cNvPr id="220" name="직사각형 219">
+            <a:extLst>
+              <a:ext uri="{FF2B5EF4-FFF2-40B4-BE49-F238E27FC236}">
+                <a16:creationId xmlns:a16="http://schemas.microsoft.com/office/drawing/2014/main" id="{10671974-C9EC-5ABD-6FE4-7DC6956F151F}"/>
               </a:ext>
             </a:extLst>
           </p:cNvPr>
@@ -10284,7 +9412,7 @@
         </p:nvSpPr>
         <p:spPr>
           <a:xfrm>
-            <a:off x="5429791" y="5429795"/>
+            <a:off x="3614033" y="4572004"/>
             <a:ext cx="1158237" cy="609600"/>
           </a:xfrm>
           <a:prstGeom prst="rect">
@@ -10347,10 +9475,10 @@
       </p:sp>
       <p:sp>
         <p:nvSpPr>
-          <p:cNvPr id="220" name="직사각형 219">
-            <a:extLst>
-              <a:ext uri="{FF2B5EF4-FFF2-40B4-BE49-F238E27FC236}">
-                <a16:creationId xmlns:a16="http://schemas.microsoft.com/office/drawing/2014/main" id="{10671974-C9EC-5ABD-6FE4-7DC6956F151F}"/>
+          <p:cNvPr id="226" name="직사각형 225">
+            <a:extLst>
+              <a:ext uri="{FF2B5EF4-FFF2-40B4-BE49-F238E27FC236}">
+                <a16:creationId xmlns:a16="http://schemas.microsoft.com/office/drawing/2014/main" id="{1A9EBB4A-1078-A980-C221-68C61655D126}"/>
               </a:ext>
             </a:extLst>
           </p:cNvPr>
@@ -10359,17 +9487,14 @@
         </p:nvSpPr>
         <p:spPr>
           <a:xfrm>
-            <a:off x="3997234" y="4572004"/>
+            <a:off x="3614034" y="2708364"/>
             <a:ext cx="1158237" cy="609600"/>
           </a:xfrm>
           <a:prstGeom prst="rect">
             <a:avLst/>
           </a:prstGeom>
           <a:solidFill>
-            <a:schemeClr val="accent2">
-              <a:lumMod val="40000"/>
-              <a:lumOff val="60000"/>
-            </a:schemeClr>
+            <a:srgbClr val="C2F1C8"/>
           </a:solidFill>
         </p:spPr>
         <p:style>
@@ -10415,254 +9540,31 @@
                   <a:schemeClr val="tx1"/>
                 </a:solidFill>
               </a:rPr>
-              <a:t>수령</a:t>
-            </a:r>
-          </a:p>
-        </p:txBody>
-      </p:sp>
-      <p:sp>
-        <p:nvSpPr>
-          <p:cNvPr id="226" name="직사각형 225">
-            <a:extLst>
-              <a:ext uri="{FF2B5EF4-FFF2-40B4-BE49-F238E27FC236}">
-                <a16:creationId xmlns:a16="http://schemas.microsoft.com/office/drawing/2014/main" id="{1A9EBB4A-1078-A980-C221-68C61655D126}"/>
-              </a:ext>
-            </a:extLst>
-          </p:cNvPr>
-          <p:cNvSpPr/>
-          <p:nvPr/>
-        </p:nvSpPr>
-        <p:spPr>
-          <a:xfrm>
-            <a:off x="3997235" y="2708364"/>
-            <a:ext cx="1158237" cy="609600"/>
-          </a:xfrm>
-          <a:prstGeom prst="rect">
-            <a:avLst/>
-          </a:prstGeom>
-          <a:solidFill>
-            <a:schemeClr val="bg1">
-              <a:lumMod val="85000"/>
-            </a:schemeClr>
-          </a:solidFill>
-        </p:spPr>
-        <p:style>
-          <a:lnRef idx="2">
-            <a:schemeClr val="accent1">
-              <a:shade val="15000"/>
-            </a:schemeClr>
-          </a:lnRef>
-          <a:fillRef idx="1">
-            <a:schemeClr val="accent1"/>
-          </a:fillRef>
-          <a:effectRef idx="0">
-            <a:schemeClr val="accent1"/>
-          </a:effectRef>
-          <a:fontRef idx="minor">
-            <a:schemeClr val="lt1"/>
-          </a:fontRef>
-        </p:style>
-        <p:txBody>
-          <a:bodyPr rtlCol="0" anchor="ctr"/>
-          <a:lstStyle/>
-          <a:p>
-            <a:pPr algn="ctr"/>
-            <a:r>
-              <a:rPr lang="ko-KR" altLang="en-US" dirty="0">
-                <a:solidFill>
-                  <a:schemeClr val="tx1"/>
-                </a:solidFill>
-              </a:rPr>
-              <a:t>퀘스트</a:t>
-            </a:r>
-            <a:endParaRPr lang="en-US" altLang="ko-KR" dirty="0">
-              <a:solidFill>
-                <a:schemeClr val="tx1"/>
-              </a:solidFill>
-            </a:endParaRPr>
-          </a:p>
-          <a:p>
-            <a:pPr algn="ctr"/>
-            <a:r>
-              <a:rPr lang="ko-KR" altLang="en-US" dirty="0">
-                <a:solidFill>
-                  <a:schemeClr val="tx1"/>
-                </a:solidFill>
-              </a:rPr>
-              <a:t>수주</a:t>
-            </a:r>
-          </a:p>
-        </p:txBody>
-      </p:sp>
-      <p:sp>
-        <p:nvSpPr>
-          <p:cNvPr id="227" name="직사각형 226">
-            <a:extLst>
-              <a:ext uri="{FF2B5EF4-FFF2-40B4-BE49-F238E27FC236}">
-                <a16:creationId xmlns:a16="http://schemas.microsoft.com/office/drawing/2014/main" id="{E00E7C23-A5F2-4720-CF09-595397DBD725}"/>
-              </a:ext>
-            </a:extLst>
-          </p:cNvPr>
-          <p:cNvSpPr/>
-          <p:nvPr/>
-        </p:nvSpPr>
-        <p:spPr>
-          <a:xfrm>
-            <a:off x="5429794" y="2708364"/>
-            <a:ext cx="1158237" cy="609600"/>
-          </a:xfrm>
-          <a:prstGeom prst="rect">
-            <a:avLst/>
-          </a:prstGeom>
-          <a:solidFill>
-            <a:schemeClr val="bg1">
-              <a:lumMod val="85000"/>
-            </a:schemeClr>
-          </a:solidFill>
-        </p:spPr>
-        <p:style>
-          <a:lnRef idx="2">
-            <a:schemeClr val="accent1">
-              <a:shade val="15000"/>
-            </a:schemeClr>
-          </a:lnRef>
-          <a:fillRef idx="1">
-            <a:schemeClr val="accent1"/>
-          </a:fillRef>
-          <a:effectRef idx="0">
-            <a:schemeClr val="accent1"/>
-          </a:effectRef>
-          <a:fontRef idx="minor">
-            <a:schemeClr val="lt1"/>
-          </a:fontRef>
-        </p:style>
-        <p:txBody>
-          <a:bodyPr rtlCol="0" anchor="ctr"/>
-          <a:lstStyle/>
-          <a:p>
-            <a:pPr algn="ctr"/>
-            <a:r>
-              <a:rPr lang="ko-KR" altLang="en-US" dirty="0">
-                <a:solidFill>
-                  <a:schemeClr val="tx1"/>
-                </a:solidFill>
-              </a:rPr>
-              <a:t>퀘스트</a:t>
-            </a:r>
-            <a:endParaRPr lang="en-US" altLang="ko-KR" dirty="0">
-              <a:solidFill>
-                <a:schemeClr val="tx1"/>
-              </a:solidFill>
-            </a:endParaRPr>
-          </a:p>
-          <a:p>
-            <a:pPr algn="ctr"/>
-            <a:r>
-              <a:rPr lang="ko-KR" altLang="en-US" dirty="0">
-                <a:solidFill>
-                  <a:schemeClr val="tx1"/>
-                </a:solidFill>
-              </a:rPr>
-              <a:t>보고</a:t>
-            </a:r>
-          </a:p>
-        </p:txBody>
-      </p:sp>
-      <p:sp>
-        <p:nvSpPr>
-          <p:cNvPr id="233" name="직사각형 232">
-            <a:extLst>
-              <a:ext uri="{FF2B5EF4-FFF2-40B4-BE49-F238E27FC236}">
-                <a16:creationId xmlns:a16="http://schemas.microsoft.com/office/drawing/2014/main" id="{F2F891E5-C8C8-5AA5-6DB2-478B7FEAEB06}"/>
-              </a:ext>
-            </a:extLst>
-          </p:cNvPr>
-          <p:cNvSpPr/>
-          <p:nvPr/>
-        </p:nvSpPr>
-        <p:spPr>
-          <a:xfrm>
-            <a:off x="5429792" y="3635833"/>
-            <a:ext cx="1158237" cy="609600"/>
-          </a:xfrm>
-          <a:prstGeom prst="rect">
-            <a:avLst/>
-          </a:prstGeom>
-          <a:solidFill>
-            <a:schemeClr val="accent1">
-              <a:lumMod val="20000"/>
-              <a:lumOff val="80000"/>
-            </a:schemeClr>
-          </a:solidFill>
-        </p:spPr>
-        <p:style>
-          <a:lnRef idx="2">
-            <a:schemeClr val="accent1">
-              <a:shade val="15000"/>
-            </a:schemeClr>
-          </a:lnRef>
-          <a:fillRef idx="1">
-            <a:schemeClr val="accent1"/>
-          </a:fillRef>
-          <a:effectRef idx="0">
-            <a:schemeClr val="accent1"/>
-          </a:effectRef>
-          <a:fontRef idx="minor">
-            <a:schemeClr val="lt1"/>
-          </a:fontRef>
-        </p:style>
-        <p:txBody>
-          <a:bodyPr rtlCol="0" anchor="ctr"/>
-          <a:lstStyle/>
-          <a:p>
-            <a:pPr algn="ctr"/>
-            <a:r>
-              <a:rPr lang="ko-KR" altLang="en-US" dirty="0">
-                <a:solidFill>
-                  <a:schemeClr val="tx1"/>
-                </a:solidFill>
-              </a:rPr>
-              <a:t>퀘스트</a:t>
-            </a:r>
-            <a:endParaRPr lang="en-US" altLang="ko-KR" dirty="0">
-              <a:solidFill>
-                <a:schemeClr val="tx1"/>
-              </a:solidFill>
-            </a:endParaRPr>
-          </a:p>
-          <a:p>
-            <a:pPr algn="ctr"/>
-            <a:r>
-              <a:rPr lang="ko-KR" altLang="en-US" dirty="0">
-                <a:solidFill>
-                  <a:schemeClr val="tx1"/>
-                </a:solidFill>
-              </a:rPr>
-              <a:t>선택</a:t>
+              <a:t>완료</a:t>
             </a:r>
           </a:p>
         </p:txBody>
       </p:sp>
       <p:cxnSp>
         <p:nvCxnSpPr>
-          <p:cNvPr id="236" name="직선 화살표 연결선 235">
-            <a:extLst>
-              <a:ext uri="{FF2B5EF4-FFF2-40B4-BE49-F238E27FC236}">
-                <a16:creationId xmlns:a16="http://schemas.microsoft.com/office/drawing/2014/main" id="{C8186451-B47D-8A04-234E-65FE57AE2AB2}"/>
+          <p:cNvPr id="239" name="직선 화살표 연결선 238">
+            <a:extLst>
+              <a:ext uri="{FF2B5EF4-FFF2-40B4-BE49-F238E27FC236}">
+                <a16:creationId xmlns:a16="http://schemas.microsoft.com/office/drawing/2014/main" id="{F88D3036-CAD4-7D9F-7A92-CDFAB51292F4}"/>
               </a:ext>
             </a:extLst>
           </p:cNvPr>
           <p:cNvCxnSpPr>
             <a:cxnSpLocks/>
-            <a:stCxn id="227" idx="2"/>
-            <a:endCxn id="233" idx="0"/>
+            <a:stCxn id="108" idx="2"/>
+            <a:endCxn id="220" idx="0"/>
           </p:cNvCxnSpPr>
           <p:nvPr/>
         </p:nvCxnSpPr>
         <p:spPr>
           <a:xfrm flipH="1">
-            <a:off x="6008911" y="3317964"/>
-            <a:ext cx="2" cy="317869"/>
+            <a:off x="4193152" y="4245433"/>
+            <a:ext cx="1" cy="326571"/>
           </a:xfrm>
           <a:prstGeom prst="straightConnector1">
             <a:avLst/>
@@ -10694,282 +9596,30 @@
       </p:cxnSp>
       <p:cxnSp>
         <p:nvCxnSpPr>
-          <p:cNvPr id="239" name="직선 화살표 연결선 238">
-            <a:extLst>
-              <a:ext uri="{FF2B5EF4-FFF2-40B4-BE49-F238E27FC236}">
-                <a16:creationId xmlns:a16="http://schemas.microsoft.com/office/drawing/2014/main" id="{F88D3036-CAD4-7D9F-7A92-CDFAB51292F4}"/>
+          <p:cNvPr id="249" name="연결선: 꺾임 248">
+            <a:extLst>
+              <a:ext uri="{FF2B5EF4-FFF2-40B4-BE49-F238E27FC236}">
+                <a16:creationId xmlns:a16="http://schemas.microsoft.com/office/drawing/2014/main" id="{C7C6AB0B-F5B9-4D85-D935-BCB686CDB0DA}"/>
               </a:ext>
             </a:extLst>
           </p:cNvPr>
           <p:cNvCxnSpPr>
             <a:cxnSpLocks/>
-            <a:stCxn id="108" idx="2"/>
-            <a:endCxn id="220" idx="0"/>
-          </p:cNvCxnSpPr>
-          <p:nvPr/>
-        </p:nvCxnSpPr>
-        <p:spPr>
-          <a:xfrm flipH="1">
-            <a:off x="4576353" y="4245433"/>
-            <a:ext cx="1" cy="326571"/>
-          </a:xfrm>
-          <a:prstGeom prst="straightConnector1">
-            <a:avLst/>
-          </a:prstGeom>
-          <a:ln w="38100">
-            <a:solidFill>
-              <a:schemeClr val="accent3">
-                <a:lumMod val="40000"/>
-                <a:lumOff val="60000"/>
-              </a:schemeClr>
-            </a:solidFill>
-            <a:tailEnd type="triangle"/>
-          </a:ln>
-        </p:spPr>
-        <p:style>
-          <a:lnRef idx="2">
-            <a:schemeClr val="accent1"/>
-          </a:lnRef>
-          <a:fillRef idx="0">
-            <a:schemeClr val="accent1"/>
-          </a:fillRef>
-          <a:effectRef idx="1">
-            <a:schemeClr val="accent1"/>
-          </a:effectRef>
-          <a:fontRef idx="minor">
-            <a:schemeClr val="tx1"/>
-          </a:fontRef>
-        </p:style>
-      </p:cxnSp>
-      <p:cxnSp>
-        <p:nvCxnSpPr>
-          <p:cNvPr id="240" name="직선 화살표 연결선 239">
-            <a:extLst>
-              <a:ext uri="{FF2B5EF4-FFF2-40B4-BE49-F238E27FC236}">
-                <a16:creationId xmlns:a16="http://schemas.microsoft.com/office/drawing/2014/main" id="{96EE3739-56CD-11BE-84E2-20B10CE46E81}"/>
-              </a:ext>
-            </a:extLst>
-          </p:cNvPr>
-          <p:cNvCxnSpPr>
-            <a:cxnSpLocks/>
-            <a:stCxn id="233" idx="2"/>
-            <a:endCxn id="191" idx="0"/>
-          </p:cNvCxnSpPr>
-          <p:nvPr/>
-        </p:nvCxnSpPr>
-        <p:spPr>
-          <a:xfrm>
-            <a:off x="6008911" y="4245433"/>
-            <a:ext cx="1" cy="326571"/>
-          </a:xfrm>
-          <a:prstGeom prst="straightConnector1">
-            <a:avLst/>
-          </a:prstGeom>
-          <a:ln w="38100">
-            <a:solidFill>
-              <a:schemeClr val="accent3">
-                <a:lumMod val="40000"/>
-                <a:lumOff val="60000"/>
-              </a:schemeClr>
-            </a:solidFill>
-            <a:tailEnd type="triangle"/>
-          </a:ln>
-        </p:spPr>
-        <p:style>
-          <a:lnRef idx="2">
-            <a:schemeClr val="accent1"/>
-          </a:lnRef>
-          <a:fillRef idx="0">
-            <a:schemeClr val="accent1"/>
-          </a:fillRef>
-          <a:effectRef idx="1">
-            <a:schemeClr val="accent1"/>
-          </a:effectRef>
-          <a:fontRef idx="minor">
-            <a:schemeClr val="tx1"/>
-          </a:fontRef>
-        </p:style>
-      </p:cxnSp>
-      <p:cxnSp>
-        <p:nvCxnSpPr>
-          <p:cNvPr id="246" name="직선 화살표 연결선 245">
-            <a:extLst>
-              <a:ext uri="{FF2B5EF4-FFF2-40B4-BE49-F238E27FC236}">
-                <a16:creationId xmlns:a16="http://schemas.microsoft.com/office/drawing/2014/main" id="{9B125FBE-3CDD-B1B2-36A1-B6451A33E579}"/>
-              </a:ext>
-            </a:extLst>
-          </p:cNvPr>
-          <p:cNvCxnSpPr>
-            <a:cxnSpLocks/>
-            <a:stCxn id="191" idx="2"/>
-            <a:endCxn id="219" idx="0"/>
-          </p:cNvCxnSpPr>
-          <p:nvPr/>
-        </p:nvCxnSpPr>
-        <p:spPr>
-          <a:xfrm flipH="1">
-            <a:off x="6008910" y="5181604"/>
-            <a:ext cx="2" cy="248191"/>
-          </a:xfrm>
-          <a:prstGeom prst="straightConnector1">
-            <a:avLst/>
-          </a:prstGeom>
-          <a:ln w="38100">
-            <a:solidFill>
-              <a:schemeClr val="accent3">
-                <a:lumMod val="40000"/>
-                <a:lumOff val="60000"/>
-              </a:schemeClr>
-            </a:solidFill>
-            <a:tailEnd type="triangle"/>
-          </a:ln>
-        </p:spPr>
-        <p:style>
-          <a:lnRef idx="2">
-            <a:schemeClr val="accent1"/>
-          </a:lnRef>
-          <a:fillRef idx="0">
-            <a:schemeClr val="accent1"/>
-          </a:fillRef>
-          <a:effectRef idx="1">
-            <a:schemeClr val="accent1"/>
-          </a:effectRef>
-          <a:fontRef idx="minor">
-            <a:schemeClr val="tx1"/>
-          </a:fontRef>
-        </p:style>
-      </p:cxnSp>
-      <p:cxnSp>
-        <p:nvCxnSpPr>
-          <p:cNvPr id="249" name="연결선: 꺾임 248">
-            <a:extLst>
-              <a:ext uri="{FF2B5EF4-FFF2-40B4-BE49-F238E27FC236}">
-                <a16:creationId xmlns:a16="http://schemas.microsoft.com/office/drawing/2014/main" id="{C7C6AB0B-F5B9-4D85-D935-BCB686CDB0DA}"/>
-              </a:ext>
-            </a:extLst>
-          </p:cNvPr>
-          <p:cNvCxnSpPr>
-            <a:cxnSpLocks/>
-            <a:stCxn id="258" idx="2"/>
+            <a:stCxn id="220" idx="2"/>
             <a:endCxn id="104" idx="1"/>
           </p:cNvCxnSpPr>
           <p:nvPr/>
         </p:nvCxnSpPr>
         <p:spPr>
-          <a:xfrm rot="10800000">
-            <a:off x="3997236" y="1976846"/>
-            <a:ext cx="492031" cy="4421768"/>
-          </a:xfrm>
-          <a:prstGeom prst="bentConnector3">
+          <a:xfrm rot="5400000" flipH="1">
+            <a:off x="2301214" y="3289666"/>
+            <a:ext cx="3204758" cy="579118"/>
+          </a:xfrm>
+          <a:prstGeom prst="bentConnector4">
             <a:avLst>
-              <a:gd name="adj1" fmla="val 146460"/>
+              <a:gd name="adj1" fmla="val -7133"/>
+              <a:gd name="adj2" fmla="val 139474"/>
             </a:avLst>
-          </a:prstGeom>
-          <a:ln w="38100">
-            <a:solidFill>
-              <a:schemeClr val="accent3">
-                <a:lumMod val="40000"/>
-                <a:lumOff val="60000"/>
-              </a:schemeClr>
-            </a:solidFill>
-            <a:tailEnd type="triangle"/>
-          </a:ln>
-        </p:spPr>
-        <p:style>
-          <a:lnRef idx="2">
-            <a:schemeClr val="accent1"/>
-          </a:lnRef>
-          <a:fillRef idx="0">
-            <a:schemeClr val="accent1"/>
-          </a:fillRef>
-          <a:effectRef idx="1">
-            <a:schemeClr val="accent1"/>
-          </a:effectRef>
-          <a:fontRef idx="minor">
-            <a:schemeClr val="tx1"/>
-          </a:fontRef>
-        </p:style>
-      </p:cxnSp>
-      <p:sp>
-        <p:nvSpPr>
-          <p:cNvPr id="258" name="순서도: 연결자 257">
-            <a:extLst>
-              <a:ext uri="{FF2B5EF4-FFF2-40B4-BE49-F238E27FC236}">
-                <a16:creationId xmlns:a16="http://schemas.microsoft.com/office/drawing/2014/main" id="{FFFAB268-B374-4C7F-6BC2-B61B7D4958DB}"/>
-              </a:ext>
-            </a:extLst>
-          </p:cNvPr>
-          <p:cNvSpPr/>
-          <p:nvPr/>
-        </p:nvSpPr>
-        <p:spPr>
-          <a:xfrm>
-            <a:off x="4489266" y="6311528"/>
-            <a:ext cx="174171" cy="174171"/>
-          </a:xfrm>
-          <a:prstGeom prst="flowChartConnector">
-            <a:avLst/>
-          </a:prstGeom>
-          <a:solidFill>
-            <a:schemeClr val="bg1"/>
-          </a:solidFill>
-          <a:ln w="38100">
-            <a:solidFill>
-              <a:schemeClr val="accent3">
-                <a:lumMod val="40000"/>
-                <a:lumOff val="60000"/>
-              </a:schemeClr>
-            </a:solidFill>
-          </a:ln>
-        </p:spPr>
-        <p:style>
-          <a:lnRef idx="2">
-            <a:schemeClr val="accent1">
-              <a:shade val="15000"/>
-            </a:schemeClr>
-          </a:lnRef>
-          <a:fillRef idx="1">
-            <a:schemeClr val="accent1"/>
-          </a:fillRef>
-          <a:effectRef idx="0">
-            <a:schemeClr val="accent1"/>
-          </a:effectRef>
-          <a:fontRef idx="minor">
-            <a:schemeClr val="lt1"/>
-          </a:fontRef>
-        </p:style>
-        <p:txBody>
-          <a:bodyPr rtlCol="0" anchor="ctr"/>
-          <a:lstStyle/>
-          <a:p>
-            <a:pPr algn="ctr"/>
-            <a:endParaRPr lang="ko-KR" altLang="en-US"/>
-          </a:p>
-        </p:txBody>
-      </p:sp>
-      <p:cxnSp>
-        <p:nvCxnSpPr>
-          <p:cNvPr id="259" name="직선 화살표 연결선 258">
-            <a:extLst>
-              <a:ext uri="{FF2B5EF4-FFF2-40B4-BE49-F238E27FC236}">
-                <a16:creationId xmlns:a16="http://schemas.microsoft.com/office/drawing/2014/main" id="{E272BAE5-5303-B3FB-616F-0BCFFB542977}"/>
-              </a:ext>
-            </a:extLst>
-          </p:cNvPr>
-          <p:cNvCxnSpPr>
-            <a:cxnSpLocks/>
-            <a:stCxn id="220" idx="2"/>
-            <a:endCxn id="258" idx="0"/>
-          </p:cNvCxnSpPr>
-          <p:nvPr/>
-        </p:nvCxnSpPr>
-        <p:spPr>
-          <a:xfrm flipH="1">
-            <a:off x="4576352" y="5181604"/>
-            <a:ext cx="1" cy="1129924"/>
-          </a:xfrm>
-          <a:prstGeom prst="straightConnector1">
-            <a:avLst/>
           </a:prstGeom>
           <a:ln w="38100">
             <a:solidFill>
@@ -11480,8 +10130,8 @@
         </p:nvCxnSpPr>
         <p:spPr>
           <a:xfrm rot="16200000" flipH="1">
-            <a:off x="2577737" y="-326571"/>
-            <a:ext cx="548640" cy="3448594"/>
+            <a:off x="2314874" y="-206233"/>
+            <a:ext cx="548640" cy="3207918"/>
           </a:xfrm>
           <a:prstGeom prst="bentConnector3">
             <a:avLst>
@@ -11512,33 +10162,689 @@
           </a:fontRef>
         </p:style>
       </p:cxnSp>
+      <p:sp>
+        <p:nvSpPr>
+          <p:cNvPr id="29" name="직사각형 28">
+            <a:extLst>
+              <a:ext uri="{FF2B5EF4-FFF2-40B4-BE49-F238E27FC236}">
+                <a16:creationId xmlns:a16="http://schemas.microsoft.com/office/drawing/2014/main" id="{30FAECD0-B690-7625-B4EA-F74511EE51E1}"/>
+              </a:ext>
+            </a:extLst>
+          </p:cNvPr>
+          <p:cNvSpPr/>
+          <p:nvPr/>
+        </p:nvSpPr>
+        <p:spPr>
+          <a:xfrm>
+            <a:off x="5082625" y="3635833"/>
+            <a:ext cx="1158237" cy="609600"/>
+          </a:xfrm>
+          <a:prstGeom prst="rect">
+            <a:avLst/>
+          </a:prstGeom>
+          <a:solidFill>
+            <a:srgbClr val="C2F1C8"/>
+          </a:solidFill>
+        </p:spPr>
+        <p:style>
+          <a:lnRef idx="2">
+            <a:schemeClr val="accent1">
+              <a:shade val="15000"/>
+            </a:schemeClr>
+          </a:lnRef>
+          <a:fillRef idx="1">
+            <a:schemeClr val="accent1"/>
+          </a:fillRef>
+          <a:effectRef idx="0">
+            <a:schemeClr val="accent1"/>
+          </a:effectRef>
+          <a:fontRef idx="minor">
+            <a:schemeClr val="lt1"/>
+          </a:fontRef>
+        </p:style>
+        <p:txBody>
+          <a:bodyPr rtlCol="0" anchor="ctr"/>
+          <a:lstStyle/>
+          <a:p>
+            <a:pPr algn="ctr"/>
+            <a:r>
+              <a:rPr lang="ko-KR" altLang="en-US" dirty="0">
+                <a:solidFill>
+                  <a:schemeClr val="tx1"/>
+                </a:solidFill>
+              </a:rPr>
+              <a:t>무기</a:t>
+            </a:r>
+          </a:p>
+        </p:txBody>
+      </p:sp>
+      <p:sp>
+        <p:nvSpPr>
+          <p:cNvPr id="30" name="직사각형 29">
+            <a:extLst>
+              <a:ext uri="{FF2B5EF4-FFF2-40B4-BE49-F238E27FC236}">
+                <a16:creationId xmlns:a16="http://schemas.microsoft.com/office/drawing/2014/main" id="{C73908AB-3C02-0AA6-033F-6A4DD721BC91}"/>
+              </a:ext>
+            </a:extLst>
+          </p:cNvPr>
+          <p:cNvSpPr/>
+          <p:nvPr/>
+        </p:nvSpPr>
+        <p:spPr>
+          <a:xfrm>
+            <a:off x="5082625" y="4576355"/>
+            <a:ext cx="1158237" cy="609600"/>
+          </a:xfrm>
+          <a:prstGeom prst="rect">
+            <a:avLst/>
+          </a:prstGeom>
+          <a:solidFill>
+            <a:schemeClr val="accent2">
+              <a:lumMod val="40000"/>
+              <a:lumOff val="60000"/>
+            </a:schemeClr>
+          </a:solidFill>
+        </p:spPr>
+        <p:style>
+          <a:lnRef idx="2">
+            <a:schemeClr val="accent1">
+              <a:shade val="15000"/>
+            </a:schemeClr>
+          </a:lnRef>
+          <a:fillRef idx="1">
+            <a:schemeClr val="accent1"/>
+          </a:fillRef>
+          <a:effectRef idx="0">
+            <a:schemeClr val="accent1"/>
+          </a:effectRef>
+          <a:fontRef idx="minor">
+            <a:schemeClr val="lt1"/>
+          </a:fontRef>
+        </p:style>
+        <p:txBody>
+          <a:bodyPr rtlCol="0" anchor="ctr"/>
+          <a:lstStyle/>
+          <a:p>
+            <a:pPr algn="ctr"/>
+            <a:r>
+              <a:rPr lang="ko-KR" altLang="en-US" dirty="0">
+                <a:solidFill>
+                  <a:schemeClr val="tx1"/>
+                </a:solidFill>
+              </a:rPr>
+              <a:t>무기</a:t>
+            </a:r>
+            <a:endParaRPr lang="en-US" altLang="ko-KR" dirty="0">
+              <a:solidFill>
+                <a:schemeClr val="tx1"/>
+              </a:solidFill>
+            </a:endParaRPr>
+          </a:p>
+          <a:p>
+            <a:pPr algn="ctr"/>
+            <a:r>
+              <a:rPr lang="ko-KR" altLang="en-US" dirty="0">
+                <a:solidFill>
+                  <a:schemeClr val="tx1"/>
+                </a:solidFill>
+              </a:rPr>
+              <a:t>장착</a:t>
+            </a:r>
+          </a:p>
+        </p:txBody>
+      </p:sp>
       <p:cxnSp>
         <p:nvCxnSpPr>
-          <p:cNvPr id="17" name="연결선: 꺾임 16">
-            <a:extLst>
-              <a:ext uri="{FF2B5EF4-FFF2-40B4-BE49-F238E27FC236}">
-                <a16:creationId xmlns:a16="http://schemas.microsoft.com/office/drawing/2014/main" id="{40816913-44F1-AF58-9A25-2D53003F1F54}"/>
+          <p:cNvPr id="38" name="연결선: 꺾임 37">
+            <a:extLst>
+              <a:ext uri="{FF2B5EF4-FFF2-40B4-BE49-F238E27FC236}">
+                <a16:creationId xmlns:a16="http://schemas.microsoft.com/office/drawing/2014/main" id="{FC436299-1CCA-DB5F-3458-3A38F7FEB572}"/>
               </a:ext>
             </a:extLst>
           </p:cNvPr>
           <p:cNvCxnSpPr>
-            <a:stCxn id="219" idx="2"/>
-            <a:endCxn id="258" idx="6"/>
+            <a:cxnSpLocks/>
+            <a:stCxn id="19" idx="2"/>
+            <a:endCxn id="29" idx="0"/>
           </p:cNvCxnSpPr>
           <p:nvPr/>
         </p:nvCxnSpPr>
         <p:spPr>
           <a:xfrm rot="5400000">
-            <a:off x="5156565" y="5546268"/>
-            <a:ext cx="359219" cy="1345473"/>
+            <a:off x="6153781" y="2825928"/>
+            <a:ext cx="317869" cy="1301941"/>
+          </a:xfrm>
+          <a:prstGeom prst="bentConnector3">
+            <a:avLst>
+              <a:gd name="adj1" fmla="val 39041"/>
+            </a:avLst>
+          </a:prstGeom>
+          <a:ln w="38100">
+            <a:solidFill>
+              <a:srgbClr val="61CBF4"/>
+            </a:solidFill>
+            <a:tailEnd type="triangle"/>
+          </a:ln>
+        </p:spPr>
+        <p:style>
+          <a:lnRef idx="2">
+            <a:schemeClr val="accent1"/>
+          </a:lnRef>
+          <a:fillRef idx="0">
+            <a:schemeClr val="accent1"/>
+          </a:fillRef>
+          <a:effectRef idx="1">
+            <a:schemeClr val="accent1"/>
+          </a:effectRef>
+          <a:fontRef idx="minor">
+            <a:schemeClr val="tx1"/>
+          </a:fontRef>
+        </p:style>
+      </p:cxnSp>
+      <p:cxnSp>
+        <p:nvCxnSpPr>
+          <p:cNvPr id="42" name="직선 화살표 연결선 41">
+            <a:extLst>
+              <a:ext uri="{FF2B5EF4-FFF2-40B4-BE49-F238E27FC236}">
+                <a16:creationId xmlns:a16="http://schemas.microsoft.com/office/drawing/2014/main" id="{B92C39A2-4601-5F09-1DF2-C9051BEC0F71}"/>
+              </a:ext>
+            </a:extLst>
+          </p:cNvPr>
+          <p:cNvCxnSpPr>
+            <a:cxnSpLocks/>
+            <a:stCxn id="29" idx="2"/>
+            <a:endCxn id="30" idx="0"/>
+          </p:cNvCxnSpPr>
+          <p:nvPr/>
+        </p:nvCxnSpPr>
+        <p:spPr>
+          <a:xfrm>
+            <a:off x="5661744" y="4245433"/>
+            <a:ext cx="0" cy="330922"/>
+          </a:xfrm>
+          <a:prstGeom prst="straightConnector1">
+            <a:avLst/>
+          </a:prstGeom>
+          <a:ln w="38100">
+            <a:solidFill>
+              <a:schemeClr val="accent4">
+                <a:lumMod val="60000"/>
+                <a:lumOff val="40000"/>
+              </a:schemeClr>
+            </a:solidFill>
+            <a:tailEnd type="triangle"/>
+          </a:ln>
+        </p:spPr>
+        <p:style>
+          <a:lnRef idx="2">
+            <a:schemeClr val="accent1"/>
+          </a:lnRef>
+          <a:fillRef idx="0">
+            <a:schemeClr val="accent1"/>
+          </a:fillRef>
+          <a:effectRef idx="1">
+            <a:schemeClr val="accent1"/>
+          </a:effectRef>
+          <a:fontRef idx="minor">
+            <a:schemeClr val="tx1"/>
+          </a:fontRef>
+        </p:style>
+      </p:cxnSp>
+      <p:cxnSp>
+        <p:nvCxnSpPr>
+          <p:cNvPr id="47" name="연결선: 꺾임 46">
+            <a:extLst>
+              <a:ext uri="{FF2B5EF4-FFF2-40B4-BE49-F238E27FC236}">
+                <a16:creationId xmlns:a16="http://schemas.microsoft.com/office/drawing/2014/main" id="{8E834EDF-2FE7-752A-254F-0276BC8CEE6B}"/>
+              </a:ext>
+            </a:extLst>
+          </p:cNvPr>
+          <p:cNvCxnSpPr>
+            <a:cxnSpLocks/>
+            <a:stCxn id="30" idx="2"/>
+            <a:endCxn id="105" idx="2"/>
+          </p:cNvCxnSpPr>
+          <p:nvPr/>
+        </p:nvCxnSpPr>
+        <p:spPr>
+          <a:xfrm rot="16200000" flipH="1">
+            <a:off x="5994851" y="4852848"/>
+            <a:ext cx="548640" cy="1214854"/>
           </a:xfrm>
           <a:prstGeom prst="bentConnector2">
             <a:avLst/>
           </a:prstGeom>
           <a:ln w="38100">
             <a:solidFill>
-              <a:srgbClr val="84E291"/>
+              <a:srgbClr val="61CBF4"/>
             </a:solidFill>
+            <a:tailEnd type="triangle"/>
+          </a:ln>
+        </p:spPr>
+        <p:style>
+          <a:lnRef idx="2">
+            <a:schemeClr val="accent1"/>
+          </a:lnRef>
+          <a:fillRef idx="0">
+            <a:schemeClr val="accent1"/>
+          </a:fillRef>
+          <a:effectRef idx="1">
+            <a:schemeClr val="accent1"/>
+          </a:effectRef>
+          <a:fontRef idx="minor">
+            <a:schemeClr val="tx1"/>
+          </a:fontRef>
+        </p:style>
+      </p:cxnSp>
+      <p:sp>
+        <p:nvSpPr>
+          <p:cNvPr id="86" name="직사각형 85">
+            <a:extLst>
+              <a:ext uri="{FF2B5EF4-FFF2-40B4-BE49-F238E27FC236}">
+                <a16:creationId xmlns:a16="http://schemas.microsoft.com/office/drawing/2014/main" id="{DCA2AD28-08A2-2292-F905-78FF4CB8802A}"/>
+              </a:ext>
+            </a:extLst>
+          </p:cNvPr>
+          <p:cNvSpPr/>
+          <p:nvPr/>
+        </p:nvSpPr>
+        <p:spPr>
+          <a:xfrm>
+            <a:off x="7686506" y="3635833"/>
+            <a:ext cx="1158237" cy="609600"/>
+          </a:xfrm>
+          <a:prstGeom prst="rect">
+            <a:avLst/>
+          </a:prstGeom>
+          <a:solidFill>
+            <a:srgbClr val="C2F1C8"/>
+          </a:solidFill>
+        </p:spPr>
+        <p:style>
+          <a:lnRef idx="2">
+            <a:schemeClr val="accent1">
+              <a:shade val="15000"/>
+            </a:schemeClr>
+          </a:lnRef>
+          <a:fillRef idx="1">
+            <a:schemeClr val="accent1"/>
+          </a:fillRef>
+          <a:effectRef idx="0">
+            <a:schemeClr val="accent1"/>
+          </a:effectRef>
+          <a:fontRef idx="minor">
+            <a:schemeClr val="lt1"/>
+          </a:fontRef>
+        </p:style>
+        <p:txBody>
+          <a:bodyPr rtlCol="0" anchor="ctr"/>
+          <a:lstStyle/>
+          <a:p>
+            <a:pPr algn="ctr"/>
+            <a:r>
+              <a:rPr lang="ko-KR" altLang="en-US" dirty="0">
+                <a:solidFill>
+                  <a:schemeClr val="tx1"/>
+                </a:solidFill>
+              </a:rPr>
+              <a:t>소모품</a:t>
+            </a:r>
+          </a:p>
+        </p:txBody>
+      </p:sp>
+      <p:sp>
+        <p:nvSpPr>
+          <p:cNvPr id="87" name="직사각형 86">
+            <a:extLst>
+              <a:ext uri="{FF2B5EF4-FFF2-40B4-BE49-F238E27FC236}">
+                <a16:creationId xmlns:a16="http://schemas.microsoft.com/office/drawing/2014/main" id="{BB299A30-C10B-D7F7-8975-036D7C3A5006}"/>
+              </a:ext>
+            </a:extLst>
+          </p:cNvPr>
+          <p:cNvSpPr/>
+          <p:nvPr/>
+        </p:nvSpPr>
+        <p:spPr>
+          <a:xfrm>
+            <a:off x="7686506" y="4576355"/>
+            <a:ext cx="1158237" cy="609600"/>
+          </a:xfrm>
+          <a:prstGeom prst="rect">
+            <a:avLst/>
+          </a:prstGeom>
+          <a:solidFill>
+            <a:schemeClr val="accent2">
+              <a:lumMod val="40000"/>
+              <a:lumOff val="60000"/>
+            </a:schemeClr>
+          </a:solidFill>
+        </p:spPr>
+        <p:style>
+          <a:lnRef idx="2">
+            <a:schemeClr val="accent1">
+              <a:shade val="15000"/>
+            </a:schemeClr>
+          </a:lnRef>
+          <a:fillRef idx="1">
+            <a:schemeClr val="accent1"/>
+          </a:fillRef>
+          <a:effectRef idx="0">
+            <a:schemeClr val="accent1"/>
+          </a:effectRef>
+          <a:fontRef idx="minor">
+            <a:schemeClr val="lt1"/>
+          </a:fontRef>
+        </p:style>
+        <p:txBody>
+          <a:bodyPr rtlCol="0" anchor="ctr"/>
+          <a:lstStyle/>
+          <a:p>
+            <a:pPr algn="ctr"/>
+            <a:r>
+              <a:rPr lang="ko-KR" altLang="en-US" dirty="0">
+                <a:solidFill>
+                  <a:schemeClr val="tx1"/>
+                </a:solidFill>
+              </a:rPr>
+              <a:t>소모품</a:t>
+            </a:r>
+            <a:endParaRPr lang="en-US" altLang="ko-KR" dirty="0">
+              <a:solidFill>
+                <a:schemeClr val="tx1"/>
+              </a:solidFill>
+            </a:endParaRPr>
+          </a:p>
+          <a:p>
+            <a:pPr algn="ctr"/>
+            <a:r>
+              <a:rPr lang="ko-KR" altLang="en-US" dirty="0">
+                <a:solidFill>
+                  <a:schemeClr val="tx1"/>
+                </a:solidFill>
+              </a:rPr>
+              <a:t>장착</a:t>
+            </a:r>
+          </a:p>
+        </p:txBody>
+      </p:sp>
+      <p:cxnSp>
+        <p:nvCxnSpPr>
+          <p:cNvPr id="90" name="연결선: 꺾임 89">
+            <a:extLst>
+              <a:ext uri="{FF2B5EF4-FFF2-40B4-BE49-F238E27FC236}">
+                <a16:creationId xmlns:a16="http://schemas.microsoft.com/office/drawing/2014/main" id="{13CCFBFC-6B15-87F2-AF80-184F7C7579D6}"/>
+              </a:ext>
+            </a:extLst>
+          </p:cNvPr>
+          <p:cNvCxnSpPr>
+            <a:cxnSpLocks/>
+            <a:stCxn id="87" idx="2"/>
+            <a:endCxn id="105" idx="6"/>
+          </p:cNvCxnSpPr>
+          <p:nvPr/>
+        </p:nvCxnSpPr>
+        <p:spPr>
+          <a:xfrm rot="5400000">
+            <a:off x="7383877" y="4852847"/>
+            <a:ext cx="548640" cy="1214856"/>
+          </a:xfrm>
+          <a:prstGeom prst="bentConnector2">
+            <a:avLst/>
+          </a:prstGeom>
+          <a:ln w="38100">
+            <a:solidFill>
+              <a:srgbClr val="61CBF4"/>
+            </a:solidFill>
+            <a:tailEnd type="triangle"/>
+          </a:ln>
+        </p:spPr>
+        <p:style>
+          <a:lnRef idx="2">
+            <a:schemeClr val="accent1"/>
+          </a:lnRef>
+          <a:fillRef idx="0">
+            <a:schemeClr val="accent1"/>
+          </a:fillRef>
+          <a:effectRef idx="1">
+            <a:schemeClr val="accent1"/>
+          </a:effectRef>
+          <a:fontRef idx="minor">
+            <a:schemeClr val="tx1"/>
+          </a:fontRef>
+        </p:style>
+      </p:cxnSp>
+      <p:cxnSp>
+        <p:nvCxnSpPr>
+          <p:cNvPr id="93" name="연결선: 꺾임 92">
+            <a:extLst>
+              <a:ext uri="{FF2B5EF4-FFF2-40B4-BE49-F238E27FC236}">
+                <a16:creationId xmlns:a16="http://schemas.microsoft.com/office/drawing/2014/main" id="{45ED01BA-1473-88C0-D945-9DE4BAEF775F}"/>
+              </a:ext>
+            </a:extLst>
+          </p:cNvPr>
+          <p:cNvCxnSpPr>
+            <a:cxnSpLocks/>
+            <a:stCxn id="19" idx="2"/>
+            <a:endCxn id="86" idx="0"/>
+          </p:cNvCxnSpPr>
+          <p:nvPr/>
+        </p:nvCxnSpPr>
+        <p:spPr>
+          <a:xfrm rot="16200000" flipH="1">
+            <a:off x="7455721" y="2825928"/>
+            <a:ext cx="317869" cy="1301940"/>
+          </a:xfrm>
+          <a:prstGeom prst="bentConnector3">
+            <a:avLst>
+              <a:gd name="adj1" fmla="val 50000"/>
+            </a:avLst>
+          </a:prstGeom>
+          <a:ln w="38100">
+            <a:solidFill>
+              <a:srgbClr val="61CBF4"/>
+            </a:solidFill>
+            <a:tailEnd type="triangle"/>
+          </a:ln>
+        </p:spPr>
+        <p:style>
+          <a:lnRef idx="2">
+            <a:schemeClr val="accent1"/>
+          </a:lnRef>
+          <a:fillRef idx="0">
+            <a:schemeClr val="accent1"/>
+          </a:fillRef>
+          <a:effectRef idx="1">
+            <a:schemeClr val="accent1"/>
+          </a:effectRef>
+          <a:fontRef idx="minor">
+            <a:schemeClr val="tx1"/>
+          </a:fontRef>
+        </p:style>
+      </p:cxnSp>
+      <p:cxnSp>
+        <p:nvCxnSpPr>
+          <p:cNvPr id="98" name="직선 화살표 연결선 97">
+            <a:extLst>
+              <a:ext uri="{FF2B5EF4-FFF2-40B4-BE49-F238E27FC236}">
+                <a16:creationId xmlns:a16="http://schemas.microsoft.com/office/drawing/2014/main" id="{01929A3D-3E2F-E547-E292-6FCE51405438}"/>
+              </a:ext>
+            </a:extLst>
+          </p:cNvPr>
+          <p:cNvCxnSpPr>
+            <a:cxnSpLocks/>
+            <a:stCxn id="86" idx="2"/>
+            <a:endCxn id="87" idx="0"/>
+          </p:cNvCxnSpPr>
+          <p:nvPr/>
+        </p:nvCxnSpPr>
+        <p:spPr>
+          <a:xfrm>
+            <a:off x="8265625" y="4245433"/>
+            <a:ext cx="0" cy="330922"/>
+          </a:xfrm>
+          <a:prstGeom prst="straightConnector1">
+            <a:avLst/>
+          </a:prstGeom>
+          <a:ln w="38100">
+            <a:solidFill>
+              <a:schemeClr val="accent4">
+                <a:lumMod val="60000"/>
+                <a:lumOff val="40000"/>
+              </a:schemeClr>
+            </a:solidFill>
+            <a:tailEnd type="triangle"/>
+          </a:ln>
+        </p:spPr>
+        <p:style>
+          <a:lnRef idx="2">
+            <a:schemeClr val="accent1"/>
+          </a:lnRef>
+          <a:fillRef idx="0">
+            <a:schemeClr val="accent1"/>
+          </a:fillRef>
+          <a:effectRef idx="1">
+            <a:schemeClr val="accent1"/>
+          </a:effectRef>
+          <a:fontRef idx="minor">
+            <a:schemeClr val="tx1"/>
+          </a:fontRef>
+        </p:style>
+      </p:cxnSp>
+      <p:cxnSp>
+        <p:nvCxnSpPr>
+          <p:cNvPr id="101" name="직선 화살표 연결선 100">
+            <a:extLst>
+              <a:ext uri="{FF2B5EF4-FFF2-40B4-BE49-F238E27FC236}">
+                <a16:creationId xmlns:a16="http://schemas.microsoft.com/office/drawing/2014/main" id="{683FA6E9-C9F5-D00E-361C-392E90D9A69A}"/>
+              </a:ext>
+            </a:extLst>
+          </p:cNvPr>
+          <p:cNvCxnSpPr>
+            <a:cxnSpLocks/>
+            <a:stCxn id="25" idx="2"/>
+            <a:endCxn id="105" idx="0"/>
+          </p:cNvCxnSpPr>
+          <p:nvPr/>
+        </p:nvCxnSpPr>
+        <p:spPr>
+          <a:xfrm flipH="1">
+            <a:off x="6963684" y="5185955"/>
+            <a:ext cx="1" cy="461554"/>
+          </a:xfrm>
+          <a:prstGeom prst="straightConnector1">
+            <a:avLst/>
+          </a:prstGeom>
+          <a:ln w="38100">
+            <a:solidFill>
+              <a:schemeClr val="accent4">
+                <a:lumMod val="60000"/>
+                <a:lumOff val="40000"/>
+              </a:schemeClr>
+            </a:solidFill>
+            <a:tailEnd type="triangle"/>
+          </a:ln>
+        </p:spPr>
+        <p:style>
+          <a:lnRef idx="2">
+            <a:schemeClr val="accent1"/>
+          </a:lnRef>
+          <a:fillRef idx="0">
+            <a:schemeClr val="accent1"/>
+          </a:fillRef>
+          <a:effectRef idx="1">
+            <a:schemeClr val="accent1"/>
+          </a:effectRef>
+          <a:fontRef idx="minor">
+            <a:schemeClr val="tx1"/>
+          </a:fontRef>
+        </p:style>
+      </p:cxnSp>
+      <p:sp>
+        <p:nvSpPr>
+          <p:cNvPr id="105" name="순서도: 연결자 104">
+            <a:extLst>
+              <a:ext uri="{FF2B5EF4-FFF2-40B4-BE49-F238E27FC236}">
+                <a16:creationId xmlns:a16="http://schemas.microsoft.com/office/drawing/2014/main" id="{F3327A38-AC1C-ADB2-D807-5958262E3939}"/>
+              </a:ext>
+            </a:extLst>
+          </p:cNvPr>
+          <p:cNvSpPr/>
+          <p:nvPr/>
+        </p:nvSpPr>
+        <p:spPr>
+          <a:xfrm>
+            <a:off x="6876598" y="5647509"/>
+            <a:ext cx="174171" cy="174171"/>
+          </a:xfrm>
+          <a:prstGeom prst="flowChartConnector">
+            <a:avLst/>
+          </a:prstGeom>
+          <a:solidFill>
+            <a:schemeClr val="bg1"/>
+          </a:solidFill>
+          <a:ln w="38100">
+            <a:solidFill>
+              <a:srgbClr val="61CBF4"/>
+            </a:solidFill>
+          </a:ln>
+        </p:spPr>
+        <p:style>
+          <a:lnRef idx="2">
+            <a:schemeClr val="accent1">
+              <a:shade val="15000"/>
+            </a:schemeClr>
+          </a:lnRef>
+          <a:fillRef idx="1">
+            <a:schemeClr val="accent1"/>
+          </a:fillRef>
+          <a:effectRef idx="0">
+            <a:schemeClr val="accent1"/>
+          </a:effectRef>
+          <a:fontRef idx="minor">
+            <a:schemeClr val="lt1"/>
+          </a:fontRef>
+        </p:style>
+        <p:txBody>
+          <a:bodyPr rtlCol="0" anchor="ctr"/>
+          <a:lstStyle/>
+          <a:p>
+            <a:pPr algn="ctr"/>
+            <a:endParaRPr lang="ko-KR" altLang="en-US" sz="1600"/>
+          </a:p>
+        </p:txBody>
+      </p:sp>
+      <p:cxnSp>
+        <p:nvCxnSpPr>
+          <p:cNvPr id="118" name="연결선: 꺾임 117">
+            <a:extLst>
+              <a:ext uri="{FF2B5EF4-FFF2-40B4-BE49-F238E27FC236}">
+                <a16:creationId xmlns:a16="http://schemas.microsoft.com/office/drawing/2014/main" id="{04E50037-1420-7A54-3BEC-2990FF793561}"/>
+              </a:ext>
+            </a:extLst>
+          </p:cNvPr>
+          <p:cNvCxnSpPr>
+            <a:cxnSpLocks/>
+            <a:stCxn id="105" idx="4"/>
+            <a:endCxn id="4" idx="3"/>
+          </p:cNvCxnSpPr>
+          <p:nvPr/>
+        </p:nvCxnSpPr>
+        <p:spPr>
+          <a:xfrm rot="5400000" flipH="1" flipV="1">
+            <a:off x="5330826" y="3609703"/>
+            <a:ext cx="3844834" cy="579119"/>
+          </a:xfrm>
+          <a:prstGeom prst="bentConnector4">
+            <a:avLst>
+              <a:gd name="adj1" fmla="val -5946"/>
+              <a:gd name="adj2" fmla="val 366542"/>
+            </a:avLst>
+          </a:prstGeom>
+          <a:ln w="38100">
+            <a:solidFill>
+              <a:srgbClr val="61CBF4"/>
+            </a:solidFill>
+            <a:tailEnd type="triangle"/>
           </a:ln>
         </p:spPr>
         <p:style>
@@ -11868,901 +11174,6 @@
 <file path=ppt/slides/slide5.xml><?xml version="1.0" encoding="utf-8"?>
 <p:sld xmlns:a="http://schemas.openxmlformats.org/drawingml/2006/main" xmlns:r="http://schemas.openxmlformats.org/officeDocument/2006/relationships" xmlns:p="http://schemas.openxmlformats.org/presentationml/2006/main">
   <p:cSld>
-    <p:spTree>
-      <p:nvGrpSpPr>
-        <p:cNvPr id="1" name=""/>
-        <p:cNvGrpSpPr/>
-        <p:nvPr/>
-      </p:nvGrpSpPr>
-      <p:grpSpPr>
-        <a:xfrm>
-          <a:off x="0" y="0"/>
-          <a:ext cx="0" cy="0"/>
-          <a:chOff x="0" y="0"/>
-          <a:chExt cx="0" cy="0"/>
-        </a:xfrm>
-      </p:grpSpPr>
-      <p:sp>
-        <p:nvSpPr>
-          <p:cNvPr id="18" name="직사각형 17">
-            <a:extLst>
-              <a:ext uri="{FF2B5EF4-FFF2-40B4-BE49-F238E27FC236}">
-                <a16:creationId xmlns:a16="http://schemas.microsoft.com/office/drawing/2014/main" id="{E0D2A001-DC16-8800-65D4-C99F6A44996C}"/>
-              </a:ext>
-            </a:extLst>
-          </p:cNvPr>
-          <p:cNvSpPr/>
-          <p:nvPr/>
-        </p:nvSpPr>
-        <p:spPr>
-          <a:xfrm>
-            <a:off x="182880" y="174171"/>
-            <a:ext cx="8281851" cy="827315"/>
-          </a:xfrm>
-          <a:prstGeom prst="rect">
-            <a:avLst/>
-          </a:prstGeom>
-          <a:solidFill>
-            <a:schemeClr val="bg1">
-              <a:lumMod val="85000"/>
-            </a:schemeClr>
-          </a:solidFill>
-        </p:spPr>
-        <p:style>
-          <a:lnRef idx="2">
-            <a:schemeClr val="accent1">
-              <a:shade val="15000"/>
-            </a:schemeClr>
-          </a:lnRef>
-          <a:fillRef idx="1">
-            <a:schemeClr val="accent1"/>
-          </a:fillRef>
-          <a:effectRef idx="0">
-            <a:schemeClr val="accent1"/>
-          </a:effectRef>
-          <a:fontRef idx="minor">
-            <a:schemeClr val="lt1"/>
-          </a:fontRef>
-        </p:style>
-        <p:txBody>
-          <a:bodyPr rtlCol="0" anchor="ctr"/>
-          <a:lstStyle/>
-          <a:p>
-            <a:pPr algn="ctr"/>
-            <a:r>
-              <a:rPr lang="ko-KR" altLang="en-US" b="1" dirty="0">
-                <a:solidFill>
-                  <a:schemeClr val="tx1"/>
-                </a:solidFill>
-              </a:rPr>
-              <a:t>타이틀 </a:t>
-            </a:r>
-            <a:r>
-              <a:rPr lang="en-US" altLang="ko-KR" b="1" dirty="0">
-                <a:solidFill>
-                  <a:schemeClr val="tx1"/>
-                </a:solidFill>
-              </a:rPr>
-              <a:t>(</a:t>
-            </a:r>
-            <a:r>
-              <a:rPr lang="ko-KR" altLang="en-US" b="1" dirty="0">
-                <a:solidFill>
-                  <a:schemeClr val="tx1"/>
-                </a:solidFill>
-              </a:rPr>
-              <a:t>현재 화면 이름</a:t>
-            </a:r>
-            <a:r>
-              <a:rPr lang="en-US" altLang="ko-KR" b="1" dirty="0">
-                <a:solidFill>
-                  <a:schemeClr val="tx1"/>
-                </a:solidFill>
-              </a:rPr>
-              <a:t>)</a:t>
-            </a:r>
-            <a:endParaRPr lang="ko-KR" altLang="en-US" b="1" dirty="0">
-              <a:solidFill>
-                <a:schemeClr val="tx1"/>
-              </a:solidFill>
-            </a:endParaRPr>
-          </a:p>
-        </p:txBody>
-      </p:sp>
-      <p:sp>
-        <p:nvSpPr>
-          <p:cNvPr id="19" name="직사각형 18">
-            <a:extLst>
-              <a:ext uri="{FF2B5EF4-FFF2-40B4-BE49-F238E27FC236}">
-                <a16:creationId xmlns:a16="http://schemas.microsoft.com/office/drawing/2014/main" id="{F6C0E445-EFAC-BBDF-EE99-9FD7C4E34385}"/>
-              </a:ext>
-            </a:extLst>
-          </p:cNvPr>
-          <p:cNvSpPr/>
-          <p:nvPr/>
-        </p:nvSpPr>
-        <p:spPr>
-          <a:xfrm>
-            <a:off x="182880" y="1227908"/>
-            <a:ext cx="2336202" cy="4796374"/>
-          </a:xfrm>
-          <a:prstGeom prst="rect">
-            <a:avLst/>
-          </a:prstGeom>
-          <a:solidFill>
-            <a:schemeClr val="bg1">
-              <a:lumMod val="85000"/>
-            </a:schemeClr>
-          </a:solidFill>
-        </p:spPr>
-        <p:style>
-          <a:lnRef idx="2">
-            <a:schemeClr val="accent1">
-              <a:shade val="15000"/>
-            </a:schemeClr>
-          </a:lnRef>
-          <a:fillRef idx="1">
-            <a:schemeClr val="accent1"/>
-          </a:fillRef>
-          <a:effectRef idx="0">
-            <a:schemeClr val="accent1"/>
-          </a:effectRef>
-          <a:fontRef idx="minor">
-            <a:schemeClr val="lt1"/>
-          </a:fontRef>
-        </p:style>
-        <p:txBody>
-          <a:bodyPr rtlCol="0" anchor="ctr"/>
-          <a:lstStyle/>
-          <a:p>
-            <a:pPr algn="ctr"/>
-            <a:r>
-              <a:rPr lang="ko-KR" altLang="en-US" b="1" dirty="0">
-                <a:solidFill>
-                  <a:schemeClr val="tx1"/>
-                </a:solidFill>
-              </a:rPr>
-              <a:t>아이템 목록</a:t>
-            </a:r>
-            <a:endParaRPr lang="en-US" altLang="ko-KR" b="1" dirty="0">
-              <a:solidFill>
-                <a:schemeClr val="tx1"/>
-              </a:solidFill>
-            </a:endParaRPr>
-          </a:p>
-          <a:p>
-            <a:pPr algn="ctr"/>
-            <a:r>
-              <a:rPr lang="en-US" altLang="ko-KR" b="1" dirty="0">
-                <a:solidFill>
-                  <a:schemeClr val="tx1"/>
-                </a:solidFill>
-              </a:rPr>
-              <a:t>Or</a:t>
-            </a:r>
-          </a:p>
-          <a:p>
-            <a:pPr algn="ctr"/>
-            <a:r>
-              <a:rPr lang="ko-KR" altLang="en-US" b="1" dirty="0">
-                <a:solidFill>
-                  <a:schemeClr val="tx1"/>
-                </a:solidFill>
-              </a:rPr>
-              <a:t>퀘스트 목록</a:t>
-            </a:r>
-            <a:endParaRPr lang="en-US" altLang="ko-KR" b="1" dirty="0">
-              <a:solidFill>
-                <a:schemeClr val="tx1"/>
-              </a:solidFill>
-            </a:endParaRPr>
-          </a:p>
-          <a:p>
-            <a:pPr algn="ctr"/>
-            <a:r>
-              <a:rPr lang="en-US" altLang="ko-KR" b="1" dirty="0">
-                <a:solidFill>
-                  <a:schemeClr val="tx1"/>
-                </a:solidFill>
-              </a:rPr>
-              <a:t>Or</a:t>
-            </a:r>
-          </a:p>
-          <a:p>
-            <a:pPr algn="ctr"/>
-            <a:r>
-              <a:rPr lang="ko-KR" altLang="en-US" b="1" dirty="0">
-                <a:solidFill>
-                  <a:schemeClr val="tx1"/>
-                </a:solidFill>
-              </a:rPr>
-              <a:t>던전 목록</a:t>
-            </a:r>
-          </a:p>
-        </p:txBody>
-      </p:sp>
-      <p:sp>
-        <p:nvSpPr>
-          <p:cNvPr id="20" name="직사각형 19">
-            <a:extLst>
-              <a:ext uri="{FF2B5EF4-FFF2-40B4-BE49-F238E27FC236}">
-                <a16:creationId xmlns:a16="http://schemas.microsoft.com/office/drawing/2014/main" id="{14F00A71-1B63-0A8F-ADAD-95040E36ECDC}"/>
-              </a:ext>
-            </a:extLst>
-          </p:cNvPr>
-          <p:cNvSpPr/>
-          <p:nvPr/>
-        </p:nvSpPr>
-        <p:spPr>
-          <a:xfrm>
-            <a:off x="8647611" y="174171"/>
-            <a:ext cx="3361509" cy="5850111"/>
-          </a:xfrm>
-          <a:prstGeom prst="rect">
-            <a:avLst/>
-          </a:prstGeom>
-          <a:solidFill>
-            <a:schemeClr val="bg1">
-              <a:lumMod val="85000"/>
-            </a:schemeClr>
-          </a:solidFill>
-        </p:spPr>
-        <p:style>
-          <a:lnRef idx="2">
-            <a:schemeClr val="accent1">
-              <a:shade val="15000"/>
-            </a:schemeClr>
-          </a:lnRef>
-          <a:fillRef idx="1">
-            <a:schemeClr val="accent1"/>
-          </a:fillRef>
-          <a:effectRef idx="0">
-            <a:schemeClr val="accent1"/>
-          </a:effectRef>
-          <a:fontRef idx="minor">
-            <a:schemeClr val="lt1"/>
-          </a:fontRef>
-        </p:style>
-        <p:txBody>
-          <a:bodyPr rtlCol="0" anchor="ctr"/>
-          <a:lstStyle/>
-          <a:p>
-            <a:pPr algn="ctr"/>
-            <a:r>
-              <a:rPr lang="ko-KR" altLang="en-US" b="1" dirty="0">
-                <a:solidFill>
-                  <a:schemeClr val="tx1"/>
-                </a:solidFill>
-              </a:rPr>
-              <a:t>캐릭터 정보</a:t>
-            </a:r>
-          </a:p>
-        </p:txBody>
-      </p:sp>
-      <p:sp>
-        <p:nvSpPr>
-          <p:cNvPr id="2" name="직사각형 1">
-            <a:extLst>
-              <a:ext uri="{FF2B5EF4-FFF2-40B4-BE49-F238E27FC236}">
-                <a16:creationId xmlns:a16="http://schemas.microsoft.com/office/drawing/2014/main" id="{6F62CAB4-5523-B25C-8C19-0CC2DACE5DF4}"/>
-              </a:ext>
-            </a:extLst>
-          </p:cNvPr>
-          <p:cNvSpPr/>
-          <p:nvPr/>
-        </p:nvSpPr>
-        <p:spPr>
-          <a:xfrm>
-            <a:off x="2791609" y="1227908"/>
-            <a:ext cx="5673121" cy="4796374"/>
-          </a:xfrm>
-          <a:prstGeom prst="rect">
-            <a:avLst/>
-          </a:prstGeom>
-          <a:solidFill>
-            <a:schemeClr val="bg1">
-              <a:lumMod val="85000"/>
-            </a:schemeClr>
-          </a:solidFill>
-        </p:spPr>
-        <p:style>
-          <a:lnRef idx="2">
-            <a:schemeClr val="accent1">
-              <a:shade val="15000"/>
-            </a:schemeClr>
-          </a:lnRef>
-          <a:fillRef idx="1">
-            <a:schemeClr val="accent1"/>
-          </a:fillRef>
-          <a:effectRef idx="0">
-            <a:schemeClr val="accent1"/>
-          </a:effectRef>
-          <a:fontRef idx="minor">
-            <a:schemeClr val="lt1"/>
-          </a:fontRef>
-        </p:style>
-        <p:txBody>
-          <a:bodyPr rtlCol="0" anchor="ctr"/>
-          <a:lstStyle/>
-          <a:p>
-            <a:pPr algn="ctr"/>
-            <a:r>
-              <a:rPr lang="ko-KR" altLang="en-US" b="1" dirty="0">
-                <a:solidFill>
-                  <a:schemeClr val="tx1"/>
-                </a:solidFill>
-              </a:rPr>
-              <a:t>아이템 설명</a:t>
-            </a:r>
-            <a:endParaRPr lang="en-US" altLang="ko-KR" b="1" dirty="0">
-              <a:solidFill>
-                <a:schemeClr val="tx1"/>
-              </a:solidFill>
-            </a:endParaRPr>
-          </a:p>
-          <a:p>
-            <a:pPr algn="ctr"/>
-            <a:r>
-              <a:rPr lang="en-US" altLang="ko-KR" b="1" dirty="0">
-                <a:solidFill>
-                  <a:schemeClr val="tx1"/>
-                </a:solidFill>
-              </a:rPr>
-              <a:t>Or</a:t>
-            </a:r>
-          </a:p>
-          <a:p>
-            <a:pPr algn="ctr"/>
-            <a:r>
-              <a:rPr lang="ko-KR" altLang="en-US" b="1" dirty="0">
-                <a:solidFill>
-                  <a:schemeClr val="tx1"/>
-                </a:solidFill>
-              </a:rPr>
-              <a:t>퀘스트 설명</a:t>
-            </a:r>
-            <a:endParaRPr lang="en-US" altLang="ko-KR" b="1" dirty="0">
-              <a:solidFill>
-                <a:schemeClr val="tx1"/>
-              </a:solidFill>
-            </a:endParaRPr>
-          </a:p>
-          <a:p>
-            <a:pPr algn="ctr"/>
-            <a:r>
-              <a:rPr lang="en-US" altLang="ko-KR" b="1" dirty="0">
-                <a:solidFill>
-                  <a:schemeClr val="tx1"/>
-                </a:solidFill>
-              </a:rPr>
-              <a:t>Or</a:t>
-            </a:r>
-          </a:p>
-          <a:p>
-            <a:pPr algn="ctr"/>
-            <a:r>
-              <a:rPr lang="ko-KR" altLang="en-US" b="1" dirty="0">
-                <a:solidFill>
-                  <a:schemeClr val="tx1"/>
-                </a:solidFill>
-              </a:rPr>
-              <a:t>던전 설명</a:t>
-            </a:r>
-          </a:p>
-        </p:txBody>
-      </p:sp>
-      <p:sp>
-        <p:nvSpPr>
-          <p:cNvPr id="3" name="직사각형 2">
-            <a:extLst>
-              <a:ext uri="{FF2B5EF4-FFF2-40B4-BE49-F238E27FC236}">
-                <a16:creationId xmlns:a16="http://schemas.microsoft.com/office/drawing/2014/main" id="{9BDE211A-C906-C7B7-24A6-5C1596B5CEF3}"/>
-              </a:ext>
-            </a:extLst>
-          </p:cNvPr>
-          <p:cNvSpPr/>
-          <p:nvPr/>
-        </p:nvSpPr>
-        <p:spPr>
-          <a:xfrm>
-            <a:off x="167255" y="6266328"/>
-            <a:ext cx="11841865" cy="417500"/>
-          </a:xfrm>
-          <a:prstGeom prst="rect">
-            <a:avLst/>
-          </a:prstGeom>
-          <a:solidFill>
-            <a:schemeClr val="bg1">
-              <a:lumMod val="85000"/>
-            </a:schemeClr>
-          </a:solidFill>
-        </p:spPr>
-        <p:style>
-          <a:lnRef idx="2">
-            <a:schemeClr val="accent1">
-              <a:shade val="15000"/>
-            </a:schemeClr>
-          </a:lnRef>
-          <a:fillRef idx="1">
-            <a:schemeClr val="accent1"/>
-          </a:fillRef>
-          <a:effectRef idx="0">
-            <a:schemeClr val="accent1"/>
-          </a:effectRef>
-          <a:fontRef idx="minor">
-            <a:schemeClr val="lt1"/>
-          </a:fontRef>
-        </p:style>
-        <p:txBody>
-          <a:bodyPr rtlCol="0" anchor="ctr"/>
-          <a:lstStyle/>
-          <a:p>
-            <a:pPr algn="ctr"/>
-            <a:r>
-              <a:rPr lang="ko-KR" altLang="en-US" b="1" dirty="0" err="1">
-                <a:solidFill>
-                  <a:schemeClr val="tx1"/>
-                </a:solidFill>
-              </a:rPr>
-              <a:t>입력창</a:t>
-            </a:r>
-            <a:endParaRPr lang="ko-KR" altLang="en-US" b="1" dirty="0">
-              <a:solidFill>
-                <a:schemeClr val="tx1"/>
-              </a:solidFill>
-            </a:endParaRPr>
-          </a:p>
-        </p:txBody>
-      </p:sp>
-    </p:spTree>
-    <p:extLst>
-      <p:ext uri="{BB962C8B-B14F-4D97-AF65-F5344CB8AC3E}">
-        <p14:creationId xmlns:p14="http://schemas.microsoft.com/office/powerpoint/2010/main" val="918904449"/>
-      </p:ext>
-    </p:extLst>
-  </p:cSld>
-  <p:clrMapOvr>
-    <a:masterClrMapping/>
-  </p:clrMapOvr>
-</p:sld>
-</file>
-
-<file path=ppt/slides/slide6.xml><?xml version="1.0" encoding="utf-8"?>
-<p:sld xmlns:a="http://schemas.openxmlformats.org/drawingml/2006/main" xmlns:r="http://schemas.openxmlformats.org/officeDocument/2006/relationships" xmlns:p="http://schemas.openxmlformats.org/presentationml/2006/main">
-  <p:cSld>
-    <p:spTree>
-      <p:nvGrpSpPr>
-        <p:cNvPr id="1" name=""/>
-        <p:cNvGrpSpPr/>
-        <p:nvPr/>
-      </p:nvGrpSpPr>
-      <p:grpSpPr>
-        <a:xfrm>
-          <a:off x="0" y="0"/>
-          <a:ext cx="0" cy="0"/>
-          <a:chOff x="0" y="0"/>
-          <a:chExt cx="0" cy="0"/>
-        </a:xfrm>
-      </p:grpSpPr>
-      <p:sp>
-        <p:nvSpPr>
-          <p:cNvPr id="18" name="직사각형 17">
-            <a:extLst>
-              <a:ext uri="{FF2B5EF4-FFF2-40B4-BE49-F238E27FC236}">
-                <a16:creationId xmlns:a16="http://schemas.microsoft.com/office/drawing/2014/main" id="{E0D2A001-DC16-8800-65D4-C99F6A44996C}"/>
-              </a:ext>
-            </a:extLst>
-          </p:cNvPr>
-          <p:cNvSpPr/>
-          <p:nvPr/>
-        </p:nvSpPr>
-        <p:spPr>
-          <a:xfrm>
-            <a:off x="182880" y="174171"/>
-            <a:ext cx="8281851" cy="827315"/>
-          </a:xfrm>
-          <a:prstGeom prst="rect">
-            <a:avLst/>
-          </a:prstGeom>
-          <a:solidFill>
-            <a:schemeClr val="bg1">
-              <a:lumMod val="85000"/>
-            </a:schemeClr>
-          </a:solidFill>
-        </p:spPr>
-        <p:style>
-          <a:lnRef idx="2">
-            <a:schemeClr val="accent1">
-              <a:shade val="15000"/>
-            </a:schemeClr>
-          </a:lnRef>
-          <a:fillRef idx="1">
-            <a:schemeClr val="accent1"/>
-          </a:fillRef>
-          <a:effectRef idx="0">
-            <a:schemeClr val="accent1"/>
-          </a:effectRef>
-          <a:fontRef idx="minor">
-            <a:schemeClr val="lt1"/>
-          </a:fontRef>
-        </p:style>
-        <p:txBody>
-          <a:bodyPr rtlCol="0" anchor="ctr"/>
-          <a:lstStyle/>
-          <a:p>
-            <a:pPr algn="ctr"/>
-            <a:r>
-              <a:rPr lang="ko-KR" altLang="en-US" b="1" dirty="0">
-                <a:solidFill>
-                  <a:schemeClr val="tx1"/>
-                </a:solidFill>
-              </a:rPr>
-              <a:t>타이틀 </a:t>
-            </a:r>
-            <a:r>
-              <a:rPr lang="en-US" altLang="ko-KR" b="1" dirty="0">
-                <a:solidFill>
-                  <a:schemeClr val="tx1"/>
-                </a:solidFill>
-              </a:rPr>
-              <a:t>(</a:t>
-            </a:r>
-            <a:r>
-              <a:rPr lang="ko-KR" altLang="en-US" b="1" dirty="0">
-                <a:solidFill>
-                  <a:schemeClr val="tx1"/>
-                </a:solidFill>
-              </a:rPr>
-              <a:t>현재 화면 이름</a:t>
-            </a:r>
-            <a:r>
-              <a:rPr lang="en-US" altLang="ko-KR" b="1" dirty="0">
-                <a:solidFill>
-                  <a:schemeClr val="tx1"/>
-                </a:solidFill>
-              </a:rPr>
-              <a:t>)</a:t>
-            </a:r>
-            <a:endParaRPr lang="ko-KR" altLang="en-US" b="1" dirty="0">
-              <a:solidFill>
-                <a:schemeClr val="tx1"/>
-              </a:solidFill>
-            </a:endParaRPr>
-          </a:p>
-        </p:txBody>
-      </p:sp>
-      <p:sp>
-        <p:nvSpPr>
-          <p:cNvPr id="19" name="직사각형 18">
-            <a:extLst>
-              <a:ext uri="{FF2B5EF4-FFF2-40B4-BE49-F238E27FC236}">
-                <a16:creationId xmlns:a16="http://schemas.microsoft.com/office/drawing/2014/main" id="{F6C0E445-EFAC-BBDF-EE99-9FD7C4E34385}"/>
-              </a:ext>
-            </a:extLst>
-          </p:cNvPr>
-          <p:cNvSpPr/>
-          <p:nvPr/>
-        </p:nvSpPr>
-        <p:spPr>
-          <a:xfrm>
-            <a:off x="182880" y="2088776"/>
-            <a:ext cx="2336202" cy="4016189"/>
-          </a:xfrm>
-          <a:prstGeom prst="rect">
-            <a:avLst/>
-          </a:prstGeom>
-          <a:solidFill>
-            <a:schemeClr val="bg1">
-              <a:lumMod val="85000"/>
-            </a:schemeClr>
-          </a:solidFill>
-        </p:spPr>
-        <p:style>
-          <a:lnRef idx="2">
-            <a:schemeClr val="accent1">
-              <a:shade val="15000"/>
-            </a:schemeClr>
-          </a:lnRef>
-          <a:fillRef idx="1">
-            <a:schemeClr val="accent1"/>
-          </a:fillRef>
-          <a:effectRef idx="0">
-            <a:schemeClr val="accent1"/>
-          </a:effectRef>
-          <a:fontRef idx="minor">
-            <a:schemeClr val="lt1"/>
-          </a:fontRef>
-        </p:style>
-        <p:txBody>
-          <a:bodyPr rtlCol="0" anchor="ctr"/>
-          <a:lstStyle/>
-          <a:p>
-            <a:pPr algn="ctr"/>
-            <a:r>
-              <a:rPr lang="ko-KR" altLang="en-US" b="1" dirty="0">
-                <a:solidFill>
-                  <a:schemeClr val="tx1"/>
-                </a:solidFill>
-              </a:rPr>
-              <a:t>보관함 아이템</a:t>
-            </a:r>
-            <a:endParaRPr lang="en-US" altLang="ko-KR" b="1" dirty="0">
-              <a:solidFill>
-                <a:schemeClr val="tx1"/>
-              </a:solidFill>
-            </a:endParaRPr>
-          </a:p>
-          <a:p>
-            <a:pPr algn="ctr"/>
-            <a:r>
-              <a:rPr lang="ko-KR" altLang="en-US" b="1" dirty="0">
-                <a:solidFill>
-                  <a:schemeClr val="tx1"/>
-                </a:solidFill>
-              </a:rPr>
-              <a:t>목록</a:t>
-            </a:r>
-          </a:p>
-        </p:txBody>
-      </p:sp>
-      <p:sp>
-        <p:nvSpPr>
-          <p:cNvPr id="20" name="직사각형 19">
-            <a:extLst>
-              <a:ext uri="{FF2B5EF4-FFF2-40B4-BE49-F238E27FC236}">
-                <a16:creationId xmlns:a16="http://schemas.microsoft.com/office/drawing/2014/main" id="{14F00A71-1B63-0A8F-ADAD-95040E36ECDC}"/>
-              </a:ext>
-            </a:extLst>
-          </p:cNvPr>
-          <p:cNvSpPr/>
-          <p:nvPr/>
-        </p:nvSpPr>
-        <p:spPr>
-          <a:xfrm>
-            <a:off x="8647611" y="174172"/>
-            <a:ext cx="3361509" cy="5930794"/>
-          </a:xfrm>
-          <a:prstGeom prst="rect">
-            <a:avLst/>
-          </a:prstGeom>
-          <a:solidFill>
-            <a:schemeClr val="bg1">
-              <a:lumMod val="85000"/>
-            </a:schemeClr>
-          </a:solidFill>
-        </p:spPr>
-        <p:style>
-          <a:lnRef idx="2">
-            <a:schemeClr val="accent1">
-              <a:shade val="15000"/>
-            </a:schemeClr>
-          </a:lnRef>
-          <a:fillRef idx="1">
-            <a:schemeClr val="accent1"/>
-          </a:fillRef>
-          <a:effectRef idx="0">
-            <a:schemeClr val="accent1"/>
-          </a:effectRef>
-          <a:fontRef idx="minor">
-            <a:schemeClr val="lt1"/>
-          </a:fontRef>
-        </p:style>
-        <p:txBody>
-          <a:bodyPr rtlCol="0" anchor="ctr"/>
-          <a:lstStyle/>
-          <a:p>
-            <a:pPr algn="ctr"/>
-            <a:r>
-              <a:rPr lang="ko-KR" altLang="en-US" b="1" dirty="0">
-                <a:solidFill>
-                  <a:schemeClr val="tx1"/>
-                </a:solidFill>
-              </a:rPr>
-              <a:t>캐릭터 정보</a:t>
-            </a:r>
-          </a:p>
-        </p:txBody>
-      </p:sp>
-      <p:sp>
-        <p:nvSpPr>
-          <p:cNvPr id="2" name="직사각형 1">
-            <a:extLst>
-              <a:ext uri="{FF2B5EF4-FFF2-40B4-BE49-F238E27FC236}">
-                <a16:creationId xmlns:a16="http://schemas.microsoft.com/office/drawing/2014/main" id="{6F62CAB4-5523-B25C-8C19-0CC2DACE5DF4}"/>
-              </a:ext>
-            </a:extLst>
-          </p:cNvPr>
-          <p:cNvSpPr/>
-          <p:nvPr/>
-        </p:nvSpPr>
-        <p:spPr>
-          <a:xfrm>
-            <a:off x="2791609" y="2088776"/>
-            <a:ext cx="5673121" cy="4016189"/>
-          </a:xfrm>
-          <a:prstGeom prst="rect">
-            <a:avLst/>
-          </a:prstGeom>
-          <a:solidFill>
-            <a:schemeClr val="bg1">
-              <a:lumMod val="85000"/>
-            </a:schemeClr>
-          </a:solidFill>
-        </p:spPr>
-        <p:style>
-          <a:lnRef idx="2">
-            <a:schemeClr val="accent1">
-              <a:shade val="15000"/>
-            </a:schemeClr>
-          </a:lnRef>
-          <a:fillRef idx="1">
-            <a:schemeClr val="accent1"/>
-          </a:fillRef>
-          <a:effectRef idx="0">
-            <a:schemeClr val="accent1"/>
-          </a:effectRef>
-          <a:fontRef idx="minor">
-            <a:schemeClr val="lt1"/>
-          </a:fontRef>
-        </p:style>
-        <p:txBody>
-          <a:bodyPr rtlCol="0" anchor="ctr"/>
-          <a:lstStyle/>
-          <a:p>
-            <a:pPr algn="ctr"/>
-            <a:r>
-              <a:rPr lang="ko-KR" altLang="en-US" b="1" dirty="0">
-                <a:solidFill>
-                  <a:schemeClr val="tx1"/>
-                </a:solidFill>
-              </a:rPr>
-              <a:t>아이템 설명</a:t>
-            </a:r>
-            <a:endParaRPr lang="en-US" altLang="ko-KR" b="1" dirty="0">
-              <a:solidFill>
-                <a:schemeClr val="tx1"/>
-              </a:solidFill>
-            </a:endParaRPr>
-          </a:p>
-        </p:txBody>
-      </p:sp>
-      <p:sp>
-        <p:nvSpPr>
-          <p:cNvPr id="3" name="직사각형 2">
-            <a:extLst>
-              <a:ext uri="{FF2B5EF4-FFF2-40B4-BE49-F238E27FC236}">
-                <a16:creationId xmlns:a16="http://schemas.microsoft.com/office/drawing/2014/main" id="{A1028C10-A50D-7300-13B7-9A8EB83A7709}"/>
-              </a:ext>
-            </a:extLst>
-          </p:cNvPr>
-          <p:cNvSpPr/>
-          <p:nvPr/>
-        </p:nvSpPr>
-        <p:spPr>
-          <a:xfrm>
-            <a:off x="182880" y="1131473"/>
-            <a:ext cx="8281850" cy="827315"/>
-          </a:xfrm>
-          <a:prstGeom prst="rect">
-            <a:avLst/>
-          </a:prstGeom>
-          <a:solidFill>
-            <a:schemeClr val="bg1">
-              <a:lumMod val="85000"/>
-            </a:schemeClr>
-          </a:solidFill>
-        </p:spPr>
-        <p:style>
-          <a:lnRef idx="2">
-            <a:schemeClr val="accent1">
-              <a:shade val="15000"/>
-            </a:schemeClr>
-          </a:lnRef>
-          <a:fillRef idx="1">
-            <a:schemeClr val="accent1"/>
-          </a:fillRef>
-          <a:effectRef idx="0">
-            <a:schemeClr val="accent1"/>
-          </a:effectRef>
-          <a:fontRef idx="minor">
-            <a:schemeClr val="lt1"/>
-          </a:fontRef>
-        </p:style>
-        <p:txBody>
-          <a:bodyPr rtlCol="0" anchor="ctr"/>
-          <a:lstStyle/>
-          <a:p>
-            <a:pPr algn="ctr"/>
-            <a:r>
-              <a:rPr lang="ko-KR" altLang="en-US" b="1" dirty="0">
-                <a:solidFill>
-                  <a:schemeClr val="tx1"/>
-                </a:solidFill>
-              </a:rPr>
-              <a:t>아이템 카테고리 목록</a:t>
-            </a:r>
-          </a:p>
-        </p:txBody>
-      </p:sp>
-      <p:sp>
-        <p:nvSpPr>
-          <p:cNvPr id="4" name="직사각형 3">
-            <a:extLst>
-              <a:ext uri="{FF2B5EF4-FFF2-40B4-BE49-F238E27FC236}">
-                <a16:creationId xmlns:a16="http://schemas.microsoft.com/office/drawing/2014/main" id="{E410864A-5D52-2F02-EEA6-A32377755149}"/>
-              </a:ext>
-            </a:extLst>
-          </p:cNvPr>
-          <p:cNvSpPr/>
-          <p:nvPr/>
-        </p:nvSpPr>
-        <p:spPr>
-          <a:xfrm>
-            <a:off x="167255" y="6266328"/>
-            <a:ext cx="11841865" cy="417500"/>
-          </a:xfrm>
-          <a:prstGeom prst="rect">
-            <a:avLst/>
-          </a:prstGeom>
-          <a:solidFill>
-            <a:schemeClr val="bg1">
-              <a:lumMod val="85000"/>
-            </a:schemeClr>
-          </a:solidFill>
-        </p:spPr>
-        <p:style>
-          <a:lnRef idx="2">
-            <a:schemeClr val="accent1">
-              <a:shade val="15000"/>
-            </a:schemeClr>
-          </a:lnRef>
-          <a:fillRef idx="1">
-            <a:schemeClr val="accent1"/>
-          </a:fillRef>
-          <a:effectRef idx="0">
-            <a:schemeClr val="accent1"/>
-          </a:effectRef>
-          <a:fontRef idx="minor">
-            <a:schemeClr val="lt1"/>
-          </a:fontRef>
-        </p:style>
-        <p:txBody>
-          <a:bodyPr rtlCol="0" anchor="ctr"/>
-          <a:lstStyle/>
-          <a:p>
-            <a:pPr algn="ctr"/>
-            <a:r>
-              <a:rPr lang="ko-KR" altLang="en-US" b="1" dirty="0" err="1">
-                <a:solidFill>
-                  <a:schemeClr val="tx1"/>
-                </a:solidFill>
-              </a:rPr>
-              <a:t>입력창</a:t>
-            </a:r>
-            <a:endParaRPr lang="ko-KR" altLang="en-US" b="1" dirty="0">
-              <a:solidFill>
-                <a:schemeClr val="tx1"/>
-              </a:solidFill>
-            </a:endParaRPr>
-          </a:p>
-        </p:txBody>
-      </p:sp>
-    </p:spTree>
-    <p:extLst>
-      <p:ext uri="{BB962C8B-B14F-4D97-AF65-F5344CB8AC3E}">
-        <p14:creationId xmlns:p14="http://schemas.microsoft.com/office/powerpoint/2010/main" val="4025851681"/>
-      </p:ext>
-    </p:extLst>
-  </p:cSld>
-  <p:clrMapOvr>
-    <a:masterClrMapping/>
-  </p:clrMapOvr>
-</p:sld>
-</file>
-
-<file path=ppt/slides/slide7.xml><?xml version="1.0" encoding="utf-8"?>
-<p:sld xmlns:a="http://schemas.openxmlformats.org/drawingml/2006/main" xmlns:r="http://schemas.openxmlformats.org/officeDocument/2006/relationships" xmlns:p="http://schemas.openxmlformats.org/presentationml/2006/main">
-  <p:cSld>
     <p:bg>
       <p:bgPr>
         <a:solidFill>
@@ -12787,105 +11198,6 @@
       </p:grpSpPr>
       <p:cxnSp>
         <p:nvCxnSpPr>
-          <p:cNvPr id="20" name="직선 화살표 연결선 19">
-            <a:extLst>
-              <a:ext uri="{FF2B5EF4-FFF2-40B4-BE49-F238E27FC236}">
-                <a16:creationId xmlns:a16="http://schemas.microsoft.com/office/drawing/2014/main" id="{64682E07-E925-0CC0-B227-F38D18709D17}"/>
-              </a:ext>
-            </a:extLst>
-          </p:cNvPr>
-          <p:cNvCxnSpPr>
-            <a:cxnSpLocks/>
-            <a:stCxn id="5" idx="2"/>
-            <a:endCxn id="156" idx="0"/>
-          </p:cNvCxnSpPr>
-          <p:nvPr/>
-        </p:nvCxnSpPr>
-        <p:spPr>
-          <a:xfrm>
-            <a:off x="6497652" y="2311827"/>
-            <a:ext cx="0" cy="191152"/>
-          </a:xfrm>
-          <a:prstGeom prst="straightConnector1">
-            <a:avLst/>
-          </a:prstGeom>
-          <a:ln w="38100">
-            <a:solidFill>
-              <a:schemeClr val="accent2">
-                <a:lumMod val="60000"/>
-                <a:lumOff val="40000"/>
-              </a:schemeClr>
-            </a:solidFill>
-            <a:tailEnd type="triangle"/>
-          </a:ln>
-        </p:spPr>
-        <p:style>
-          <a:lnRef idx="2">
-            <a:schemeClr val="accent1"/>
-          </a:lnRef>
-          <a:fillRef idx="0">
-            <a:schemeClr val="accent1"/>
-          </a:fillRef>
-          <a:effectRef idx="1">
-            <a:schemeClr val="accent1"/>
-          </a:effectRef>
-          <a:fontRef idx="minor">
-            <a:schemeClr val="tx1"/>
-          </a:fontRef>
-        </p:style>
-      </p:cxnSp>
-      <p:cxnSp>
-        <p:nvCxnSpPr>
-          <p:cNvPr id="51" name="연결선: 꺾임 50">
-            <a:extLst>
-              <a:ext uri="{FF2B5EF4-FFF2-40B4-BE49-F238E27FC236}">
-                <a16:creationId xmlns:a16="http://schemas.microsoft.com/office/drawing/2014/main" id="{10ED6439-B5B8-433A-9B5F-2DB5E8A6EA8D}"/>
-              </a:ext>
-            </a:extLst>
-          </p:cNvPr>
-          <p:cNvCxnSpPr>
-            <a:cxnSpLocks/>
-            <a:stCxn id="2" idx="2"/>
-            <a:endCxn id="5" idx="0"/>
-          </p:cNvCxnSpPr>
-          <p:nvPr/>
-        </p:nvCxnSpPr>
-        <p:spPr>
-          <a:xfrm rot="16200000" flipH="1">
-            <a:off x="4865343" y="146632"/>
-            <a:ext cx="356536" cy="2908082"/>
-          </a:xfrm>
-          <a:prstGeom prst="bentConnector3">
-            <a:avLst>
-              <a:gd name="adj1" fmla="val 42457"/>
-            </a:avLst>
-          </a:prstGeom>
-          <a:ln w="38100">
-            <a:solidFill>
-              <a:schemeClr val="bg2">
-                <a:lumMod val="75000"/>
-              </a:schemeClr>
-            </a:solidFill>
-            <a:tailEnd type="triangle"/>
-          </a:ln>
-        </p:spPr>
-        <p:style>
-          <a:lnRef idx="2">
-            <a:schemeClr val="accent1"/>
-          </a:lnRef>
-          <a:fillRef idx="0">
-            <a:schemeClr val="accent1"/>
-          </a:fillRef>
-          <a:effectRef idx="1">
-            <a:schemeClr val="accent1"/>
-          </a:effectRef>
-          <a:fontRef idx="minor">
-            <a:schemeClr val="tx1"/>
-          </a:fontRef>
-        </p:style>
-      </p:cxnSp>
-      <p:cxnSp>
-        <p:nvCxnSpPr>
           <p:cNvPr id="62" name="연결선: 꺾임 61">
             <a:extLst>
               <a:ext uri="{FF2B5EF4-FFF2-40B4-BE49-F238E27FC236}">
@@ -13150,65 +11462,6 @@
       </p:sp>
       <p:sp>
         <p:nvSpPr>
-          <p:cNvPr id="5" name="직사각형 4">
-            <a:extLst>
-              <a:ext uri="{FF2B5EF4-FFF2-40B4-BE49-F238E27FC236}">
-                <a16:creationId xmlns:a16="http://schemas.microsoft.com/office/drawing/2014/main" id="{AD9527C2-7E0D-AE82-642D-C4C5EF9BE718}"/>
-              </a:ext>
-            </a:extLst>
-          </p:cNvPr>
-          <p:cNvSpPr/>
-          <p:nvPr/>
-        </p:nvSpPr>
-        <p:spPr>
-          <a:xfrm>
-            <a:off x="5831544" y="1778941"/>
-            <a:ext cx="1332215" cy="532886"/>
-          </a:xfrm>
-          <a:prstGeom prst="rect">
-            <a:avLst/>
-          </a:prstGeom>
-          <a:solidFill>
-            <a:schemeClr val="accent6">
-              <a:lumMod val="20000"/>
-              <a:lumOff val="80000"/>
-            </a:schemeClr>
-          </a:solidFill>
-        </p:spPr>
-        <p:style>
-          <a:lnRef idx="2">
-            <a:schemeClr val="accent1">
-              <a:shade val="15000"/>
-            </a:schemeClr>
-          </a:lnRef>
-          <a:fillRef idx="1">
-            <a:schemeClr val="accent1"/>
-          </a:fillRef>
-          <a:effectRef idx="0">
-            <a:schemeClr val="accent1"/>
-          </a:effectRef>
-          <a:fontRef idx="minor">
-            <a:schemeClr val="lt1"/>
-          </a:fontRef>
-        </p:style>
-        <p:txBody>
-          <a:bodyPr rtlCol="0" anchor="ctr"/>
-          <a:lstStyle/>
-          <a:p>
-            <a:pPr algn="ctr"/>
-            <a:r>
-              <a:rPr lang="ko-KR" altLang="en-US" sz="1600" dirty="0">
-                <a:solidFill>
-                  <a:schemeClr val="tx1"/>
-                </a:solidFill>
-              </a:rPr>
-              <a:t>화톳불 발견</a:t>
-            </a:r>
-          </a:p>
-        </p:txBody>
-      </p:sp>
-      <p:sp>
-        <p:nvSpPr>
           <p:cNvPr id="7" name="직사각형 6">
             <a:extLst>
               <a:ext uri="{FF2B5EF4-FFF2-40B4-BE49-F238E27FC236}">
@@ -13267,10 +11520,10 @@
       </p:sp>
       <p:sp>
         <p:nvSpPr>
-          <p:cNvPr id="9" name="직사각형 8">
-            <a:extLst>
-              <a:ext uri="{FF2B5EF4-FFF2-40B4-BE49-F238E27FC236}">
-                <a16:creationId xmlns:a16="http://schemas.microsoft.com/office/drawing/2014/main" id="{88E26028-E594-E1C7-19FE-5D4D42B72691}"/>
+          <p:cNvPr id="10" name="직사각형 9">
+            <a:extLst>
+              <a:ext uri="{FF2B5EF4-FFF2-40B4-BE49-F238E27FC236}">
+                <a16:creationId xmlns:a16="http://schemas.microsoft.com/office/drawing/2014/main" id="{0AE87EC9-882E-215D-0739-C98B9E93143C}"/>
               </a:ext>
             </a:extLst>
           </p:cNvPr>
@@ -13279,66 +11532,7 @@
         </p:nvSpPr>
         <p:spPr>
           <a:xfrm>
-            <a:off x="5831544" y="4061177"/>
-            <a:ext cx="1332215" cy="532886"/>
-          </a:xfrm>
-          <a:prstGeom prst="rect">
-            <a:avLst/>
-          </a:prstGeom>
-          <a:solidFill>
-            <a:schemeClr val="accent2">
-              <a:lumMod val="40000"/>
-              <a:lumOff val="60000"/>
-            </a:schemeClr>
-          </a:solidFill>
-        </p:spPr>
-        <p:style>
-          <a:lnRef idx="2">
-            <a:schemeClr val="accent1">
-              <a:shade val="15000"/>
-            </a:schemeClr>
-          </a:lnRef>
-          <a:fillRef idx="1">
-            <a:schemeClr val="accent1"/>
-          </a:fillRef>
-          <a:effectRef idx="0">
-            <a:schemeClr val="accent1"/>
-          </a:effectRef>
-          <a:fontRef idx="minor">
-            <a:schemeClr val="lt1"/>
-          </a:fontRef>
-        </p:style>
-        <p:txBody>
-          <a:bodyPr rtlCol="0" anchor="ctr"/>
-          <a:lstStyle/>
-          <a:p>
-            <a:pPr algn="ctr"/>
-            <a:r>
-              <a:rPr lang="ko-KR" altLang="en-US" sz="1600" dirty="0">
-                <a:solidFill>
-                  <a:schemeClr val="tx1"/>
-                </a:solidFill>
-              </a:rPr>
-              <a:t>체력 회복</a:t>
-            </a:r>
-          </a:p>
-        </p:txBody>
-      </p:sp>
-      <p:sp>
-        <p:nvSpPr>
-          <p:cNvPr id="10" name="직사각형 9">
-            <a:extLst>
-              <a:ext uri="{FF2B5EF4-FFF2-40B4-BE49-F238E27FC236}">
-                <a16:creationId xmlns:a16="http://schemas.microsoft.com/office/drawing/2014/main" id="{0AE87EC9-882E-215D-0739-C98B9E93143C}"/>
-              </a:ext>
-            </a:extLst>
-          </p:cNvPr>
-          <p:cNvSpPr/>
-          <p:nvPr/>
-        </p:nvSpPr>
-        <p:spPr>
-          <a:xfrm>
-            <a:off x="4569385" y="6169127"/>
+            <a:off x="6096000" y="5827587"/>
             <a:ext cx="1332215" cy="532886"/>
           </a:xfrm>
           <a:prstGeom prst="rect">
@@ -13901,638 +12095,6 @@
               <a:schemeClr val="accent5">
                 <a:lumMod val="40000"/>
                 <a:lumOff val="60000"/>
-              </a:schemeClr>
-            </a:solidFill>
-            <a:tailEnd type="triangle"/>
-          </a:ln>
-        </p:spPr>
-        <p:style>
-          <a:lnRef idx="2">
-            <a:schemeClr val="accent1"/>
-          </a:lnRef>
-          <a:fillRef idx="0">
-            <a:schemeClr val="accent1"/>
-          </a:fillRef>
-          <a:effectRef idx="1">
-            <a:schemeClr val="accent1"/>
-          </a:effectRef>
-          <a:fontRef idx="minor">
-            <a:schemeClr val="tx1"/>
-          </a:fontRef>
-        </p:style>
-      </p:cxnSp>
-      <p:cxnSp>
-        <p:nvCxnSpPr>
-          <p:cNvPr id="124" name="연결선: 꺾임 123">
-            <a:extLst>
-              <a:ext uri="{FF2B5EF4-FFF2-40B4-BE49-F238E27FC236}">
-                <a16:creationId xmlns:a16="http://schemas.microsoft.com/office/drawing/2014/main" id="{B19A60C2-7FBB-DD32-4C2A-ECAA39CEC72D}"/>
-              </a:ext>
-            </a:extLst>
-          </p:cNvPr>
-          <p:cNvCxnSpPr>
-            <a:cxnSpLocks/>
-            <a:stCxn id="176" idx="2"/>
-            <a:endCxn id="174" idx="6"/>
-          </p:cNvCxnSpPr>
-          <p:nvPr/>
-        </p:nvCxnSpPr>
-        <p:spPr>
-          <a:xfrm rot="5400000">
-            <a:off x="7413335" y="3765465"/>
-            <a:ext cx="285392" cy="1942589"/>
-          </a:xfrm>
-          <a:prstGeom prst="bentConnector2">
-            <a:avLst/>
-          </a:prstGeom>
-          <a:ln w="38100">
-            <a:solidFill>
-              <a:srgbClr val="F2AA84"/>
-            </a:solidFill>
-            <a:tailEnd type="triangle"/>
-          </a:ln>
-        </p:spPr>
-        <p:style>
-          <a:lnRef idx="2">
-            <a:schemeClr val="accent1"/>
-          </a:lnRef>
-          <a:fillRef idx="0">
-            <a:schemeClr val="accent1"/>
-          </a:fillRef>
-          <a:effectRef idx="1">
-            <a:schemeClr val="accent1"/>
-          </a:effectRef>
-          <a:fontRef idx="minor">
-            <a:schemeClr val="tx1"/>
-          </a:fontRef>
-        </p:style>
-      </p:cxnSp>
-      <p:sp>
-        <p:nvSpPr>
-          <p:cNvPr id="156" name="직사각형 155">
-            <a:extLst>
-              <a:ext uri="{FF2B5EF4-FFF2-40B4-BE49-F238E27FC236}">
-                <a16:creationId xmlns:a16="http://schemas.microsoft.com/office/drawing/2014/main" id="{397911FA-B63F-1F97-9742-C512B1AB3CB4}"/>
-              </a:ext>
-            </a:extLst>
-          </p:cNvPr>
-          <p:cNvSpPr/>
-          <p:nvPr/>
-        </p:nvSpPr>
-        <p:spPr>
-          <a:xfrm>
-            <a:off x="5831544" y="2502979"/>
-            <a:ext cx="1332215" cy="532886"/>
-          </a:xfrm>
-          <a:prstGeom prst="rect">
-            <a:avLst/>
-          </a:prstGeom>
-          <a:solidFill>
-            <a:schemeClr val="bg1">
-              <a:lumMod val="85000"/>
-            </a:schemeClr>
-          </a:solidFill>
-        </p:spPr>
-        <p:style>
-          <a:lnRef idx="2">
-            <a:schemeClr val="accent1">
-              <a:shade val="15000"/>
-            </a:schemeClr>
-          </a:lnRef>
-          <a:fillRef idx="1">
-            <a:schemeClr val="accent1"/>
-          </a:fillRef>
-          <a:effectRef idx="0">
-            <a:schemeClr val="accent1"/>
-          </a:effectRef>
-          <a:fontRef idx="minor">
-            <a:schemeClr val="lt1"/>
-          </a:fontRef>
-        </p:style>
-        <p:txBody>
-          <a:bodyPr rtlCol="0" anchor="ctr"/>
-          <a:lstStyle/>
-          <a:p>
-            <a:pPr algn="ctr"/>
-            <a:r>
-              <a:rPr lang="ko-KR" altLang="en-US" sz="1600" dirty="0">
-                <a:solidFill>
-                  <a:schemeClr val="tx1"/>
-                </a:solidFill>
-              </a:rPr>
-              <a:t>행동 선택</a:t>
-            </a:r>
-          </a:p>
-        </p:txBody>
-      </p:sp>
-      <p:sp>
-        <p:nvSpPr>
-          <p:cNvPr id="166" name="직사각형 165">
-            <a:extLst>
-              <a:ext uri="{FF2B5EF4-FFF2-40B4-BE49-F238E27FC236}">
-                <a16:creationId xmlns:a16="http://schemas.microsoft.com/office/drawing/2014/main" id="{55742BA8-12ED-122E-9A0C-C8D046C566C8}"/>
-              </a:ext>
-            </a:extLst>
-          </p:cNvPr>
-          <p:cNvSpPr/>
-          <p:nvPr/>
-        </p:nvSpPr>
-        <p:spPr>
-          <a:xfrm>
-            <a:off x="5831544" y="3303850"/>
-            <a:ext cx="1332215" cy="532886"/>
-          </a:xfrm>
-          <a:prstGeom prst="rect">
-            <a:avLst/>
-          </a:prstGeom>
-          <a:solidFill>
-            <a:schemeClr val="accent1">
-              <a:lumMod val="20000"/>
-              <a:lumOff val="80000"/>
-            </a:schemeClr>
-          </a:solidFill>
-        </p:spPr>
-        <p:style>
-          <a:lnRef idx="2">
-            <a:schemeClr val="accent1">
-              <a:shade val="15000"/>
-            </a:schemeClr>
-          </a:lnRef>
-          <a:fillRef idx="1">
-            <a:schemeClr val="accent1"/>
-          </a:fillRef>
-          <a:effectRef idx="0">
-            <a:schemeClr val="accent1"/>
-          </a:effectRef>
-          <a:fontRef idx="minor">
-            <a:schemeClr val="lt1"/>
-          </a:fontRef>
-        </p:style>
-        <p:txBody>
-          <a:bodyPr rtlCol="0" anchor="ctr"/>
-          <a:lstStyle/>
-          <a:p>
-            <a:pPr algn="ctr"/>
-            <a:r>
-              <a:rPr lang="ko-KR" altLang="en-US" sz="1600" dirty="0">
-                <a:solidFill>
-                  <a:schemeClr val="tx1"/>
-                </a:solidFill>
-              </a:rPr>
-              <a:t>휴식</a:t>
-            </a:r>
-          </a:p>
-        </p:txBody>
-      </p:sp>
-      <p:sp>
-        <p:nvSpPr>
-          <p:cNvPr id="167" name="직사각형 166">
-            <a:extLst>
-              <a:ext uri="{FF2B5EF4-FFF2-40B4-BE49-F238E27FC236}">
-                <a16:creationId xmlns:a16="http://schemas.microsoft.com/office/drawing/2014/main" id="{E42FCC9C-5E8C-FA3F-99FC-26F69485D035}"/>
-              </a:ext>
-            </a:extLst>
-          </p:cNvPr>
-          <p:cNvSpPr/>
-          <p:nvPr/>
-        </p:nvSpPr>
-        <p:spPr>
-          <a:xfrm>
-            <a:off x="7856864" y="3303850"/>
-            <a:ext cx="1332215" cy="532886"/>
-          </a:xfrm>
-          <a:prstGeom prst="rect">
-            <a:avLst/>
-          </a:prstGeom>
-          <a:solidFill>
-            <a:schemeClr val="accent1">
-              <a:lumMod val="20000"/>
-              <a:lumOff val="80000"/>
-            </a:schemeClr>
-          </a:solidFill>
-        </p:spPr>
-        <p:style>
-          <a:lnRef idx="2">
-            <a:schemeClr val="accent1">
-              <a:shade val="15000"/>
-            </a:schemeClr>
-          </a:lnRef>
-          <a:fillRef idx="1">
-            <a:schemeClr val="accent1"/>
-          </a:fillRef>
-          <a:effectRef idx="0">
-            <a:schemeClr val="accent1"/>
-          </a:effectRef>
-          <a:fontRef idx="minor">
-            <a:schemeClr val="lt1"/>
-          </a:fontRef>
-        </p:style>
-        <p:txBody>
-          <a:bodyPr rtlCol="0" anchor="ctr"/>
-          <a:lstStyle/>
-          <a:p>
-            <a:pPr algn="ctr"/>
-            <a:r>
-              <a:rPr lang="ko-KR" altLang="en-US" sz="1600" dirty="0">
-                <a:solidFill>
-                  <a:schemeClr val="tx1"/>
-                </a:solidFill>
-              </a:rPr>
-              <a:t>불 길들이기</a:t>
-            </a:r>
-          </a:p>
-        </p:txBody>
-      </p:sp>
-      <p:cxnSp>
-        <p:nvCxnSpPr>
-          <p:cNvPr id="168" name="직선 화살표 연결선 167">
-            <a:extLst>
-              <a:ext uri="{FF2B5EF4-FFF2-40B4-BE49-F238E27FC236}">
-                <a16:creationId xmlns:a16="http://schemas.microsoft.com/office/drawing/2014/main" id="{11022BC4-7027-9FDF-1CBB-6E621D6414DA}"/>
-              </a:ext>
-            </a:extLst>
-          </p:cNvPr>
-          <p:cNvCxnSpPr>
-            <a:cxnSpLocks/>
-            <a:stCxn id="156" idx="2"/>
-            <a:endCxn id="166" idx="0"/>
-          </p:cNvCxnSpPr>
-          <p:nvPr/>
-        </p:nvCxnSpPr>
-        <p:spPr>
-          <a:xfrm>
-            <a:off x="6497652" y="3035865"/>
-            <a:ext cx="0" cy="267985"/>
-          </a:xfrm>
-          <a:prstGeom prst="straightConnector1">
-            <a:avLst/>
-          </a:prstGeom>
-          <a:ln w="38100">
-            <a:solidFill>
-              <a:schemeClr val="accent2">
-                <a:lumMod val="60000"/>
-                <a:lumOff val="40000"/>
-              </a:schemeClr>
-            </a:solidFill>
-            <a:tailEnd type="triangle"/>
-          </a:ln>
-        </p:spPr>
-        <p:style>
-          <a:lnRef idx="2">
-            <a:schemeClr val="accent1"/>
-          </a:lnRef>
-          <a:fillRef idx="0">
-            <a:schemeClr val="accent1"/>
-          </a:fillRef>
-          <a:effectRef idx="1">
-            <a:schemeClr val="accent1"/>
-          </a:effectRef>
-          <a:fontRef idx="minor">
-            <a:schemeClr val="tx1"/>
-          </a:fontRef>
-        </p:style>
-      </p:cxnSp>
-      <p:sp>
-        <p:nvSpPr>
-          <p:cNvPr id="174" name="순서도: 연결자 173">
-            <a:extLst>
-              <a:ext uri="{FF2B5EF4-FFF2-40B4-BE49-F238E27FC236}">
-                <a16:creationId xmlns:a16="http://schemas.microsoft.com/office/drawing/2014/main" id="{6766370E-94C2-67DA-5BC8-27446C172F95}"/>
-              </a:ext>
-            </a:extLst>
-          </p:cNvPr>
-          <p:cNvSpPr/>
-          <p:nvPr/>
-        </p:nvSpPr>
-        <p:spPr>
-          <a:xfrm>
-            <a:off x="6410565" y="4792369"/>
-            <a:ext cx="174171" cy="174171"/>
-          </a:xfrm>
-          <a:prstGeom prst="flowChartConnector">
-            <a:avLst/>
-          </a:prstGeom>
-          <a:solidFill>
-            <a:schemeClr val="bg1"/>
-          </a:solidFill>
-          <a:ln w="38100">
-            <a:solidFill>
-              <a:srgbClr val="AEAEAE"/>
-            </a:solidFill>
-          </a:ln>
-        </p:spPr>
-        <p:style>
-          <a:lnRef idx="2">
-            <a:schemeClr val="accent1">
-              <a:shade val="15000"/>
-            </a:schemeClr>
-          </a:lnRef>
-          <a:fillRef idx="1">
-            <a:schemeClr val="accent1"/>
-          </a:fillRef>
-          <a:effectRef idx="0">
-            <a:schemeClr val="accent1"/>
-          </a:effectRef>
-          <a:fontRef idx="minor">
-            <a:schemeClr val="lt1"/>
-          </a:fontRef>
-        </p:style>
-        <p:txBody>
-          <a:bodyPr rtlCol="0" anchor="ctr"/>
-          <a:lstStyle/>
-          <a:p>
-            <a:pPr algn="ctr"/>
-            <a:endParaRPr lang="ko-KR" altLang="en-US" sz="1600"/>
-          </a:p>
-        </p:txBody>
-      </p:sp>
-      <p:sp>
-        <p:nvSpPr>
-          <p:cNvPr id="176" name="직사각형 175">
-            <a:extLst>
-              <a:ext uri="{FF2B5EF4-FFF2-40B4-BE49-F238E27FC236}">
-                <a16:creationId xmlns:a16="http://schemas.microsoft.com/office/drawing/2014/main" id="{B1F5ABD3-B91B-9181-F6D4-DAE717B8C95C}"/>
-              </a:ext>
-            </a:extLst>
-          </p:cNvPr>
-          <p:cNvSpPr/>
-          <p:nvPr/>
-        </p:nvSpPr>
-        <p:spPr>
-          <a:xfrm>
-            <a:off x="7861217" y="4061177"/>
-            <a:ext cx="1332215" cy="532886"/>
-          </a:xfrm>
-          <a:prstGeom prst="rect">
-            <a:avLst/>
-          </a:prstGeom>
-          <a:solidFill>
-            <a:schemeClr val="accent2">
-              <a:lumMod val="40000"/>
-              <a:lumOff val="60000"/>
-            </a:schemeClr>
-          </a:solidFill>
-        </p:spPr>
-        <p:style>
-          <a:lnRef idx="2">
-            <a:schemeClr val="accent1">
-              <a:shade val="15000"/>
-            </a:schemeClr>
-          </a:lnRef>
-          <a:fillRef idx="1">
-            <a:schemeClr val="accent1"/>
-          </a:fillRef>
-          <a:effectRef idx="0">
-            <a:schemeClr val="accent1"/>
-          </a:effectRef>
-          <a:fontRef idx="minor">
-            <a:schemeClr val="lt1"/>
-          </a:fontRef>
-        </p:style>
-        <p:txBody>
-          <a:bodyPr rtlCol="0" anchor="ctr"/>
-          <a:lstStyle/>
-          <a:p>
-            <a:pPr algn="ctr"/>
-            <a:r>
-              <a:rPr lang="ko-KR" altLang="en-US" sz="1600" dirty="0">
-                <a:solidFill>
-                  <a:schemeClr val="tx1"/>
-                </a:solidFill>
-              </a:rPr>
-              <a:t>스킬 강화</a:t>
-            </a:r>
-            <a:endParaRPr lang="en-US" altLang="ko-KR" sz="1600" dirty="0">
-              <a:solidFill>
-                <a:schemeClr val="tx1"/>
-              </a:solidFill>
-            </a:endParaRPr>
-          </a:p>
-          <a:p>
-            <a:pPr algn="ctr"/>
-            <a:r>
-              <a:rPr lang="en-US" altLang="ko-KR" sz="1200" dirty="0">
-                <a:solidFill>
-                  <a:schemeClr val="tx1"/>
-                </a:solidFill>
-              </a:rPr>
-              <a:t>(</a:t>
-            </a:r>
-            <a:r>
-              <a:rPr lang="ko-KR" altLang="en-US" sz="1200" dirty="0">
-                <a:solidFill>
-                  <a:schemeClr val="tx1"/>
-                </a:solidFill>
-              </a:rPr>
-              <a:t>해당 </a:t>
-            </a:r>
-            <a:r>
-              <a:rPr lang="ko-KR" altLang="en-US" sz="1200" dirty="0" err="1">
-                <a:solidFill>
-                  <a:schemeClr val="tx1"/>
-                </a:solidFill>
-              </a:rPr>
-              <a:t>주회</a:t>
-            </a:r>
-            <a:r>
-              <a:rPr lang="ko-KR" altLang="en-US" sz="1200" dirty="0">
-                <a:solidFill>
-                  <a:schemeClr val="tx1"/>
-                </a:solidFill>
-              </a:rPr>
-              <a:t> 한정</a:t>
-            </a:r>
-            <a:r>
-              <a:rPr lang="en-US" altLang="ko-KR" sz="1200" dirty="0">
-                <a:solidFill>
-                  <a:schemeClr val="tx1"/>
-                </a:solidFill>
-              </a:rPr>
-              <a:t>)</a:t>
-            </a:r>
-            <a:endParaRPr lang="ko-KR" altLang="en-US" sz="1200" dirty="0">
-              <a:solidFill>
-                <a:schemeClr val="tx1"/>
-              </a:solidFill>
-            </a:endParaRPr>
-          </a:p>
-        </p:txBody>
-      </p:sp>
-      <p:cxnSp>
-        <p:nvCxnSpPr>
-          <p:cNvPr id="179" name="직선 화살표 연결선 178">
-            <a:extLst>
-              <a:ext uri="{FF2B5EF4-FFF2-40B4-BE49-F238E27FC236}">
-                <a16:creationId xmlns:a16="http://schemas.microsoft.com/office/drawing/2014/main" id="{251CEE15-DC7E-A40A-CDF8-8EFCFE461C2E}"/>
-              </a:ext>
-            </a:extLst>
-          </p:cNvPr>
-          <p:cNvCxnSpPr>
-            <a:cxnSpLocks/>
-            <a:stCxn id="166" idx="2"/>
-            <a:endCxn id="9" idx="0"/>
-          </p:cNvCxnSpPr>
-          <p:nvPr/>
-        </p:nvCxnSpPr>
-        <p:spPr>
-          <a:xfrm>
-            <a:off x="6497652" y="3836736"/>
-            <a:ext cx="0" cy="224441"/>
-          </a:xfrm>
-          <a:prstGeom prst="straightConnector1">
-            <a:avLst/>
-          </a:prstGeom>
-          <a:ln w="38100">
-            <a:solidFill>
-              <a:schemeClr val="accent2">
-                <a:lumMod val="60000"/>
-                <a:lumOff val="40000"/>
-              </a:schemeClr>
-            </a:solidFill>
-            <a:tailEnd type="triangle"/>
-          </a:ln>
-        </p:spPr>
-        <p:style>
-          <a:lnRef idx="2">
-            <a:schemeClr val="accent1"/>
-          </a:lnRef>
-          <a:fillRef idx="0">
-            <a:schemeClr val="accent1"/>
-          </a:fillRef>
-          <a:effectRef idx="1">
-            <a:schemeClr val="accent1"/>
-          </a:effectRef>
-          <a:fontRef idx="minor">
-            <a:schemeClr val="tx1"/>
-          </a:fontRef>
-        </p:style>
-      </p:cxnSp>
-      <p:cxnSp>
-        <p:nvCxnSpPr>
-          <p:cNvPr id="180" name="직선 화살표 연결선 179">
-            <a:extLst>
-              <a:ext uri="{FF2B5EF4-FFF2-40B4-BE49-F238E27FC236}">
-                <a16:creationId xmlns:a16="http://schemas.microsoft.com/office/drawing/2014/main" id="{F2424F41-4C2F-4F8B-E139-8DDFAC939A3A}"/>
-              </a:ext>
-            </a:extLst>
-          </p:cNvPr>
-          <p:cNvCxnSpPr>
-            <a:cxnSpLocks/>
-            <a:stCxn id="9" idx="2"/>
-            <a:endCxn id="174" idx="0"/>
-          </p:cNvCxnSpPr>
-          <p:nvPr/>
-        </p:nvCxnSpPr>
-        <p:spPr>
-          <a:xfrm flipH="1">
-            <a:off x="6497651" y="4594063"/>
-            <a:ext cx="1" cy="198306"/>
-          </a:xfrm>
-          <a:prstGeom prst="straightConnector1">
-            <a:avLst/>
-          </a:prstGeom>
-          <a:ln w="38100">
-            <a:solidFill>
-              <a:schemeClr val="accent2">
-                <a:lumMod val="60000"/>
-                <a:lumOff val="40000"/>
-              </a:schemeClr>
-            </a:solidFill>
-            <a:tailEnd type="triangle"/>
-          </a:ln>
-        </p:spPr>
-        <p:style>
-          <a:lnRef idx="2">
-            <a:schemeClr val="accent1"/>
-          </a:lnRef>
-          <a:fillRef idx="0">
-            <a:schemeClr val="accent1"/>
-          </a:fillRef>
-          <a:effectRef idx="1">
-            <a:schemeClr val="accent1"/>
-          </a:effectRef>
-          <a:fontRef idx="minor">
-            <a:schemeClr val="tx1"/>
-          </a:fontRef>
-        </p:style>
-      </p:cxnSp>
-      <p:cxnSp>
-        <p:nvCxnSpPr>
-          <p:cNvPr id="189" name="연결선: 꺾임 188">
-            <a:extLst>
-              <a:ext uri="{FF2B5EF4-FFF2-40B4-BE49-F238E27FC236}">
-                <a16:creationId xmlns:a16="http://schemas.microsoft.com/office/drawing/2014/main" id="{301CCAA2-673A-72D2-DBC5-D6BA16B5C794}"/>
-              </a:ext>
-            </a:extLst>
-          </p:cNvPr>
-          <p:cNvCxnSpPr>
-            <a:cxnSpLocks/>
-            <a:stCxn id="156" idx="2"/>
-            <a:endCxn id="167" idx="0"/>
-          </p:cNvCxnSpPr>
-          <p:nvPr/>
-        </p:nvCxnSpPr>
-        <p:spPr>
-          <a:xfrm rot="16200000" flipH="1">
-            <a:off x="7376320" y="2157197"/>
-            <a:ext cx="267985" cy="2025320"/>
-          </a:xfrm>
-          <a:prstGeom prst="bentConnector3">
-            <a:avLst>
-              <a:gd name="adj1" fmla="val 36618"/>
-            </a:avLst>
-          </a:prstGeom>
-          <a:ln w="38100">
-            <a:solidFill>
-              <a:srgbClr val="F2AA84"/>
-            </a:solidFill>
-            <a:tailEnd type="triangle"/>
-          </a:ln>
-        </p:spPr>
-        <p:style>
-          <a:lnRef idx="2">
-            <a:schemeClr val="accent1"/>
-          </a:lnRef>
-          <a:fillRef idx="0">
-            <a:schemeClr val="accent1"/>
-          </a:fillRef>
-          <a:effectRef idx="1">
-            <a:schemeClr val="accent1"/>
-          </a:effectRef>
-          <a:fontRef idx="minor">
-            <a:schemeClr val="tx1"/>
-          </a:fontRef>
-        </p:style>
-      </p:cxnSp>
-      <p:cxnSp>
-        <p:nvCxnSpPr>
-          <p:cNvPr id="192" name="직선 화살표 연결선 191">
-            <a:extLst>
-              <a:ext uri="{FF2B5EF4-FFF2-40B4-BE49-F238E27FC236}">
-                <a16:creationId xmlns:a16="http://schemas.microsoft.com/office/drawing/2014/main" id="{28E947EE-5983-1BF1-34C3-E6129D7651EB}"/>
-              </a:ext>
-            </a:extLst>
-          </p:cNvPr>
-          <p:cNvCxnSpPr>
-            <a:cxnSpLocks/>
-            <a:stCxn id="167" idx="2"/>
-            <a:endCxn id="176" idx="0"/>
-          </p:cNvCxnSpPr>
-          <p:nvPr/>
-        </p:nvCxnSpPr>
-        <p:spPr>
-          <a:xfrm>
-            <a:off x="8522972" y="3836736"/>
-            <a:ext cx="4353" cy="224441"/>
-          </a:xfrm>
-          <a:prstGeom prst="straightConnector1">
-            <a:avLst/>
-          </a:prstGeom>
-          <a:ln w="38100">
-            <a:solidFill>
-              <a:schemeClr val="accent2">
-                <a:lumMod val="60000"/>
-                <a:lumOff val="40000"/>
               </a:schemeClr>
             </a:solidFill>
             <a:tailEnd type="triangle"/>
@@ -15406,51 +12968,6 @@
           </p:txBody>
         </p:sp>
       </p:grpSp>
-      <p:cxnSp>
-        <p:nvCxnSpPr>
-          <p:cNvPr id="19" name="직선 연결선 18">
-            <a:extLst>
-              <a:ext uri="{FF2B5EF4-FFF2-40B4-BE49-F238E27FC236}">
-                <a16:creationId xmlns:a16="http://schemas.microsoft.com/office/drawing/2014/main" id="{AE2735E2-4B34-2793-C817-490DB3ABFE60}"/>
-              </a:ext>
-            </a:extLst>
-          </p:cNvPr>
-          <p:cNvCxnSpPr>
-            <a:cxnSpLocks/>
-            <a:stCxn id="113" idx="6"/>
-            <a:endCxn id="174" idx="2"/>
-          </p:cNvCxnSpPr>
-          <p:nvPr/>
-        </p:nvCxnSpPr>
-        <p:spPr>
-          <a:xfrm>
-            <a:off x="3676654" y="4879455"/>
-            <a:ext cx="2733911" cy="0"/>
-          </a:xfrm>
-          <a:prstGeom prst="line">
-            <a:avLst/>
-          </a:prstGeom>
-          <a:ln w="38100">
-            <a:solidFill>
-              <a:srgbClr val="AEAEAE"/>
-            </a:solidFill>
-          </a:ln>
-        </p:spPr>
-        <p:style>
-          <a:lnRef idx="2">
-            <a:schemeClr val="accent1"/>
-          </a:lnRef>
-          <a:fillRef idx="0">
-            <a:schemeClr val="accent1"/>
-          </a:fillRef>
-          <a:effectRef idx="1">
-            <a:schemeClr val="accent1"/>
-          </a:effectRef>
-          <a:fontRef idx="minor">
-            <a:schemeClr val="tx1"/>
-          </a:fontRef>
-        </p:style>
-      </p:cxnSp>
       <p:sp>
         <p:nvSpPr>
           <p:cNvPr id="42" name="순서도: 연결자 41">
@@ -15600,128 +13117,35 @@
           </a:fontRef>
         </p:style>
       </p:cxnSp>
-      <p:sp>
-        <p:nvSpPr>
-          <p:cNvPr id="67" name="직사각형 66">
-            <a:extLst>
-              <a:ext uri="{FF2B5EF4-FFF2-40B4-BE49-F238E27FC236}">
-                <a16:creationId xmlns:a16="http://schemas.microsoft.com/office/drawing/2014/main" id="{65E0247B-55FE-DB16-04B8-97C56CF79386}"/>
-              </a:ext>
-            </a:extLst>
-          </p:cNvPr>
-          <p:cNvSpPr/>
-          <p:nvPr/>
-        </p:nvSpPr>
-        <p:spPr>
-          <a:xfrm>
-            <a:off x="2923462" y="6169126"/>
-            <a:ext cx="1332215" cy="532886"/>
-          </a:xfrm>
-          <a:prstGeom prst="rect">
-            <a:avLst/>
-          </a:prstGeom>
-          <a:solidFill>
-            <a:schemeClr val="bg1">
-              <a:lumMod val="85000"/>
-            </a:schemeClr>
-          </a:solidFill>
-        </p:spPr>
-        <p:style>
-          <a:lnRef idx="2">
-            <a:schemeClr val="accent1">
-              <a:shade val="15000"/>
-            </a:schemeClr>
-          </a:lnRef>
-          <a:fillRef idx="1">
-            <a:schemeClr val="accent1"/>
-          </a:fillRef>
-          <a:effectRef idx="0">
-            <a:schemeClr val="accent1"/>
-          </a:effectRef>
-          <a:fontRef idx="minor">
-            <a:schemeClr val="lt1"/>
-          </a:fontRef>
-        </p:style>
-        <p:txBody>
-          <a:bodyPr rtlCol="0" anchor="ctr"/>
-          <a:lstStyle/>
-          <a:p>
-            <a:pPr algn="ctr"/>
-            <a:r>
-              <a:rPr lang="ko-KR" altLang="en-US" sz="1600" dirty="0">
-                <a:solidFill>
-                  <a:schemeClr val="tx1"/>
-                </a:solidFill>
-              </a:rPr>
-              <a:t>던전 화면</a:t>
-            </a:r>
-            <a:endParaRPr lang="en-US" altLang="ko-KR" sz="1600" dirty="0">
-              <a:solidFill>
-                <a:schemeClr val="tx1"/>
-              </a:solidFill>
-            </a:endParaRPr>
-          </a:p>
-          <a:p>
-            <a:pPr algn="ctr"/>
-            <a:r>
-              <a:rPr lang="en-US" altLang="ko-KR" sz="1100" dirty="0">
-                <a:solidFill>
-                  <a:schemeClr val="tx1"/>
-                </a:solidFill>
-              </a:rPr>
-              <a:t>(</a:t>
-            </a:r>
-            <a:r>
-              <a:rPr lang="ko-KR" altLang="en-US" sz="1100" dirty="0">
-                <a:solidFill>
-                  <a:schemeClr val="tx1"/>
-                </a:solidFill>
-              </a:rPr>
-              <a:t>시작 노드로</a:t>
-            </a:r>
-            <a:r>
-              <a:rPr lang="en-US" altLang="ko-KR" sz="1100" dirty="0">
-                <a:solidFill>
-                  <a:schemeClr val="tx1"/>
-                </a:solidFill>
-              </a:rPr>
-              <a:t>)</a:t>
-            </a:r>
-            <a:endParaRPr lang="ko-KR" altLang="en-US" sz="1100" dirty="0">
-              <a:solidFill>
-                <a:schemeClr val="tx1"/>
-              </a:solidFill>
-            </a:endParaRPr>
-          </a:p>
-        </p:txBody>
-      </p:sp>
       <p:cxnSp>
         <p:nvCxnSpPr>
-          <p:cNvPr id="68" name="직선 화살표 연결선 67">
-            <a:extLst>
-              <a:ext uri="{FF2B5EF4-FFF2-40B4-BE49-F238E27FC236}">
-                <a16:creationId xmlns:a16="http://schemas.microsoft.com/office/drawing/2014/main" id="{C654565C-4E53-D01C-4AA1-67CEBEC8AEE4}"/>
+          <p:cNvPr id="6" name="연결선: 꺾임 5">
+            <a:extLst>
+              <a:ext uri="{FF2B5EF4-FFF2-40B4-BE49-F238E27FC236}">
+                <a16:creationId xmlns:a16="http://schemas.microsoft.com/office/drawing/2014/main" id="{366AAA65-199E-A9E4-7420-9A2690D3648F}"/>
               </a:ext>
             </a:extLst>
           </p:cNvPr>
           <p:cNvCxnSpPr>
             <a:cxnSpLocks/>
-            <a:stCxn id="302" idx="2"/>
-            <a:endCxn id="67" idx="0"/>
+            <a:stCxn id="208" idx="2"/>
+            <a:endCxn id="10" idx="1"/>
           </p:cNvCxnSpPr>
           <p:nvPr/>
         </p:nvCxnSpPr>
         <p:spPr>
-          <a:xfrm flipH="1">
-            <a:off x="3589570" y="5752724"/>
-            <a:ext cx="3" cy="416402"/>
-          </a:xfrm>
-          <a:prstGeom prst="straightConnector1">
+          <a:xfrm rot="16200000" flipH="1">
+            <a:off x="5495093" y="5493123"/>
+            <a:ext cx="341306" cy="860507"/>
+          </a:xfrm>
+          <a:prstGeom prst="bentConnector2">
             <a:avLst/>
           </a:prstGeom>
           <a:ln w="38100">
             <a:solidFill>
-              <a:srgbClr val="BDBDBD"/>
+              <a:schemeClr val="bg2">
+                <a:lumMod val="75000"/>
+              </a:schemeClr>
             </a:solidFill>
             <a:tailEnd type="triangle"/>
           </a:ln>
@@ -15743,31 +13167,36 @@
       </p:cxnSp>
       <p:cxnSp>
         <p:nvCxnSpPr>
-          <p:cNvPr id="24" name="직선 화살표 연결선 23">
-            <a:extLst>
-              <a:ext uri="{FF2B5EF4-FFF2-40B4-BE49-F238E27FC236}">
-                <a16:creationId xmlns:a16="http://schemas.microsoft.com/office/drawing/2014/main" id="{53F50675-8A32-44CF-22F0-10437F364F8F}"/>
+          <p:cNvPr id="12" name="연결선: 꺾임 11">
+            <a:extLst>
+              <a:ext uri="{FF2B5EF4-FFF2-40B4-BE49-F238E27FC236}">
+                <a16:creationId xmlns:a16="http://schemas.microsoft.com/office/drawing/2014/main" id="{3A3929CE-0336-4C73-1F3B-78BBB49E0CE5}"/>
               </a:ext>
             </a:extLst>
           </p:cNvPr>
           <p:cNvCxnSpPr>
             <a:cxnSpLocks/>
-            <a:stCxn id="208" idx="2"/>
-            <a:endCxn id="10" idx="0"/>
+            <a:stCxn id="302" idx="2"/>
+            <a:endCxn id="2" idx="3"/>
           </p:cNvCxnSpPr>
           <p:nvPr/>
         </p:nvCxnSpPr>
         <p:spPr>
-          <a:xfrm>
-            <a:off x="5235493" y="5752724"/>
-            <a:ext cx="0" cy="416403"/>
-          </a:xfrm>
-          <a:prstGeom prst="straightConnector1">
-            <a:avLst/>
+          <a:xfrm rot="5400000" flipH="1" flipV="1">
+            <a:off x="1624244" y="3121291"/>
+            <a:ext cx="4596762" cy="666104"/>
+          </a:xfrm>
+          <a:prstGeom prst="bentConnector4">
+            <a:avLst>
+              <a:gd name="adj1" fmla="val -20129"/>
+              <a:gd name="adj2" fmla="val 614131"/>
+            </a:avLst>
           </a:prstGeom>
           <a:ln w="38100">
             <a:solidFill>
-              <a:srgbClr val="BDBDBD"/>
+              <a:schemeClr val="bg2">
+                <a:lumMod val="75000"/>
+              </a:schemeClr>
             </a:solidFill>
             <a:tailEnd type="triangle"/>
           </a:ln>
@@ -15800,7 +13229,7 @@
 </p:sld>
 </file>
 
-<file path=ppt/slides/slide8.xml><?xml version="1.0" encoding="utf-8"?>
+<file path=ppt/slides/slide6.xml><?xml version="1.0" encoding="utf-8"?>
 <p:sld xmlns:a="http://schemas.openxmlformats.org/drawingml/2006/main" xmlns:r="http://schemas.openxmlformats.org/officeDocument/2006/relationships" xmlns:p="http://schemas.openxmlformats.org/presentationml/2006/main">
   <p:cSld>
     <p:spTree>
@@ -16203,12 +13632,40 @@
               </a:lnSpc>
             </a:pPr>
             <a:r>
+              <a:rPr lang="ko-KR" altLang="en-US" sz="1600" dirty="0" err="1">
+                <a:solidFill>
+                  <a:schemeClr val="tx1"/>
+                </a:solidFill>
+              </a:rPr>
+              <a:t>소지금</a:t>
+            </a:r>
+            <a:endParaRPr lang="en-US" altLang="ko-KR" sz="1600" dirty="0">
+              <a:solidFill>
+                <a:schemeClr val="tx1"/>
+              </a:solidFill>
+            </a:endParaRPr>
+          </a:p>
+          <a:p>
+            <a:pPr>
+              <a:lnSpc>
+                <a:spcPct val="150000"/>
+              </a:lnSpc>
+            </a:pPr>
+            <a:r>
+              <a:rPr lang="ko-KR" altLang="en-US" sz="1600" dirty="0">
+                <a:solidFill>
+                  <a:schemeClr val="tx1"/>
+                </a:solidFill>
+              </a:rPr>
+              <a:t>스킬 </a:t>
+            </a:r>
+            <a:r>
               <a:rPr lang="en-US" altLang="ko-KR" sz="1600" dirty="0">
                 <a:solidFill>
                   <a:schemeClr val="tx1"/>
                 </a:solidFill>
               </a:rPr>
-              <a:t>Rank</a:t>
+              <a:t>1 ----</a:t>
             </a:r>
           </a:p>
           <a:p>
@@ -16217,11 +13674,22 @@
                 <a:spcPct val="150000"/>
               </a:lnSpc>
             </a:pPr>
-            <a:endParaRPr lang="en-US" altLang="ko-KR" sz="1600" dirty="0">
-              <a:solidFill>
-                <a:schemeClr val="tx1"/>
-              </a:solidFill>
-            </a:endParaRPr>
+            <a:r>
+              <a:rPr lang="ko-KR" altLang="en-US" sz="1600" dirty="0">
+                <a:solidFill>
+                  <a:schemeClr val="tx1"/>
+                </a:solidFill>
+              </a:rPr>
+              <a:t>스킬 </a:t>
+            </a:r>
+            <a:r>
+              <a:rPr lang="en-US" altLang="ko-KR" sz="1600" dirty="0">
+                <a:solidFill>
+                  <a:schemeClr val="tx1"/>
+                </a:solidFill>
+              </a:rPr>
+              <a:t>2 ----</a:t>
+            </a:r>
           </a:p>
           <a:p>
             <a:pPr>
@@ -16230,38 +13698,13 @@
               </a:lnSpc>
             </a:pPr>
             <a:r>
-              <a:rPr lang="ko-KR" altLang="en-US" sz="1600" dirty="0">
+              <a:rPr lang="en-US" altLang="ko-KR" sz="1600" dirty="0">
                 <a:solidFill>
                   <a:schemeClr val="tx1"/>
                 </a:solidFill>
               </a:rPr>
-              <a:t>무기</a:t>
-            </a:r>
-            <a:endParaRPr lang="en-US" altLang="ko-KR" sz="1600" dirty="0">
-              <a:solidFill>
-                <a:schemeClr val="tx1"/>
-              </a:solidFill>
-            </a:endParaRPr>
-          </a:p>
-          <a:p>
-            <a:pPr>
-              <a:lnSpc>
-                <a:spcPct val="150000"/>
-              </a:lnSpc>
-            </a:pPr>
-            <a:r>
-              <a:rPr lang="ko-KR" altLang="en-US" sz="1600" dirty="0" err="1">
-                <a:solidFill>
-                  <a:schemeClr val="tx1"/>
-                </a:solidFill>
-              </a:rPr>
-              <a:t>방어구</a:t>
-            </a:r>
-            <a:endParaRPr lang="en-US" altLang="ko-KR" sz="1600" dirty="0">
-              <a:solidFill>
-                <a:schemeClr val="tx1"/>
-              </a:solidFill>
-            </a:endParaRPr>
+              <a:t>…</a:t>
+            </a:r>
           </a:p>
         </p:txBody>
       </p:sp>
@@ -16901,7 +14344,47 @@
                   <a:schemeClr val="tx1"/>
                 </a:solidFill>
               </a:rPr>
-              <a:t>던전 이름</a:t>
+              <a:t>던전 이름 </a:t>
+            </a:r>
+            <a:r>
+              <a:rPr lang="en-US" altLang="ko-KR" sz="1200" b="1" dirty="0">
+                <a:solidFill>
+                  <a:schemeClr val="tx1"/>
+                </a:solidFill>
+              </a:rPr>
+              <a:t>[</a:t>
+            </a:r>
+            <a:r>
+              <a:rPr lang="ko-KR" altLang="en-US" sz="1200" b="1" dirty="0">
+                <a:solidFill>
+                  <a:schemeClr val="tx1"/>
+                </a:solidFill>
+              </a:rPr>
+              <a:t>현재 층 </a:t>
+            </a:r>
+            <a:r>
+              <a:rPr lang="en-US" altLang="ko-KR" sz="1200" b="1" dirty="0">
+                <a:solidFill>
+                  <a:schemeClr val="tx1"/>
+                </a:solidFill>
+              </a:rPr>
+              <a:t>/ </a:t>
+            </a:r>
+            <a:r>
+              <a:rPr lang="ko-KR" altLang="en-US" sz="1200" b="1" dirty="0">
+                <a:solidFill>
+                  <a:schemeClr val="tx1"/>
+                </a:solidFill>
+              </a:rPr>
+              <a:t>최대 층</a:t>
+            </a:r>
+            <a:r>
+              <a:rPr lang="en-US" altLang="ko-KR" sz="1200" b="1" dirty="0">
+                <a:solidFill>
+                  <a:schemeClr val="tx1"/>
+                </a:solidFill>
+              </a:rPr>
+              <a:t>]</a:t>
             </a:r>
             <a:endParaRPr lang="en-US" altLang="ko-KR" sz="2000" b="1" dirty="0">
               <a:solidFill>
@@ -17698,7 +15181,7 @@
 </p:sld>
 </file>
 
-<file path=ppt/slides/slide9.xml><?xml version="1.0" encoding="utf-8"?>
+<file path=ppt/slides/slide7.xml><?xml version="1.0" encoding="utf-8"?>
 <p:sld xmlns:a="http://schemas.openxmlformats.org/drawingml/2006/main" xmlns:r="http://schemas.openxmlformats.org/officeDocument/2006/relationships" xmlns:p="http://schemas.openxmlformats.org/presentationml/2006/main">
   <p:cSld>
     <p:bg>
@@ -17773,7 +15256,7 @@
         <p:spPr>
           <a:xfrm>
             <a:off x="2537012" y="432553"/>
-            <a:ext cx="9530173" cy="6271269"/>
+            <a:ext cx="9018816" cy="5394105"/>
           </a:xfrm>
           <a:prstGeom prst="rect">
             <a:avLst/>
@@ -17785,60 +15268,6 @@
             <a:spAutoFit/>
           </a:bodyPr>
           <a:lstStyle/>
-          <a:p>
-            <a:pPr>
-              <a:lnSpc>
-                <a:spcPct val="150000"/>
-              </a:lnSpc>
-            </a:pPr>
-            <a:r>
-              <a:rPr lang="en-US" altLang="ko-KR" dirty="0"/>
-              <a:t>※ </a:t>
-            </a:r>
-            <a:r>
-              <a:rPr lang="ko-KR" altLang="en-US" dirty="0"/>
-              <a:t>적과 플레이어 캐릭터 모두 동일한 방식을 사용합니다</a:t>
-            </a:r>
-            <a:r>
-              <a:rPr lang="en-US" altLang="ko-KR" dirty="0"/>
-              <a:t>.</a:t>
-            </a:r>
-          </a:p>
-          <a:p>
-            <a:pPr>
-              <a:lnSpc>
-                <a:spcPct val="150000"/>
-              </a:lnSpc>
-            </a:pPr>
-            <a:r>
-              <a:rPr lang="en-US" altLang="ko-KR" dirty="0"/>
-              <a:t>   [</a:t>
-            </a:r>
-            <a:r>
-              <a:rPr lang="ko-KR" altLang="en-US" dirty="0"/>
-              <a:t>단</a:t>
-            </a:r>
-            <a:r>
-              <a:rPr lang="en-US" altLang="ko-KR" dirty="0"/>
-              <a:t>, </a:t>
-            </a:r>
-            <a:r>
-              <a:rPr lang="ko-KR" altLang="en-US" dirty="0"/>
-              <a:t>적은 턴 행동 전체를 묶어서 하나 패턴으로 구성한 뒤 임의 패턴을 사용합니다</a:t>
-            </a:r>
-            <a:r>
-              <a:rPr lang="en-US" altLang="ko-KR" dirty="0"/>
-              <a:t>.]</a:t>
-            </a:r>
-          </a:p>
-          <a:p>
-            <a:pPr>
-              <a:lnSpc>
-                <a:spcPct val="150000"/>
-              </a:lnSpc>
-            </a:pPr>
-            <a:endParaRPr lang="en-US" altLang="ko-KR" dirty="0"/>
-          </a:p>
           <a:p>
             <a:pPr marL="342900" indent="-342900">
               <a:lnSpc>
@@ -17849,7 +15278,7 @@
             </a:pPr>
             <a:r>
               <a:rPr lang="ko-KR" altLang="en-US" b="1" dirty="0"/>
-              <a:t>각 캐릭터는 매 턴 마다 지정된 </a:t>
+              <a:t>플레이어는 매 턴 마다 지정된 </a:t>
             </a:r>
             <a:r>
               <a:rPr lang="en-US" altLang="ko-KR" b="1" dirty="0"/>
@@ -17975,6 +15404,16 @@
             </a:r>
           </a:p>
           <a:p>
+            <a:pPr marL="800100" lvl="1" indent="-342900">
+              <a:lnSpc>
+                <a:spcPct val="150000"/>
+              </a:lnSpc>
+              <a:buFont typeface="Arial" panose="020B0604020202020204" pitchFamily="34" charset="0"/>
+              <a:buChar char="•"/>
+            </a:pPr>
+            <a:endParaRPr lang="en-US" altLang="ko-KR" dirty="0"/>
+          </a:p>
+          <a:p>
             <a:pPr marL="342900" indent="-342900">
               <a:lnSpc>
                 <a:spcPct val="150000"/>
@@ -17984,23 +15423,7 @@
             </a:pPr>
             <a:r>
               <a:rPr lang="ko-KR" altLang="en-US" b="1" dirty="0"/>
-              <a:t>턴의 끝에 남은 </a:t>
-            </a:r>
-            <a:r>
-              <a:rPr lang="en-US" altLang="ko-KR" b="1" dirty="0"/>
-              <a:t>AP</a:t>
-            </a:r>
-            <a:r>
-              <a:rPr lang="ko-KR" altLang="en-US" b="1" dirty="0"/>
-              <a:t>는 </a:t>
-            </a:r>
-            <a:r>
-              <a:rPr lang="en-US" altLang="ko-KR" b="1" dirty="0"/>
-              <a:t>BP</a:t>
-            </a:r>
-            <a:r>
-              <a:rPr lang="ko-KR" altLang="en-US" b="1" dirty="0"/>
-              <a:t>로 환원된다</a:t>
+              <a:t>몬스터는 매 턴 마다 스킬 셋의 스킬 중 하나를 사용한다</a:t>
             </a:r>
             <a:r>
               <a:rPr lang="en-US" altLang="ko-KR" b="1" dirty="0"/>
@@ -18016,55 +15439,20 @@
               <a:buChar char="•"/>
             </a:pPr>
             <a:r>
+              <a:rPr lang="ko-KR" altLang="en-US" dirty="0"/>
+              <a:t>스킬 셋은 몬스터 종류 별로 정해진 스킬 풀 중에서 </a:t>
+            </a:r>
+            <a:r>
               <a:rPr lang="en-US" altLang="ko-KR" dirty="0"/>
-              <a:t>BP</a:t>
+              <a:t>2</a:t>
             </a:r>
             <a:r>
               <a:rPr lang="ko-KR" altLang="en-US" dirty="0"/>
-              <a:t>는 </a:t>
-            </a:r>
-            <a:r>
-              <a:rPr lang="en-US" altLang="ko-KR" dirty="0"/>
-              <a:t>1</a:t>
-            </a:r>
-            <a:r>
-              <a:rPr lang="ko-KR" altLang="en-US" dirty="0"/>
-              <a:t>턴 동안 만 지속되며</a:t>
-            </a:r>
-            <a:r>
-              <a:rPr lang="en-US" altLang="ko-KR" dirty="0"/>
-              <a:t>, </a:t>
-            </a:r>
-            <a:r>
-              <a:rPr lang="ko-KR" altLang="en-US" dirty="0"/>
-              <a:t>사용한 스킬의 효과를 증가시킨다</a:t>
+              <a:t>개를 가져와서 구성한다</a:t>
             </a:r>
             <a:r>
               <a:rPr lang="en-US" altLang="ko-KR" dirty="0"/>
               <a:t>.</a:t>
-            </a:r>
-            <a:br>
-              <a:rPr lang="en-US" altLang="ko-KR" dirty="0"/>
-            </a:br>
-            <a:r>
-              <a:rPr lang="en-US" altLang="ko-KR" dirty="0"/>
-              <a:t>[</a:t>
-            </a:r>
-            <a:r>
-              <a:rPr lang="ko-KR" altLang="en-US" dirty="0"/>
-              <a:t>정확히는 스킬 별로 </a:t>
-            </a:r>
-            <a:r>
-              <a:rPr lang="en-US" altLang="ko-KR" dirty="0"/>
-              <a:t>BP</a:t>
-            </a:r>
-            <a:r>
-              <a:rPr lang="ko-KR" altLang="en-US" dirty="0"/>
-              <a:t>에 따라서 발동되는 별도 효과가 존재하는 방식</a:t>
-            </a:r>
-            <a:r>
-              <a:rPr lang="en-US" altLang="ko-KR" dirty="0"/>
-              <a:t>.]</a:t>
             </a:r>
           </a:p>
           <a:p>
@@ -18077,74 +15465,11 @@
             </a:pPr>
             <a:r>
               <a:rPr lang="ko-KR" altLang="en-US" dirty="0"/>
-              <a:t>던전 탐색 중 </a:t>
-            </a:r>
-            <a:r>
-              <a:rPr lang="en-US" altLang="ko-KR" dirty="0"/>
-              <a:t>[</a:t>
-            </a:r>
-            <a:r>
-              <a:rPr lang="ko-KR" altLang="en-US" dirty="0"/>
-              <a:t>불 길들이기</a:t>
-            </a:r>
-            <a:r>
-              <a:rPr lang="en-US" altLang="ko-KR" dirty="0"/>
-              <a:t>]</a:t>
-            </a:r>
-            <a:r>
-              <a:rPr lang="ko-KR" altLang="en-US" dirty="0"/>
-              <a:t>를 하면 </a:t>
-            </a:r>
-            <a:r>
-              <a:rPr lang="en-US" altLang="ko-KR" dirty="0"/>
-              <a:t>BP</a:t>
-            </a:r>
-            <a:r>
-              <a:rPr lang="ko-KR" altLang="en-US" dirty="0"/>
-              <a:t>의 최소값이 증가한다</a:t>
+              <a:t>보유한 스킬 중 무엇을 사용할지는 랜덤으로 정해진다</a:t>
             </a:r>
             <a:r>
               <a:rPr lang="en-US" altLang="ko-KR" dirty="0"/>
               <a:t>.</a:t>
-            </a:r>
-            <a:br>
-              <a:rPr lang="en-US" altLang="ko-KR" dirty="0"/>
-            </a:br>
-            <a:r>
-              <a:rPr lang="en-US" altLang="ko-KR" dirty="0"/>
-              <a:t>[</a:t>
-            </a:r>
-            <a:r>
-              <a:rPr lang="ko-KR" altLang="en-US" dirty="0"/>
-              <a:t>해당 던전 </a:t>
-            </a:r>
-            <a:r>
-              <a:rPr lang="ko-KR" altLang="en-US" dirty="0" err="1"/>
-              <a:t>주회</a:t>
-            </a:r>
-            <a:r>
-              <a:rPr lang="ko-KR" altLang="en-US" dirty="0"/>
-              <a:t> 한정</a:t>
-            </a:r>
-            <a:r>
-              <a:rPr lang="en-US" altLang="ko-KR" dirty="0"/>
-              <a:t>. </a:t>
-            </a:r>
-            <a:r>
-              <a:rPr lang="ko-KR" altLang="en-US" dirty="0"/>
-              <a:t>마을 귀환이나 던전 클리어</a:t>
-            </a:r>
-            <a:r>
-              <a:rPr lang="en-US" altLang="ko-KR" dirty="0"/>
-              <a:t>, </a:t>
-            </a:r>
-            <a:r>
-              <a:rPr lang="ko-KR" altLang="en-US" dirty="0"/>
-              <a:t>게임 오버 시 초기화됨</a:t>
-            </a:r>
-            <a:r>
-              <a:rPr lang="en-US" altLang="ko-KR" dirty="0"/>
-              <a:t>.]</a:t>
             </a:r>
           </a:p>
           <a:p>
@@ -18155,30 +15480,7 @@
               <a:buFont typeface="Arial" panose="020B0604020202020204" pitchFamily="34" charset="0"/>
               <a:buChar char="•"/>
             </a:pPr>
-            <a:r>
-              <a:rPr lang="ko-KR" altLang="en-US" dirty="0"/>
-              <a:t>몬스터의 경우</a:t>
-            </a:r>
-            <a:r>
-              <a:rPr lang="en-US" altLang="ko-KR" dirty="0"/>
-              <a:t>, </a:t>
-            </a:r>
-            <a:r>
-              <a:rPr lang="ko-KR" altLang="en-US" dirty="0"/>
-              <a:t>몬스터의 단계에 따라서 </a:t>
-            </a:r>
-            <a:r>
-              <a:rPr lang="en-US" altLang="ko-KR" dirty="0"/>
-              <a:t>BP</a:t>
-            </a:r>
-            <a:r>
-              <a:rPr lang="ko-KR" altLang="en-US" dirty="0"/>
-              <a:t>의 최소값이 달라진다</a:t>
-            </a:r>
-            <a:r>
-              <a:rPr lang="en-US" altLang="ko-KR" dirty="0"/>
-              <a:t>.</a:t>
-            </a:r>
+            <a:endParaRPr lang="en-US" altLang="ko-KR" dirty="0"/>
           </a:p>
           <a:p>
             <a:pPr marL="342900" indent="-342900">
@@ -18190,7 +15492,15 @@
             </a:pPr>
             <a:r>
               <a:rPr lang="ko-KR" altLang="en-US" b="1" dirty="0"/>
-              <a:t>사용할 수 있는 액션은 공격</a:t>
+              <a:t>플레이어가 사용 가능한 액션은 무기 스킬 </a:t>
+            </a:r>
+            <a:r>
+              <a:rPr lang="en-US" altLang="ko-KR" b="1" dirty="0"/>
+              <a:t>2</a:t>
+            </a:r>
+            <a:r>
+              <a:rPr lang="ko-KR" altLang="en-US" b="1" dirty="0"/>
+              <a:t>종</a:t>
             </a:r>
             <a:r>
               <a:rPr lang="en-US" altLang="ko-KR" b="1" dirty="0"/>
@@ -18198,7 +15508,15 @@
             </a:r>
             <a:r>
               <a:rPr lang="ko-KR" altLang="en-US" b="1" dirty="0"/>
-              <a:t>스킬</a:t>
+              <a:t>캐릭터 스킬 </a:t>
+            </a:r>
+            <a:r>
+              <a:rPr lang="en-US" altLang="ko-KR" b="1" dirty="0"/>
+              <a:t>2</a:t>
+            </a:r>
+            <a:r>
+              <a:rPr lang="ko-KR" altLang="en-US" b="1" dirty="0"/>
+              <a:t>종</a:t>
             </a:r>
             <a:r>
               <a:rPr lang="en-US" altLang="ko-KR" b="1" dirty="0"/>
@@ -18206,18 +15524,51 @@
             </a:r>
             <a:r>
               <a:rPr lang="ko-KR" altLang="en-US" b="1" dirty="0"/>
+              <a:t>소비</a:t>
+            </a:r>
+            <a:r>
+              <a:rPr lang="en-US" altLang="ko-KR" b="1" dirty="0"/>
+              <a:t> </a:t>
+            </a:r>
+            <a:r>
+              <a:rPr lang="ko-KR" altLang="en-US" b="1" dirty="0"/>
               <a:t>아이템 </a:t>
             </a:r>
             <a:r>
               <a:rPr lang="en-US" altLang="ko-KR" b="1" dirty="0"/>
-              <a:t>3</a:t>
+              <a:t>1</a:t>
             </a:r>
             <a:r>
               <a:rPr lang="ko-KR" altLang="en-US" b="1" dirty="0"/>
-              <a:t>종류</a:t>
+              <a:t>종</a:t>
             </a:r>
             <a:r>
               <a:rPr lang="en-US" altLang="ko-KR" b="1" dirty="0"/>
+              <a:t>.</a:t>
+            </a:r>
+          </a:p>
+          <a:p>
+            <a:pPr marL="1257300" lvl="2" indent="-342900">
+              <a:lnSpc>
+                <a:spcPct val="150000"/>
+              </a:lnSpc>
+              <a:buFont typeface="Wingdings" panose="05000000000000000000" pitchFamily="2" charset="2"/>
+              <a:buChar char="Ø"/>
+            </a:pPr>
+            <a:r>
+              <a:rPr lang="ko-KR" altLang="en-US" sz="1600" dirty="0"/>
+              <a:t>스킬과 아이템이 각자 숫자에 할당되어 있고</a:t>
+            </a:r>
+            <a:r>
+              <a:rPr lang="en-US" altLang="ko-KR" sz="1600" dirty="0"/>
+              <a:t>, </a:t>
+            </a:r>
+            <a:r>
+              <a:rPr lang="ko-KR" altLang="en-US" sz="1600" dirty="0"/>
+              <a:t>해당 숫자를 입력하면 사용된다</a:t>
+            </a:r>
+            <a:r>
+              <a:rPr lang="en-US" altLang="ko-KR" sz="1600" dirty="0"/>
               <a:t>.</a:t>
             </a:r>
           </a:p>
@@ -18231,7 +15582,15 @@
             </a:pPr>
             <a:r>
               <a:rPr lang="ko-KR" altLang="en-US" dirty="0"/>
-              <a:t>공격은 입력 즉시 실행된다</a:t>
+              <a:t>무기 스킬 </a:t>
+            </a:r>
+            <a:r>
+              <a:rPr lang="en-US" altLang="ko-KR" dirty="0"/>
+              <a:t>2</a:t>
+            </a:r>
+            <a:r>
+              <a:rPr lang="ko-KR" altLang="en-US" dirty="0"/>
+              <a:t>종은 무기가 가지고 있는 기본 스킬</a:t>
             </a:r>
             <a:r>
               <a:rPr lang="en-US" altLang="ko-KR" dirty="0"/>
@@ -18248,15 +15607,29 @@
             </a:pPr>
             <a:r>
               <a:rPr lang="ko-KR" altLang="en-US" dirty="0"/>
-              <a:t>스킬과 아이템은 입력 이후 목록이 나오고</a:t>
+              <a:t>캐릭터 스킬은 캐릭터가 자유롭게 장착 가능한 스킬</a:t>
+            </a:r>
+            <a:endParaRPr lang="en-US" altLang="ko-KR" dirty="0"/>
+          </a:p>
+          <a:p>
+            <a:pPr marL="800100" lvl="1" indent="-342900">
+              <a:lnSpc>
+                <a:spcPct val="150000"/>
+              </a:lnSpc>
+              <a:buFont typeface="Arial" panose="020B0604020202020204" pitchFamily="34" charset="0"/>
+              <a:buChar char="•"/>
+            </a:pPr>
+            <a:r>
+              <a:rPr lang="ko-KR" altLang="en-US" dirty="0"/>
+              <a:t>소비 아이템은 캐릭터가 장착한 아이템</a:t>
             </a:r>
             <a:r>
               <a:rPr lang="en-US" altLang="ko-KR" dirty="0"/>
-              <a:t>, </a:t>
+              <a:t>. </a:t>
             </a:r>
             <a:r>
               <a:rPr lang="ko-KR" altLang="en-US" dirty="0"/>
-              <a:t>목록을 선택하면 해당 항목을 사용한다</a:t>
+              <a:t>사용 시 소비된다</a:t>
             </a:r>
             <a:r>
               <a:rPr lang="en-US" altLang="ko-KR" dirty="0"/>
@@ -18269,6 +15642,258 @@
     <p:extLst>
       <p:ext uri="{BB962C8B-B14F-4D97-AF65-F5344CB8AC3E}">
         <p14:creationId xmlns:p14="http://schemas.microsoft.com/office/powerpoint/2010/main" val="382039306"/>
+      </p:ext>
+    </p:extLst>
+  </p:cSld>
+  <p:clrMapOvr>
+    <a:masterClrMapping/>
+  </p:clrMapOvr>
+</p:sld>
+</file>
+
+<file path=ppt/slides/slide8.xml><?xml version="1.0" encoding="utf-8"?>
+<p:sld xmlns:a="http://schemas.openxmlformats.org/drawingml/2006/main" xmlns:r="http://schemas.openxmlformats.org/officeDocument/2006/relationships" xmlns:p="http://schemas.openxmlformats.org/presentationml/2006/main">
+  <p:cSld>
+    <p:bg>
+      <p:bgPr>
+        <a:solidFill>
+          <a:schemeClr val="bg1"/>
+        </a:solidFill>
+        <a:effectLst/>
+      </p:bgPr>
+    </p:bg>
+    <p:spTree>
+      <p:nvGrpSpPr>
+        <p:cNvPr id="1" name=""/>
+        <p:cNvGrpSpPr/>
+        <p:nvPr/>
+      </p:nvGrpSpPr>
+      <p:grpSpPr>
+        <a:xfrm>
+          <a:off x="0" y="0"/>
+          <a:ext cx="0" cy="0"/>
+          <a:chOff x="0" y="0"/>
+          <a:chExt cx="0" cy="0"/>
+        </a:xfrm>
+      </p:grpSpPr>
+      <p:sp>
+        <p:nvSpPr>
+          <p:cNvPr id="2" name="TextBox 1">
+            <a:extLst>
+              <a:ext uri="{FF2B5EF4-FFF2-40B4-BE49-F238E27FC236}">
+                <a16:creationId xmlns:a16="http://schemas.microsoft.com/office/drawing/2014/main" id="{3D8234D3-76BA-40E8-B674-7CA9A597111B}"/>
+              </a:ext>
+            </a:extLst>
+          </p:cNvPr>
+          <p:cNvSpPr txBox="1"/>
+          <p:nvPr/>
+        </p:nvSpPr>
+        <p:spPr>
+          <a:xfrm>
+            <a:off x="528918" y="528918"/>
+            <a:ext cx="1189749" cy="369332"/>
+          </a:xfrm>
+          <a:prstGeom prst="rect">
+            <a:avLst/>
+          </a:prstGeom>
+          <a:noFill/>
+        </p:spPr>
+        <p:txBody>
+          <a:bodyPr wrap="none" rtlCol="0">
+            <a:spAutoFit/>
+          </a:bodyPr>
+          <a:lstStyle/>
+          <a:p>
+            <a:r>
+              <a:rPr lang="ko-KR" altLang="en-US" dirty="0"/>
+              <a:t>게임 컨셉</a:t>
+            </a:r>
+          </a:p>
+        </p:txBody>
+      </p:sp>
+      <p:sp>
+        <p:nvSpPr>
+          <p:cNvPr id="3" name="TextBox 2">
+            <a:extLst>
+              <a:ext uri="{FF2B5EF4-FFF2-40B4-BE49-F238E27FC236}">
+                <a16:creationId xmlns:a16="http://schemas.microsoft.com/office/drawing/2014/main" id="{9B6989C5-A48C-D71D-0A85-E8852031CAFA}"/>
+              </a:ext>
+            </a:extLst>
+          </p:cNvPr>
+          <p:cNvSpPr txBox="1"/>
+          <p:nvPr/>
+        </p:nvSpPr>
+        <p:spPr>
+          <a:xfrm>
+            <a:off x="1195509" y="1747545"/>
+            <a:ext cx="8593949" cy="1682961"/>
+          </a:xfrm>
+          <a:prstGeom prst="rect">
+            <a:avLst/>
+          </a:prstGeom>
+          <a:noFill/>
+        </p:spPr>
+        <p:txBody>
+          <a:bodyPr wrap="square" rtlCol="0">
+            <a:spAutoFit/>
+          </a:bodyPr>
+          <a:lstStyle/>
+          <a:p>
+            <a:pPr marL="342900" indent="-342900">
+              <a:lnSpc>
+                <a:spcPct val="150000"/>
+              </a:lnSpc>
+              <a:buFont typeface="Arial" panose="020B0604020202020204" pitchFamily="34" charset="0"/>
+              <a:buChar char="•"/>
+            </a:pPr>
+            <a:r>
+              <a:rPr lang="ko-KR" altLang="en-US" sz="2400" dirty="0"/>
+              <a:t>밝고 가벼운 판타지 모험담</a:t>
+            </a:r>
+            <a:endParaRPr lang="en-US" altLang="ko-KR" sz="2400" dirty="0"/>
+          </a:p>
+          <a:p>
+            <a:pPr marL="342900" indent="-342900">
+              <a:lnSpc>
+                <a:spcPct val="150000"/>
+              </a:lnSpc>
+              <a:buFont typeface="Arial" panose="020B0604020202020204" pitchFamily="34" charset="0"/>
+              <a:buChar char="•"/>
+            </a:pPr>
+            <a:r>
+              <a:rPr lang="ko-KR" altLang="en-US" sz="2400" dirty="0"/>
+              <a:t>다종다양하고 커스텀 폭이 넓은 장비</a:t>
+            </a:r>
+            <a:endParaRPr lang="en-US" altLang="ko-KR" sz="2400" dirty="0"/>
+          </a:p>
+          <a:p>
+            <a:pPr marL="342900" indent="-342900">
+              <a:lnSpc>
+                <a:spcPct val="150000"/>
+              </a:lnSpc>
+              <a:buFont typeface="Arial" panose="020B0604020202020204" pitchFamily="34" charset="0"/>
+              <a:buChar char="•"/>
+            </a:pPr>
+            <a:r>
+              <a:rPr lang="ko-KR" altLang="en-US" sz="2400" dirty="0"/>
+              <a:t>장비 만큼이나 다양한 몬스터</a:t>
+            </a:r>
+          </a:p>
+        </p:txBody>
+      </p:sp>
+      <p:sp>
+        <p:nvSpPr>
+          <p:cNvPr id="4" name="TextBox 3">
+            <a:extLst>
+              <a:ext uri="{FF2B5EF4-FFF2-40B4-BE49-F238E27FC236}">
+                <a16:creationId xmlns:a16="http://schemas.microsoft.com/office/drawing/2014/main" id="{2D349F98-495D-F7A1-2DD1-7F29924E01A3}"/>
+              </a:ext>
+            </a:extLst>
+          </p:cNvPr>
+          <p:cNvSpPr txBox="1"/>
+          <p:nvPr/>
+        </p:nvSpPr>
+        <p:spPr>
+          <a:xfrm>
+            <a:off x="3777345" y="3896045"/>
+            <a:ext cx="7604967" cy="1666546"/>
+          </a:xfrm>
+          <a:prstGeom prst="rect">
+            <a:avLst/>
+          </a:prstGeom>
+          <a:noFill/>
+        </p:spPr>
+        <p:txBody>
+          <a:bodyPr wrap="none" rtlCol="0">
+            <a:spAutoFit/>
+          </a:bodyPr>
+          <a:lstStyle/>
+          <a:p>
+            <a:pPr>
+              <a:lnSpc>
+                <a:spcPct val="150000"/>
+              </a:lnSpc>
+            </a:pPr>
+            <a:r>
+              <a:rPr lang="ko-KR" altLang="en-US" sz="1400" dirty="0"/>
+              <a:t>기타 컨셉</a:t>
+            </a:r>
+            <a:endParaRPr lang="en-US" altLang="ko-KR" sz="1400" dirty="0"/>
+          </a:p>
+          <a:p>
+            <a:pPr marL="342900" indent="-342900">
+              <a:lnSpc>
+                <a:spcPct val="150000"/>
+              </a:lnSpc>
+              <a:buAutoNum type="arabicPeriod"/>
+            </a:pPr>
+            <a:r>
+              <a:rPr lang="en-US" altLang="ko-KR" sz="1400" dirty="0"/>
+              <a:t>NPC</a:t>
+            </a:r>
+            <a:r>
+              <a:rPr lang="ko-KR" altLang="en-US" sz="1400" dirty="0"/>
+              <a:t>와의 대화가 재미있는 게임</a:t>
+            </a:r>
+            <a:r>
+              <a:rPr lang="en-US" altLang="ko-KR" sz="1400" dirty="0"/>
+              <a:t>.</a:t>
+            </a:r>
+          </a:p>
+          <a:p>
+            <a:pPr marL="342900" indent="-342900">
+              <a:lnSpc>
+                <a:spcPct val="150000"/>
+              </a:lnSpc>
+              <a:buAutoNum type="arabicPeriod"/>
+            </a:pPr>
+            <a:r>
+              <a:rPr lang="ko-KR" altLang="en-US" sz="1400" dirty="0"/>
+              <a:t>베이스 아이템에 스킬과 특성을 부여하는 특유의 장비 시스템</a:t>
+            </a:r>
+            <a:r>
+              <a:rPr lang="en-US" altLang="ko-KR" sz="1400" dirty="0"/>
+              <a:t>.</a:t>
+            </a:r>
+          </a:p>
+          <a:p>
+            <a:pPr marL="342900" indent="-342900">
+              <a:lnSpc>
+                <a:spcPct val="150000"/>
+              </a:lnSpc>
+              <a:buAutoNum type="arabicPeriod"/>
+            </a:pPr>
+            <a:r>
+              <a:rPr lang="ko-KR" altLang="en-US" sz="1400" dirty="0"/>
+              <a:t>특성 뿐만이 아니라 스킬도 랜덤하게 붙어서 같은 적도 다른 느낌이 드는 특유의 시스템</a:t>
+            </a:r>
+            <a:r>
+              <a:rPr lang="en-US" altLang="ko-KR" sz="1400" dirty="0"/>
+              <a:t>.</a:t>
+            </a:r>
+          </a:p>
+          <a:p>
+            <a:pPr marL="342900" indent="-342900">
+              <a:lnSpc>
+                <a:spcPct val="150000"/>
+              </a:lnSpc>
+              <a:buAutoNum type="arabicPeriod"/>
+            </a:pPr>
+            <a:r>
+              <a:rPr lang="ko-KR" altLang="en-US" sz="1400" dirty="0"/>
+              <a:t>간단하고 직관적인 구성</a:t>
+            </a:r>
+            <a:r>
+              <a:rPr lang="en-US" altLang="ko-KR" sz="1400" dirty="0"/>
+              <a:t>.</a:t>
+            </a:r>
+          </a:p>
+        </p:txBody>
+      </p:sp>
+    </p:spTree>
+    <p:extLst>
+      <p:ext uri="{BB962C8B-B14F-4D97-AF65-F5344CB8AC3E}">
+        <p14:creationId xmlns:p14="http://schemas.microsoft.com/office/powerpoint/2010/main" val="2304444735"/>
       </p:ext>
     </p:extLst>
   </p:cSld>

--- a/Documents/TextRPG_와이어프레임.pptx
+++ b/Documents/TextRPG_와이어프레임.pptx
@@ -5,7 +5,7 @@
     <p:sldMasterId id="2147483648" r:id="rId1"/>
   </p:sldMasterIdLst>
   <p:notesMasterIdLst>
-    <p:notesMasterId r:id="rId10"/>
+    <p:notesMasterId r:id="rId9"/>
   </p:notesMasterIdLst>
   <p:sldIdLst>
     <p:sldId id="261" r:id="rId2"/>
@@ -15,7 +15,6 @@
     <p:sldId id="262" r:id="rId6"/>
     <p:sldId id="258" r:id="rId7"/>
     <p:sldId id="263" r:id="rId8"/>
-    <p:sldId id="264" r:id="rId9"/>
   </p:sldIdLst>
   <p:sldSz cx="12192000" cy="6858000"/>
   <p:notesSz cx="6858000" cy="9144000"/>
@@ -204,7 +203,7 @@
           <a:p>
             <a:fld id="{102E072E-BCF3-4762-BBF4-FE8C5F0CA22F}" type="datetimeFigureOut">
               <a:rPr lang="ko-KR" altLang="en-US" smtClean="0"/>
-              <a:t>2024-10-02</a:t>
+              <a:t>2024-10-04</a:t>
             </a:fld>
             <a:endParaRPr lang="ko-KR" altLang="en-US"/>
           </a:p>
@@ -1294,7 +1293,7 @@
           <a:p>
             <a:fld id="{F30C66EB-5EC5-42D4-833D-B3D8B52983C7}" type="datetimeFigureOut">
               <a:rPr lang="ko-KR" altLang="en-US" smtClean="0"/>
-              <a:t>2024-10-02</a:t>
+              <a:t>2024-10-04</a:t>
             </a:fld>
             <a:endParaRPr lang="ko-KR" altLang="en-US"/>
           </a:p>
@@ -1492,7 +1491,7 @@
           <a:p>
             <a:fld id="{F30C66EB-5EC5-42D4-833D-B3D8B52983C7}" type="datetimeFigureOut">
               <a:rPr lang="ko-KR" altLang="en-US" smtClean="0"/>
-              <a:t>2024-10-02</a:t>
+              <a:t>2024-10-04</a:t>
             </a:fld>
             <a:endParaRPr lang="ko-KR" altLang="en-US"/>
           </a:p>
@@ -1700,7 +1699,7 @@
           <a:p>
             <a:fld id="{F30C66EB-5EC5-42D4-833D-B3D8B52983C7}" type="datetimeFigureOut">
               <a:rPr lang="ko-KR" altLang="en-US" smtClean="0"/>
-              <a:t>2024-10-02</a:t>
+              <a:t>2024-10-04</a:t>
             </a:fld>
             <a:endParaRPr lang="ko-KR" altLang="en-US"/>
           </a:p>
@@ -1898,7 +1897,7 @@
           <a:p>
             <a:fld id="{F30C66EB-5EC5-42D4-833D-B3D8B52983C7}" type="datetimeFigureOut">
               <a:rPr lang="ko-KR" altLang="en-US" smtClean="0"/>
-              <a:t>2024-10-02</a:t>
+              <a:t>2024-10-04</a:t>
             </a:fld>
             <a:endParaRPr lang="ko-KR" altLang="en-US"/>
           </a:p>
@@ -2173,7 +2172,7 @@
           <a:p>
             <a:fld id="{F30C66EB-5EC5-42D4-833D-B3D8B52983C7}" type="datetimeFigureOut">
               <a:rPr lang="ko-KR" altLang="en-US" smtClean="0"/>
-              <a:t>2024-10-02</a:t>
+              <a:t>2024-10-04</a:t>
             </a:fld>
             <a:endParaRPr lang="ko-KR" altLang="en-US"/>
           </a:p>
@@ -2438,7 +2437,7 @@
           <a:p>
             <a:fld id="{F30C66EB-5EC5-42D4-833D-B3D8B52983C7}" type="datetimeFigureOut">
               <a:rPr lang="ko-KR" altLang="en-US" smtClean="0"/>
-              <a:t>2024-10-02</a:t>
+              <a:t>2024-10-04</a:t>
             </a:fld>
             <a:endParaRPr lang="ko-KR" altLang="en-US"/>
           </a:p>
@@ -2850,7 +2849,7 @@
           <a:p>
             <a:fld id="{F30C66EB-5EC5-42D4-833D-B3D8B52983C7}" type="datetimeFigureOut">
               <a:rPr lang="ko-KR" altLang="en-US" smtClean="0"/>
-              <a:t>2024-10-02</a:t>
+              <a:t>2024-10-04</a:t>
             </a:fld>
             <a:endParaRPr lang="ko-KR" altLang="en-US"/>
           </a:p>
@@ -2991,7 +2990,7 @@
           <a:p>
             <a:fld id="{F30C66EB-5EC5-42D4-833D-B3D8B52983C7}" type="datetimeFigureOut">
               <a:rPr lang="ko-KR" altLang="en-US" smtClean="0"/>
-              <a:t>2024-10-02</a:t>
+              <a:t>2024-10-04</a:t>
             </a:fld>
             <a:endParaRPr lang="ko-KR" altLang="en-US"/>
           </a:p>
@@ -3104,7 +3103,7 @@
           <a:p>
             <a:fld id="{F30C66EB-5EC5-42D4-833D-B3D8B52983C7}" type="datetimeFigureOut">
               <a:rPr lang="ko-KR" altLang="en-US" smtClean="0"/>
-              <a:t>2024-10-02</a:t>
+              <a:t>2024-10-04</a:t>
             </a:fld>
             <a:endParaRPr lang="ko-KR" altLang="en-US"/>
           </a:p>
@@ -3415,7 +3414,7 @@
           <a:p>
             <a:fld id="{F30C66EB-5EC5-42D4-833D-B3D8B52983C7}" type="datetimeFigureOut">
               <a:rPr lang="ko-KR" altLang="en-US" smtClean="0"/>
-              <a:t>2024-10-02</a:t>
+              <a:t>2024-10-04</a:t>
             </a:fld>
             <a:endParaRPr lang="ko-KR" altLang="en-US"/>
           </a:p>
@@ -3703,7 +3702,7 @@
           <a:p>
             <a:fld id="{F30C66EB-5EC5-42D4-833D-B3D8B52983C7}" type="datetimeFigureOut">
               <a:rPr lang="ko-KR" altLang="en-US" smtClean="0"/>
-              <a:t>2024-10-02</a:t>
+              <a:t>2024-10-04</a:t>
             </a:fld>
             <a:endParaRPr lang="ko-KR" altLang="en-US"/>
           </a:p>
@@ -3947,7 +3946,7 @@
           <a:p>
             <a:fld id="{F30C66EB-5EC5-42D4-833D-B3D8B52983C7}" type="datetimeFigureOut">
               <a:rPr lang="ko-KR" altLang="en-US" smtClean="0"/>
-              <a:t>2024-10-02</a:t>
+              <a:t>2024-10-04</a:t>
             </a:fld>
             <a:endParaRPr lang="ko-KR" altLang="en-US"/>
           </a:p>
@@ -11214,12 +11213,12 @@
         </p:nvCxnSpPr>
         <p:spPr>
           <a:xfrm rot="5400000">
-            <a:off x="2070243" y="1784522"/>
-            <a:ext cx="281051" cy="2757604"/>
+            <a:off x="2458613" y="2488486"/>
+            <a:ext cx="596645" cy="1665270"/>
           </a:xfrm>
           <a:prstGeom prst="bentConnector3">
             <a:avLst>
-              <a:gd name="adj1" fmla="val 36444"/>
+              <a:gd name="adj1" fmla="val 50000"/>
             </a:avLst>
           </a:prstGeom>
           <a:ln w="38100">
@@ -11265,7 +11264,7 @@
         </p:nvCxnSpPr>
         <p:spPr>
           <a:xfrm>
-            <a:off x="3589570" y="3836736"/>
+            <a:off x="3589570" y="4152330"/>
             <a:ext cx="0" cy="224441"/>
           </a:xfrm>
           <a:prstGeom prst="straightConnector1">
@@ -11314,8 +11313,8 @@
         </p:nvCxnSpPr>
         <p:spPr>
           <a:xfrm>
-            <a:off x="3589570" y="2311827"/>
-            <a:ext cx="0" cy="178086"/>
+            <a:off x="3589570" y="2191591"/>
+            <a:ext cx="0" cy="298322"/>
           </a:xfrm>
           <a:prstGeom prst="straightConnector1">
             <a:avLst/>
@@ -11415,7 +11414,7 @@
         </p:nvSpPr>
         <p:spPr>
           <a:xfrm>
-            <a:off x="2923462" y="1778941"/>
+            <a:off x="2923462" y="1658705"/>
             <a:ext cx="1332215" cy="532886"/>
           </a:xfrm>
           <a:prstGeom prst="rect">
@@ -11532,7 +11531,7 @@
         </p:nvSpPr>
         <p:spPr>
           <a:xfrm>
-            <a:off x="6096000" y="5827587"/>
+            <a:off x="6096000" y="5968481"/>
             <a:ext cx="1332215" cy="532886"/>
           </a:xfrm>
           <a:prstGeom prst="rect">
@@ -11591,7 +11590,7 @@
         </p:nvSpPr>
         <p:spPr>
           <a:xfrm>
-            <a:off x="2923462" y="3303850"/>
+            <a:off x="2923462" y="3619444"/>
             <a:ext cx="1332215" cy="532886"/>
           </a:xfrm>
           <a:prstGeom prst="rect">
@@ -11650,7 +11649,7 @@
         </p:nvSpPr>
         <p:spPr>
           <a:xfrm>
-            <a:off x="2923462" y="4061177"/>
+            <a:off x="2923462" y="4376771"/>
             <a:ext cx="1332215" cy="532886"/>
           </a:xfrm>
           <a:prstGeom prst="rect">
@@ -11709,7 +11708,7 @@
         </p:nvSpPr>
         <p:spPr>
           <a:xfrm>
-            <a:off x="165858" y="3303850"/>
+            <a:off x="1258192" y="3619444"/>
             <a:ext cx="1332215" cy="532886"/>
           </a:xfrm>
           <a:prstGeom prst="rect">
@@ -11768,7 +11767,7 @@
         </p:nvSpPr>
         <p:spPr>
           <a:xfrm>
-            <a:off x="165858" y="6169126"/>
+            <a:off x="1258192" y="5968479"/>
             <a:ext cx="1332215" cy="532886"/>
           </a:xfrm>
           <a:prstGeom prst="rect">
@@ -11832,7 +11831,7 @@
         <p:spPr>
           <a:xfrm>
             <a:off x="3589570" y="3022799"/>
-            <a:ext cx="0" cy="281051"/>
+            <a:ext cx="0" cy="596645"/>
           </a:xfrm>
           <a:prstGeom prst="straightConnector1">
             <a:avLst/>
@@ -11881,7 +11880,7 @@
         <p:spPr>
           <a:xfrm>
             <a:off x="3589570" y="1422405"/>
-            <a:ext cx="0" cy="356536"/>
+            <a:ext cx="0" cy="236300"/>
           </a:xfrm>
           <a:prstGeom prst="straightConnector1">
             <a:avLst/>
@@ -12012,60 +12011,6 @@
           </a:fontRef>
         </p:style>
       </p:cxnSp>
-      <p:sp>
-        <p:nvSpPr>
-          <p:cNvPr id="113" name="순서도: 연결자 112">
-            <a:extLst>
-              <a:ext uri="{FF2B5EF4-FFF2-40B4-BE49-F238E27FC236}">
-                <a16:creationId xmlns:a16="http://schemas.microsoft.com/office/drawing/2014/main" id="{EC5B8944-1B59-0226-6357-32B105EF582F}"/>
-              </a:ext>
-            </a:extLst>
-          </p:cNvPr>
-          <p:cNvSpPr/>
-          <p:nvPr/>
-        </p:nvSpPr>
-        <p:spPr>
-          <a:xfrm>
-            <a:off x="3502483" y="4792369"/>
-            <a:ext cx="174171" cy="174171"/>
-          </a:xfrm>
-          <a:prstGeom prst="flowChartConnector">
-            <a:avLst/>
-          </a:prstGeom>
-          <a:solidFill>
-            <a:schemeClr val="bg1"/>
-          </a:solidFill>
-          <a:ln w="38100">
-            <a:solidFill>
-              <a:srgbClr val="AEAEAE"/>
-            </a:solidFill>
-          </a:ln>
-        </p:spPr>
-        <p:style>
-          <a:lnRef idx="2">
-            <a:schemeClr val="accent1">
-              <a:shade val="15000"/>
-            </a:schemeClr>
-          </a:lnRef>
-          <a:fillRef idx="1">
-            <a:schemeClr val="accent1"/>
-          </a:fillRef>
-          <a:effectRef idx="0">
-            <a:schemeClr val="accent1"/>
-          </a:effectRef>
-          <a:fontRef idx="minor">
-            <a:schemeClr val="lt1"/>
-          </a:fontRef>
-        </p:style>
-        <p:txBody>
-          <a:bodyPr rtlCol="0" anchor="ctr"/>
-          <a:lstStyle/>
-          <a:p>
-            <a:pPr algn="ctr"/>
-            <a:endParaRPr lang="ko-KR" altLang="en-US" sz="1600"/>
-          </a:p>
-        </p:txBody>
-      </p:sp>
       <p:cxnSp>
         <p:nvCxnSpPr>
           <p:cNvPr id="121" name="직선 화살표 연결선 120">
@@ -12078,14 +12023,14 @@
           <p:cNvCxnSpPr>
             <a:cxnSpLocks/>
             <a:stCxn id="35" idx="2"/>
-            <a:endCxn id="113" idx="0"/>
+            <a:endCxn id="302" idx="0"/>
           </p:cNvCxnSpPr>
           <p:nvPr/>
         </p:nvCxnSpPr>
         <p:spPr>
-          <a:xfrm flipH="1">
-            <a:off x="3589569" y="4594063"/>
-            <a:ext cx="1" cy="198306"/>
+          <a:xfrm>
+            <a:off x="3589570" y="4909657"/>
+            <a:ext cx="3" cy="525938"/>
           </a:xfrm>
           <a:prstGeom prst="straightConnector1">
             <a:avLst/>
@@ -12129,7 +12074,7 @@
         </p:nvSpPr>
         <p:spPr>
           <a:xfrm>
-            <a:off x="4569385" y="5219838"/>
+            <a:off x="4569385" y="5435595"/>
             <a:ext cx="1332215" cy="532886"/>
           </a:xfrm>
           <a:prstGeom prst="rect">
@@ -12188,7 +12133,7 @@
         </p:nvSpPr>
         <p:spPr>
           <a:xfrm>
-            <a:off x="2923465" y="5219838"/>
+            <a:off x="2923465" y="5435595"/>
             <a:ext cx="1332215" cy="532886"/>
           </a:xfrm>
           <a:prstGeom prst="rect">
@@ -12233,275 +12178,6 @@
           </a:p>
         </p:txBody>
       </p:sp>
-      <p:cxnSp>
-        <p:nvCxnSpPr>
-          <p:cNvPr id="306" name="연결선: 꺾임 305">
-            <a:extLst>
-              <a:ext uri="{FF2B5EF4-FFF2-40B4-BE49-F238E27FC236}">
-                <a16:creationId xmlns:a16="http://schemas.microsoft.com/office/drawing/2014/main" id="{A74EC96E-E94E-C25F-9E58-877326FEDA22}"/>
-              </a:ext>
-            </a:extLst>
-          </p:cNvPr>
-          <p:cNvCxnSpPr>
-            <a:cxnSpLocks/>
-            <a:stCxn id="113" idx="4"/>
-            <a:endCxn id="208" idx="0"/>
-          </p:cNvCxnSpPr>
-          <p:nvPr/>
-        </p:nvCxnSpPr>
-        <p:spPr>
-          <a:xfrm rot="16200000" flipH="1">
-            <a:off x="4285882" y="4270227"/>
-            <a:ext cx="253298" cy="1645924"/>
-          </a:xfrm>
-          <a:prstGeom prst="bentConnector3">
-            <a:avLst>
-              <a:gd name="adj1" fmla="val 31198"/>
-            </a:avLst>
-          </a:prstGeom>
-          <a:ln w="38100">
-            <a:solidFill>
-              <a:schemeClr val="bg2">
-                <a:lumMod val="75000"/>
-              </a:schemeClr>
-            </a:solidFill>
-            <a:tailEnd type="triangle"/>
-          </a:ln>
-        </p:spPr>
-        <p:style>
-          <a:lnRef idx="2">
-            <a:schemeClr val="accent1"/>
-          </a:lnRef>
-          <a:fillRef idx="0">
-            <a:schemeClr val="accent1"/>
-          </a:fillRef>
-          <a:effectRef idx="1">
-            <a:schemeClr val="accent1"/>
-          </a:effectRef>
-          <a:fontRef idx="minor">
-            <a:schemeClr val="tx1"/>
-          </a:fontRef>
-        </p:style>
-      </p:cxnSp>
-      <p:cxnSp>
-        <p:nvCxnSpPr>
-          <p:cNvPr id="309" name="직선 화살표 연결선 308">
-            <a:extLst>
-              <a:ext uri="{FF2B5EF4-FFF2-40B4-BE49-F238E27FC236}">
-                <a16:creationId xmlns:a16="http://schemas.microsoft.com/office/drawing/2014/main" id="{4DEB5CC7-967F-181B-32FA-113DB1C0D621}"/>
-              </a:ext>
-            </a:extLst>
-          </p:cNvPr>
-          <p:cNvCxnSpPr>
-            <a:cxnSpLocks/>
-            <a:stCxn id="113" idx="4"/>
-            <a:endCxn id="302" idx="0"/>
-          </p:cNvCxnSpPr>
-          <p:nvPr/>
-        </p:nvCxnSpPr>
-        <p:spPr>
-          <a:xfrm>
-            <a:off x="3589569" y="4966540"/>
-            <a:ext cx="4" cy="253298"/>
-          </a:xfrm>
-          <a:prstGeom prst="straightConnector1">
-            <a:avLst/>
-          </a:prstGeom>
-          <a:ln w="38100">
-            <a:solidFill>
-              <a:srgbClr val="BDBDBD"/>
-            </a:solidFill>
-            <a:tailEnd type="triangle"/>
-          </a:ln>
-        </p:spPr>
-        <p:style>
-          <a:lnRef idx="2">
-            <a:schemeClr val="accent1"/>
-          </a:lnRef>
-          <a:fillRef idx="0">
-            <a:schemeClr val="accent1"/>
-          </a:fillRef>
-          <a:effectRef idx="1">
-            <a:schemeClr val="accent1"/>
-          </a:effectRef>
-          <a:fontRef idx="minor">
-            <a:schemeClr val="tx1"/>
-          </a:fontRef>
-        </p:style>
-      </p:cxnSp>
-      <p:sp>
-        <p:nvSpPr>
-          <p:cNvPr id="353" name="직사각형 352">
-            <a:extLst>
-              <a:ext uri="{FF2B5EF4-FFF2-40B4-BE49-F238E27FC236}">
-                <a16:creationId xmlns:a16="http://schemas.microsoft.com/office/drawing/2014/main" id="{F705CF2C-7D9A-7064-8468-20DB0A4CA6ED}"/>
-              </a:ext>
-            </a:extLst>
-          </p:cNvPr>
-          <p:cNvSpPr/>
-          <p:nvPr/>
-        </p:nvSpPr>
-        <p:spPr>
-          <a:xfrm>
-            <a:off x="1277541" y="5219838"/>
-            <a:ext cx="1332215" cy="532886"/>
-          </a:xfrm>
-          <a:prstGeom prst="rect">
-            <a:avLst/>
-          </a:prstGeom>
-          <a:solidFill>
-            <a:schemeClr val="accent6">
-              <a:lumMod val="20000"/>
-              <a:lumOff val="80000"/>
-            </a:schemeClr>
-          </a:solidFill>
-        </p:spPr>
-        <p:style>
-          <a:lnRef idx="2">
-            <a:schemeClr val="accent1">
-              <a:shade val="15000"/>
-            </a:schemeClr>
-          </a:lnRef>
-          <a:fillRef idx="1">
-            <a:schemeClr val="accent1"/>
-          </a:fillRef>
-          <a:effectRef idx="0">
-            <a:schemeClr val="accent1"/>
-          </a:effectRef>
-          <a:fontRef idx="minor">
-            <a:schemeClr val="lt1"/>
-          </a:fontRef>
-        </p:style>
-        <p:txBody>
-          <a:bodyPr rtlCol="0" anchor="ctr"/>
-          <a:lstStyle/>
-          <a:p>
-            <a:pPr algn="ctr"/>
-            <a:r>
-              <a:rPr lang="ko-KR" altLang="en-US" sz="1600" dirty="0">
-                <a:solidFill>
-                  <a:schemeClr val="tx1"/>
-                </a:solidFill>
-              </a:rPr>
-              <a:t>플레이어</a:t>
-            </a:r>
-            <a:endParaRPr lang="en-US" altLang="ko-KR" sz="1600" dirty="0">
-              <a:solidFill>
-                <a:schemeClr val="tx1"/>
-              </a:solidFill>
-            </a:endParaRPr>
-          </a:p>
-          <a:p>
-            <a:pPr algn="ctr"/>
-            <a:r>
-              <a:rPr lang="ko-KR" altLang="en-US" sz="1600" dirty="0">
-                <a:solidFill>
-                  <a:schemeClr val="tx1"/>
-                </a:solidFill>
-              </a:rPr>
-              <a:t>전멸</a:t>
-            </a:r>
-          </a:p>
-        </p:txBody>
-      </p:sp>
-      <p:cxnSp>
-        <p:nvCxnSpPr>
-          <p:cNvPr id="355" name="연결선: 꺾임 354">
-            <a:extLst>
-              <a:ext uri="{FF2B5EF4-FFF2-40B4-BE49-F238E27FC236}">
-                <a16:creationId xmlns:a16="http://schemas.microsoft.com/office/drawing/2014/main" id="{2CA855C3-03F8-3976-96D6-51CA48B9652B}"/>
-              </a:ext>
-            </a:extLst>
-          </p:cNvPr>
-          <p:cNvCxnSpPr>
-            <a:cxnSpLocks/>
-            <a:stCxn id="113" idx="4"/>
-            <a:endCxn id="353" idx="0"/>
-          </p:cNvCxnSpPr>
-          <p:nvPr/>
-        </p:nvCxnSpPr>
-        <p:spPr>
-          <a:xfrm rot="5400000">
-            <a:off x="2639960" y="4270229"/>
-            <a:ext cx="253298" cy="1645920"/>
-          </a:xfrm>
-          <a:prstGeom prst="bentConnector3">
-            <a:avLst>
-              <a:gd name="adj1" fmla="val 31198"/>
-            </a:avLst>
-          </a:prstGeom>
-          <a:ln w="38100">
-            <a:solidFill>
-              <a:schemeClr val="bg2">
-                <a:lumMod val="75000"/>
-              </a:schemeClr>
-            </a:solidFill>
-            <a:tailEnd type="triangle"/>
-          </a:ln>
-        </p:spPr>
-        <p:style>
-          <a:lnRef idx="2">
-            <a:schemeClr val="accent1"/>
-          </a:lnRef>
-          <a:fillRef idx="0">
-            <a:schemeClr val="accent1"/>
-          </a:fillRef>
-          <a:effectRef idx="1">
-            <a:schemeClr val="accent1"/>
-          </a:effectRef>
-          <a:fontRef idx="minor">
-            <a:schemeClr val="tx1"/>
-          </a:fontRef>
-        </p:style>
-      </p:cxnSp>
-      <p:cxnSp>
-        <p:nvCxnSpPr>
-          <p:cNvPr id="359" name="연결선: 꺾임 358">
-            <a:extLst>
-              <a:ext uri="{FF2B5EF4-FFF2-40B4-BE49-F238E27FC236}">
-                <a16:creationId xmlns:a16="http://schemas.microsoft.com/office/drawing/2014/main" id="{712B8B6C-A611-BD71-936B-0D4AD478357F}"/>
-              </a:ext>
-            </a:extLst>
-          </p:cNvPr>
-          <p:cNvCxnSpPr>
-            <a:cxnSpLocks/>
-            <a:stCxn id="353" idx="2"/>
-            <a:endCxn id="42" idx="6"/>
-          </p:cNvCxnSpPr>
-          <p:nvPr/>
-        </p:nvCxnSpPr>
-        <p:spPr>
-          <a:xfrm rot="5400000">
-            <a:off x="1356487" y="5315288"/>
-            <a:ext cx="149727" cy="1024599"/>
-          </a:xfrm>
-          <a:prstGeom prst="bentConnector2">
-            <a:avLst/>
-          </a:prstGeom>
-          <a:ln w="38100">
-            <a:solidFill>
-              <a:schemeClr val="bg2">
-                <a:lumMod val="75000"/>
-              </a:schemeClr>
-            </a:solidFill>
-            <a:tailEnd type="triangle"/>
-          </a:ln>
-        </p:spPr>
-        <p:style>
-          <a:lnRef idx="2">
-            <a:schemeClr val="accent1"/>
-          </a:lnRef>
-          <a:fillRef idx="0">
-            <a:schemeClr val="accent1"/>
-          </a:fillRef>
-          <a:effectRef idx="1">
-            <a:schemeClr val="accent1"/>
-          </a:effectRef>
-          <a:fontRef idx="minor">
-            <a:schemeClr val="tx1"/>
-          </a:fontRef>
-        </p:style>
-      </p:cxnSp>
       <p:grpSp>
         <p:nvGrpSpPr>
           <p:cNvPr id="409" name="그룹 408">
@@ -12968,60 +12644,6 @@
           </p:txBody>
         </p:sp>
       </p:grpSp>
-      <p:sp>
-        <p:nvSpPr>
-          <p:cNvPr id="42" name="순서도: 연결자 41">
-            <a:extLst>
-              <a:ext uri="{FF2B5EF4-FFF2-40B4-BE49-F238E27FC236}">
-                <a16:creationId xmlns:a16="http://schemas.microsoft.com/office/drawing/2014/main" id="{FC759B1B-A297-EB7B-B839-60D9A0CEFF60}"/>
-              </a:ext>
-            </a:extLst>
-          </p:cNvPr>
-          <p:cNvSpPr/>
-          <p:nvPr/>
-        </p:nvSpPr>
-        <p:spPr>
-          <a:xfrm>
-            <a:off x="744879" y="5815365"/>
-            <a:ext cx="174171" cy="174171"/>
-          </a:xfrm>
-          <a:prstGeom prst="flowChartConnector">
-            <a:avLst/>
-          </a:prstGeom>
-          <a:solidFill>
-            <a:schemeClr val="bg1"/>
-          </a:solidFill>
-          <a:ln w="38100">
-            <a:solidFill>
-              <a:srgbClr val="AEAEAE"/>
-            </a:solidFill>
-          </a:ln>
-        </p:spPr>
-        <p:style>
-          <a:lnRef idx="2">
-            <a:schemeClr val="accent1">
-              <a:shade val="15000"/>
-            </a:schemeClr>
-          </a:lnRef>
-          <a:fillRef idx="1">
-            <a:schemeClr val="accent1"/>
-          </a:fillRef>
-          <a:effectRef idx="0">
-            <a:schemeClr val="accent1"/>
-          </a:effectRef>
-          <a:fontRef idx="minor">
-            <a:schemeClr val="lt1"/>
-          </a:fontRef>
-        </p:style>
-        <p:txBody>
-          <a:bodyPr rtlCol="0" anchor="ctr"/>
-          <a:lstStyle/>
-          <a:p>
-            <a:pPr algn="ctr"/>
-            <a:endParaRPr lang="ko-KR" altLang="en-US" sz="1600"/>
-          </a:p>
-        </p:txBody>
-      </p:sp>
       <p:cxnSp>
         <p:nvCxnSpPr>
           <p:cNvPr id="44" name="직선 화살표 연결선 43">
@@ -13034,14 +12656,14 @@
           <p:cNvCxnSpPr>
             <a:cxnSpLocks/>
             <a:stCxn id="43" idx="2"/>
-            <a:endCxn id="42" idx="0"/>
+            <a:endCxn id="46" idx="0"/>
           </p:cNvCxnSpPr>
           <p:nvPr/>
         </p:nvCxnSpPr>
         <p:spPr>
-          <a:xfrm flipH="1">
-            <a:off x="831965" y="3836736"/>
-            <a:ext cx="1" cy="1978629"/>
+          <a:xfrm>
+            <a:off x="1924300" y="4152330"/>
+            <a:ext cx="0" cy="1816149"/>
           </a:xfrm>
           <a:prstGeom prst="straightConnector1">
             <a:avLst/>
@@ -13073,52 +12695,6 @@
       </p:cxnSp>
       <p:cxnSp>
         <p:nvCxnSpPr>
-          <p:cNvPr id="45" name="직선 화살표 연결선 44">
-            <a:extLst>
-              <a:ext uri="{FF2B5EF4-FFF2-40B4-BE49-F238E27FC236}">
-                <a16:creationId xmlns:a16="http://schemas.microsoft.com/office/drawing/2014/main" id="{68360CA3-BB35-64A7-4745-5F180365A25F}"/>
-              </a:ext>
-            </a:extLst>
-          </p:cNvPr>
-          <p:cNvCxnSpPr>
-            <a:cxnSpLocks/>
-            <a:stCxn id="42" idx="4"/>
-            <a:endCxn id="46" idx="0"/>
-          </p:cNvCxnSpPr>
-          <p:nvPr/>
-        </p:nvCxnSpPr>
-        <p:spPr>
-          <a:xfrm>
-            <a:off x="831965" y="5989536"/>
-            <a:ext cx="1" cy="179590"/>
-          </a:xfrm>
-          <a:prstGeom prst="straightConnector1">
-            <a:avLst/>
-          </a:prstGeom>
-          <a:ln w="38100">
-            <a:solidFill>
-              <a:srgbClr val="BDBDBD"/>
-            </a:solidFill>
-            <a:tailEnd type="triangle"/>
-          </a:ln>
-        </p:spPr>
-        <p:style>
-          <a:lnRef idx="2">
-            <a:schemeClr val="accent1"/>
-          </a:lnRef>
-          <a:fillRef idx="0">
-            <a:schemeClr val="accent1"/>
-          </a:fillRef>
-          <a:effectRef idx="1">
-            <a:schemeClr val="accent1"/>
-          </a:effectRef>
-          <a:fontRef idx="minor">
-            <a:schemeClr val="tx1"/>
-          </a:fontRef>
-        </p:style>
-      </p:cxnSp>
-      <p:cxnSp>
-        <p:nvCxnSpPr>
           <p:cNvPr id="6" name="연결선: 꺾임 5">
             <a:extLst>
               <a:ext uri="{FF2B5EF4-FFF2-40B4-BE49-F238E27FC236}">
@@ -13135,8 +12711,8 @@
         </p:nvCxnSpPr>
         <p:spPr>
           <a:xfrm rot="16200000" flipH="1">
-            <a:off x="5495093" y="5493123"/>
-            <a:ext cx="341306" cy="860507"/>
+            <a:off x="5532525" y="5671448"/>
+            <a:ext cx="266443" cy="860507"/>
           </a:xfrm>
           <a:prstGeom prst="bentConnector2">
             <a:avLst/>
@@ -13183,19 +12759,70 @@
         </p:nvCxnSpPr>
         <p:spPr>
           <a:xfrm rot="5400000" flipH="1" flipV="1">
-            <a:off x="1624244" y="3121291"/>
-            <a:ext cx="4596762" cy="666104"/>
+            <a:off x="1516365" y="3229170"/>
+            <a:ext cx="4812519" cy="666104"/>
           </a:xfrm>
           <a:prstGeom prst="bentConnector4">
             <a:avLst>
-              <a:gd name="adj1" fmla="val -20129"/>
-              <a:gd name="adj2" fmla="val 614131"/>
+              <a:gd name="adj1" fmla="val -15368"/>
+              <a:gd name="adj2" fmla="val 632281"/>
             </a:avLst>
           </a:prstGeom>
           <a:ln w="38100">
             <a:solidFill>
               <a:schemeClr val="bg2">
                 <a:lumMod val="75000"/>
+              </a:schemeClr>
+            </a:solidFill>
+            <a:tailEnd type="triangle"/>
+          </a:ln>
+        </p:spPr>
+        <p:style>
+          <a:lnRef idx="2">
+            <a:schemeClr val="accent1"/>
+          </a:lnRef>
+          <a:fillRef idx="0">
+            <a:schemeClr val="accent1"/>
+          </a:fillRef>
+          <a:effectRef idx="1">
+            <a:schemeClr val="accent1"/>
+          </a:effectRef>
+          <a:fontRef idx="minor">
+            <a:schemeClr val="tx1"/>
+          </a:fontRef>
+        </p:style>
+      </p:cxnSp>
+      <p:cxnSp>
+        <p:nvCxnSpPr>
+          <p:cNvPr id="8" name="연결선: 꺾임 7">
+            <a:extLst>
+              <a:ext uri="{FF2B5EF4-FFF2-40B4-BE49-F238E27FC236}">
+                <a16:creationId xmlns:a16="http://schemas.microsoft.com/office/drawing/2014/main" id="{A15DEDBC-2FFA-C82F-212E-B7A05E4631D1}"/>
+              </a:ext>
+            </a:extLst>
+          </p:cNvPr>
+          <p:cNvCxnSpPr>
+            <a:cxnSpLocks/>
+            <a:stCxn id="35" idx="2"/>
+            <a:endCxn id="208" idx="0"/>
+          </p:cNvCxnSpPr>
+          <p:nvPr/>
+        </p:nvCxnSpPr>
+        <p:spPr>
+          <a:xfrm rot="16200000" flipH="1">
+            <a:off x="4149562" y="4349664"/>
+            <a:ext cx="525938" cy="1645923"/>
+          </a:xfrm>
+          <a:prstGeom prst="bentConnector3">
+            <a:avLst>
+              <a:gd name="adj1" fmla="val 50000"/>
+            </a:avLst>
+          </a:prstGeom>
+          <a:ln w="38100">
+            <a:solidFill>
+              <a:schemeClr val="accent5">
+                <a:lumMod val="40000"/>
+                <a:lumOff val="60000"/>
               </a:schemeClr>
             </a:solidFill>
             <a:tailEnd type="triangle"/>
@@ -15255,8 +14882,8 @@
         </p:nvSpPr>
         <p:spPr>
           <a:xfrm>
-            <a:off x="2537012" y="432553"/>
-            <a:ext cx="9018816" cy="5394105"/>
+            <a:off x="2223247" y="744070"/>
+            <a:ext cx="9754593" cy="5394105"/>
           </a:xfrm>
           <a:prstGeom prst="rect">
             <a:avLst/>
@@ -15440,31 +15067,6 @@
             </a:pPr>
             <a:r>
               <a:rPr lang="ko-KR" altLang="en-US" dirty="0"/>
-              <a:t>스킬 셋은 몬스터 종류 별로 정해진 스킬 풀 중에서 </a:t>
-            </a:r>
-            <a:r>
-              <a:rPr lang="en-US" altLang="ko-KR" dirty="0"/>
-              <a:t>2</a:t>
-            </a:r>
-            <a:r>
-              <a:rPr lang="ko-KR" altLang="en-US" dirty="0"/>
-              <a:t>개를 가져와서 구성한다</a:t>
-            </a:r>
-            <a:r>
-              <a:rPr lang="en-US" altLang="ko-KR" dirty="0"/>
-              <a:t>.</a:t>
-            </a:r>
-          </a:p>
-          <a:p>
-            <a:pPr marL="800100" lvl="1" indent="-342900">
-              <a:lnSpc>
-                <a:spcPct val="150000"/>
-              </a:lnSpc>
-              <a:buFont typeface="Arial" panose="020B0604020202020204" pitchFamily="34" charset="0"/>
-              <a:buChar char="•"/>
-            </a:pPr>
-            <a:r>
-              <a:rPr lang="ko-KR" altLang="en-US" dirty="0"/>
               <a:t>보유한 스킬 중 무엇을 사용할지는 랜덤으로 정해진다</a:t>
             </a:r>
             <a:r>
@@ -15508,11 +15110,19 @@
             </a:r>
             <a:r>
               <a:rPr lang="ko-KR" altLang="en-US" b="1" dirty="0"/>
-              <a:t>캐릭터 스킬 </a:t>
+              <a:t>소비</a:t>
             </a:r>
             <a:r>
               <a:rPr lang="en-US" altLang="ko-KR" b="1" dirty="0"/>
-              <a:t>2</a:t>
+              <a:t> </a:t>
+            </a:r>
+            <a:r>
+              <a:rPr lang="ko-KR" altLang="en-US" b="1" dirty="0"/>
+              <a:t>아이템 </a:t>
+            </a:r>
+            <a:r>
+              <a:rPr lang="en-US" altLang="ko-KR" b="1" dirty="0"/>
+              <a:t>1</a:t>
             </a:r>
             <a:r>
               <a:rPr lang="ko-KR" altLang="en-US" b="1" dirty="0"/>
@@ -15520,55 +15130,6 @@
             </a:r>
             <a:r>
               <a:rPr lang="en-US" altLang="ko-KR" b="1" dirty="0"/>
-              <a:t>, </a:t>
-            </a:r>
-            <a:r>
-              <a:rPr lang="ko-KR" altLang="en-US" b="1" dirty="0"/>
-              <a:t>소비</a:t>
-            </a:r>
-            <a:r>
-              <a:rPr lang="en-US" altLang="ko-KR" b="1" dirty="0"/>
-              <a:t> </a:t>
-            </a:r>
-            <a:r>
-              <a:rPr lang="ko-KR" altLang="en-US" b="1" dirty="0"/>
-              <a:t>아이템 </a:t>
-            </a:r>
-            <a:r>
-              <a:rPr lang="en-US" altLang="ko-KR" b="1" dirty="0"/>
-              <a:t>1</a:t>
-            </a:r>
-            <a:r>
-              <a:rPr lang="ko-KR" altLang="en-US" b="1" dirty="0"/>
-              <a:t>종</a:t>
-            </a:r>
-            <a:r>
-              <a:rPr lang="en-US" altLang="ko-KR" b="1" dirty="0"/>
-              <a:t>.</a:t>
-            </a:r>
-          </a:p>
-          <a:p>
-            <a:pPr marL="1257300" lvl="2" indent="-342900">
-              <a:lnSpc>
-                <a:spcPct val="150000"/>
-              </a:lnSpc>
-              <a:buFont typeface="Wingdings" panose="05000000000000000000" pitchFamily="2" charset="2"/>
-              <a:buChar char="Ø"/>
-            </a:pPr>
-            <a:r>
-              <a:rPr lang="ko-KR" altLang="en-US" sz="1600" dirty="0"/>
-              <a:t>스킬과 아이템이 각자 숫자에 할당되어 있고</a:t>
-            </a:r>
-            <a:r>
-              <a:rPr lang="en-US" altLang="ko-KR" sz="1600" dirty="0"/>
-              <a:t>, </a:t>
-            </a:r>
-            <a:r>
-              <a:rPr lang="ko-KR" altLang="en-US" sz="1600" dirty="0"/>
-              <a:t>해당 숫자를 입력하면 사용된다</a:t>
-            </a:r>
-            <a:r>
-              <a:rPr lang="en-US" altLang="ko-KR" sz="1600" dirty="0"/>
               <a:t>.</a:t>
             </a:r>
           </a:p>
@@ -15582,15 +15143,31 @@
             </a:pPr>
             <a:r>
               <a:rPr lang="ko-KR" altLang="en-US" dirty="0"/>
-              <a:t>무기 스킬 </a:t>
+              <a:t>최초에는 스킬</a:t>
             </a:r>
             <a:r>
               <a:rPr lang="en-US" altLang="ko-KR" dirty="0"/>
-              <a:t>2</a:t>
+              <a:t>, </a:t>
             </a:r>
             <a:r>
               <a:rPr lang="ko-KR" altLang="en-US" dirty="0"/>
-              <a:t>종은 무기가 가지고 있는 기본 스킬</a:t>
+              <a:t>아이템</a:t>
+            </a:r>
+            <a:r>
+              <a:rPr lang="en-US" altLang="ko-KR" dirty="0"/>
+              <a:t>, </a:t>
+            </a:r>
+            <a:r>
+              <a:rPr lang="ko-KR" altLang="en-US" dirty="0"/>
+              <a:t>턴 넘기기의 </a:t>
+            </a:r>
+            <a:r>
+              <a:rPr lang="en-US" altLang="ko-KR" dirty="0"/>
+              <a:t>3</a:t>
+            </a:r>
+            <a:r>
+              <a:rPr lang="ko-KR" altLang="en-US" dirty="0"/>
+              <a:t>가지 선택지가 표시된다</a:t>
             </a:r>
             <a:r>
               <a:rPr lang="en-US" altLang="ko-KR" dirty="0"/>
@@ -15598,30 +15175,83 @@
             </a:r>
           </a:p>
           <a:p>
-            <a:pPr marL="800100" lvl="1" indent="-342900">
+            <a:pPr marL="1257300" lvl="2" indent="-342900">
               <a:lnSpc>
                 <a:spcPct val="150000"/>
               </a:lnSpc>
-              <a:buFont typeface="Arial" panose="020B0604020202020204" pitchFamily="34" charset="0"/>
-              <a:buChar char="•"/>
+              <a:buFont typeface="Wingdings" panose="05000000000000000000" pitchFamily="2" charset="2"/>
+              <a:buChar char="§"/>
             </a:pPr>
             <a:r>
               <a:rPr lang="ko-KR" altLang="en-US" dirty="0"/>
-              <a:t>캐릭터 스킬은 캐릭터가 자유롭게 장착 가능한 스킬</a:t>
-            </a:r>
-            <a:endParaRPr lang="en-US" altLang="ko-KR" dirty="0"/>
-          </a:p>
-          <a:p>
-            <a:pPr marL="800100" lvl="1" indent="-342900">
+              <a:t>스킬을 선택하면 무기 스킬 </a:t>
+            </a:r>
+            <a:r>
+              <a:rPr lang="en-US" altLang="ko-KR" dirty="0"/>
+              <a:t>2</a:t>
+            </a:r>
+            <a:r>
+              <a:rPr lang="ko-KR" altLang="en-US" dirty="0"/>
+              <a:t>종이 나열되며 해당하는 숫자를 입력하여 사용한다</a:t>
+            </a:r>
+            <a:r>
+              <a:rPr lang="en-US" altLang="ko-KR" dirty="0"/>
+              <a:t>.</a:t>
+            </a:r>
+          </a:p>
+          <a:p>
+            <a:pPr marL="1714500" lvl="3" indent="-342900">
               <a:lnSpc>
                 <a:spcPct val="150000"/>
               </a:lnSpc>
-              <a:buFont typeface="Arial" panose="020B0604020202020204" pitchFamily="34" charset="0"/>
-              <a:buChar char="•"/>
+              <a:buFont typeface="Wingdings" panose="05000000000000000000" pitchFamily="2" charset="2"/>
+              <a:buChar char="Ø"/>
             </a:pPr>
             <a:r>
+              <a:rPr lang="ko-KR" altLang="en-US" sz="1600" dirty="0"/>
+              <a:t>무기 스킬 </a:t>
+            </a:r>
+            <a:r>
+              <a:rPr lang="en-US" altLang="ko-KR" sz="1600" dirty="0"/>
+              <a:t>2</a:t>
+            </a:r>
+            <a:r>
+              <a:rPr lang="ko-KR" altLang="en-US" sz="1600" dirty="0"/>
+              <a:t>종은 무기가 가지고 있는 기본 스킬</a:t>
+            </a:r>
+            <a:r>
+              <a:rPr lang="en-US" altLang="ko-KR" sz="1600" dirty="0"/>
+              <a:t>.</a:t>
+            </a:r>
+          </a:p>
+          <a:p>
+            <a:pPr marL="1257300" lvl="2" indent="-342900">
+              <a:lnSpc>
+                <a:spcPct val="150000"/>
+              </a:lnSpc>
+              <a:buFont typeface="Wingdings" panose="05000000000000000000" pitchFamily="2" charset="2"/>
+              <a:buChar char="§"/>
+            </a:pPr>
+            <a:r>
               <a:rPr lang="ko-KR" altLang="en-US" dirty="0"/>
-              <a:t>소비 아이템은 캐릭터가 장착한 아이템</a:t>
+              <a:t>아이템은 현재 장착 중인 회복 아이템이 사용된다</a:t>
+            </a:r>
+            <a:r>
+              <a:rPr lang="en-US" altLang="ko-KR" dirty="0"/>
+              <a:t>.</a:t>
+            </a:r>
+          </a:p>
+          <a:p>
+            <a:pPr marL="1714500" lvl="3" indent="-342900">
+              <a:lnSpc>
+                <a:spcPct val="150000"/>
+              </a:lnSpc>
+              <a:buFont typeface="Wingdings" panose="05000000000000000000" pitchFamily="2" charset="2"/>
+              <a:buChar char="Ø"/>
+            </a:pPr>
+            <a:r>
+              <a:rPr lang="ko-KR" altLang="en-US" dirty="0"/>
+              <a:t>최대 사용 횟수가 정해져 있는 리필 시스템</a:t>
             </a:r>
             <a:r>
               <a:rPr lang="en-US" altLang="ko-KR" dirty="0"/>
@@ -15629,7 +15259,7 @@
             </a:r>
             <a:r>
               <a:rPr lang="ko-KR" altLang="en-US" dirty="0"/>
-              <a:t>사용 시 소비된다</a:t>
+              <a:t>마을로 돌아가면 충전된다</a:t>
             </a:r>
             <a:r>
               <a:rPr lang="en-US" altLang="ko-KR" dirty="0"/>
@@ -15642,258 +15272,6 @@
     <p:extLst>
       <p:ext uri="{BB962C8B-B14F-4D97-AF65-F5344CB8AC3E}">
         <p14:creationId xmlns:p14="http://schemas.microsoft.com/office/powerpoint/2010/main" val="382039306"/>
-      </p:ext>
-    </p:extLst>
-  </p:cSld>
-  <p:clrMapOvr>
-    <a:masterClrMapping/>
-  </p:clrMapOvr>
-</p:sld>
-</file>
-
-<file path=ppt/slides/slide8.xml><?xml version="1.0" encoding="utf-8"?>
-<p:sld xmlns:a="http://schemas.openxmlformats.org/drawingml/2006/main" xmlns:r="http://schemas.openxmlformats.org/officeDocument/2006/relationships" xmlns:p="http://schemas.openxmlformats.org/presentationml/2006/main">
-  <p:cSld>
-    <p:bg>
-      <p:bgPr>
-        <a:solidFill>
-          <a:schemeClr val="bg1"/>
-        </a:solidFill>
-        <a:effectLst/>
-      </p:bgPr>
-    </p:bg>
-    <p:spTree>
-      <p:nvGrpSpPr>
-        <p:cNvPr id="1" name=""/>
-        <p:cNvGrpSpPr/>
-        <p:nvPr/>
-      </p:nvGrpSpPr>
-      <p:grpSpPr>
-        <a:xfrm>
-          <a:off x="0" y="0"/>
-          <a:ext cx="0" cy="0"/>
-          <a:chOff x="0" y="0"/>
-          <a:chExt cx="0" cy="0"/>
-        </a:xfrm>
-      </p:grpSpPr>
-      <p:sp>
-        <p:nvSpPr>
-          <p:cNvPr id="2" name="TextBox 1">
-            <a:extLst>
-              <a:ext uri="{FF2B5EF4-FFF2-40B4-BE49-F238E27FC236}">
-                <a16:creationId xmlns:a16="http://schemas.microsoft.com/office/drawing/2014/main" id="{3D8234D3-76BA-40E8-B674-7CA9A597111B}"/>
-              </a:ext>
-            </a:extLst>
-          </p:cNvPr>
-          <p:cNvSpPr txBox="1"/>
-          <p:nvPr/>
-        </p:nvSpPr>
-        <p:spPr>
-          <a:xfrm>
-            <a:off x="528918" y="528918"/>
-            <a:ext cx="1189749" cy="369332"/>
-          </a:xfrm>
-          <a:prstGeom prst="rect">
-            <a:avLst/>
-          </a:prstGeom>
-          <a:noFill/>
-        </p:spPr>
-        <p:txBody>
-          <a:bodyPr wrap="none" rtlCol="0">
-            <a:spAutoFit/>
-          </a:bodyPr>
-          <a:lstStyle/>
-          <a:p>
-            <a:r>
-              <a:rPr lang="ko-KR" altLang="en-US" dirty="0"/>
-              <a:t>게임 컨셉</a:t>
-            </a:r>
-          </a:p>
-        </p:txBody>
-      </p:sp>
-      <p:sp>
-        <p:nvSpPr>
-          <p:cNvPr id="3" name="TextBox 2">
-            <a:extLst>
-              <a:ext uri="{FF2B5EF4-FFF2-40B4-BE49-F238E27FC236}">
-                <a16:creationId xmlns:a16="http://schemas.microsoft.com/office/drawing/2014/main" id="{9B6989C5-A48C-D71D-0A85-E8852031CAFA}"/>
-              </a:ext>
-            </a:extLst>
-          </p:cNvPr>
-          <p:cNvSpPr txBox="1"/>
-          <p:nvPr/>
-        </p:nvSpPr>
-        <p:spPr>
-          <a:xfrm>
-            <a:off x="1195509" y="1747545"/>
-            <a:ext cx="8593949" cy="1682961"/>
-          </a:xfrm>
-          <a:prstGeom prst="rect">
-            <a:avLst/>
-          </a:prstGeom>
-          <a:noFill/>
-        </p:spPr>
-        <p:txBody>
-          <a:bodyPr wrap="square" rtlCol="0">
-            <a:spAutoFit/>
-          </a:bodyPr>
-          <a:lstStyle/>
-          <a:p>
-            <a:pPr marL="342900" indent="-342900">
-              <a:lnSpc>
-                <a:spcPct val="150000"/>
-              </a:lnSpc>
-              <a:buFont typeface="Arial" panose="020B0604020202020204" pitchFamily="34" charset="0"/>
-              <a:buChar char="•"/>
-            </a:pPr>
-            <a:r>
-              <a:rPr lang="ko-KR" altLang="en-US" sz="2400" dirty="0"/>
-              <a:t>밝고 가벼운 판타지 모험담</a:t>
-            </a:r>
-            <a:endParaRPr lang="en-US" altLang="ko-KR" sz="2400" dirty="0"/>
-          </a:p>
-          <a:p>
-            <a:pPr marL="342900" indent="-342900">
-              <a:lnSpc>
-                <a:spcPct val="150000"/>
-              </a:lnSpc>
-              <a:buFont typeface="Arial" panose="020B0604020202020204" pitchFamily="34" charset="0"/>
-              <a:buChar char="•"/>
-            </a:pPr>
-            <a:r>
-              <a:rPr lang="ko-KR" altLang="en-US" sz="2400" dirty="0"/>
-              <a:t>다종다양하고 커스텀 폭이 넓은 장비</a:t>
-            </a:r>
-            <a:endParaRPr lang="en-US" altLang="ko-KR" sz="2400" dirty="0"/>
-          </a:p>
-          <a:p>
-            <a:pPr marL="342900" indent="-342900">
-              <a:lnSpc>
-                <a:spcPct val="150000"/>
-              </a:lnSpc>
-              <a:buFont typeface="Arial" panose="020B0604020202020204" pitchFamily="34" charset="0"/>
-              <a:buChar char="•"/>
-            </a:pPr>
-            <a:r>
-              <a:rPr lang="ko-KR" altLang="en-US" sz="2400" dirty="0"/>
-              <a:t>장비 만큼이나 다양한 몬스터</a:t>
-            </a:r>
-          </a:p>
-        </p:txBody>
-      </p:sp>
-      <p:sp>
-        <p:nvSpPr>
-          <p:cNvPr id="4" name="TextBox 3">
-            <a:extLst>
-              <a:ext uri="{FF2B5EF4-FFF2-40B4-BE49-F238E27FC236}">
-                <a16:creationId xmlns:a16="http://schemas.microsoft.com/office/drawing/2014/main" id="{2D349F98-495D-F7A1-2DD1-7F29924E01A3}"/>
-              </a:ext>
-            </a:extLst>
-          </p:cNvPr>
-          <p:cNvSpPr txBox="1"/>
-          <p:nvPr/>
-        </p:nvSpPr>
-        <p:spPr>
-          <a:xfrm>
-            <a:off x="3777345" y="3896045"/>
-            <a:ext cx="7604967" cy="1666546"/>
-          </a:xfrm>
-          <a:prstGeom prst="rect">
-            <a:avLst/>
-          </a:prstGeom>
-          <a:noFill/>
-        </p:spPr>
-        <p:txBody>
-          <a:bodyPr wrap="none" rtlCol="0">
-            <a:spAutoFit/>
-          </a:bodyPr>
-          <a:lstStyle/>
-          <a:p>
-            <a:pPr>
-              <a:lnSpc>
-                <a:spcPct val="150000"/>
-              </a:lnSpc>
-            </a:pPr>
-            <a:r>
-              <a:rPr lang="ko-KR" altLang="en-US" sz="1400" dirty="0"/>
-              <a:t>기타 컨셉</a:t>
-            </a:r>
-            <a:endParaRPr lang="en-US" altLang="ko-KR" sz="1400" dirty="0"/>
-          </a:p>
-          <a:p>
-            <a:pPr marL="342900" indent="-342900">
-              <a:lnSpc>
-                <a:spcPct val="150000"/>
-              </a:lnSpc>
-              <a:buAutoNum type="arabicPeriod"/>
-            </a:pPr>
-            <a:r>
-              <a:rPr lang="en-US" altLang="ko-KR" sz="1400" dirty="0"/>
-              <a:t>NPC</a:t>
-            </a:r>
-            <a:r>
-              <a:rPr lang="ko-KR" altLang="en-US" sz="1400" dirty="0"/>
-              <a:t>와의 대화가 재미있는 게임</a:t>
-            </a:r>
-            <a:r>
-              <a:rPr lang="en-US" altLang="ko-KR" sz="1400" dirty="0"/>
-              <a:t>.</a:t>
-            </a:r>
-          </a:p>
-          <a:p>
-            <a:pPr marL="342900" indent="-342900">
-              <a:lnSpc>
-                <a:spcPct val="150000"/>
-              </a:lnSpc>
-              <a:buAutoNum type="arabicPeriod"/>
-            </a:pPr>
-            <a:r>
-              <a:rPr lang="ko-KR" altLang="en-US" sz="1400" dirty="0"/>
-              <a:t>베이스 아이템에 스킬과 특성을 부여하는 특유의 장비 시스템</a:t>
-            </a:r>
-            <a:r>
-              <a:rPr lang="en-US" altLang="ko-KR" sz="1400" dirty="0"/>
-              <a:t>.</a:t>
-            </a:r>
-          </a:p>
-          <a:p>
-            <a:pPr marL="342900" indent="-342900">
-              <a:lnSpc>
-                <a:spcPct val="150000"/>
-              </a:lnSpc>
-              <a:buAutoNum type="arabicPeriod"/>
-            </a:pPr>
-            <a:r>
-              <a:rPr lang="ko-KR" altLang="en-US" sz="1400" dirty="0"/>
-              <a:t>특성 뿐만이 아니라 스킬도 랜덤하게 붙어서 같은 적도 다른 느낌이 드는 특유의 시스템</a:t>
-            </a:r>
-            <a:r>
-              <a:rPr lang="en-US" altLang="ko-KR" sz="1400" dirty="0"/>
-              <a:t>.</a:t>
-            </a:r>
-          </a:p>
-          <a:p>
-            <a:pPr marL="342900" indent="-342900">
-              <a:lnSpc>
-                <a:spcPct val="150000"/>
-              </a:lnSpc>
-              <a:buAutoNum type="arabicPeriod"/>
-            </a:pPr>
-            <a:r>
-              <a:rPr lang="ko-KR" altLang="en-US" sz="1400" dirty="0"/>
-              <a:t>간단하고 직관적인 구성</a:t>
-            </a:r>
-            <a:r>
-              <a:rPr lang="en-US" altLang="ko-KR" sz="1400" dirty="0"/>
-              <a:t>.</a:t>
-            </a:r>
-          </a:p>
-        </p:txBody>
-      </p:sp>
-    </p:spTree>
-    <p:extLst>
-      <p:ext uri="{BB962C8B-B14F-4D97-AF65-F5344CB8AC3E}">
-        <p14:creationId xmlns:p14="http://schemas.microsoft.com/office/powerpoint/2010/main" val="2304444735"/>
       </p:ext>
     </p:extLst>
   </p:cSld>
